--- a/Dokumente/Präsentationen/2019-04-29_DA_Feldkemper_Probeverteidigung.pptx
+++ b/Dokumente/Präsentationen/2019-04-29_DA_Feldkemper_Probeverteidigung.pptx
@@ -5,34 +5,44 @@
     <p:sldMasterId id="2147483891" r:id="rId1"/>
   </p:sldMasterIdLst>
   <p:notesMasterIdLst>
-    <p:notesMasterId r:id="rId7"/>
+    <p:notesMasterId r:id="rId17"/>
   </p:notesMasterIdLst>
   <p:handoutMasterIdLst>
-    <p:handoutMasterId r:id="rId8"/>
+    <p:handoutMasterId r:id="rId18"/>
   </p:handoutMasterIdLst>
   <p:sldIdLst>
     <p:sldId id="319" r:id="rId2"/>
     <p:sldId id="333" r:id="rId3"/>
     <p:sldId id="334" r:id="rId4"/>
-    <p:sldId id="335" r:id="rId5"/>
-    <p:sldId id="331" r:id="rId6"/>
+    <p:sldId id="336" r:id="rId5"/>
+    <p:sldId id="337" r:id="rId6"/>
+    <p:sldId id="338" r:id="rId7"/>
+    <p:sldId id="339" r:id="rId8"/>
+    <p:sldId id="345" r:id="rId9"/>
+    <p:sldId id="340" r:id="rId10"/>
+    <p:sldId id="341" r:id="rId11"/>
+    <p:sldId id="342" r:id="rId12"/>
+    <p:sldId id="335" r:id="rId13"/>
+    <p:sldId id="331" r:id="rId14"/>
+    <p:sldId id="344" r:id="rId15"/>
+    <p:sldId id="343" r:id="rId16"/>
   </p:sldIdLst>
   <p:sldSz cx="12192000" cy="6858000"/>
   <p:notesSz cx="6858000" cy="9144000"/>
   <p:embeddedFontLst>
     <p:embeddedFont>
       <p:font typeface="Calibri" panose="020F0502020204030204" pitchFamily="34" charset="0"/>
-      <p:regular r:id="rId9"/>
-      <p:bold r:id="rId10"/>
-      <p:italic r:id="rId11"/>
-      <p:boldItalic r:id="rId12"/>
+      <p:regular r:id="rId19"/>
+      <p:bold r:id="rId20"/>
+      <p:italic r:id="rId21"/>
+      <p:boldItalic r:id="rId22"/>
     </p:embeddedFont>
     <p:embeddedFont>
-      <p:font typeface="Open Sans" panose="020B0606030504020204" pitchFamily="34" charset="0"/>
-      <p:regular r:id="rId13"/>
-      <p:bold r:id="rId14"/>
-      <p:italic r:id="rId15"/>
-      <p:boldItalic r:id="rId16"/>
+      <p:font typeface="Open Sans" panose="020B0604020202020204" charset="0"/>
+      <p:regular r:id="rId23"/>
+      <p:bold r:id="rId24"/>
+      <p:italic r:id="rId25"/>
+      <p:boldItalic r:id="rId26"/>
     </p:embeddedFont>
   </p:embeddedFontLst>
   <p:defaultTextStyle>
@@ -138,8 +148,38 @@
             <p14:sldId id="319"/>
             <p14:sldId id="333"/>
             <p14:sldId id="334"/>
+          </p14:sldIdLst>
+        </p14:section>
+        <p14:section name="Stand der Technik" id="{CDD8C508-1B50-46D6-B7CC-FFB52AE2B290}">
+          <p14:sldIdLst>
+            <p14:sldId id="336"/>
+            <p14:sldId id="337"/>
+          </p14:sldIdLst>
+        </p14:section>
+        <p14:section name="Analyse" id="{6368FECF-A9D6-4E2B-850A-51450B704BAA}">
+          <p14:sldIdLst>
+            <p14:sldId id="338"/>
+            <p14:sldId id="339"/>
+            <p14:sldId id="345"/>
+          </p14:sldIdLst>
+        </p14:section>
+        <p14:section name="Konzept" id="{E376154F-9774-459E-9E9C-59AD327EB00C}">
+          <p14:sldIdLst>
+            <p14:sldId id="340"/>
+            <p14:sldId id="341"/>
+          </p14:sldIdLst>
+        </p14:section>
+        <p14:section name="Auswertung" id="{C402185C-43CD-4F2F-BA95-BFAFA12FB760}">
+          <p14:sldIdLst>
+            <p14:sldId id="342"/>
             <p14:sldId id="335"/>
+          </p14:sldIdLst>
+        </p14:section>
+        <p14:section name="Ende" id="{3CAF6AEF-7310-44C9-8E19-98BEE105B6AD}">
+          <p14:sldIdLst>
             <p14:sldId id="331"/>
+            <p14:sldId id="344"/>
+            <p14:sldId id="343"/>
           </p14:sldIdLst>
         </p14:section>
         <p14:section name="Backup" id="{11E1ABF5-BE9C-4ED3-BFED-F3FA90A74AB7}">
@@ -248,7 +288,7 @@
           <a:p>
             <a:fld id="{C6AC6211-610F-44E5-BF19-D3CDF6EDD281}" type="datetimeFigureOut">
               <a:rPr lang="de-DE" smtClean="0"/>
-              <a:t>29.03.19</a:t>
+              <a:t>29.03.2019</a:t>
             </a:fld>
             <a:endParaRPr lang="de-DE"/>
           </a:p>
@@ -414,7 +454,7 @@
           <a:p>
             <a:fld id="{347435D3-23A6-45D3-8DFA-7317DC1E7A64}" type="datetimeFigureOut">
               <a:rPr lang="de-DE" smtClean="0"/>
-              <a:t>29.03.19</a:t>
+              <a:t>29.03.2019</a:t>
             </a:fld>
             <a:endParaRPr lang="de-DE"/>
           </a:p>
@@ -839,7 +879,7 @@
           <a:p>
             <a:fld id="{2969AC09-DF60-43F4-96BF-67D4D9A74094}" type="slidenum">
               <a:rPr lang="de-DE" smtClean="0"/>
-              <a:t>5</a:t>
+              <a:t>13</a:t>
             </a:fld>
             <a:endParaRPr lang="de-DE"/>
           </a:p>
@@ -849,6 +889,90 @@
     <p:extLst>
       <p:ext uri="{BB962C8B-B14F-4D97-AF65-F5344CB8AC3E}">
         <p14:creationId xmlns:p14="http://schemas.microsoft.com/office/powerpoint/2010/main" val="594324531"/>
+      </p:ext>
+    </p:extLst>
+  </p:cSld>
+  <p:clrMapOvr>
+    <a:masterClrMapping/>
+  </p:clrMapOvr>
+</p:notes>
+</file>
+
+<file path=ppt/notesSlides/notesSlide3.xml><?xml version="1.0" encoding="utf-8"?>
+<p:notes xmlns:a="http://schemas.openxmlformats.org/drawingml/2006/main" xmlns:r="http://schemas.openxmlformats.org/officeDocument/2006/relationships" xmlns:p="http://schemas.openxmlformats.org/presentationml/2006/main">
+  <p:cSld>
+    <p:spTree>
+      <p:nvGrpSpPr>
+        <p:cNvPr id="1" name=""/>
+        <p:cNvGrpSpPr/>
+        <p:nvPr/>
+      </p:nvGrpSpPr>
+      <p:grpSpPr>
+        <a:xfrm>
+          <a:off x="0" y="0"/>
+          <a:ext cx="0" cy="0"/>
+          <a:chOff x="0" y="0"/>
+          <a:chExt cx="0" cy="0"/>
+        </a:xfrm>
+      </p:grpSpPr>
+      <p:sp>
+        <p:nvSpPr>
+          <p:cNvPr id="2" name="Folienbildplatzhalter 1"/>
+          <p:cNvSpPr>
+            <a:spLocks noGrp="1" noRot="1" noChangeAspect="1"/>
+          </p:cNvSpPr>
+          <p:nvPr>
+            <p:ph type="sldImg"/>
+          </p:nvPr>
+        </p:nvSpPr>
+        <p:spPr/>
+      </p:sp>
+      <p:sp>
+        <p:nvSpPr>
+          <p:cNvPr id="3" name="Notizenplatzhalter 2"/>
+          <p:cNvSpPr>
+            <a:spLocks noGrp="1"/>
+          </p:cNvSpPr>
+          <p:nvPr>
+            <p:ph type="body" idx="1"/>
+          </p:nvPr>
+        </p:nvSpPr>
+        <p:spPr/>
+        <p:txBody>
+          <a:bodyPr/>
+          <a:lstStyle/>
+          <a:p>
+            <a:endParaRPr lang="de-DE" dirty="0"/>
+          </a:p>
+        </p:txBody>
+      </p:sp>
+      <p:sp>
+        <p:nvSpPr>
+          <p:cNvPr id="4" name="Foliennummernplatzhalter 3"/>
+          <p:cNvSpPr>
+            <a:spLocks noGrp="1"/>
+          </p:cNvSpPr>
+          <p:nvPr>
+            <p:ph type="sldNum" sz="quarter" idx="5"/>
+          </p:nvPr>
+        </p:nvSpPr>
+        <p:spPr/>
+        <p:txBody>
+          <a:bodyPr/>
+          <a:lstStyle/>
+          <a:p>
+            <a:fld id="{2969AC09-DF60-43F4-96BF-67D4D9A74094}" type="slidenum">
+              <a:rPr lang="de-DE" smtClean="0"/>
+              <a:t>15</a:t>
+            </a:fld>
+            <a:endParaRPr lang="de-DE"/>
+          </a:p>
+        </p:txBody>
+      </p:sp>
+    </p:spTree>
+    <p:extLst>
+      <p:ext uri="{BB962C8B-B14F-4D97-AF65-F5344CB8AC3E}">
+        <p14:creationId xmlns:p14="http://schemas.microsoft.com/office/powerpoint/2010/main" val="925047650"/>
       </p:ext>
     </p:extLst>
   </p:cSld>
@@ -880,7 +1004,7 @@
           <p:cNvPr id="15" name="Rechteck 14">
             <a:extLst>
               <a:ext uri="{FF2B5EF4-FFF2-40B4-BE49-F238E27FC236}">
-                <a16:creationId xmlns:a16="http://schemas.microsoft.com/office/drawing/2014/main" id="{F770C3AA-244C-A141-BC22-D074823F4293}"/>
+                <a16:creationId xmlns:a16="http://schemas.microsoft.com/office/drawing/2014/main" xmlns="" id="{F770C3AA-244C-A141-BC22-D074823F4293}"/>
               </a:ext>
             </a:extLst>
           </p:cNvPr>
@@ -1120,7 +1244,7 @@
           <p:cNvPr id="5" name="Grafik 4">
             <a:extLst>
               <a:ext uri="{FF2B5EF4-FFF2-40B4-BE49-F238E27FC236}">
-                <a16:creationId xmlns:a16="http://schemas.microsoft.com/office/drawing/2014/main" id="{C0F785FA-BB6E-6347-A8C6-9846216D4CBB}"/>
+                <a16:creationId xmlns:a16="http://schemas.microsoft.com/office/drawing/2014/main" xmlns="" id="{C0F785FA-BB6E-6347-A8C6-9846216D4CBB}"/>
               </a:ext>
             </a:extLst>
           </p:cNvPr>
@@ -1309,7 +1433,7 @@
           <p:cNvPr id="12" name="Grafik 11" hidden="1">
             <a:extLst>
               <a:ext uri="{FF2B5EF4-FFF2-40B4-BE49-F238E27FC236}">
-                <a16:creationId xmlns:a16="http://schemas.microsoft.com/office/drawing/2014/main" id="{CFC0D4A5-64CF-6D49-98B1-9FF6119E60EC}"/>
+                <a16:creationId xmlns:a16="http://schemas.microsoft.com/office/drawing/2014/main" xmlns="" id="{CFC0D4A5-64CF-6D49-98B1-9FF6119E60EC}"/>
               </a:ext>
             </a:extLst>
           </p:cNvPr>
@@ -1339,7 +1463,7 @@
           <p:cNvPr id="17" name="Grafik 16">
             <a:extLst>
               <a:ext uri="{FF2B5EF4-FFF2-40B4-BE49-F238E27FC236}">
-                <a16:creationId xmlns:a16="http://schemas.microsoft.com/office/drawing/2014/main" id="{22ECE872-F4EF-2A49-BA96-6065BC99D769}"/>
+                <a16:creationId xmlns:a16="http://schemas.microsoft.com/office/drawing/2014/main" xmlns="" id="{22ECE872-F4EF-2A49-BA96-6065BC99D769}"/>
               </a:ext>
             </a:extLst>
           </p:cNvPr>
@@ -1609,7 +1733,7 @@
           <p:cNvPr id="24" name="Bildplatzhalter 23">
             <a:extLst>
               <a:ext uri="{FF2B5EF4-FFF2-40B4-BE49-F238E27FC236}">
-                <a16:creationId xmlns:a16="http://schemas.microsoft.com/office/drawing/2014/main" id="{24A56C48-CA8D-D349-89CC-35C3A65DC4D5}"/>
+                <a16:creationId xmlns:a16="http://schemas.microsoft.com/office/drawing/2014/main" xmlns="" id="{24A56C48-CA8D-D349-89CC-35C3A65DC4D5}"/>
               </a:ext>
             </a:extLst>
           </p:cNvPr>
@@ -1923,7 +2047,7 @@
           <p:cNvPr id="6" name="Textplatzhalter 5">
             <a:extLst>
               <a:ext uri="{FF2B5EF4-FFF2-40B4-BE49-F238E27FC236}">
-                <a16:creationId xmlns:a16="http://schemas.microsoft.com/office/drawing/2014/main" id="{2E77FCEF-52F5-324B-A583-005ABCE0E622}"/>
+                <a16:creationId xmlns:a16="http://schemas.microsoft.com/office/drawing/2014/main" xmlns="" id="{2E77FCEF-52F5-324B-A583-005ABCE0E622}"/>
               </a:ext>
             </a:extLst>
           </p:cNvPr>
@@ -1961,7 +2085,7 @@
           <p:cNvPr id="13" name="Grafik 12">
             <a:extLst>
               <a:ext uri="{FF2B5EF4-FFF2-40B4-BE49-F238E27FC236}">
-                <a16:creationId xmlns:a16="http://schemas.microsoft.com/office/drawing/2014/main" id="{F84F96E3-FAED-E24A-9E01-BBA4824F0E34}"/>
+                <a16:creationId xmlns:a16="http://schemas.microsoft.com/office/drawing/2014/main" xmlns="" id="{F84F96E3-FAED-E24A-9E01-BBA4824F0E34}"/>
               </a:ext>
             </a:extLst>
           </p:cNvPr>
@@ -2132,7 +2256,7 @@
           <p:cNvPr id="6" name="Rechteck 5">
             <a:extLst>
               <a:ext uri="{FF2B5EF4-FFF2-40B4-BE49-F238E27FC236}">
-                <a16:creationId xmlns:a16="http://schemas.microsoft.com/office/drawing/2014/main" id="{2447D286-D9F9-E84F-9173-2C8D2D2068E1}"/>
+                <a16:creationId xmlns:a16="http://schemas.microsoft.com/office/drawing/2014/main" xmlns="" id="{2447D286-D9F9-E84F-9173-2C8D2D2068E1}"/>
               </a:ext>
             </a:extLst>
           </p:cNvPr>
@@ -2199,7 +2323,7 @@
           <p:cNvPr id="10" name="Grafik 9">
             <a:extLst>
               <a:ext uri="{FF2B5EF4-FFF2-40B4-BE49-F238E27FC236}">
-                <a16:creationId xmlns:a16="http://schemas.microsoft.com/office/drawing/2014/main" id="{E4DBCC79-CA26-C240-B119-9127A62CDBA8}"/>
+                <a16:creationId xmlns:a16="http://schemas.microsoft.com/office/drawing/2014/main" xmlns="" id="{E4DBCC79-CA26-C240-B119-9127A62CDBA8}"/>
               </a:ext>
             </a:extLst>
           </p:cNvPr>
@@ -2301,7 +2425,7 @@
           <p:cNvPr id="5" name="Rechteck 4">
             <a:extLst>
               <a:ext uri="{FF2B5EF4-FFF2-40B4-BE49-F238E27FC236}">
-                <a16:creationId xmlns:a16="http://schemas.microsoft.com/office/drawing/2014/main" id="{FD770378-5F2D-DE46-8D66-09007E946AD3}"/>
+                <a16:creationId xmlns:a16="http://schemas.microsoft.com/office/drawing/2014/main" xmlns="" id="{FD770378-5F2D-DE46-8D66-09007E946AD3}"/>
               </a:ext>
             </a:extLst>
           </p:cNvPr>
@@ -2365,7 +2489,7 @@
           <p:cNvPr id="4" name="Grafik 3">
             <a:extLst>
               <a:ext uri="{FF2B5EF4-FFF2-40B4-BE49-F238E27FC236}">
-                <a16:creationId xmlns:a16="http://schemas.microsoft.com/office/drawing/2014/main" id="{4FE30B28-5777-FC40-9C3F-81738D289A6A}"/>
+                <a16:creationId xmlns:a16="http://schemas.microsoft.com/office/drawing/2014/main" xmlns="" id="{4FE30B28-5777-FC40-9C3F-81738D289A6A}"/>
               </a:ext>
             </a:extLst>
           </p:cNvPr>
@@ -3314,6 +3438,17 @@
               <a:tabLst/>
               <a:defRPr/>
             </a:pPr>
+            <a:r>
+              <a:rPr lang="de-DE" sz="800" dirty="0">
+                <a:solidFill>
+                  <a:schemeClr val="bg2"/>
+                </a:solidFill>
+                <a:latin typeface="Open Sans" panose="020B0606030504020204" pitchFamily="34" charset="0"/>
+                <a:ea typeface="Open Sans" panose="020B0606030504020204" pitchFamily="34" charset="0"/>
+                <a:cs typeface="Open Sans" panose="020B0606030504020204" pitchFamily="34" charset="0"/>
+              </a:rPr>
+              <a:t/>
+            </a:r>
             <a:br>
               <a:rPr lang="de-DE" sz="800" dirty="0">
                 <a:solidFill>
@@ -3477,7 +3612,7 @@
           <p:cNvPr id="13" name="Grafik 12">
             <a:extLst>
               <a:ext uri="{FF2B5EF4-FFF2-40B4-BE49-F238E27FC236}">
-                <a16:creationId xmlns:a16="http://schemas.microsoft.com/office/drawing/2014/main" id="{2DC3CACD-C7C8-274E-BCD4-043370996A48}"/>
+                <a16:creationId xmlns:a16="http://schemas.microsoft.com/office/drawing/2014/main" xmlns="" id="{2DC3CACD-C7C8-274E-BCD4-043370996A48}"/>
               </a:ext>
             </a:extLst>
           </p:cNvPr>
@@ -4043,9 +4178,10 @@
           <a:lstStyle/>
           <a:p>
             <a:r>
-              <a:rPr lang="de-DE" dirty="0"/>
-              <a:t>Zwischenpräsentation Diplomarbeit</a:t>
-            </a:r>
+              <a:rPr lang="de-DE" dirty="0" smtClean="0"/>
+              <a:t>Probeverteidigung Diplomarbeit</a:t>
+            </a:r>
+            <a:endParaRPr lang="de-DE" dirty="0"/>
           </a:p>
         </p:txBody>
       </p:sp>
@@ -4088,7 +4224,7 @@
 </p:sld>
 </file>
 
-<file path=ppt/slides/slide2.xml><?xml version="1.0" encoding="utf-8"?>
+<file path=ppt/slides/slide10.xml><?xml version="1.0" encoding="utf-8"?>
 <p:sld xmlns:a="http://schemas.openxmlformats.org/drawingml/2006/main" xmlns:r="http://schemas.openxmlformats.org/officeDocument/2006/relationships" xmlns:p="http://schemas.openxmlformats.org/presentationml/2006/main">
   <p:cSld>
     <p:spTree>
@@ -4107,13 +4243,7 @@
       </p:grpSpPr>
       <p:sp>
         <p:nvSpPr>
-          <p:cNvPr id="2" name="Titel 1">
-            <a:extLst>
-              <a:ext uri="{FF2B5EF4-FFF2-40B4-BE49-F238E27FC236}">
-                <a16:creationId xmlns:a16="http://schemas.microsoft.com/office/drawing/2014/main" id="{565721FC-DA9D-7F4A-AC0A-E966CE252A2E}"/>
-              </a:ext>
-            </a:extLst>
-          </p:cNvPr>
+          <p:cNvPr id="2" name="Titel 1"/>
           <p:cNvSpPr>
             <a:spLocks noGrp="1"/>
           </p:cNvSpPr>
@@ -4126,19 +4256,13 @@
           <a:bodyPr/>
           <a:lstStyle/>
           <a:p>
-            <a:endParaRPr lang="de-DE" dirty="0"/>
-          </a:p>
-        </p:txBody>
-      </p:sp>
-      <p:sp>
-        <p:nvSpPr>
-          <p:cNvPr id="3" name="Inhaltsplatzhalter 2">
-            <a:extLst>
-              <a:ext uri="{FF2B5EF4-FFF2-40B4-BE49-F238E27FC236}">
-                <a16:creationId xmlns:a16="http://schemas.microsoft.com/office/drawing/2014/main" id="{7BC546D6-763F-B24A-8574-574230D5F15C}"/>
-              </a:ext>
-            </a:extLst>
-          </p:cNvPr>
+            <a:endParaRPr lang="de-DE"/>
+          </a:p>
+        </p:txBody>
+      </p:sp>
+      <p:sp>
+        <p:nvSpPr>
+          <p:cNvPr id="3" name="Inhaltsplatzhalter 2"/>
           <p:cNvSpPr>
             <a:spLocks noGrp="1"/>
           </p:cNvSpPr>
@@ -4158,7 +4282,7 @@
     </p:spTree>
     <p:extLst>
       <p:ext uri="{BB962C8B-B14F-4D97-AF65-F5344CB8AC3E}">
-        <p14:creationId xmlns:p14="http://schemas.microsoft.com/office/powerpoint/2010/main" val="1744069274"/>
+        <p14:creationId xmlns:p14="http://schemas.microsoft.com/office/powerpoint/2010/main" val="495992997"/>
       </p:ext>
     </p:extLst>
   </p:cSld>
@@ -4168,7 +4292,7 @@
 </p:sld>
 </file>
 
-<file path=ppt/slides/slide3.xml><?xml version="1.0" encoding="utf-8"?>
+<file path=ppt/slides/slide11.xml><?xml version="1.0" encoding="utf-8"?>
 <p:sld xmlns:a="http://schemas.openxmlformats.org/drawingml/2006/main" xmlns:r="http://schemas.openxmlformats.org/officeDocument/2006/relationships" xmlns:p="http://schemas.openxmlformats.org/presentationml/2006/main">
   <p:cSld>
     <p:spTree>
@@ -4187,13 +4311,7 @@
       </p:grpSpPr>
       <p:sp>
         <p:nvSpPr>
-          <p:cNvPr id="2" name="Titel 1">
-            <a:extLst>
-              <a:ext uri="{FF2B5EF4-FFF2-40B4-BE49-F238E27FC236}">
-                <a16:creationId xmlns:a16="http://schemas.microsoft.com/office/drawing/2014/main" id="{061E505A-8173-1347-AE02-C6C2BDD420BB}"/>
-              </a:ext>
-            </a:extLst>
-          </p:cNvPr>
+          <p:cNvPr id="2" name="Titel 1"/>
           <p:cNvSpPr>
             <a:spLocks noGrp="1"/>
           </p:cNvSpPr>
@@ -4212,13 +4330,7 @@
       </p:sp>
       <p:sp>
         <p:nvSpPr>
-          <p:cNvPr id="3" name="Inhaltsplatzhalter 2">
-            <a:extLst>
-              <a:ext uri="{FF2B5EF4-FFF2-40B4-BE49-F238E27FC236}">
-                <a16:creationId xmlns:a16="http://schemas.microsoft.com/office/drawing/2014/main" id="{D0A0BF6B-7F96-DE43-9BCC-CE8F4A9940F7}"/>
-              </a:ext>
-            </a:extLst>
-          </p:cNvPr>
+          <p:cNvPr id="3" name="Inhaltsplatzhalter 2"/>
           <p:cNvSpPr>
             <a:spLocks noGrp="1"/>
           </p:cNvSpPr>
@@ -4238,7 +4350,7 @@
     </p:spTree>
     <p:extLst>
       <p:ext uri="{BB962C8B-B14F-4D97-AF65-F5344CB8AC3E}">
-        <p14:creationId xmlns:p14="http://schemas.microsoft.com/office/powerpoint/2010/main" val="2434195809"/>
+        <p14:creationId xmlns:p14="http://schemas.microsoft.com/office/powerpoint/2010/main" val="1068502862"/>
       </p:ext>
     </p:extLst>
   </p:cSld>
@@ -4248,7 +4360,7 @@
 </p:sld>
 </file>
 
-<file path=ppt/slides/slide4.xml><?xml version="1.0" encoding="utf-8"?>
+<file path=ppt/slides/slide12.xml><?xml version="1.0" encoding="utf-8"?>
 <p:sld xmlns:a="http://schemas.openxmlformats.org/drawingml/2006/main" xmlns:r="http://schemas.openxmlformats.org/officeDocument/2006/relationships" xmlns:p="http://schemas.openxmlformats.org/presentationml/2006/main">
   <p:cSld>
     <p:spTree>
@@ -4270,7 +4382,7 @@
           <p:cNvPr id="2" name="Titel 1">
             <a:extLst>
               <a:ext uri="{FF2B5EF4-FFF2-40B4-BE49-F238E27FC236}">
-                <a16:creationId xmlns:a16="http://schemas.microsoft.com/office/drawing/2014/main" id="{B1F459B3-5CC9-8141-8CBB-3D63C0BD6799}"/>
+                <a16:creationId xmlns:a16="http://schemas.microsoft.com/office/drawing/2014/main" xmlns="" id="{B1F459B3-5CC9-8141-8CBB-3D63C0BD6799}"/>
               </a:ext>
             </a:extLst>
           </p:cNvPr>
@@ -4286,35 +4398,79 @@
           <a:bodyPr/>
           <a:lstStyle/>
           <a:p>
-            <a:endParaRPr lang="de-DE"/>
-          </a:p>
-        </p:txBody>
-      </p:sp>
-      <p:sp>
-        <p:nvSpPr>
-          <p:cNvPr id="3" name="Inhaltsplatzhalter 2">
-            <a:extLst>
-              <a:ext uri="{FF2B5EF4-FFF2-40B4-BE49-F238E27FC236}">
-                <a16:creationId xmlns:a16="http://schemas.microsoft.com/office/drawing/2014/main" id="{AA1160DB-1B70-0844-8E41-E74CCBDA2767}"/>
-              </a:ext>
-            </a:extLst>
-          </p:cNvPr>
-          <p:cNvSpPr>
-            <a:spLocks noGrp="1"/>
-          </p:cNvSpPr>
+            <a:r>
+              <a:rPr lang="de-DE" dirty="0" smtClean="0"/>
+              <a:t>Ausblick</a:t>
+            </a:r>
+            <a:endParaRPr lang="de-DE" dirty="0"/>
+          </a:p>
+        </p:txBody>
+      </p:sp>
+      <p:pic>
+        <p:nvPicPr>
+          <p:cNvPr id="4" name="Inhaltsplatzhalter 3"/>
+          <p:cNvPicPr>
+            <a:picLocks noGrp="1" noChangeAspect="1"/>
+          </p:cNvPicPr>
           <p:nvPr>
             <p:ph sz="quarter" idx="10"/>
           </p:nvPr>
-        </p:nvSpPr>
-        <p:spPr/>
-        <p:txBody>
-          <a:bodyPr/>
-          <a:lstStyle/>
-          <a:p>
-            <a:endParaRPr lang="de-DE"/>
-          </a:p>
-        </p:txBody>
-      </p:sp>
+        </p:nvPicPr>
+        <p:blipFill>
+          <a:blip r:embed="rId2" cstate="print">
+            <a:extLst>
+              <a:ext uri="{28A0092B-C50C-407E-A947-70E740481C1C}">
+                <a14:useLocalDpi xmlns:a14="http://schemas.microsoft.com/office/drawing/2010/main" val="0"/>
+              </a:ext>
+            </a:extLst>
+          </a:blip>
+          <a:stretch>
+            <a:fillRect/>
+          </a:stretch>
+        </p:blipFill>
+        <p:spPr>
+          <a:xfrm>
+            <a:off x="874712" y="1030288"/>
+            <a:ext cx="2001636" cy="1162402"/>
+          </a:xfrm>
+        </p:spPr>
+      </p:pic>
+      <p:cxnSp>
+        <p:nvCxnSpPr>
+          <p:cNvPr id="7" name="Gerade Verbindung mit Pfeil 6"/>
+          <p:cNvCxnSpPr/>
+          <p:nvPr/>
+        </p:nvCxnSpPr>
+        <p:spPr>
+          <a:xfrm>
+            <a:off x="3048000" y="1611489"/>
+            <a:ext cx="6461760" cy="0"/>
+          </a:xfrm>
+          <a:prstGeom prst="straightConnector1">
+            <a:avLst/>
+          </a:prstGeom>
+          <a:ln w="38100">
+            <a:solidFill>
+              <a:schemeClr val="accent3"/>
+            </a:solidFill>
+            <a:tailEnd type="triangle" w="lg" len="lg"/>
+          </a:ln>
+        </p:spPr>
+        <p:style>
+          <a:lnRef idx="1">
+            <a:schemeClr val="accent1"/>
+          </a:lnRef>
+          <a:fillRef idx="0">
+            <a:schemeClr val="accent1"/>
+          </a:fillRef>
+          <a:effectRef idx="0">
+            <a:schemeClr val="accent1"/>
+          </a:effectRef>
+          <a:fontRef idx="minor">
+            <a:schemeClr val="tx1"/>
+          </a:fontRef>
+        </p:style>
+      </p:cxnSp>
     </p:spTree>
     <p:extLst>
       <p:ext uri="{BB962C8B-B14F-4D97-AF65-F5344CB8AC3E}">
@@ -4328,7 +4484,7 @@
 </p:sld>
 </file>
 
-<file path=ppt/slides/slide5.xml><?xml version="1.0" encoding="utf-8"?>
+<file path=ppt/slides/slide13.xml><?xml version="1.0" encoding="utf-8"?>
 <p:sld xmlns:a="http://schemas.openxmlformats.org/drawingml/2006/main" xmlns:r="http://schemas.openxmlformats.org/officeDocument/2006/relationships" xmlns:p="http://schemas.openxmlformats.org/presentationml/2006/main">
   <p:cSld>
     <p:spTree>
@@ -4350,7 +4506,7 @@
           <p:cNvPr id="2" name="Titel 1">
             <a:extLst>
               <a:ext uri="{FF2B5EF4-FFF2-40B4-BE49-F238E27FC236}">
-                <a16:creationId xmlns:a16="http://schemas.microsoft.com/office/drawing/2014/main" id="{7BA8FE41-0B04-6748-9CA8-05F0AE81883B}"/>
+                <a16:creationId xmlns:a16="http://schemas.microsoft.com/office/drawing/2014/main" xmlns="" id="{7BA8FE41-0B04-6748-9CA8-05F0AE81883B}"/>
               </a:ext>
             </a:extLst>
           </p:cNvPr>
@@ -4383,7 +4539,7 @@
           <p:cNvPr id="12" name="Gruppieren 11">
             <a:extLst>
               <a:ext uri="{FF2B5EF4-FFF2-40B4-BE49-F238E27FC236}">
-                <a16:creationId xmlns:a16="http://schemas.microsoft.com/office/drawing/2014/main" id="{995F115A-CBCD-7A4D-8C0A-281259A5A3C1}"/>
+                <a16:creationId xmlns:a16="http://schemas.microsoft.com/office/drawing/2014/main" xmlns="" id="{995F115A-CBCD-7A4D-8C0A-281259A5A3C1}"/>
               </a:ext>
             </a:extLst>
           </p:cNvPr>
@@ -4403,7 +4559,7 @@
             <p:cNvPr id="4" name="Gruppieren 3">
               <a:extLst>
                 <a:ext uri="{FF2B5EF4-FFF2-40B4-BE49-F238E27FC236}">
-                  <a16:creationId xmlns:a16="http://schemas.microsoft.com/office/drawing/2014/main" id="{783A73D2-C025-644E-A194-3438D291D352}"/>
+                  <a16:creationId xmlns:a16="http://schemas.microsoft.com/office/drawing/2014/main" xmlns="" id="{783A73D2-C025-644E-A194-3438D291D352}"/>
                 </a:ext>
               </a:extLst>
             </p:cNvPr>
@@ -4423,7 +4579,7 @@
               <p:cNvPr id="5" name="Rechteck 4">
                 <a:extLst>
                   <a:ext uri="{FF2B5EF4-FFF2-40B4-BE49-F238E27FC236}">
-                    <a16:creationId xmlns:a16="http://schemas.microsoft.com/office/drawing/2014/main" id="{4F68B8E9-417E-0141-AE27-E298ED29929C}"/>
+                    <a16:creationId xmlns:a16="http://schemas.microsoft.com/office/drawing/2014/main" xmlns="" id="{4F68B8E9-417E-0141-AE27-E298ED29929C}"/>
                   </a:ext>
                 </a:extLst>
               </p:cNvPr>
@@ -4515,7 +4671,7 @@
               <p:cNvPr id="6" name="Rechteck 5">
                 <a:extLst>
                   <a:ext uri="{FF2B5EF4-FFF2-40B4-BE49-F238E27FC236}">
-                    <a16:creationId xmlns:a16="http://schemas.microsoft.com/office/drawing/2014/main" id="{B2717A64-B61E-B44C-B23D-CB509FB519CA}"/>
+                    <a16:creationId xmlns:a16="http://schemas.microsoft.com/office/drawing/2014/main" xmlns="" id="{B2717A64-B61E-B44C-B23D-CB509FB519CA}"/>
                   </a:ext>
                 </a:extLst>
               </p:cNvPr>
@@ -4574,7 +4730,7 @@
             <p:cNvPr id="7" name="Rechteck 6">
               <a:extLst>
                 <a:ext uri="{FF2B5EF4-FFF2-40B4-BE49-F238E27FC236}">
-                  <a16:creationId xmlns:a16="http://schemas.microsoft.com/office/drawing/2014/main" id="{6F92A16E-30FA-A34D-A87A-AD884881288C}"/>
+                  <a16:creationId xmlns:a16="http://schemas.microsoft.com/office/drawing/2014/main" xmlns="" id="{6F92A16E-30FA-A34D-A87A-AD884881288C}"/>
                 </a:ext>
               </a:extLst>
             </p:cNvPr>
@@ -4634,7 +4790,7 @@
           <p:cNvPr id="13" name="Gruppieren 12">
             <a:extLst>
               <a:ext uri="{FF2B5EF4-FFF2-40B4-BE49-F238E27FC236}">
-                <a16:creationId xmlns:a16="http://schemas.microsoft.com/office/drawing/2014/main" id="{214C6E04-BA76-3048-B247-843530C6F237}"/>
+                <a16:creationId xmlns:a16="http://schemas.microsoft.com/office/drawing/2014/main" xmlns="" id="{214C6E04-BA76-3048-B247-843530C6F237}"/>
               </a:ext>
             </a:extLst>
           </p:cNvPr>
@@ -4654,7 +4810,7 @@
             <p:cNvPr id="14" name="Gruppieren 13">
               <a:extLst>
                 <a:ext uri="{FF2B5EF4-FFF2-40B4-BE49-F238E27FC236}">
-                  <a16:creationId xmlns:a16="http://schemas.microsoft.com/office/drawing/2014/main" id="{CF154C31-9B1A-6844-82C6-BEC64AE64B76}"/>
+                  <a16:creationId xmlns:a16="http://schemas.microsoft.com/office/drawing/2014/main" xmlns="" id="{CF154C31-9B1A-6844-82C6-BEC64AE64B76}"/>
                 </a:ext>
               </a:extLst>
             </p:cNvPr>
@@ -4674,7 +4830,7 @@
               <p:cNvPr id="16" name="Rechteck 15">
                 <a:extLst>
                   <a:ext uri="{FF2B5EF4-FFF2-40B4-BE49-F238E27FC236}">
-                    <a16:creationId xmlns:a16="http://schemas.microsoft.com/office/drawing/2014/main" id="{5D41E86D-96E1-F64F-B645-811FEF9C3566}"/>
+                    <a16:creationId xmlns:a16="http://schemas.microsoft.com/office/drawing/2014/main" xmlns="" id="{5D41E86D-96E1-F64F-B645-811FEF9C3566}"/>
                   </a:ext>
                 </a:extLst>
               </p:cNvPr>
@@ -4805,7 +4961,7 @@
               <p:cNvPr id="17" name="Rechteck 16">
                 <a:extLst>
                   <a:ext uri="{FF2B5EF4-FFF2-40B4-BE49-F238E27FC236}">
-                    <a16:creationId xmlns:a16="http://schemas.microsoft.com/office/drawing/2014/main" id="{829E215D-25C5-FE42-A84B-E10BE5590901}"/>
+                    <a16:creationId xmlns:a16="http://schemas.microsoft.com/office/drawing/2014/main" xmlns="" id="{829E215D-25C5-FE42-A84B-E10BE5590901}"/>
                   </a:ext>
                 </a:extLst>
               </p:cNvPr>
@@ -4864,7 +5020,7 @@
             <p:cNvPr id="15" name="Rechteck 14">
               <a:extLst>
                 <a:ext uri="{FF2B5EF4-FFF2-40B4-BE49-F238E27FC236}">
-                  <a16:creationId xmlns:a16="http://schemas.microsoft.com/office/drawing/2014/main" id="{3D7F9058-E672-2A4D-9BB1-013BCCC5ACE0}"/>
+                  <a16:creationId xmlns:a16="http://schemas.microsoft.com/office/drawing/2014/main" xmlns="" id="{3D7F9058-E672-2A4D-9BB1-013BCCC5ACE0}"/>
                 </a:ext>
               </a:extLst>
             </p:cNvPr>
@@ -4924,7 +5080,7 @@
           <p:cNvPr id="18" name="Gruppieren 17">
             <a:extLst>
               <a:ext uri="{FF2B5EF4-FFF2-40B4-BE49-F238E27FC236}">
-                <a16:creationId xmlns:a16="http://schemas.microsoft.com/office/drawing/2014/main" id="{76C873CF-9A61-9B4A-9A7F-7A0A6A11ECCC}"/>
+                <a16:creationId xmlns:a16="http://schemas.microsoft.com/office/drawing/2014/main" xmlns="" id="{76C873CF-9A61-9B4A-9A7F-7A0A6A11ECCC}"/>
               </a:ext>
             </a:extLst>
           </p:cNvPr>
@@ -4944,7 +5100,7 @@
             <p:cNvPr id="19" name="Gruppieren 18">
               <a:extLst>
                 <a:ext uri="{FF2B5EF4-FFF2-40B4-BE49-F238E27FC236}">
-                  <a16:creationId xmlns:a16="http://schemas.microsoft.com/office/drawing/2014/main" id="{02621200-51DD-6A4C-86C6-6B2A72D512E2}"/>
+                  <a16:creationId xmlns:a16="http://schemas.microsoft.com/office/drawing/2014/main" xmlns="" id="{02621200-51DD-6A4C-86C6-6B2A72D512E2}"/>
                 </a:ext>
               </a:extLst>
             </p:cNvPr>
@@ -4964,7 +5120,7 @@
               <p:cNvPr id="21" name="Rechteck 20">
                 <a:extLst>
                   <a:ext uri="{FF2B5EF4-FFF2-40B4-BE49-F238E27FC236}">
-                    <a16:creationId xmlns:a16="http://schemas.microsoft.com/office/drawing/2014/main" id="{ED0E09EA-1DC6-1249-841E-901E17F3D0B6}"/>
+                    <a16:creationId xmlns:a16="http://schemas.microsoft.com/office/drawing/2014/main" xmlns="" id="{ED0E09EA-1DC6-1249-841E-901E17F3D0B6}"/>
                   </a:ext>
                 </a:extLst>
               </p:cNvPr>
@@ -5053,7 +5209,7 @@
               <p:cNvPr id="22" name="Rechteck 21">
                 <a:extLst>
                   <a:ext uri="{FF2B5EF4-FFF2-40B4-BE49-F238E27FC236}">
-                    <a16:creationId xmlns:a16="http://schemas.microsoft.com/office/drawing/2014/main" id="{753356B5-7EB8-3F4A-96E1-8FF10B332D06}"/>
+                    <a16:creationId xmlns:a16="http://schemas.microsoft.com/office/drawing/2014/main" xmlns="" id="{753356B5-7EB8-3F4A-96E1-8FF10B332D06}"/>
                   </a:ext>
                 </a:extLst>
               </p:cNvPr>
@@ -5112,7 +5268,7 @@
             <p:cNvPr id="20" name="Rechteck 19">
               <a:extLst>
                 <a:ext uri="{FF2B5EF4-FFF2-40B4-BE49-F238E27FC236}">
-                  <a16:creationId xmlns:a16="http://schemas.microsoft.com/office/drawing/2014/main" id="{63DF4C62-579D-3249-9CFF-878DBD32F80A}"/>
+                  <a16:creationId xmlns:a16="http://schemas.microsoft.com/office/drawing/2014/main" xmlns="" id="{63DF4C62-579D-3249-9CFF-878DBD32F80A}"/>
                 </a:ext>
               </a:extLst>
             </p:cNvPr>
@@ -5172,7 +5328,7 @@
           <p:cNvPr id="23" name="Gruppieren 22">
             <a:extLst>
               <a:ext uri="{FF2B5EF4-FFF2-40B4-BE49-F238E27FC236}">
-                <a16:creationId xmlns:a16="http://schemas.microsoft.com/office/drawing/2014/main" id="{8E929239-873F-A040-A4FF-CF41E574A33B}"/>
+                <a16:creationId xmlns:a16="http://schemas.microsoft.com/office/drawing/2014/main" xmlns="" id="{8E929239-873F-A040-A4FF-CF41E574A33B}"/>
               </a:ext>
             </a:extLst>
           </p:cNvPr>
@@ -5192,7 +5348,7 @@
             <p:cNvPr id="24" name="Gruppieren 23">
               <a:extLst>
                 <a:ext uri="{FF2B5EF4-FFF2-40B4-BE49-F238E27FC236}">
-                  <a16:creationId xmlns:a16="http://schemas.microsoft.com/office/drawing/2014/main" id="{F47E6093-9AA6-8F4B-B80B-776943FCB73D}"/>
+                  <a16:creationId xmlns:a16="http://schemas.microsoft.com/office/drawing/2014/main" xmlns="" id="{F47E6093-9AA6-8F4B-B80B-776943FCB73D}"/>
                 </a:ext>
               </a:extLst>
             </p:cNvPr>
@@ -5212,7 +5368,7 @@
               <p:cNvPr id="26" name="Rechteck 25">
                 <a:extLst>
                   <a:ext uri="{FF2B5EF4-FFF2-40B4-BE49-F238E27FC236}">
-                    <a16:creationId xmlns:a16="http://schemas.microsoft.com/office/drawing/2014/main" id="{4059FEBC-2EFF-ED47-98FF-010C8401FADA}"/>
+                    <a16:creationId xmlns:a16="http://schemas.microsoft.com/office/drawing/2014/main" xmlns="" id="{4059FEBC-2EFF-ED47-98FF-010C8401FADA}"/>
                   </a:ext>
                 </a:extLst>
               </p:cNvPr>
@@ -5334,7 +5490,7 @@
               <p:cNvPr id="27" name="Rechteck 26">
                 <a:extLst>
                   <a:ext uri="{FF2B5EF4-FFF2-40B4-BE49-F238E27FC236}">
-                    <a16:creationId xmlns:a16="http://schemas.microsoft.com/office/drawing/2014/main" id="{A6C74FE9-D83D-2346-A400-58BA4229E830}"/>
+                    <a16:creationId xmlns:a16="http://schemas.microsoft.com/office/drawing/2014/main" xmlns="" id="{A6C74FE9-D83D-2346-A400-58BA4229E830}"/>
                   </a:ext>
                 </a:extLst>
               </p:cNvPr>
@@ -5393,7 +5549,7 @@
             <p:cNvPr id="25" name="Rechteck 24">
               <a:extLst>
                 <a:ext uri="{FF2B5EF4-FFF2-40B4-BE49-F238E27FC236}">
-                  <a16:creationId xmlns:a16="http://schemas.microsoft.com/office/drawing/2014/main" id="{1EDE063D-852E-324C-A77E-EFB1A1CCD783}"/>
+                  <a16:creationId xmlns:a16="http://schemas.microsoft.com/office/drawing/2014/main" xmlns="" id="{1EDE063D-852E-324C-A77E-EFB1A1CCD783}"/>
                 </a:ext>
               </a:extLst>
             </p:cNvPr>
@@ -5453,7 +5609,7 @@
           <p:cNvPr id="28" name="Gruppieren 27">
             <a:extLst>
               <a:ext uri="{FF2B5EF4-FFF2-40B4-BE49-F238E27FC236}">
-                <a16:creationId xmlns:a16="http://schemas.microsoft.com/office/drawing/2014/main" id="{076AA3C9-476D-4D45-B8BE-E0951E23CBCF}"/>
+                <a16:creationId xmlns:a16="http://schemas.microsoft.com/office/drawing/2014/main" xmlns="" id="{076AA3C9-476D-4D45-B8BE-E0951E23CBCF}"/>
               </a:ext>
             </a:extLst>
           </p:cNvPr>
@@ -5473,7 +5629,7 @@
             <p:cNvPr id="29" name="Gruppieren 28">
               <a:extLst>
                 <a:ext uri="{FF2B5EF4-FFF2-40B4-BE49-F238E27FC236}">
-                  <a16:creationId xmlns:a16="http://schemas.microsoft.com/office/drawing/2014/main" id="{B404C1CC-6DF7-B648-9CCB-5E2E9AFEB672}"/>
+                  <a16:creationId xmlns:a16="http://schemas.microsoft.com/office/drawing/2014/main" xmlns="" id="{B404C1CC-6DF7-B648-9CCB-5E2E9AFEB672}"/>
                 </a:ext>
               </a:extLst>
             </p:cNvPr>
@@ -5493,7 +5649,7 @@
               <p:cNvPr id="31" name="Rechteck 30">
                 <a:extLst>
                   <a:ext uri="{FF2B5EF4-FFF2-40B4-BE49-F238E27FC236}">
-                    <a16:creationId xmlns:a16="http://schemas.microsoft.com/office/drawing/2014/main" id="{4BDB37D7-D054-A942-8D6D-F9B2EF0F9FF6}"/>
+                    <a16:creationId xmlns:a16="http://schemas.microsoft.com/office/drawing/2014/main" xmlns="" id="{4BDB37D7-D054-A942-8D6D-F9B2EF0F9FF6}"/>
                   </a:ext>
                 </a:extLst>
               </p:cNvPr>
@@ -5557,7 +5713,7 @@
               <p:cNvPr id="32" name="Rechteck 31">
                 <a:extLst>
                   <a:ext uri="{FF2B5EF4-FFF2-40B4-BE49-F238E27FC236}">
-                    <a16:creationId xmlns:a16="http://schemas.microsoft.com/office/drawing/2014/main" id="{3A6CCD76-DF2E-A745-8BA8-2A2DA3CA1050}"/>
+                    <a16:creationId xmlns:a16="http://schemas.microsoft.com/office/drawing/2014/main" xmlns="" id="{3A6CCD76-DF2E-A745-8BA8-2A2DA3CA1050}"/>
                   </a:ext>
                 </a:extLst>
               </p:cNvPr>
@@ -5616,7 +5772,7 @@
             <p:cNvPr id="30" name="Rechteck 29">
               <a:extLst>
                 <a:ext uri="{FF2B5EF4-FFF2-40B4-BE49-F238E27FC236}">
-                  <a16:creationId xmlns:a16="http://schemas.microsoft.com/office/drawing/2014/main" id="{117072ED-37EF-E943-B866-F06DD4235CB3}"/>
+                  <a16:creationId xmlns:a16="http://schemas.microsoft.com/office/drawing/2014/main" xmlns="" id="{117072ED-37EF-E943-B866-F06DD4235CB3}"/>
                 </a:ext>
               </a:extLst>
             </p:cNvPr>
@@ -5675,6 +5831,1558 @@
     <p:extLst>
       <p:ext uri="{BB962C8B-B14F-4D97-AF65-F5344CB8AC3E}">
         <p14:creationId xmlns:p14="http://schemas.microsoft.com/office/powerpoint/2010/main" val="2570393360"/>
+      </p:ext>
+    </p:extLst>
+  </p:cSld>
+  <p:clrMapOvr>
+    <a:masterClrMapping/>
+  </p:clrMapOvr>
+</p:sld>
+</file>
+
+<file path=ppt/slides/slide14.xml><?xml version="1.0" encoding="utf-8"?>
+<p:sld xmlns:a="http://schemas.openxmlformats.org/drawingml/2006/main" xmlns:r="http://schemas.openxmlformats.org/officeDocument/2006/relationships" xmlns:p="http://schemas.openxmlformats.org/presentationml/2006/main">
+  <p:cSld>
+    <p:spTree>
+      <p:nvGrpSpPr>
+        <p:cNvPr id="1" name=""/>
+        <p:cNvGrpSpPr/>
+        <p:nvPr/>
+      </p:nvGrpSpPr>
+      <p:grpSpPr>
+        <a:xfrm>
+          <a:off x="0" y="0"/>
+          <a:ext cx="0" cy="0"/>
+          <a:chOff x="0" y="0"/>
+          <a:chExt cx="0" cy="0"/>
+        </a:xfrm>
+      </p:grpSpPr>
+      <p:sp>
+        <p:nvSpPr>
+          <p:cNvPr id="2" name="Titel 1"/>
+          <p:cNvSpPr>
+            <a:spLocks noGrp="1"/>
+          </p:cNvSpPr>
+          <p:nvPr>
+            <p:ph type="title"/>
+          </p:nvPr>
+        </p:nvSpPr>
+        <p:spPr/>
+        <p:txBody>
+          <a:bodyPr/>
+          <a:lstStyle/>
+          <a:p>
+            <a:r>
+              <a:rPr lang="de-DE" dirty="0" smtClean="0"/>
+              <a:t>Quellen</a:t>
+            </a:r>
+            <a:endParaRPr lang="de-DE" dirty="0"/>
+          </a:p>
+        </p:txBody>
+      </p:sp>
+      <p:sp>
+        <p:nvSpPr>
+          <p:cNvPr id="3" name="Inhaltsplatzhalter 2"/>
+          <p:cNvSpPr>
+            <a:spLocks noGrp="1"/>
+          </p:cNvSpPr>
+          <p:nvPr>
+            <p:ph sz="quarter" idx="10"/>
+          </p:nvPr>
+        </p:nvSpPr>
+        <p:spPr/>
+        <p:txBody>
+          <a:bodyPr/>
+          <a:lstStyle/>
+          <a:p>
+            <a:endParaRPr lang="de-DE"/>
+          </a:p>
+        </p:txBody>
+      </p:sp>
+    </p:spTree>
+    <p:extLst>
+      <p:ext uri="{BB962C8B-B14F-4D97-AF65-F5344CB8AC3E}">
+        <p14:creationId xmlns:p14="http://schemas.microsoft.com/office/powerpoint/2010/main" val="4055465298"/>
+      </p:ext>
+    </p:extLst>
+  </p:cSld>
+  <p:clrMapOvr>
+    <a:masterClrMapping/>
+  </p:clrMapOvr>
+</p:sld>
+</file>
+
+<file path=ppt/slides/slide15.xml><?xml version="1.0" encoding="utf-8"?>
+<p:sld xmlns:a="http://schemas.openxmlformats.org/drawingml/2006/main" xmlns:r="http://schemas.openxmlformats.org/officeDocument/2006/relationships" xmlns:p="http://schemas.openxmlformats.org/presentationml/2006/main">
+  <p:cSld>
+    <p:spTree>
+      <p:nvGrpSpPr>
+        <p:cNvPr id="1" name=""/>
+        <p:cNvGrpSpPr/>
+        <p:nvPr/>
+      </p:nvGrpSpPr>
+      <p:grpSpPr>
+        <a:xfrm>
+          <a:off x="0" y="0"/>
+          <a:ext cx="0" cy="0"/>
+          <a:chOff x="0" y="0"/>
+          <a:chExt cx="0" cy="0"/>
+        </a:xfrm>
+      </p:grpSpPr>
+      <p:sp>
+        <p:nvSpPr>
+          <p:cNvPr id="3" name="Untertitel 2">
+            <a:extLst>
+              <a:ext uri="{FF2B5EF4-FFF2-40B4-BE49-F238E27FC236}">
+                <a16:creationId xmlns="" xmlns:a16="http://schemas.microsoft.com/office/drawing/2014/main" id="{6AE9039D-A97A-1348-B85E-C1CBBAEACFD7}"/>
+              </a:ext>
+            </a:extLst>
+          </p:cNvPr>
+          <p:cNvSpPr>
+            <a:spLocks noGrp="1"/>
+          </p:cNvSpPr>
+          <p:nvPr>
+            <p:ph type="subTitle" idx="1"/>
+          </p:nvPr>
+        </p:nvSpPr>
+        <p:spPr/>
+        <p:txBody>
+          <a:bodyPr/>
+          <a:lstStyle/>
+          <a:p>
+            <a:r>
+              <a:rPr lang="de-DE" b="1" dirty="0"/>
+              <a:t>Für spätere Fragen:</a:t>
+            </a:r>
+          </a:p>
+          <a:p>
+            <a:endParaRPr lang="de-DE" b="1" dirty="0"/>
+          </a:p>
+          <a:p>
+            <a:r>
+              <a:rPr lang="de-DE" dirty="0"/>
+              <a:t>	</a:t>
+            </a:r>
+            <a:r>
+              <a:rPr lang="de-DE" dirty="0" err="1"/>
+              <a:t>meret.feldkemper@tu-dresden.de</a:t>
+            </a:r>
+            <a:endParaRPr lang="de-DE" dirty="0"/>
+          </a:p>
+        </p:txBody>
+      </p:sp>
+      <p:sp>
+        <p:nvSpPr>
+          <p:cNvPr id="4" name="Textplatzhalter 3">
+            <a:extLst>
+              <a:ext uri="{FF2B5EF4-FFF2-40B4-BE49-F238E27FC236}">
+                <a16:creationId xmlns="" xmlns:a16="http://schemas.microsoft.com/office/drawing/2014/main" id="{96B38992-B7B4-CC4F-9AC8-51919A92D668}"/>
+              </a:ext>
+            </a:extLst>
+          </p:cNvPr>
+          <p:cNvSpPr>
+            <a:spLocks noGrp="1"/>
+          </p:cNvSpPr>
+          <p:nvPr>
+            <p:ph type="body" sz="quarter" idx="10"/>
+          </p:nvPr>
+        </p:nvSpPr>
+        <p:spPr/>
+        <p:txBody>
+          <a:bodyPr/>
+          <a:lstStyle/>
+          <a:p>
+            <a:endParaRPr lang="de-DE" dirty="0"/>
+          </a:p>
+        </p:txBody>
+      </p:sp>
+      <p:sp>
+        <p:nvSpPr>
+          <p:cNvPr id="2" name="Titel 1">
+            <a:extLst>
+              <a:ext uri="{FF2B5EF4-FFF2-40B4-BE49-F238E27FC236}">
+                <a16:creationId xmlns="" xmlns:a16="http://schemas.microsoft.com/office/drawing/2014/main" id="{306470B7-1C34-794F-AAAA-978C5A77B715}"/>
+              </a:ext>
+            </a:extLst>
+          </p:cNvPr>
+          <p:cNvSpPr>
+            <a:spLocks noGrp="1"/>
+          </p:cNvSpPr>
+          <p:nvPr>
+            <p:ph type="title"/>
+          </p:nvPr>
+        </p:nvSpPr>
+        <p:spPr/>
+        <p:txBody>
+          <a:bodyPr/>
+          <a:lstStyle/>
+          <a:p>
+            <a:r>
+              <a:rPr lang="de-DE" dirty="0"/>
+              <a:t>Vielen Dank für Ihre Aufmerksamkeit!</a:t>
+            </a:r>
+          </a:p>
+        </p:txBody>
+      </p:sp>
+    </p:spTree>
+    <p:extLst>
+      <p:ext uri="{BB962C8B-B14F-4D97-AF65-F5344CB8AC3E}">
+        <p14:creationId xmlns:p14="http://schemas.microsoft.com/office/powerpoint/2010/main" val="1009862340"/>
+      </p:ext>
+    </p:extLst>
+  </p:cSld>
+  <p:clrMapOvr>
+    <a:masterClrMapping/>
+  </p:clrMapOvr>
+</p:sld>
+</file>
+
+<file path=ppt/slides/slide2.xml><?xml version="1.0" encoding="utf-8"?>
+<p:sld xmlns:a="http://schemas.openxmlformats.org/drawingml/2006/main" xmlns:r="http://schemas.openxmlformats.org/officeDocument/2006/relationships" xmlns:p="http://schemas.openxmlformats.org/presentationml/2006/main">
+  <p:cSld>
+    <p:spTree>
+      <p:nvGrpSpPr>
+        <p:cNvPr id="1" name=""/>
+        <p:cNvGrpSpPr/>
+        <p:nvPr/>
+      </p:nvGrpSpPr>
+      <p:grpSpPr>
+        <a:xfrm>
+          <a:off x="0" y="0"/>
+          <a:ext cx="0" cy="0"/>
+          <a:chOff x="0" y="0"/>
+          <a:chExt cx="0" cy="0"/>
+        </a:xfrm>
+      </p:grpSpPr>
+      <p:sp>
+        <p:nvSpPr>
+          <p:cNvPr id="2" name="Titel 1">
+            <a:extLst>
+              <a:ext uri="{FF2B5EF4-FFF2-40B4-BE49-F238E27FC236}">
+                <a16:creationId xmlns:a16="http://schemas.microsoft.com/office/drawing/2014/main" xmlns="" id="{565721FC-DA9D-7F4A-AC0A-E966CE252A2E}"/>
+              </a:ext>
+            </a:extLst>
+          </p:cNvPr>
+          <p:cNvSpPr>
+            <a:spLocks noGrp="1"/>
+          </p:cNvSpPr>
+          <p:nvPr>
+            <p:ph type="title"/>
+          </p:nvPr>
+        </p:nvSpPr>
+        <p:spPr/>
+        <p:txBody>
+          <a:bodyPr/>
+          <a:lstStyle/>
+          <a:p>
+            <a:r>
+              <a:rPr lang="de-DE" dirty="0" smtClean="0"/>
+              <a:t>Motivation</a:t>
+            </a:r>
+            <a:endParaRPr lang="de-DE" dirty="0"/>
+          </a:p>
+        </p:txBody>
+      </p:sp>
+      <p:sp>
+        <p:nvSpPr>
+          <p:cNvPr id="4" name="Rechteck 3"/>
+          <p:cNvSpPr/>
+          <p:nvPr/>
+        </p:nvSpPr>
+        <p:spPr>
+          <a:xfrm>
+            <a:off x="1402080" y="1658112"/>
+            <a:ext cx="1080000" cy="1080000"/>
+          </a:xfrm>
+          <a:prstGeom prst="rect">
+            <a:avLst/>
+          </a:prstGeom>
+          <a:solidFill>
+            <a:schemeClr val="bg1"/>
+          </a:solidFill>
+          <a:ln w="38100">
+            <a:solidFill>
+              <a:schemeClr val="tx1"/>
+            </a:solidFill>
+          </a:ln>
+        </p:spPr>
+        <p:style>
+          <a:lnRef idx="2">
+            <a:schemeClr val="accent1">
+              <a:shade val="50000"/>
+            </a:schemeClr>
+          </a:lnRef>
+          <a:fillRef idx="1">
+            <a:schemeClr val="accent1"/>
+          </a:fillRef>
+          <a:effectRef idx="0">
+            <a:schemeClr val="accent1"/>
+          </a:effectRef>
+          <a:fontRef idx="minor">
+            <a:schemeClr val="lt1"/>
+          </a:fontRef>
+        </p:style>
+        <p:txBody>
+          <a:bodyPr rtlCol="0" anchor="ctr"/>
+          <a:lstStyle/>
+          <a:p>
+            <a:pPr algn="ctr"/>
+            <a:endParaRPr lang="de-DE"/>
+          </a:p>
+        </p:txBody>
+      </p:sp>
+      <p:sp>
+        <p:nvSpPr>
+          <p:cNvPr id="5" name="Rechteck 4"/>
+          <p:cNvSpPr/>
+          <p:nvPr/>
+        </p:nvSpPr>
+        <p:spPr>
+          <a:xfrm>
+            <a:off x="1402080" y="3122096"/>
+            <a:ext cx="1080000" cy="1080000"/>
+          </a:xfrm>
+          <a:prstGeom prst="rect">
+            <a:avLst/>
+          </a:prstGeom>
+          <a:solidFill>
+            <a:schemeClr val="bg1"/>
+          </a:solidFill>
+          <a:ln w="38100">
+            <a:solidFill>
+              <a:schemeClr val="tx1"/>
+            </a:solidFill>
+          </a:ln>
+        </p:spPr>
+        <p:style>
+          <a:lnRef idx="2">
+            <a:schemeClr val="accent1">
+              <a:shade val="50000"/>
+            </a:schemeClr>
+          </a:lnRef>
+          <a:fillRef idx="1">
+            <a:schemeClr val="accent1"/>
+          </a:fillRef>
+          <a:effectRef idx="0">
+            <a:schemeClr val="accent1"/>
+          </a:effectRef>
+          <a:fontRef idx="minor">
+            <a:schemeClr val="lt1"/>
+          </a:fontRef>
+        </p:style>
+        <p:txBody>
+          <a:bodyPr rtlCol="0" anchor="ctr"/>
+          <a:lstStyle/>
+          <a:p>
+            <a:pPr algn="ctr"/>
+            <a:endParaRPr lang="de-DE"/>
+          </a:p>
+        </p:txBody>
+      </p:sp>
+      <p:sp>
+        <p:nvSpPr>
+          <p:cNvPr id="6" name="Rechteck 5"/>
+          <p:cNvSpPr/>
+          <p:nvPr/>
+        </p:nvSpPr>
+        <p:spPr>
+          <a:xfrm>
+            <a:off x="1402080" y="4586080"/>
+            <a:ext cx="1080000" cy="1080000"/>
+          </a:xfrm>
+          <a:prstGeom prst="rect">
+            <a:avLst/>
+          </a:prstGeom>
+          <a:solidFill>
+            <a:schemeClr val="bg1"/>
+          </a:solidFill>
+          <a:ln w="38100">
+            <a:solidFill>
+              <a:schemeClr val="tx1"/>
+            </a:solidFill>
+          </a:ln>
+        </p:spPr>
+        <p:style>
+          <a:lnRef idx="2">
+            <a:schemeClr val="accent1">
+              <a:shade val="50000"/>
+            </a:schemeClr>
+          </a:lnRef>
+          <a:fillRef idx="1">
+            <a:schemeClr val="accent1"/>
+          </a:fillRef>
+          <a:effectRef idx="0">
+            <a:schemeClr val="accent1"/>
+          </a:effectRef>
+          <a:fontRef idx="minor">
+            <a:schemeClr val="lt1"/>
+          </a:fontRef>
+        </p:style>
+        <p:txBody>
+          <a:bodyPr rtlCol="0" anchor="ctr"/>
+          <a:lstStyle/>
+          <a:p>
+            <a:pPr algn="ctr"/>
+            <a:endParaRPr lang="de-DE"/>
+          </a:p>
+        </p:txBody>
+      </p:sp>
+    </p:spTree>
+    <p:extLst>
+      <p:ext uri="{BB962C8B-B14F-4D97-AF65-F5344CB8AC3E}">
+        <p14:creationId xmlns:p14="http://schemas.microsoft.com/office/powerpoint/2010/main" val="1744069274"/>
+      </p:ext>
+    </p:extLst>
+  </p:cSld>
+  <p:clrMapOvr>
+    <a:masterClrMapping/>
+  </p:clrMapOvr>
+</p:sld>
+</file>
+
+<file path=ppt/slides/slide3.xml><?xml version="1.0" encoding="utf-8"?>
+<p:sld xmlns:a="http://schemas.openxmlformats.org/drawingml/2006/main" xmlns:r="http://schemas.openxmlformats.org/officeDocument/2006/relationships" xmlns:p="http://schemas.openxmlformats.org/presentationml/2006/main">
+  <p:cSld>
+    <p:spTree>
+      <p:nvGrpSpPr>
+        <p:cNvPr id="1" name=""/>
+        <p:cNvGrpSpPr/>
+        <p:nvPr/>
+      </p:nvGrpSpPr>
+      <p:grpSpPr>
+        <a:xfrm>
+          <a:off x="0" y="0"/>
+          <a:ext cx="0" cy="0"/>
+          <a:chOff x="0" y="0"/>
+          <a:chExt cx="0" cy="0"/>
+        </a:xfrm>
+      </p:grpSpPr>
+      <p:sp>
+        <p:nvSpPr>
+          <p:cNvPr id="2" name="Titel 1">
+            <a:extLst>
+              <a:ext uri="{FF2B5EF4-FFF2-40B4-BE49-F238E27FC236}">
+                <a16:creationId xmlns:a16="http://schemas.microsoft.com/office/drawing/2014/main" xmlns="" id="{061E505A-8173-1347-AE02-C6C2BDD420BB}"/>
+              </a:ext>
+            </a:extLst>
+          </p:cNvPr>
+          <p:cNvSpPr>
+            <a:spLocks noGrp="1"/>
+          </p:cNvSpPr>
+          <p:nvPr>
+            <p:ph type="title"/>
+          </p:nvPr>
+        </p:nvSpPr>
+        <p:spPr/>
+        <p:txBody>
+          <a:bodyPr/>
+          <a:lstStyle/>
+          <a:p>
+            <a:r>
+              <a:rPr lang="de-DE" dirty="0" smtClean="0"/>
+              <a:t>Agenda</a:t>
+            </a:r>
+            <a:endParaRPr lang="de-DE" dirty="0"/>
+          </a:p>
+        </p:txBody>
+      </p:sp>
+      <p:cxnSp>
+        <p:nvCxnSpPr>
+          <p:cNvPr id="4" name="Gerade Verbindung mit Pfeil 3"/>
+          <p:cNvCxnSpPr/>
+          <p:nvPr/>
+        </p:nvCxnSpPr>
+        <p:spPr>
+          <a:xfrm>
+            <a:off x="2533666" y="3144128"/>
+            <a:ext cx="6766560" cy="0"/>
+          </a:xfrm>
+          <a:prstGeom prst="straightConnector1">
+            <a:avLst/>
+          </a:prstGeom>
+          <a:ln w="38100">
+            <a:solidFill>
+              <a:schemeClr val="accent3"/>
+            </a:solidFill>
+            <a:tailEnd type="triangle" w="lg" len="lg"/>
+          </a:ln>
+        </p:spPr>
+        <p:style>
+          <a:lnRef idx="1">
+            <a:schemeClr val="accent1"/>
+          </a:lnRef>
+          <a:fillRef idx="0">
+            <a:schemeClr val="accent1"/>
+          </a:fillRef>
+          <a:effectRef idx="0">
+            <a:schemeClr val="accent1"/>
+          </a:effectRef>
+          <a:fontRef idx="minor">
+            <a:schemeClr val="tx1"/>
+          </a:fontRef>
+        </p:style>
+      </p:cxnSp>
+      <p:sp>
+        <p:nvSpPr>
+          <p:cNvPr id="6" name="Rechteck 5">
+            <a:extLst>
+              <a:ext uri="{FF2B5EF4-FFF2-40B4-BE49-F238E27FC236}">
+                <a16:creationId xmlns:a16="http://schemas.microsoft.com/office/drawing/2014/main" xmlns="" id="{4F68B8E9-417E-0141-AE27-E298ED29929C}"/>
+              </a:ext>
+            </a:extLst>
+          </p:cNvPr>
+          <p:cNvSpPr/>
+          <p:nvPr/>
+        </p:nvSpPr>
+        <p:spPr>
+          <a:xfrm>
+            <a:off x="1644169" y="4192379"/>
+            <a:ext cx="2648778" cy="838827"/>
+          </a:xfrm>
+          <a:prstGeom prst="rect">
+            <a:avLst/>
+          </a:prstGeom>
+          <a:solidFill>
+            <a:schemeClr val="bg1"/>
+          </a:solidFill>
+          <a:ln>
+            <a:solidFill>
+              <a:schemeClr val="accent4"/>
+            </a:solidFill>
+          </a:ln>
+        </p:spPr>
+        <p:style>
+          <a:lnRef idx="2">
+            <a:schemeClr val="accent1">
+              <a:shade val="50000"/>
+            </a:schemeClr>
+          </a:lnRef>
+          <a:fillRef idx="1">
+            <a:schemeClr val="accent1"/>
+          </a:fillRef>
+          <a:effectRef idx="0">
+            <a:schemeClr val="accent1"/>
+          </a:effectRef>
+          <a:fontRef idx="minor">
+            <a:schemeClr val="lt1"/>
+          </a:fontRef>
+        </p:style>
+        <p:txBody>
+          <a:bodyPr tIns="180000" rtlCol="0" anchor="t"/>
+          <a:lstStyle/>
+          <a:p>
+            <a:pPr marL="285750" indent="-285750">
+              <a:buFont typeface="Arial" panose="020B0604020202020204" pitchFamily="34" charset="0"/>
+              <a:buChar char="•"/>
+            </a:pPr>
+            <a:r>
+              <a:rPr lang="de-DE" dirty="0" smtClean="0">
+                <a:solidFill>
+                  <a:schemeClr val="tx1"/>
+                </a:solidFill>
+              </a:rPr>
+              <a:t>Wie kann dem Nutzer geholfen werden?</a:t>
+            </a:r>
+            <a:endParaRPr lang="de-DE" dirty="0">
+              <a:solidFill>
+                <a:schemeClr val="tx1"/>
+              </a:solidFill>
+            </a:endParaRPr>
+          </a:p>
+        </p:txBody>
+      </p:sp>
+      <p:sp>
+        <p:nvSpPr>
+          <p:cNvPr id="7" name="Rechteck 6">
+            <a:extLst>
+              <a:ext uri="{FF2B5EF4-FFF2-40B4-BE49-F238E27FC236}">
+                <a16:creationId xmlns:a16="http://schemas.microsoft.com/office/drawing/2014/main" xmlns="" id="{4F68B8E9-417E-0141-AE27-E298ED29929C}"/>
+              </a:ext>
+            </a:extLst>
+          </p:cNvPr>
+          <p:cNvSpPr/>
+          <p:nvPr/>
+        </p:nvSpPr>
+        <p:spPr>
+          <a:xfrm>
+            <a:off x="3169076" y="1411863"/>
+            <a:ext cx="2648778" cy="838827"/>
+          </a:xfrm>
+          <a:prstGeom prst="rect">
+            <a:avLst/>
+          </a:prstGeom>
+          <a:solidFill>
+            <a:schemeClr val="bg1"/>
+          </a:solidFill>
+          <a:ln>
+            <a:solidFill>
+              <a:schemeClr val="accent4"/>
+            </a:solidFill>
+          </a:ln>
+        </p:spPr>
+        <p:style>
+          <a:lnRef idx="2">
+            <a:schemeClr val="accent1">
+              <a:shade val="50000"/>
+            </a:schemeClr>
+          </a:lnRef>
+          <a:fillRef idx="1">
+            <a:schemeClr val="accent1"/>
+          </a:fillRef>
+          <a:effectRef idx="0">
+            <a:schemeClr val="accent1"/>
+          </a:effectRef>
+          <a:fontRef idx="minor">
+            <a:schemeClr val="lt1"/>
+          </a:fontRef>
+        </p:style>
+        <p:txBody>
+          <a:bodyPr tIns="180000" rtlCol="0" anchor="t"/>
+          <a:lstStyle/>
+          <a:p>
+            <a:pPr marL="285750" indent="-285750">
+              <a:buFont typeface="Arial" panose="020B0604020202020204" pitchFamily="34" charset="0"/>
+              <a:buChar char="•"/>
+            </a:pPr>
+            <a:r>
+              <a:rPr lang="de-DE" dirty="0" smtClean="0">
+                <a:solidFill>
+                  <a:schemeClr val="tx1"/>
+                </a:solidFill>
+              </a:rPr>
+              <a:t>Was will und sollte der Nutzer wissen?</a:t>
+            </a:r>
+            <a:endParaRPr lang="de-DE" dirty="0">
+              <a:solidFill>
+                <a:schemeClr val="tx1"/>
+              </a:solidFill>
+            </a:endParaRPr>
+          </a:p>
+        </p:txBody>
+      </p:sp>
+      <p:sp>
+        <p:nvSpPr>
+          <p:cNvPr id="8" name="Rechteck 7">
+            <a:extLst>
+              <a:ext uri="{FF2B5EF4-FFF2-40B4-BE49-F238E27FC236}">
+                <a16:creationId xmlns:a16="http://schemas.microsoft.com/office/drawing/2014/main" xmlns="" id="{4F68B8E9-417E-0141-AE27-E298ED29929C}"/>
+              </a:ext>
+            </a:extLst>
+          </p:cNvPr>
+          <p:cNvSpPr/>
+          <p:nvPr/>
+        </p:nvSpPr>
+        <p:spPr>
+          <a:xfrm>
+            <a:off x="6076868" y="1402294"/>
+            <a:ext cx="2648778" cy="838827"/>
+          </a:xfrm>
+          <a:prstGeom prst="rect">
+            <a:avLst/>
+          </a:prstGeom>
+          <a:solidFill>
+            <a:schemeClr val="bg1"/>
+          </a:solidFill>
+          <a:ln>
+            <a:solidFill>
+              <a:schemeClr val="accent4"/>
+            </a:solidFill>
+          </a:ln>
+        </p:spPr>
+        <p:style>
+          <a:lnRef idx="2">
+            <a:schemeClr val="accent1">
+              <a:shade val="50000"/>
+            </a:schemeClr>
+          </a:lnRef>
+          <a:fillRef idx="1">
+            <a:schemeClr val="accent1"/>
+          </a:fillRef>
+          <a:effectRef idx="0">
+            <a:schemeClr val="accent1"/>
+          </a:effectRef>
+          <a:fontRef idx="minor">
+            <a:schemeClr val="lt1"/>
+          </a:fontRef>
+        </p:style>
+        <p:txBody>
+          <a:bodyPr tIns="180000" rtlCol="0" anchor="t"/>
+          <a:lstStyle/>
+          <a:p>
+            <a:pPr marL="285750" indent="-285750">
+              <a:buFont typeface="Arial" panose="020B0604020202020204" pitchFamily="34" charset="0"/>
+              <a:buChar char="•"/>
+            </a:pPr>
+            <a:r>
+              <a:rPr lang="de-DE" dirty="0" smtClean="0">
+                <a:solidFill>
+                  <a:schemeClr val="tx1"/>
+                </a:solidFill>
+              </a:rPr>
+              <a:t>Ist der Nutzer jetzt glücklich?</a:t>
+            </a:r>
+            <a:endParaRPr lang="de-DE" dirty="0">
+              <a:solidFill>
+                <a:schemeClr val="tx1"/>
+              </a:solidFill>
+            </a:endParaRPr>
+          </a:p>
+        </p:txBody>
+      </p:sp>
+      <p:sp>
+        <p:nvSpPr>
+          <p:cNvPr id="9" name="Rechteck 8">
+            <a:extLst>
+              <a:ext uri="{FF2B5EF4-FFF2-40B4-BE49-F238E27FC236}">
+                <a16:creationId xmlns:a16="http://schemas.microsoft.com/office/drawing/2014/main" xmlns="" id="{4F68B8E9-417E-0141-AE27-E298ED29929C}"/>
+              </a:ext>
+            </a:extLst>
+          </p:cNvPr>
+          <p:cNvSpPr/>
+          <p:nvPr/>
+        </p:nvSpPr>
+        <p:spPr>
+          <a:xfrm>
+            <a:off x="4588731" y="4192380"/>
+            <a:ext cx="2648778" cy="838827"/>
+          </a:xfrm>
+          <a:prstGeom prst="rect">
+            <a:avLst/>
+          </a:prstGeom>
+          <a:solidFill>
+            <a:schemeClr val="bg1"/>
+          </a:solidFill>
+          <a:ln>
+            <a:solidFill>
+              <a:schemeClr val="accent4"/>
+            </a:solidFill>
+          </a:ln>
+        </p:spPr>
+        <p:style>
+          <a:lnRef idx="2">
+            <a:schemeClr val="accent1">
+              <a:shade val="50000"/>
+            </a:schemeClr>
+          </a:lnRef>
+          <a:fillRef idx="1">
+            <a:schemeClr val="accent1"/>
+          </a:fillRef>
+          <a:effectRef idx="0">
+            <a:schemeClr val="accent1"/>
+          </a:effectRef>
+          <a:fontRef idx="minor">
+            <a:schemeClr val="lt1"/>
+          </a:fontRef>
+        </p:style>
+        <p:txBody>
+          <a:bodyPr tIns="180000" rtlCol="0" anchor="t"/>
+          <a:lstStyle/>
+          <a:p>
+            <a:pPr marL="285750" indent="-285750">
+              <a:buFont typeface="Arial" panose="020B0604020202020204" pitchFamily="34" charset="0"/>
+              <a:buChar char="•"/>
+            </a:pPr>
+            <a:r>
+              <a:rPr lang="de-DE" dirty="0" smtClean="0">
+                <a:solidFill>
+                  <a:schemeClr val="tx1"/>
+                </a:solidFill>
+              </a:rPr>
+              <a:t>Design</a:t>
+            </a:r>
+            <a:endParaRPr lang="de-DE" dirty="0">
+              <a:solidFill>
+                <a:schemeClr val="tx1"/>
+              </a:solidFill>
+            </a:endParaRPr>
+          </a:p>
+        </p:txBody>
+      </p:sp>
+      <p:sp>
+        <p:nvSpPr>
+          <p:cNvPr id="10" name="Rechteck 9">
+            <a:extLst>
+              <a:ext uri="{FF2B5EF4-FFF2-40B4-BE49-F238E27FC236}">
+                <a16:creationId xmlns:a16="http://schemas.microsoft.com/office/drawing/2014/main" xmlns="" id="{4F68B8E9-417E-0141-AE27-E298ED29929C}"/>
+              </a:ext>
+            </a:extLst>
+          </p:cNvPr>
+          <p:cNvSpPr/>
+          <p:nvPr/>
+        </p:nvSpPr>
+        <p:spPr>
+          <a:xfrm>
+            <a:off x="7533293" y="4206104"/>
+            <a:ext cx="2648778" cy="838827"/>
+          </a:xfrm>
+          <a:prstGeom prst="rect">
+            <a:avLst/>
+          </a:prstGeom>
+          <a:solidFill>
+            <a:schemeClr val="bg1"/>
+          </a:solidFill>
+          <a:ln>
+            <a:solidFill>
+              <a:schemeClr val="accent4"/>
+            </a:solidFill>
+          </a:ln>
+        </p:spPr>
+        <p:style>
+          <a:lnRef idx="2">
+            <a:schemeClr val="accent1">
+              <a:shade val="50000"/>
+            </a:schemeClr>
+          </a:lnRef>
+          <a:fillRef idx="1">
+            <a:schemeClr val="accent1"/>
+          </a:fillRef>
+          <a:effectRef idx="0">
+            <a:schemeClr val="accent1"/>
+          </a:effectRef>
+          <a:fontRef idx="minor">
+            <a:schemeClr val="lt1"/>
+          </a:fontRef>
+        </p:style>
+        <p:txBody>
+          <a:bodyPr tIns="180000" rtlCol="0" anchor="t"/>
+          <a:lstStyle/>
+          <a:p>
+            <a:pPr marL="285750" indent="-285750">
+              <a:buFont typeface="Arial" panose="020B0604020202020204" pitchFamily="34" charset="0"/>
+              <a:buChar char="•"/>
+            </a:pPr>
+            <a:r>
+              <a:rPr lang="de-DE" dirty="0" smtClean="0">
+                <a:solidFill>
+                  <a:schemeClr val="tx1"/>
+                </a:solidFill>
+              </a:rPr>
+              <a:t>Ausblick</a:t>
+            </a:r>
+            <a:endParaRPr lang="de-DE" dirty="0">
+              <a:solidFill>
+                <a:schemeClr val="tx1"/>
+              </a:solidFill>
+            </a:endParaRPr>
+          </a:p>
+        </p:txBody>
+      </p:sp>
+      <p:cxnSp>
+        <p:nvCxnSpPr>
+          <p:cNvPr id="12" name="Gerader Verbinder 11"/>
+          <p:cNvCxnSpPr/>
+          <p:nvPr/>
+        </p:nvCxnSpPr>
+        <p:spPr>
+          <a:xfrm flipV="1">
+            <a:off x="3223098" y="3166192"/>
+            <a:ext cx="0" cy="997874"/>
+          </a:xfrm>
+          <a:prstGeom prst="line">
+            <a:avLst/>
+          </a:prstGeom>
+        </p:spPr>
+        <p:style>
+          <a:lnRef idx="1">
+            <a:schemeClr val="accent1"/>
+          </a:lnRef>
+          <a:fillRef idx="0">
+            <a:schemeClr val="accent1"/>
+          </a:fillRef>
+          <a:effectRef idx="0">
+            <a:schemeClr val="accent1"/>
+          </a:effectRef>
+          <a:fontRef idx="minor">
+            <a:schemeClr val="tx1"/>
+          </a:fontRef>
+        </p:style>
+      </p:cxnSp>
+      <p:cxnSp>
+        <p:nvCxnSpPr>
+          <p:cNvPr id="14" name="Gerader Verbinder 13"/>
+          <p:cNvCxnSpPr/>
+          <p:nvPr/>
+        </p:nvCxnSpPr>
+        <p:spPr>
+          <a:xfrm flipV="1">
+            <a:off x="4493465" y="2250690"/>
+            <a:ext cx="0" cy="893437"/>
+          </a:xfrm>
+          <a:prstGeom prst="line">
+            <a:avLst/>
+          </a:prstGeom>
+        </p:spPr>
+        <p:style>
+          <a:lnRef idx="1">
+            <a:schemeClr val="accent1"/>
+          </a:lnRef>
+          <a:fillRef idx="0">
+            <a:schemeClr val="accent1"/>
+          </a:fillRef>
+          <a:effectRef idx="0">
+            <a:schemeClr val="accent1"/>
+          </a:effectRef>
+          <a:fontRef idx="minor">
+            <a:schemeClr val="tx1"/>
+          </a:fontRef>
+        </p:style>
+      </p:cxnSp>
+      <p:cxnSp>
+        <p:nvCxnSpPr>
+          <p:cNvPr id="16" name="Gerader Verbinder 15"/>
+          <p:cNvCxnSpPr/>
+          <p:nvPr/>
+        </p:nvCxnSpPr>
+        <p:spPr>
+          <a:xfrm flipV="1">
+            <a:off x="5907024" y="3200202"/>
+            <a:ext cx="20558" cy="992178"/>
+          </a:xfrm>
+          <a:prstGeom prst="line">
+            <a:avLst/>
+          </a:prstGeom>
+        </p:spPr>
+        <p:style>
+          <a:lnRef idx="1">
+            <a:schemeClr val="accent1"/>
+          </a:lnRef>
+          <a:fillRef idx="0">
+            <a:schemeClr val="accent1"/>
+          </a:fillRef>
+          <a:effectRef idx="0">
+            <a:schemeClr val="accent1"/>
+          </a:effectRef>
+          <a:fontRef idx="minor">
+            <a:schemeClr val="tx1"/>
+          </a:fontRef>
+        </p:style>
+      </p:cxnSp>
+      <p:cxnSp>
+        <p:nvCxnSpPr>
+          <p:cNvPr id="18" name="Gerader Verbinder 17"/>
+          <p:cNvCxnSpPr/>
+          <p:nvPr/>
+        </p:nvCxnSpPr>
+        <p:spPr>
+          <a:xfrm flipV="1">
+            <a:off x="7401257" y="2241121"/>
+            <a:ext cx="0" cy="903007"/>
+          </a:xfrm>
+          <a:prstGeom prst="line">
+            <a:avLst/>
+          </a:prstGeom>
+        </p:spPr>
+        <p:style>
+          <a:lnRef idx="1">
+            <a:schemeClr val="accent1"/>
+          </a:lnRef>
+          <a:fillRef idx="0">
+            <a:schemeClr val="accent1"/>
+          </a:fillRef>
+          <a:effectRef idx="0">
+            <a:schemeClr val="accent1"/>
+          </a:effectRef>
+          <a:fontRef idx="minor">
+            <a:schemeClr val="tx1"/>
+          </a:fontRef>
+        </p:style>
+      </p:cxnSp>
+      <p:cxnSp>
+        <p:nvCxnSpPr>
+          <p:cNvPr id="19" name="Gerader Verbinder 18"/>
+          <p:cNvCxnSpPr/>
+          <p:nvPr/>
+        </p:nvCxnSpPr>
+        <p:spPr>
+          <a:xfrm flipV="1">
+            <a:off x="8546592" y="3238778"/>
+            <a:ext cx="0" cy="997874"/>
+          </a:xfrm>
+          <a:prstGeom prst="line">
+            <a:avLst/>
+          </a:prstGeom>
+        </p:spPr>
+        <p:style>
+          <a:lnRef idx="1">
+            <a:schemeClr val="accent1"/>
+          </a:lnRef>
+          <a:fillRef idx="0">
+            <a:schemeClr val="accent1"/>
+          </a:fillRef>
+          <a:effectRef idx="0">
+            <a:schemeClr val="accent1"/>
+          </a:effectRef>
+          <a:fontRef idx="minor">
+            <a:schemeClr val="tx1"/>
+          </a:fontRef>
+        </p:style>
+      </p:cxnSp>
+      <p:sp>
+        <p:nvSpPr>
+          <p:cNvPr id="20" name="Rechteck 19">
+            <a:extLst>
+              <a:ext uri="{FF2B5EF4-FFF2-40B4-BE49-F238E27FC236}">
+                <a16:creationId xmlns:a16="http://schemas.microsoft.com/office/drawing/2014/main" xmlns="" id="{4F68B8E9-417E-0141-AE27-E298ED29929C}"/>
+              </a:ext>
+            </a:extLst>
+          </p:cNvPr>
+          <p:cNvSpPr/>
+          <p:nvPr/>
+        </p:nvSpPr>
+        <p:spPr>
+          <a:xfrm>
+            <a:off x="879122" y="2477496"/>
+            <a:ext cx="1661224" cy="1333263"/>
+          </a:xfrm>
+          <a:prstGeom prst="rect">
+            <a:avLst/>
+          </a:prstGeom>
+          <a:solidFill>
+            <a:schemeClr val="bg1"/>
+          </a:solidFill>
+          <a:ln>
+            <a:solidFill>
+              <a:schemeClr val="accent4"/>
+            </a:solidFill>
+          </a:ln>
+        </p:spPr>
+        <p:style>
+          <a:lnRef idx="2">
+            <a:schemeClr val="accent1">
+              <a:shade val="50000"/>
+            </a:schemeClr>
+          </a:lnRef>
+          <a:fillRef idx="1">
+            <a:schemeClr val="accent1"/>
+          </a:fillRef>
+          <a:effectRef idx="0">
+            <a:schemeClr val="accent1"/>
+          </a:effectRef>
+          <a:fontRef idx="minor">
+            <a:schemeClr val="lt1"/>
+          </a:fontRef>
+        </p:style>
+        <p:txBody>
+          <a:bodyPr tIns="180000" rtlCol="0" anchor="t"/>
+          <a:lstStyle/>
+          <a:p>
+            <a:pPr marL="285750" indent="-285750">
+              <a:buFont typeface="Arial" panose="020B0604020202020204" pitchFamily="34" charset="0"/>
+              <a:buChar char="•"/>
+            </a:pPr>
+            <a:r>
+              <a:rPr lang="de-DE" dirty="0" smtClean="0">
+                <a:solidFill>
+                  <a:schemeClr val="tx1"/>
+                </a:solidFill>
+              </a:rPr>
+              <a:t>Verzweifelter Nutzer (Bild)</a:t>
+            </a:r>
+            <a:endParaRPr lang="de-DE" dirty="0">
+              <a:solidFill>
+                <a:schemeClr val="tx1"/>
+              </a:solidFill>
+            </a:endParaRPr>
+          </a:p>
+        </p:txBody>
+      </p:sp>
+      <p:sp>
+        <p:nvSpPr>
+          <p:cNvPr id="21" name="Rechteck 20">
+            <a:extLst>
+              <a:ext uri="{FF2B5EF4-FFF2-40B4-BE49-F238E27FC236}">
+                <a16:creationId xmlns:a16="http://schemas.microsoft.com/office/drawing/2014/main" xmlns="" id="{4F68B8E9-417E-0141-AE27-E298ED29929C}"/>
+              </a:ext>
+            </a:extLst>
+          </p:cNvPr>
+          <p:cNvSpPr/>
+          <p:nvPr/>
+        </p:nvSpPr>
+        <p:spPr>
+          <a:xfrm>
+            <a:off x="9300226" y="2533570"/>
+            <a:ext cx="1661224" cy="1333263"/>
+          </a:xfrm>
+          <a:prstGeom prst="rect">
+            <a:avLst/>
+          </a:prstGeom>
+          <a:solidFill>
+            <a:schemeClr val="bg1"/>
+          </a:solidFill>
+          <a:ln>
+            <a:solidFill>
+              <a:schemeClr val="accent4"/>
+            </a:solidFill>
+          </a:ln>
+        </p:spPr>
+        <p:style>
+          <a:lnRef idx="2">
+            <a:schemeClr val="accent1">
+              <a:shade val="50000"/>
+            </a:schemeClr>
+          </a:lnRef>
+          <a:fillRef idx="1">
+            <a:schemeClr val="accent1"/>
+          </a:fillRef>
+          <a:effectRef idx="0">
+            <a:schemeClr val="accent1"/>
+          </a:effectRef>
+          <a:fontRef idx="minor">
+            <a:schemeClr val="lt1"/>
+          </a:fontRef>
+        </p:style>
+        <p:txBody>
+          <a:bodyPr tIns="180000" rtlCol="0" anchor="t"/>
+          <a:lstStyle/>
+          <a:p>
+            <a:pPr marL="285750" indent="-285750">
+              <a:buFont typeface="Arial" panose="020B0604020202020204" pitchFamily="34" charset="0"/>
+              <a:buChar char="•"/>
+            </a:pPr>
+            <a:r>
+              <a:rPr lang="de-DE" dirty="0" smtClean="0">
+                <a:solidFill>
+                  <a:schemeClr val="tx1"/>
+                </a:solidFill>
+              </a:rPr>
+              <a:t>Glücklicher Nutzer (Bild)</a:t>
+            </a:r>
+            <a:endParaRPr lang="de-DE" dirty="0">
+              <a:solidFill>
+                <a:schemeClr val="tx1"/>
+              </a:solidFill>
+            </a:endParaRPr>
+          </a:p>
+        </p:txBody>
+      </p:sp>
+    </p:spTree>
+    <p:extLst>
+      <p:ext uri="{BB962C8B-B14F-4D97-AF65-F5344CB8AC3E}">
+        <p14:creationId xmlns:p14="http://schemas.microsoft.com/office/powerpoint/2010/main" val="2434195809"/>
+      </p:ext>
+    </p:extLst>
+  </p:cSld>
+  <p:clrMapOvr>
+    <a:masterClrMapping/>
+  </p:clrMapOvr>
+</p:sld>
+</file>
+
+<file path=ppt/slides/slide4.xml><?xml version="1.0" encoding="utf-8"?>
+<p:sld xmlns:a="http://schemas.openxmlformats.org/drawingml/2006/main" xmlns:r="http://schemas.openxmlformats.org/officeDocument/2006/relationships" xmlns:p="http://schemas.openxmlformats.org/presentationml/2006/main">
+  <p:cSld>
+    <p:spTree>
+      <p:nvGrpSpPr>
+        <p:cNvPr id="1" name=""/>
+        <p:cNvGrpSpPr/>
+        <p:nvPr/>
+      </p:nvGrpSpPr>
+      <p:grpSpPr>
+        <a:xfrm>
+          <a:off x="0" y="0"/>
+          <a:ext cx="0" cy="0"/>
+          <a:chOff x="0" y="0"/>
+          <a:chExt cx="0" cy="0"/>
+        </a:xfrm>
+      </p:grpSpPr>
+      <p:sp>
+        <p:nvSpPr>
+          <p:cNvPr id="2" name="Titel 1"/>
+          <p:cNvSpPr>
+            <a:spLocks noGrp="1"/>
+          </p:cNvSpPr>
+          <p:nvPr>
+            <p:ph type="title"/>
+          </p:nvPr>
+        </p:nvSpPr>
+        <p:spPr/>
+        <p:txBody>
+          <a:bodyPr/>
+          <a:lstStyle/>
+          <a:p>
+            <a:r>
+              <a:rPr lang="de-DE" dirty="0" smtClean="0"/>
+              <a:t>Wobei kann der Mitarbeiter mit einem Assistenzsystem unterstützt werden?</a:t>
+            </a:r>
+            <a:endParaRPr lang="de-DE" dirty="0"/>
+          </a:p>
+        </p:txBody>
+      </p:sp>
+      <p:sp>
+        <p:nvSpPr>
+          <p:cNvPr id="3" name="Inhaltsplatzhalter 2"/>
+          <p:cNvSpPr>
+            <a:spLocks noGrp="1"/>
+          </p:cNvSpPr>
+          <p:nvPr>
+            <p:ph sz="quarter" idx="10"/>
+          </p:nvPr>
+        </p:nvSpPr>
+        <p:spPr/>
+        <p:txBody>
+          <a:bodyPr/>
+          <a:lstStyle/>
+          <a:p>
+            <a:endParaRPr lang="de-DE"/>
+          </a:p>
+        </p:txBody>
+      </p:sp>
+    </p:spTree>
+    <p:extLst>
+      <p:ext uri="{BB962C8B-B14F-4D97-AF65-F5344CB8AC3E}">
+        <p14:creationId xmlns:p14="http://schemas.microsoft.com/office/powerpoint/2010/main" val="1594901777"/>
+      </p:ext>
+    </p:extLst>
+  </p:cSld>
+  <p:clrMapOvr>
+    <a:masterClrMapping/>
+  </p:clrMapOvr>
+</p:sld>
+</file>
+
+<file path=ppt/slides/slide5.xml><?xml version="1.0" encoding="utf-8"?>
+<p:sld xmlns:a="http://schemas.openxmlformats.org/drawingml/2006/main" xmlns:r="http://schemas.openxmlformats.org/officeDocument/2006/relationships" xmlns:p="http://schemas.openxmlformats.org/presentationml/2006/main">
+  <p:cSld>
+    <p:spTree>
+      <p:nvGrpSpPr>
+        <p:cNvPr id="1" name=""/>
+        <p:cNvGrpSpPr/>
+        <p:nvPr/>
+      </p:nvGrpSpPr>
+      <p:grpSpPr>
+        <a:xfrm>
+          <a:off x="0" y="0"/>
+          <a:ext cx="0" cy="0"/>
+          <a:chOff x="0" y="0"/>
+          <a:chExt cx="0" cy="0"/>
+        </a:xfrm>
+      </p:grpSpPr>
+      <p:sp>
+        <p:nvSpPr>
+          <p:cNvPr id="2" name="Titel 1"/>
+          <p:cNvSpPr>
+            <a:spLocks noGrp="1"/>
+          </p:cNvSpPr>
+          <p:nvPr>
+            <p:ph type="title"/>
+          </p:nvPr>
+        </p:nvSpPr>
+        <p:spPr/>
+        <p:txBody>
+          <a:bodyPr/>
+          <a:lstStyle/>
+          <a:p>
+            <a:r>
+              <a:rPr lang="de-DE" dirty="0" smtClean="0"/>
+              <a:t>Wie sieht ein Problemlöseprozess aus?</a:t>
+            </a:r>
+            <a:endParaRPr lang="de-DE" dirty="0"/>
+          </a:p>
+        </p:txBody>
+      </p:sp>
+      <p:sp>
+        <p:nvSpPr>
+          <p:cNvPr id="3" name="Inhaltsplatzhalter 2"/>
+          <p:cNvSpPr>
+            <a:spLocks noGrp="1"/>
+          </p:cNvSpPr>
+          <p:nvPr>
+            <p:ph sz="quarter" idx="10"/>
+          </p:nvPr>
+        </p:nvSpPr>
+        <p:spPr/>
+        <p:txBody>
+          <a:bodyPr/>
+          <a:lstStyle/>
+          <a:p>
+            <a:endParaRPr lang="de-DE"/>
+          </a:p>
+        </p:txBody>
+      </p:sp>
+    </p:spTree>
+    <p:extLst>
+      <p:ext uri="{BB962C8B-B14F-4D97-AF65-F5344CB8AC3E}">
+        <p14:creationId xmlns:p14="http://schemas.microsoft.com/office/powerpoint/2010/main" val="138072392"/>
+      </p:ext>
+    </p:extLst>
+  </p:cSld>
+  <p:clrMapOvr>
+    <a:masterClrMapping/>
+  </p:clrMapOvr>
+</p:sld>
+</file>
+
+<file path=ppt/slides/slide6.xml><?xml version="1.0" encoding="utf-8"?>
+<p:sld xmlns:a="http://schemas.openxmlformats.org/drawingml/2006/main" xmlns:r="http://schemas.openxmlformats.org/officeDocument/2006/relationships" xmlns:p="http://schemas.openxmlformats.org/presentationml/2006/main">
+  <p:cSld>
+    <p:spTree>
+      <p:nvGrpSpPr>
+        <p:cNvPr id="1" name=""/>
+        <p:cNvGrpSpPr/>
+        <p:nvPr/>
+      </p:nvGrpSpPr>
+      <p:grpSpPr>
+        <a:xfrm>
+          <a:off x="0" y="0"/>
+          <a:ext cx="0" cy="0"/>
+          <a:chOff x="0" y="0"/>
+          <a:chExt cx="0" cy="0"/>
+        </a:xfrm>
+      </p:grpSpPr>
+      <p:sp>
+        <p:nvSpPr>
+          <p:cNvPr id="2" name="Titel 1"/>
+          <p:cNvSpPr>
+            <a:spLocks noGrp="1"/>
+          </p:cNvSpPr>
+          <p:nvPr>
+            <p:ph type="title"/>
+          </p:nvPr>
+        </p:nvSpPr>
+        <p:spPr/>
+        <p:txBody>
+          <a:bodyPr/>
+          <a:lstStyle/>
+          <a:p>
+            <a:r>
+              <a:rPr lang="de-DE" dirty="0" smtClean="0"/>
+              <a:t>Was für Informationen stellt die modulare Anlage zur Verfügung?</a:t>
+            </a:r>
+            <a:endParaRPr lang="de-DE" dirty="0"/>
+          </a:p>
+        </p:txBody>
+      </p:sp>
+      <p:sp>
+        <p:nvSpPr>
+          <p:cNvPr id="3" name="Inhaltsplatzhalter 2"/>
+          <p:cNvSpPr>
+            <a:spLocks noGrp="1"/>
+          </p:cNvSpPr>
+          <p:nvPr>
+            <p:ph sz="quarter" idx="10"/>
+          </p:nvPr>
+        </p:nvSpPr>
+        <p:spPr/>
+        <p:txBody>
+          <a:bodyPr/>
+          <a:lstStyle/>
+          <a:p>
+            <a:endParaRPr lang="de-DE"/>
+          </a:p>
+        </p:txBody>
+      </p:sp>
+    </p:spTree>
+    <p:extLst>
+      <p:ext uri="{BB962C8B-B14F-4D97-AF65-F5344CB8AC3E}">
+        <p14:creationId xmlns:p14="http://schemas.microsoft.com/office/powerpoint/2010/main" val="3337884873"/>
+      </p:ext>
+    </p:extLst>
+  </p:cSld>
+  <p:clrMapOvr>
+    <a:masterClrMapping/>
+  </p:clrMapOvr>
+</p:sld>
+</file>
+
+<file path=ppt/slides/slide7.xml><?xml version="1.0" encoding="utf-8"?>
+<p:sld xmlns:a="http://schemas.openxmlformats.org/drawingml/2006/main" xmlns:r="http://schemas.openxmlformats.org/officeDocument/2006/relationships" xmlns:p="http://schemas.openxmlformats.org/presentationml/2006/main">
+  <p:cSld>
+    <p:spTree>
+      <p:nvGrpSpPr>
+        <p:cNvPr id="1" name=""/>
+        <p:cNvGrpSpPr/>
+        <p:nvPr/>
+      </p:nvGrpSpPr>
+      <p:grpSpPr>
+        <a:xfrm>
+          <a:off x="0" y="0"/>
+          <a:ext cx="0" cy="0"/>
+          <a:chOff x="0" y="0"/>
+          <a:chExt cx="0" cy="0"/>
+        </a:xfrm>
+      </p:grpSpPr>
+      <p:sp>
+        <p:nvSpPr>
+          <p:cNvPr id="2" name="Titel 1"/>
+          <p:cNvSpPr>
+            <a:spLocks noGrp="1"/>
+          </p:cNvSpPr>
+          <p:nvPr>
+            <p:ph type="title"/>
+          </p:nvPr>
+        </p:nvSpPr>
+        <p:spPr/>
+        <p:txBody>
+          <a:bodyPr/>
+          <a:lstStyle/>
+          <a:p>
+            <a:r>
+              <a:rPr lang="de-DE" dirty="0" smtClean="0"/>
+              <a:t>Was für Benutzergruppen gibt es?</a:t>
+            </a:r>
+            <a:endParaRPr lang="de-DE" dirty="0"/>
+          </a:p>
+        </p:txBody>
+      </p:sp>
+      <p:sp>
+        <p:nvSpPr>
+          <p:cNvPr id="3" name="Inhaltsplatzhalter 2"/>
+          <p:cNvSpPr>
+            <a:spLocks noGrp="1"/>
+          </p:cNvSpPr>
+          <p:nvPr>
+            <p:ph sz="quarter" idx="10"/>
+          </p:nvPr>
+        </p:nvSpPr>
+        <p:spPr/>
+        <p:txBody>
+          <a:bodyPr/>
+          <a:lstStyle/>
+          <a:p>
+            <a:endParaRPr lang="de-DE"/>
+          </a:p>
+        </p:txBody>
+      </p:sp>
+    </p:spTree>
+    <p:extLst>
+      <p:ext uri="{BB962C8B-B14F-4D97-AF65-F5344CB8AC3E}">
+        <p14:creationId xmlns:p14="http://schemas.microsoft.com/office/powerpoint/2010/main" val="241283541"/>
+      </p:ext>
+    </p:extLst>
+  </p:cSld>
+  <p:clrMapOvr>
+    <a:masterClrMapping/>
+  </p:clrMapOvr>
+</p:sld>
+</file>
+
+<file path=ppt/slides/slide8.xml><?xml version="1.0" encoding="utf-8"?>
+<p:sld xmlns:a="http://schemas.openxmlformats.org/drawingml/2006/main" xmlns:r="http://schemas.openxmlformats.org/officeDocument/2006/relationships" xmlns:p="http://schemas.openxmlformats.org/presentationml/2006/main">
+  <p:cSld>
+    <p:spTree>
+      <p:nvGrpSpPr>
+        <p:cNvPr id="1" name=""/>
+        <p:cNvGrpSpPr/>
+        <p:nvPr/>
+      </p:nvGrpSpPr>
+      <p:grpSpPr>
+        <a:xfrm>
+          <a:off x="0" y="0"/>
+          <a:ext cx="0" cy="0"/>
+          <a:chOff x="0" y="0"/>
+          <a:chExt cx="0" cy="0"/>
+        </a:xfrm>
+      </p:grpSpPr>
+      <p:sp>
+        <p:nvSpPr>
+          <p:cNvPr id="2" name="Titel 1"/>
+          <p:cNvSpPr>
+            <a:spLocks noGrp="1"/>
+          </p:cNvSpPr>
+          <p:nvPr>
+            <p:ph type="title"/>
+          </p:nvPr>
+        </p:nvSpPr>
+        <p:spPr/>
+        <p:txBody>
+          <a:bodyPr/>
+          <a:lstStyle/>
+          <a:p>
+            <a:endParaRPr lang="de-DE"/>
+          </a:p>
+        </p:txBody>
+      </p:sp>
+      <p:sp>
+        <p:nvSpPr>
+          <p:cNvPr id="3" name="Inhaltsplatzhalter 2"/>
+          <p:cNvSpPr>
+            <a:spLocks noGrp="1"/>
+          </p:cNvSpPr>
+          <p:nvPr>
+            <p:ph sz="quarter" idx="10"/>
+          </p:nvPr>
+        </p:nvSpPr>
+        <p:spPr/>
+        <p:txBody>
+          <a:bodyPr/>
+          <a:lstStyle/>
+          <a:p>
+            <a:endParaRPr lang="de-DE"/>
+          </a:p>
+        </p:txBody>
+      </p:sp>
+    </p:spTree>
+    <p:extLst>
+      <p:ext uri="{BB962C8B-B14F-4D97-AF65-F5344CB8AC3E}">
+        <p14:creationId xmlns:p14="http://schemas.microsoft.com/office/powerpoint/2010/main" val="3493721261"/>
+      </p:ext>
+    </p:extLst>
+  </p:cSld>
+  <p:clrMapOvr>
+    <a:masterClrMapping/>
+  </p:clrMapOvr>
+</p:sld>
+</file>
+
+<file path=ppt/slides/slide9.xml><?xml version="1.0" encoding="utf-8"?>
+<p:sld xmlns:a="http://schemas.openxmlformats.org/drawingml/2006/main" xmlns:r="http://schemas.openxmlformats.org/officeDocument/2006/relationships" xmlns:p="http://schemas.openxmlformats.org/presentationml/2006/main">
+  <p:cSld>
+    <p:spTree>
+      <p:nvGrpSpPr>
+        <p:cNvPr id="1" name=""/>
+        <p:cNvGrpSpPr/>
+        <p:nvPr/>
+      </p:nvGrpSpPr>
+      <p:grpSpPr>
+        <a:xfrm>
+          <a:off x="0" y="0"/>
+          <a:ext cx="0" cy="0"/>
+          <a:chOff x="0" y="0"/>
+          <a:chExt cx="0" cy="0"/>
+        </a:xfrm>
+      </p:grpSpPr>
+      <p:sp>
+        <p:nvSpPr>
+          <p:cNvPr id="2" name="Titel 1"/>
+          <p:cNvSpPr>
+            <a:spLocks noGrp="1"/>
+          </p:cNvSpPr>
+          <p:nvPr>
+            <p:ph type="title"/>
+          </p:nvPr>
+        </p:nvSpPr>
+        <p:spPr/>
+        <p:txBody>
+          <a:bodyPr/>
+          <a:lstStyle/>
+          <a:p>
+            <a:endParaRPr lang="de-DE"/>
+          </a:p>
+        </p:txBody>
+      </p:sp>
+      <p:sp>
+        <p:nvSpPr>
+          <p:cNvPr id="3" name="Inhaltsplatzhalter 2"/>
+          <p:cNvSpPr>
+            <a:spLocks noGrp="1"/>
+          </p:cNvSpPr>
+          <p:nvPr>
+            <p:ph sz="quarter" idx="10"/>
+          </p:nvPr>
+        </p:nvSpPr>
+        <p:spPr/>
+        <p:txBody>
+          <a:bodyPr/>
+          <a:lstStyle/>
+          <a:p>
+            <a:endParaRPr lang="de-DE"/>
+          </a:p>
+        </p:txBody>
+      </p:sp>
+    </p:spTree>
+    <p:extLst>
+      <p:ext uri="{BB962C8B-B14F-4D97-AF65-F5344CB8AC3E}">
+        <p14:creationId xmlns:p14="http://schemas.microsoft.com/office/powerpoint/2010/main" val="2094683200"/>
       </p:ext>
     </p:extLst>
   </p:cSld>

--- a/Dokumente/Präsentationen/2019-04-29_DA_Feldkemper_Probeverteidigung.pptx
+++ b/Dokumente/Präsentationen/2019-04-29_DA_Feldkemper_Probeverteidigung.pptx
@@ -5,44 +5,46 @@
     <p:sldMasterId id="2147483891" r:id="rId1"/>
   </p:sldMasterIdLst>
   <p:notesMasterIdLst>
-    <p:notesMasterId r:id="rId17"/>
+    <p:notesMasterId r:id="rId19"/>
   </p:notesMasterIdLst>
   <p:handoutMasterIdLst>
-    <p:handoutMasterId r:id="rId18"/>
+    <p:handoutMasterId r:id="rId20"/>
   </p:handoutMasterIdLst>
   <p:sldIdLst>
     <p:sldId id="319" r:id="rId2"/>
     <p:sldId id="333" r:id="rId3"/>
-    <p:sldId id="334" r:id="rId4"/>
-    <p:sldId id="336" r:id="rId5"/>
-    <p:sldId id="337" r:id="rId6"/>
-    <p:sldId id="338" r:id="rId7"/>
-    <p:sldId id="339" r:id="rId8"/>
-    <p:sldId id="345" r:id="rId9"/>
-    <p:sldId id="340" r:id="rId10"/>
-    <p:sldId id="341" r:id="rId11"/>
-    <p:sldId id="342" r:id="rId12"/>
-    <p:sldId id="335" r:id="rId13"/>
-    <p:sldId id="331" r:id="rId14"/>
-    <p:sldId id="344" r:id="rId15"/>
-    <p:sldId id="343" r:id="rId16"/>
+    <p:sldId id="347" r:id="rId4"/>
+    <p:sldId id="334" r:id="rId5"/>
+    <p:sldId id="346" r:id="rId6"/>
+    <p:sldId id="336" r:id="rId7"/>
+    <p:sldId id="337" r:id="rId8"/>
+    <p:sldId id="338" r:id="rId9"/>
+    <p:sldId id="339" r:id="rId10"/>
+    <p:sldId id="345" r:id="rId11"/>
+    <p:sldId id="340" r:id="rId12"/>
+    <p:sldId id="341" r:id="rId13"/>
+    <p:sldId id="342" r:id="rId14"/>
+    <p:sldId id="335" r:id="rId15"/>
+    <p:sldId id="331" r:id="rId16"/>
+    <p:sldId id="344" r:id="rId17"/>
+    <p:sldId id="343" r:id="rId18"/>
   </p:sldIdLst>
   <p:sldSz cx="12192000" cy="6858000"/>
   <p:notesSz cx="6858000" cy="9144000"/>
   <p:embeddedFontLst>
     <p:embeddedFont>
       <p:font typeface="Calibri" panose="020F0502020204030204" pitchFamily="34" charset="0"/>
-      <p:regular r:id="rId19"/>
-      <p:bold r:id="rId20"/>
-      <p:italic r:id="rId21"/>
-      <p:boldItalic r:id="rId22"/>
+      <p:regular r:id="rId21"/>
+      <p:bold r:id="rId22"/>
+      <p:italic r:id="rId23"/>
+      <p:boldItalic r:id="rId24"/>
     </p:embeddedFont>
     <p:embeddedFont>
-      <p:font typeface="Open Sans" panose="020B0604020202020204" charset="0"/>
-      <p:regular r:id="rId23"/>
-      <p:bold r:id="rId24"/>
-      <p:italic r:id="rId25"/>
-      <p:boldItalic r:id="rId26"/>
+      <p:font typeface="Open Sans" panose="020B0606030504020204" pitchFamily="34" charset="0"/>
+      <p:regular r:id="rId25"/>
+      <p:bold r:id="rId26"/>
+      <p:italic r:id="rId27"/>
+      <p:boldItalic r:id="rId28"/>
     </p:embeddedFont>
   </p:embeddedFontLst>
   <p:defaultTextStyle>
@@ -147,11 +149,13 @@
           <p14:sldIdLst>
             <p14:sldId id="319"/>
             <p14:sldId id="333"/>
+            <p14:sldId id="347"/>
             <p14:sldId id="334"/>
           </p14:sldIdLst>
         </p14:section>
         <p14:section name="Stand der Technik" id="{CDD8C508-1B50-46D6-B7CC-FFB52AE2B290}">
           <p14:sldIdLst>
+            <p14:sldId id="346"/>
             <p14:sldId id="336"/>
             <p14:sldId id="337"/>
           </p14:sldIdLst>
@@ -288,7 +292,7 @@
           <a:p>
             <a:fld id="{C6AC6211-610F-44E5-BF19-D3CDF6EDD281}" type="datetimeFigureOut">
               <a:rPr lang="de-DE" smtClean="0"/>
-              <a:t>29.03.2019</a:t>
+              <a:t>30.03.19</a:t>
             </a:fld>
             <a:endParaRPr lang="de-DE"/>
           </a:p>
@@ -370,6 +374,202 @@
   <p:clrMap bg1="lt1" tx1="dk1" bg2="lt2" tx2="dk2" accent1="accent1" accent2="accent2" accent3="accent3" accent4="accent4" accent5="accent5" accent6="accent6" hlink="hlink" folHlink="folHlink"/>
   <p:hf hdr="0" ftr="0" dt="0"/>
 </p:handoutMaster>
+</file>
+
+<file path=ppt/ink/ink1.xml><?xml version="1.0" encoding="utf-8"?>
+<inkml:ink xmlns:inkml="http://www.w3.org/2003/InkML">
+  <inkml:definitions>
+    <inkml:context xml:id="ctx0">
+      <inkml:inkSource xml:id="inkSrc0">
+        <inkml:traceFormat>
+          <inkml:channel name="X" type="integer" min="-2.14748E9" max="2.14748E9" units="cm"/>
+          <inkml:channel name="Y" type="integer" min="-2.14748E9" max="2.14748E9" units="cm"/>
+          <inkml:channel name="F" type="integer" max="32767" units="dev"/>
+        </inkml:traceFormat>
+        <inkml:channelProperties>
+          <inkml:channelProperty channel="X" name="resolution" value="1000" units="1/cm"/>
+          <inkml:channelProperty channel="Y" name="resolution" value="1000" units="1/cm"/>
+          <inkml:channelProperty channel="F" name="resolution" value="0" units="1/dev"/>
+        </inkml:channelProperties>
+      </inkml:inkSource>
+      <inkml:timestamp xml:id="ts0" timeString="2019-03-30T09:55:57.826"/>
+    </inkml:context>
+    <inkml:brush xml:id="br0">
+      <inkml:brushProperty name="width" value="0.05" units="cm"/>
+      <inkml:brushProperty name="height" value="0.05" units="cm"/>
+    </inkml:brush>
+  </inkml:definitions>
+  <inkml:trace contextRef="#ctx0" brushRef="#br0">1 0 24575,'8'0'0,"3"0"0,-3 0 0,-1 0 0,-2 0 0</inkml:trace>
+</inkml:ink>
+</file>
+
+<file path=ppt/ink/ink2.xml><?xml version="1.0" encoding="utf-8"?>
+<inkml:ink xmlns:inkml="http://www.w3.org/2003/InkML">
+  <inkml:definitions>
+    <inkml:context xml:id="ctx0">
+      <inkml:inkSource xml:id="inkSrc0">
+        <inkml:traceFormat>
+          <inkml:channel name="X" type="integer" min="-2.14748E9" max="2.14748E9" units="cm"/>
+          <inkml:channel name="Y" type="integer" min="-2.14748E9" max="2.14748E9" units="cm"/>
+          <inkml:channel name="F" type="integer" max="32767" units="dev"/>
+        </inkml:traceFormat>
+        <inkml:channelProperties>
+          <inkml:channelProperty channel="X" name="resolution" value="1000" units="1/cm"/>
+          <inkml:channelProperty channel="Y" name="resolution" value="1000" units="1/cm"/>
+          <inkml:channelProperty channel="F" name="resolution" value="0" units="1/dev"/>
+        </inkml:channelProperties>
+      </inkml:inkSource>
+      <inkml:timestamp xml:id="ts0" timeString="2019-03-30T09:55:59.250"/>
+    </inkml:context>
+    <inkml:brush xml:id="br0">
+      <inkml:brushProperty name="width" value="0.05" units="cm"/>
+      <inkml:brushProperty name="height" value="0.05" units="cm"/>
+    </inkml:brush>
+  </inkml:definitions>
+  <inkml:trace contextRef="#ctx0" brushRef="#br0">16 6 24575,'-2'-3'0,"-1"1"0,0 4 0,-1 1 0,3 2 0,-1 0 0,4 0 0,1-2 0,2-1 0,-2 1 0,-1-3 0,-2 3 0</inkml:trace>
+</inkml:ink>
+</file>
+
+<file path=ppt/ink/ink3.xml><?xml version="1.0" encoding="utf-8"?>
+<inkml:ink xmlns:inkml="http://www.w3.org/2003/InkML">
+  <inkml:definitions>
+    <inkml:context xml:id="ctx0">
+      <inkml:inkSource xml:id="inkSrc0">
+        <inkml:traceFormat>
+          <inkml:channel name="X" type="integer" min="-2.14748E9" max="2.14748E9" units="cm"/>
+          <inkml:channel name="Y" type="integer" min="-2.14748E9" max="2.14748E9" units="cm"/>
+          <inkml:channel name="F" type="integer" max="32767" units="dev"/>
+        </inkml:traceFormat>
+        <inkml:channelProperties>
+          <inkml:channelProperty channel="X" name="resolution" value="1000" units="1/cm"/>
+          <inkml:channelProperty channel="Y" name="resolution" value="1000" units="1/cm"/>
+          <inkml:channelProperty channel="F" name="resolution" value="0" units="1/dev"/>
+        </inkml:channelProperties>
+      </inkml:inkSource>
+      <inkml:timestamp xml:id="ts0" timeString="2019-03-30T09:53:09.485"/>
+    </inkml:context>
+    <inkml:brush xml:id="br0">
+      <inkml:brushProperty name="width" value="0.05" units="cm"/>
+      <inkml:brushProperty name="height" value="0.05" units="cm"/>
+    </inkml:brush>
+  </inkml:definitions>
+  <inkml:trace contextRef="#ctx0" brushRef="#br0">1947 481 24575,'4'21'0,"4"0"0,-7 5 0,6 0 0,-6 0 0,8 17 0,-8-8 0,13 25 0,-7-15 0,14 47 0,-4-28 0,-8-14 0,1-1 0,5 16 0,-4 4 0,-1-12 0,0-1 0,0-1 0,-1-9 0,1-3 0,-5-7 0,3 8 0,-6-4 0,2 14 0,-4-16 0,0 16 0,0-14 0,0 4 0,0-13 0,0-5 0,0 5 0,0 1 0,0 16 0,0-13 0,-5 24 0,4-18 0,-3 20 0,4-10 0,0-1 0,-5 33 0,-1-25 0,-4 28 0,5-36 0,-4-2 0,3-4 0,-4 5 0,-6 28 0,3-1 0,-4 12 0,6-5 0,-5-5 0,4-11 0,-4-3 0,6-16 0,-4-4 0,4-9 0,-8 5 0,8-12 0,-9 20 0,5-8 0,-2 9 0,-17 35 0,19-35 0,-24 36 0,17-46 0,1-6 0,-7 0 0,8-6 0,-10 6 0,0 1 0,5-5 0,-3 3 0,-3 8 0,-5-7 0,-3 18 0,0-21 0,8 4 0,-3-6 0,5 0 0,-5 0 0,4-4 0,-2 5 0,9-6 0,2-2 0,7 3 0,-3-11 0,7 12 0,-7-3 0,6-1 0,-6 4 0,7-3 0,-8 4 0,4 0 0,-1 5 0,-3-4 0,8-1 0,-4-1 0,1-8 0,3 8 0,-3-8 0,4 0 0,3-2 0,2-7 0,0 7 0,-1-7 0,0 6 0,-3-5 0,2 10 0,-3-5 0,0 6 0,3-8 0,-6 8 0,6-7 0,-7 4 0,4-2 0,-4-3 0,7 4 0,-6-4 0,7 3 0,-4-7 0,4 4 0,-3-5 0,6 0 0,-5 1 0,5-1 0,-2 0 0,-1 1 0,3-1 0,-2 0 0,3 1 0,0-1 0,-3 0 0,2 1 0,-6 3 0,6-3 0,-2 3 0,3-3 0,0-1 0,0 0 0,0 1 0,0-4 0,0-1 0</inkml:trace>
+  <inkml:trace contextRef="#ctx0" brushRef="#br0" timeOffset="5672">2158 2004 24575,'7'0'0,"1"0"0,3-4 0,12-10 0,-5 4 0,13-12 0,-4 12 0,10-3 0,2 8 0,3-8 0,21 11 0,-8-11 0,15 12 0,-14-8 0,6 2 0,-15 2 0,3 0 0,-19 1 0,-9 3 0,-6-3 0,-5 4 0,-3 0 0,-1 0 0,4 0 0,1 0 0,4 0 0,1 0 0,13-4 0,-5-1 0,11-1 0,-10-1 0,10 1 0,-12-2 0,12-5 0,-23 4 0,3-7 0,-5 7 0,-2-6 0,6 2 0,-6 1 0,6 0 0,-3 1 0,9-2 0,-8-3 0,11 2 0,-10-1 0,17-4 0,-13 1 0,9-4 0,-11 6 0,5-1 0,0 0 0,-3 0 0,2 4 0,-8-2 0,0 6 0,8-7 0,-2 4 0,0-5 0,1 0 0,-6 4 0,8-7 0,-8 10 0,8-11 0,-13 13 0,7-7 0,-6 3 0,2 3 0,0-2 0,9 3 0,-2-1 0,9-4 0,-10 2 0,4 5 0,-5-5 0,4 3 0,-6-1 0,1 0 0,-3 2 0,-4 6 0,3-6 0,-4 7 0,-3-7 0,3 6 0,-3-2 0,0 3 0,-1 0 0</inkml:trace>
+  <inkml:trace contextRef="#ctx0" brushRef="#br0" timeOffset="7533">2123 2106 24575,'-40'-28'0,"-8"-6"0,15 2 0,-14-6 0,-22-24 0,14 22 0,-11-10 0,21 16 0,-18-10 0,14 7 0,-11-6 0,17 18 0,10 6 0,6 2 0,7 8 0,-1 1 0,8 1 0,-3 6 0,8-5 0,-3 5 0,3-6 0,-12 6 0,11-5 0,-11 1 0,3 1 0,0 0 0,-4 4 0,-4 0 0,6 0 0,-11 4 0,9 1 0,-5 0 0,0 3 0,-1-7 0,-9 2 0,7-3 0,-7 0 0,14 0 0,-8-4 0,12 0 0,-12-5 0,16 1 0,-15-5 0,15 4 0,-16-4 0,12 1 0,-2 3 0,-1-3 0,0 3 0,-6-8 0,5 10 0,-4-13 0,4 10 0,-14-13 0,7 8 0,-7-7 0,9 9 0,-9-10 0,7 4 0,-12-4 0,-4-8 0,10 10 0,-9-9 0,8 7 0,6 0 0,-2 3 0,11-1 0,0 8 0,7-3 0,-5 2 0,10 6 0,-3-2 0,5 4 0,-1-2 0,1 2 0,3 2 0,-3 0 0,6-3 0,-2 3 0,-1-4 0,4 1 0,-4-1 0,1 1 0,2 3 0,-2 1 0</inkml:trace>
+  <inkml:trace contextRef="#ctx0" brushRef="#br0" timeOffset="20333">2132 2626 24575,'0'7'0,"0"4"0,0-2 0,0 2 0,0 0 0,-3 6 0,2 0 0,-3 8 0,0-8 0,3 13 0,-2-12 0,-1 8 0,3-6 0,-3 2 0,4-1 0,0 0 0,0-9 0,0-1 0,0-4 0,0 5 0,0 0 0,0 0 0,0 3 0,0-3 0,0 9 0,0 0 0,4 5 0,1-4 0,4 13 0,-1-11 0,-2 13 0,5-11 0,-5 0 0,2-5 0,0 0 0,-3 4 0,3-7 0,-3 12 0,2-13 0,2 8 0,-4-3 0,6-1 0,-6 0 0,3-1 0,4 9 0,-2-1 0,5 1 0,-5-4 0,5-8 0,-5 12 0,5-10 0,-6 6 0,3-4 0,5 1 0,-10-4 0,9 7 0,-8-12 0,6 17 0,-1-12 0,0 12 0,-2-13 0,3 13 0,3-7 0,1 8 0,-1 2 0,0-10 0,-4 9 0,3-5 0,-7-4 0,4 2 0,-5-9 0,4 0 0,-3 0 0,-1 0 0,-1 0 0,1 0 0,1 0 0,3 5 0,-4-4 0,0 8 0,4-8 0,-2 8 0,5-3 0,-6-5 0,7 10 0,-4-13 0,1 14 0,-2-15 0,1 6 0,-3-7 0,2 5 0,-3-1 0,0 0 0,1 4 0,-2-10 0,2 9 0,-2-14 0,1 10 0,-1-7 0,-2 3 0,6 5 0,-6-3 0,7 12 0,-3-8 0,3 8 0,1-3 0,1 4 0,1-5 0,3 16 0,-1-16 0,0 11 0,-5-16 0,-5-4 0,1 3 0,0 2 0,0-4 0,0 3 0,-1-9 0,1 9 0,0-7 0,0 7 0,-1-9 0,1 4 0,-4-2 0,3 2 0,-3-4 0,0 1 0,-1-1 0,0 0 0,1 1 0,4-1 0,-1-3 0,-3 6 0,3-5 0,-3 7 0,0-5 0,2 0 0,-5 1 0,5-1 0,-5 0 0,6 1 0,-6-1 0,5 0 0,-5 1 0,2-1 0,0 0 0,-2 0 0,6 1 0,-6-1 0,2 0 0,-3 1 0,0-1 0,0-3 0,0-1 0</inkml:trace>
+  <inkml:trace contextRef="#ctx0" brushRef="#br0" timeOffset="186430">1725 40 24575,'5'11'0,"-4"1"0,7-1 0,-5-2 0,5 1 0,-2-1 0,4 2 0,-4-3 0,8 1 0,-10-4 0,10 1 0,-11-1 0,5 0 0,-3 0 0,3-2 0,-2 2 0,4-2 0,-1 2 0,2-2 0,7 3 0,-2-6 0,2 6 0,-3-6 0,-1 3 0,1-3 0,-3 0 0,-1 0 0,-3 0 0,-2 0 0,5-3 0,-6 3 0,14-6 0,-8 3 0,8-3 0,-8 1 0,4-1 0,-3 0 0,8 0 0,-7 0 0,5 0 0,-9 0 0,4-2 0,-3 2 0,1-3 0,0 4 0,-3 2 0,1-2 0,-1 2 0,-3 0 0,3-2 0,-3 5 0,3-3 0,0 0 0,-2 1 0,2-2 0,-3 0 0,0 1 0,0 0 0,0-2 0,3 2 0,-2-2 0,2 2 0,-3-4 0,0 5 0,1-5 0,-1 6 0,-2-3 0,1 3 0,-3-4 0,3 5 0,-1-5 0,0 2 0,2 1 0,-3-1 0,1 1 0,0 1 0,-3-1 0</inkml:trace>
+</inkml:ink>
+</file>
+
+<file path=ppt/ink/ink4.xml><?xml version="1.0" encoding="utf-8"?>
+<inkml:ink xmlns:inkml="http://www.w3.org/2003/InkML">
+  <inkml:definitions>
+    <inkml:context xml:id="ctx0">
+      <inkml:inkSource xml:id="inkSrc0">
+        <inkml:traceFormat>
+          <inkml:channel name="X" type="integer" min="-2.14748E9" max="2.14748E9" units="cm"/>
+          <inkml:channel name="Y" type="integer" min="-2.14748E9" max="2.14748E9" units="cm"/>
+          <inkml:channel name="F" type="integer" max="32767" units="dev"/>
+        </inkml:traceFormat>
+        <inkml:channelProperties>
+          <inkml:channelProperty channel="X" name="resolution" value="1000" units="1/cm"/>
+          <inkml:channelProperty channel="Y" name="resolution" value="1000" units="1/cm"/>
+          <inkml:channelProperty channel="F" name="resolution" value="0" units="1/dev"/>
+        </inkml:channelProperties>
+      </inkml:inkSource>
+      <inkml:timestamp xml:id="ts0" timeString="2019-03-30T10:05:50.280"/>
+    </inkml:context>
+    <inkml:brush xml:id="br0">
+      <inkml:brushProperty name="width" value="0.05" units="cm"/>
+      <inkml:brushProperty name="height" value="0.05" units="cm"/>
+    </inkml:brush>
+  </inkml:definitions>
+  <inkml:trace contextRef="#ctx0" brushRef="#br0">1947 481 24575,'4'21'0,"4"0"0,-7 5 0,6 0 0,-6 0 0,8 17 0,-8-8 0,13 25 0,-7-15 0,14 47 0,-4-28 0,-8-14 0,1-1 0,5 16 0,-4 4 0,-1-12 0,0-1 0,0-1 0,-1-9 0,1-3 0,-5-7 0,3 8 0,-6-4 0,2 14 0,-4-16 0,0 16 0,0-14 0,0 4 0,0-13 0,0-5 0,0 5 0,0 1 0,0 16 0,0-13 0,-5 24 0,4-18 0,-3 20 0,4-10 0,0-1 0,-5 33 0,-1-25 0,-4 28 0,5-36 0,-4-2 0,3-4 0,-4 5 0,-6 28 0,3-1 0,-4 12 0,6-5 0,-5-5 0,4-11 0,-4-3 0,6-16 0,-4-4 0,4-9 0,-8 5 0,8-12 0,-9 20 0,5-8 0,-2 9 0,-17 35 0,19-35 0,-24 36 0,17-46 0,1-6 0,-7 0 0,8-6 0,-10 6 0,0 1 0,5-5 0,-3 3 0,-3 8 0,-5-7 0,-3 18 0,0-21 0,8 4 0,-3-6 0,5 0 0,-5 0 0,4-4 0,-2 5 0,9-6 0,2-2 0,7 3 0,-3-11 0,7 12 0,-7-3 0,6-1 0,-6 4 0,7-3 0,-8 4 0,4 0 0,-1 5 0,-3-4 0,8-1 0,-4-1 0,1-8 0,3 8 0,-3-8 0,4 0 0,3-2 0,2-7 0,0 7 0,-1-7 0,0 6 0,-3-5 0,2 10 0,-3-5 0,0 6 0,3-8 0,-6 8 0,6-7 0,-7 4 0,4-2 0,-4-3 0,7 4 0,-6-4 0,7 3 0,-4-7 0,4 4 0,-3-5 0,6 0 0,-5 1 0,5-1 0,-2 0 0,-1 1 0,3-1 0,-2 0 0,3 1 0,0-1 0,-3 0 0,2 1 0,-6 3 0,6-3 0,-2 3 0,3-3 0,0-1 0,0 0 0,0 1 0,0-4 0,0-1 0</inkml:trace>
+  <inkml:trace contextRef="#ctx0" brushRef="#br0" timeOffset="1">2158 2004 24575,'7'0'0,"1"0"0,3-4 0,12-10 0,-5 4 0,13-12 0,-4 12 0,10-3 0,2 8 0,3-8 0,21 11 0,-8-11 0,15 12 0,-14-8 0,6 2 0,-15 2 0,3 0 0,-19 1 0,-9 3 0,-6-3 0,-5 4 0,-3 0 0,-1 0 0,4 0 0,1 0 0,4 0 0,1 0 0,13-4 0,-5-1 0,11-1 0,-10-1 0,10 1 0,-12-2 0,12-5 0,-23 4 0,3-7 0,-5 7 0,-2-6 0,6 2 0,-6 1 0,6 0 0,-3 1 0,9-2 0,-8-3 0,11 2 0,-10-1 0,17-4 0,-13 1 0,9-4 0,-11 6 0,5-1 0,0 0 0,-3 0 0,2 4 0,-8-2 0,0 6 0,8-7 0,-2 4 0,0-5 0,1 0 0,-6 4 0,8-7 0,-8 10 0,8-11 0,-13 13 0,7-7 0,-6 3 0,2 3 0,0-2 0,9 3 0,-2-1 0,9-4 0,-10 2 0,4 5 0,-5-5 0,4 3 0,-6-1 0,1 0 0,-3 2 0,-4 6 0,3-6 0,-4 7 0,-3-7 0,3 6 0,-3-2 0,0 3 0,-1 0 0</inkml:trace>
+  <inkml:trace contextRef="#ctx0" brushRef="#br0" timeOffset="2">2123 2106 24575,'-40'-28'0,"-8"-6"0,15 2 0,-14-6 0,-22-24 0,14 22 0,-11-10 0,21 16 0,-18-10 0,14 7 0,-11-6 0,17 18 0,10 6 0,6 2 0,7 8 0,-1 1 0,8 1 0,-3 6 0,8-5 0,-3 5 0,3-6 0,-12 6 0,11-5 0,-11 1 0,3 1 0,0 0 0,-4 4 0,-4 0 0,6 0 0,-11 4 0,9 1 0,-5 0 0,0 3 0,-1-7 0,-9 2 0,7-3 0,-7 0 0,14 0 0,-8-4 0,12 0 0,-12-5 0,16 1 0,-15-5 0,15 4 0,-16-4 0,12 1 0,-2 3 0,-1-3 0,0 3 0,-6-8 0,5 10 0,-4-13 0,4 10 0,-14-13 0,7 8 0,-7-7 0,9 9 0,-9-10 0,7 4 0,-12-4 0,-4-8 0,10 10 0,-9-9 0,8 7 0,6 0 0,-2 3 0,11-1 0,0 8 0,7-3 0,-5 2 0,10 6 0,-3-2 0,5 4 0,-1-2 0,1 2 0,3 2 0,-3 0 0,6-3 0,-2 3 0,-1-4 0,4 1 0,-4-1 0,1 1 0,2 3 0,-2 1 0</inkml:trace>
+  <inkml:trace contextRef="#ctx0" brushRef="#br0" timeOffset="3">2132 2626 24575,'0'7'0,"0"4"0,0-2 0,0 2 0,0 0 0,-3 6 0,2 0 0,-3 8 0,0-8 0,3 13 0,-2-12 0,-1 8 0,3-6 0,-3 2 0,4-1 0,0 0 0,0-9 0,0-1 0,0-4 0,0 5 0,0 0 0,0 0 0,0 3 0,0-3 0,0 9 0,0 0 0,4 5 0,1-4 0,4 13 0,-1-11 0,-2 13 0,5-11 0,-5 0 0,2-5 0,0 0 0,-3 4 0,3-7 0,-3 12 0,2-13 0,2 8 0,-4-3 0,6-1 0,-6 0 0,3-1 0,4 9 0,-2-1 0,5 1 0,-5-4 0,5-8 0,-5 12 0,5-10 0,-6 6 0,3-4 0,5 1 0,-10-4 0,9 7 0,-8-12 0,6 17 0,-1-12 0,0 12 0,-2-13 0,3 13 0,3-7 0,1 8 0,-1 2 0,0-10 0,-4 9 0,3-5 0,-7-4 0,4 2 0,-5-9 0,4 0 0,-3 0 0,-1 0 0,-1 0 0,1 0 0,1 0 0,3 5 0,-4-4 0,0 8 0,4-8 0,-2 8 0,5-3 0,-6-5 0,7 10 0,-4-13 0,1 14 0,-2-15 0,1 6 0,-3-7 0,2 5 0,-3-1 0,0 0 0,1 4 0,-2-10 0,2 9 0,-2-14 0,1 10 0,-1-7 0,-2 3 0,6 5 0,-6-3 0,7 12 0,-3-8 0,3 8 0,1-3 0,1 4 0,1-5 0,3 16 0,-1-16 0,0 11 0,-5-16 0,-5-4 0,1 3 0,0 2 0,0-4 0,0 3 0,-1-9 0,1 9 0,0-7 0,0 7 0,-1-9 0,1 4 0,-4-2 0,3 2 0,-3-4 0,0 1 0,-1-1 0,0 0 0,1 1 0,4-1 0,-1-3 0,-3 6 0,3-5 0,-3 7 0,0-5 0,2 0 0,-5 1 0,5-1 0,-5 0 0,6 1 0,-6-1 0,5 0 0,-5 1 0,2-1 0,0 0 0,-2 0 0,6 1 0,-6-1 0,2 0 0,-3 1 0,0-1 0,0-3 0,0-1 0</inkml:trace>
+</inkml:ink>
+</file>
+
+<file path=ppt/ink/ink5.xml><?xml version="1.0" encoding="utf-8"?>
+<inkml:ink xmlns:inkml="http://www.w3.org/2003/InkML">
+  <inkml:definitions>
+    <inkml:context xml:id="ctx0">
+      <inkml:inkSource xml:id="inkSrc0">
+        <inkml:traceFormat>
+          <inkml:channel name="X" type="integer" min="-2.14748E9" max="2.14748E9" units="cm"/>
+          <inkml:channel name="Y" type="integer" min="-2.14748E9" max="2.14748E9" units="cm"/>
+          <inkml:channel name="F" type="integer" max="32767" units="dev"/>
+        </inkml:traceFormat>
+        <inkml:channelProperties>
+          <inkml:channelProperty channel="X" name="resolution" value="1000" units="1/cm"/>
+          <inkml:channelProperty channel="Y" name="resolution" value="1000" units="1/cm"/>
+          <inkml:channelProperty channel="F" name="resolution" value="0" units="1/dev"/>
+        </inkml:channelProperties>
+      </inkml:inkSource>
+      <inkml:timestamp xml:id="ts0" timeString="2019-03-30T10:06:25.770"/>
+    </inkml:context>
+    <inkml:brush xml:id="br0">
+      <inkml:brushProperty name="width" value="0.05" units="cm"/>
+      <inkml:brushProperty name="height" value="0.05" units="cm"/>
+    </inkml:brush>
+  </inkml:definitions>
+  <inkml:trace contextRef="#ctx0" brushRef="#br0">18 35 24575,'-9'0'0,"5"4"0,0 0 0,4 5 0,0-1 0,0 0 0,0 0 0,0 1 0,0-1 0,0 0 0,4-3 0,-3 2 0,2-2 0,1-1 0,-3 4 0,6-7 0,-2 2 0,3-3 0,0 0 0,-3-4 0,-1 0 0,-4-5 0,0 1 0,0 0 0,0-1 0,0 1 0,0 0 0,0-1 0,0 1 0,0-1 0,0 1 0,0 0 0,0-1 0,0 1 0,0-1 0,0 5 0,0 0 0</inkml:trace>
+</inkml:ink>
+</file>
+
+<file path=ppt/ink/ink6.xml><?xml version="1.0" encoding="utf-8"?>
+<inkml:ink xmlns:inkml="http://www.w3.org/2003/InkML">
+  <inkml:definitions>
+    <inkml:context xml:id="ctx0">
+      <inkml:inkSource xml:id="inkSrc0">
+        <inkml:traceFormat>
+          <inkml:channel name="X" type="integer" min="-2.14748E9" max="2.14748E9" units="cm"/>
+          <inkml:channel name="Y" type="integer" min="-2.14748E9" max="2.14748E9" units="cm"/>
+          <inkml:channel name="F" type="integer" max="32767" units="dev"/>
+        </inkml:traceFormat>
+        <inkml:channelProperties>
+          <inkml:channelProperty channel="X" name="resolution" value="1000" units="1/cm"/>
+          <inkml:channelProperty channel="Y" name="resolution" value="1000" units="1/cm"/>
+          <inkml:channelProperty channel="F" name="resolution" value="0" units="1/dev"/>
+        </inkml:channelProperties>
+      </inkml:inkSource>
+      <inkml:timestamp xml:id="ts0" timeString="2019-03-30T10:06:28.694"/>
+    </inkml:context>
+    <inkml:brush xml:id="br0">
+      <inkml:brushProperty name="width" value="0.05" units="cm"/>
+      <inkml:brushProperty name="height" value="0.05" units="cm"/>
+    </inkml:brush>
+  </inkml:definitions>
+  <inkml:trace contextRef="#ctx0" brushRef="#br0">57 0 24575,'-20'0'0,"5"4"0,6 1 0,5 3 0,0-3 0,3 2 0,-2-2 0,3 3 0,0 0 0,0 0 0,0 1 0,0-1 0,0 0 0,0 0 0,0 1 0,0-1 0,0 0 0,3-3 0,2-1 0,3-4 0,0 0 0,1-4 0,-5-1 0,4 0 0,-4 2 0,1-1 0,2 3 0,-6-6 0,6 6 0,-6-7 0,3 4 0,0-1 0,-3-3 0,2 4 0,-3-5 0,0 1 0,0 0 0,-3 3 0,-2 1 0,-4 4 0,5-3 0,-4 2 0,4-3 0,-1 8 0,1-4 0,4 4 0</inkml:trace>
+</inkml:ink>
+</file>
+
+<file path=ppt/ink/ink7.xml><?xml version="1.0" encoding="utf-8"?>
+<inkml:ink xmlns:inkml="http://www.w3.org/2003/InkML">
+  <inkml:definitions>
+    <inkml:context xml:id="ctx0">
+      <inkml:inkSource xml:id="inkSrc0">
+        <inkml:traceFormat>
+          <inkml:channel name="X" type="integer" min="-2.14748E9" max="2.14748E9" units="cm"/>
+          <inkml:channel name="Y" type="integer" min="-2.14748E9" max="2.14748E9" units="cm"/>
+          <inkml:channel name="F" type="integer" max="32767" units="dev"/>
+        </inkml:traceFormat>
+        <inkml:channelProperties>
+          <inkml:channelProperty channel="X" name="resolution" value="1000" units="1/cm"/>
+          <inkml:channelProperty channel="Y" name="resolution" value="1000" units="1/cm"/>
+          <inkml:channelProperty channel="F" name="resolution" value="0" units="1/dev"/>
+        </inkml:channelProperties>
+      </inkml:inkSource>
+      <inkml:timestamp xml:id="ts0" timeString="2019-03-30T10:06:30.897"/>
+    </inkml:context>
+    <inkml:brush xml:id="br0">
+      <inkml:brushProperty name="width" value="0.05" units="cm"/>
+      <inkml:brushProperty name="height" value="0.05" units="cm"/>
+    </inkml:brush>
+  </inkml:definitions>
+  <inkml:trace contextRef="#ctx0" brushRef="#br0">1 44 24575,'14'0'0,"0"0"0,-6 0 0,0 0 0,0 0 0,1 0 0,4 0 0,2 0 0,4 0 0,-4 0 0,3 0 0,-8 0 0,3 0 0,1 0 0,-5 0 0,10 0 0,-10 0 0,5 0 0,-1 0 0,-4 0 0,5 0 0,-6 0 0,0 0 0,6 0 0,-5 0 0,5 4 0,-6-3 0,0 3 0,6-4 0,-5 0 0,4 0 0,-4 0 0,4 0 0,-3 0 0,8 0 0,-3 0 0,-1 0 0,5 0 0,-5 0 0,6 0 0,-5 0 0,3 0 0,-8 0 0,8 0 0,-8 0 0,3 0 0,-5 0 0,1 0 0,-1 0 0,0 0 0,0-4 0,1-1 0,-1 1 0,0-4 0,1 7 0,-1-6 0,0 6 0,5-7 0,-3 7 0,3-4 0,-4 5 0,-1 0 0,0 0 0,0 0 0,1 0 0,-1 0 0,0 0 0,-3-4 0,2 3 0,-2-2 0,3 3 0,0 0 0,1 0 0,-5 0 0,0 0 0</inkml:trace>
+</inkml:ink>
 </file>
 
 <file path=ppt/notesMasters/notesMaster1.xml><?xml version="1.0" encoding="utf-8"?>
@@ -454,7 +654,7 @@
           <a:p>
             <a:fld id="{347435D3-23A6-45D3-8DFA-7317DC1E7A64}" type="datetimeFigureOut">
               <a:rPr lang="de-DE" smtClean="0"/>
-              <a:t>29.03.2019</a:t>
+              <a:t>30.03.19</a:t>
             </a:fld>
             <a:endParaRPr lang="de-DE"/>
           </a:p>
@@ -879,7 +1079,7 @@
           <a:p>
             <a:fld id="{2969AC09-DF60-43F4-96BF-67D4D9A74094}" type="slidenum">
               <a:rPr lang="de-DE" smtClean="0"/>
-              <a:t>13</a:t>
+              <a:t>15</a:t>
             </a:fld>
             <a:endParaRPr lang="de-DE"/>
           </a:p>
@@ -963,7 +1163,7 @@
           <a:p>
             <a:fld id="{2969AC09-DF60-43F4-96BF-67D4D9A74094}" type="slidenum">
               <a:rPr lang="de-DE" smtClean="0"/>
-              <a:t>15</a:t>
+              <a:t>17</a:t>
             </a:fld>
             <a:endParaRPr lang="de-DE"/>
           </a:p>
@@ -1004,7 +1204,7 @@
           <p:cNvPr id="15" name="Rechteck 14">
             <a:extLst>
               <a:ext uri="{FF2B5EF4-FFF2-40B4-BE49-F238E27FC236}">
-                <a16:creationId xmlns:a16="http://schemas.microsoft.com/office/drawing/2014/main" xmlns="" id="{F770C3AA-244C-A141-BC22-D074823F4293}"/>
+                <a16:creationId xmlns:a16="http://schemas.microsoft.com/office/drawing/2014/main" id="{F770C3AA-244C-A141-BC22-D074823F4293}"/>
               </a:ext>
             </a:extLst>
           </p:cNvPr>
@@ -1244,7 +1444,7 @@
           <p:cNvPr id="5" name="Grafik 4">
             <a:extLst>
               <a:ext uri="{FF2B5EF4-FFF2-40B4-BE49-F238E27FC236}">
-                <a16:creationId xmlns:a16="http://schemas.microsoft.com/office/drawing/2014/main" xmlns="" id="{C0F785FA-BB6E-6347-A8C6-9846216D4CBB}"/>
+                <a16:creationId xmlns:a16="http://schemas.microsoft.com/office/drawing/2014/main" id="{C0F785FA-BB6E-6347-A8C6-9846216D4CBB}"/>
               </a:ext>
             </a:extLst>
           </p:cNvPr>
@@ -1433,7 +1633,7 @@
           <p:cNvPr id="12" name="Grafik 11" hidden="1">
             <a:extLst>
               <a:ext uri="{FF2B5EF4-FFF2-40B4-BE49-F238E27FC236}">
-                <a16:creationId xmlns:a16="http://schemas.microsoft.com/office/drawing/2014/main" xmlns="" id="{CFC0D4A5-64CF-6D49-98B1-9FF6119E60EC}"/>
+                <a16:creationId xmlns:a16="http://schemas.microsoft.com/office/drawing/2014/main" id="{CFC0D4A5-64CF-6D49-98B1-9FF6119E60EC}"/>
               </a:ext>
             </a:extLst>
           </p:cNvPr>
@@ -1463,7 +1663,7 @@
           <p:cNvPr id="17" name="Grafik 16">
             <a:extLst>
               <a:ext uri="{FF2B5EF4-FFF2-40B4-BE49-F238E27FC236}">
-                <a16:creationId xmlns:a16="http://schemas.microsoft.com/office/drawing/2014/main" xmlns="" id="{22ECE872-F4EF-2A49-BA96-6065BC99D769}"/>
+                <a16:creationId xmlns:a16="http://schemas.microsoft.com/office/drawing/2014/main" id="{22ECE872-F4EF-2A49-BA96-6065BC99D769}"/>
               </a:ext>
             </a:extLst>
           </p:cNvPr>
@@ -1733,7 +1933,7 @@
           <p:cNvPr id="24" name="Bildplatzhalter 23">
             <a:extLst>
               <a:ext uri="{FF2B5EF4-FFF2-40B4-BE49-F238E27FC236}">
-                <a16:creationId xmlns:a16="http://schemas.microsoft.com/office/drawing/2014/main" xmlns="" id="{24A56C48-CA8D-D349-89CC-35C3A65DC4D5}"/>
+                <a16:creationId xmlns:a16="http://schemas.microsoft.com/office/drawing/2014/main" id="{24A56C48-CA8D-D349-89CC-35C3A65DC4D5}"/>
               </a:ext>
             </a:extLst>
           </p:cNvPr>
@@ -2047,7 +2247,7 @@
           <p:cNvPr id="6" name="Textplatzhalter 5">
             <a:extLst>
               <a:ext uri="{FF2B5EF4-FFF2-40B4-BE49-F238E27FC236}">
-                <a16:creationId xmlns:a16="http://schemas.microsoft.com/office/drawing/2014/main" xmlns="" id="{2E77FCEF-52F5-324B-A583-005ABCE0E622}"/>
+                <a16:creationId xmlns:a16="http://schemas.microsoft.com/office/drawing/2014/main" id="{2E77FCEF-52F5-324B-A583-005ABCE0E622}"/>
               </a:ext>
             </a:extLst>
           </p:cNvPr>
@@ -2085,7 +2285,7 @@
           <p:cNvPr id="13" name="Grafik 12">
             <a:extLst>
               <a:ext uri="{FF2B5EF4-FFF2-40B4-BE49-F238E27FC236}">
-                <a16:creationId xmlns:a16="http://schemas.microsoft.com/office/drawing/2014/main" xmlns="" id="{F84F96E3-FAED-E24A-9E01-BBA4824F0E34}"/>
+                <a16:creationId xmlns:a16="http://schemas.microsoft.com/office/drawing/2014/main" id="{F84F96E3-FAED-E24A-9E01-BBA4824F0E34}"/>
               </a:ext>
             </a:extLst>
           </p:cNvPr>
@@ -2256,7 +2456,7 @@
           <p:cNvPr id="6" name="Rechteck 5">
             <a:extLst>
               <a:ext uri="{FF2B5EF4-FFF2-40B4-BE49-F238E27FC236}">
-                <a16:creationId xmlns:a16="http://schemas.microsoft.com/office/drawing/2014/main" xmlns="" id="{2447D286-D9F9-E84F-9173-2C8D2D2068E1}"/>
+                <a16:creationId xmlns:a16="http://schemas.microsoft.com/office/drawing/2014/main" id="{2447D286-D9F9-E84F-9173-2C8D2D2068E1}"/>
               </a:ext>
             </a:extLst>
           </p:cNvPr>
@@ -2323,7 +2523,7 @@
           <p:cNvPr id="10" name="Grafik 9">
             <a:extLst>
               <a:ext uri="{FF2B5EF4-FFF2-40B4-BE49-F238E27FC236}">
-                <a16:creationId xmlns:a16="http://schemas.microsoft.com/office/drawing/2014/main" xmlns="" id="{E4DBCC79-CA26-C240-B119-9127A62CDBA8}"/>
+                <a16:creationId xmlns:a16="http://schemas.microsoft.com/office/drawing/2014/main" id="{E4DBCC79-CA26-C240-B119-9127A62CDBA8}"/>
               </a:ext>
             </a:extLst>
           </p:cNvPr>
@@ -2425,7 +2625,7 @@
           <p:cNvPr id="5" name="Rechteck 4">
             <a:extLst>
               <a:ext uri="{FF2B5EF4-FFF2-40B4-BE49-F238E27FC236}">
-                <a16:creationId xmlns:a16="http://schemas.microsoft.com/office/drawing/2014/main" xmlns="" id="{FD770378-5F2D-DE46-8D66-09007E946AD3}"/>
+                <a16:creationId xmlns:a16="http://schemas.microsoft.com/office/drawing/2014/main" id="{FD770378-5F2D-DE46-8D66-09007E946AD3}"/>
               </a:ext>
             </a:extLst>
           </p:cNvPr>
@@ -2489,7 +2689,7 @@
           <p:cNvPr id="4" name="Grafik 3">
             <a:extLst>
               <a:ext uri="{FF2B5EF4-FFF2-40B4-BE49-F238E27FC236}">
-                <a16:creationId xmlns:a16="http://schemas.microsoft.com/office/drawing/2014/main" xmlns="" id="{4FE30B28-5777-FC40-9C3F-81738D289A6A}"/>
+                <a16:creationId xmlns:a16="http://schemas.microsoft.com/office/drawing/2014/main" id="{4FE30B28-5777-FC40-9C3F-81738D289A6A}"/>
               </a:ext>
             </a:extLst>
           </p:cNvPr>
@@ -3438,17 +3638,6 @@
               <a:tabLst/>
               <a:defRPr/>
             </a:pPr>
-            <a:r>
-              <a:rPr lang="de-DE" sz="800" dirty="0">
-                <a:solidFill>
-                  <a:schemeClr val="bg2"/>
-                </a:solidFill>
-                <a:latin typeface="Open Sans" panose="020B0606030504020204" pitchFamily="34" charset="0"/>
-                <a:ea typeface="Open Sans" panose="020B0606030504020204" pitchFamily="34" charset="0"/>
-                <a:cs typeface="Open Sans" panose="020B0606030504020204" pitchFamily="34" charset="0"/>
-              </a:rPr>
-              <a:t/>
-            </a:r>
             <a:br>
               <a:rPr lang="de-DE" sz="800" dirty="0">
                 <a:solidFill>
@@ -3612,7 +3801,7 @@
           <p:cNvPr id="13" name="Grafik 12">
             <a:extLst>
               <a:ext uri="{FF2B5EF4-FFF2-40B4-BE49-F238E27FC236}">
-                <a16:creationId xmlns:a16="http://schemas.microsoft.com/office/drawing/2014/main" xmlns="" id="{2DC3CACD-C7C8-274E-BCD4-043370996A48}"/>
+                <a16:creationId xmlns:a16="http://schemas.microsoft.com/office/drawing/2014/main" id="{2DC3CACD-C7C8-274E-BCD4-043370996A48}"/>
               </a:ext>
             </a:extLst>
           </p:cNvPr>
@@ -4178,10 +4367,9 @@
           <a:lstStyle/>
           <a:p>
             <a:r>
-              <a:rPr lang="de-DE" dirty="0" smtClean="0"/>
+              <a:rPr lang="de-DE" dirty="0"/>
               <a:t>Probeverteidigung Diplomarbeit</a:t>
             </a:r>
-            <a:endParaRPr lang="de-DE" dirty="0"/>
           </a:p>
         </p:txBody>
       </p:sp>
@@ -4282,7 +4470,7 @@
     </p:spTree>
     <p:extLst>
       <p:ext uri="{BB962C8B-B14F-4D97-AF65-F5344CB8AC3E}">
-        <p14:creationId xmlns:p14="http://schemas.microsoft.com/office/powerpoint/2010/main" val="495992997"/>
+        <p14:creationId xmlns:p14="http://schemas.microsoft.com/office/powerpoint/2010/main" val="3493721261"/>
       </p:ext>
     </p:extLst>
   </p:cSld>
@@ -4350,7 +4538,7 @@
     </p:spTree>
     <p:extLst>
       <p:ext uri="{BB962C8B-B14F-4D97-AF65-F5344CB8AC3E}">
-        <p14:creationId xmlns:p14="http://schemas.microsoft.com/office/powerpoint/2010/main" val="1068502862"/>
+        <p14:creationId xmlns:p14="http://schemas.microsoft.com/office/powerpoint/2010/main" val="2094683200"/>
       </p:ext>
     </p:extLst>
   </p:cSld>
@@ -4379,10 +4567,146 @@
       </p:grpSpPr>
       <p:sp>
         <p:nvSpPr>
+          <p:cNvPr id="2" name="Titel 1"/>
+          <p:cNvSpPr>
+            <a:spLocks noGrp="1"/>
+          </p:cNvSpPr>
+          <p:nvPr>
+            <p:ph type="title"/>
+          </p:nvPr>
+        </p:nvSpPr>
+        <p:spPr/>
+        <p:txBody>
+          <a:bodyPr/>
+          <a:lstStyle/>
+          <a:p>
+            <a:endParaRPr lang="de-DE"/>
+          </a:p>
+        </p:txBody>
+      </p:sp>
+      <p:sp>
+        <p:nvSpPr>
+          <p:cNvPr id="3" name="Inhaltsplatzhalter 2"/>
+          <p:cNvSpPr>
+            <a:spLocks noGrp="1"/>
+          </p:cNvSpPr>
+          <p:nvPr>
+            <p:ph sz="quarter" idx="10"/>
+          </p:nvPr>
+        </p:nvSpPr>
+        <p:spPr/>
+        <p:txBody>
+          <a:bodyPr/>
+          <a:lstStyle/>
+          <a:p>
+            <a:endParaRPr lang="de-DE"/>
+          </a:p>
+        </p:txBody>
+      </p:sp>
+    </p:spTree>
+    <p:extLst>
+      <p:ext uri="{BB962C8B-B14F-4D97-AF65-F5344CB8AC3E}">
+        <p14:creationId xmlns:p14="http://schemas.microsoft.com/office/powerpoint/2010/main" val="495992997"/>
+      </p:ext>
+    </p:extLst>
+  </p:cSld>
+  <p:clrMapOvr>
+    <a:masterClrMapping/>
+  </p:clrMapOvr>
+</p:sld>
+</file>
+
+<file path=ppt/slides/slide13.xml><?xml version="1.0" encoding="utf-8"?>
+<p:sld xmlns:a="http://schemas.openxmlformats.org/drawingml/2006/main" xmlns:r="http://schemas.openxmlformats.org/officeDocument/2006/relationships" xmlns:p="http://schemas.openxmlformats.org/presentationml/2006/main">
+  <p:cSld>
+    <p:spTree>
+      <p:nvGrpSpPr>
+        <p:cNvPr id="1" name=""/>
+        <p:cNvGrpSpPr/>
+        <p:nvPr/>
+      </p:nvGrpSpPr>
+      <p:grpSpPr>
+        <a:xfrm>
+          <a:off x="0" y="0"/>
+          <a:ext cx="0" cy="0"/>
+          <a:chOff x="0" y="0"/>
+          <a:chExt cx="0" cy="0"/>
+        </a:xfrm>
+      </p:grpSpPr>
+      <p:sp>
+        <p:nvSpPr>
+          <p:cNvPr id="2" name="Titel 1"/>
+          <p:cNvSpPr>
+            <a:spLocks noGrp="1"/>
+          </p:cNvSpPr>
+          <p:nvPr>
+            <p:ph type="title"/>
+          </p:nvPr>
+        </p:nvSpPr>
+        <p:spPr/>
+        <p:txBody>
+          <a:bodyPr/>
+          <a:lstStyle/>
+          <a:p>
+            <a:endParaRPr lang="de-DE"/>
+          </a:p>
+        </p:txBody>
+      </p:sp>
+      <p:sp>
+        <p:nvSpPr>
+          <p:cNvPr id="3" name="Inhaltsplatzhalter 2"/>
+          <p:cNvSpPr>
+            <a:spLocks noGrp="1"/>
+          </p:cNvSpPr>
+          <p:nvPr>
+            <p:ph sz="quarter" idx="10"/>
+          </p:nvPr>
+        </p:nvSpPr>
+        <p:spPr/>
+        <p:txBody>
+          <a:bodyPr/>
+          <a:lstStyle/>
+          <a:p>
+            <a:endParaRPr lang="de-DE"/>
+          </a:p>
+        </p:txBody>
+      </p:sp>
+    </p:spTree>
+    <p:extLst>
+      <p:ext uri="{BB962C8B-B14F-4D97-AF65-F5344CB8AC3E}">
+        <p14:creationId xmlns:p14="http://schemas.microsoft.com/office/powerpoint/2010/main" val="1068502862"/>
+      </p:ext>
+    </p:extLst>
+  </p:cSld>
+  <p:clrMapOvr>
+    <a:masterClrMapping/>
+  </p:clrMapOvr>
+</p:sld>
+</file>
+
+<file path=ppt/slides/slide14.xml><?xml version="1.0" encoding="utf-8"?>
+<p:sld xmlns:a="http://schemas.openxmlformats.org/drawingml/2006/main" xmlns:r="http://schemas.openxmlformats.org/officeDocument/2006/relationships" xmlns:p="http://schemas.openxmlformats.org/presentationml/2006/main">
+  <p:cSld>
+    <p:spTree>
+      <p:nvGrpSpPr>
+        <p:cNvPr id="1" name=""/>
+        <p:cNvGrpSpPr/>
+        <p:nvPr/>
+      </p:nvGrpSpPr>
+      <p:grpSpPr>
+        <a:xfrm>
+          <a:off x="0" y="0"/>
+          <a:ext cx="0" cy="0"/>
+          <a:chOff x="0" y="0"/>
+          <a:chExt cx="0" cy="0"/>
+        </a:xfrm>
+      </p:grpSpPr>
+      <p:sp>
+        <p:nvSpPr>
           <p:cNvPr id="2" name="Titel 1">
             <a:extLst>
               <a:ext uri="{FF2B5EF4-FFF2-40B4-BE49-F238E27FC236}">
-                <a16:creationId xmlns:a16="http://schemas.microsoft.com/office/drawing/2014/main" xmlns="" id="{B1F459B3-5CC9-8141-8CBB-3D63C0BD6799}"/>
+                <a16:creationId xmlns:a16="http://schemas.microsoft.com/office/drawing/2014/main" id="{B1F459B3-5CC9-8141-8CBB-3D63C0BD6799}"/>
               </a:ext>
             </a:extLst>
           </p:cNvPr>
@@ -4399,10 +4723,9 @@
           <a:lstStyle/>
           <a:p>
             <a:r>
-              <a:rPr lang="de-DE" dirty="0" smtClean="0"/>
+              <a:rPr lang="de-DE" dirty="0"/>
               <a:t>Ausblick</a:t>
             </a:r>
-            <a:endParaRPr lang="de-DE" dirty="0"/>
           </a:p>
         </p:txBody>
       </p:sp>
@@ -4484,7 +4807,7 @@
 </p:sld>
 </file>
 
-<file path=ppt/slides/slide13.xml><?xml version="1.0" encoding="utf-8"?>
+<file path=ppt/slides/slide15.xml><?xml version="1.0" encoding="utf-8"?>
 <p:sld xmlns:a="http://schemas.openxmlformats.org/drawingml/2006/main" xmlns:r="http://schemas.openxmlformats.org/officeDocument/2006/relationships" xmlns:p="http://schemas.openxmlformats.org/presentationml/2006/main">
   <p:cSld>
     <p:spTree>
@@ -4506,7 +4829,7 @@
           <p:cNvPr id="2" name="Titel 1">
             <a:extLst>
               <a:ext uri="{FF2B5EF4-FFF2-40B4-BE49-F238E27FC236}">
-                <a16:creationId xmlns:a16="http://schemas.microsoft.com/office/drawing/2014/main" xmlns="" id="{7BA8FE41-0B04-6748-9CA8-05F0AE81883B}"/>
+                <a16:creationId xmlns:a16="http://schemas.microsoft.com/office/drawing/2014/main" id="{7BA8FE41-0B04-6748-9CA8-05F0AE81883B}"/>
               </a:ext>
             </a:extLst>
           </p:cNvPr>
@@ -4539,7 +4862,7 @@
           <p:cNvPr id="12" name="Gruppieren 11">
             <a:extLst>
               <a:ext uri="{FF2B5EF4-FFF2-40B4-BE49-F238E27FC236}">
-                <a16:creationId xmlns:a16="http://schemas.microsoft.com/office/drawing/2014/main" xmlns="" id="{995F115A-CBCD-7A4D-8C0A-281259A5A3C1}"/>
+                <a16:creationId xmlns:a16="http://schemas.microsoft.com/office/drawing/2014/main" id="{995F115A-CBCD-7A4D-8C0A-281259A5A3C1}"/>
               </a:ext>
             </a:extLst>
           </p:cNvPr>
@@ -4559,7 +4882,7 @@
             <p:cNvPr id="4" name="Gruppieren 3">
               <a:extLst>
                 <a:ext uri="{FF2B5EF4-FFF2-40B4-BE49-F238E27FC236}">
-                  <a16:creationId xmlns:a16="http://schemas.microsoft.com/office/drawing/2014/main" xmlns="" id="{783A73D2-C025-644E-A194-3438D291D352}"/>
+                  <a16:creationId xmlns:a16="http://schemas.microsoft.com/office/drawing/2014/main" id="{783A73D2-C025-644E-A194-3438D291D352}"/>
                 </a:ext>
               </a:extLst>
             </p:cNvPr>
@@ -4579,7 +4902,7 @@
               <p:cNvPr id="5" name="Rechteck 4">
                 <a:extLst>
                   <a:ext uri="{FF2B5EF4-FFF2-40B4-BE49-F238E27FC236}">
-                    <a16:creationId xmlns:a16="http://schemas.microsoft.com/office/drawing/2014/main" xmlns="" id="{4F68B8E9-417E-0141-AE27-E298ED29929C}"/>
+                    <a16:creationId xmlns:a16="http://schemas.microsoft.com/office/drawing/2014/main" id="{4F68B8E9-417E-0141-AE27-E298ED29929C}"/>
                   </a:ext>
                 </a:extLst>
               </p:cNvPr>
@@ -4671,7 +4994,7 @@
               <p:cNvPr id="6" name="Rechteck 5">
                 <a:extLst>
                   <a:ext uri="{FF2B5EF4-FFF2-40B4-BE49-F238E27FC236}">
-                    <a16:creationId xmlns:a16="http://schemas.microsoft.com/office/drawing/2014/main" xmlns="" id="{B2717A64-B61E-B44C-B23D-CB509FB519CA}"/>
+                    <a16:creationId xmlns:a16="http://schemas.microsoft.com/office/drawing/2014/main" id="{B2717A64-B61E-B44C-B23D-CB509FB519CA}"/>
                   </a:ext>
                 </a:extLst>
               </p:cNvPr>
@@ -4730,7 +5053,7 @@
             <p:cNvPr id="7" name="Rechteck 6">
               <a:extLst>
                 <a:ext uri="{FF2B5EF4-FFF2-40B4-BE49-F238E27FC236}">
-                  <a16:creationId xmlns:a16="http://schemas.microsoft.com/office/drawing/2014/main" xmlns="" id="{6F92A16E-30FA-A34D-A87A-AD884881288C}"/>
+                  <a16:creationId xmlns:a16="http://schemas.microsoft.com/office/drawing/2014/main" id="{6F92A16E-30FA-A34D-A87A-AD884881288C}"/>
                 </a:ext>
               </a:extLst>
             </p:cNvPr>
@@ -4790,7 +5113,7 @@
           <p:cNvPr id="13" name="Gruppieren 12">
             <a:extLst>
               <a:ext uri="{FF2B5EF4-FFF2-40B4-BE49-F238E27FC236}">
-                <a16:creationId xmlns:a16="http://schemas.microsoft.com/office/drawing/2014/main" xmlns="" id="{214C6E04-BA76-3048-B247-843530C6F237}"/>
+                <a16:creationId xmlns:a16="http://schemas.microsoft.com/office/drawing/2014/main" id="{214C6E04-BA76-3048-B247-843530C6F237}"/>
               </a:ext>
             </a:extLst>
           </p:cNvPr>
@@ -4810,7 +5133,7 @@
             <p:cNvPr id="14" name="Gruppieren 13">
               <a:extLst>
                 <a:ext uri="{FF2B5EF4-FFF2-40B4-BE49-F238E27FC236}">
-                  <a16:creationId xmlns:a16="http://schemas.microsoft.com/office/drawing/2014/main" xmlns="" id="{CF154C31-9B1A-6844-82C6-BEC64AE64B76}"/>
+                  <a16:creationId xmlns:a16="http://schemas.microsoft.com/office/drawing/2014/main" id="{CF154C31-9B1A-6844-82C6-BEC64AE64B76}"/>
                 </a:ext>
               </a:extLst>
             </p:cNvPr>
@@ -4830,7 +5153,7 @@
               <p:cNvPr id="16" name="Rechteck 15">
                 <a:extLst>
                   <a:ext uri="{FF2B5EF4-FFF2-40B4-BE49-F238E27FC236}">
-                    <a16:creationId xmlns:a16="http://schemas.microsoft.com/office/drawing/2014/main" xmlns="" id="{5D41E86D-96E1-F64F-B645-811FEF9C3566}"/>
+                    <a16:creationId xmlns:a16="http://schemas.microsoft.com/office/drawing/2014/main" id="{5D41E86D-96E1-F64F-B645-811FEF9C3566}"/>
                   </a:ext>
                 </a:extLst>
               </p:cNvPr>
@@ -4961,7 +5284,7 @@
               <p:cNvPr id="17" name="Rechteck 16">
                 <a:extLst>
                   <a:ext uri="{FF2B5EF4-FFF2-40B4-BE49-F238E27FC236}">
-                    <a16:creationId xmlns:a16="http://schemas.microsoft.com/office/drawing/2014/main" xmlns="" id="{829E215D-25C5-FE42-A84B-E10BE5590901}"/>
+                    <a16:creationId xmlns:a16="http://schemas.microsoft.com/office/drawing/2014/main" id="{829E215D-25C5-FE42-A84B-E10BE5590901}"/>
                   </a:ext>
                 </a:extLst>
               </p:cNvPr>
@@ -5020,7 +5343,7 @@
             <p:cNvPr id="15" name="Rechteck 14">
               <a:extLst>
                 <a:ext uri="{FF2B5EF4-FFF2-40B4-BE49-F238E27FC236}">
-                  <a16:creationId xmlns:a16="http://schemas.microsoft.com/office/drawing/2014/main" xmlns="" id="{3D7F9058-E672-2A4D-9BB1-013BCCC5ACE0}"/>
+                  <a16:creationId xmlns:a16="http://schemas.microsoft.com/office/drawing/2014/main" id="{3D7F9058-E672-2A4D-9BB1-013BCCC5ACE0}"/>
                 </a:ext>
               </a:extLst>
             </p:cNvPr>
@@ -5080,7 +5403,7 @@
           <p:cNvPr id="18" name="Gruppieren 17">
             <a:extLst>
               <a:ext uri="{FF2B5EF4-FFF2-40B4-BE49-F238E27FC236}">
-                <a16:creationId xmlns:a16="http://schemas.microsoft.com/office/drawing/2014/main" xmlns="" id="{76C873CF-9A61-9B4A-9A7F-7A0A6A11ECCC}"/>
+                <a16:creationId xmlns:a16="http://schemas.microsoft.com/office/drawing/2014/main" id="{76C873CF-9A61-9B4A-9A7F-7A0A6A11ECCC}"/>
               </a:ext>
             </a:extLst>
           </p:cNvPr>
@@ -5100,7 +5423,7 @@
             <p:cNvPr id="19" name="Gruppieren 18">
               <a:extLst>
                 <a:ext uri="{FF2B5EF4-FFF2-40B4-BE49-F238E27FC236}">
-                  <a16:creationId xmlns:a16="http://schemas.microsoft.com/office/drawing/2014/main" xmlns="" id="{02621200-51DD-6A4C-86C6-6B2A72D512E2}"/>
+                  <a16:creationId xmlns:a16="http://schemas.microsoft.com/office/drawing/2014/main" id="{02621200-51DD-6A4C-86C6-6B2A72D512E2}"/>
                 </a:ext>
               </a:extLst>
             </p:cNvPr>
@@ -5120,7 +5443,7 @@
               <p:cNvPr id="21" name="Rechteck 20">
                 <a:extLst>
                   <a:ext uri="{FF2B5EF4-FFF2-40B4-BE49-F238E27FC236}">
-                    <a16:creationId xmlns:a16="http://schemas.microsoft.com/office/drawing/2014/main" xmlns="" id="{ED0E09EA-1DC6-1249-841E-901E17F3D0B6}"/>
+                    <a16:creationId xmlns:a16="http://schemas.microsoft.com/office/drawing/2014/main" id="{ED0E09EA-1DC6-1249-841E-901E17F3D0B6}"/>
                   </a:ext>
                 </a:extLst>
               </p:cNvPr>
@@ -5209,7 +5532,7 @@
               <p:cNvPr id="22" name="Rechteck 21">
                 <a:extLst>
                   <a:ext uri="{FF2B5EF4-FFF2-40B4-BE49-F238E27FC236}">
-                    <a16:creationId xmlns:a16="http://schemas.microsoft.com/office/drawing/2014/main" xmlns="" id="{753356B5-7EB8-3F4A-96E1-8FF10B332D06}"/>
+                    <a16:creationId xmlns:a16="http://schemas.microsoft.com/office/drawing/2014/main" id="{753356B5-7EB8-3F4A-96E1-8FF10B332D06}"/>
                   </a:ext>
                 </a:extLst>
               </p:cNvPr>
@@ -5268,7 +5591,7 @@
             <p:cNvPr id="20" name="Rechteck 19">
               <a:extLst>
                 <a:ext uri="{FF2B5EF4-FFF2-40B4-BE49-F238E27FC236}">
-                  <a16:creationId xmlns:a16="http://schemas.microsoft.com/office/drawing/2014/main" xmlns="" id="{63DF4C62-579D-3249-9CFF-878DBD32F80A}"/>
+                  <a16:creationId xmlns:a16="http://schemas.microsoft.com/office/drawing/2014/main" id="{63DF4C62-579D-3249-9CFF-878DBD32F80A}"/>
                 </a:ext>
               </a:extLst>
             </p:cNvPr>
@@ -5328,7 +5651,7 @@
           <p:cNvPr id="23" name="Gruppieren 22">
             <a:extLst>
               <a:ext uri="{FF2B5EF4-FFF2-40B4-BE49-F238E27FC236}">
-                <a16:creationId xmlns:a16="http://schemas.microsoft.com/office/drawing/2014/main" xmlns="" id="{8E929239-873F-A040-A4FF-CF41E574A33B}"/>
+                <a16:creationId xmlns:a16="http://schemas.microsoft.com/office/drawing/2014/main" id="{8E929239-873F-A040-A4FF-CF41E574A33B}"/>
               </a:ext>
             </a:extLst>
           </p:cNvPr>
@@ -5348,7 +5671,7 @@
             <p:cNvPr id="24" name="Gruppieren 23">
               <a:extLst>
                 <a:ext uri="{FF2B5EF4-FFF2-40B4-BE49-F238E27FC236}">
-                  <a16:creationId xmlns:a16="http://schemas.microsoft.com/office/drawing/2014/main" xmlns="" id="{F47E6093-9AA6-8F4B-B80B-776943FCB73D}"/>
+                  <a16:creationId xmlns:a16="http://schemas.microsoft.com/office/drawing/2014/main" id="{F47E6093-9AA6-8F4B-B80B-776943FCB73D}"/>
                 </a:ext>
               </a:extLst>
             </p:cNvPr>
@@ -5368,7 +5691,7 @@
               <p:cNvPr id="26" name="Rechteck 25">
                 <a:extLst>
                   <a:ext uri="{FF2B5EF4-FFF2-40B4-BE49-F238E27FC236}">
-                    <a16:creationId xmlns:a16="http://schemas.microsoft.com/office/drawing/2014/main" xmlns="" id="{4059FEBC-2EFF-ED47-98FF-010C8401FADA}"/>
+                    <a16:creationId xmlns:a16="http://schemas.microsoft.com/office/drawing/2014/main" id="{4059FEBC-2EFF-ED47-98FF-010C8401FADA}"/>
                   </a:ext>
                 </a:extLst>
               </p:cNvPr>
@@ -5490,7 +5813,7 @@
               <p:cNvPr id="27" name="Rechteck 26">
                 <a:extLst>
                   <a:ext uri="{FF2B5EF4-FFF2-40B4-BE49-F238E27FC236}">
-                    <a16:creationId xmlns:a16="http://schemas.microsoft.com/office/drawing/2014/main" xmlns="" id="{A6C74FE9-D83D-2346-A400-58BA4229E830}"/>
+                    <a16:creationId xmlns:a16="http://schemas.microsoft.com/office/drawing/2014/main" id="{A6C74FE9-D83D-2346-A400-58BA4229E830}"/>
                   </a:ext>
                 </a:extLst>
               </p:cNvPr>
@@ -5549,7 +5872,7 @@
             <p:cNvPr id="25" name="Rechteck 24">
               <a:extLst>
                 <a:ext uri="{FF2B5EF4-FFF2-40B4-BE49-F238E27FC236}">
-                  <a16:creationId xmlns:a16="http://schemas.microsoft.com/office/drawing/2014/main" xmlns="" id="{1EDE063D-852E-324C-A77E-EFB1A1CCD783}"/>
+                  <a16:creationId xmlns:a16="http://schemas.microsoft.com/office/drawing/2014/main" id="{1EDE063D-852E-324C-A77E-EFB1A1CCD783}"/>
                 </a:ext>
               </a:extLst>
             </p:cNvPr>
@@ -5609,7 +5932,7 @@
           <p:cNvPr id="28" name="Gruppieren 27">
             <a:extLst>
               <a:ext uri="{FF2B5EF4-FFF2-40B4-BE49-F238E27FC236}">
-                <a16:creationId xmlns:a16="http://schemas.microsoft.com/office/drawing/2014/main" xmlns="" id="{076AA3C9-476D-4D45-B8BE-E0951E23CBCF}"/>
+                <a16:creationId xmlns:a16="http://schemas.microsoft.com/office/drawing/2014/main" id="{076AA3C9-476D-4D45-B8BE-E0951E23CBCF}"/>
               </a:ext>
             </a:extLst>
           </p:cNvPr>
@@ -5629,7 +5952,7 @@
             <p:cNvPr id="29" name="Gruppieren 28">
               <a:extLst>
                 <a:ext uri="{FF2B5EF4-FFF2-40B4-BE49-F238E27FC236}">
-                  <a16:creationId xmlns:a16="http://schemas.microsoft.com/office/drawing/2014/main" xmlns="" id="{B404C1CC-6DF7-B648-9CCB-5E2E9AFEB672}"/>
+                  <a16:creationId xmlns:a16="http://schemas.microsoft.com/office/drawing/2014/main" id="{B404C1CC-6DF7-B648-9CCB-5E2E9AFEB672}"/>
                 </a:ext>
               </a:extLst>
             </p:cNvPr>
@@ -5649,7 +5972,7 @@
               <p:cNvPr id="31" name="Rechteck 30">
                 <a:extLst>
                   <a:ext uri="{FF2B5EF4-FFF2-40B4-BE49-F238E27FC236}">
-                    <a16:creationId xmlns:a16="http://schemas.microsoft.com/office/drawing/2014/main" xmlns="" id="{4BDB37D7-D054-A942-8D6D-F9B2EF0F9FF6}"/>
+                    <a16:creationId xmlns:a16="http://schemas.microsoft.com/office/drawing/2014/main" id="{4BDB37D7-D054-A942-8D6D-F9B2EF0F9FF6}"/>
                   </a:ext>
                 </a:extLst>
               </p:cNvPr>
@@ -5713,7 +6036,7 @@
               <p:cNvPr id="32" name="Rechteck 31">
                 <a:extLst>
                   <a:ext uri="{FF2B5EF4-FFF2-40B4-BE49-F238E27FC236}">
-                    <a16:creationId xmlns:a16="http://schemas.microsoft.com/office/drawing/2014/main" xmlns="" id="{3A6CCD76-DF2E-A745-8BA8-2A2DA3CA1050}"/>
+                    <a16:creationId xmlns:a16="http://schemas.microsoft.com/office/drawing/2014/main" id="{3A6CCD76-DF2E-A745-8BA8-2A2DA3CA1050}"/>
                   </a:ext>
                 </a:extLst>
               </p:cNvPr>
@@ -5772,7 +6095,7 @@
             <p:cNvPr id="30" name="Rechteck 29">
               <a:extLst>
                 <a:ext uri="{FF2B5EF4-FFF2-40B4-BE49-F238E27FC236}">
-                  <a16:creationId xmlns:a16="http://schemas.microsoft.com/office/drawing/2014/main" xmlns="" id="{117072ED-37EF-E943-B866-F06DD4235CB3}"/>
+                  <a16:creationId xmlns:a16="http://schemas.microsoft.com/office/drawing/2014/main" id="{117072ED-37EF-E943-B866-F06DD4235CB3}"/>
                 </a:ext>
               </a:extLst>
             </p:cNvPr>
@@ -5840,7 +6163,7 @@
 </p:sld>
 </file>
 
-<file path=ppt/slides/slide14.xml><?xml version="1.0" encoding="utf-8"?>
+<file path=ppt/slides/slide16.xml><?xml version="1.0" encoding="utf-8"?>
 <p:sld xmlns:a="http://schemas.openxmlformats.org/drawingml/2006/main" xmlns:r="http://schemas.openxmlformats.org/officeDocument/2006/relationships" xmlns:p="http://schemas.openxmlformats.org/presentationml/2006/main">
   <p:cSld>
     <p:spTree>
@@ -5873,10 +6196,9 @@
           <a:lstStyle/>
           <a:p>
             <a:r>
-              <a:rPr lang="de-DE" dirty="0" smtClean="0"/>
+              <a:rPr lang="de-DE" dirty="0"/>
               <a:t>Quellen</a:t>
             </a:r>
-            <a:endParaRPr lang="de-DE" dirty="0"/>
           </a:p>
         </p:txBody>
       </p:sp>
@@ -5912,7 +6234,7 @@
 </p:sld>
 </file>
 
-<file path=ppt/slides/slide15.xml><?xml version="1.0" encoding="utf-8"?>
+<file path=ppt/slides/slide17.xml><?xml version="1.0" encoding="utf-8"?>
 <p:sld xmlns:a="http://schemas.openxmlformats.org/drawingml/2006/main" xmlns:r="http://schemas.openxmlformats.org/officeDocument/2006/relationships" xmlns:p="http://schemas.openxmlformats.org/presentationml/2006/main">
   <p:cSld>
     <p:spTree>
@@ -5934,7 +6256,7 @@
           <p:cNvPr id="3" name="Untertitel 2">
             <a:extLst>
               <a:ext uri="{FF2B5EF4-FFF2-40B4-BE49-F238E27FC236}">
-                <a16:creationId xmlns="" xmlns:a16="http://schemas.microsoft.com/office/drawing/2014/main" id="{6AE9039D-A97A-1348-B85E-C1CBBAEACFD7}"/>
+                <a16:creationId xmlns:a16="http://schemas.microsoft.com/office/drawing/2014/main" id="{6AE9039D-A97A-1348-B85E-C1CBBAEACFD7}"/>
               </a:ext>
             </a:extLst>
           </p:cNvPr>
@@ -5976,7 +6298,7 @@
           <p:cNvPr id="4" name="Textplatzhalter 3">
             <a:extLst>
               <a:ext uri="{FF2B5EF4-FFF2-40B4-BE49-F238E27FC236}">
-                <a16:creationId xmlns="" xmlns:a16="http://schemas.microsoft.com/office/drawing/2014/main" id="{96B38992-B7B4-CC4F-9AC8-51919A92D668}"/>
+                <a16:creationId xmlns:a16="http://schemas.microsoft.com/office/drawing/2014/main" id="{96B38992-B7B4-CC4F-9AC8-51919A92D668}"/>
               </a:ext>
             </a:extLst>
           </p:cNvPr>
@@ -6001,7 +6323,7 @@
           <p:cNvPr id="2" name="Titel 1">
             <a:extLst>
               <a:ext uri="{FF2B5EF4-FFF2-40B4-BE49-F238E27FC236}">
-                <a16:creationId xmlns="" xmlns:a16="http://schemas.microsoft.com/office/drawing/2014/main" id="{306470B7-1C34-794F-AAAA-978C5A77B715}"/>
+                <a16:creationId xmlns:a16="http://schemas.microsoft.com/office/drawing/2014/main" id="{306470B7-1C34-794F-AAAA-978C5A77B715}"/>
               </a:ext>
             </a:extLst>
           </p:cNvPr>
@@ -6059,7 +6381,7 @@
           <p:cNvPr id="2" name="Titel 1">
             <a:extLst>
               <a:ext uri="{FF2B5EF4-FFF2-40B4-BE49-F238E27FC236}">
-                <a16:creationId xmlns:a16="http://schemas.microsoft.com/office/drawing/2014/main" xmlns="" id="{565721FC-DA9D-7F4A-AC0A-E966CE252A2E}"/>
+                <a16:creationId xmlns:a16="http://schemas.microsoft.com/office/drawing/2014/main" id="{565721FC-DA9D-7F4A-AC0A-E966CE252A2E}"/>
               </a:ext>
             </a:extLst>
           </p:cNvPr>
@@ -6076,33 +6398,76 @@
           <a:lstStyle/>
           <a:p>
             <a:r>
-              <a:rPr lang="de-DE" dirty="0" smtClean="0"/>
-              <a:t>Motivation</a:t>
+              <a:rPr lang="de-DE" dirty="0" err="1"/>
+              <a:t>Use</a:t>
             </a:r>
-            <a:endParaRPr lang="de-DE" dirty="0"/>
-          </a:p>
-        </p:txBody>
-      </p:sp>
-      <p:sp>
-        <p:nvSpPr>
-          <p:cNvPr id="4" name="Rechteck 3"/>
-          <p:cNvSpPr/>
+            <a:r>
+              <a:rPr lang="de-DE" dirty="0"/>
+              <a:t> Case</a:t>
+            </a:r>
+          </a:p>
+        </p:txBody>
+      </p:sp>
+      <p:pic>
+        <p:nvPicPr>
+          <p:cNvPr id="7" name="Grafik 6">
+            <a:extLst>
+              <a:ext uri="{FF2B5EF4-FFF2-40B4-BE49-F238E27FC236}">
+                <a16:creationId xmlns:a16="http://schemas.microsoft.com/office/drawing/2014/main" id="{496E9BA1-997F-8A42-8359-8118CAA4F8B8}"/>
+              </a:ext>
+            </a:extLst>
+          </p:cNvPr>
+          <p:cNvPicPr>
+            <a:picLocks noChangeAspect="1"/>
+          </p:cNvPicPr>
           <p:nvPr/>
-        </p:nvSpPr>
+        </p:nvPicPr>
+        <p:blipFill>
+          <a:blip r:embed="rId2">
+            <a:extLst>
+              <a:ext uri="{28A0092B-C50C-407E-A947-70E740481C1C}">
+                <a14:useLocalDpi xmlns:a14="http://schemas.microsoft.com/office/drawing/2010/main" val="0"/>
+              </a:ext>
+            </a:extLst>
+          </a:blip>
+          <a:stretch>
+            <a:fillRect/>
+          </a:stretch>
+        </p:blipFill>
         <p:spPr>
           <a:xfrm>
-            <a:off x="1402080" y="1658112"/>
-            <a:ext cx="1080000" cy="1080000"/>
+            <a:off x="874712" y="1030287"/>
+            <a:ext cx="3588431" cy="2081769"/>
           </a:xfrm>
           <a:prstGeom prst="rect">
             <a:avLst/>
           </a:prstGeom>
-          <a:solidFill>
-            <a:schemeClr val="bg1"/>
-          </a:solidFill>
-          <a:ln w="38100">
+        </p:spPr>
+      </p:pic>
+      <p:sp>
+        <p:nvSpPr>
+          <p:cNvPr id="24" name="Oval 23">
+            <a:extLst>
+              <a:ext uri="{FF2B5EF4-FFF2-40B4-BE49-F238E27FC236}">
+                <a16:creationId xmlns:a16="http://schemas.microsoft.com/office/drawing/2014/main" id="{7BEF158B-37D7-804E-8706-2F4AC3084EAE}"/>
+              </a:ext>
+            </a:extLst>
+          </p:cNvPr>
+          <p:cNvSpPr/>
+          <p:nvPr/>
+        </p:nvSpPr>
+        <p:spPr>
+          <a:xfrm>
+            <a:off x="1785257" y="3657600"/>
+            <a:ext cx="631371" cy="544912"/>
+          </a:xfrm>
+          <a:prstGeom prst="ellipse">
+            <a:avLst/>
+          </a:prstGeom>
+          <a:noFill/>
+          <a:ln w="19050">
             <a:solidFill>
-              <a:schemeClr val="tx1"/>
+              <a:srgbClr val="000000"/>
             </a:solidFill>
           </a:ln>
         </p:spPr>
@@ -6127,30 +6492,34 @@
           <a:lstStyle/>
           <a:p>
             <a:pPr algn="ctr"/>
-            <a:endParaRPr lang="de-DE"/>
-          </a:p>
-        </p:txBody>
-      </p:sp>
-      <p:sp>
-        <p:nvSpPr>
-          <p:cNvPr id="5" name="Rechteck 4"/>
+            <a:endParaRPr lang="de-DE" dirty="0"/>
+          </a:p>
+        </p:txBody>
+      </p:sp>
+      <p:sp>
+        <p:nvSpPr>
+          <p:cNvPr id="25" name="Oval 24">
+            <a:extLst>
+              <a:ext uri="{FF2B5EF4-FFF2-40B4-BE49-F238E27FC236}">
+                <a16:creationId xmlns:a16="http://schemas.microsoft.com/office/drawing/2014/main" id="{507E0D37-7C93-BC4A-AD0C-ABE98E968974}"/>
+              </a:ext>
+            </a:extLst>
+          </p:cNvPr>
           <p:cNvSpPr/>
           <p:nvPr/>
         </p:nvSpPr>
         <p:spPr>
           <a:xfrm>
-            <a:off x="1402080" y="3122096"/>
-            <a:ext cx="1080000" cy="1080000"/>
+            <a:off x="1349830" y="5875619"/>
+            <a:ext cx="402771" cy="206828"/>
           </a:xfrm>
-          <a:prstGeom prst="rect">
+          <a:prstGeom prst="ellipse">
             <a:avLst/>
           </a:prstGeom>
-          <a:solidFill>
-            <a:schemeClr val="bg1"/>
-          </a:solidFill>
-          <a:ln w="38100">
+          <a:noFill/>
+          <a:ln w="19050">
             <a:solidFill>
-              <a:schemeClr val="tx1"/>
+              <a:srgbClr val="000000"/>
             </a:solidFill>
           </a:ln>
         </p:spPr>
@@ -6175,30 +6544,34 @@
           <a:lstStyle/>
           <a:p>
             <a:pPr algn="ctr"/>
-            <a:endParaRPr lang="de-DE"/>
-          </a:p>
-        </p:txBody>
-      </p:sp>
-      <p:sp>
-        <p:nvSpPr>
-          <p:cNvPr id="6" name="Rechteck 5"/>
+            <a:endParaRPr lang="de-DE" dirty="0"/>
+          </a:p>
+        </p:txBody>
+      </p:sp>
+      <p:sp>
+        <p:nvSpPr>
+          <p:cNvPr id="26" name="Oval 25">
+            <a:extLst>
+              <a:ext uri="{FF2B5EF4-FFF2-40B4-BE49-F238E27FC236}">
+                <a16:creationId xmlns:a16="http://schemas.microsoft.com/office/drawing/2014/main" id="{5149A216-9FF4-6B4B-8F2B-828C3DDFA3AF}"/>
+              </a:ext>
+            </a:extLst>
+          </p:cNvPr>
           <p:cNvSpPr/>
           <p:nvPr/>
         </p:nvSpPr>
         <p:spPr>
           <a:xfrm>
-            <a:off x="1402080" y="4586080"/>
-            <a:ext cx="1080000" cy="1080000"/>
+            <a:off x="2569031" y="5827713"/>
+            <a:ext cx="402772" cy="206828"/>
           </a:xfrm>
-          <a:prstGeom prst="rect">
+          <a:prstGeom prst="ellipse">
             <a:avLst/>
           </a:prstGeom>
-          <a:solidFill>
-            <a:schemeClr val="bg1"/>
-          </a:solidFill>
-          <a:ln w="38100">
+          <a:noFill/>
+          <a:ln w="19050">
             <a:solidFill>
-              <a:schemeClr val="tx1"/>
+              <a:srgbClr val="000000"/>
             </a:solidFill>
           </a:ln>
         </p:spPr>
@@ -6223,7 +6596,772 @@
           <a:lstStyle/>
           <a:p>
             <a:pPr algn="ctr"/>
-            <a:endParaRPr lang="de-DE"/>
+            <a:endParaRPr lang="de-DE" dirty="0"/>
+          </a:p>
+        </p:txBody>
+      </p:sp>
+      <mc:AlternateContent xmlns:mc="http://schemas.openxmlformats.org/markup-compatibility/2006">
+        <mc:Choice xmlns:p14="http://schemas.microsoft.com/office/powerpoint/2010/main" Requires="p14">
+          <p:contentPart p14:bwMode="auto" r:id="rId3">
+            <p14:nvContentPartPr>
+              <p14:cNvPr id="43" name="Freihand 42">
+                <a:extLst>
+                  <a:ext uri="{FF2B5EF4-FFF2-40B4-BE49-F238E27FC236}">
+                    <a16:creationId xmlns:a16="http://schemas.microsoft.com/office/drawing/2014/main" id="{A0E82E8C-EC6D-9349-9BFA-4A3A2CDCC1E4}"/>
+                  </a:ext>
+                </a:extLst>
+              </p14:cNvPr>
+              <p14:cNvContentPartPr/>
+              <p14:nvPr/>
+            </p14:nvContentPartPr>
+            <p14:xfrm>
+              <a:off x="1987920" y="3816840"/>
+              <a:ext cx="14400" cy="360"/>
+            </p14:xfrm>
+          </p:contentPart>
+        </mc:Choice>
+        <mc:Fallback>
+          <p:pic>
+            <p:nvPicPr>
+              <p:cNvPr id="43" name="Freihand 42">
+                <a:extLst>
+                  <a:ext uri="{FF2B5EF4-FFF2-40B4-BE49-F238E27FC236}">
+                    <a16:creationId xmlns:a16="http://schemas.microsoft.com/office/drawing/2014/main" id="{A0E82E8C-EC6D-9349-9BFA-4A3A2CDCC1E4}"/>
+                  </a:ext>
+                </a:extLst>
+              </p:cNvPr>
+              <p:cNvPicPr/>
+              <p:nvPr/>
+            </p:nvPicPr>
+            <p:blipFill>
+              <a:blip r:embed="rId4"/>
+              <a:stretch>
+                <a:fillRect/>
+              </a:stretch>
+            </p:blipFill>
+            <p:spPr>
+              <a:xfrm>
+                <a:off x="1979280" y="3807840"/>
+                <a:ext cx="32040" cy="18000"/>
+              </a:xfrm>
+              <a:prstGeom prst="rect">
+                <a:avLst/>
+              </a:prstGeom>
+            </p:spPr>
+          </p:pic>
+        </mc:Fallback>
+      </mc:AlternateContent>
+      <mc:AlternateContent xmlns:mc="http://schemas.openxmlformats.org/markup-compatibility/2006">
+        <mc:Choice xmlns:p14="http://schemas.microsoft.com/office/powerpoint/2010/main" Requires="p14">
+          <p:contentPart p14:bwMode="auto" r:id="rId5">
+            <p14:nvContentPartPr>
+              <p14:cNvPr id="44" name="Freihand 43">
+                <a:extLst>
+                  <a:ext uri="{FF2B5EF4-FFF2-40B4-BE49-F238E27FC236}">
+                    <a16:creationId xmlns:a16="http://schemas.microsoft.com/office/drawing/2014/main" id="{E50D5434-2140-FA4B-BC8C-7CE04AB8EE66}"/>
+                  </a:ext>
+                </a:extLst>
+              </p14:cNvPr>
+              <p14:cNvContentPartPr/>
+              <p14:nvPr/>
+            </p14:nvContentPartPr>
+            <p14:xfrm>
+              <a:off x="2233440" y="3815400"/>
+              <a:ext cx="6120" cy="11520"/>
+            </p14:xfrm>
+          </p:contentPart>
+        </mc:Choice>
+        <mc:Fallback>
+          <p:pic>
+            <p:nvPicPr>
+              <p:cNvPr id="44" name="Freihand 43">
+                <a:extLst>
+                  <a:ext uri="{FF2B5EF4-FFF2-40B4-BE49-F238E27FC236}">
+                    <a16:creationId xmlns:a16="http://schemas.microsoft.com/office/drawing/2014/main" id="{E50D5434-2140-FA4B-BC8C-7CE04AB8EE66}"/>
+                  </a:ext>
+                </a:extLst>
+              </p:cNvPr>
+              <p:cNvPicPr/>
+              <p:nvPr/>
+            </p:nvPicPr>
+            <p:blipFill>
+              <a:blip r:embed="rId6"/>
+              <a:stretch>
+                <a:fillRect/>
+              </a:stretch>
+            </p:blipFill>
+            <p:spPr>
+              <a:xfrm>
+                <a:off x="2224800" y="3806760"/>
+                <a:ext cx="23760" cy="29160"/>
+              </a:xfrm>
+              <a:prstGeom prst="rect">
+                <a:avLst/>
+              </a:prstGeom>
+            </p:spPr>
+          </p:pic>
+        </mc:Fallback>
+      </mc:AlternateContent>
+      <mc:AlternateContent xmlns:mc="http://schemas.openxmlformats.org/markup-compatibility/2006">
+        <mc:Choice xmlns:p14="http://schemas.microsoft.com/office/powerpoint/2010/main" Requires="p14">
+          <p:contentPart p14:bwMode="auto" r:id="rId7">
+            <p14:nvContentPartPr>
+              <p14:cNvPr id="47" name="Freihand 46">
+                <a:extLst>
+                  <a:ext uri="{FF2B5EF4-FFF2-40B4-BE49-F238E27FC236}">
+                    <a16:creationId xmlns:a16="http://schemas.microsoft.com/office/drawing/2014/main" id="{27A900A0-707B-0345-98E5-AFA26F328408}"/>
+                  </a:ext>
+                </a:extLst>
+              </p14:cNvPr>
+              <p14:cNvContentPartPr/>
+              <p14:nvPr/>
+            </p14:nvContentPartPr>
+            <p14:xfrm>
+              <a:off x="1410669" y="4035402"/>
+              <a:ext cx="1425960" cy="1895725"/>
+            </p14:xfrm>
+          </p:contentPart>
+        </mc:Choice>
+        <mc:Fallback>
+          <p:pic>
+            <p:nvPicPr>
+              <p:cNvPr id="47" name="Freihand 46">
+                <a:extLst>
+                  <a:ext uri="{FF2B5EF4-FFF2-40B4-BE49-F238E27FC236}">
+                    <a16:creationId xmlns:a16="http://schemas.microsoft.com/office/drawing/2014/main" id="{27A900A0-707B-0345-98E5-AFA26F328408}"/>
+                  </a:ext>
+                </a:extLst>
+              </p:cNvPr>
+              <p:cNvPicPr/>
+              <p:nvPr/>
+            </p:nvPicPr>
+            <p:blipFill>
+              <a:blip r:embed="rId8"/>
+              <a:stretch>
+                <a:fillRect/>
+              </a:stretch>
+            </p:blipFill>
+            <p:spPr>
+              <a:xfrm>
+                <a:off x="1402029" y="4026761"/>
+                <a:ext cx="1443600" cy="1913368"/>
+              </a:xfrm>
+              <a:prstGeom prst="rect">
+                <a:avLst/>
+              </a:prstGeom>
+            </p:spPr>
+          </p:pic>
+        </mc:Fallback>
+      </mc:AlternateContent>
+      <p:sp>
+        <p:nvSpPr>
+          <p:cNvPr id="49" name="Abgerundete rechteckige Legende 48">
+            <a:extLst>
+              <a:ext uri="{FF2B5EF4-FFF2-40B4-BE49-F238E27FC236}">
+                <a16:creationId xmlns:a16="http://schemas.microsoft.com/office/drawing/2014/main" id="{C3CD6BDE-7299-4D4A-B8A9-C380C4D21852}"/>
+              </a:ext>
+            </a:extLst>
+          </p:cNvPr>
+          <p:cNvSpPr/>
+          <p:nvPr/>
+        </p:nvSpPr>
+        <p:spPr>
+          <a:xfrm>
+            <a:off x="3256629" y="3440790"/>
+            <a:ext cx="2427514" cy="1490439"/>
+          </a:xfrm>
+          <a:prstGeom prst="wedgeRoundRectCallout">
+            <a:avLst>
+              <a:gd name="adj1" fmla="val -83165"/>
+              <a:gd name="adj2" fmla="val -17110"/>
+              <a:gd name="adj3" fmla="val 16667"/>
+            </a:avLst>
+          </a:prstGeom>
+          <a:noFill/>
+        </p:spPr>
+        <p:style>
+          <a:lnRef idx="2">
+            <a:schemeClr val="accent1">
+              <a:shade val="50000"/>
+            </a:schemeClr>
+          </a:lnRef>
+          <a:fillRef idx="1">
+            <a:schemeClr val="accent1"/>
+          </a:fillRef>
+          <a:effectRef idx="0">
+            <a:schemeClr val="accent1"/>
+          </a:effectRef>
+          <a:fontRef idx="minor">
+            <a:schemeClr val="lt1"/>
+          </a:fontRef>
+        </p:style>
+        <p:txBody>
+          <a:bodyPr rtlCol="0" anchor="ctr"/>
+          <a:lstStyle/>
+          <a:p>
+            <a:pPr algn="ctr"/>
+            <a:r>
+              <a:rPr lang="de-DE" dirty="0">
+                <a:solidFill>
+                  <a:schemeClr val="tx1"/>
+                </a:solidFill>
+              </a:rPr>
+              <a:t>Es dauert 2 Tage das Modul zu warten.</a:t>
+            </a:r>
+            <a:br>
+              <a:rPr lang="de-DE" dirty="0">
+                <a:solidFill>
+                  <a:schemeClr val="tx1"/>
+                </a:solidFill>
+              </a:rPr>
+            </a:br>
+            <a:r>
+              <a:rPr lang="de-DE" dirty="0">
+                <a:solidFill>
+                  <a:schemeClr val="tx1"/>
+                </a:solidFill>
+              </a:rPr>
+              <a:t>Unsere Produktion darf nur 3 Stunden still stehen.</a:t>
+            </a:r>
+          </a:p>
+        </p:txBody>
+      </p:sp>
+      <p:sp>
+        <p:nvSpPr>
+          <p:cNvPr id="50" name="Textfeld 49">
+            <a:extLst>
+              <a:ext uri="{FF2B5EF4-FFF2-40B4-BE49-F238E27FC236}">
+                <a16:creationId xmlns:a16="http://schemas.microsoft.com/office/drawing/2014/main" id="{74812B0A-9F6B-3B44-B974-C1947644856D}"/>
+              </a:ext>
+            </a:extLst>
+          </p:cNvPr>
+          <p:cNvSpPr txBox="1"/>
+          <p:nvPr/>
+        </p:nvSpPr>
+        <p:spPr>
+          <a:xfrm>
+            <a:off x="1114563" y="3330258"/>
+            <a:ext cx="1857240" cy="341632"/>
+          </a:xfrm>
+          <a:prstGeom prst="rect">
+            <a:avLst/>
+          </a:prstGeom>
+          <a:noFill/>
+        </p:spPr>
+        <p:txBody>
+          <a:bodyPr wrap="none" rtlCol="0">
+            <a:spAutoFit/>
+          </a:bodyPr>
+          <a:lstStyle/>
+          <a:p>
+            <a:r>
+              <a:rPr lang="de-DE" dirty="0"/>
+              <a:t>Produktionsleiter</a:t>
+            </a:r>
+          </a:p>
+        </p:txBody>
+      </p:sp>
+      <p:sp>
+        <p:nvSpPr>
+          <p:cNvPr id="52" name="Wolkenförmige Legende 51">
+            <a:extLst>
+              <a:ext uri="{FF2B5EF4-FFF2-40B4-BE49-F238E27FC236}">
+                <a16:creationId xmlns:a16="http://schemas.microsoft.com/office/drawing/2014/main" id="{29DB6461-09BA-4847-ADB9-C5C694AA482B}"/>
+              </a:ext>
+            </a:extLst>
+          </p:cNvPr>
+          <p:cNvSpPr/>
+          <p:nvPr/>
+        </p:nvSpPr>
+        <p:spPr>
+          <a:xfrm>
+            <a:off x="9372600" y="2075297"/>
+            <a:ext cx="2503714" cy="1302160"/>
+          </a:xfrm>
+          <a:prstGeom prst="cloudCallout">
+            <a:avLst>
+              <a:gd name="adj1" fmla="val -76486"/>
+              <a:gd name="adj2" fmla="val 76572"/>
+            </a:avLst>
+          </a:prstGeom>
+          <a:noFill/>
+        </p:spPr>
+        <p:style>
+          <a:lnRef idx="2">
+            <a:schemeClr val="accent1">
+              <a:shade val="50000"/>
+            </a:schemeClr>
+          </a:lnRef>
+          <a:fillRef idx="1">
+            <a:schemeClr val="accent1"/>
+          </a:fillRef>
+          <a:effectRef idx="0">
+            <a:schemeClr val="accent1"/>
+          </a:effectRef>
+          <a:fontRef idx="minor">
+            <a:schemeClr val="lt1"/>
+          </a:fontRef>
+        </p:style>
+        <p:txBody>
+          <a:bodyPr rtlCol="0" anchor="ctr"/>
+          <a:lstStyle/>
+          <a:p>
+            <a:pPr algn="ctr"/>
+            <a:r>
+              <a:rPr lang="de-DE" dirty="0">
+                <a:solidFill>
+                  <a:schemeClr val="tx1"/>
+                </a:solidFill>
+              </a:rPr>
+              <a:t>Wie kann ich das Problem lösen?</a:t>
+            </a:r>
+          </a:p>
+        </p:txBody>
+      </p:sp>
+      <p:sp>
+        <p:nvSpPr>
+          <p:cNvPr id="53" name="Oval 52">
+            <a:extLst>
+              <a:ext uri="{FF2B5EF4-FFF2-40B4-BE49-F238E27FC236}">
+                <a16:creationId xmlns:a16="http://schemas.microsoft.com/office/drawing/2014/main" id="{A7F525C7-2BB3-7741-BE0A-A91605F6B414}"/>
+              </a:ext>
+            </a:extLst>
+          </p:cNvPr>
+          <p:cNvSpPr/>
+          <p:nvPr/>
+        </p:nvSpPr>
+        <p:spPr>
+          <a:xfrm>
+            <a:off x="7931141" y="3651550"/>
+            <a:ext cx="631371" cy="544912"/>
+          </a:xfrm>
+          <a:prstGeom prst="ellipse">
+            <a:avLst/>
+          </a:prstGeom>
+          <a:noFill/>
+          <a:ln w="19050">
+            <a:solidFill>
+              <a:srgbClr val="000000"/>
+            </a:solidFill>
+          </a:ln>
+        </p:spPr>
+        <p:style>
+          <a:lnRef idx="2">
+            <a:schemeClr val="accent1">
+              <a:shade val="50000"/>
+            </a:schemeClr>
+          </a:lnRef>
+          <a:fillRef idx="1">
+            <a:schemeClr val="accent1"/>
+          </a:fillRef>
+          <a:effectRef idx="0">
+            <a:schemeClr val="accent1"/>
+          </a:effectRef>
+          <a:fontRef idx="minor">
+            <a:schemeClr val="lt1"/>
+          </a:fontRef>
+        </p:style>
+        <p:txBody>
+          <a:bodyPr rtlCol="0" anchor="ctr"/>
+          <a:lstStyle/>
+          <a:p>
+            <a:pPr algn="ctr"/>
+            <a:endParaRPr lang="de-DE" dirty="0"/>
+          </a:p>
+        </p:txBody>
+      </p:sp>
+      <p:sp>
+        <p:nvSpPr>
+          <p:cNvPr id="54" name="Oval 53">
+            <a:extLst>
+              <a:ext uri="{FF2B5EF4-FFF2-40B4-BE49-F238E27FC236}">
+                <a16:creationId xmlns:a16="http://schemas.microsoft.com/office/drawing/2014/main" id="{7A84F289-E89F-8342-8791-347A0E4F5BF9}"/>
+              </a:ext>
+            </a:extLst>
+          </p:cNvPr>
+          <p:cNvSpPr/>
+          <p:nvPr/>
+        </p:nvSpPr>
+        <p:spPr>
+          <a:xfrm>
+            <a:off x="7495714" y="5869569"/>
+            <a:ext cx="402771" cy="206828"/>
+          </a:xfrm>
+          <a:prstGeom prst="ellipse">
+            <a:avLst/>
+          </a:prstGeom>
+          <a:noFill/>
+          <a:ln w="19050">
+            <a:solidFill>
+              <a:srgbClr val="000000"/>
+            </a:solidFill>
+          </a:ln>
+        </p:spPr>
+        <p:style>
+          <a:lnRef idx="2">
+            <a:schemeClr val="accent1">
+              <a:shade val="50000"/>
+            </a:schemeClr>
+          </a:lnRef>
+          <a:fillRef idx="1">
+            <a:schemeClr val="accent1"/>
+          </a:fillRef>
+          <a:effectRef idx="0">
+            <a:schemeClr val="accent1"/>
+          </a:effectRef>
+          <a:fontRef idx="minor">
+            <a:schemeClr val="lt1"/>
+          </a:fontRef>
+        </p:style>
+        <p:txBody>
+          <a:bodyPr rtlCol="0" anchor="ctr"/>
+          <a:lstStyle/>
+          <a:p>
+            <a:pPr algn="ctr"/>
+            <a:endParaRPr lang="de-DE" dirty="0"/>
+          </a:p>
+        </p:txBody>
+      </p:sp>
+      <p:sp>
+        <p:nvSpPr>
+          <p:cNvPr id="55" name="Oval 54">
+            <a:extLst>
+              <a:ext uri="{FF2B5EF4-FFF2-40B4-BE49-F238E27FC236}">
+                <a16:creationId xmlns:a16="http://schemas.microsoft.com/office/drawing/2014/main" id="{A65E12B4-4201-2148-B5CA-CF3C353E009F}"/>
+              </a:ext>
+            </a:extLst>
+          </p:cNvPr>
+          <p:cNvSpPr/>
+          <p:nvPr/>
+        </p:nvSpPr>
+        <p:spPr>
+          <a:xfrm>
+            <a:off x="8714915" y="5821663"/>
+            <a:ext cx="402772" cy="206828"/>
+          </a:xfrm>
+          <a:prstGeom prst="ellipse">
+            <a:avLst/>
+          </a:prstGeom>
+          <a:noFill/>
+          <a:ln w="19050">
+            <a:solidFill>
+              <a:srgbClr val="000000"/>
+            </a:solidFill>
+          </a:ln>
+        </p:spPr>
+        <p:style>
+          <a:lnRef idx="2">
+            <a:schemeClr val="accent1">
+              <a:shade val="50000"/>
+            </a:schemeClr>
+          </a:lnRef>
+          <a:fillRef idx="1">
+            <a:schemeClr val="accent1"/>
+          </a:fillRef>
+          <a:effectRef idx="0">
+            <a:schemeClr val="accent1"/>
+          </a:effectRef>
+          <a:fontRef idx="minor">
+            <a:schemeClr val="lt1"/>
+          </a:fontRef>
+        </p:style>
+        <p:txBody>
+          <a:bodyPr rtlCol="0" anchor="ctr"/>
+          <a:lstStyle/>
+          <a:p>
+            <a:pPr algn="ctr"/>
+            <a:endParaRPr lang="de-DE" dirty="0"/>
+          </a:p>
+        </p:txBody>
+      </p:sp>
+      <mc:AlternateContent xmlns:mc="http://schemas.openxmlformats.org/markup-compatibility/2006">
+        <mc:Choice xmlns:p14="http://schemas.microsoft.com/office/powerpoint/2010/main" Requires="p14">
+          <p:contentPart p14:bwMode="auto" r:id="rId9">
+            <p14:nvContentPartPr>
+              <p14:cNvPr id="56" name="Freihand 55">
+                <a:extLst>
+                  <a:ext uri="{FF2B5EF4-FFF2-40B4-BE49-F238E27FC236}">
+                    <a16:creationId xmlns:a16="http://schemas.microsoft.com/office/drawing/2014/main" id="{5B3C06F8-598F-844F-A3A1-C175A796CC1F}"/>
+                  </a:ext>
+                </a:extLst>
+              </p14:cNvPr>
+              <p14:cNvContentPartPr/>
+              <p14:nvPr/>
+            </p14:nvContentPartPr>
+            <p14:xfrm>
+              <a:off x="7556553" y="4202512"/>
+              <a:ext cx="1425960" cy="1722600"/>
+            </p14:xfrm>
+          </p:contentPart>
+        </mc:Choice>
+        <mc:Fallback>
+          <p:pic>
+            <p:nvPicPr>
+              <p:cNvPr id="56" name="Freihand 55">
+                <a:extLst>
+                  <a:ext uri="{FF2B5EF4-FFF2-40B4-BE49-F238E27FC236}">
+                    <a16:creationId xmlns:a16="http://schemas.microsoft.com/office/drawing/2014/main" id="{5B3C06F8-598F-844F-A3A1-C175A796CC1F}"/>
+                  </a:ext>
+                </a:extLst>
+              </p:cNvPr>
+              <p:cNvPicPr/>
+              <p:nvPr/>
+            </p:nvPicPr>
+            <p:blipFill>
+              <a:blip r:embed="rId8"/>
+              <a:stretch>
+                <a:fillRect/>
+              </a:stretch>
+            </p:blipFill>
+            <p:spPr>
+              <a:xfrm>
+                <a:off x="7547913" y="4193512"/>
+                <a:ext cx="1443600" cy="1740240"/>
+              </a:xfrm>
+              <a:prstGeom prst="rect">
+                <a:avLst/>
+              </a:prstGeom>
+            </p:spPr>
+          </p:pic>
+        </mc:Fallback>
+      </mc:AlternateContent>
+      <mc:AlternateContent xmlns:mc="http://schemas.openxmlformats.org/markup-compatibility/2006">
+        <mc:Choice xmlns:p14="http://schemas.microsoft.com/office/powerpoint/2010/main" Requires="p14">
+          <p:contentPart p14:bwMode="auto" r:id="rId10">
+            <p14:nvContentPartPr>
+              <p14:cNvPr id="60" name="Freihand 59">
+                <a:extLst>
+                  <a:ext uri="{FF2B5EF4-FFF2-40B4-BE49-F238E27FC236}">
+                    <a16:creationId xmlns:a16="http://schemas.microsoft.com/office/drawing/2014/main" id="{082C1878-4FC7-A046-A15C-155DA5A4994F}"/>
+                  </a:ext>
+                </a:extLst>
+              </p14:cNvPr>
+              <p14:cNvContentPartPr/>
+              <p14:nvPr/>
+            </p14:nvContentPartPr>
+            <p14:xfrm>
+              <a:off x="8165520" y="3824546"/>
+              <a:ext cx="18360" cy="48600"/>
+            </p14:xfrm>
+          </p:contentPart>
+        </mc:Choice>
+        <mc:Fallback>
+          <p:pic>
+            <p:nvPicPr>
+              <p:cNvPr id="60" name="Freihand 59">
+                <a:extLst>
+                  <a:ext uri="{FF2B5EF4-FFF2-40B4-BE49-F238E27FC236}">
+                    <a16:creationId xmlns:a16="http://schemas.microsoft.com/office/drawing/2014/main" id="{082C1878-4FC7-A046-A15C-155DA5A4994F}"/>
+                  </a:ext>
+                </a:extLst>
+              </p:cNvPr>
+              <p:cNvPicPr/>
+              <p:nvPr/>
+            </p:nvPicPr>
+            <p:blipFill>
+              <a:blip r:embed="rId11"/>
+              <a:stretch>
+                <a:fillRect/>
+              </a:stretch>
+            </p:blipFill>
+            <p:spPr>
+              <a:xfrm>
+                <a:off x="8156880" y="3815546"/>
+                <a:ext cx="36000" cy="66240"/>
+              </a:xfrm>
+              <a:prstGeom prst="rect">
+                <a:avLst/>
+              </a:prstGeom>
+            </p:spPr>
+          </p:pic>
+        </mc:Fallback>
+      </mc:AlternateContent>
+      <mc:AlternateContent xmlns:mc="http://schemas.openxmlformats.org/markup-compatibility/2006">
+        <mc:Choice xmlns:p14="http://schemas.microsoft.com/office/powerpoint/2010/main" Requires="p14">
+          <p:contentPart p14:bwMode="auto" r:id="rId12">
+            <p14:nvContentPartPr>
+              <p14:cNvPr id="61" name="Freihand 60">
+                <a:extLst>
+                  <a:ext uri="{FF2B5EF4-FFF2-40B4-BE49-F238E27FC236}">
+                    <a16:creationId xmlns:a16="http://schemas.microsoft.com/office/drawing/2014/main" id="{4493D0F5-C439-AB47-A7AB-C5899EB6F429}"/>
+                  </a:ext>
+                </a:extLst>
+              </p14:cNvPr>
+              <p14:cNvContentPartPr/>
+              <p14:nvPr/>
+            </p14:nvContentPartPr>
+            <p14:xfrm>
+              <a:off x="8392680" y="3854066"/>
+              <a:ext cx="30240" cy="45000"/>
+            </p14:xfrm>
+          </p:contentPart>
+        </mc:Choice>
+        <mc:Fallback>
+          <p:pic>
+            <p:nvPicPr>
+              <p:cNvPr id="61" name="Freihand 60">
+                <a:extLst>
+                  <a:ext uri="{FF2B5EF4-FFF2-40B4-BE49-F238E27FC236}">
+                    <a16:creationId xmlns:a16="http://schemas.microsoft.com/office/drawing/2014/main" id="{4493D0F5-C439-AB47-A7AB-C5899EB6F429}"/>
+                  </a:ext>
+                </a:extLst>
+              </p:cNvPr>
+              <p:cNvPicPr/>
+              <p:nvPr/>
+            </p:nvPicPr>
+            <p:blipFill>
+              <a:blip r:embed="rId13"/>
+              <a:stretch>
+                <a:fillRect/>
+              </a:stretch>
+            </p:blipFill>
+            <p:spPr>
+              <a:xfrm>
+                <a:off x="8384040" y="3845066"/>
+                <a:ext cx="47880" cy="62640"/>
+              </a:xfrm>
+              <a:prstGeom prst="rect">
+                <a:avLst/>
+              </a:prstGeom>
+            </p:spPr>
+          </p:pic>
+        </mc:Fallback>
+      </mc:AlternateContent>
+      <mc:AlternateContent xmlns:mc="http://schemas.openxmlformats.org/markup-compatibility/2006">
+        <mc:Choice xmlns:p14="http://schemas.microsoft.com/office/powerpoint/2010/main" Requires="p14">
+          <p:contentPart p14:bwMode="auto" r:id="rId14">
+            <p14:nvContentPartPr>
+              <p14:cNvPr id="62" name="Freihand 61">
+                <a:extLst>
+                  <a:ext uri="{FF2B5EF4-FFF2-40B4-BE49-F238E27FC236}">
+                    <a16:creationId xmlns:a16="http://schemas.microsoft.com/office/drawing/2014/main" id="{748AF862-0F58-C846-9997-89FE1E796ACE}"/>
+                  </a:ext>
+                </a:extLst>
+              </p14:cNvPr>
+              <p14:cNvContentPartPr/>
+              <p14:nvPr/>
+            </p14:nvContentPartPr>
+            <p14:xfrm>
+              <a:off x="8168040" y="4057106"/>
+              <a:ext cx="295920" cy="19080"/>
+            </p14:xfrm>
+          </p:contentPart>
+        </mc:Choice>
+        <mc:Fallback>
+          <p:pic>
+            <p:nvPicPr>
+              <p:cNvPr id="62" name="Freihand 61">
+                <a:extLst>
+                  <a:ext uri="{FF2B5EF4-FFF2-40B4-BE49-F238E27FC236}">
+                    <a16:creationId xmlns:a16="http://schemas.microsoft.com/office/drawing/2014/main" id="{748AF862-0F58-C846-9997-89FE1E796ACE}"/>
+                  </a:ext>
+                </a:extLst>
+              </p:cNvPr>
+              <p:cNvPicPr/>
+              <p:nvPr/>
+            </p:nvPicPr>
+            <p:blipFill>
+              <a:blip r:embed="rId15"/>
+              <a:stretch>
+                <a:fillRect/>
+              </a:stretch>
+            </p:blipFill>
+            <p:spPr>
+              <a:xfrm>
+                <a:off x="8159400" y="4048466"/>
+                <a:ext cx="313560" cy="36720"/>
+              </a:xfrm>
+              <a:prstGeom prst="rect">
+                <a:avLst/>
+              </a:prstGeom>
+            </p:spPr>
+          </p:pic>
+        </mc:Fallback>
+      </mc:AlternateContent>
+      <p:sp>
+        <p:nvSpPr>
+          <p:cNvPr id="65" name="Textfeld 64">
+            <a:extLst>
+              <a:ext uri="{FF2B5EF4-FFF2-40B4-BE49-F238E27FC236}">
+                <a16:creationId xmlns:a16="http://schemas.microsoft.com/office/drawing/2014/main" id="{78AA0267-66A5-6246-A3BD-117F333C6256}"/>
+              </a:ext>
+            </a:extLst>
+          </p:cNvPr>
+          <p:cNvSpPr txBox="1"/>
+          <p:nvPr/>
+        </p:nvSpPr>
+        <p:spPr>
+          <a:xfrm>
+            <a:off x="7571256" y="3112056"/>
+            <a:ext cx="478016" cy="830997"/>
+          </a:xfrm>
+          <a:prstGeom prst="rect">
+            <a:avLst/>
+          </a:prstGeom>
+          <a:noFill/>
+        </p:spPr>
+        <p:txBody>
+          <a:bodyPr wrap="none" rtlCol="0">
+            <a:spAutoFit/>
+          </a:bodyPr>
+          <a:lstStyle/>
+          <a:p>
+            <a:r>
+              <a:rPr lang="de-DE" sz="4800" b="1" dirty="0"/>
+              <a:t>?</a:t>
+            </a:r>
+          </a:p>
+        </p:txBody>
+      </p:sp>
+      <p:sp>
+        <p:nvSpPr>
+          <p:cNvPr id="66" name="Textfeld 65">
+            <a:extLst>
+              <a:ext uri="{FF2B5EF4-FFF2-40B4-BE49-F238E27FC236}">
+                <a16:creationId xmlns:a16="http://schemas.microsoft.com/office/drawing/2014/main" id="{D4BB00C8-5B1C-6F41-A958-6DF79A12B459}"/>
+              </a:ext>
+            </a:extLst>
+          </p:cNvPr>
+          <p:cNvSpPr txBox="1"/>
+          <p:nvPr/>
+        </p:nvSpPr>
+        <p:spPr>
+          <a:xfrm>
+            <a:off x="5770384" y="1074286"/>
+            <a:ext cx="2949823" cy="1338828"/>
+          </a:xfrm>
+          <a:prstGeom prst="rect">
+            <a:avLst/>
+          </a:prstGeom>
+          <a:noFill/>
+          <a:ln>
+            <a:solidFill>
+              <a:schemeClr val="tx1"/>
+            </a:solidFill>
+          </a:ln>
+        </p:spPr>
+        <p:txBody>
+          <a:bodyPr wrap="square" rtlCol="0">
+            <a:spAutoFit/>
+          </a:bodyPr>
+          <a:lstStyle/>
+          <a:p>
+            <a:r>
+              <a:rPr lang="de-DE" dirty="0"/>
+              <a:t>Bild einfügen</a:t>
+            </a:r>
+          </a:p>
+          <a:p>
+            <a:endParaRPr lang="de-DE" dirty="0"/>
+          </a:p>
+          <a:p>
+            <a:endParaRPr lang="de-DE" dirty="0"/>
+          </a:p>
+          <a:p>
+            <a:endParaRPr lang="de-DE" dirty="0"/>
+          </a:p>
+          <a:p>
+            <a:endParaRPr lang="de-DE" dirty="0"/>
           </a:p>
         </p:txBody>
       </p:sp>
@@ -6262,7 +7400,7 @@
           <p:cNvPr id="2" name="Titel 1">
             <a:extLst>
               <a:ext uri="{FF2B5EF4-FFF2-40B4-BE49-F238E27FC236}">
-                <a16:creationId xmlns:a16="http://schemas.microsoft.com/office/drawing/2014/main" xmlns="" id="{061E505A-8173-1347-AE02-C6C2BDD420BB}"/>
+                <a16:creationId xmlns:a16="http://schemas.microsoft.com/office/drawing/2014/main" id="{9D53ED9D-320B-244E-B0A4-990B8FD6A869}"/>
               </a:ext>
             </a:extLst>
           </p:cNvPr>
@@ -6279,10 +7417,92 @@
           <a:lstStyle/>
           <a:p>
             <a:r>
-              <a:rPr lang="de-DE" dirty="0" smtClean="0"/>
+              <a:rPr lang="de-DE" dirty="0"/>
+              <a:t>Modulare Anlagen</a:t>
+            </a:r>
+          </a:p>
+        </p:txBody>
+      </p:sp>
+      <p:sp>
+        <p:nvSpPr>
+          <p:cNvPr id="3" name="Inhaltsplatzhalter 2">
+            <a:extLst>
+              <a:ext uri="{FF2B5EF4-FFF2-40B4-BE49-F238E27FC236}">
+                <a16:creationId xmlns:a16="http://schemas.microsoft.com/office/drawing/2014/main" id="{071C7D99-FD94-FB49-B8BA-4204773E2C3E}"/>
+              </a:ext>
+            </a:extLst>
+          </p:cNvPr>
+          <p:cNvSpPr>
+            <a:spLocks noGrp="1"/>
+          </p:cNvSpPr>
+          <p:nvPr>
+            <p:ph sz="quarter" idx="10"/>
+          </p:nvPr>
+        </p:nvSpPr>
+        <p:spPr/>
+        <p:txBody>
+          <a:bodyPr/>
+          <a:lstStyle/>
+          <a:p>
+            <a:endParaRPr lang="de-DE"/>
+          </a:p>
+        </p:txBody>
+      </p:sp>
+    </p:spTree>
+    <p:extLst>
+      <p:ext uri="{BB962C8B-B14F-4D97-AF65-F5344CB8AC3E}">
+        <p14:creationId xmlns:p14="http://schemas.microsoft.com/office/powerpoint/2010/main" val="3303605147"/>
+      </p:ext>
+    </p:extLst>
+  </p:cSld>
+  <p:clrMapOvr>
+    <a:masterClrMapping/>
+  </p:clrMapOvr>
+</p:sld>
+</file>
+
+<file path=ppt/slides/slide4.xml><?xml version="1.0" encoding="utf-8"?>
+<p:sld xmlns:a="http://schemas.openxmlformats.org/drawingml/2006/main" xmlns:r="http://schemas.openxmlformats.org/officeDocument/2006/relationships" xmlns:p="http://schemas.openxmlformats.org/presentationml/2006/main">
+  <p:cSld>
+    <p:spTree>
+      <p:nvGrpSpPr>
+        <p:cNvPr id="1" name=""/>
+        <p:cNvGrpSpPr/>
+        <p:nvPr/>
+      </p:nvGrpSpPr>
+      <p:grpSpPr>
+        <a:xfrm>
+          <a:off x="0" y="0"/>
+          <a:ext cx="0" cy="0"/>
+          <a:chOff x="0" y="0"/>
+          <a:chExt cx="0" cy="0"/>
+        </a:xfrm>
+      </p:grpSpPr>
+      <p:sp>
+        <p:nvSpPr>
+          <p:cNvPr id="2" name="Titel 1">
+            <a:extLst>
+              <a:ext uri="{FF2B5EF4-FFF2-40B4-BE49-F238E27FC236}">
+                <a16:creationId xmlns:a16="http://schemas.microsoft.com/office/drawing/2014/main" id="{061E505A-8173-1347-AE02-C6C2BDD420BB}"/>
+              </a:ext>
+            </a:extLst>
+          </p:cNvPr>
+          <p:cNvSpPr>
+            <a:spLocks noGrp="1"/>
+          </p:cNvSpPr>
+          <p:nvPr>
+            <p:ph type="title"/>
+          </p:nvPr>
+        </p:nvSpPr>
+        <p:spPr/>
+        <p:txBody>
+          <a:bodyPr/>
+          <a:lstStyle/>
+          <a:p>
+            <a:r>
+              <a:rPr lang="de-DE" dirty="0"/>
               <a:t>Agenda</a:t>
             </a:r>
-            <a:endParaRPr lang="de-DE" dirty="0"/>
           </a:p>
         </p:txBody>
       </p:sp>
@@ -6327,7 +7547,7 @@
           <p:cNvPr id="6" name="Rechteck 5">
             <a:extLst>
               <a:ext uri="{FF2B5EF4-FFF2-40B4-BE49-F238E27FC236}">
-                <a16:creationId xmlns:a16="http://schemas.microsoft.com/office/drawing/2014/main" xmlns="" id="{4F68B8E9-417E-0141-AE27-E298ED29929C}"/>
+                <a16:creationId xmlns:a16="http://schemas.microsoft.com/office/drawing/2014/main" id="{4F68B8E9-417E-0141-AE27-E298ED29929C}"/>
               </a:ext>
             </a:extLst>
           </p:cNvPr>
@@ -6376,18 +7596,13 @@
               <a:buChar char="•"/>
             </a:pPr>
             <a:r>
-              <a:rPr lang="de-DE" dirty="0" smtClean="0">
+              <a:rPr lang="de-DE" dirty="0">
                 <a:solidFill>
                   <a:schemeClr val="tx1"/>
                 </a:solidFill>
               </a:rPr>
               <a:t>Wie kann dem Nutzer geholfen werden?</a:t>
             </a:r>
-            <a:endParaRPr lang="de-DE" dirty="0">
-              <a:solidFill>
-                <a:schemeClr val="tx1"/>
-              </a:solidFill>
-            </a:endParaRPr>
           </a:p>
         </p:txBody>
       </p:sp>
@@ -6396,7 +7611,7 @@
           <p:cNvPr id="7" name="Rechteck 6">
             <a:extLst>
               <a:ext uri="{FF2B5EF4-FFF2-40B4-BE49-F238E27FC236}">
-                <a16:creationId xmlns:a16="http://schemas.microsoft.com/office/drawing/2014/main" xmlns="" id="{4F68B8E9-417E-0141-AE27-E298ED29929C}"/>
+                <a16:creationId xmlns:a16="http://schemas.microsoft.com/office/drawing/2014/main" id="{4F68B8E9-417E-0141-AE27-E298ED29929C}"/>
               </a:ext>
             </a:extLst>
           </p:cNvPr>
@@ -6445,18 +7660,13 @@
               <a:buChar char="•"/>
             </a:pPr>
             <a:r>
-              <a:rPr lang="de-DE" dirty="0" smtClean="0">
+              <a:rPr lang="de-DE" dirty="0">
                 <a:solidFill>
                   <a:schemeClr val="tx1"/>
                 </a:solidFill>
               </a:rPr>
               <a:t>Was will und sollte der Nutzer wissen?</a:t>
             </a:r>
-            <a:endParaRPr lang="de-DE" dirty="0">
-              <a:solidFill>
-                <a:schemeClr val="tx1"/>
-              </a:solidFill>
-            </a:endParaRPr>
           </a:p>
         </p:txBody>
       </p:sp>
@@ -6465,7 +7675,7 @@
           <p:cNvPr id="8" name="Rechteck 7">
             <a:extLst>
               <a:ext uri="{FF2B5EF4-FFF2-40B4-BE49-F238E27FC236}">
-                <a16:creationId xmlns:a16="http://schemas.microsoft.com/office/drawing/2014/main" xmlns="" id="{4F68B8E9-417E-0141-AE27-E298ED29929C}"/>
+                <a16:creationId xmlns:a16="http://schemas.microsoft.com/office/drawing/2014/main" id="{4F68B8E9-417E-0141-AE27-E298ED29929C}"/>
               </a:ext>
             </a:extLst>
           </p:cNvPr>
@@ -6514,18 +7724,13 @@
               <a:buChar char="•"/>
             </a:pPr>
             <a:r>
-              <a:rPr lang="de-DE" dirty="0" smtClean="0">
+              <a:rPr lang="de-DE" dirty="0">
                 <a:solidFill>
                   <a:schemeClr val="tx1"/>
                 </a:solidFill>
               </a:rPr>
               <a:t>Ist der Nutzer jetzt glücklich?</a:t>
             </a:r>
-            <a:endParaRPr lang="de-DE" dirty="0">
-              <a:solidFill>
-                <a:schemeClr val="tx1"/>
-              </a:solidFill>
-            </a:endParaRPr>
           </a:p>
         </p:txBody>
       </p:sp>
@@ -6534,7 +7739,7 @@
           <p:cNvPr id="9" name="Rechteck 8">
             <a:extLst>
               <a:ext uri="{FF2B5EF4-FFF2-40B4-BE49-F238E27FC236}">
-                <a16:creationId xmlns:a16="http://schemas.microsoft.com/office/drawing/2014/main" xmlns="" id="{4F68B8E9-417E-0141-AE27-E298ED29929C}"/>
+                <a16:creationId xmlns:a16="http://schemas.microsoft.com/office/drawing/2014/main" id="{4F68B8E9-417E-0141-AE27-E298ED29929C}"/>
               </a:ext>
             </a:extLst>
           </p:cNvPr>
@@ -6583,18 +7788,13 @@
               <a:buChar char="•"/>
             </a:pPr>
             <a:r>
-              <a:rPr lang="de-DE" dirty="0" smtClean="0">
+              <a:rPr lang="de-DE" dirty="0">
                 <a:solidFill>
                   <a:schemeClr val="tx1"/>
                 </a:solidFill>
               </a:rPr>
               <a:t>Design</a:t>
             </a:r>
-            <a:endParaRPr lang="de-DE" dirty="0">
-              <a:solidFill>
-                <a:schemeClr val="tx1"/>
-              </a:solidFill>
-            </a:endParaRPr>
           </a:p>
         </p:txBody>
       </p:sp>
@@ -6603,7 +7803,7 @@
           <p:cNvPr id="10" name="Rechteck 9">
             <a:extLst>
               <a:ext uri="{FF2B5EF4-FFF2-40B4-BE49-F238E27FC236}">
-                <a16:creationId xmlns:a16="http://schemas.microsoft.com/office/drawing/2014/main" xmlns="" id="{4F68B8E9-417E-0141-AE27-E298ED29929C}"/>
+                <a16:creationId xmlns:a16="http://schemas.microsoft.com/office/drawing/2014/main" id="{4F68B8E9-417E-0141-AE27-E298ED29929C}"/>
               </a:ext>
             </a:extLst>
           </p:cNvPr>
@@ -6652,18 +7852,13 @@
               <a:buChar char="•"/>
             </a:pPr>
             <a:r>
-              <a:rPr lang="de-DE" dirty="0" smtClean="0">
+              <a:rPr lang="de-DE" dirty="0">
                 <a:solidFill>
                   <a:schemeClr val="tx1"/>
                 </a:solidFill>
               </a:rPr>
               <a:t>Ausblick</a:t>
             </a:r>
-            <a:endParaRPr lang="de-DE" dirty="0">
-              <a:solidFill>
-                <a:schemeClr val="tx1"/>
-              </a:solidFill>
-            </a:endParaRPr>
           </a:p>
         </p:txBody>
       </p:sp>
@@ -6822,7 +8017,7 @@
           <p:cNvPr id="20" name="Rechteck 19">
             <a:extLst>
               <a:ext uri="{FF2B5EF4-FFF2-40B4-BE49-F238E27FC236}">
-                <a16:creationId xmlns:a16="http://schemas.microsoft.com/office/drawing/2014/main" xmlns="" id="{4F68B8E9-417E-0141-AE27-E298ED29929C}"/>
+                <a16:creationId xmlns:a16="http://schemas.microsoft.com/office/drawing/2014/main" id="{4F68B8E9-417E-0141-AE27-E298ED29929C}"/>
               </a:ext>
             </a:extLst>
           </p:cNvPr>
@@ -6871,18 +8066,13 @@
               <a:buChar char="•"/>
             </a:pPr>
             <a:r>
-              <a:rPr lang="de-DE" dirty="0" smtClean="0">
+              <a:rPr lang="de-DE" dirty="0">
                 <a:solidFill>
                   <a:schemeClr val="tx1"/>
                 </a:solidFill>
               </a:rPr>
               <a:t>Verzweifelter Nutzer (Bild)</a:t>
             </a:r>
-            <a:endParaRPr lang="de-DE" dirty="0">
-              <a:solidFill>
-                <a:schemeClr val="tx1"/>
-              </a:solidFill>
-            </a:endParaRPr>
           </a:p>
         </p:txBody>
       </p:sp>
@@ -6891,7 +8081,7 @@
           <p:cNvPr id="21" name="Rechteck 20">
             <a:extLst>
               <a:ext uri="{FF2B5EF4-FFF2-40B4-BE49-F238E27FC236}">
-                <a16:creationId xmlns:a16="http://schemas.microsoft.com/office/drawing/2014/main" xmlns="" id="{4F68B8E9-417E-0141-AE27-E298ED29929C}"/>
+                <a16:creationId xmlns:a16="http://schemas.microsoft.com/office/drawing/2014/main" id="{4F68B8E9-417E-0141-AE27-E298ED29929C}"/>
               </a:ext>
             </a:extLst>
           </p:cNvPr>
@@ -6940,18 +8130,13 @@
               <a:buChar char="•"/>
             </a:pPr>
             <a:r>
-              <a:rPr lang="de-DE" dirty="0" smtClean="0">
+              <a:rPr lang="de-DE" dirty="0">
                 <a:solidFill>
                   <a:schemeClr val="tx1"/>
                 </a:solidFill>
               </a:rPr>
               <a:t>Glücklicher Nutzer (Bild)</a:t>
             </a:r>
-            <a:endParaRPr lang="de-DE" dirty="0">
-              <a:solidFill>
-                <a:schemeClr val="tx1"/>
-              </a:solidFill>
-            </a:endParaRPr>
           </a:p>
         </p:txBody>
       </p:sp>
@@ -6959,78 +8144,6 @@
     <p:extLst>
       <p:ext uri="{BB962C8B-B14F-4D97-AF65-F5344CB8AC3E}">
         <p14:creationId xmlns:p14="http://schemas.microsoft.com/office/powerpoint/2010/main" val="2434195809"/>
-      </p:ext>
-    </p:extLst>
-  </p:cSld>
-  <p:clrMapOvr>
-    <a:masterClrMapping/>
-  </p:clrMapOvr>
-</p:sld>
-</file>
-
-<file path=ppt/slides/slide4.xml><?xml version="1.0" encoding="utf-8"?>
-<p:sld xmlns:a="http://schemas.openxmlformats.org/drawingml/2006/main" xmlns:r="http://schemas.openxmlformats.org/officeDocument/2006/relationships" xmlns:p="http://schemas.openxmlformats.org/presentationml/2006/main">
-  <p:cSld>
-    <p:spTree>
-      <p:nvGrpSpPr>
-        <p:cNvPr id="1" name=""/>
-        <p:cNvGrpSpPr/>
-        <p:nvPr/>
-      </p:nvGrpSpPr>
-      <p:grpSpPr>
-        <a:xfrm>
-          <a:off x="0" y="0"/>
-          <a:ext cx="0" cy="0"/>
-          <a:chOff x="0" y="0"/>
-          <a:chExt cx="0" cy="0"/>
-        </a:xfrm>
-      </p:grpSpPr>
-      <p:sp>
-        <p:nvSpPr>
-          <p:cNvPr id="2" name="Titel 1"/>
-          <p:cNvSpPr>
-            <a:spLocks noGrp="1"/>
-          </p:cNvSpPr>
-          <p:nvPr>
-            <p:ph type="title"/>
-          </p:nvPr>
-        </p:nvSpPr>
-        <p:spPr/>
-        <p:txBody>
-          <a:bodyPr/>
-          <a:lstStyle/>
-          <a:p>
-            <a:r>
-              <a:rPr lang="de-DE" dirty="0" smtClean="0"/>
-              <a:t>Wobei kann der Mitarbeiter mit einem Assistenzsystem unterstützt werden?</a:t>
-            </a:r>
-            <a:endParaRPr lang="de-DE" dirty="0"/>
-          </a:p>
-        </p:txBody>
-      </p:sp>
-      <p:sp>
-        <p:nvSpPr>
-          <p:cNvPr id="3" name="Inhaltsplatzhalter 2"/>
-          <p:cNvSpPr>
-            <a:spLocks noGrp="1"/>
-          </p:cNvSpPr>
-          <p:nvPr>
-            <p:ph sz="quarter" idx="10"/>
-          </p:nvPr>
-        </p:nvSpPr>
-        <p:spPr/>
-        <p:txBody>
-          <a:bodyPr/>
-          <a:lstStyle/>
-          <a:p>
-            <a:endParaRPr lang="de-DE"/>
-          </a:p>
-        </p:txBody>
-      </p:sp>
-    </p:spTree>
-    <p:extLst>
-      <p:ext uri="{BB962C8B-B14F-4D97-AF65-F5344CB8AC3E}">
-        <p14:creationId xmlns:p14="http://schemas.microsoft.com/office/powerpoint/2010/main" val="1594901777"/>
       </p:ext>
     </p:extLst>
   </p:cSld>
@@ -7059,7 +8172,13 @@
       </p:grpSpPr>
       <p:sp>
         <p:nvSpPr>
-          <p:cNvPr id="2" name="Titel 1"/>
+          <p:cNvPr id="2" name="Titel 1">
+            <a:extLst>
+              <a:ext uri="{FF2B5EF4-FFF2-40B4-BE49-F238E27FC236}">
+                <a16:creationId xmlns:a16="http://schemas.microsoft.com/office/drawing/2014/main" id="{F6E6A488-0D24-D841-9C35-AF79B7250E49}"/>
+              </a:ext>
+            </a:extLst>
+          </p:cNvPr>
           <p:cNvSpPr>
             <a:spLocks noGrp="1"/>
           </p:cNvSpPr>
@@ -7073,16 +8192,21 @@
           <a:lstStyle/>
           <a:p>
             <a:r>
-              <a:rPr lang="de-DE" dirty="0" smtClean="0"/>
-              <a:t>Wie sieht ein Problemlöseprozess aus?</a:t>
+              <a:rPr lang="de-DE" dirty="0"/>
+              <a:t>Modulare Anlagen</a:t>
             </a:r>
-            <a:endParaRPr lang="de-DE" dirty="0"/>
-          </a:p>
-        </p:txBody>
-      </p:sp>
-      <p:sp>
-        <p:nvSpPr>
-          <p:cNvPr id="3" name="Inhaltsplatzhalter 2"/>
+          </a:p>
+        </p:txBody>
+      </p:sp>
+      <p:sp>
+        <p:nvSpPr>
+          <p:cNvPr id="3" name="Inhaltsplatzhalter 2">
+            <a:extLst>
+              <a:ext uri="{FF2B5EF4-FFF2-40B4-BE49-F238E27FC236}">
+                <a16:creationId xmlns:a16="http://schemas.microsoft.com/office/drawing/2014/main" id="{590F4300-F78A-254B-A4D8-A18CA559C0D5}"/>
+              </a:ext>
+            </a:extLst>
+          </p:cNvPr>
           <p:cNvSpPr>
             <a:spLocks noGrp="1"/>
           </p:cNvSpPr>
@@ -7102,7 +8226,7 @@
     </p:spTree>
     <p:extLst>
       <p:ext uri="{BB962C8B-B14F-4D97-AF65-F5344CB8AC3E}">
-        <p14:creationId xmlns:p14="http://schemas.microsoft.com/office/powerpoint/2010/main" val="138072392"/>
+        <p14:creationId xmlns:p14="http://schemas.microsoft.com/office/powerpoint/2010/main" val="1612402506"/>
       </p:ext>
     </p:extLst>
   </p:cSld>
@@ -7145,10 +8269,9 @@
           <a:lstStyle/>
           <a:p>
             <a:r>
-              <a:rPr lang="de-DE" dirty="0" smtClean="0"/>
-              <a:t>Was für Informationen stellt die modulare Anlage zur Verfügung?</a:t>
+              <a:rPr lang="de-DE" dirty="0"/>
+              <a:t>Wobei kann der Mitarbeiter mit einem Assistenzsystem unterstützt werden?</a:t>
             </a:r>
-            <a:endParaRPr lang="de-DE" dirty="0"/>
           </a:p>
         </p:txBody>
       </p:sp>
@@ -7174,7 +8297,7 @@
     </p:spTree>
     <p:extLst>
       <p:ext uri="{BB962C8B-B14F-4D97-AF65-F5344CB8AC3E}">
-        <p14:creationId xmlns:p14="http://schemas.microsoft.com/office/powerpoint/2010/main" val="3337884873"/>
+        <p14:creationId xmlns:p14="http://schemas.microsoft.com/office/powerpoint/2010/main" val="1594901777"/>
       </p:ext>
     </p:extLst>
   </p:cSld>
@@ -7217,10 +8340,9 @@
           <a:lstStyle/>
           <a:p>
             <a:r>
-              <a:rPr lang="de-DE" dirty="0" smtClean="0"/>
-              <a:t>Was für Benutzergruppen gibt es?</a:t>
+              <a:rPr lang="de-DE" dirty="0"/>
+              <a:t>Wie sieht ein Problemlöseprozess aus?</a:t>
             </a:r>
-            <a:endParaRPr lang="de-DE" dirty="0"/>
           </a:p>
         </p:txBody>
       </p:sp>
@@ -7246,7 +8368,7 @@
     </p:spTree>
     <p:extLst>
       <p:ext uri="{BB962C8B-B14F-4D97-AF65-F5344CB8AC3E}">
-        <p14:creationId xmlns:p14="http://schemas.microsoft.com/office/powerpoint/2010/main" val="241283541"/>
+        <p14:creationId xmlns:p14="http://schemas.microsoft.com/office/powerpoint/2010/main" val="138072392"/>
       </p:ext>
     </p:extLst>
   </p:cSld>
@@ -7288,7 +8410,10 @@
           <a:bodyPr/>
           <a:lstStyle/>
           <a:p>
-            <a:endParaRPr lang="de-DE"/>
+            <a:r>
+              <a:rPr lang="de-DE" dirty="0"/>
+              <a:t>Was für Informationen stellt die modulare Anlage zur Verfügung?</a:t>
+            </a:r>
           </a:p>
         </p:txBody>
       </p:sp>
@@ -7314,7 +8439,7 @@
     </p:spTree>
     <p:extLst>
       <p:ext uri="{BB962C8B-B14F-4D97-AF65-F5344CB8AC3E}">
-        <p14:creationId xmlns:p14="http://schemas.microsoft.com/office/powerpoint/2010/main" val="3493721261"/>
+        <p14:creationId xmlns:p14="http://schemas.microsoft.com/office/powerpoint/2010/main" val="3337884873"/>
       </p:ext>
     </p:extLst>
   </p:cSld>
@@ -7356,7 +8481,10 @@
           <a:bodyPr/>
           <a:lstStyle/>
           <a:p>
-            <a:endParaRPr lang="de-DE"/>
+            <a:r>
+              <a:rPr lang="de-DE" dirty="0"/>
+              <a:t>Was für Benutzergruppen gibt es?</a:t>
+            </a:r>
           </a:p>
         </p:txBody>
       </p:sp>
@@ -7382,7 +8510,7 @@
     </p:spTree>
     <p:extLst>
       <p:ext uri="{BB962C8B-B14F-4D97-AF65-F5344CB8AC3E}">
-        <p14:creationId xmlns:p14="http://schemas.microsoft.com/office/powerpoint/2010/main" val="2094683200"/>
+        <p14:creationId xmlns:p14="http://schemas.microsoft.com/office/powerpoint/2010/main" val="241283541"/>
       </p:ext>
     </p:extLst>
   </p:cSld>

--- a/Dokumente/Präsentationen/2019-04-29_DA_Feldkemper_Probeverteidigung.pptx
+++ b/Dokumente/Präsentationen/2019-04-29_DA_Feldkemper_Probeverteidigung.pptx
@@ -5,46 +5,51 @@
     <p:sldMasterId id="2147483891" r:id="rId1"/>
   </p:sldMasterIdLst>
   <p:notesMasterIdLst>
-    <p:notesMasterId r:id="rId19"/>
+    <p:notesMasterId r:id="rId24"/>
   </p:notesMasterIdLst>
   <p:handoutMasterIdLst>
-    <p:handoutMasterId r:id="rId20"/>
+    <p:handoutMasterId r:id="rId25"/>
   </p:handoutMasterIdLst>
   <p:sldIdLst>
     <p:sldId id="319" r:id="rId2"/>
     <p:sldId id="333" r:id="rId3"/>
     <p:sldId id="347" r:id="rId4"/>
     <p:sldId id="334" r:id="rId5"/>
-    <p:sldId id="346" r:id="rId6"/>
+    <p:sldId id="337" r:id="rId6"/>
     <p:sldId id="336" r:id="rId7"/>
-    <p:sldId id="337" r:id="rId8"/>
-    <p:sldId id="338" r:id="rId9"/>
-    <p:sldId id="339" r:id="rId10"/>
-    <p:sldId id="345" r:id="rId11"/>
-    <p:sldId id="340" r:id="rId12"/>
-    <p:sldId id="341" r:id="rId13"/>
-    <p:sldId id="342" r:id="rId14"/>
-    <p:sldId id="335" r:id="rId15"/>
-    <p:sldId id="331" r:id="rId16"/>
-    <p:sldId id="344" r:id="rId17"/>
-    <p:sldId id="343" r:id="rId18"/>
+    <p:sldId id="338" r:id="rId8"/>
+    <p:sldId id="339" r:id="rId9"/>
+    <p:sldId id="345" r:id="rId10"/>
+    <p:sldId id="340" r:id="rId11"/>
+    <p:sldId id="341" r:id="rId12"/>
+    <p:sldId id="352" r:id="rId13"/>
+    <p:sldId id="353" r:id="rId14"/>
+    <p:sldId id="342" r:id="rId15"/>
+    <p:sldId id="351" r:id="rId16"/>
+    <p:sldId id="335" r:id="rId17"/>
+    <p:sldId id="331" r:id="rId18"/>
+    <p:sldId id="344" r:id="rId19"/>
+    <p:sldId id="343" r:id="rId20"/>
+    <p:sldId id="348" r:id="rId21"/>
+    <p:sldId id="349" r:id="rId22"/>
+    <p:sldId id="350" r:id="rId23"/>
   </p:sldIdLst>
   <p:sldSz cx="12192000" cy="6858000"/>
   <p:notesSz cx="6858000" cy="9144000"/>
   <p:embeddedFontLst>
     <p:embeddedFont>
-      <p:font typeface="Calibri" panose="020F0502020204030204" pitchFamily="34" charset="0"/>
-      <p:regular r:id="rId21"/>
-      <p:bold r:id="rId22"/>
-      <p:italic r:id="rId23"/>
-      <p:boldItalic r:id="rId24"/>
+      <p:font typeface="Open Sans" panose="020B0604020202020204" charset="0"/>
+      <p:regular r:id="rId26"/>
+      <p:bold r:id="rId27"/>
+      <p:italic r:id="rId28"/>
+      <p:boldItalic r:id="rId29"/>
     </p:embeddedFont>
     <p:embeddedFont>
-      <p:font typeface="Open Sans" panose="020B0606030504020204" pitchFamily="34" charset="0"/>
-      <p:regular r:id="rId25"/>
-      <p:bold r:id="rId26"/>
-      <p:italic r:id="rId27"/>
-      <p:boldItalic r:id="rId28"/>
+      <p:font typeface="Calibri" panose="020F0502020204030204" pitchFamily="34" charset="0"/>
+      <p:regular r:id="rId30"/>
+      <p:bold r:id="rId31"/>
+      <p:italic r:id="rId32"/>
+      <p:boldItalic r:id="rId33"/>
     </p:embeddedFont>
   </p:embeddedFontLst>
   <p:defaultTextStyle>
@@ -155,9 +160,8 @@
         </p14:section>
         <p14:section name="Stand der Technik" id="{CDD8C508-1B50-46D6-B7CC-FFB52AE2B290}">
           <p14:sldIdLst>
-            <p14:sldId id="346"/>
+            <p14:sldId id="337"/>
             <p14:sldId id="336"/>
-            <p14:sldId id="337"/>
           </p14:sldIdLst>
         </p14:section>
         <p14:section name="Analyse" id="{6368FECF-A9D6-4E2B-850A-51450B704BAA}">
@@ -171,11 +175,14 @@
           <p14:sldIdLst>
             <p14:sldId id="340"/>
             <p14:sldId id="341"/>
+            <p14:sldId id="352"/>
+            <p14:sldId id="353"/>
           </p14:sldIdLst>
         </p14:section>
         <p14:section name="Auswertung" id="{C402185C-43CD-4F2F-BA95-BFAFA12FB760}">
           <p14:sldIdLst>
             <p14:sldId id="342"/>
+            <p14:sldId id="351"/>
             <p14:sldId id="335"/>
           </p14:sldIdLst>
         </p14:section>
@@ -186,8 +193,12 @@
             <p14:sldId id="343"/>
           </p14:sldIdLst>
         </p14:section>
-        <p14:section name="Backup" id="{11E1ABF5-BE9C-4ED3-BFED-F3FA90A74AB7}">
-          <p14:sldIdLst/>
+        <p14:section name="Backup: Prototyp Bilder" id="{11E1ABF5-BE9C-4ED3-BFED-F3FA90A74AB7}">
+          <p14:sldIdLst>
+            <p14:sldId id="348"/>
+            <p14:sldId id="349"/>
+            <p14:sldId id="350"/>
+          </p14:sldIdLst>
         </p14:section>
       </p14:sectionLst>
     </p:ext>
@@ -292,7 +303,7 @@
           <a:p>
             <a:fld id="{C6AC6211-610F-44E5-BF19-D3CDF6EDD281}" type="datetimeFigureOut">
               <a:rPr lang="de-DE" smtClean="0"/>
-              <a:t>30.03.19</a:t>
+              <a:t>03.04.2019</a:t>
             </a:fld>
             <a:endParaRPr lang="de-DE"/>
           </a:p>
@@ -400,6 +411,60 @@
     </inkml:brush>
   </inkml:definitions>
   <inkml:trace contextRef="#ctx0" brushRef="#br0">1 0 24575,'8'0'0,"3"0"0,-3 0 0,-1 0 0,-2 0 0</inkml:trace>
+</inkml:ink>
+</file>
+
+<file path=ppt/ink/ink10.xml><?xml version="1.0" encoding="utf-8"?>
+<inkml:ink xmlns:inkml="http://www.w3.org/2003/InkML">
+  <inkml:definitions>
+    <inkml:context xml:id="ctx0">
+      <inkml:inkSource xml:id="inkSrc0">
+        <inkml:traceFormat>
+          <inkml:channel name="X" type="integer" min="-2.14748E9" max="2.14748E9" units="cm"/>
+          <inkml:channel name="Y" type="integer" min="-2.14748E9" max="2.14748E9" units="cm"/>
+          <inkml:channel name="F" type="integer" max="32767" units="dev"/>
+        </inkml:traceFormat>
+        <inkml:channelProperties>
+          <inkml:channelProperty channel="X" name="resolution" value="1000" units="1/cm"/>
+          <inkml:channelProperty channel="Y" name="resolution" value="1000" units="1/cm"/>
+          <inkml:channelProperty channel="F" name="resolution" value="0" units="1/dev"/>
+        </inkml:channelProperties>
+      </inkml:inkSource>
+      <inkml:timestamp xml:id="ts0" timeString="2019-04-03T08:47:48.662"/>
+    </inkml:context>
+    <inkml:brush xml:id="br0">
+      <inkml:brushProperty name="width" value="0.05" units="cm"/>
+      <inkml:brushProperty name="height" value="0.05" units="cm"/>
+    </inkml:brush>
+  </inkml:definitions>
+  <inkml:trace contextRef="#ctx0" brushRef="#br0">58 0 24575,'-20'0'0,"4"4"0,7 1 0,5 3 0,0-3 0,3 2 0,-2-2 0,3 3 0,0 0 0,0 0 0,0 0 0,0 0 0,0 0 0,0 0 0,0 1 0,0-1 0,0 0 0,3-3 0,2-1 0,3-4 0,0 0 0,2-4 0,-6-1 0,4 0 0,-4 2 0,1-1 0,2 3 0,-6-6 0,6 6 0,-6-7 0,3 4 0,0-1 0,-3-3 0,2 4 0,-3-4 0,0 0 0,0 0 0,-3 3 0,-2 1 0,-4 4 0,5-3 0,-4 2 0,4-3 0,-1 8 0,1-4 0,4 4 0</inkml:trace>
+</inkml:ink>
+</file>
+
+<file path=ppt/ink/ink11.xml><?xml version="1.0" encoding="utf-8"?>
+<inkml:ink xmlns:inkml="http://www.w3.org/2003/InkML">
+  <inkml:definitions>
+    <inkml:context xml:id="ctx0">
+      <inkml:inkSource xml:id="inkSrc0">
+        <inkml:traceFormat>
+          <inkml:channel name="X" type="integer" min="-2.14748E9" max="2.14748E9" units="cm"/>
+          <inkml:channel name="Y" type="integer" min="-2.14748E9" max="2.14748E9" units="cm"/>
+          <inkml:channel name="F" type="integer" max="32767" units="dev"/>
+        </inkml:traceFormat>
+        <inkml:channelProperties>
+          <inkml:channelProperty channel="X" name="resolution" value="1000" units="1/cm"/>
+          <inkml:channelProperty channel="Y" name="resolution" value="1000" units="1/cm"/>
+          <inkml:channelProperty channel="F" name="resolution" value="0" units="1/dev"/>
+        </inkml:channelProperties>
+      </inkml:inkSource>
+      <inkml:timestamp xml:id="ts0" timeString="2019-04-03T08:47:48.663"/>
+    </inkml:context>
+    <inkml:brush xml:id="br0">
+      <inkml:brushProperty name="width" value="0.05" units="cm"/>
+      <inkml:brushProperty name="height" value="0.05" units="cm"/>
+    </inkml:brush>
+  </inkml:definitions>
+  <inkml:trace contextRef="#ctx0" brushRef="#br0">1 44 24575,'14'0'0,"0"0"0,-6 0 0,0 0 0,0 0 0,1 0 0,4 0 0,2 0 0,4 0 0,-4 0 0,3 0 0,-8 0 0,3 0 0,1 0 0,-5 0 0,10 0 0,-10 0 0,5 0 0,-1 0 0,-4 0 0,5 0 0,-6 0 0,0 0 0,6 0 0,-5 0 0,5 4 0,-6-3 0,0 3 0,6-4 0,-5 0 0,4 0 0,-4 0 0,4 0 0,-3 0 0,8 0 0,-3 0 0,-1 0 0,5 0 0,-5 0 0,6 0 0,-5 0 0,3 0 0,-8 0 0,8 0 0,-8 0 0,3 0 0,-5 0 0,1 0 0,-1 0 0,0 0 0,0-4 0,1-1 0,-1 1 0,0-4 0,1 7 0,-1-6 0,0 6 0,5-7 0,-3 7 0,3-4 0,-4 5 0,-1 0 0,0 0 0,0 0 0,1 0 0,-1 0 0,0 0 0,-3-4 0,2 3 0,-2-2 0,3 3 0,0 0 0,1 0 0,-5 0 0,0 0 0</inkml:trace>
 </inkml:ink>
 </file>
 
@@ -572,6 +637,63 @@
 </inkml:ink>
 </file>
 
+<file path=ppt/ink/ink8.xml><?xml version="1.0" encoding="utf-8"?>
+<inkml:ink xmlns:inkml="http://www.w3.org/2003/InkML">
+  <inkml:definitions>
+    <inkml:context xml:id="ctx0">
+      <inkml:inkSource xml:id="inkSrc0">
+        <inkml:traceFormat>
+          <inkml:channel name="X" type="integer" min="-2.14748E9" max="2.14748E9" units="cm"/>
+          <inkml:channel name="Y" type="integer" min="-2.14748E9" max="2.14748E9" units="cm"/>
+          <inkml:channel name="F" type="integer" max="32767" units="dev"/>
+        </inkml:traceFormat>
+        <inkml:channelProperties>
+          <inkml:channelProperty channel="X" name="resolution" value="1000" units="1/cm"/>
+          <inkml:channelProperty channel="Y" name="resolution" value="1000" units="1/cm"/>
+          <inkml:channelProperty channel="F" name="resolution" value="0" units="1/dev"/>
+        </inkml:channelProperties>
+      </inkml:inkSource>
+      <inkml:timestamp xml:id="ts0" timeString="2019-04-03T08:47:48.657"/>
+    </inkml:context>
+    <inkml:brush xml:id="br0">
+      <inkml:brushProperty name="width" value="0.05" units="cm"/>
+      <inkml:brushProperty name="height" value="0.05" units="cm"/>
+    </inkml:brush>
+  </inkml:definitions>
+  <inkml:trace contextRef="#ctx0" brushRef="#br0">1947 481 24575,'4'21'0,"4"0"0,-7 5 0,6 0 0,-6 0 0,8 17 0,-8-8 0,13 25 0,-7-15 0,14 47 0,-4-28 0,-8-14 0,1-1 0,5 16 0,-4 4 0,-1-12 0,0-1 0,0-1 0,-1-9 0,1-3 0,-5-7 0,3 8 0,-6-4 0,2 14 0,-4-16 0,0 16 0,0-14 0,0 4 0,0-13 0,0-5 0,0 5 0,0 1 0,0 16 0,0-13 0,-5 24 0,4-18 0,-3 20 0,4-10 0,0-1 0,-5 33 0,-1-25 0,-4 28 0,5-36 0,-4-2 0,3-4 0,-4 5 0,-6 28 0,3-1 0,-4 12 0,6-5 0,-5-5 0,4-11 0,-4-3 0,6-16 0,-4-4 0,4-9 0,-8 5 0,8-12 0,-9 20 0,5-8 0,-2 9 0,-17 35 0,19-35 0,-24 36 0,17-46 0,1-6 0,-7 0 0,8-6 0,-10 6 0,0 1 0,5-5 0,-3 3 0,-3 8 0,-5-7 0,-3 18 0,0-21 0,8 4 0,-3-6 0,5 0 0,-5 0 0,4-4 0,-2 5 0,9-6 0,2-2 0,7 3 0,-3-11 0,7 12 0,-7-3 0,6-1 0,-6 4 0,7-3 0,-8 4 0,4 0 0,-1 5 0,-3-4 0,8-1 0,-4-1 0,1-8 0,3 8 0,-3-8 0,4 0 0,3-2 0,2-7 0,0 7 0,-1-7 0,0 6 0,-3-5 0,2 10 0,-3-5 0,0 6 0,3-8 0,-6 8 0,6-7 0,-7 4 0,4-2 0,-4-3 0,7 4 0,-6-4 0,7 3 0,-4-7 0,4 4 0,-3-5 0,6 0 0,-5 1 0,5-1 0,-2 0 0,-1 1 0,3-1 0,-2 0 0,3 1 0,0-1 0,-3 0 0,2 1 0,-6 3 0,6-3 0,-2 3 0,3-3 0,0-1 0,0 0 0,0 1 0,0-4 0,0-1 0</inkml:trace>
+  <inkml:trace contextRef="#ctx0" brushRef="#br0" timeOffset="1">2158 2004 24575,'7'0'0,"1"0"0,3-4 0,12-10 0,-5 4 0,13-12 0,-4 12 0,10-3 0,2 8 0,3-8 0,21 11 0,-8-11 0,15 12 0,-14-8 0,6 2 0,-15 2 0,3 0 0,-19 1 0,-9 3 0,-6-3 0,-5 4 0,-3 0 0,-1 0 0,4 0 0,1 0 0,4 0 0,1 0 0,13-4 0,-5-1 0,11-1 0,-10-1 0,10 1 0,-12-2 0,12-5 0,-23 4 0,3-7 0,-5 7 0,-2-6 0,6 2 0,-6 1 0,6 0 0,-3 1 0,9-2 0,-8-3 0,11 2 0,-10-1 0,17-4 0,-13 1 0,9-4 0,-11 6 0,5-1 0,0 0 0,-3 0 0,2 4 0,-8-2 0,0 6 0,8-7 0,-2 4 0,0-5 0,1 0 0,-6 4 0,8-7 0,-8 10 0,8-11 0,-13 13 0,7-7 0,-6 3 0,2 3 0,0-2 0,9 3 0,-2-1 0,9-4 0,-10 2 0,4 5 0,-5-5 0,4 3 0,-6-1 0,1 0 0,-3 2 0,-4 6 0,3-6 0,-4 7 0,-3-7 0,3 6 0,-3-2 0,0 3 0,-1 0 0</inkml:trace>
+  <inkml:trace contextRef="#ctx0" brushRef="#br0" timeOffset="2">2123 2106 24575,'-40'-28'0,"-8"-6"0,15 2 0,-14-6 0,-22-24 0,14 22 0,-11-10 0,21 16 0,-18-10 0,14 7 0,-11-6 0,17 18 0,10 6 0,6 2 0,7 8 0,-1 1 0,8 1 0,-3 6 0,8-5 0,-3 5 0,3-6 0,-12 6 0,11-5 0,-11 1 0,3 1 0,0 0 0,-4 4 0,-4 0 0,6 0 0,-11 4 0,9 1 0,-5 0 0,0 3 0,-1-7 0,-9 2 0,7-3 0,-7 0 0,14 0 0,-8-4 0,12 0 0,-12-5 0,16 1 0,-15-5 0,15 4 0,-16-4 0,12 1 0,-2 3 0,-1-3 0,0 3 0,-6-8 0,5 10 0,-4-13 0,4 10 0,-14-13 0,7 8 0,-7-7 0,9 9 0,-9-10 0,7 4 0,-12-4 0,-4-8 0,10 10 0,-9-9 0,8 7 0,6 0 0,-2 3 0,11-1 0,0 8 0,7-3 0,-5 2 0,10 6 0,-3-2 0,5 4 0,-1-2 0,1 2 0,3 2 0,-3 0 0,6-3 0,-2 3 0,-1-4 0,4 1 0,-4-1 0,1 1 0,2 3 0,-2 1 0</inkml:trace>
+  <inkml:trace contextRef="#ctx0" brushRef="#br0" timeOffset="3">2132 2626 24575,'0'7'0,"0"4"0,0-2 0,0 2 0,0 0 0,-3 6 0,2 0 0,-3 8 0,0-8 0,3 13 0,-2-12 0,-1 8 0,3-6 0,-3 2 0,4-1 0,0 0 0,0-9 0,0-1 0,0-4 0,0 5 0,0 0 0,0 0 0,0 3 0,0-3 0,0 9 0,0 0 0,4 5 0,1-4 0,4 13 0,-1-11 0,-2 13 0,5-11 0,-5 0 0,2-5 0,0 0 0,-3 4 0,3-7 0,-3 12 0,2-13 0,2 8 0,-4-3 0,6-1 0,-6 0 0,3-1 0,4 9 0,-2-1 0,5 1 0,-5-4 0,5-8 0,-5 12 0,5-10 0,-6 6 0,3-4 0,5 1 0,-10-4 0,9 7 0,-8-12 0,6 17 0,-1-12 0,0 12 0,-2-13 0,3 13 0,3-7 0,1 8 0,-1 2 0,0-10 0,-4 9 0,3-5 0,-7-4 0,4 2 0,-5-9 0,4 0 0,-3 0 0,-1 0 0,-1 0 0,1 0 0,1 0 0,3 5 0,-4-4 0,0 8 0,4-8 0,-2 8 0,5-3 0,-6-5 0,7 10 0,-4-13 0,1 14 0,-2-15 0,1 6 0,-3-7 0,2 5 0,-3-1 0,0 0 0,1 4 0,-2-10 0,2 9 0,-2-14 0,1 10 0,-1-7 0,-2 3 0,6 5 0,-6-3 0,7 12 0,-3-8 0,3 8 0,1-3 0,1 4 0,1-5 0,3 16 0,-1-16 0,0 11 0,-5-16 0,-5-4 0,1 3 0,0 2 0,0-4 0,0 3 0,-1-9 0,1 9 0,0-7 0,0 7 0,-1-9 0,1 4 0,-4-2 0,3 2 0,-3-4 0,0 1 0,-1-1 0,0 0 0,1 1 0,4-1 0,-1-3 0,-3 6 0,3-5 0,-3 7 0,0-5 0,2 0 0,-5 1 0,5-1 0,-5 0 0,6 1 0,-6-1 0,5 0 0,-5 1 0,2-1 0,0 0 0,-2 0 0,6 1 0,-6-1 0,2 0 0,-3 1 0,0-1 0,0-3 0,0-1 0</inkml:trace>
+</inkml:ink>
+</file>
+
+<file path=ppt/ink/ink9.xml><?xml version="1.0" encoding="utf-8"?>
+<inkml:ink xmlns:inkml="http://www.w3.org/2003/InkML">
+  <inkml:definitions>
+    <inkml:context xml:id="ctx0">
+      <inkml:inkSource xml:id="inkSrc0">
+        <inkml:traceFormat>
+          <inkml:channel name="X" type="integer" min="-2.14748E9" max="2.14748E9" units="cm"/>
+          <inkml:channel name="Y" type="integer" min="-2.14748E9" max="2.14748E9" units="cm"/>
+          <inkml:channel name="F" type="integer" max="32767" units="dev"/>
+        </inkml:traceFormat>
+        <inkml:channelProperties>
+          <inkml:channelProperty channel="X" name="resolution" value="1000" units="1/cm"/>
+          <inkml:channelProperty channel="Y" name="resolution" value="1000" units="1/cm"/>
+          <inkml:channelProperty channel="F" name="resolution" value="0" units="1/dev"/>
+        </inkml:channelProperties>
+      </inkml:inkSource>
+      <inkml:timestamp xml:id="ts0" timeString="2019-04-03T08:47:48.661"/>
+    </inkml:context>
+    <inkml:brush xml:id="br0">
+      <inkml:brushProperty name="width" value="0.05" units="cm"/>
+      <inkml:brushProperty name="height" value="0.05" units="cm"/>
+    </inkml:brush>
+  </inkml:definitions>
+  <inkml:trace contextRef="#ctx0" brushRef="#br0">18 35 24575,'-9'0'0,"5"4"0,0 0 0,4 5 0,0-1 0,0 0 0,0 0 0,0 1 0,0-1 0,0 0 0,4-3 0,-3 2 0,2-2 0,1-1 0,-3 4 0,6-7 0,-2 2 0,3-3 0,0 0 0,-3-4 0,-1 0 0,-4-5 0,0 1 0,0 0 0,0-1 0,0 1 0,0 0 0,0-1 0,0 1 0,0-1 0,0 1 0,0 0 0,0-1 0,0 1 0,0-1 0,0 5 0,0 0 0</inkml:trace>
+</inkml:ink>
+</file>
+
 <file path=ppt/notesMasters/notesMaster1.xml><?xml version="1.0" encoding="utf-8"?>
 <p:notesMaster xmlns:a="http://schemas.openxmlformats.org/drawingml/2006/main" xmlns:r="http://schemas.openxmlformats.org/officeDocument/2006/relationships" xmlns:p="http://schemas.openxmlformats.org/presentationml/2006/main">
   <p:cSld>
@@ -654,7 +776,7 @@
           <a:p>
             <a:fld id="{347435D3-23A6-45D3-8DFA-7317DC1E7A64}" type="datetimeFigureOut">
               <a:rPr lang="de-DE" smtClean="0"/>
-              <a:t>30.03.19</a:t>
+              <a:t>03.04.2019</a:t>
             </a:fld>
             <a:endParaRPr lang="de-DE"/>
           </a:p>
@@ -1051,12 +1173,49 @@
           <a:lstStyle/>
           <a:p>
             <a:r>
-              <a:rPr lang="de-DE" dirty="0" err="1"/>
-              <a:t>Use</a:t>
+              <a:rPr lang="de-DE" dirty="0" smtClean="0"/>
+              <a:t>Wie kann dem Nutzer geholfen werden?</a:t>
+            </a:r>
+          </a:p>
+          <a:p>
+            <a:pPr marL="171450" indent="-171450">
+              <a:buFontTx/>
+              <a:buChar char="-"/>
+            </a:pPr>
+            <a:r>
+              <a:rPr lang="de-DE" dirty="0" smtClean="0"/>
+              <a:t>Wie</a:t>
             </a:r>
             <a:r>
-              <a:rPr lang="de-DE" baseline="0" dirty="0"/>
-              <a:t> Case: Ideen?</a:t>
+              <a:rPr lang="de-DE" baseline="0" dirty="0" smtClean="0"/>
+              <a:t> sieht ein Problemlöseprozess aus? Was für Merkmale haben (komplexe) Probleme?</a:t>
+            </a:r>
+          </a:p>
+          <a:p>
+            <a:pPr marL="171450" indent="-171450">
+              <a:buFontTx/>
+              <a:buChar char="-"/>
+            </a:pPr>
+            <a:r>
+              <a:rPr lang="de-DE" baseline="0" dirty="0" smtClean="0"/>
+              <a:t>Was (welche Aufgaben) kann man unterstützen?</a:t>
+            </a:r>
+          </a:p>
+          <a:p>
+            <a:pPr marL="171450" indent="-171450">
+              <a:buFontTx/>
+              <a:buChar char="-"/>
+            </a:pPr>
+            <a:endParaRPr lang="de-DE" baseline="0" dirty="0" smtClean="0"/>
+          </a:p>
+          <a:p>
+            <a:pPr marL="0" indent="0">
+              <a:buFontTx/>
+              <a:buNone/>
+            </a:pPr>
+            <a:r>
+              <a:rPr lang="de-DE" baseline="0" dirty="0" smtClean="0"/>
+              <a:t>Was will und sollte der Nutzer wissen?</a:t>
             </a:r>
             <a:endParaRPr lang="de-DE" dirty="0"/>
           </a:p>
@@ -1069,7 +1228,7 @@
             <a:spLocks noGrp="1"/>
           </p:cNvSpPr>
           <p:nvPr>
-            <p:ph type="sldNum" sz="quarter" idx="5"/>
+            <p:ph type="sldNum" sz="quarter" idx="10"/>
           </p:nvPr>
         </p:nvSpPr>
         <p:spPr/>
@@ -1079,7 +1238,7 @@
           <a:p>
             <a:fld id="{2969AC09-DF60-43F4-96BF-67D4D9A74094}" type="slidenum">
               <a:rPr lang="de-DE" smtClean="0"/>
-              <a:t>15</a:t>
+              <a:t>4</a:t>
             </a:fld>
             <a:endParaRPr lang="de-DE"/>
           </a:p>
@@ -1088,7 +1247,7 @@
     </p:spTree>
     <p:extLst>
       <p:ext uri="{BB962C8B-B14F-4D97-AF65-F5344CB8AC3E}">
-        <p14:creationId xmlns:p14="http://schemas.microsoft.com/office/powerpoint/2010/main" val="594324531"/>
+        <p14:creationId xmlns:p14="http://schemas.microsoft.com/office/powerpoint/2010/main" val="2159974916"/>
       </p:ext>
     </p:extLst>
   </p:cSld>
@@ -1142,6 +1301,102 @@
           <a:bodyPr/>
           <a:lstStyle/>
           <a:p>
+            <a:r>
+              <a:rPr lang="de-DE" dirty="0" smtClean="0"/>
+              <a:t>Betrachtung der verschiedenen Unternehmensbereiche</a:t>
+            </a:r>
+            <a:endParaRPr lang="de-DE" dirty="0"/>
+          </a:p>
+        </p:txBody>
+      </p:sp>
+      <p:sp>
+        <p:nvSpPr>
+          <p:cNvPr id="4" name="Foliennummernplatzhalter 3"/>
+          <p:cNvSpPr>
+            <a:spLocks noGrp="1"/>
+          </p:cNvSpPr>
+          <p:nvPr>
+            <p:ph type="sldNum" sz="quarter" idx="10"/>
+          </p:nvPr>
+        </p:nvSpPr>
+        <p:spPr/>
+        <p:txBody>
+          <a:bodyPr/>
+          <a:lstStyle/>
+          <a:p>
+            <a:fld id="{2969AC09-DF60-43F4-96BF-67D4D9A74094}" type="slidenum">
+              <a:rPr lang="de-DE" smtClean="0"/>
+              <a:t>8</a:t>
+            </a:fld>
+            <a:endParaRPr lang="de-DE"/>
+          </a:p>
+        </p:txBody>
+      </p:sp>
+    </p:spTree>
+    <p:extLst>
+      <p:ext uri="{BB962C8B-B14F-4D97-AF65-F5344CB8AC3E}">
+        <p14:creationId xmlns:p14="http://schemas.microsoft.com/office/powerpoint/2010/main" val="1920900604"/>
+      </p:ext>
+    </p:extLst>
+  </p:cSld>
+  <p:clrMapOvr>
+    <a:masterClrMapping/>
+  </p:clrMapOvr>
+</p:notes>
+</file>
+
+<file path=ppt/notesSlides/notesSlide4.xml><?xml version="1.0" encoding="utf-8"?>
+<p:notes xmlns:a="http://schemas.openxmlformats.org/drawingml/2006/main" xmlns:r="http://schemas.openxmlformats.org/officeDocument/2006/relationships" xmlns:p="http://schemas.openxmlformats.org/presentationml/2006/main">
+  <p:cSld>
+    <p:spTree>
+      <p:nvGrpSpPr>
+        <p:cNvPr id="1" name=""/>
+        <p:cNvGrpSpPr/>
+        <p:nvPr/>
+      </p:nvGrpSpPr>
+      <p:grpSpPr>
+        <a:xfrm>
+          <a:off x="0" y="0"/>
+          <a:ext cx="0" cy="0"/>
+          <a:chOff x="0" y="0"/>
+          <a:chExt cx="0" cy="0"/>
+        </a:xfrm>
+      </p:grpSpPr>
+      <p:sp>
+        <p:nvSpPr>
+          <p:cNvPr id="2" name="Folienbildplatzhalter 1"/>
+          <p:cNvSpPr>
+            <a:spLocks noGrp="1" noRot="1" noChangeAspect="1"/>
+          </p:cNvSpPr>
+          <p:nvPr>
+            <p:ph type="sldImg"/>
+          </p:nvPr>
+        </p:nvSpPr>
+        <p:spPr/>
+      </p:sp>
+      <p:sp>
+        <p:nvSpPr>
+          <p:cNvPr id="3" name="Notizenplatzhalter 2"/>
+          <p:cNvSpPr>
+            <a:spLocks noGrp="1"/>
+          </p:cNvSpPr>
+          <p:nvPr>
+            <p:ph type="body" idx="1"/>
+          </p:nvPr>
+        </p:nvSpPr>
+        <p:spPr/>
+        <p:txBody>
+          <a:bodyPr/>
+          <a:lstStyle/>
+          <a:p>
+            <a:r>
+              <a:rPr lang="de-DE" dirty="0" err="1"/>
+              <a:t>Use</a:t>
+            </a:r>
+            <a:r>
+              <a:rPr lang="de-DE" baseline="0" dirty="0"/>
+              <a:t> Case: Ideen?</a:t>
+            </a:r>
             <a:endParaRPr lang="de-DE" dirty="0"/>
           </a:p>
         </p:txBody>
@@ -1164,6 +1419,90 @@
             <a:fld id="{2969AC09-DF60-43F4-96BF-67D4D9A74094}" type="slidenum">
               <a:rPr lang="de-DE" smtClean="0"/>
               <a:t>17</a:t>
+            </a:fld>
+            <a:endParaRPr lang="de-DE"/>
+          </a:p>
+        </p:txBody>
+      </p:sp>
+    </p:spTree>
+    <p:extLst>
+      <p:ext uri="{BB962C8B-B14F-4D97-AF65-F5344CB8AC3E}">
+        <p14:creationId xmlns:p14="http://schemas.microsoft.com/office/powerpoint/2010/main" val="594324531"/>
+      </p:ext>
+    </p:extLst>
+  </p:cSld>
+  <p:clrMapOvr>
+    <a:masterClrMapping/>
+  </p:clrMapOvr>
+</p:notes>
+</file>
+
+<file path=ppt/notesSlides/notesSlide5.xml><?xml version="1.0" encoding="utf-8"?>
+<p:notes xmlns:a="http://schemas.openxmlformats.org/drawingml/2006/main" xmlns:r="http://schemas.openxmlformats.org/officeDocument/2006/relationships" xmlns:p="http://schemas.openxmlformats.org/presentationml/2006/main">
+  <p:cSld>
+    <p:spTree>
+      <p:nvGrpSpPr>
+        <p:cNvPr id="1" name=""/>
+        <p:cNvGrpSpPr/>
+        <p:nvPr/>
+      </p:nvGrpSpPr>
+      <p:grpSpPr>
+        <a:xfrm>
+          <a:off x="0" y="0"/>
+          <a:ext cx="0" cy="0"/>
+          <a:chOff x="0" y="0"/>
+          <a:chExt cx="0" cy="0"/>
+        </a:xfrm>
+      </p:grpSpPr>
+      <p:sp>
+        <p:nvSpPr>
+          <p:cNvPr id="2" name="Folienbildplatzhalter 1"/>
+          <p:cNvSpPr>
+            <a:spLocks noGrp="1" noRot="1" noChangeAspect="1"/>
+          </p:cNvSpPr>
+          <p:nvPr>
+            <p:ph type="sldImg"/>
+          </p:nvPr>
+        </p:nvSpPr>
+        <p:spPr/>
+      </p:sp>
+      <p:sp>
+        <p:nvSpPr>
+          <p:cNvPr id="3" name="Notizenplatzhalter 2"/>
+          <p:cNvSpPr>
+            <a:spLocks noGrp="1"/>
+          </p:cNvSpPr>
+          <p:nvPr>
+            <p:ph type="body" idx="1"/>
+          </p:nvPr>
+        </p:nvSpPr>
+        <p:spPr/>
+        <p:txBody>
+          <a:bodyPr/>
+          <a:lstStyle/>
+          <a:p>
+            <a:endParaRPr lang="de-DE" dirty="0"/>
+          </a:p>
+        </p:txBody>
+      </p:sp>
+      <p:sp>
+        <p:nvSpPr>
+          <p:cNvPr id="4" name="Foliennummernplatzhalter 3"/>
+          <p:cNvSpPr>
+            <a:spLocks noGrp="1"/>
+          </p:cNvSpPr>
+          <p:nvPr>
+            <p:ph type="sldNum" sz="quarter" idx="5"/>
+          </p:nvPr>
+        </p:nvSpPr>
+        <p:spPr/>
+        <p:txBody>
+          <a:bodyPr/>
+          <a:lstStyle/>
+          <a:p>
+            <a:fld id="{2969AC09-DF60-43F4-96BF-67D4D9A74094}" type="slidenum">
+              <a:rPr lang="de-DE" smtClean="0"/>
+              <a:t>19</a:t>
             </a:fld>
             <a:endParaRPr lang="de-DE"/>
           </a:p>
@@ -1204,7 +1543,7 @@
           <p:cNvPr id="15" name="Rechteck 14">
             <a:extLst>
               <a:ext uri="{FF2B5EF4-FFF2-40B4-BE49-F238E27FC236}">
-                <a16:creationId xmlns:a16="http://schemas.microsoft.com/office/drawing/2014/main" id="{F770C3AA-244C-A141-BC22-D074823F4293}"/>
+                <a16:creationId xmlns:a16="http://schemas.microsoft.com/office/drawing/2014/main" xmlns="" id="{F770C3AA-244C-A141-BC22-D074823F4293}"/>
               </a:ext>
             </a:extLst>
           </p:cNvPr>
@@ -1444,7 +1783,7 @@
           <p:cNvPr id="5" name="Grafik 4">
             <a:extLst>
               <a:ext uri="{FF2B5EF4-FFF2-40B4-BE49-F238E27FC236}">
-                <a16:creationId xmlns:a16="http://schemas.microsoft.com/office/drawing/2014/main" id="{C0F785FA-BB6E-6347-A8C6-9846216D4CBB}"/>
+                <a16:creationId xmlns:a16="http://schemas.microsoft.com/office/drawing/2014/main" xmlns="" id="{C0F785FA-BB6E-6347-A8C6-9846216D4CBB}"/>
               </a:ext>
             </a:extLst>
           </p:cNvPr>
@@ -1633,7 +1972,7 @@
           <p:cNvPr id="12" name="Grafik 11" hidden="1">
             <a:extLst>
               <a:ext uri="{FF2B5EF4-FFF2-40B4-BE49-F238E27FC236}">
-                <a16:creationId xmlns:a16="http://schemas.microsoft.com/office/drawing/2014/main" id="{CFC0D4A5-64CF-6D49-98B1-9FF6119E60EC}"/>
+                <a16:creationId xmlns:a16="http://schemas.microsoft.com/office/drawing/2014/main" xmlns="" id="{CFC0D4A5-64CF-6D49-98B1-9FF6119E60EC}"/>
               </a:ext>
             </a:extLst>
           </p:cNvPr>
@@ -1663,7 +2002,7 @@
           <p:cNvPr id="17" name="Grafik 16">
             <a:extLst>
               <a:ext uri="{FF2B5EF4-FFF2-40B4-BE49-F238E27FC236}">
-                <a16:creationId xmlns:a16="http://schemas.microsoft.com/office/drawing/2014/main" id="{22ECE872-F4EF-2A49-BA96-6065BC99D769}"/>
+                <a16:creationId xmlns:a16="http://schemas.microsoft.com/office/drawing/2014/main" xmlns="" id="{22ECE872-F4EF-2A49-BA96-6065BC99D769}"/>
               </a:ext>
             </a:extLst>
           </p:cNvPr>
@@ -1933,7 +2272,7 @@
           <p:cNvPr id="24" name="Bildplatzhalter 23">
             <a:extLst>
               <a:ext uri="{FF2B5EF4-FFF2-40B4-BE49-F238E27FC236}">
-                <a16:creationId xmlns:a16="http://schemas.microsoft.com/office/drawing/2014/main" id="{24A56C48-CA8D-D349-89CC-35C3A65DC4D5}"/>
+                <a16:creationId xmlns:a16="http://schemas.microsoft.com/office/drawing/2014/main" xmlns="" id="{24A56C48-CA8D-D349-89CC-35C3A65DC4D5}"/>
               </a:ext>
             </a:extLst>
           </p:cNvPr>
@@ -2247,7 +2586,7 @@
           <p:cNvPr id="6" name="Textplatzhalter 5">
             <a:extLst>
               <a:ext uri="{FF2B5EF4-FFF2-40B4-BE49-F238E27FC236}">
-                <a16:creationId xmlns:a16="http://schemas.microsoft.com/office/drawing/2014/main" id="{2E77FCEF-52F5-324B-A583-005ABCE0E622}"/>
+                <a16:creationId xmlns:a16="http://schemas.microsoft.com/office/drawing/2014/main" xmlns="" id="{2E77FCEF-52F5-324B-A583-005ABCE0E622}"/>
               </a:ext>
             </a:extLst>
           </p:cNvPr>
@@ -2285,7 +2624,7 @@
           <p:cNvPr id="13" name="Grafik 12">
             <a:extLst>
               <a:ext uri="{FF2B5EF4-FFF2-40B4-BE49-F238E27FC236}">
-                <a16:creationId xmlns:a16="http://schemas.microsoft.com/office/drawing/2014/main" id="{F84F96E3-FAED-E24A-9E01-BBA4824F0E34}"/>
+                <a16:creationId xmlns:a16="http://schemas.microsoft.com/office/drawing/2014/main" xmlns="" id="{F84F96E3-FAED-E24A-9E01-BBA4824F0E34}"/>
               </a:ext>
             </a:extLst>
           </p:cNvPr>
@@ -2456,7 +2795,7 @@
           <p:cNvPr id="6" name="Rechteck 5">
             <a:extLst>
               <a:ext uri="{FF2B5EF4-FFF2-40B4-BE49-F238E27FC236}">
-                <a16:creationId xmlns:a16="http://schemas.microsoft.com/office/drawing/2014/main" id="{2447D286-D9F9-E84F-9173-2C8D2D2068E1}"/>
+                <a16:creationId xmlns:a16="http://schemas.microsoft.com/office/drawing/2014/main" xmlns="" id="{2447D286-D9F9-E84F-9173-2C8D2D2068E1}"/>
               </a:ext>
             </a:extLst>
           </p:cNvPr>
@@ -2523,7 +2862,7 @@
           <p:cNvPr id="10" name="Grafik 9">
             <a:extLst>
               <a:ext uri="{FF2B5EF4-FFF2-40B4-BE49-F238E27FC236}">
-                <a16:creationId xmlns:a16="http://schemas.microsoft.com/office/drawing/2014/main" id="{E4DBCC79-CA26-C240-B119-9127A62CDBA8}"/>
+                <a16:creationId xmlns:a16="http://schemas.microsoft.com/office/drawing/2014/main" xmlns="" id="{E4DBCC79-CA26-C240-B119-9127A62CDBA8}"/>
               </a:ext>
             </a:extLst>
           </p:cNvPr>
@@ -2625,7 +2964,7 @@
           <p:cNvPr id="5" name="Rechteck 4">
             <a:extLst>
               <a:ext uri="{FF2B5EF4-FFF2-40B4-BE49-F238E27FC236}">
-                <a16:creationId xmlns:a16="http://schemas.microsoft.com/office/drawing/2014/main" id="{FD770378-5F2D-DE46-8D66-09007E946AD3}"/>
+                <a16:creationId xmlns:a16="http://schemas.microsoft.com/office/drawing/2014/main" xmlns="" id="{FD770378-5F2D-DE46-8D66-09007E946AD3}"/>
               </a:ext>
             </a:extLst>
           </p:cNvPr>
@@ -2689,7 +3028,7 @@
           <p:cNvPr id="4" name="Grafik 3">
             <a:extLst>
               <a:ext uri="{FF2B5EF4-FFF2-40B4-BE49-F238E27FC236}">
-                <a16:creationId xmlns:a16="http://schemas.microsoft.com/office/drawing/2014/main" id="{4FE30B28-5777-FC40-9C3F-81738D289A6A}"/>
+                <a16:creationId xmlns:a16="http://schemas.microsoft.com/office/drawing/2014/main" xmlns="" id="{4FE30B28-5777-FC40-9C3F-81738D289A6A}"/>
               </a:ext>
             </a:extLst>
           </p:cNvPr>
@@ -3638,6 +3977,17 @@
               <a:tabLst/>
               <a:defRPr/>
             </a:pPr>
+            <a:r>
+              <a:rPr lang="de-DE" sz="800" dirty="0">
+                <a:solidFill>
+                  <a:schemeClr val="bg2"/>
+                </a:solidFill>
+                <a:latin typeface="Open Sans" panose="020B0606030504020204" pitchFamily="34" charset="0"/>
+                <a:ea typeface="Open Sans" panose="020B0606030504020204" pitchFamily="34" charset="0"/>
+                <a:cs typeface="Open Sans" panose="020B0606030504020204" pitchFamily="34" charset="0"/>
+              </a:rPr>
+              <a:t/>
+            </a:r>
             <a:br>
               <a:rPr lang="de-DE" sz="800" dirty="0">
                 <a:solidFill>
@@ -3801,7 +4151,7 @@
           <p:cNvPr id="13" name="Grafik 12">
             <a:extLst>
               <a:ext uri="{FF2B5EF4-FFF2-40B4-BE49-F238E27FC236}">
-                <a16:creationId xmlns:a16="http://schemas.microsoft.com/office/drawing/2014/main" id="{2DC3CACD-C7C8-274E-BCD4-043370996A48}"/>
+                <a16:creationId xmlns:a16="http://schemas.microsoft.com/office/drawing/2014/main" xmlns="" id="{2DC3CACD-C7C8-274E-BCD4-043370996A48}"/>
               </a:ext>
             </a:extLst>
           </p:cNvPr>
@@ -4470,7 +4820,7 @@
     </p:spTree>
     <p:extLst>
       <p:ext uri="{BB962C8B-B14F-4D97-AF65-F5344CB8AC3E}">
-        <p14:creationId xmlns:p14="http://schemas.microsoft.com/office/powerpoint/2010/main" val="3493721261"/>
+        <p14:creationId xmlns:p14="http://schemas.microsoft.com/office/powerpoint/2010/main" val="2094683200"/>
       </p:ext>
     </p:extLst>
   </p:cSld>
@@ -4538,7 +4888,7 @@
     </p:spTree>
     <p:extLst>
       <p:ext uri="{BB962C8B-B14F-4D97-AF65-F5344CB8AC3E}">
-        <p14:creationId xmlns:p14="http://schemas.microsoft.com/office/powerpoint/2010/main" val="2094683200"/>
+        <p14:creationId xmlns:p14="http://schemas.microsoft.com/office/powerpoint/2010/main" val="495992997"/>
       </p:ext>
     </p:extLst>
   </p:cSld>
@@ -4606,7 +4956,7 @@
     </p:spTree>
     <p:extLst>
       <p:ext uri="{BB962C8B-B14F-4D97-AF65-F5344CB8AC3E}">
-        <p14:creationId xmlns:p14="http://schemas.microsoft.com/office/powerpoint/2010/main" val="495992997"/>
+        <p14:creationId xmlns:p14="http://schemas.microsoft.com/office/powerpoint/2010/main" val="3540881122"/>
       </p:ext>
     </p:extLst>
   </p:cSld>
@@ -4674,7 +5024,7 @@
     </p:spTree>
     <p:extLst>
       <p:ext uri="{BB962C8B-B14F-4D97-AF65-F5344CB8AC3E}">
-        <p14:creationId xmlns:p14="http://schemas.microsoft.com/office/powerpoint/2010/main" val="1068502862"/>
+        <p14:creationId xmlns:p14="http://schemas.microsoft.com/office/powerpoint/2010/main" val="2286018233"/>
       </p:ext>
     </p:extLst>
   </p:cSld>
@@ -4703,10 +5053,154 @@
       </p:grpSpPr>
       <p:sp>
         <p:nvSpPr>
+          <p:cNvPr id="2" name="Titel 1"/>
+          <p:cNvSpPr>
+            <a:spLocks noGrp="1"/>
+          </p:cNvSpPr>
+          <p:nvPr>
+            <p:ph type="title"/>
+          </p:nvPr>
+        </p:nvSpPr>
+        <p:spPr/>
+        <p:txBody>
+          <a:bodyPr/>
+          <a:lstStyle/>
+          <a:p>
+            <a:r>
+              <a:rPr lang="de-DE" dirty="0" smtClean="0"/>
+              <a:t>Anforderungen</a:t>
+            </a:r>
+            <a:endParaRPr lang="de-DE" dirty="0"/>
+          </a:p>
+        </p:txBody>
+      </p:sp>
+      <p:sp>
+        <p:nvSpPr>
+          <p:cNvPr id="3" name="Inhaltsplatzhalter 2"/>
+          <p:cNvSpPr>
+            <a:spLocks noGrp="1"/>
+          </p:cNvSpPr>
+          <p:nvPr>
+            <p:ph sz="quarter" idx="10"/>
+          </p:nvPr>
+        </p:nvSpPr>
+        <p:spPr/>
+        <p:txBody>
+          <a:bodyPr/>
+          <a:lstStyle/>
+          <a:p>
+            <a:endParaRPr lang="de-DE"/>
+          </a:p>
+        </p:txBody>
+      </p:sp>
+    </p:spTree>
+    <p:extLst>
+      <p:ext uri="{BB962C8B-B14F-4D97-AF65-F5344CB8AC3E}">
+        <p14:creationId xmlns:p14="http://schemas.microsoft.com/office/powerpoint/2010/main" val="1068502862"/>
+      </p:ext>
+    </p:extLst>
+  </p:cSld>
+  <p:clrMapOvr>
+    <a:masterClrMapping/>
+  </p:clrMapOvr>
+</p:sld>
+</file>
+
+<file path=ppt/slides/slide15.xml><?xml version="1.0" encoding="utf-8"?>
+<p:sld xmlns:a="http://schemas.openxmlformats.org/drawingml/2006/main" xmlns:r="http://schemas.openxmlformats.org/officeDocument/2006/relationships" xmlns:p="http://schemas.openxmlformats.org/presentationml/2006/main">
+  <p:cSld>
+    <p:spTree>
+      <p:nvGrpSpPr>
+        <p:cNvPr id="1" name=""/>
+        <p:cNvGrpSpPr/>
+        <p:nvPr/>
+      </p:nvGrpSpPr>
+      <p:grpSpPr>
+        <a:xfrm>
+          <a:off x="0" y="0"/>
+          <a:ext cx="0" cy="0"/>
+          <a:chOff x="0" y="0"/>
+          <a:chExt cx="0" cy="0"/>
+        </a:xfrm>
+      </p:grpSpPr>
+      <p:sp>
+        <p:nvSpPr>
+          <p:cNvPr id="2" name="Titel 1"/>
+          <p:cNvSpPr>
+            <a:spLocks noGrp="1"/>
+          </p:cNvSpPr>
+          <p:nvPr>
+            <p:ph type="title"/>
+          </p:nvPr>
+        </p:nvSpPr>
+        <p:spPr/>
+        <p:txBody>
+          <a:bodyPr/>
+          <a:lstStyle/>
+          <a:p>
+            <a:r>
+              <a:rPr lang="de-DE" dirty="0" smtClean="0"/>
+              <a:t>Fragebogen</a:t>
+            </a:r>
+            <a:endParaRPr lang="de-DE" dirty="0"/>
+          </a:p>
+        </p:txBody>
+      </p:sp>
+      <p:sp>
+        <p:nvSpPr>
+          <p:cNvPr id="3" name="Inhaltsplatzhalter 2"/>
+          <p:cNvSpPr>
+            <a:spLocks noGrp="1"/>
+          </p:cNvSpPr>
+          <p:nvPr>
+            <p:ph sz="quarter" idx="10"/>
+          </p:nvPr>
+        </p:nvSpPr>
+        <p:spPr/>
+        <p:txBody>
+          <a:bodyPr/>
+          <a:lstStyle/>
+          <a:p>
+            <a:endParaRPr lang="de-DE"/>
+          </a:p>
+        </p:txBody>
+      </p:sp>
+    </p:spTree>
+    <p:extLst>
+      <p:ext uri="{BB962C8B-B14F-4D97-AF65-F5344CB8AC3E}">
+        <p14:creationId xmlns:p14="http://schemas.microsoft.com/office/powerpoint/2010/main" val="29459360"/>
+      </p:ext>
+    </p:extLst>
+  </p:cSld>
+  <p:clrMapOvr>
+    <a:masterClrMapping/>
+  </p:clrMapOvr>
+</p:sld>
+</file>
+
+<file path=ppt/slides/slide16.xml><?xml version="1.0" encoding="utf-8"?>
+<p:sld xmlns:a="http://schemas.openxmlformats.org/drawingml/2006/main" xmlns:r="http://schemas.openxmlformats.org/officeDocument/2006/relationships" xmlns:p="http://schemas.openxmlformats.org/presentationml/2006/main">
+  <p:cSld>
+    <p:spTree>
+      <p:nvGrpSpPr>
+        <p:cNvPr id="1" name=""/>
+        <p:cNvGrpSpPr/>
+        <p:nvPr/>
+      </p:nvGrpSpPr>
+      <p:grpSpPr>
+        <a:xfrm>
+          <a:off x="0" y="0"/>
+          <a:ext cx="0" cy="0"/>
+          <a:chOff x="0" y="0"/>
+          <a:chExt cx="0" cy="0"/>
+        </a:xfrm>
+      </p:grpSpPr>
+      <p:sp>
+        <p:nvSpPr>
           <p:cNvPr id="2" name="Titel 1">
             <a:extLst>
               <a:ext uri="{FF2B5EF4-FFF2-40B4-BE49-F238E27FC236}">
-                <a16:creationId xmlns:a16="http://schemas.microsoft.com/office/drawing/2014/main" id="{B1F459B3-5CC9-8141-8CBB-3D63C0BD6799}"/>
+                <a16:creationId xmlns:a16="http://schemas.microsoft.com/office/drawing/2014/main" xmlns="" id="{B1F459B3-5CC9-8141-8CBB-3D63C0BD6799}"/>
               </a:ext>
             </a:extLst>
           </p:cNvPr>
@@ -4807,7 +5301,7 @@
 </p:sld>
 </file>
 
-<file path=ppt/slides/slide15.xml><?xml version="1.0" encoding="utf-8"?>
+<file path=ppt/slides/slide17.xml><?xml version="1.0" encoding="utf-8"?>
 <p:sld xmlns:a="http://schemas.openxmlformats.org/drawingml/2006/main" xmlns:r="http://schemas.openxmlformats.org/officeDocument/2006/relationships" xmlns:p="http://schemas.openxmlformats.org/presentationml/2006/main">
   <p:cSld>
     <p:spTree>
@@ -4829,7 +5323,7 @@
           <p:cNvPr id="2" name="Titel 1">
             <a:extLst>
               <a:ext uri="{FF2B5EF4-FFF2-40B4-BE49-F238E27FC236}">
-                <a16:creationId xmlns:a16="http://schemas.microsoft.com/office/drawing/2014/main" id="{7BA8FE41-0B04-6748-9CA8-05F0AE81883B}"/>
+                <a16:creationId xmlns:a16="http://schemas.microsoft.com/office/drawing/2014/main" xmlns="" id="{7BA8FE41-0B04-6748-9CA8-05F0AE81883B}"/>
               </a:ext>
             </a:extLst>
           </p:cNvPr>
@@ -4862,7 +5356,7 @@
           <p:cNvPr id="12" name="Gruppieren 11">
             <a:extLst>
               <a:ext uri="{FF2B5EF4-FFF2-40B4-BE49-F238E27FC236}">
-                <a16:creationId xmlns:a16="http://schemas.microsoft.com/office/drawing/2014/main" id="{995F115A-CBCD-7A4D-8C0A-281259A5A3C1}"/>
+                <a16:creationId xmlns:a16="http://schemas.microsoft.com/office/drawing/2014/main" xmlns="" id="{995F115A-CBCD-7A4D-8C0A-281259A5A3C1}"/>
               </a:ext>
             </a:extLst>
           </p:cNvPr>
@@ -4882,7 +5376,7 @@
             <p:cNvPr id="4" name="Gruppieren 3">
               <a:extLst>
                 <a:ext uri="{FF2B5EF4-FFF2-40B4-BE49-F238E27FC236}">
-                  <a16:creationId xmlns:a16="http://schemas.microsoft.com/office/drawing/2014/main" id="{783A73D2-C025-644E-A194-3438D291D352}"/>
+                  <a16:creationId xmlns:a16="http://schemas.microsoft.com/office/drawing/2014/main" xmlns="" id="{783A73D2-C025-644E-A194-3438D291D352}"/>
                 </a:ext>
               </a:extLst>
             </p:cNvPr>
@@ -4902,7 +5396,7 @@
               <p:cNvPr id="5" name="Rechteck 4">
                 <a:extLst>
                   <a:ext uri="{FF2B5EF4-FFF2-40B4-BE49-F238E27FC236}">
-                    <a16:creationId xmlns:a16="http://schemas.microsoft.com/office/drawing/2014/main" id="{4F68B8E9-417E-0141-AE27-E298ED29929C}"/>
+                    <a16:creationId xmlns:a16="http://schemas.microsoft.com/office/drawing/2014/main" xmlns="" id="{4F68B8E9-417E-0141-AE27-E298ED29929C}"/>
                   </a:ext>
                 </a:extLst>
               </p:cNvPr>
@@ -4994,7 +5488,7 @@
               <p:cNvPr id="6" name="Rechteck 5">
                 <a:extLst>
                   <a:ext uri="{FF2B5EF4-FFF2-40B4-BE49-F238E27FC236}">
-                    <a16:creationId xmlns:a16="http://schemas.microsoft.com/office/drawing/2014/main" id="{B2717A64-B61E-B44C-B23D-CB509FB519CA}"/>
+                    <a16:creationId xmlns:a16="http://schemas.microsoft.com/office/drawing/2014/main" xmlns="" id="{B2717A64-B61E-B44C-B23D-CB509FB519CA}"/>
                   </a:ext>
                 </a:extLst>
               </p:cNvPr>
@@ -5053,7 +5547,7 @@
             <p:cNvPr id="7" name="Rechteck 6">
               <a:extLst>
                 <a:ext uri="{FF2B5EF4-FFF2-40B4-BE49-F238E27FC236}">
-                  <a16:creationId xmlns:a16="http://schemas.microsoft.com/office/drawing/2014/main" id="{6F92A16E-30FA-A34D-A87A-AD884881288C}"/>
+                  <a16:creationId xmlns:a16="http://schemas.microsoft.com/office/drawing/2014/main" xmlns="" id="{6F92A16E-30FA-A34D-A87A-AD884881288C}"/>
                 </a:ext>
               </a:extLst>
             </p:cNvPr>
@@ -5113,7 +5607,7 @@
           <p:cNvPr id="13" name="Gruppieren 12">
             <a:extLst>
               <a:ext uri="{FF2B5EF4-FFF2-40B4-BE49-F238E27FC236}">
-                <a16:creationId xmlns:a16="http://schemas.microsoft.com/office/drawing/2014/main" id="{214C6E04-BA76-3048-B247-843530C6F237}"/>
+                <a16:creationId xmlns:a16="http://schemas.microsoft.com/office/drawing/2014/main" xmlns="" id="{214C6E04-BA76-3048-B247-843530C6F237}"/>
               </a:ext>
             </a:extLst>
           </p:cNvPr>
@@ -5133,7 +5627,7 @@
             <p:cNvPr id="14" name="Gruppieren 13">
               <a:extLst>
                 <a:ext uri="{FF2B5EF4-FFF2-40B4-BE49-F238E27FC236}">
-                  <a16:creationId xmlns:a16="http://schemas.microsoft.com/office/drawing/2014/main" id="{CF154C31-9B1A-6844-82C6-BEC64AE64B76}"/>
+                  <a16:creationId xmlns:a16="http://schemas.microsoft.com/office/drawing/2014/main" xmlns="" id="{CF154C31-9B1A-6844-82C6-BEC64AE64B76}"/>
                 </a:ext>
               </a:extLst>
             </p:cNvPr>
@@ -5153,7 +5647,7 @@
               <p:cNvPr id="16" name="Rechteck 15">
                 <a:extLst>
                   <a:ext uri="{FF2B5EF4-FFF2-40B4-BE49-F238E27FC236}">
-                    <a16:creationId xmlns:a16="http://schemas.microsoft.com/office/drawing/2014/main" id="{5D41E86D-96E1-F64F-B645-811FEF9C3566}"/>
+                    <a16:creationId xmlns:a16="http://schemas.microsoft.com/office/drawing/2014/main" xmlns="" id="{5D41E86D-96E1-F64F-B645-811FEF9C3566}"/>
                   </a:ext>
                 </a:extLst>
               </p:cNvPr>
@@ -5284,7 +5778,7 @@
               <p:cNvPr id="17" name="Rechteck 16">
                 <a:extLst>
                   <a:ext uri="{FF2B5EF4-FFF2-40B4-BE49-F238E27FC236}">
-                    <a16:creationId xmlns:a16="http://schemas.microsoft.com/office/drawing/2014/main" id="{829E215D-25C5-FE42-A84B-E10BE5590901}"/>
+                    <a16:creationId xmlns:a16="http://schemas.microsoft.com/office/drawing/2014/main" xmlns="" id="{829E215D-25C5-FE42-A84B-E10BE5590901}"/>
                   </a:ext>
                 </a:extLst>
               </p:cNvPr>
@@ -5343,7 +5837,7 @@
             <p:cNvPr id="15" name="Rechteck 14">
               <a:extLst>
                 <a:ext uri="{FF2B5EF4-FFF2-40B4-BE49-F238E27FC236}">
-                  <a16:creationId xmlns:a16="http://schemas.microsoft.com/office/drawing/2014/main" id="{3D7F9058-E672-2A4D-9BB1-013BCCC5ACE0}"/>
+                  <a16:creationId xmlns:a16="http://schemas.microsoft.com/office/drawing/2014/main" xmlns="" id="{3D7F9058-E672-2A4D-9BB1-013BCCC5ACE0}"/>
                 </a:ext>
               </a:extLst>
             </p:cNvPr>
@@ -5403,7 +5897,7 @@
           <p:cNvPr id="18" name="Gruppieren 17">
             <a:extLst>
               <a:ext uri="{FF2B5EF4-FFF2-40B4-BE49-F238E27FC236}">
-                <a16:creationId xmlns:a16="http://schemas.microsoft.com/office/drawing/2014/main" id="{76C873CF-9A61-9B4A-9A7F-7A0A6A11ECCC}"/>
+                <a16:creationId xmlns:a16="http://schemas.microsoft.com/office/drawing/2014/main" xmlns="" id="{76C873CF-9A61-9B4A-9A7F-7A0A6A11ECCC}"/>
               </a:ext>
             </a:extLst>
           </p:cNvPr>
@@ -5423,7 +5917,7 @@
             <p:cNvPr id="19" name="Gruppieren 18">
               <a:extLst>
                 <a:ext uri="{FF2B5EF4-FFF2-40B4-BE49-F238E27FC236}">
-                  <a16:creationId xmlns:a16="http://schemas.microsoft.com/office/drawing/2014/main" id="{02621200-51DD-6A4C-86C6-6B2A72D512E2}"/>
+                  <a16:creationId xmlns:a16="http://schemas.microsoft.com/office/drawing/2014/main" xmlns="" id="{02621200-51DD-6A4C-86C6-6B2A72D512E2}"/>
                 </a:ext>
               </a:extLst>
             </p:cNvPr>
@@ -5443,7 +5937,7 @@
               <p:cNvPr id="21" name="Rechteck 20">
                 <a:extLst>
                   <a:ext uri="{FF2B5EF4-FFF2-40B4-BE49-F238E27FC236}">
-                    <a16:creationId xmlns:a16="http://schemas.microsoft.com/office/drawing/2014/main" id="{ED0E09EA-1DC6-1249-841E-901E17F3D0B6}"/>
+                    <a16:creationId xmlns:a16="http://schemas.microsoft.com/office/drawing/2014/main" xmlns="" id="{ED0E09EA-1DC6-1249-841E-901E17F3D0B6}"/>
                   </a:ext>
                 </a:extLst>
               </p:cNvPr>
@@ -5532,7 +6026,7 @@
               <p:cNvPr id="22" name="Rechteck 21">
                 <a:extLst>
                   <a:ext uri="{FF2B5EF4-FFF2-40B4-BE49-F238E27FC236}">
-                    <a16:creationId xmlns:a16="http://schemas.microsoft.com/office/drawing/2014/main" id="{753356B5-7EB8-3F4A-96E1-8FF10B332D06}"/>
+                    <a16:creationId xmlns:a16="http://schemas.microsoft.com/office/drawing/2014/main" xmlns="" id="{753356B5-7EB8-3F4A-96E1-8FF10B332D06}"/>
                   </a:ext>
                 </a:extLst>
               </p:cNvPr>
@@ -5591,7 +6085,7 @@
             <p:cNvPr id="20" name="Rechteck 19">
               <a:extLst>
                 <a:ext uri="{FF2B5EF4-FFF2-40B4-BE49-F238E27FC236}">
-                  <a16:creationId xmlns:a16="http://schemas.microsoft.com/office/drawing/2014/main" id="{63DF4C62-579D-3249-9CFF-878DBD32F80A}"/>
+                  <a16:creationId xmlns:a16="http://schemas.microsoft.com/office/drawing/2014/main" xmlns="" id="{63DF4C62-579D-3249-9CFF-878DBD32F80A}"/>
                 </a:ext>
               </a:extLst>
             </p:cNvPr>
@@ -5651,7 +6145,7 @@
           <p:cNvPr id="23" name="Gruppieren 22">
             <a:extLst>
               <a:ext uri="{FF2B5EF4-FFF2-40B4-BE49-F238E27FC236}">
-                <a16:creationId xmlns:a16="http://schemas.microsoft.com/office/drawing/2014/main" id="{8E929239-873F-A040-A4FF-CF41E574A33B}"/>
+                <a16:creationId xmlns:a16="http://schemas.microsoft.com/office/drawing/2014/main" xmlns="" id="{8E929239-873F-A040-A4FF-CF41E574A33B}"/>
               </a:ext>
             </a:extLst>
           </p:cNvPr>
@@ -5671,7 +6165,7 @@
             <p:cNvPr id="24" name="Gruppieren 23">
               <a:extLst>
                 <a:ext uri="{FF2B5EF4-FFF2-40B4-BE49-F238E27FC236}">
-                  <a16:creationId xmlns:a16="http://schemas.microsoft.com/office/drawing/2014/main" id="{F47E6093-9AA6-8F4B-B80B-776943FCB73D}"/>
+                  <a16:creationId xmlns:a16="http://schemas.microsoft.com/office/drawing/2014/main" xmlns="" id="{F47E6093-9AA6-8F4B-B80B-776943FCB73D}"/>
                 </a:ext>
               </a:extLst>
             </p:cNvPr>
@@ -5691,7 +6185,7 @@
               <p:cNvPr id="26" name="Rechteck 25">
                 <a:extLst>
                   <a:ext uri="{FF2B5EF4-FFF2-40B4-BE49-F238E27FC236}">
-                    <a16:creationId xmlns:a16="http://schemas.microsoft.com/office/drawing/2014/main" id="{4059FEBC-2EFF-ED47-98FF-010C8401FADA}"/>
+                    <a16:creationId xmlns:a16="http://schemas.microsoft.com/office/drawing/2014/main" xmlns="" id="{4059FEBC-2EFF-ED47-98FF-010C8401FADA}"/>
                   </a:ext>
                 </a:extLst>
               </p:cNvPr>
@@ -5813,7 +6307,7 @@
               <p:cNvPr id="27" name="Rechteck 26">
                 <a:extLst>
                   <a:ext uri="{FF2B5EF4-FFF2-40B4-BE49-F238E27FC236}">
-                    <a16:creationId xmlns:a16="http://schemas.microsoft.com/office/drawing/2014/main" id="{A6C74FE9-D83D-2346-A400-58BA4229E830}"/>
+                    <a16:creationId xmlns:a16="http://schemas.microsoft.com/office/drawing/2014/main" xmlns="" id="{A6C74FE9-D83D-2346-A400-58BA4229E830}"/>
                   </a:ext>
                 </a:extLst>
               </p:cNvPr>
@@ -5872,7 +6366,7 @@
             <p:cNvPr id="25" name="Rechteck 24">
               <a:extLst>
                 <a:ext uri="{FF2B5EF4-FFF2-40B4-BE49-F238E27FC236}">
-                  <a16:creationId xmlns:a16="http://schemas.microsoft.com/office/drawing/2014/main" id="{1EDE063D-852E-324C-A77E-EFB1A1CCD783}"/>
+                  <a16:creationId xmlns:a16="http://schemas.microsoft.com/office/drawing/2014/main" xmlns="" id="{1EDE063D-852E-324C-A77E-EFB1A1CCD783}"/>
                 </a:ext>
               </a:extLst>
             </p:cNvPr>
@@ -5932,7 +6426,7 @@
           <p:cNvPr id="28" name="Gruppieren 27">
             <a:extLst>
               <a:ext uri="{FF2B5EF4-FFF2-40B4-BE49-F238E27FC236}">
-                <a16:creationId xmlns:a16="http://schemas.microsoft.com/office/drawing/2014/main" id="{076AA3C9-476D-4D45-B8BE-E0951E23CBCF}"/>
+                <a16:creationId xmlns:a16="http://schemas.microsoft.com/office/drawing/2014/main" xmlns="" id="{076AA3C9-476D-4D45-B8BE-E0951E23CBCF}"/>
               </a:ext>
             </a:extLst>
           </p:cNvPr>
@@ -5952,7 +6446,7 @@
             <p:cNvPr id="29" name="Gruppieren 28">
               <a:extLst>
                 <a:ext uri="{FF2B5EF4-FFF2-40B4-BE49-F238E27FC236}">
-                  <a16:creationId xmlns:a16="http://schemas.microsoft.com/office/drawing/2014/main" id="{B404C1CC-6DF7-B648-9CCB-5E2E9AFEB672}"/>
+                  <a16:creationId xmlns:a16="http://schemas.microsoft.com/office/drawing/2014/main" xmlns="" id="{B404C1CC-6DF7-B648-9CCB-5E2E9AFEB672}"/>
                 </a:ext>
               </a:extLst>
             </p:cNvPr>
@@ -5972,7 +6466,7 @@
               <p:cNvPr id="31" name="Rechteck 30">
                 <a:extLst>
                   <a:ext uri="{FF2B5EF4-FFF2-40B4-BE49-F238E27FC236}">
-                    <a16:creationId xmlns:a16="http://schemas.microsoft.com/office/drawing/2014/main" id="{4BDB37D7-D054-A942-8D6D-F9B2EF0F9FF6}"/>
+                    <a16:creationId xmlns:a16="http://schemas.microsoft.com/office/drawing/2014/main" xmlns="" id="{4BDB37D7-D054-A942-8D6D-F9B2EF0F9FF6}"/>
                   </a:ext>
                 </a:extLst>
               </p:cNvPr>
@@ -6036,7 +6530,7 @@
               <p:cNvPr id="32" name="Rechteck 31">
                 <a:extLst>
                   <a:ext uri="{FF2B5EF4-FFF2-40B4-BE49-F238E27FC236}">
-                    <a16:creationId xmlns:a16="http://schemas.microsoft.com/office/drawing/2014/main" id="{3A6CCD76-DF2E-A745-8BA8-2A2DA3CA1050}"/>
+                    <a16:creationId xmlns:a16="http://schemas.microsoft.com/office/drawing/2014/main" xmlns="" id="{3A6CCD76-DF2E-A745-8BA8-2A2DA3CA1050}"/>
                   </a:ext>
                 </a:extLst>
               </p:cNvPr>
@@ -6095,7 +6589,7 @@
             <p:cNvPr id="30" name="Rechteck 29">
               <a:extLst>
                 <a:ext uri="{FF2B5EF4-FFF2-40B4-BE49-F238E27FC236}">
-                  <a16:creationId xmlns:a16="http://schemas.microsoft.com/office/drawing/2014/main" id="{117072ED-37EF-E943-B866-F06DD4235CB3}"/>
+                  <a16:creationId xmlns:a16="http://schemas.microsoft.com/office/drawing/2014/main" xmlns="" id="{117072ED-37EF-E943-B866-F06DD4235CB3}"/>
                 </a:ext>
               </a:extLst>
             </p:cNvPr>
@@ -6163,7 +6657,7 @@
 </p:sld>
 </file>
 
-<file path=ppt/slides/slide16.xml><?xml version="1.0" encoding="utf-8"?>
+<file path=ppt/slides/slide18.xml><?xml version="1.0" encoding="utf-8"?>
 <p:sld xmlns:a="http://schemas.openxmlformats.org/drawingml/2006/main" xmlns:r="http://schemas.openxmlformats.org/officeDocument/2006/relationships" xmlns:p="http://schemas.openxmlformats.org/presentationml/2006/main">
   <p:cSld>
     <p:spTree>
@@ -6234,7 +6728,7 @@
 </p:sld>
 </file>
 
-<file path=ppt/slides/slide17.xml><?xml version="1.0" encoding="utf-8"?>
+<file path=ppt/slides/slide19.xml><?xml version="1.0" encoding="utf-8"?>
 <p:sld xmlns:a="http://schemas.openxmlformats.org/drawingml/2006/main" xmlns:r="http://schemas.openxmlformats.org/officeDocument/2006/relationships" xmlns:p="http://schemas.openxmlformats.org/presentationml/2006/main">
   <p:cSld>
     <p:spTree>
@@ -6256,7 +6750,7 @@
           <p:cNvPr id="3" name="Untertitel 2">
             <a:extLst>
               <a:ext uri="{FF2B5EF4-FFF2-40B4-BE49-F238E27FC236}">
-                <a16:creationId xmlns:a16="http://schemas.microsoft.com/office/drawing/2014/main" id="{6AE9039D-A97A-1348-B85E-C1CBBAEACFD7}"/>
+                <a16:creationId xmlns:a16="http://schemas.microsoft.com/office/drawing/2014/main" xmlns="" id="{6AE9039D-A97A-1348-B85E-C1CBBAEACFD7}"/>
               </a:ext>
             </a:extLst>
           </p:cNvPr>
@@ -6298,7 +6792,7 @@
           <p:cNvPr id="4" name="Textplatzhalter 3">
             <a:extLst>
               <a:ext uri="{FF2B5EF4-FFF2-40B4-BE49-F238E27FC236}">
-                <a16:creationId xmlns:a16="http://schemas.microsoft.com/office/drawing/2014/main" id="{96B38992-B7B4-CC4F-9AC8-51919A92D668}"/>
+                <a16:creationId xmlns:a16="http://schemas.microsoft.com/office/drawing/2014/main" xmlns="" id="{96B38992-B7B4-CC4F-9AC8-51919A92D668}"/>
               </a:ext>
             </a:extLst>
           </p:cNvPr>
@@ -6323,7 +6817,7 @@
           <p:cNvPr id="2" name="Titel 1">
             <a:extLst>
               <a:ext uri="{FF2B5EF4-FFF2-40B4-BE49-F238E27FC236}">
-                <a16:creationId xmlns:a16="http://schemas.microsoft.com/office/drawing/2014/main" id="{306470B7-1C34-794F-AAAA-978C5A77B715}"/>
+                <a16:creationId xmlns:a16="http://schemas.microsoft.com/office/drawing/2014/main" xmlns="" id="{306470B7-1C34-794F-AAAA-978C5A77B715}"/>
               </a:ext>
             </a:extLst>
           </p:cNvPr>
@@ -6356,6 +6850,13 @@
   <p:clrMapOvr>
     <a:masterClrMapping/>
   </p:clrMapOvr>
+  <p:timing>
+    <p:tnLst>
+      <p:par>
+        <p:cTn id="1" dur="indefinite" restart="never" nodeType="tmRoot"/>
+      </p:par>
+    </p:tnLst>
+  </p:timing>
 </p:sld>
 </file>
 
@@ -6381,7 +6882,7 @@
           <p:cNvPr id="2" name="Titel 1">
             <a:extLst>
               <a:ext uri="{FF2B5EF4-FFF2-40B4-BE49-F238E27FC236}">
-                <a16:creationId xmlns:a16="http://schemas.microsoft.com/office/drawing/2014/main" id="{565721FC-DA9D-7F4A-AC0A-E966CE252A2E}"/>
+                <a16:creationId xmlns:a16="http://schemas.microsoft.com/office/drawing/2014/main" xmlns="" id="{565721FC-DA9D-7F4A-AC0A-E966CE252A2E}"/>
               </a:ext>
             </a:extLst>
           </p:cNvPr>
@@ -6413,7 +6914,7 @@
           <p:cNvPr id="7" name="Grafik 6">
             <a:extLst>
               <a:ext uri="{FF2B5EF4-FFF2-40B4-BE49-F238E27FC236}">
-                <a16:creationId xmlns:a16="http://schemas.microsoft.com/office/drawing/2014/main" id="{496E9BA1-997F-8A42-8359-8118CAA4F8B8}"/>
+                <a16:creationId xmlns:a16="http://schemas.microsoft.com/office/drawing/2014/main" xmlns="" id="{496E9BA1-997F-8A42-8359-8118CAA4F8B8}"/>
               </a:ext>
             </a:extLst>
           </p:cNvPr>
@@ -6423,7 +6924,7 @@
           <p:nvPr/>
         </p:nvPicPr>
         <p:blipFill>
-          <a:blip r:embed="rId2">
+          <a:blip r:embed="rId2" cstate="print">
             <a:extLst>
               <a:ext uri="{28A0092B-C50C-407E-A947-70E740481C1C}">
                 <a14:useLocalDpi xmlns:a14="http://schemas.microsoft.com/office/drawing/2010/main" val="0"/>
@@ -6449,7 +6950,7 @@
           <p:cNvPr id="24" name="Oval 23">
             <a:extLst>
               <a:ext uri="{FF2B5EF4-FFF2-40B4-BE49-F238E27FC236}">
-                <a16:creationId xmlns:a16="http://schemas.microsoft.com/office/drawing/2014/main" id="{7BEF158B-37D7-804E-8706-2F4AC3084EAE}"/>
+                <a16:creationId xmlns:a16="http://schemas.microsoft.com/office/drawing/2014/main" xmlns="" id="{7BEF158B-37D7-804E-8706-2F4AC3084EAE}"/>
               </a:ext>
             </a:extLst>
           </p:cNvPr>
@@ -6501,7 +7002,7 @@
           <p:cNvPr id="25" name="Oval 24">
             <a:extLst>
               <a:ext uri="{FF2B5EF4-FFF2-40B4-BE49-F238E27FC236}">
-                <a16:creationId xmlns:a16="http://schemas.microsoft.com/office/drawing/2014/main" id="{507E0D37-7C93-BC4A-AD0C-ABE98E968974}"/>
+                <a16:creationId xmlns:a16="http://schemas.microsoft.com/office/drawing/2014/main" xmlns="" id="{507E0D37-7C93-BC4A-AD0C-ABE98E968974}"/>
               </a:ext>
             </a:extLst>
           </p:cNvPr>
@@ -6553,7 +7054,7 @@
           <p:cNvPr id="26" name="Oval 25">
             <a:extLst>
               <a:ext uri="{FF2B5EF4-FFF2-40B4-BE49-F238E27FC236}">
-                <a16:creationId xmlns:a16="http://schemas.microsoft.com/office/drawing/2014/main" id="{5149A216-9FF4-6B4B-8F2B-828C3DDFA3AF}"/>
+                <a16:creationId xmlns:a16="http://schemas.microsoft.com/office/drawing/2014/main" xmlns="" id="{5149A216-9FF4-6B4B-8F2B-828C3DDFA3AF}"/>
               </a:ext>
             </a:extLst>
           </p:cNvPr>
@@ -6600,14 +7101,14 @@
           </a:p>
         </p:txBody>
       </p:sp>
-      <mc:AlternateContent xmlns:mc="http://schemas.openxmlformats.org/markup-compatibility/2006">
-        <mc:Choice xmlns:p14="http://schemas.microsoft.com/office/powerpoint/2010/main" Requires="p14">
+      <mc:AlternateContent xmlns:mc="http://schemas.openxmlformats.org/markup-compatibility/2006" xmlns:p14="http://schemas.microsoft.com/office/powerpoint/2010/main">
+        <mc:Choice Requires="p14">
           <p:contentPart p14:bwMode="auto" r:id="rId3">
             <p14:nvContentPartPr>
               <p14:cNvPr id="43" name="Freihand 42">
                 <a:extLst>
                   <a:ext uri="{FF2B5EF4-FFF2-40B4-BE49-F238E27FC236}">
-                    <a16:creationId xmlns:a16="http://schemas.microsoft.com/office/drawing/2014/main" id="{A0E82E8C-EC6D-9349-9BFA-4A3A2CDCC1E4}"/>
+                    <a16:creationId xmlns:a16="http://schemas.microsoft.com/office/drawing/2014/main" xmlns="" id="{A0E82E8C-EC6D-9349-9BFA-4A3A2CDCC1E4}"/>
                   </a:ext>
                 </a:extLst>
               </p14:cNvPr>
@@ -6620,7 +7121,7 @@
             </p14:xfrm>
           </p:contentPart>
         </mc:Choice>
-        <mc:Fallback>
+        <mc:Fallback xmlns="">
           <p:pic>
             <p:nvPicPr>
               <p:cNvPr id="43" name="Freihand 42">
@@ -6651,14 +7152,14 @@
           </p:pic>
         </mc:Fallback>
       </mc:AlternateContent>
-      <mc:AlternateContent xmlns:mc="http://schemas.openxmlformats.org/markup-compatibility/2006">
-        <mc:Choice xmlns:p14="http://schemas.microsoft.com/office/powerpoint/2010/main" Requires="p14">
+      <mc:AlternateContent xmlns:mc="http://schemas.openxmlformats.org/markup-compatibility/2006" xmlns:p14="http://schemas.microsoft.com/office/powerpoint/2010/main">
+        <mc:Choice Requires="p14">
           <p:contentPart p14:bwMode="auto" r:id="rId5">
             <p14:nvContentPartPr>
               <p14:cNvPr id="44" name="Freihand 43">
                 <a:extLst>
                   <a:ext uri="{FF2B5EF4-FFF2-40B4-BE49-F238E27FC236}">
-                    <a16:creationId xmlns:a16="http://schemas.microsoft.com/office/drawing/2014/main" id="{E50D5434-2140-FA4B-BC8C-7CE04AB8EE66}"/>
+                    <a16:creationId xmlns:a16="http://schemas.microsoft.com/office/drawing/2014/main" xmlns="" id="{E50D5434-2140-FA4B-BC8C-7CE04AB8EE66}"/>
                   </a:ext>
                 </a:extLst>
               </p14:cNvPr>
@@ -6671,7 +7172,7 @@
             </p14:xfrm>
           </p:contentPart>
         </mc:Choice>
-        <mc:Fallback>
+        <mc:Fallback xmlns="">
           <p:pic>
             <p:nvPicPr>
               <p:cNvPr id="44" name="Freihand 43">
@@ -6702,14 +7203,14 @@
           </p:pic>
         </mc:Fallback>
       </mc:AlternateContent>
-      <mc:AlternateContent xmlns:mc="http://schemas.openxmlformats.org/markup-compatibility/2006">
-        <mc:Choice xmlns:p14="http://schemas.microsoft.com/office/powerpoint/2010/main" Requires="p14">
+      <mc:AlternateContent xmlns:mc="http://schemas.openxmlformats.org/markup-compatibility/2006" xmlns:p14="http://schemas.microsoft.com/office/powerpoint/2010/main">
+        <mc:Choice Requires="p14">
           <p:contentPart p14:bwMode="auto" r:id="rId7">
             <p14:nvContentPartPr>
               <p14:cNvPr id="47" name="Freihand 46">
                 <a:extLst>
                   <a:ext uri="{FF2B5EF4-FFF2-40B4-BE49-F238E27FC236}">
-                    <a16:creationId xmlns:a16="http://schemas.microsoft.com/office/drawing/2014/main" id="{27A900A0-707B-0345-98E5-AFA26F328408}"/>
+                    <a16:creationId xmlns:a16="http://schemas.microsoft.com/office/drawing/2014/main" xmlns="" id="{27A900A0-707B-0345-98E5-AFA26F328408}"/>
                   </a:ext>
                 </a:extLst>
               </p14:cNvPr>
@@ -6722,7 +7223,7 @@
             </p14:xfrm>
           </p:contentPart>
         </mc:Choice>
-        <mc:Fallback>
+        <mc:Fallback xmlns="">
           <p:pic>
             <p:nvPicPr>
               <p:cNvPr id="47" name="Freihand 46">
@@ -6758,7 +7259,7 @@
           <p:cNvPr id="49" name="Abgerundete rechteckige Legende 48">
             <a:extLst>
               <a:ext uri="{FF2B5EF4-FFF2-40B4-BE49-F238E27FC236}">
-                <a16:creationId xmlns:a16="http://schemas.microsoft.com/office/drawing/2014/main" id="{C3CD6BDE-7299-4D4A-B8A9-C380C4D21852}"/>
+                <a16:creationId xmlns:a16="http://schemas.microsoft.com/office/drawing/2014/main" xmlns="" id="{C3CD6BDE-7299-4D4A-B8A9-C380C4D21852}"/>
               </a:ext>
             </a:extLst>
           </p:cNvPr>
@@ -6831,7 +7332,7 @@
           <p:cNvPr id="50" name="Textfeld 49">
             <a:extLst>
               <a:ext uri="{FF2B5EF4-FFF2-40B4-BE49-F238E27FC236}">
-                <a16:creationId xmlns:a16="http://schemas.microsoft.com/office/drawing/2014/main" id="{74812B0A-9F6B-3B44-B974-C1947644856D}"/>
+                <a16:creationId xmlns:a16="http://schemas.microsoft.com/office/drawing/2014/main" xmlns="" id="{74812B0A-9F6B-3B44-B974-C1947644856D}"/>
               </a:ext>
             </a:extLst>
           </p:cNvPr>
@@ -6866,7 +7367,7 @@
           <p:cNvPr id="52" name="Wolkenförmige Legende 51">
             <a:extLst>
               <a:ext uri="{FF2B5EF4-FFF2-40B4-BE49-F238E27FC236}">
-                <a16:creationId xmlns:a16="http://schemas.microsoft.com/office/drawing/2014/main" id="{29DB6461-09BA-4847-ADB9-C5C694AA482B}"/>
+                <a16:creationId xmlns:a16="http://schemas.microsoft.com/office/drawing/2014/main" xmlns="" id="{29DB6461-09BA-4847-ADB9-C5C694AA482B}"/>
               </a:ext>
             </a:extLst>
           </p:cNvPr>
@@ -6923,7 +7424,7 @@
           <p:cNvPr id="53" name="Oval 52">
             <a:extLst>
               <a:ext uri="{FF2B5EF4-FFF2-40B4-BE49-F238E27FC236}">
-                <a16:creationId xmlns:a16="http://schemas.microsoft.com/office/drawing/2014/main" id="{A7F525C7-2BB3-7741-BE0A-A91605F6B414}"/>
+                <a16:creationId xmlns:a16="http://schemas.microsoft.com/office/drawing/2014/main" xmlns="" id="{A7F525C7-2BB3-7741-BE0A-A91605F6B414}"/>
               </a:ext>
             </a:extLst>
           </p:cNvPr>
@@ -6975,7 +7476,7 @@
           <p:cNvPr id="54" name="Oval 53">
             <a:extLst>
               <a:ext uri="{FF2B5EF4-FFF2-40B4-BE49-F238E27FC236}">
-                <a16:creationId xmlns:a16="http://schemas.microsoft.com/office/drawing/2014/main" id="{7A84F289-E89F-8342-8791-347A0E4F5BF9}"/>
+                <a16:creationId xmlns:a16="http://schemas.microsoft.com/office/drawing/2014/main" xmlns="" id="{7A84F289-E89F-8342-8791-347A0E4F5BF9}"/>
               </a:ext>
             </a:extLst>
           </p:cNvPr>
@@ -7027,7 +7528,7 @@
           <p:cNvPr id="55" name="Oval 54">
             <a:extLst>
               <a:ext uri="{FF2B5EF4-FFF2-40B4-BE49-F238E27FC236}">
-                <a16:creationId xmlns:a16="http://schemas.microsoft.com/office/drawing/2014/main" id="{A65E12B4-4201-2148-B5CA-CF3C353E009F}"/>
+                <a16:creationId xmlns:a16="http://schemas.microsoft.com/office/drawing/2014/main" xmlns="" id="{A65E12B4-4201-2148-B5CA-CF3C353E009F}"/>
               </a:ext>
             </a:extLst>
           </p:cNvPr>
@@ -7074,14 +7575,14 @@
           </a:p>
         </p:txBody>
       </p:sp>
-      <mc:AlternateContent xmlns:mc="http://schemas.openxmlformats.org/markup-compatibility/2006">
-        <mc:Choice xmlns:p14="http://schemas.microsoft.com/office/powerpoint/2010/main" Requires="p14">
+      <mc:AlternateContent xmlns:mc="http://schemas.openxmlformats.org/markup-compatibility/2006" xmlns:p14="http://schemas.microsoft.com/office/powerpoint/2010/main">
+        <mc:Choice Requires="p14">
           <p:contentPart p14:bwMode="auto" r:id="rId9">
             <p14:nvContentPartPr>
               <p14:cNvPr id="56" name="Freihand 55">
                 <a:extLst>
                   <a:ext uri="{FF2B5EF4-FFF2-40B4-BE49-F238E27FC236}">
-                    <a16:creationId xmlns:a16="http://schemas.microsoft.com/office/drawing/2014/main" id="{5B3C06F8-598F-844F-A3A1-C175A796CC1F}"/>
+                    <a16:creationId xmlns:a16="http://schemas.microsoft.com/office/drawing/2014/main" xmlns="" id="{5B3C06F8-598F-844F-A3A1-C175A796CC1F}"/>
                   </a:ext>
                 </a:extLst>
               </p14:cNvPr>
@@ -7094,7 +7595,7 @@
             </p14:xfrm>
           </p:contentPart>
         </mc:Choice>
-        <mc:Fallback>
+        <mc:Fallback xmlns="">
           <p:pic>
             <p:nvPicPr>
               <p:cNvPr id="56" name="Freihand 55">
@@ -7125,14 +7626,14 @@
           </p:pic>
         </mc:Fallback>
       </mc:AlternateContent>
-      <mc:AlternateContent xmlns:mc="http://schemas.openxmlformats.org/markup-compatibility/2006">
-        <mc:Choice xmlns:p14="http://schemas.microsoft.com/office/powerpoint/2010/main" Requires="p14">
+      <mc:AlternateContent xmlns:mc="http://schemas.openxmlformats.org/markup-compatibility/2006" xmlns:p14="http://schemas.microsoft.com/office/powerpoint/2010/main">
+        <mc:Choice Requires="p14">
           <p:contentPart p14:bwMode="auto" r:id="rId10">
             <p14:nvContentPartPr>
               <p14:cNvPr id="60" name="Freihand 59">
                 <a:extLst>
                   <a:ext uri="{FF2B5EF4-FFF2-40B4-BE49-F238E27FC236}">
-                    <a16:creationId xmlns:a16="http://schemas.microsoft.com/office/drawing/2014/main" id="{082C1878-4FC7-A046-A15C-155DA5A4994F}"/>
+                    <a16:creationId xmlns:a16="http://schemas.microsoft.com/office/drawing/2014/main" xmlns="" id="{082C1878-4FC7-A046-A15C-155DA5A4994F}"/>
                   </a:ext>
                 </a:extLst>
               </p14:cNvPr>
@@ -7145,7 +7646,7 @@
             </p14:xfrm>
           </p:contentPart>
         </mc:Choice>
-        <mc:Fallback>
+        <mc:Fallback xmlns="">
           <p:pic>
             <p:nvPicPr>
               <p:cNvPr id="60" name="Freihand 59">
@@ -7176,14 +7677,14 @@
           </p:pic>
         </mc:Fallback>
       </mc:AlternateContent>
-      <mc:AlternateContent xmlns:mc="http://schemas.openxmlformats.org/markup-compatibility/2006">
-        <mc:Choice xmlns:p14="http://schemas.microsoft.com/office/powerpoint/2010/main" Requires="p14">
+      <mc:AlternateContent xmlns:mc="http://schemas.openxmlformats.org/markup-compatibility/2006" xmlns:p14="http://schemas.microsoft.com/office/powerpoint/2010/main">
+        <mc:Choice Requires="p14">
           <p:contentPart p14:bwMode="auto" r:id="rId12">
             <p14:nvContentPartPr>
               <p14:cNvPr id="61" name="Freihand 60">
                 <a:extLst>
                   <a:ext uri="{FF2B5EF4-FFF2-40B4-BE49-F238E27FC236}">
-                    <a16:creationId xmlns:a16="http://schemas.microsoft.com/office/drawing/2014/main" id="{4493D0F5-C439-AB47-A7AB-C5899EB6F429}"/>
+                    <a16:creationId xmlns:a16="http://schemas.microsoft.com/office/drawing/2014/main" xmlns="" id="{4493D0F5-C439-AB47-A7AB-C5899EB6F429}"/>
                   </a:ext>
                 </a:extLst>
               </p14:cNvPr>
@@ -7196,7 +7697,7 @@
             </p14:xfrm>
           </p:contentPart>
         </mc:Choice>
-        <mc:Fallback>
+        <mc:Fallback xmlns="">
           <p:pic>
             <p:nvPicPr>
               <p:cNvPr id="61" name="Freihand 60">
@@ -7227,14 +7728,14 @@
           </p:pic>
         </mc:Fallback>
       </mc:AlternateContent>
-      <mc:AlternateContent xmlns:mc="http://schemas.openxmlformats.org/markup-compatibility/2006">
-        <mc:Choice xmlns:p14="http://schemas.microsoft.com/office/powerpoint/2010/main" Requires="p14">
+      <mc:AlternateContent xmlns:mc="http://schemas.openxmlformats.org/markup-compatibility/2006" xmlns:p14="http://schemas.microsoft.com/office/powerpoint/2010/main">
+        <mc:Choice Requires="p14">
           <p:contentPart p14:bwMode="auto" r:id="rId14">
             <p14:nvContentPartPr>
               <p14:cNvPr id="62" name="Freihand 61">
                 <a:extLst>
                   <a:ext uri="{FF2B5EF4-FFF2-40B4-BE49-F238E27FC236}">
-                    <a16:creationId xmlns:a16="http://schemas.microsoft.com/office/drawing/2014/main" id="{748AF862-0F58-C846-9997-89FE1E796ACE}"/>
+                    <a16:creationId xmlns:a16="http://schemas.microsoft.com/office/drawing/2014/main" xmlns="" id="{748AF862-0F58-C846-9997-89FE1E796ACE}"/>
                   </a:ext>
                 </a:extLst>
               </p14:cNvPr>
@@ -7247,7 +7748,7 @@
             </p14:xfrm>
           </p:contentPart>
         </mc:Choice>
-        <mc:Fallback>
+        <mc:Fallback xmlns="">
           <p:pic>
             <p:nvPicPr>
               <p:cNvPr id="62" name="Freihand 61">
@@ -7283,7 +7784,7 @@
           <p:cNvPr id="65" name="Textfeld 64">
             <a:extLst>
               <a:ext uri="{FF2B5EF4-FFF2-40B4-BE49-F238E27FC236}">
-                <a16:creationId xmlns:a16="http://schemas.microsoft.com/office/drawing/2014/main" id="{78AA0267-66A5-6246-A3BD-117F333C6256}"/>
+                <a16:creationId xmlns:a16="http://schemas.microsoft.com/office/drawing/2014/main" xmlns="" id="{78AA0267-66A5-6246-A3BD-117F333C6256}"/>
               </a:ext>
             </a:extLst>
           </p:cNvPr>
@@ -7313,12 +7814,41 @@
           </a:p>
         </p:txBody>
       </p:sp>
+      <p:pic>
+        <p:nvPicPr>
+          <p:cNvPr id="3" name="Grafik 2"/>
+          <p:cNvPicPr>
+            <a:picLocks noChangeAspect="1"/>
+          </p:cNvPicPr>
+          <p:nvPr/>
+        </p:nvPicPr>
+        <p:blipFill rotWithShape="1">
+          <a:blip r:embed="rId16">
+            <a:extLst>
+              <a:ext uri="{28A0092B-C50C-407E-A947-70E740481C1C}">
+                <a14:useLocalDpi xmlns:a14="http://schemas.microsoft.com/office/drawing/2010/main" val="0"/>
+              </a:ext>
+            </a:extLst>
+          </a:blip>
+          <a:srcRect l="34" t="2149"/>
+          <a:stretch/>
+        </p:blipFill>
+        <p:spPr>
+          <a:xfrm>
+            <a:off x="5610352" y="1041150"/>
+            <a:ext cx="2952160" cy="1267736"/>
+          </a:xfrm>
+          <a:prstGeom prst="rect">
+            <a:avLst/>
+          </a:prstGeom>
+        </p:spPr>
+      </p:pic>
       <p:sp>
         <p:nvSpPr>
-          <p:cNvPr id="66" name="Textfeld 65">
+          <p:cNvPr id="23" name="Textfeld 22">
             <a:extLst>
               <a:ext uri="{FF2B5EF4-FFF2-40B4-BE49-F238E27FC236}">
-                <a16:creationId xmlns:a16="http://schemas.microsoft.com/office/drawing/2014/main" id="{D4BB00C8-5B1C-6F41-A958-6DF79A12B459}"/>
+                <a16:creationId xmlns:a16="http://schemas.microsoft.com/office/drawing/2014/main" xmlns="" id="{74812B0A-9F6B-3B44-B974-C1947644856D}"/>
               </a:ext>
             </a:extLst>
           </p:cNvPr>
@@ -7327,40 +7857,24 @@
         </p:nvSpPr>
         <p:spPr>
           <a:xfrm>
-            <a:off x="5770384" y="1074286"/>
-            <a:ext cx="2949823" cy="1338828"/>
+            <a:off x="7612585" y="2789955"/>
+            <a:ext cx="1271502" cy="341632"/>
           </a:xfrm>
           <a:prstGeom prst="rect">
             <a:avLst/>
           </a:prstGeom>
           <a:noFill/>
-          <a:ln>
-            <a:solidFill>
-              <a:schemeClr val="tx1"/>
-            </a:solidFill>
-          </a:ln>
         </p:spPr>
         <p:txBody>
-          <a:bodyPr wrap="square" rtlCol="0">
+          <a:bodyPr wrap="none" rtlCol="0">
             <a:spAutoFit/>
           </a:bodyPr>
           <a:lstStyle/>
           <a:p>
             <a:r>
-              <a:rPr lang="de-DE" dirty="0"/>
-              <a:t>Bild einfügen</a:t>
+              <a:rPr lang="de-DE" dirty="0" smtClean="0"/>
+              <a:t>Mitarbeiter</a:t>
             </a:r>
-          </a:p>
-          <a:p>
-            <a:endParaRPr lang="de-DE" dirty="0"/>
-          </a:p>
-          <a:p>
-            <a:endParaRPr lang="de-DE" dirty="0"/>
-          </a:p>
-          <a:p>
-            <a:endParaRPr lang="de-DE" dirty="0"/>
-          </a:p>
-          <a:p>
             <a:endParaRPr lang="de-DE" dirty="0"/>
           </a:p>
         </p:txBody>
@@ -7369,6 +7883,247 @@
     <p:extLst>
       <p:ext uri="{BB962C8B-B14F-4D97-AF65-F5344CB8AC3E}">
         <p14:creationId xmlns:p14="http://schemas.microsoft.com/office/powerpoint/2010/main" val="1744069274"/>
+      </p:ext>
+    </p:extLst>
+  </p:cSld>
+  <p:clrMapOvr>
+    <a:masterClrMapping/>
+  </p:clrMapOvr>
+</p:sld>
+</file>
+
+<file path=ppt/slides/slide20.xml><?xml version="1.0" encoding="utf-8"?>
+<p:sld xmlns:a="http://schemas.openxmlformats.org/drawingml/2006/main" xmlns:r="http://schemas.openxmlformats.org/officeDocument/2006/relationships" xmlns:p="http://schemas.openxmlformats.org/presentationml/2006/main">
+  <p:cSld>
+    <p:spTree>
+      <p:nvGrpSpPr>
+        <p:cNvPr id="1" name=""/>
+        <p:cNvGrpSpPr/>
+        <p:nvPr/>
+      </p:nvGrpSpPr>
+      <p:grpSpPr>
+        <a:xfrm>
+          <a:off x="0" y="0"/>
+          <a:ext cx="0" cy="0"/>
+          <a:chOff x="0" y="0"/>
+          <a:chExt cx="0" cy="0"/>
+        </a:xfrm>
+      </p:grpSpPr>
+      <p:sp>
+        <p:nvSpPr>
+          <p:cNvPr id="2" name="Titel 1"/>
+          <p:cNvSpPr>
+            <a:spLocks noGrp="1"/>
+          </p:cNvSpPr>
+          <p:nvPr>
+            <p:ph type="title"/>
+          </p:nvPr>
+        </p:nvSpPr>
+        <p:spPr/>
+        <p:txBody>
+          <a:bodyPr/>
+          <a:lstStyle/>
+          <a:p>
+            <a:endParaRPr lang="de-DE"/>
+          </a:p>
+        </p:txBody>
+      </p:sp>
+      <p:pic>
+        <p:nvPicPr>
+          <p:cNvPr id="7" name="Inhaltsplatzhalter 6"/>
+          <p:cNvPicPr>
+            <a:picLocks noGrp="1" noChangeAspect="1"/>
+          </p:cNvPicPr>
+          <p:nvPr>
+            <p:ph sz="quarter" idx="10"/>
+          </p:nvPr>
+        </p:nvPicPr>
+        <p:blipFill>
+          <a:blip r:embed="rId2">
+            <a:extLst>
+              <a:ext uri="{28A0092B-C50C-407E-A947-70E740481C1C}">
+                <a14:useLocalDpi xmlns:a14="http://schemas.microsoft.com/office/drawing/2010/main" val="0"/>
+              </a:ext>
+            </a:extLst>
+          </a:blip>
+          <a:stretch>
+            <a:fillRect/>
+          </a:stretch>
+        </p:blipFill>
+        <p:spPr>
+          <a:xfrm>
+            <a:off x="1215281" y="233186"/>
+            <a:ext cx="9899548" cy="5749925"/>
+          </a:xfrm>
+        </p:spPr>
+      </p:pic>
+    </p:spTree>
+    <p:extLst>
+      <p:ext uri="{BB962C8B-B14F-4D97-AF65-F5344CB8AC3E}">
+        <p14:creationId xmlns:p14="http://schemas.microsoft.com/office/powerpoint/2010/main" val="3005946111"/>
+      </p:ext>
+    </p:extLst>
+  </p:cSld>
+  <p:clrMapOvr>
+    <a:masterClrMapping/>
+  </p:clrMapOvr>
+  <p:timing>
+    <p:tnLst>
+      <p:par>
+        <p:cTn id="1" dur="indefinite" restart="never" nodeType="tmRoot"/>
+      </p:par>
+    </p:tnLst>
+  </p:timing>
+</p:sld>
+</file>
+
+<file path=ppt/slides/slide21.xml><?xml version="1.0" encoding="utf-8"?>
+<p:sld xmlns:a="http://schemas.openxmlformats.org/drawingml/2006/main" xmlns:r="http://schemas.openxmlformats.org/officeDocument/2006/relationships" xmlns:p="http://schemas.openxmlformats.org/presentationml/2006/main">
+  <p:cSld>
+    <p:spTree>
+      <p:nvGrpSpPr>
+        <p:cNvPr id="1" name=""/>
+        <p:cNvGrpSpPr/>
+        <p:nvPr/>
+      </p:nvGrpSpPr>
+      <p:grpSpPr>
+        <a:xfrm>
+          <a:off x="0" y="0"/>
+          <a:ext cx="0" cy="0"/>
+          <a:chOff x="0" y="0"/>
+          <a:chExt cx="0" cy="0"/>
+        </a:xfrm>
+      </p:grpSpPr>
+      <p:sp>
+        <p:nvSpPr>
+          <p:cNvPr id="2" name="Titel 1"/>
+          <p:cNvSpPr>
+            <a:spLocks noGrp="1"/>
+          </p:cNvSpPr>
+          <p:nvPr>
+            <p:ph type="title"/>
+          </p:nvPr>
+        </p:nvSpPr>
+        <p:spPr/>
+        <p:txBody>
+          <a:bodyPr/>
+          <a:lstStyle/>
+          <a:p>
+            <a:endParaRPr lang="de-DE"/>
+          </a:p>
+        </p:txBody>
+      </p:sp>
+      <p:pic>
+        <p:nvPicPr>
+          <p:cNvPr id="4" name="Inhaltsplatzhalter 3"/>
+          <p:cNvPicPr>
+            <a:picLocks noGrp="1" noChangeAspect="1"/>
+          </p:cNvPicPr>
+          <p:nvPr>
+            <p:ph sz="quarter" idx="10"/>
+          </p:nvPr>
+        </p:nvPicPr>
+        <p:blipFill>
+          <a:blip r:embed="rId2">
+            <a:extLst>
+              <a:ext uri="{28A0092B-C50C-407E-A947-70E740481C1C}">
+                <a14:useLocalDpi xmlns:a14="http://schemas.microsoft.com/office/drawing/2010/main" val="0"/>
+              </a:ext>
+            </a:extLst>
+          </a:blip>
+          <a:stretch>
+            <a:fillRect/>
+          </a:stretch>
+        </p:blipFill>
+        <p:spPr>
+          <a:xfrm>
+            <a:off x="1215055" y="242537"/>
+            <a:ext cx="9900000" cy="5740389"/>
+          </a:xfrm>
+        </p:spPr>
+      </p:pic>
+    </p:spTree>
+    <p:extLst>
+      <p:ext uri="{BB962C8B-B14F-4D97-AF65-F5344CB8AC3E}">
+        <p14:creationId xmlns:p14="http://schemas.microsoft.com/office/powerpoint/2010/main" val="1911905090"/>
+      </p:ext>
+    </p:extLst>
+  </p:cSld>
+  <p:clrMapOvr>
+    <a:masterClrMapping/>
+  </p:clrMapOvr>
+</p:sld>
+</file>
+
+<file path=ppt/slides/slide22.xml><?xml version="1.0" encoding="utf-8"?>
+<p:sld xmlns:a="http://schemas.openxmlformats.org/drawingml/2006/main" xmlns:r="http://schemas.openxmlformats.org/officeDocument/2006/relationships" xmlns:p="http://schemas.openxmlformats.org/presentationml/2006/main">
+  <p:cSld>
+    <p:spTree>
+      <p:nvGrpSpPr>
+        <p:cNvPr id="1" name=""/>
+        <p:cNvGrpSpPr/>
+        <p:nvPr/>
+      </p:nvGrpSpPr>
+      <p:grpSpPr>
+        <a:xfrm>
+          <a:off x="0" y="0"/>
+          <a:ext cx="0" cy="0"/>
+          <a:chOff x="0" y="0"/>
+          <a:chExt cx="0" cy="0"/>
+        </a:xfrm>
+      </p:grpSpPr>
+      <p:sp>
+        <p:nvSpPr>
+          <p:cNvPr id="2" name="Titel 1"/>
+          <p:cNvSpPr>
+            <a:spLocks noGrp="1"/>
+          </p:cNvSpPr>
+          <p:nvPr>
+            <p:ph type="title"/>
+          </p:nvPr>
+        </p:nvSpPr>
+        <p:spPr/>
+        <p:txBody>
+          <a:bodyPr/>
+          <a:lstStyle/>
+          <a:p>
+            <a:endParaRPr lang="de-DE"/>
+          </a:p>
+        </p:txBody>
+      </p:sp>
+      <p:pic>
+        <p:nvPicPr>
+          <p:cNvPr id="4" name="Inhaltsplatzhalter 3"/>
+          <p:cNvPicPr>
+            <a:picLocks noGrp="1" noChangeAspect="1"/>
+          </p:cNvPicPr>
+          <p:nvPr>
+            <p:ph sz="quarter" idx="10"/>
+          </p:nvPr>
+        </p:nvPicPr>
+        <p:blipFill>
+          <a:blip r:embed="rId2">
+            <a:extLst>
+              <a:ext uri="{28A0092B-C50C-407E-A947-70E740481C1C}">
+                <a14:useLocalDpi xmlns:a14="http://schemas.microsoft.com/office/drawing/2010/main" val="0"/>
+              </a:ext>
+            </a:extLst>
+          </a:blip>
+          <a:stretch>
+            <a:fillRect/>
+          </a:stretch>
+        </p:blipFill>
+        <p:spPr>
+          <a:xfrm>
+            <a:off x="1215055" y="242534"/>
+            <a:ext cx="9900000" cy="5715592"/>
+          </a:xfrm>
+        </p:spPr>
+      </p:pic>
+    </p:spTree>
+    <p:extLst>
+      <p:ext uri="{BB962C8B-B14F-4D97-AF65-F5344CB8AC3E}">
+        <p14:creationId xmlns:p14="http://schemas.microsoft.com/office/powerpoint/2010/main" val="1489759048"/>
       </p:ext>
     </p:extLst>
   </p:cSld>
@@ -7400,7 +8155,7 @@
           <p:cNvPr id="2" name="Titel 1">
             <a:extLst>
               <a:ext uri="{FF2B5EF4-FFF2-40B4-BE49-F238E27FC236}">
-                <a16:creationId xmlns:a16="http://schemas.microsoft.com/office/drawing/2014/main" id="{9D53ED9D-320B-244E-B0A4-990B8FD6A869}"/>
+                <a16:creationId xmlns:a16="http://schemas.microsoft.com/office/drawing/2014/main" xmlns="" id="{9D53ED9D-320B-244E-B0A4-990B8FD6A869}"/>
               </a:ext>
             </a:extLst>
           </p:cNvPr>
@@ -7418,8 +8173,29 @@
           <a:p>
             <a:r>
               <a:rPr lang="de-DE" dirty="0"/>
-              <a:t>Modulare Anlagen</a:t>
+              <a:t>Modulare </a:t>
             </a:r>
+            <a:r>
+              <a:rPr lang="de-DE" dirty="0" smtClean="0"/>
+              <a:t>Anlagen, </a:t>
+            </a:r>
+            <a:r>
+              <a:rPr lang="de-DE" dirty="0" err="1" smtClean="0"/>
+              <a:t>Ironies</a:t>
+            </a:r>
+            <a:r>
+              <a:rPr lang="de-DE" dirty="0" smtClean="0"/>
+              <a:t> </a:t>
+            </a:r>
+            <a:r>
+              <a:rPr lang="de-DE" dirty="0" err="1" smtClean="0"/>
+              <a:t>of</a:t>
+            </a:r>
+            <a:r>
+              <a:rPr lang="de-DE" dirty="0" smtClean="0"/>
+              <a:t> Automation</a:t>
+            </a:r>
+            <a:endParaRPr lang="de-DE" dirty="0"/>
           </a:p>
         </p:txBody>
       </p:sp>
@@ -7428,7 +8204,7 @@
           <p:cNvPr id="3" name="Inhaltsplatzhalter 2">
             <a:extLst>
               <a:ext uri="{FF2B5EF4-FFF2-40B4-BE49-F238E27FC236}">
-                <a16:creationId xmlns:a16="http://schemas.microsoft.com/office/drawing/2014/main" id="{071C7D99-FD94-FB49-B8BA-4204773E2C3E}"/>
+                <a16:creationId xmlns:a16="http://schemas.microsoft.com/office/drawing/2014/main" xmlns="" id="{071C7D99-FD94-FB49-B8BA-4204773E2C3E}"/>
               </a:ext>
             </a:extLst>
           </p:cNvPr>
@@ -7444,7 +8220,29 @@
           <a:bodyPr/>
           <a:lstStyle/>
           <a:p>
-            <a:endParaRPr lang="de-DE"/>
+            <a:r>
+              <a:rPr lang="de-DE" dirty="0" smtClean="0"/>
+              <a:t>Was ist das genaue Problem des Produktionsmitarbeiters?</a:t>
+            </a:r>
+          </a:p>
+          <a:p>
+            <a:r>
+              <a:rPr lang="de-DE" dirty="0" smtClean="0"/>
+              <a:t>Höhere Flexibilität</a:t>
+            </a:r>
+          </a:p>
+          <a:p>
+            <a:r>
+              <a:rPr lang="de-DE" dirty="0" smtClean="0"/>
+              <a:t>hat Verantwortung, dass es funktioniert</a:t>
+            </a:r>
+          </a:p>
+          <a:p>
+            <a:r>
+              <a:rPr lang="de-DE" dirty="0" smtClean="0"/>
+              <a:t>Muss nach jedem Umbau bewerkstelligen, dass Produktion aufrecht erhalten bleibt</a:t>
+            </a:r>
+            <a:endParaRPr lang="de-DE" dirty="0"/>
           </a:p>
         </p:txBody>
       </p:sp>
@@ -7483,7 +8281,7 @@
           <p:cNvPr id="2" name="Titel 1">
             <a:extLst>
               <a:ext uri="{FF2B5EF4-FFF2-40B4-BE49-F238E27FC236}">
-                <a16:creationId xmlns:a16="http://schemas.microsoft.com/office/drawing/2014/main" id="{061E505A-8173-1347-AE02-C6C2BDD420BB}"/>
+                <a16:creationId xmlns:a16="http://schemas.microsoft.com/office/drawing/2014/main" xmlns="" id="{061E505A-8173-1347-AE02-C6C2BDD420BB}"/>
               </a:ext>
             </a:extLst>
           </p:cNvPr>
@@ -7506,48 +8304,12 @@
           </a:p>
         </p:txBody>
       </p:sp>
-      <p:cxnSp>
-        <p:nvCxnSpPr>
-          <p:cNvPr id="4" name="Gerade Verbindung mit Pfeil 3"/>
-          <p:cNvCxnSpPr/>
-          <p:nvPr/>
-        </p:nvCxnSpPr>
-        <p:spPr>
-          <a:xfrm>
-            <a:off x="2533666" y="3144128"/>
-            <a:ext cx="6766560" cy="0"/>
-          </a:xfrm>
-          <a:prstGeom prst="straightConnector1">
-            <a:avLst/>
-          </a:prstGeom>
-          <a:ln w="38100">
-            <a:solidFill>
-              <a:schemeClr val="accent3"/>
-            </a:solidFill>
-            <a:tailEnd type="triangle" w="lg" len="lg"/>
-          </a:ln>
-        </p:spPr>
-        <p:style>
-          <a:lnRef idx="1">
-            <a:schemeClr val="accent1"/>
-          </a:lnRef>
-          <a:fillRef idx="0">
-            <a:schemeClr val="accent1"/>
-          </a:fillRef>
-          <a:effectRef idx="0">
-            <a:schemeClr val="accent1"/>
-          </a:effectRef>
-          <a:fontRef idx="minor">
-            <a:schemeClr val="tx1"/>
-          </a:fontRef>
-        </p:style>
-      </p:cxnSp>
       <p:sp>
         <p:nvSpPr>
           <p:cNvPr id="6" name="Rechteck 5">
             <a:extLst>
               <a:ext uri="{FF2B5EF4-FFF2-40B4-BE49-F238E27FC236}">
-                <a16:creationId xmlns:a16="http://schemas.microsoft.com/office/drawing/2014/main" id="{4F68B8E9-417E-0141-AE27-E298ED29929C}"/>
+                <a16:creationId xmlns:a16="http://schemas.microsoft.com/office/drawing/2014/main" xmlns="" id="{4F68B8E9-417E-0141-AE27-E298ED29929C}"/>
               </a:ext>
             </a:extLst>
           </p:cNvPr>
@@ -7556,8 +8318,8 @@
         </p:nvSpPr>
         <p:spPr>
           <a:xfrm>
-            <a:off x="1644169" y="4192379"/>
-            <a:ext cx="2648778" cy="838827"/>
+            <a:off x="2031275" y="4838552"/>
+            <a:ext cx="2269902" cy="838827"/>
           </a:xfrm>
           <a:prstGeom prst="rect">
             <a:avLst/>
@@ -7566,9 +8328,7 @@
             <a:schemeClr val="bg1"/>
           </a:solidFill>
           <a:ln>
-            <a:solidFill>
-              <a:schemeClr val="accent4"/>
-            </a:solidFill>
+            <a:noFill/>
           </a:ln>
         </p:spPr>
         <p:style>
@@ -7591,10 +8351,6 @@
           <a:bodyPr tIns="180000" rtlCol="0" anchor="t"/>
           <a:lstStyle/>
           <a:p>
-            <a:pPr marL="285750" indent="-285750">
-              <a:buFont typeface="Arial" panose="020B0604020202020204" pitchFamily="34" charset="0"/>
-              <a:buChar char="•"/>
-            </a:pPr>
             <a:r>
               <a:rPr lang="de-DE" dirty="0">
                 <a:solidFill>
@@ -7611,7 +8367,7 @@
           <p:cNvPr id="7" name="Rechteck 6">
             <a:extLst>
               <a:ext uri="{FF2B5EF4-FFF2-40B4-BE49-F238E27FC236}">
-                <a16:creationId xmlns:a16="http://schemas.microsoft.com/office/drawing/2014/main" id="{4F68B8E9-417E-0141-AE27-E298ED29929C}"/>
+                <a16:creationId xmlns:a16="http://schemas.microsoft.com/office/drawing/2014/main" xmlns="" id="{4F68B8E9-417E-0141-AE27-E298ED29929C}"/>
               </a:ext>
             </a:extLst>
           </p:cNvPr>
@@ -7630,9 +8386,7 @@
             <a:schemeClr val="bg1"/>
           </a:solidFill>
           <a:ln>
-            <a:solidFill>
-              <a:schemeClr val="accent4"/>
-            </a:solidFill>
+            <a:noFill/>
           </a:ln>
         </p:spPr>
         <p:style>
@@ -7655,10 +8409,6 @@
           <a:bodyPr tIns="180000" rtlCol="0" anchor="t"/>
           <a:lstStyle/>
           <a:p>
-            <a:pPr marL="285750" indent="-285750">
-              <a:buFont typeface="Arial" panose="020B0604020202020204" pitchFamily="34" charset="0"/>
-              <a:buChar char="•"/>
-            </a:pPr>
             <a:r>
               <a:rPr lang="de-DE" dirty="0">
                 <a:solidFill>
@@ -7675,7 +8425,7 @@
           <p:cNvPr id="8" name="Rechteck 7">
             <a:extLst>
               <a:ext uri="{FF2B5EF4-FFF2-40B4-BE49-F238E27FC236}">
-                <a16:creationId xmlns:a16="http://schemas.microsoft.com/office/drawing/2014/main" id="{4F68B8E9-417E-0141-AE27-E298ED29929C}"/>
+                <a16:creationId xmlns:a16="http://schemas.microsoft.com/office/drawing/2014/main" xmlns="" id="{4F68B8E9-417E-0141-AE27-E298ED29929C}"/>
               </a:ext>
             </a:extLst>
           </p:cNvPr>
@@ -7684,8 +8434,8 @@
         </p:nvSpPr>
         <p:spPr>
           <a:xfrm>
-            <a:off x="6076868" y="1402294"/>
-            <a:ext cx="2648778" cy="838827"/>
+            <a:off x="6403913" y="1414335"/>
+            <a:ext cx="1994688" cy="838827"/>
           </a:xfrm>
           <a:prstGeom prst="rect">
             <a:avLst/>
@@ -7694,9 +8444,7 @@
             <a:schemeClr val="bg1"/>
           </a:solidFill>
           <a:ln>
-            <a:solidFill>
-              <a:schemeClr val="accent4"/>
-            </a:solidFill>
+            <a:noFill/>
           </a:ln>
         </p:spPr>
         <p:style>
@@ -7719,10 +8467,6 @@
           <a:bodyPr tIns="180000" rtlCol="0" anchor="t"/>
           <a:lstStyle/>
           <a:p>
-            <a:pPr marL="285750" indent="-285750">
-              <a:buFont typeface="Arial" panose="020B0604020202020204" pitchFamily="34" charset="0"/>
-              <a:buChar char="•"/>
-            </a:pPr>
             <a:r>
               <a:rPr lang="de-DE" dirty="0">
                 <a:solidFill>
@@ -7739,7 +8483,7 @@
           <p:cNvPr id="9" name="Rechteck 8">
             <a:extLst>
               <a:ext uri="{FF2B5EF4-FFF2-40B4-BE49-F238E27FC236}">
-                <a16:creationId xmlns:a16="http://schemas.microsoft.com/office/drawing/2014/main" id="{4F68B8E9-417E-0141-AE27-E298ED29929C}"/>
+                <a16:creationId xmlns:a16="http://schemas.microsoft.com/office/drawing/2014/main" xmlns="" id="{4F68B8E9-417E-0141-AE27-E298ED29929C}"/>
               </a:ext>
             </a:extLst>
           </p:cNvPr>
@@ -7748,8 +8492,8 @@
         </p:nvSpPr>
         <p:spPr>
           <a:xfrm>
-            <a:off x="4588731" y="4192380"/>
-            <a:ext cx="2648778" cy="838827"/>
+            <a:off x="4832117" y="4852277"/>
+            <a:ext cx="2190929" cy="838827"/>
           </a:xfrm>
           <a:prstGeom prst="rect">
             <a:avLst/>
@@ -7758,9 +8502,7 @@
             <a:schemeClr val="bg1"/>
           </a:solidFill>
           <a:ln>
-            <a:solidFill>
-              <a:schemeClr val="accent4"/>
-            </a:solidFill>
+            <a:noFill/>
           </a:ln>
         </p:spPr>
         <p:style>
@@ -7783,18 +8525,19 @@
           <a:bodyPr tIns="180000" rtlCol="0" anchor="t"/>
           <a:lstStyle/>
           <a:p>
-            <a:pPr marL="285750" indent="-285750">
-              <a:buFont typeface="Arial" panose="020B0604020202020204" pitchFamily="34" charset="0"/>
-              <a:buChar char="•"/>
-            </a:pPr>
             <a:r>
-              <a:rPr lang="de-DE" dirty="0">
+              <a:rPr lang="de-DE" dirty="0" smtClean="0">
                 <a:solidFill>
                   <a:schemeClr val="tx1"/>
                 </a:solidFill>
               </a:rPr>
-              <a:t>Design</a:t>
+              <a:t>So könnte man dem Nutzer helfen!</a:t>
             </a:r>
+            <a:endParaRPr lang="de-DE" dirty="0">
+              <a:solidFill>
+                <a:schemeClr val="tx1"/>
+              </a:solidFill>
+            </a:endParaRPr>
           </a:p>
         </p:txBody>
       </p:sp>
@@ -7803,7 +8546,7 @@
           <p:cNvPr id="10" name="Rechteck 9">
             <a:extLst>
               <a:ext uri="{FF2B5EF4-FFF2-40B4-BE49-F238E27FC236}">
-                <a16:creationId xmlns:a16="http://schemas.microsoft.com/office/drawing/2014/main" id="{4F68B8E9-417E-0141-AE27-E298ED29929C}"/>
+                <a16:creationId xmlns:a16="http://schemas.microsoft.com/office/drawing/2014/main" xmlns="" id="{4F68B8E9-417E-0141-AE27-E298ED29929C}"/>
               </a:ext>
             </a:extLst>
           </p:cNvPr>
@@ -7812,7 +8555,7 @@
         </p:nvSpPr>
         <p:spPr>
           <a:xfrm>
-            <a:off x="7533293" y="4206104"/>
+            <a:off x="7547755" y="4852277"/>
             <a:ext cx="2648778" cy="838827"/>
           </a:xfrm>
           <a:prstGeom prst="rect">
@@ -7822,9 +8565,7 @@
             <a:schemeClr val="bg1"/>
           </a:solidFill>
           <a:ln>
-            <a:solidFill>
-              <a:schemeClr val="accent4"/>
-            </a:solidFill>
+            <a:noFill/>
           </a:ln>
         </p:spPr>
         <p:style>
@@ -7847,18 +8588,19 @@
           <a:bodyPr tIns="180000" rtlCol="0" anchor="t"/>
           <a:lstStyle/>
           <a:p>
-            <a:pPr marL="285750" indent="-285750">
-              <a:buFont typeface="Arial" panose="020B0604020202020204" pitchFamily="34" charset="0"/>
-              <a:buChar char="•"/>
-            </a:pPr>
             <a:r>
-              <a:rPr lang="de-DE" dirty="0">
+              <a:rPr lang="de-DE" dirty="0" smtClean="0">
                 <a:solidFill>
                   <a:schemeClr val="tx1"/>
                 </a:solidFill>
               </a:rPr>
-              <a:t>Ausblick</a:t>
+              <a:t>Das muss noch getan werden!</a:t>
             </a:r>
+            <a:endParaRPr lang="de-DE" dirty="0">
+              <a:solidFill>
+                <a:schemeClr val="tx1"/>
+              </a:solidFill>
+            </a:endParaRPr>
           </a:p>
         </p:txBody>
       </p:sp>
@@ -7871,7 +8613,7 @@
         <p:spPr>
           <a:xfrm flipV="1">
             <a:off x="3223098" y="3166192"/>
-            <a:ext cx="0" cy="997874"/>
+            <a:ext cx="0" cy="1672361"/>
           </a:xfrm>
           <a:prstGeom prst="line">
             <a:avLst/>
@@ -7879,13 +8621,13 @@
         </p:spPr>
         <p:style>
           <a:lnRef idx="1">
-            <a:schemeClr val="accent1"/>
+            <a:schemeClr val="accent6"/>
           </a:lnRef>
           <a:fillRef idx="0">
-            <a:schemeClr val="accent1"/>
+            <a:schemeClr val="accent6"/>
           </a:fillRef>
           <a:effectRef idx="0">
-            <a:schemeClr val="accent1"/>
+            <a:schemeClr val="accent6"/>
           </a:effectRef>
           <a:fontRef idx="minor">
             <a:schemeClr val="tx1"/>
@@ -7906,6 +8648,14 @@
           <a:prstGeom prst="line">
             <a:avLst/>
           </a:prstGeom>
+          <a:ln>
+            <a:solidFill>
+              <a:schemeClr val="accent6">
+                <a:lumMod val="40000"/>
+                <a:lumOff val="60000"/>
+              </a:schemeClr>
+            </a:solidFill>
+          </a:ln>
         </p:spPr>
         <p:style>
           <a:lnRef idx="1">
@@ -7925,13 +8675,15 @@
       <p:cxnSp>
         <p:nvCxnSpPr>
           <p:cNvPr id="16" name="Gerader Verbinder 15"/>
-          <p:cNvCxnSpPr/>
+          <p:cNvCxnSpPr>
+            <a:stCxn id="9" idx="0"/>
+          </p:cNvCxnSpPr>
           <p:nvPr/>
         </p:nvCxnSpPr>
         <p:spPr>
           <a:xfrm flipV="1">
-            <a:off x="5907024" y="3200202"/>
-            <a:ext cx="20558" cy="992178"/>
+            <a:off x="5927582" y="3213927"/>
+            <a:ext cx="0" cy="1638350"/>
           </a:xfrm>
           <a:prstGeom prst="line">
             <a:avLst/>
@@ -7939,13 +8691,13 @@
         </p:spPr>
         <p:style>
           <a:lnRef idx="1">
-            <a:schemeClr val="accent1"/>
+            <a:schemeClr val="accent5"/>
           </a:lnRef>
           <a:fillRef idx="0">
-            <a:schemeClr val="accent1"/>
+            <a:schemeClr val="accent5"/>
           </a:fillRef>
           <a:effectRef idx="0">
-            <a:schemeClr val="accent1"/>
+            <a:schemeClr val="accent5"/>
           </a:effectRef>
           <a:fontRef idx="minor">
             <a:schemeClr val="tx1"/>
@@ -7966,6 +8718,14 @@
           <a:prstGeom prst="line">
             <a:avLst/>
           </a:prstGeom>
+          <a:ln>
+            <a:solidFill>
+              <a:schemeClr val="accent3">
+                <a:lumMod val="40000"/>
+                <a:lumOff val="60000"/>
+              </a:schemeClr>
+            </a:solidFill>
+          </a:ln>
         </p:spPr>
         <p:style>
           <a:lnRef idx="1">
@@ -7990,8 +8750,8 @@
         </p:nvCxnSpPr>
         <p:spPr>
           <a:xfrm flipV="1">
-            <a:off x="8546592" y="3238778"/>
-            <a:ext cx="0" cy="997874"/>
+            <a:off x="8546592" y="3200202"/>
+            <a:ext cx="0" cy="1638350"/>
           </a:xfrm>
           <a:prstGeom prst="line">
             <a:avLst/>
@@ -7999,13 +8759,13 @@
         </p:spPr>
         <p:style>
           <a:lnRef idx="1">
-            <a:schemeClr val="accent1"/>
+            <a:schemeClr val="accent3"/>
           </a:lnRef>
           <a:fillRef idx="0">
-            <a:schemeClr val="accent1"/>
+            <a:schemeClr val="accent3"/>
           </a:fillRef>
           <a:effectRef idx="0">
-            <a:schemeClr val="accent1"/>
+            <a:schemeClr val="accent3"/>
           </a:effectRef>
           <a:fontRef idx="minor">
             <a:schemeClr val="tx1"/>
@@ -8014,10 +8774,10 @@
       </p:cxnSp>
       <p:sp>
         <p:nvSpPr>
-          <p:cNvPr id="20" name="Rechteck 19">
+          <p:cNvPr id="21" name="Rechteck 20">
             <a:extLst>
               <a:ext uri="{FF2B5EF4-FFF2-40B4-BE49-F238E27FC236}">
-                <a16:creationId xmlns:a16="http://schemas.microsoft.com/office/drawing/2014/main" id="{4F68B8E9-417E-0141-AE27-E298ED29929C}"/>
+                <a16:creationId xmlns:a16="http://schemas.microsoft.com/office/drawing/2014/main" xmlns="" id="{4F68B8E9-417E-0141-AE27-E298ED29929C}"/>
               </a:ext>
             </a:extLst>
           </p:cNvPr>
@@ -8026,7 +8786,7 @@
         </p:nvSpPr>
         <p:spPr>
           <a:xfrm>
-            <a:off x="879122" y="2477496"/>
+            <a:off x="9833083" y="2241121"/>
             <a:ext cx="1661224" cy="1333263"/>
           </a:xfrm>
           <a:prstGeom prst="rect">
@@ -8071,17 +8831,17 @@
                   <a:schemeClr val="tx1"/>
                 </a:solidFill>
               </a:rPr>
-              <a:t>Verzweifelter Nutzer (Bild)</a:t>
+              <a:t>Glücklicher Nutzer (Bild)</a:t>
             </a:r>
           </a:p>
         </p:txBody>
       </p:sp>
       <p:sp>
         <p:nvSpPr>
-          <p:cNvPr id="21" name="Rechteck 20">
+          <p:cNvPr id="17" name="Oval 52">
             <a:extLst>
               <a:ext uri="{FF2B5EF4-FFF2-40B4-BE49-F238E27FC236}">
-                <a16:creationId xmlns:a16="http://schemas.microsoft.com/office/drawing/2014/main" id="{4F68B8E9-417E-0141-AE27-E298ED29929C}"/>
+                <a16:creationId xmlns:a16="http://schemas.microsoft.com/office/drawing/2014/main" xmlns="" id="{A7F525C7-2BB3-7741-BE0A-A91605F6B414}"/>
               </a:ext>
             </a:extLst>
           </p:cNvPr>
@@ -8090,18 +8850,16 @@
         </p:nvSpPr>
         <p:spPr>
           <a:xfrm>
-            <a:off x="9300226" y="2533570"/>
-            <a:ext cx="1661224" cy="1333263"/>
+            <a:off x="1366724" y="1956940"/>
+            <a:ext cx="631371" cy="544912"/>
           </a:xfrm>
-          <a:prstGeom prst="rect">
+          <a:prstGeom prst="ellipse">
             <a:avLst/>
           </a:prstGeom>
-          <a:solidFill>
-            <a:schemeClr val="bg1"/>
-          </a:solidFill>
-          <a:ln>
+          <a:noFill/>
+          <a:ln w="19050">
             <a:solidFill>
-              <a:schemeClr val="accent4"/>
+              <a:srgbClr val="000000"/>
             </a:solidFill>
           </a:ln>
         </p:spPr>
@@ -8122,21 +8880,411 @@
           </a:fontRef>
         </p:style>
         <p:txBody>
-          <a:bodyPr tIns="180000" rtlCol="0" anchor="t"/>
+          <a:bodyPr rtlCol="0" anchor="ctr"/>
           <a:lstStyle/>
           <a:p>
-            <a:pPr marL="285750" indent="-285750">
-              <a:buFont typeface="Arial" panose="020B0604020202020204" pitchFamily="34" charset="0"/>
-              <a:buChar char="•"/>
-            </a:pPr>
+            <a:pPr algn="ctr"/>
+            <a:endParaRPr lang="de-DE" dirty="0"/>
+          </a:p>
+        </p:txBody>
+      </p:sp>
+      <p:sp>
+        <p:nvSpPr>
+          <p:cNvPr id="22" name="Oval 54">
+            <a:extLst>
+              <a:ext uri="{FF2B5EF4-FFF2-40B4-BE49-F238E27FC236}">
+                <a16:creationId xmlns:a16="http://schemas.microsoft.com/office/drawing/2014/main" xmlns="" id="{A65E12B4-4201-2148-B5CA-CF3C353E009F}"/>
+              </a:ext>
+            </a:extLst>
+          </p:cNvPr>
+          <p:cNvSpPr/>
+          <p:nvPr/>
+        </p:nvSpPr>
+        <p:spPr>
+          <a:xfrm>
+            <a:off x="2150498" y="4127053"/>
+            <a:ext cx="402772" cy="206828"/>
+          </a:xfrm>
+          <a:prstGeom prst="ellipse">
+            <a:avLst/>
+          </a:prstGeom>
+          <a:noFill/>
+          <a:ln w="19050">
+            <a:solidFill>
+              <a:srgbClr val="000000"/>
+            </a:solidFill>
+          </a:ln>
+        </p:spPr>
+        <p:style>
+          <a:lnRef idx="2">
+            <a:schemeClr val="accent1">
+              <a:shade val="50000"/>
+            </a:schemeClr>
+          </a:lnRef>
+          <a:fillRef idx="1">
+            <a:schemeClr val="accent1"/>
+          </a:fillRef>
+          <a:effectRef idx="0">
+            <a:schemeClr val="accent1"/>
+          </a:effectRef>
+          <a:fontRef idx="minor">
+            <a:schemeClr val="lt1"/>
+          </a:fontRef>
+        </p:style>
+        <p:txBody>
+          <a:bodyPr rtlCol="0" anchor="ctr"/>
+          <a:lstStyle/>
+          <a:p>
+            <a:pPr algn="ctr"/>
+            <a:endParaRPr lang="de-DE" dirty="0"/>
+          </a:p>
+        </p:txBody>
+      </p:sp>
+      <mc:AlternateContent xmlns:mc="http://schemas.openxmlformats.org/markup-compatibility/2006">
+        <mc:Choice xmlns:p14="http://schemas.microsoft.com/office/powerpoint/2010/main" Requires="p14">
+          <p:contentPart p14:bwMode="auto" r:id="rId3">
+            <p14:nvContentPartPr>
+              <p14:cNvPr id="23" name="Freihand 22">
+                <a:extLst>
+                  <a:ext uri="{FF2B5EF4-FFF2-40B4-BE49-F238E27FC236}">
+                    <a16:creationId xmlns:a16="http://schemas.microsoft.com/office/drawing/2014/main" xmlns="" id="{5B3C06F8-598F-844F-A3A1-C175A796CC1F}"/>
+                  </a:ext>
+                </a:extLst>
+              </p14:cNvPr>
+              <p14:cNvContentPartPr/>
+              <p14:nvPr/>
+            </p14:nvContentPartPr>
+            <p14:xfrm>
+              <a:off x="992136" y="2507902"/>
+              <a:ext cx="1425960" cy="1722600"/>
+            </p14:xfrm>
+          </p:contentPart>
+        </mc:Choice>
+        <mc:Fallback>
+          <p:pic>
+            <p:nvPicPr>
+              <p:cNvPr id="23" name="Freihand 22">
+                <a:extLst>
+                  <a:ext uri="{FF2B5EF4-FFF2-40B4-BE49-F238E27FC236}">
+                    <a16:creationId xmlns:a16="http://schemas.microsoft.com/office/drawing/2014/main" xmlns:p14="http://schemas.microsoft.com/office/powerpoint/2010/main" xmlns="" id="{5B3C06F8-598F-844F-A3A1-C175A796CC1F}"/>
+                  </a:ext>
+                </a:extLst>
+              </p:cNvPr>
+              <p:cNvPicPr/>
+              <p:nvPr/>
+            </p:nvPicPr>
+            <p:blipFill>
+              <a:blip r:embed="rId4"/>
+              <a:stretch>
+                <a:fillRect/>
+              </a:stretch>
+            </p:blipFill>
+            <p:spPr>
+              <a:xfrm>
+                <a:off x="979896" y="2495662"/>
+                <a:ext cx="1450440" cy="1747080"/>
+              </a:xfrm>
+              <a:prstGeom prst="rect">
+                <a:avLst/>
+              </a:prstGeom>
+            </p:spPr>
+          </p:pic>
+        </mc:Fallback>
+      </mc:AlternateContent>
+      <mc:AlternateContent xmlns:mc="http://schemas.openxmlformats.org/markup-compatibility/2006">
+        <mc:Choice xmlns:p14="http://schemas.microsoft.com/office/powerpoint/2010/main" Requires="p14">
+          <p:contentPart p14:bwMode="auto" r:id="rId5">
+            <p14:nvContentPartPr>
+              <p14:cNvPr id="24" name="Freihand 23">
+                <a:extLst>
+                  <a:ext uri="{FF2B5EF4-FFF2-40B4-BE49-F238E27FC236}">
+                    <a16:creationId xmlns:a16="http://schemas.microsoft.com/office/drawing/2014/main" xmlns="" id="{082C1878-4FC7-A046-A15C-155DA5A4994F}"/>
+                  </a:ext>
+                </a:extLst>
+              </p14:cNvPr>
+              <p14:cNvContentPartPr/>
+              <p14:nvPr/>
+            </p14:nvContentPartPr>
+            <p14:xfrm>
+              <a:off x="1601103" y="2129936"/>
+              <a:ext cx="18360" cy="48600"/>
+            </p14:xfrm>
+          </p:contentPart>
+        </mc:Choice>
+        <mc:Fallback>
+          <p:pic>
+            <p:nvPicPr>
+              <p:cNvPr id="24" name="Freihand 23">
+                <a:extLst>
+                  <a:ext uri="{FF2B5EF4-FFF2-40B4-BE49-F238E27FC236}">
+                    <a16:creationId xmlns:a16="http://schemas.microsoft.com/office/drawing/2014/main" xmlns:p14="http://schemas.microsoft.com/office/powerpoint/2010/main" xmlns="" id="{082C1878-4FC7-A046-A15C-155DA5A4994F}"/>
+                  </a:ext>
+                </a:extLst>
+              </p:cNvPr>
+              <p:cNvPicPr/>
+              <p:nvPr/>
+            </p:nvPicPr>
+            <p:blipFill>
+              <a:blip r:embed="rId6"/>
+              <a:stretch>
+                <a:fillRect/>
+              </a:stretch>
+            </p:blipFill>
+            <p:spPr>
+              <a:xfrm>
+                <a:off x="1588863" y="2117696"/>
+                <a:ext cx="42840" cy="73080"/>
+              </a:xfrm>
+              <a:prstGeom prst="rect">
+                <a:avLst/>
+              </a:prstGeom>
+            </p:spPr>
+          </p:pic>
+        </mc:Fallback>
+      </mc:AlternateContent>
+      <mc:AlternateContent xmlns:mc="http://schemas.openxmlformats.org/markup-compatibility/2006">
+        <mc:Choice xmlns:p14="http://schemas.microsoft.com/office/powerpoint/2010/main" Requires="p14">
+          <p:contentPart p14:bwMode="auto" r:id="rId7">
+            <p14:nvContentPartPr>
+              <p14:cNvPr id="25" name="Freihand 24">
+                <a:extLst>
+                  <a:ext uri="{FF2B5EF4-FFF2-40B4-BE49-F238E27FC236}">
+                    <a16:creationId xmlns:a16="http://schemas.microsoft.com/office/drawing/2014/main" xmlns="" id="{4493D0F5-C439-AB47-A7AB-C5899EB6F429}"/>
+                  </a:ext>
+                </a:extLst>
+              </p14:cNvPr>
+              <p14:cNvContentPartPr/>
+              <p14:nvPr/>
+            </p14:nvContentPartPr>
+            <p14:xfrm>
+              <a:off x="1828263" y="2159456"/>
+              <a:ext cx="30240" cy="45000"/>
+            </p14:xfrm>
+          </p:contentPart>
+        </mc:Choice>
+        <mc:Fallback>
+          <p:pic>
+            <p:nvPicPr>
+              <p:cNvPr id="25" name="Freihand 24">
+                <a:extLst>
+                  <a:ext uri="{FF2B5EF4-FFF2-40B4-BE49-F238E27FC236}">
+                    <a16:creationId xmlns:a16="http://schemas.microsoft.com/office/drawing/2014/main" xmlns:p14="http://schemas.microsoft.com/office/powerpoint/2010/main" xmlns="" id="{4493D0F5-C439-AB47-A7AB-C5899EB6F429}"/>
+                  </a:ext>
+                </a:extLst>
+              </p:cNvPr>
+              <p:cNvPicPr/>
+              <p:nvPr/>
+            </p:nvPicPr>
+            <p:blipFill>
+              <a:blip r:embed="rId8"/>
+              <a:stretch>
+                <a:fillRect/>
+              </a:stretch>
+            </p:blipFill>
+            <p:spPr>
+              <a:xfrm>
+                <a:off x="1816023" y="2147216"/>
+                <a:ext cx="55080" cy="69480"/>
+              </a:xfrm>
+              <a:prstGeom prst="rect">
+                <a:avLst/>
+              </a:prstGeom>
+            </p:spPr>
+          </p:pic>
+        </mc:Fallback>
+      </mc:AlternateContent>
+      <mc:AlternateContent xmlns:mc="http://schemas.openxmlformats.org/markup-compatibility/2006">
+        <mc:Choice xmlns:p14="http://schemas.microsoft.com/office/powerpoint/2010/main" Requires="p14">
+          <p:contentPart p14:bwMode="auto" r:id="rId9">
+            <p14:nvContentPartPr>
+              <p14:cNvPr id="26" name="Freihand 25">
+                <a:extLst>
+                  <a:ext uri="{FF2B5EF4-FFF2-40B4-BE49-F238E27FC236}">
+                    <a16:creationId xmlns:a16="http://schemas.microsoft.com/office/drawing/2014/main" xmlns="" id="{748AF862-0F58-C846-9997-89FE1E796ACE}"/>
+                  </a:ext>
+                </a:extLst>
+              </p14:cNvPr>
+              <p14:cNvContentPartPr/>
+              <p14:nvPr/>
+            </p14:nvContentPartPr>
+            <p14:xfrm>
+              <a:off x="1603623" y="2362496"/>
+              <a:ext cx="295920" cy="19080"/>
+            </p14:xfrm>
+          </p:contentPart>
+        </mc:Choice>
+        <mc:Fallback>
+          <p:pic>
+            <p:nvPicPr>
+              <p:cNvPr id="26" name="Freihand 25">
+                <a:extLst>
+                  <a:ext uri="{FF2B5EF4-FFF2-40B4-BE49-F238E27FC236}">
+                    <a16:creationId xmlns:a16="http://schemas.microsoft.com/office/drawing/2014/main" xmlns:p14="http://schemas.microsoft.com/office/powerpoint/2010/main" xmlns="" id="{748AF862-0F58-C846-9997-89FE1E796ACE}"/>
+                  </a:ext>
+                </a:extLst>
+              </p:cNvPr>
+              <p:cNvPicPr/>
+              <p:nvPr/>
+            </p:nvPicPr>
+            <p:blipFill>
+              <a:blip r:embed="rId10"/>
+              <a:stretch>
+                <a:fillRect/>
+              </a:stretch>
+            </p:blipFill>
+            <p:spPr>
+              <a:xfrm>
+                <a:off x="1591383" y="2350256"/>
+                <a:ext cx="320400" cy="43920"/>
+              </a:xfrm>
+              <a:prstGeom prst="rect">
+                <a:avLst/>
+              </a:prstGeom>
+            </p:spPr>
+          </p:pic>
+        </mc:Fallback>
+      </mc:AlternateContent>
+      <p:sp>
+        <p:nvSpPr>
+          <p:cNvPr id="27" name="Textfeld 26">
+            <a:extLst>
+              <a:ext uri="{FF2B5EF4-FFF2-40B4-BE49-F238E27FC236}">
+                <a16:creationId xmlns:a16="http://schemas.microsoft.com/office/drawing/2014/main" xmlns="" id="{78AA0267-66A5-6246-A3BD-117F333C6256}"/>
+              </a:ext>
+            </a:extLst>
+          </p:cNvPr>
+          <p:cNvSpPr txBox="1"/>
+          <p:nvPr/>
+        </p:nvSpPr>
+        <p:spPr>
+          <a:xfrm>
+            <a:off x="992136" y="1415777"/>
+            <a:ext cx="478016" cy="830997"/>
+          </a:xfrm>
+          <a:prstGeom prst="rect">
+            <a:avLst/>
+          </a:prstGeom>
+          <a:noFill/>
+        </p:spPr>
+        <p:txBody>
+          <a:bodyPr wrap="none" rtlCol="0">
+            <a:spAutoFit/>
+          </a:bodyPr>
+          <a:lstStyle/>
+          <a:p>
             <a:r>
-              <a:rPr lang="de-DE" dirty="0">
-                <a:solidFill>
-                  <a:schemeClr val="tx1"/>
-                </a:solidFill>
-              </a:rPr>
-              <a:t>Glücklicher Nutzer (Bild)</a:t>
+              <a:rPr lang="de-DE" sz="4800" b="1" dirty="0"/>
+              <a:t>?</a:t>
             </a:r>
+          </a:p>
+        </p:txBody>
+      </p:sp>
+      <p:sp>
+        <p:nvSpPr>
+          <p:cNvPr id="28" name="Oval 53">
+            <a:extLst>
+              <a:ext uri="{FF2B5EF4-FFF2-40B4-BE49-F238E27FC236}">
+                <a16:creationId xmlns:a16="http://schemas.microsoft.com/office/drawing/2014/main" xmlns="" id="{7A84F289-E89F-8342-8791-347A0E4F5BF9}"/>
+              </a:ext>
+            </a:extLst>
+          </p:cNvPr>
+          <p:cNvSpPr/>
+          <p:nvPr/>
+        </p:nvSpPr>
+        <p:spPr>
+          <a:xfrm>
+            <a:off x="935135" y="4161959"/>
+            <a:ext cx="402771" cy="206828"/>
+          </a:xfrm>
+          <a:prstGeom prst="ellipse">
+            <a:avLst/>
+          </a:prstGeom>
+          <a:noFill/>
+          <a:ln w="19050">
+            <a:solidFill>
+              <a:srgbClr val="000000"/>
+            </a:solidFill>
+          </a:ln>
+        </p:spPr>
+        <p:style>
+          <a:lnRef idx="2">
+            <a:schemeClr val="accent1">
+              <a:shade val="50000"/>
+            </a:schemeClr>
+          </a:lnRef>
+          <a:fillRef idx="1">
+            <a:schemeClr val="accent1"/>
+          </a:fillRef>
+          <a:effectRef idx="0">
+            <a:schemeClr val="accent1"/>
+          </a:effectRef>
+          <a:fontRef idx="minor">
+            <a:schemeClr val="lt1"/>
+          </a:fontRef>
+        </p:style>
+        <p:txBody>
+          <a:bodyPr rtlCol="0" anchor="ctr"/>
+          <a:lstStyle/>
+          <a:p>
+            <a:pPr algn="ctr"/>
+            <a:endParaRPr lang="de-DE" dirty="0"/>
+          </a:p>
+        </p:txBody>
+      </p:sp>
+      <p:sp>
+        <p:nvSpPr>
+          <p:cNvPr id="5" name="Pfeil nach rechts 4"/>
+          <p:cNvSpPr/>
+          <p:nvPr/>
+        </p:nvSpPr>
+        <p:spPr>
+          <a:xfrm>
+            <a:off x="2553270" y="2997118"/>
+            <a:ext cx="6746956" cy="294017"/>
+          </a:xfrm>
+          <a:prstGeom prst="rightArrow">
+            <a:avLst/>
+          </a:prstGeom>
+          <a:gradFill>
+            <a:gsLst>
+              <a:gs pos="0">
+                <a:schemeClr val="accent6"/>
+              </a:gs>
+              <a:gs pos="50000">
+                <a:schemeClr val="accent5"/>
+              </a:gs>
+              <a:gs pos="100000">
+                <a:schemeClr val="accent3"/>
+              </a:gs>
+            </a:gsLst>
+            <a:lin ang="0" scaled="0"/>
+          </a:gradFill>
+          <a:ln>
+            <a:noFill/>
+          </a:ln>
+        </p:spPr>
+        <p:style>
+          <a:lnRef idx="2">
+            <a:schemeClr val="accent1">
+              <a:shade val="50000"/>
+            </a:schemeClr>
+          </a:lnRef>
+          <a:fillRef idx="1">
+            <a:schemeClr val="accent1"/>
+          </a:fillRef>
+          <a:effectRef idx="0">
+            <a:schemeClr val="accent1"/>
+          </a:effectRef>
+          <a:fontRef idx="minor">
+            <a:schemeClr val="lt1"/>
+          </a:fontRef>
+        </p:style>
+        <p:txBody>
+          <a:bodyPr rtlCol="0" anchor="ctr"/>
+          <a:lstStyle/>
+          <a:p>
+            <a:pPr algn="ctr"/>
+            <a:endParaRPr lang="de-DE"/>
           </a:p>
         </p:txBody>
       </p:sp>
@@ -8172,13 +9320,7 @@
       </p:grpSpPr>
       <p:sp>
         <p:nvSpPr>
-          <p:cNvPr id="2" name="Titel 1">
-            <a:extLst>
-              <a:ext uri="{FF2B5EF4-FFF2-40B4-BE49-F238E27FC236}">
-                <a16:creationId xmlns:a16="http://schemas.microsoft.com/office/drawing/2014/main" id="{F6E6A488-0D24-D841-9C35-AF79B7250E49}"/>
-              </a:ext>
-            </a:extLst>
-          </p:cNvPr>
+          <p:cNvPr id="2" name="Titel 1"/>
           <p:cNvSpPr>
             <a:spLocks noGrp="1"/>
           </p:cNvSpPr>
@@ -8193,40 +9335,725 @@
           <a:p>
             <a:r>
               <a:rPr lang="de-DE" dirty="0"/>
-              <a:t>Modulare Anlagen</a:t>
+              <a:t>Wie sieht ein Problemlöseprozess aus?</a:t>
             </a:r>
           </a:p>
         </p:txBody>
       </p:sp>
-      <p:sp>
-        <p:nvSpPr>
-          <p:cNvPr id="3" name="Inhaltsplatzhalter 2">
+      <p:grpSp>
+        <p:nvGrpSpPr>
+          <p:cNvPr id="5" name="Gruppieren 4">
             <a:extLst>
               <a:ext uri="{FF2B5EF4-FFF2-40B4-BE49-F238E27FC236}">
-                <a16:creationId xmlns:a16="http://schemas.microsoft.com/office/drawing/2014/main" id="{590F4300-F78A-254B-A4D8-A18CA559C0D5}"/>
+                <a16:creationId xmlns:a16="http://schemas.microsoft.com/office/drawing/2014/main" xmlns="" id="{783A73D2-C025-644E-A194-3438D291D352}"/>
               </a:ext>
             </a:extLst>
           </p:cNvPr>
-          <p:cNvSpPr>
-            <a:spLocks noGrp="1"/>
-          </p:cNvSpPr>
-          <p:nvPr>
-            <p:ph sz="quarter" idx="10"/>
-          </p:nvPr>
-        </p:nvSpPr>
-        <p:spPr/>
-        <p:txBody>
-          <a:bodyPr/>
-          <a:lstStyle/>
-          <a:p>
-            <a:endParaRPr lang="de-DE"/>
-          </a:p>
-        </p:txBody>
-      </p:sp>
+          <p:cNvGrpSpPr/>
+          <p:nvPr/>
+        </p:nvGrpSpPr>
+        <p:grpSpPr>
+          <a:xfrm>
+            <a:off x="874710" y="1197487"/>
+            <a:ext cx="3302179" cy="2279491"/>
+            <a:chOff x="1780031" y="1330903"/>
+            <a:chExt cx="3302179" cy="2279491"/>
+          </a:xfrm>
+        </p:grpSpPr>
+        <p:sp>
+          <p:nvSpPr>
+            <p:cNvPr id="7" name="Rechteck 6">
+              <a:extLst>
+                <a:ext uri="{FF2B5EF4-FFF2-40B4-BE49-F238E27FC236}">
+                  <a16:creationId xmlns:a16="http://schemas.microsoft.com/office/drawing/2014/main" xmlns="" id="{4F68B8E9-417E-0141-AE27-E298ED29929C}"/>
+                </a:ext>
+              </a:extLst>
+            </p:cNvPr>
+            <p:cNvSpPr/>
+            <p:nvPr/>
+          </p:nvSpPr>
+          <p:spPr>
+            <a:xfrm>
+              <a:off x="1780031" y="1499918"/>
+              <a:ext cx="3302179" cy="2110476"/>
+            </a:xfrm>
+            <a:prstGeom prst="rect">
+              <a:avLst/>
+            </a:prstGeom>
+            <a:solidFill>
+              <a:schemeClr val="bg1"/>
+            </a:solidFill>
+            <a:ln>
+              <a:solidFill>
+                <a:schemeClr val="accent4"/>
+              </a:solidFill>
+            </a:ln>
+          </p:spPr>
+          <p:style>
+            <a:lnRef idx="2">
+              <a:schemeClr val="accent1">
+                <a:shade val="50000"/>
+              </a:schemeClr>
+            </a:lnRef>
+            <a:fillRef idx="1">
+              <a:schemeClr val="accent1"/>
+            </a:fillRef>
+            <a:effectRef idx="0">
+              <a:schemeClr val="accent1"/>
+            </a:effectRef>
+            <a:fontRef idx="minor">
+              <a:schemeClr val="lt1"/>
+            </a:fontRef>
+          </p:style>
+          <p:txBody>
+            <a:bodyPr tIns="180000" rtlCol="0" anchor="t"/>
+            <a:lstStyle/>
+            <a:p>
+              <a:pPr marL="342900" indent="-342900">
+                <a:lnSpc>
+                  <a:spcPct val="150000"/>
+                </a:lnSpc>
+                <a:buFont typeface="+mj-lt"/>
+                <a:buAutoNum type="arabicPeriod"/>
+              </a:pPr>
+              <a:r>
+                <a:rPr lang="de-DE" dirty="0" smtClean="0">
+                  <a:solidFill>
+                    <a:schemeClr val="tx1"/>
+                  </a:solidFill>
+                </a:rPr>
+                <a:t>Problemidentifikation</a:t>
+              </a:r>
+              <a:endParaRPr lang="de-DE" dirty="0">
+                <a:solidFill>
+                  <a:schemeClr val="tx1"/>
+                </a:solidFill>
+              </a:endParaRPr>
+            </a:p>
+            <a:p>
+              <a:pPr marL="342900" indent="-342900">
+                <a:lnSpc>
+                  <a:spcPct val="150000"/>
+                </a:lnSpc>
+                <a:buFont typeface="+mj-lt"/>
+                <a:buAutoNum type="arabicPeriod"/>
+              </a:pPr>
+              <a:r>
+                <a:rPr lang="de-DE" dirty="0" smtClean="0">
+                  <a:solidFill>
+                    <a:schemeClr val="tx1"/>
+                  </a:solidFill>
+                </a:rPr>
+                <a:t>Ziel- und Situationsanalyse</a:t>
+              </a:r>
+              <a:endParaRPr lang="de-DE" dirty="0">
+                <a:solidFill>
+                  <a:schemeClr val="tx1"/>
+                </a:solidFill>
+              </a:endParaRPr>
+            </a:p>
+            <a:p>
+              <a:pPr marL="342900" indent="-342900">
+                <a:lnSpc>
+                  <a:spcPct val="150000"/>
+                </a:lnSpc>
+                <a:buFont typeface="+mj-lt"/>
+                <a:buAutoNum type="arabicPeriod"/>
+              </a:pPr>
+              <a:r>
+                <a:rPr lang="de-DE" dirty="0" smtClean="0">
+                  <a:solidFill>
+                    <a:schemeClr val="tx1"/>
+                  </a:solidFill>
+                </a:rPr>
+                <a:t>Planerstellung</a:t>
+              </a:r>
+            </a:p>
+            <a:p>
+              <a:pPr marL="342900" indent="-342900">
+                <a:lnSpc>
+                  <a:spcPct val="150000"/>
+                </a:lnSpc>
+                <a:buFont typeface="+mj-lt"/>
+                <a:buAutoNum type="arabicPeriod"/>
+              </a:pPr>
+              <a:r>
+                <a:rPr lang="de-DE" dirty="0" smtClean="0">
+                  <a:solidFill>
+                    <a:schemeClr val="tx1"/>
+                  </a:solidFill>
+                </a:rPr>
+                <a:t>Planausführung</a:t>
+              </a:r>
+            </a:p>
+            <a:p>
+              <a:pPr marL="342900" indent="-342900">
+                <a:lnSpc>
+                  <a:spcPct val="150000"/>
+                </a:lnSpc>
+                <a:buFont typeface="+mj-lt"/>
+                <a:buAutoNum type="arabicPeriod"/>
+              </a:pPr>
+              <a:r>
+                <a:rPr lang="de-DE" dirty="0" smtClean="0">
+                  <a:solidFill>
+                    <a:schemeClr val="tx1"/>
+                  </a:solidFill>
+                </a:rPr>
+                <a:t>Ergebnisbewertung</a:t>
+              </a:r>
+              <a:endParaRPr lang="de-DE" dirty="0">
+                <a:solidFill>
+                  <a:schemeClr val="tx1"/>
+                </a:solidFill>
+              </a:endParaRPr>
+            </a:p>
+          </p:txBody>
+        </p:sp>
+        <p:sp>
+          <p:nvSpPr>
+            <p:cNvPr id="8" name="Rechteck 7">
+              <a:extLst>
+                <a:ext uri="{FF2B5EF4-FFF2-40B4-BE49-F238E27FC236}">
+                  <a16:creationId xmlns:a16="http://schemas.microsoft.com/office/drawing/2014/main" xmlns="" id="{B2717A64-B61E-B44C-B23D-CB509FB519CA}"/>
+                </a:ext>
+              </a:extLst>
+            </p:cNvPr>
+            <p:cNvSpPr/>
+            <p:nvPr/>
+          </p:nvSpPr>
+          <p:spPr>
+            <a:xfrm>
+              <a:off x="1977039" y="1330903"/>
+              <a:ext cx="2947125" cy="338027"/>
+            </a:xfrm>
+            <a:prstGeom prst="rect">
+              <a:avLst/>
+            </a:prstGeom>
+            <a:solidFill>
+              <a:schemeClr val="bg1"/>
+            </a:solidFill>
+            <a:ln>
+              <a:noFill/>
+            </a:ln>
+          </p:spPr>
+          <p:style>
+            <a:lnRef idx="2">
+              <a:schemeClr val="accent1">
+                <a:shade val="50000"/>
+              </a:schemeClr>
+            </a:lnRef>
+            <a:fillRef idx="1">
+              <a:schemeClr val="accent1"/>
+            </a:fillRef>
+            <a:effectRef idx="0">
+              <a:schemeClr val="accent1"/>
+            </a:effectRef>
+            <a:fontRef idx="minor">
+              <a:schemeClr val="lt1"/>
+            </a:fontRef>
+          </p:style>
+          <p:txBody>
+            <a:bodyPr rtlCol="0" anchor="ctr"/>
+            <a:lstStyle/>
+            <a:p>
+              <a:r>
+                <a:rPr lang="de-DE" sz="1600" b="1" dirty="0" smtClean="0">
+                  <a:solidFill>
+                    <a:schemeClr val="accent4"/>
+                  </a:solidFill>
+                </a:rPr>
+                <a:t>Phasen des Problemlösens</a:t>
+              </a:r>
+              <a:endParaRPr lang="de-DE" sz="1600" b="1" dirty="0">
+                <a:solidFill>
+                  <a:schemeClr val="accent4"/>
+                </a:solidFill>
+              </a:endParaRPr>
+            </a:p>
+          </p:txBody>
+        </p:sp>
+      </p:grpSp>
+      <p:grpSp>
+        <p:nvGrpSpPr>
+          <p:cNvPr id="9" name="Gruppieren 8">
+            <a:extLst>
+              <a:ext uri="{FF2B5EF4-FFF2-40B4-BE49-F238E27FC236}">
+                <a16:creationId xmlns:a16="http://schemas.microsoft.com/office/drawing/2014/main" xmlns="" id="{783A73D2-C025-644E-A194-3438D291D352}"/>
+              </a:ext>
+            </a:extLst>
+          </p:cNvPr>
+          <p:cNvGrpSpPr/>
+          <p:nvPr/>
+        </p:nvGrpSpPr>
+        <p:grpSpPr>
+          <a:xfrm>
+            <a:off x="874710" y="3645993"/>
+            <a:ext cx="3432001" cy="2279491"/>
+            <a:chOff x="1780031" y="1330903"/>
+            <a:chExt cx="3432001" cy="2279491"/>
+          </a:xfrm>
+        </p:grpSpPr>
+        <p:sp>
+          <p:nvSpPr>
+            <p:cNvPr id="10" name="Rechteck 9">
+              <a:extLst>
+                <a:ext uri="{FF2B5EF4-FFF2-40B4-BE49-F238E27FC236}">
+                  <a16:creationId xmlns:a16="http://schemas.microsoft.com/office/drawing/2014/main" xmlns="" id="{4F68B8E9-417E-0141-AE27-E298ED29929C}"/>
+                </a:ext>
+              </a:extLst>
+            </p:cNvPr>
+            <p:cNvSpPr/>
+            <p:nvPr/>
+          </p:nvSpPr>
+          <p:spPr>
+            <a:xfrm>
+              <a:off x="1780031" y="1499918"/>
+              <a:ext cx="3432001" cy="2110476"/>
+            </a:xfrm>
+            <a:prstGeom prst="rect">
+              <a:avLst/>
+            </a:prstGeom>
+            <a:solidFill>
+              <a:schemeClr val="bg1"/>
+            </a:solidFill>
+            <a:ln>
+              <a:solidFill>
+                <a:schemeClr val="accent4"/>
+              </a:solidFill>
+            </a:ln>
+          </p:spPr>
+          <p:style>
+            <a:lnRef idx="2">
+              <a:schemeClr val="accent1">
+                <a:shade val="50000"/>
+              </a:schemeClr>
+            </a:lnRef>
+            <a:fillRef idx="1">
+              <a:schemeClr val="accent1"/>
+            </a:fillRef>
+            <a:effectRef idx="0">
+              <a:schemeClr val="accent1"/>
+            </a:effectRef>
+            <a:fontRef idx="minor">
+              <a:schemeClr val="lt1"/>
+            </a:fontRef>
+          </p:style>
+          <p:txBody>
+            <a:bodyPr tIns="180000" rtlCol="0" anchor="t"/>
+            <a:lstStyle/>
+            <a:p>
+              <a:pPr marL="342900" indent="-342900">
+                <a:lnSpc>
+                  <a:spcPct val="150000"/>
+                </a:lnSpc>
+                <a:buFont typeface="Arial" panose="020B0604020202020204" pitchFamily="34" charset="0"/>
+                <a:buChar char="•"/>
+              </a:pPr>
+              <a:r>
+                <a:rPr lang="de-DE" dirty="0" smtClean="0">
+                  <a:solidFill>
+                    <a:schemeClr val="tx1"/>
+                  </a:solidFill>
+                </a:rPr>
+                <a:t>Klarheit</a:t>
+              </a:r>
+              <a:endParaRPr lang="de-DE" dirty="0">
+                <a:solidFill>
+                  <a:schemeClr val="tx1"/>
+                </a:solidFill>
+              </a:endParaRPr>
+            </a:p>
+            <a:p>
+              <a:pPr marL="342900" indent="-342900">
+                <a:lnSpc>
+                  <a:spcPct val="150000"/>
+                </a:lnSpc>
+                <a:buFont typeface="Arial" panose="020B0604020202020204" pitchFamily="34" charset="0"/>
+                <a:buChar char="•"/>
+              </a:pPr>
+              <a:r>
+                <a:rPr lang="de-DE" dirty="0" smtClean="0">
+                  <a:solidFill>
+                    <a:schemeClr val="tx1"/>
+                  </a:solidFill>
+                </a:rPr>
+                <a:t>Zeitskala</a:t>
+              </a:r>
+              <a:endParaRPr lang="de-DE" dirty="0">
+                <a:solidFill>
+                  <a:schemeClr val="tx1"/>
+                </a:solidFill>
+              </a:endParaRPr>
+            </a:p>
+            <a:p>
+              <a:pPr marL="342900" indent="-342900">
+                <a:lnSpc>
+                  <a:spcPct val="150000"/>
+                </a:lnSpc>
+                <a:buFont typeface="Arial" panose="020B0604020202020204" pitchFamily="34" charset="0"/>
+                <a:buChar char="•"/>
+              </a:pPr>
+              <a:r>
+                <a:rPr lang="de-DE" dirty="0" smtClean="0">
+                  <a:solidFill>
+                    <a:schemeClr val="tx1"/>
+                  </a:solidFill>
+                </a:rPr>
+                <a:t>Zeitdruck</a:t>
+              </a:r>
+            </a:p>
+            <a:p>
+              <a:pPr marL="342900" indent="-342900">
+                <a:lnSpc>
+                  <a:spcPct val="150000"/>
+                </a:lnSpc>
+                <a:buFont typeface="Arial" panose="020B0604020202020204" pitchFamily="34" charset="0"/>
+                <a:buChar char="•"/>
+              </a:pPr>
+              <a:r>
+                <a:rPr lang="de-DE" dirty="0" smtClean="0">
+                  <a:solidFill>
+                    <a:schemeClr val="tx1"/>
+                  </a:solidFill>
+                </a:rPr>
+                <a:t>Geforderte kognitive Aktivität</a:t>
+              </a:r>
+            </a:p>
+            <a:p>
+              <a:pPr marL="342900" indent="-342900">
+                <a:lnSpc>
+                  <a:spcPct val="150000"/>
+                </a:lnSpc>
+                <a:buFont typeface="Arial" panose="020B0604020202020204" pitchFamily="34" charset="0"/>
+                <a:buChar char="•"/>
+              </a:pPr>
+              <a:r>
+                <a:rPr lang="de-DE" dirty="0" smtClean="0">
+                  <a:solidFill>
+                    <a:schemeClr val="tx1"/>
+                  </a:solidFill>
+                </a:rPr>
+                <a:t>Bereich</a:t>
+              </a:r>
+              <a:endParaRPr lang="de-DE" dirty="0">
+                <a:solidFill>
+                  <a:schemeClr val="tx1"/>
+                </a:solidFill>
+              </a:endParaRPr>
+            </a:p>
+          </p:txBody>
+        </p:sp>
+        <p:sp>
+          <p:nvSpPr>
+            <p:cNvPr id="11" name="Rechteck 10">
+              <a:extLst>
+                <a:ext uri="{FF2B5EF4-FFF2-40B4-BE49-F238E27FC236}">
+                  <a16:creationId xmlns:a16="http://schemas.microsoft.com/office/drawing/2014/main" xmlns="" id="{B2717A64-B61E-B44C-B23D-CB509FB519CA}"/>
+                </a:ext>
+              </a:extLst>
+            </p:cNvPr>
+            <p:cNvSpPr/>
+            <p:nvPr/>
+          </p:nvSpPr>
+          <p:spPr>
+            <a:xfrm>
+              <a:off x="1977040" y="1330903"/>
+              <a:ext cx="2681838" cy="338027"/>
+            </a:xfrm>
+            <a:prstGeom prst="rect">
+              <a:avLst/>
+            </a:prstGeom>
+            <a:solidFill>
+              <a:schemeClr val="bg1"/>
+            </a:solidFill>
+            <a:ln>
+              <a:noFill/>
+            </a:ln>
+          </p:spPr>
+          <p:style>
+            <a:lnRef idx="2">
+              <a:schemeClr val="accent1">
+                <a:shade val="50000"/>
+              </a:schemeClr>
+            </a:lnRef>
+            <a:fillRef idx="1">
+              <a:schemeClr val="accent1"/>
+            </a:fillRef>
+            <a:effectRef idx="0">
+              <a:schemeClr val="accent1"/>
+            </a:effectRef>
+            <a:fontRef idx="minor">
+              <a:schemeClr val="lt1"/>
+            </a:fontRef>
+          </p:style>
+          <p:txBody>
+            <a:bodyPr rtlCol="0" anchor="ctr"/>
+            <a:lstStyle/>
+            <a:p>
+              <a:r>
+                <a:rPr lang="de-DE" sz="1600" b="1" dirty="0" smtClean="0">
+                  <a:solidFill>
+                    <a:schemeClr val="accent4"/>
+                  </a:solidFill>
+                </a:rPr>
+                <a:t>Probleme unterscheiden</a:t>
+              </a:r>
+              <a:endParaRPr lang="de-DE" sz="1600" b="1" dirty="0">
+                <a:solidFill>
+                  <a:schemeClr val="accent4"/>
+                </a:solidFill>
+              </a:endParaRPr>
+            </a:p>
+          </p:txBody>
+        </p:sp>
+      </p:grpSp>
+      <p:grpSp>
+        <p:nvGrpSpPr>
+          <p:cNvPr id="12" name="Gruppieren 11">
+            <a:extLst>
+              <a:ext uri="{FF2B5EF4-FFF2-40B4-BE49-F238E27FC236}">
+                <a16:creationId xmlns:a16="http://schemas.microsoft.com/office/drawing/2014/main" xmlns="" id="{783A73D2-C025-644E-A194-3438D291D352}"/>
+              </a:ext>
+            </a:extLst>
+          </p:cNvPr>
+          <p:cNvGrpSpPr/>
+          <p:nvPr/>
+        </p:nvGrpSpPr>
+        <p:grpSpPr>
+          <a:xfrm>
+            <a:off x="4718577" y="3645357"/>
+            <a:ext cx="4481868" cy="2279491"/>
+            <a:chOff x="1780031" y="1330903"/>
+            <a:chExt cx="4481868" cy="2279491"/>
+          </a:xfrm>
+        </p:grpSpPr>
+        <p:sp>
+          <p:nvSpPr>
+            <p:cNvPr id="13" name="Rechteck 12">
+              <a:extLst>
+                <a:ext uri="{FF2B5EF4-FFF2-40B4-BE49-F238E27FC236}">
+                  <a16:creationId xmlns:a16="http://schemas.microsoft.com/office/drawing/2014/main" xmlns="" id="{4F68B8E9-417E-0141-AE27-E298ED29929C}"/>
+                </a:ext>
+              </a:extLst>
+            </p:cNvPr>
+            <p:cNvSpPr/>
+            <p:nvPr/>
+          </p:nvSpPr>
+          <p:spPr>
+            <a:xfrm>
+              <a:off x="1780031" y="1499918"/>
+              <a:ext cx="4481868" cy="2110476"/>
+            </a:xfrm>
+            <a:prstGeom prst="rect">
+              <a:avLst/>
+            </a:prstGeom>
+            <a:solidFill>
+              <a:schemeClr val="bg1"/>
+            </a:solidFill>
+            <a:ln>
+              <a:solidFill>
+                <a:schemeClr val="accent4"/>
+              </a:solidFill>
+            </a:ln>
+          </p:spPr>
+          <p:style>
+            <a:lnRef idx="2">
+              <a:schemeClr val="accent1">
+                <a:shade val="50000"/>
+              </a:schemeClr>
+            </a:lnRef>
+            <a:fillRef idx="1">
+              <a:schemeClr val="accent1"/>
+            </a:fillRef>
+            <a:effectRef idx="0">
+              <a:schemeClr val="accent1"/>
+            </a:effectRef>
+            <a:fontRef idx="minor">
+              <a:schemeClr val="lt1"/>
+            </a:fontRef>
+          </p:style>
+          <p:txBody>
+            <a:bodyPr tIns="180000" rtlCol="0" anchor="t"/>
+            <a:lstStyle/>
+            <a:p>
+              <a:pPr marL="342900" indent="-342900">
+                <a:lnSpc>
+                  <a:spcPct val="150000"/>
+                </a:lnSpc>
+                <a:buFont typeface="Arial" panose="020B0604020202020204" pitchFamily="34" charset="0"/>
+                <a:buChar char="•"/>
+              </a:pPr>
+              <a:r>
+                <a:rPr lang="de-DE" dirty="0" smtClean="0">
+                  <a:solidFill>
+                    <a:schemeClr val="tx1"/>
+                  </a:solidFill>
+                </a:rPr>
+                <a:t>Komplexität der Problemsituation</a:t>
+              </a:r>
+              <a:endParaRPr lang="de-DE" dirty="0">
+                <a:solidFill>
+                  <a:schemeClr val="tx1"/>
+                </a:solidFill>
+              </a:endParaRPr>
+            </a:p>
+            <a:p>
+              <a:pPr marL="342900" indent="-342900">
+                <a:lnSpc>
+                  <a:spcPct val="150000"/>
+                </a:lnSpc>
+                <a:buFont typeface="Arial" panose="020B0604020202020204" pitchFamily="34" charset="0"/>
+                <a:buChar char="•"/>
+              </a:pPr>
+              <a:r>
+                <a:rPr lang="de-DE" dirty="0" err="1" smtClean="0">
+                  <a:solidFill>
+                    <a:schemeClr val="tx1"/>
+                  </a:solidFill>
+                </a:rPr>
+                <a:t>Vernetztheit</a:t>
+              </a:r>
+              <a:r>
+                <a:rPr lang="de-DE" dirty="0" smtClean="0">
+                  <a:solidFill>
+                    <a:schemeClr val="tx1"/>
+                  </a:solidFill>
+                </a:rPr>
+                <a:t> der beteiligten Variablen</a:t>
+              </a:r>
+              <a:endParaRPr lang="de-DE" dirty="0">
+                <a:solidFill>
+                  <a:schemeClr val="tx1"/>
+                </a:solidFill>
+              </a:endParaRPr>
+            </a:p>
+            <a:p>
+              <a:pPr marL="342900" indent="-342900">
+                <a:lnSpc>
+                  <a:spcPct val="150000"/>
+                </a:lnSpc>
+                <a:buFont typeface="Arial" panose="020B0604020202020204" pitchFamily="34" charset="0"/>
+                <a:buChar char="•"/>
+              </a:pPr>
+              <a:r>
+                <a:rPr lang="de-DE" dirty="0" smtClean="0">
+                  <a:solidFill>
+                    <a:schemeClr val="tx1"/>
+                  </a:solidFill>
+                </a:rPr>
+                <a:t>Dynamik der Problemsituation</a:t>
+              </a:r>
+            </a:p>
+            <a:p>
+              <a:pPr marL="342900" indent="-342900">
+                <a:lnSpc>
+                  <a:spcPct val="150000"/>
+                </a:lnSpc>
+                <a:buFont typeface="Arial" panose="020B0604020202020204" pitchFamily="34" charset="0"/>
+                <a:buChar char="•"/>
+              </a:pPr>
+              <a:r>
+                <a:rPr lang="de-DE" dirty="0" smtClean="0">
+                  <a:solidFill>
+                    <a:schemeClr val="tx1"/>
+                  </a:solidFill>
+                </a:rPr>
+                <a:t>Intransparenz</a:t>
+              </a:r>
+            </a:p>
+            <a:p>
+              <a:pPr marL="342900" indent="-342900">
+                <a:lnSpc>
+                  <a:spcPct val="150000"/>
+                </a:lnSpc>
+                <a:buFont typeface="Arial" panose="020B0604020202020204" pitchFamily="34" charset="0"/>
+                <a:buChar char="•"/>
+              </a:pPr>
+              <a:r>
+                <a:rPr lang="de-DE" dirty="0" smtClean="0">
+                  <a:solidFill>
+                    <a:schemeClr val="tx1"/>
+                  </a:solidFill>
+                </a:rPr>
+                <a:t>Projektile</a:t>
+              </a:r>
+              <a:endParaRPr lang="de-DE" dirty="0">
+                <a:solidFill>
+                  <a:schemeClr val="tx1"/>
+                </a:solidFill>
+              </a:endParaRPr>
+            </a:p>
+          </p:txBody>
+        </p:sp>
+        <p:sp>
+          <p:nvSpPr>
+            <p:cNvPr id="14" name="Rechteck 13">
+              <a:extLst>
+                <a:ext uri="{FF2B5EF4-FFF2-40B4-BE49-F238E27FC236}">
+                  <a16:creationId xmlns:a16="http://schemas.microsoft.com/office/drawing/2014/main" xmlns="" id="{B2717A64-B61E-B44C-B23D-CB509FB519CA}"/>
+                </a:ext>
+              </a:extLst>
+            </p:cNvPr>
+            <p:cNvSpPr/>
+            <p:nvPr/>
+          </p:nvSpPr>
+          <p:spPr>
+            <a:xfrm>
+              <a:off x="1977040" y="1330903"/>
+              <a:ext cx="2230281" cy="338027"/>
+            </a:xfrm>
+            <a:prstGeom prst="rect">
+              <a:avLst/>
+            </a:prstGeom>
+            <a:solidFill>
+              <a:schemeClr val="bg1"/>
+            </a:solidFill>
+            <a:ln>
+              <a:noFill/>
+            </a:ln>
+          </p:spPr>
+          <p:style>
+            <a:lnRef idx="2">
+              <a:schemeClr val="accent1">
+                <a:shade val="50000"/>
+              </a:schemeClr>
+            </a:lnRef>
+            <a:fillRef idx="1">
+              <a:schemeClr val="accent1"/>
+            </a:fillRef>
+            <a:effectRef idx="0">
+              <a:schemeClr val="accent1"/>
+            </a:effectRef>
+            <a:fontRef idx="minor">
+              <a:schemeClr val="lt1"/>
+            </a:fontRef>
+          </p:style>
+          <p:txBody>
+            <a:bodyPr rtlCol="0" anchor="ctr"/>
+            <a:lstStyle/>
+            <a:p>
+              <a:r>
+                <a:rPr lang="de-DE" sz="1600" b="1" dirty="0" smtClean="0">
+                  <a:solidFill>
+                    <a:schemeClr val="accent4"/>
+                  </a:solidFill>
+                </a:rPr>
+                <a:t>Komplexe Probleme</a:t>
+              </a:r>
+              <a:endParaRPr lang="de-DE" sz="1600" b="1" dirty="0">
+                <a:solidFill>
+                  <a:schemeClr val="accent4"/>
+                </a:solidFill>
+              </a:endParaRPr>
+            </a:p>
+          </p:txBody>
+        </p:sp>
+      </p:grpSp>
     </p:spTree>
     <p:extLst>
       <p:ext uri="{BB962C8B-B14F-4D97-AF65-F5344CB8AC3E}">
-        <p14:creationId xmlns:p14="http://schemas.microsoft.com/office/powerpoint/2010/main" val="1612402506"/>
+        <p14:creationId xmlns:p14="http://schemas.microsoft.com/office/powerpoint/2010/main" val="138072392"/>
       </p:ext>
     </p:extLst>
   </p:cSld>
@@ -8275,25 +10102,1056 @@
           </a:p>
         </p:txBody>
       </p:sp>
-      <p:sp>
-        <p:nvSpPr>
-          <p:cNvPr id="3" name="Inhaltsplatzhalter 2"/>
-          <p:cNvSpPr>
-            <a:spLocks noGrp="1"/>
-          </p:cNvSpPr>
-          <p:nvPr>
-            <p:ph sz="quarter" idx="10"/>
-          </p:nvPr>
-        </p:nvSpPr>
-        <p:spPr/>
-        <p:txBody>
-          <a:bodyPr/>
-          <a:lstStyle/>
-          <a:p>
-            <a:endParaRPr lang="de-DE"/>
-          </a:p>
-        </p:txBody>
-      </p:sp>
+      <p:grpSp>
+        <p:nvGrpSpPr>
+          <p:cNvPr id="4" name="Gruppieren 3">
+            <a:extLst>
+              <a:ext uri="{FF2B5EF4-FFF2-40B4-BE49-F238E27FC236}">
+                <a16:creationId xmlns:a16="http://schemas.microsoft.com/office/drawing/2014/main" xmlns="" id="{783A73D2-C025-644E-A194-3438D291D352}"/>
+              </a:ext>
+            </a:extLst>
+          </p:cNvPr>
+          <p:cNvGrpSpPr/>
+          <p:nvPr/>
+        </p:nvGrpSpPr>
+        <p:grpSpPr>
+          <a:xfrm>
+            <a:off x="874710" y="1366502"/>
+            <a:ext cx="2613557" cy="1331542"/>
+            <a:chOff x="1780031" y="1330903"/>
+            <a:chExt cx="2613557" cy="1331542"/>
+          </a:xfrm>
+        </p:grpSpPr>
+        <p:sp>
+          <p:nvSpPr>
+            <p:cNvPr id="5" name="Rechteck 4">
+              <a:extLst>
+                <a:ext uri="{FF2B5EF4-FFF2-40B4-BE49-F238E27FC236}">
+                  <a16:creationId xmlns:a16="http://schemas.microsoft.com/office/drawing/2014/main" xmlns="" id="{4F68B8E9-417E-0141-AE27-E298ED29929C}"/>
+                </a:ext>
+              </a:extLst>
+            </p:cNvPr>
+            <p:cNvSpPr/>
+            <p:nvPr/>
+          </p:nvSpPr>
+          <p:spPr>
+            <a:xfrm>
+              <a:off x="1780031" y="1499918"/>
+              <a:ext cx="2613557" cy="1162527"/>
+            </a:xfrm>
+            <a:prstGeom prst="rect">
+              <a:avLst/>
+            </a:prstGeom>
+            <a:solidFill>
+              <a:schemeClr val="bg1"/>
+            </a:solidFill>
+            <a:ln>
+              <a:solidFill>
+                <a:schemeClr val="accent4"/>
+              </a:solidFill>
+            </a:ln>
+          </p:spPr>
+          <p:style>
+            <a:lnRef idx="2">
+              <a:schemeClr val="accent1">
+                <a:shade val="50000"/>
+              </a:schemeClr>
+            </a:lnRef>
+            <a:fillRef idx="1">
+              <a:schemeClr val="accent1"/>
+            </a:fillRef>
+            <a:effectRef idx="0">
+              <a:schemeClr val="accent1"/>
+            </a:effectRef>
+            <a:fontRef idx="minor">
+              <a:schemeClr val="lt1"/>
+            </a:fontRef>
+          </p:style>
+          <p:txBody>
+            <a:bodyPr tIns="180000" rtlCol="0" anchor="t"/>
+            <a:lstStyle/>
+            <a:p>
+              <a:pPr marL="342900" indent="-342900">
+                <a:lnSpc>
+                  <a:spcPct val="120000"/>
+                </a:lnSpc>
+                <a:buFont typeface="Arial" panose="020B0604020202020204" pitchFamily="34" charset="0"/>
+                <a:buChar char="•"/>
+              </a:pPr>
+              <a:r>
+                <a:rPr lang="de-DE" dirty="0" smtClean="0">
+                  <a:solidFill>
+                    <a:schemeClr val="tx1"/>
+                  </a:solidFill>
+                </a:rPr>
+                <a:t>Warnung vor Fehlern</a:t>
+              </a:r>
+              <a:endParaRPr lang="de-DE" dirty="0">
+                <a:solidFill>
+                  <a:schemeClr val="tx1"/>
+                </a:solidFill>
+              </a:endParaRPr>
+            </a:p>
+            <a:p>
+              <a:pPr marL="342900" indent="-342900">
+                <a:lnSpc>
+                  <a:spcPct val="120000"/>
+                </a:lnSpc>
+                <a:buFont typeface="Arial" panose="020B0604020202020204" pitchFamily="34" charset="0"/>
+                <a:buChar char="•"/>
+              </a:pPr>
+              <a:r>
+                <a:rPr lang="de-DE" dirty="0" smtClean="0">
+                  <a:solidFill>
+                    <a:schemeClr val="tx1"/>
+                  </a:solidFill>
+                </a:rPr>
+                <a:t>Signale</a:t>
+              </a:r>
+              <a:endParaRPr lang="de-DE" dirty="0">
+                <a:solidFill>
+                  <a:schemeClr val="tx1"/>
+                </a:solidFill>
+              </a:endParaRPr>
+            </a:p>
+            <a:p>
+              <a:pPr marL="342900" indent="-342900">
+                <a:lnSpc>
+                  <a:spcPct val="120000"/>
+                </a:lnSpc>
+                <a:buFont typeface="Arial" panose="020B0604020202020204" pitchFamily="34" charset="0"/>
+                <a:buChar char="•"/>
+              </a:pPr>
+              <a:r>
+                <a:rPr lang="de-DE" dirty="0" smtClean="0">
+                  <a:solidFill>
+                    <a:schemeClr val="tx1"/>
+                  </a:solidFill>
+                </a:rPr>
+                <a:t>Orientierung</a:t>
+              </a:r>
+            </a:p>
+          </p:txBody>
+        </p:sp>
+        <p:sp>
+          <p:nvSpPr>
+            <p:cNvPr id="6" name="Rechteck 5">
+              <a:extLst>
+                <a:ext uri="{FF2B5EF4-FFF2-40B4-BE49-F238E27FC236}">
+                  <a16:creationId xmlns:a16="http://schemas.microsoft.com/office/drawing/2014/main" xmlns="" id="{B2717A64-B61E-B44C-B23D-CB509FB519CA}"/>
+                </a:ext>
+              </a:extLst>
+            </p:cNvPr>
+            <p:cNvSpPr/>
+            <p:nvPr/>
+          </p:nvSpPr>
+          <p:spPr>
+            <a:xfrm>
+              <a:off x="1977040" y="1330903"/>
+              <a:ext cx="1389259" cy="338027"/>
+            </a:xfrm>
+            <a:prstGeom prst="rect">
+              <a:avLst/>
+            </a:prstGeom>
+            <a:solidFill>
+              <a:schemeClr val="bg1"/>
+            </a:solidFill>
+            <a:ln>
+              <a:noFill/>
+            </a:ln>
+          </p:spPr>
+          <p:style>
+            <a:lnRef idx="2">
+              <a:schemeClr val="accent1">
+                <a:shade val="50000"/>
+              </a:schemeClr>
+            </a:lnRef>
+            <a:fillRef idx="1">
+              <a:schemeClr val="accent1"/>
+            </a:fillRef>
+            <a:effectRef idx="0">
+              <a:schemeClr val="accent1"/>
+            </a:effectRef>
+            <a:fontRef idx="minor">
+              <a:schemeClr val="lt1"/>
+            </a:fontRef>
+          </p:style>
+          <p:txBody>
+            <a:bodyPr rtlCol="0" anchor="ctr"/>
+            <a:lstStyle/>
+            <a:p>
+              <a:r>
+                <a:rPr lang="de-DE" sz="1600" b="1" dirty="0" smtClean="0">
+                  <a:solidFill>
+                    <a:schemeClr val="accent4"/>
+                  </a:solidFill>
+                </a:rPr>
+                <a:t>Aktivierung</a:t>
+              </a:r>
+              <a:endParaRPr lang="de-DE" sz="1600" b="1" dirty="0">
+                <a:solidFill>
+                  <a:schemeClr val="accent4"/>
+                </a:solidFill>
+              </a:endParaRPr>
+            </a:p>
+          </p:txBody>
+        </p:sp>
+      </p:grpSp>
+      <p:grpSp>
+        <p:nvGrpSpPr>
+          <p:cNvPr id="7" name="Gruppieren 6">
+            <a:extLst>
+              <a:ext uri="{FF2B5EF4-FFF2-40B4-BE49-F238E27FC236}">
+                <a16:creationId xmlns:a16="http://schemas.microsoft.com/office/drawing/2014/main" xmlns="" id="{783A73D2-C025-644E-A194-3438D291D352}"/>
+              </a:ext>
+            </a:extLst>
+          </p:cNvPr>
+          <p:cNvGrpSpPr/>
+          <p:nvPr/>
+        </p:nvGrpSpPr>
+        <p:grpSpPr>
+          <a:xfrm>
+            <a:off x="874710" y="2862602"/>
+            <a:ext cx="3100391" cy="1163074"/>
+            <a:chOff x="1760001" y="1330903"/>
+            <a:chExt cx="3100391" cy="1163074"/>
+          </a:xfrm>
+        </p:grpSpPr>
+        <p:sp>
+          <p:nvSpPr>
+            <p:cNvPr id="8" name="Rechteck 7">
+              <a:extLst>
+                <a:ext uri="{FF2B5EF4-FFF2-40B4-BE49-F238E27FC236}">
+                  <a16:creationId xmlns:a16="http://schemas.microsoft.com/office/drawing/2014/main" xmlns="" id="{4F68B8E9-417E-0141-AE27-E298ED29929C}"/>
+                </a:ext>
+              </a:extLst>
+            </p:cNvPr>
+            <p:cNvSpPr/>
+            <p:nvPr/>
+          </p:nvSpPr>
+          <p:spPr>
+            <a:xfrm>
+              <a:off x="1760001" y="1499917"/>
+              <a:ext cx="3100391" cy="994060"/>
+            </a:xfrm>
+            <a:prstGeom prst="rect">
+              <a:avLst/>
+            </a:prstGeom>
+            <a:solidFill>
+              <a:schemeClr val="bg1"/>
+            </a:solidFill>
+            <a:ln>
+              <a:solidFill>
+                <a:schemeClr val="accent4"/>
+              </a:solidFill>
+            </a:ln>
+          </p:spPr>
+          <p:style>
+            <a:lnRef idx="2">
+              <a:schemeClr val="accent1">
+                <a:shade val="50000"/>
+              </a:schemeClr>
+            </a:lnRef>
+            <a:fillRef idx="1">
+              <a:schemeClr val="accent1"/>
+            </a:fillRef>
+            <a:effectRef idx="0">
+              <a:schemeClr val="accent1"/>
+            </a:effectRef>
+            <a:fontRef idx="minor">
+              <a:schemeClr val="lt1"/>
+            </a:fontRef>
+          </p:style>
+          <p:txBody>
+            <a:bodyPr tIns="180000" rtlCol="0" anchor="t"/>
+            <a:lstStyle/>
+            <a:p>
+              <a:pPr marL="342900" indent="-342900">
+                <a:lnSpc>
+                  <a:spcPct val="150000"/>
+                </a:lnSpc>
+                <a:buFont typeface="Arial" panose="020B0604020202020204" pitchFamily="34" charset="0"/>
+                <a:buChar char="•"/>
+              </a:pPr>
+              <a:r>
+                <a:rPr lang="de-DE" dirty="0" smtClean="0">
+                  <a:solidFill>
+                    <a:schemeClr val="tx1"/>
+                  </a:solidFill>
+                </a:rPr>
+                <a:t>Kennzeichnung</a:t>
+              </a:r>
+              <a:endParaRPr lang="de-DE" dirty="0">
+                <a:solidFill>
+                  <a:schemeClr val="tx1"/>
+                </a:solidFill>
+              </a:endParaRPr>
+            </a:p>
+            <a:p>
+              <a:pPr marL="342900" indent="-342900">
+                <a:lnSpc>
+                  <a:spcPct val="150000"/>
+                </a:lnSpc>
+                <a:buFont typeface="Arial" panose="020B0604020202020204" pitchFamily="34" charset="0"/>
+                <a:buChar char="•"/>
+              </a:pPr>
+              <a:r>
+                <a:rPr lang="de-DE" dirty="0" smtClean="0">
+                  <a:solidFill>
+                    <a:schemeClr val="tx1"/>
+                  </a:solidFill>
+                </a:rPr>
+                <a:t>Erklärung</a:t>
+              </a:r>
+              <a:endParaRPr lang="de-DE" dirty="0">
+                <a:solidFill>
+                  <a:schemeClr val="tx1"/>
+                </a:solidFill>
+              </a:endParaRPr>
+            </a:p>
+          </p:txBody>
+        </p:sp>
+        <p:sp>
+          <p:nvSpPr>
+            <p:cNvPr id="9" name="Rechteck 8">
+              <a:extLst>
+                <a:ext uri="{FF2B5EF4-FFF2-40B4-BE49-F238E27FC236}">
+                  <a16:creationId xmlns:a16="http://schemas.microsoft.com/office/drawing/2014/main" xmlns="" id="{B2717A64-B61E-B44C-B23D-CB509FB519CA}"/>
+                </a:ext>
+              </a:extLst>
+            </p:cNvPr>
+            <p:cNvSpPr/>
+            <p:nvPr/>
+          </p:nvSpPr>
+          <p:spPr>
+            <a:xfrm>
+              <a:off x="1977040" y="1330903"/>
+              <a:ext cx="2666315" cy="338027"/>
+            </a:xfrm>
+            <a:prstGeom prst="rect">
+              <a:avLst/>
+            </a:prstGeom>
+            <a:solidFill>
+              <a:schemeClr val="bg1"/>
+            </a:solidFill>
+            <a:ln>
+              <a:noFill/>
+            </a:ln>
+          </p:spPr>
+          <p:style>
+            <a:lnRef idx="2">
+              <a:schemeClr val="accent1">
+                <a:shade val="50000"/>
+              </a:schemeClr>
+            </a:lnRef>
+            <a:fillRef idx="1">
+              <a:schemeClr val="accent1"/>
+            </a:fillRef>
+            <a:effectRef idx="0">
+              <a:schemeClr val="accent1"/>
+            </a:effectRef>
+            <a:fontRef idx="minor">
+              <a:schemeClr val="lt1"/>
+            </a:fontRef>
+          </p:style>
+          <p:txBody>
+            <a:bodyPr rtlCol="0" anchor="ctr"/>
+            <a:lstStyle/>
+            <a:p>
+              <a:r>
+                <a:rPr lang="de-DE" sz="1600" b="1" dirty="0" smtClean="0">
+                  <a:solidFill>
+                    <a:schemeClr val="accent4"/>
+                  </a:solidFill>
+                </a:rPr>
+                <a:t>Informationsintegration</a:t>
+              </a:r>
+              <a:endParaRPr lang="de-DE" sz="1600" b="1" dirty="0">
+                <a:solidFill>
+                  <a:schemeClr val="accent4"/>
+                </a:solidFill>
+              </a:endParaRPr>
+            </a:p>
+          </p:txBody>
+        </p:sp>
+      </p:grpSp>
+      <p:grpSp>
+        <p:nvGrpSpPr>
+          <p:cNvPr id="10" name="Gruppieren 9">
+            <a:extLst>
+              <a:ext uri="{FF2B5EF4-FFF2-40B4-BE49-F238E27FC236}">
+                <a16:creationId xmlns:a16="http://schemas.microsoft.com/office/drawing/2014/main" xmlns="" id="{783A73D2-C025-644E-A194-3438D291D352}"/>
+              </a:ext>
+            </a:extLst>
+          </p:cNvPr>
+          <p:cNvGrpSpPr/>
+          <p:nvPr/>
+        </p:nvGrpSpPr>
+        <p:grpSpPr>
+          <a:xfrm>
+            <a:off x="874712" y="4194690"/>
+            <a:ext cx="2613557" cy="2020165"/>
+            <a:chOff x="1780031" y="1330903"/>
+            <a:chExt cx="2613557" cy="2020165"/>
+          </a:xfrm>
+        </p:grpSpPr>
+        <p:sp>
+          <p:nvSpPr>
+            <p:cNvPr id="11" name="Rechteck 10">
+              <a:extLst>
+                <a:ext uri="{FF2B5EF4-FFF2-40B4-BE49-F238E27FC236}">
+                  <a16:creationId xmlns:a16="http://schemas.microsoft.com/office/drawing/2014/main" xmlns="" id="{4F68B8E9-417E-0141-AE27-E298ED29929C}"/>
+                </a:ext>
+              </a:extLst>
+            </p:cNvPr>
+            <p:cNvSpPr/>
+            <p:nvPr/>
+          </p:nvSpPr>
+          <p:spPr>
+            <a:xfrm>
+              <a:off x="1780031" y="1499918"/>
+              <a:ext cx="2613557" cy="1851150"/>
+            </a:xfrm>
+            <a:prstGeom prst="rect">
+              <a:avLst/>
+            </a:prstGeom>
+            <a:solidFill>
+              <a:schemeClr val="bg1"/>
+            </a:solidFill>
+            <a:ln>
+              <a:solidFill>
+                <a:schemeClr val="accent4"/>
+              </a:solidFill>
+            </a:ln>
+          </p:spPr>
+          <p:style>
+            <a:lnRef idx="2">
+              <a:schemeClr val="accent1">
+                <a:shade val="50000"/>
+              </a:schemeClr>
+            </a:lnRef>
+            <a:fillRef idx="1">
+              <a:schemeClr val="accent1"/>
+            </a:fillRef>
+            <a:effectRef idx="0">
+              <a:schemeClr val="accent1"/>
+            </a:effectRef>
+            <a:fontRef idx="minor">
+              <a:schemeClr val="lt1"/>
+            </a:fontRef>
+          </p:style>
+          <p:txBody>
+            <a:bodyPr tIns="180000" rtlCol="0" anchor="t"/>
+            <a:lstStyle/>
+            <a:p>
+              <a:pPr marL="342900" indent="-342900">
+                <a:lnSpc>
+                  <a:spcPct val="150000"/>
+                </a:lnSpc>
+                <a:buFont typeface="Arial" panose="020B0604020202020204" pitchFamily="34" charset="0"/>
+                <a:buChar char="•"/>
+              </a:pPr>
+              <a:r>
+                <a:rPr lang="de-DE" dirty="0" smtClean="0">
+                  <a:solidFill>
+                    <a:schemeClr val="tx1"/>
+                  </a:solidFill>
+                </a:rPr>
+                <a:t>Bereitstellung</a:t>
+              </a:r>
+              <a:endParaRPr lang="de-DE" dirty="0">
+                <a:solidFill>
+                  <a:schemeClr val="tx1"/>
+                </a:solidFill>
+              </a:endParaRPr>
+            </a:p>
+            <a:p>
+              <a:pPr marL="342900" indent="-342900">
+                <a:lnSpc>
+                  <a:spcPct val="150000"/>
+                </a:lnSpc>
+                <a:buFont typeface="Arial" panose="020B0604020202020204" pitchFamily="34" charset="0"/>
+                <a:buChar char="•"/>
+              </a:pPr>
+              <a:r>
+                <a:rPr lang="de-DE" dirty="0" smtClean="0">
+                  <a:solidFill>
+                    <a:schemeClr val="tx1"/>
+                  </a:solidFill>
+                </a:rPr>
+                <a:t>Filter</a:t>
+              </a:r>
+              <a:endParaRPr lang="de-DE" dirty="0">
+                <a:solidFill>
+                  <a:schemeClr val="tx1"/>
+                </a:solidFill>
+              </a:endParaRPr>
+            </a:p>
+            <a:p>
+              <a:pPr marL="342900" indent="-342900">
+                <a:lnSpc>
+                  <a:spcPct val="150000"/>
+                </a:lnSpc>
+                <a:buFont typeface="Arial" panose="020B0604020202020204" pitchFamily="34" charset="0"/>
+                <a:buChar char="•"/>
+              </a:pPr>
+              <a:r>
+                <a:rPr lang="de-DE" dirty="0" smtClean="0">
+                  <a:solidFill>
+                    <a:schemeClr val="tx1"/>
+                  </a:solidFill>
+                </a:rPr>
+                <a:t>Berater</a:t>
+              </a:r>
+            </a:p>
+            <a:p>
+              <a:pPr marL="342900" indent="-342900">
+                <a:lnSpc>
+                  <a:spcPct val="150000"/>
+                </a:lnSpc>
+                <a:buFont typeface="Arial" panose="020B0604020202020204" pitchFamily="34" charset="0"/>
+                <a:buChar char="•"/>
+              </a:pPr>
+              <a:r>
+                <a:rPr lang="de-DE" dirty="0" err="1" smtClean="0">
+                  <a:solidFill>
+                    <a:schemeClr val="tx1"/>
+                  </a:solidFill>
+                </a:rPr>
+                <a:t>Deligieren</a:t>
+              </a:r>
+              <a:endParaRPr lang="de-DE" dirty="0" smtClean="0">
+                <a:solidFill>
+                  <a:schemeClr val="tx1"/>
+                </a:solidFill>
+              </a:endParaRPr>
+            </a:p>
+          </p:txBody>
+        </p:sp>
+        <p:sp>
+          <p:nvSpPr>
+            <p:cNvPr id="12" name="Rechteck 11">
+              <a:extLst>
+                <a:ext uri="{FF2B5EF4-FFF2-40B4-BE49-F238E27FC236}">
+                  <a16:creationId xmlns:a16="http://schemas.microsoft.com/office/drawing/2014/main" xmlns="" id="{B2717A64-B61E-B44C-B23D-CB509FB519CA}"/>
+                </a:ext>
+              </a:extLst>
+            </p:cNvPr>
+            <p:cNvSpPr/>
+            <p:nvPr/>
+          </p:nvSpPr>
+          <p:spPr>
+            <a:xfrm>
+              <a:off x="1977040" y="1330903"/>
+              <a:ext cx="1631380" cy="338027"/>
+            </a:xfrm>
+            <a:prstGeom prst="rect">
+              <a:avLst/>
+            </a:prstGeom>
+            <a:solidFill>
+              <a:schemeClr val="bg1"/>
+            </a:solidFill>
+            <a:ln>
+              <a:noFill/>
+            </a:ln>
+          </p:spPr>
+          <p:style>
+            <a:lnRef idx="2">
+              <a:schemeClr val="accent1">
+                <a:shade val="50000"/>
+              </a:schemeClr>
+            </a:lnRef>
+            <a:fillRef idx="1">
+              <a:schemeClr val="accent1"/>
+            </a:fillRef>
+            <a:effectRef idx="0">
+              <a:schemeClr val="accent1"/>
+            </a:effectRef>
+            <a:fontRef idx="minor">
+              <a:schemeClr val="lt1"/>
+            </a:fontRef>
+          </p:style>
+          <p:txBody>
+            <a:bodyPr rtlCol="0" anchor="ctr"/>
+            <a:lstStyle/>
+            <a:p>
+              <a:r>
+                <a:rPr lang="de-DE" sz="1600" b="1" dirty="0" smtClean="0">
+                  <a:solidFill>
+                    <a:schemeClr val="accent4"/>
+                  </a:solidFill>
+                </a:rPr>
+                <a:t>Entscheidung</a:t>
+              </a:r>
+              <a:endParaRPr lang="de-DE" sz="1600" b="1" dirty="0">
+                <a:solidFill>
+                  <a:schemeClr val="accent4"/>
+                </a:solidFill>
+              </a:endParaRPr>
+            </a:p>
+          </p:txBody>
+        </p:sp>
+      </p:grpSp>
+      <p:grpSp>
+        <p:nvGrpSpPr>
+          <p:cNvPr id="13" name="Gruppieren 12">
+            <a:extLst>
+              <a:ext uri="{FF2B5EF4-FFF2-40B4-BE49-F238E27FC236}">
+                <a16:creationId xmlns:a16="http://schemas.microsoft.com/office/drawing/2014/main" xmlns="" id="{783A73D2-C025-644E-A194-3438D291D352}"/>
+              </a:ext>
+            </a:extLst>
+          </p:cNvPr>
+          <p:cNvGrpSpPr/>
+          <p:nvPr/>
+        </p:nvGrpSpPr>
+        <p:grpSpPr>
+          <a:xfrm>
+            <a:off x="7585726" y="783803"/>
+            <a:ext cx="3790652" cy="2494298"/>
+            <a:chOff x="1780032" y="1330903"/>
+            <a:chExt cx="3790652" cy="2494298"/>
+          </a:xfrm>
+        </p:grpSpPr>
+        <p:sp>
+          <p:nvSpPr>
+            <p:cNvPr id="14" name="Rechteck 13">
+              <a:extLst>
+                <a:ext uri="{FF2B5EF4-FFF2-40B4-BE49-F238E27FC236}">
+                  <a16:creationId xmlns:a16="http://schemas.microsoft.com/office/drawing/2014/main" xmlns="" id="{4F68B8E9-417E-0141-AE27-E298ED29929C}"/>
+                </a:ext>
+              </a:extLst>
+            </p:cNvPr>
+            <p:cNvSpPr/>
+            <p:nvPr/>
+          </p:nvSpPr>
+          <p:spPr>
+            <a:xfrm>
+              <a:off x="1780032" y="1499918"/>
+              <a:ext cx="3790652" cy="2325283"/>
+            </a:xfrm>
+            <a:prstGeom prst="rect">
+              <a:avLst/>
+            </a:prstGeom>
+            <a:solidFill>
+              <a:schemeClr val="bg1"/>
+            </a:solidFill>
+            <a:ln>
+              <a:solidFill>
+                <a:schemeClr val="accent4"/>
+              </a:solidFill>
+            </a:ln>
+          </p:spPr>
+          <p:style>
+            <a:lnRef idx="2">
+              <a:schemeClr val="accent1">
+                <a:shade val="50000"/>
+              </a:schemeClr>
+            </a:lnRef>
+            <a:fillRef idx="1">
+              <a:schemeClr val="accent1"/>
+            </a:fillRef>
+            <a:effectRef idx="0">
+              <a:schemeClr val="accent1"/>
+            </a:effectRef>
+            <a:fontRef idx="minor">
+              <a:schemeClr val="lt1"/>
+            </a:fontRef>
+          </p:style>
+          <p:txBody>
+            <a:bodyPr tIns="180000" rtlCol="0" anchor="t"/>
+            <a:lstStyle/>
+            <a:p>
+              <a:pPr marL="342900" indent="-342900">
+                <a:lnSpc>
+                  <a:spcPct val="120000"/>
+                </a:lnSpc>
+                <a:buFont typeface="Arial" panose="020B0604020202020204" pitchFamily="34" charset="0"/>
+                <a:buChar char="•"/>
+              </a:pPr>
+              <a:r>
+                <a:rPr lang="de-DE" dirty="0" smtClean="0">
+                  <a:solidFill>
+                    <a:schemeClr val="tx1"/>
+                  </a:solidFill>
+                </a:rPr>
+                <a:t>Anpassung an Aufgabenstruktur</a:t>
+              </a:r>
+            </a:p>
+            <a:p>
+              <a:pPr marL="342900" indent="-342900">
+                <a:lnSpc>
+                  <a:spcPct val="120000"/>
+                </a:lnSpc>
+                <a:buFont typeface="Arial" panose="020B0604020202020204" pitchFamily="34" charset="0"/>
+                <a:buChar char="•"/>
+              </a:pPr>
+              <a:r>
+                <a:rPr lang="de-DE" dirty="0" smtClean="0">
+                  <a:solidFill>
+                    <a:schemeClr val="tx1"/>
+                  </a:solidFill>
+                </a:rPr>
+                <a:t>Anpassung an Arbeitsabläufe</a:t>
+              </a:r>
+            </a:p>
+            <a:p>
+              <a:pPr marL="342900" indent="-342900">
+                <a:lnSpc>
+                  <a:spcPct val="120000"/>
+                </a:lnSpc>
+                <a:buFont typeface="Arial" panose="020B0604020202020204" pitchFamily="34" charset="0"/>
+                <a:buChar char="•"/>
+              </a:pPr>
+              <a:r>
+                <a:rPr lang="de-DE" dirty="0" smtClean="0">
+                  <a:solidFill>
+                    <a:schemeClr val="tx1"/>
+                  </a:solidFill>
+                </a:rPr>
+                <a:t>Arbeitsobjekte</a:t>
+              </a:r>
+            </a:p>
+            <a:p>
+              <a:pPr marL="342900" indent="-342900">
+                <a:lnSpc>
+                  <a:spcPct val="120000"/>
+                </a:lnSpc>
+                <a:buFont typeface="Arial" panose="020B0604020202020204" pitchFamily="34" charset="0"/>
+                <a:buChar char="•"/>
+              </a:pPr>
+              <a:r>
+                <a:rPr lang="de-DE" dirty="0" smtClean="0">
+                  <a:solidFill>
+                    <a:schemeClr val="tx1"/>
+                  </a:solidFill>
+                </a:rPr>
+                <a:t>Interaktionsformen</a:t>
+              </a:r>
+            </a:p>
+            <a:p>
+              <a:pPr marL="342900" indent="-342900">
+                <a:lnSpc>
+                  <a:spcPct val="120000"/>
+                </a:lnSpc>
+                <a:buFont typeface="Arial" panose="020B0604020202020204" pitchFamily="34" charset="0"/>
+                <a:buChar char="•"/>
+              </a:pPr>
+              <a:r>
+                <a:rPr lang="de-DE" dirty="0" smtClean="0">
+                  <a:solidFill>
+                    <a:schemeClr val="tx1"/>
+                  </a:solidFill>
+                </a:rPr>
+                <a:t>Informationskodierung</a:t>
+              </a:r>
+            </a:p>
+            <a:p>
+              <a:pPr marL="342900" indent="-342900">
+                <a:lnSpc>
+                  <a:spcPct val="120000"/>
+                </a:lnSpc>
+                <a:buFont typeface="Arial" panose="020B0604020202020204" pitchFamily="34" charset="0"/>
+                <a:buChar char="•"/>
+              </a:pPr>
+              <a:r>
+                <a:rPr lang="de-DE" dirty="0" smtClean="0">
+                  <a:solidFill>
+                    <a:schemeClr val="tx1"/>
+                  </a:solidFill>
+                </a:rPr>
+                <a:t>Eigenschaften der Ein- und Ausgabegeräte</a:t>
+              </a:r>
+              <a:endParaRPr lang="de-DE" dirty="0" smtClean="0">
+                <a:solidFill>
+                  <a:schemeClr val="tx1"/>
+                </a:solidFill>
+              </a:endParaRPr>
+            </a:p>
+          </p:txBody>
+        </p:sp>
+        <p:sp>
+          <p:nvSpPr>
+            <p:cNvPr id="15" name="Rechteck 14">
+              <a:extLst>
+                <a:ext uri="{FF2B5EF4-FFF2-40B4-BE49-F238E27FC236}">
+                  <a16:creationId xmlns:a16="http://schemas.microsoft.com/office/drawing/2014/main" xmlns="" id="{B2717A64-B61E-B44C-B23D-CB509FB519CA}"/>
+                </a:ext>
+              </a:extLst>
+            </p:cNvPr>
+            <p:cNvSpPr/>
+            <p:nvPr/>
+          </p:nvSpPr>
+          <p:spPr>
+            <a:xfrm>
+              <a:off x="1977040" y="1330903"/>
+              <a:ext cx="3108222" cy="338027"/>
+            </a:xfrm>
+            <a:prstGeom prst="rect">
+              <a:avLst/>
+            </a:prstGeom>
+            <a:solidFill>
+              <a:schemeClr val="bg1"/>
+            </a:solidFill>
+            <a:ln>
+              <a:noFill/>
+            </a:ln>
+          </p:spPr>
+          <p:style>
+            <a:lnRef idx="2">
+              <a:schemeClr val="accent1">
+                <a:shade val="50000"/>
+              </a:schemeClr>
+            </a:lnRef>
+            <a:fillRef idx="1">
+              <a:schemeClr val="accent1"/>
+            </a:fillRef>
+            <a:effectRef idx="0">
+              <a:schemeClr val="accent1"/>
+            </a:effectRef>
+            <a:fontRef idx="minor">
+              <a:schemeClr val="lt1"/>
+            </a:fontRef>
+          </p:style>
+          <p:txBody>
+            <a:bodyPr rtlCol="0" anchor="ctr"/>
+            <a:lstStyle/>
+            <a:p>
+              <a:r>
+                <a:rPr lang="de-DE" sz="1600" b="1" dirty="0" smtClean="0">
+                  <a:solidFill>
+                    <a:schemeClr val="accent4"/>
+                  </a:solidFill>
+                </a:rPr>
+                <a:t>Veränderliche Eigenschaften</a:t>
+              </a:r>
+              <a:endParaRPr lang="de-DE" sz="1600" b="1" dirty="0">
+                <a:solidFill>
+                  <a:schemeClr val="accent4"/>
+                </a:solidFill>
+              </a:endParaRPr>
+            </a:p>
+          </p:txBody>
+        </p:sp>
+      </p:grpSp>
+      <p:grpSp>
+        <p:nvGrpSpPr>
+          <p:cNvPr id="16" name="Gruppieren 15">
+            <a:extLst>
+              <a:ext uri="{FF2B5EF4-FFF2-40B4-BE49-F238E27FC236}">
+                <a16:creationId xmlns:a16="http://schemas.microsoft.com/office/drawing/2014/main" xmlns="" id="{783A73D2-C025-644E-A194-3438D291D352}"/>
+              </a:ext>
+            </a:extLst>
+          </p:cNvPr>
+          <p:cNvGrpSpPr/>
+          <p:nvPr/>
+        </p:nvGrpSpPr>
+        <p:grpSpPr>
+          <a:xfrm>
+            <a:off x="4710351" y="3447116"/>
+            <a:ext cx="4249738" cy="2494298"/>
+            <a:chOff x="1780032" y="1330903"/>
+            <a:chExt cx="4249738" cy="2494298"/>
+          </a:xfrm>
+        </p:grpSpPr>
+        <p:sp>
+          <p:nvSpPr>
+            <p:cNvPr id="17" name="Rechteck 16">
+              <a:extLst>
+                <a:ext uri="{FF2B5EF4-FFF2-40B4-BE49-F238E27FC236}">
+                  <a16:creationId xmlns:a16="http://schemas.microsoft.com/office/drawing/2014/main" xmlns="" id="{4F68B8E9-417E-0141-AE27-E298ED29929C}"/>
+                </a:ext>
+              </a:extLst>
+            </p:cNvPr>
+            <p:cNvSpPr/>
+            <p:nvPr/>
+          </p:nvSpPr>
+          <p:spPr>
+            <a:xfrm>
+              <a:off x="1780032" y="1499918"/>
+              <a:ext cx="4249738" cy="2325283"/>
+            </a:xfrm>
+            <a:prstGeom prst="rect">
+              <a:avLst/>
+            </a:prstGeom>
+            <a:solidFill>
+              <a:schemeClr val="bg1"/>
+            </a:solidFill>
+            <a:ln>
+              <a:solidFill>
+                <a:schemeClr val="accent4"/>
+              </a:solidFill>
+            </a:ln>
+          </p:spPr>
+          <p:style>
+            <a:lnRef idx="2">
+              <a:schemeClr val="accent1">
+                <a:shade val="50000"/>
+              </a:schemeClr>
+            </a:lnRef>
+            <a:fillRef idx="1">
+              <a:schemeClr val="accent1"/>
+            </a:fillRef>
+            <a:effectRef idx="0">
+              <a:schemeClr val="accent1"/>
+            </a:effectRef>
+            <a:fontRef idx="minor">
+              <a:schemeClr val="lt1"/>
+            </a:fontRef>
+          </p:style>
+          <p:txBody>
+            <a:bodyPr tIns="180000" rtlCol="0" anchor="t"/>
+            <a:lstStyle/>
+            <a:p>
+              <a:pPr marL="342900" indent="-342900">
+                <a:lnSpc>
+                  <a:spcPct val="120000"/>
+                </a:lnSpc>
+                <a:buFont typeface="Arial" panose="020B0604020202020204" pitchFamily="34" charset="0"/>
+                <a:buChar char="•"/>
+              </a:pPr>
+              <a:r>
+                <a:rPr lang="de-DE" dirty="0" smtClean="0">
+                  <a:solidFill>
+                    <a:schemeClr val="tx1"/>
+                  </a:solidFill>
+                </a:rPr>
+                <a:t>Variation der Benutzermerkmale</a:t>
+              </a:r>
+            </a:p>
+            <a:p>
+              <a:pPr marL="342900" indent="-342900">
+                <a:lnSpc>
+                  <a:spcPct val="120000"/>
+                </a:lnSpc>
+                <a:buFont typeface="Arial" panose="020B0604020202020204" pitchFamily="34" charset="0"/>
+                <a:buChar char="•"/>
+              </a:pPr>
+              <a:r>
+                <a:rPr lang="de-DE" dirty="0" smtClean="0">
+                  <a:solidFill>
+                    <a:schemeClr val="tx1"/>
+                  </a:solidFill>
+                </a:rPr>
+                <a:t>Unterschiedlichen Bedürfnissen und Zielen der Nutzer</a:t>
+              </a:r>
+            </a:p>
+            <a:p>
+              <a:pPr marL="342900" indent="-342900">
+                <a:lnSpc>
+                  <a:spcPct val="120000"/>
+                </a:lnSpc>
+                <a:buFont typeface="Arial" panose="020B0604020202020204" pitchFamily="34" charset="0"/>
+                <a:buChar char="•"/>
+              </a:pPr>
+              <a:r>
+                <a:rPr lang="de-DE" dirty="0" smtClean="0">
+                  <a:solidFill>
+                    <a:schemeClr val="tx1"/>
+                  </a:solidFill>
+                </a:rPr>
+                <a:t>Schwankung der Aufgabenmerkmale</a:t>
+              </a:r>
+            </a:p>
+            <a:p>
+              <a:pPr marL="342900" indent="-342900">
+                <a:lnSpc>
+                  <a:spcPct val="120000"/>
+                </a:lnSpc>
+                <a:buFont typeface="Arial" panose="020B0604020202020204" pitchFamily="34" charset="0"/>
+                <a:buChar char="•"/>
+              </a:pPr>
+              <a:r>
+                <a:rPr lang="de-DE" dirty="0" smtClean="0">
+                  <a:solidFill>
+                    <a:schemeClr val="tx1"/>
+                  </a:solidFill>
+                </a:rPr>
+                <a:t>Nutzung eines Systems auf verschiedenen Geräten</a:t>
+              </a:r>
+            </a:p>
+            <a:p>
+              <a:pPr marL="342900" indent="-342900">
+                <a:lnSpc>
+                  <a:spcPct val="120000"/>
+                </a:lnSpc>
+                <a:buFont typeface="Arial" panose="020B0604020202020204" pitchFamily="34" charset="0"/>
+                <a:buChar char="•"/>
+              </a:pPr>
+              <a:r>
+                <a:rPr lang="de-DE" dirty="0" smtClean="0">
+                  <a:solidFill>
+                    <a:schemeClr val="tx1"/>
+                  </a:solidFill>
+                </a:rPr>
+                <a:t>Veränderung der Umgebung</a:t>
+              </a:r>
+            </a:p>
+          </p:txBody>
+        </p:sp>
+        <p:sp>
+          <p:nvSpPr>
+            <p:cNvPr id="18" name="Rechteck 17">
+              <a:extLst>
+                <a:ext uri="{FF2B5EF4-FFF2-40B4-BE49-F238E27FC236}">
+                  <a16:creationId xmlns:a16="http://schemas.microsoft.com/office/drawing/2014/main" xmlns="" id="{B2717A64-B61E-B44C-B23D-CB509FB519CA}"/>
+                </a:ext>
+              </a:extLst>
+            </p:cNvPr>
+            <p:cNvSpPr/>
+            <p:nvPr/>
+          </p:nvSpPr>
+          <p:spPr>
+            <a:xfrm>
+              <a:off x="1977040" y="1330903"/>
+              <a:ext cx="2416547" cy="338027"/>
+            </a:xfrm>
+            <a:prstGeom prst="rect">
+              <a:avLst/>
+            </a:prstGeom>
+            <a:solidFill>
+              <a:schemeClr val="bg1"/>
+            </a:solidFill>
+            <a:ln>
+              <a:noFill/>
+            </a:ln>
+          </p:spPr>
+          <p:style>
+            <a:lnRef idx="2">
+              <a:schemeClr val="accent1">
+                <a:shade val="50000"/>
+              </a:schemeClr>
+            </a:lnRef>
+            <a:fillRef idx="1">
+              <a:schemeClr val="accent1"/>
+            </a:fillRef>
+            <a:effectRef idx="0">
+              <a:schemeClr val="accent1"/>
+            </a:effectRef>
+            <a:fontRef idx="minor">
+              <a:schemeClr val="lt1"/>
+            </a:fontRef>
+          </p:style>
+          <p:txBody>
+            <a:bodyPr rtlCol="0" anchor="ctr"/>
+            <a:lstStyle/>
+            <a:p>
+              <a:r>
+                <a:rPr lang="de-DE" sz="1600" b="1" dirty="0" smtClean="0">
+                  <a:solidFill>
+                    <a:schemeClr val="accent4"/>
+                  </a:solidFill>
+                </a:rPr>
+                <a:t>Individualisierung bei</a:t>
+              </a:r>
+              <a:endParaRPr lang="de-DE" sz="1600" b="1" dirty="0">
+                <a:solidFill>
+                  <a:schemeClr val="accent4"/>
+                </a:solidFill>
+              </a:endParaRPr>
+            </a:p>
+          </p:txBody>
+        </p:sp>
+      </p:grpSp>
     </p:spTree>
     <p:extLst>
       <p:ext uri="{BB962C8B-B14F-4D97-AF65-F5344CB8AC3E}">
@@ -8341,34 +11199,561 @@
           <a:p>
             <a:r>
               <a:rPr lang="de-DE" dirty="0"/>
-              <a:t>Wie sieht ein Problemlöseprozess aus?</a:t>
+              <a:t>Was für Informationen stellt die modulare </a:t>
+            </a:r>
+            <a:r>
+              <a:rPr lang="de-DE" dirty="0" smtClean="0"/>
+              <a:t>Anlage und die PFE </a:t>
+            </a:r>
+            <a:r>
+              <a:rPr lang="de-DE" dirty="0"/>
+              <a:t>zur Verfügung?</a:t>
             </a:r>
           </a:p>
         </p:txBody>
       </p:sp>
-      <p:sp>
-        <p:nvSpPr>
-          <p:cNvPr id="3" name="Inhaltsplatzhalter 2"/>
-          <p:cNvSpPr>
-            <a:spLocks noGrp="1"/>
-          </p:cNvSpPr>
-          <p:nvPr>
-            <p:ph sz="quarter" idx="10"/>
-          </p:nvPr>
-        </p:nvSpPr>
-        <p:spPr/>
-        <p:txBody>
-          <a:bodyPr/>
-          <a:lstStyle/>
-          <a:p>
-            <a:endParaRPr lang="de-DE"/>
-          </a:p>
-        </p:txBody>
-      </p:sp>
+      <p:grpSp>
+        <p:nvGrpSpPr>
+          <p:cNvPr id="4" name="Gruppieren 3">
+            <a:extLst>
+              <a:ext uri="{FF2B5EF4-FFF2-40B4-BE49-F238E27FC236}">
+                <a16:creationId xmlns:a16="http://schemas.microsoft.com/office/drawing/2014/main" xmlns="" id="{783A73D2-C025-644E-A194-3438D291D352}"/>
+              </a:ext>
+            </a:extLst>
+          </p:cNvPr>
+          <p:cNvGrpSpPr/>
+          <p:nvPr/>
+        </p:nvGrpSpPr>
+        <p:grpSpPr>
+          <a:xfrm>
+            <a:off x="874712" y="1484313"/>
+            <a:ext cx="3790652" cy="3877909"/>
+            <a:chOff x="1780032" y="1330903"/>
+            <a:chExt cx="3790652" cy="3877909"/>
+          </a:xfrm>
+        </p:grpSpPr>
+        <p:sp>
+          <p:nvSpPr>
+            <p:cNvPr id="5" name="Rechteck 4">
+              <a:extLst>
+                <a:ext uri="{FF2B5EF4-FFF2-40B4-BE49-F238E27FC236}">
+                  <a16:creationId xmlns:a16="http://schemas.microsoft.com/office/drawing/2014/main" xmlns="" id="{4F68B8E9-417E-0141-AE27-E298ED29929C}"/>
+                </a:ext>
+              </a:extLst>
+            </p:cNvPr>
+            <p:cNvSpPr/>
+            <p:nvPr/>
+          </p:nvSpPr>
+          <p:spPr>
+            <a:xfrm>
+              <a:off x="1780032" y="1499918"/>
+              <a:ext cx="3790652" cy="3708894"/>
+            </a:xfrm>
+            <a:prstGeom prst="rect">
+              <a:avLst/>
+            </a:prstGeom>
+            <a:solidFill>
+              <a:schemeClr val="bg1"/>
+            </a:solidFill>
+            <a:ln>
+              <a:solidFill>
+                <a:schemeClr val="accent4"/>
+              </a:solidFill>
+            </a:ln>
+          </p:spPr>
+          <p:style>
+            <a:lnRef idx="2">
+              <a:schemeClr val="accent1">
+                <a:shade val="50000"/>
+              </a:schemeClr>
+            </a:lnRef>
+            <a:fillRef idx="1">
+              <a:schemeClr val="accent1"/>
+            </a:fillRef>
+            <a:effectRef idx="0">
+              <a:schemeClr val="accent1"/>
+            </a:effectRef>
+            <a:fontRef idx="minor">
+              <a:schemeClr val="lt1"/>
+            </a:fontRef>
+          </p:style>
+          <p:txBody>
+            <a:bodyPr tIns="180000" rtlCol="0" anchor="t"/>
+            <a:lstStyle/>
+            <a:p>
+              <a:pPr marL="342900" indent="-342900">
+                <a:lnSpc>
+                  <a:spcPct val="120000"/>
+                </a:lnSpc>
+                <a:buFont typeface="Arial" panose="020B0604020202020204" pitchFamily="34" charset="0"/>
+                <a:buChar char="•"/>
+              </a:pPr>
+              <a:r>
+                <a:rPr lang="de-DE" dirty="0" smtClean="0">
+                  <a:solidFill>
+                    <a:schemeClr val="tx1"/>
+                  </a:solidFill>
+                </a:rPr>
+                <a:t>Sollwertgrenzen</a:t>
+              </a:r>
+            </a:p>
+            <a:p>
+              <a:pPr marL="342900" indent="-342900">
+                <a:lnSpc>
+                  <a:spcPct val="120000"/>
+                </a:lnSpc>
+                <a:buFont typeface="Arial" panose="020B0604020202020204" pitchFamily="34" charset="0"/>
+                <a:buChar char="•"/>
+              </a:pPr>
+              <a:r>
+                <a:rPr lang="de-DE" dirty="0" smtClean="0">
+                  <a:solidFill>
+                    <a:schemeClr val="tx1"/>
+                  </a:solidFill>
+                </a:rPr>
+                <a:t>Rückmeldung bei Fehlfunktion</a:t>
+              </a:r>
+              <a:endParaRPr lang="de-DE" dirty="0" smtClean="0">
+                <a:solidFill>
+                  <a:schemeClr val="tx1"/>
+                </a:solidFill>
+              </a:endParaRPr>
+            </a:p>
+            <a:p>
+              <a:pPr marL="342900" indent="-342900">
+                <a:lnSpc>
+                  <a:spcPct val="120000"/>
+                </a:lnSpc>
+                <a:buFont typeface="Arial" panose="020B0604020202020204" pitchFamily="34" charset="0"/>
+                <a:buChar char="•"/>
+              </a:pPr>
+              <a:r>
+                <a:rPr lang="de-DE" dirty="0" smtClean="0">
+                  <a:solidFill>
+                    <a:schemeClr val="tx1"/>
+                  </a:solidFill>
+                </a:rPr>
+                <a:t>Toleranz-, Warnungs- und Alarmgrenzen</a:t>
+              </a:r>
+            </a:p>
+            <a:p>
+              <a:pPr marL="342900" indent="-342900">
+                <a:lnSpc>
+                  <a:spcPct val="120000"/>
+                </a:lnSpc>
+                <a:buFont typeface="Arial" panose="020B0604020202020204" pitchFamily="34" charset="0"/>
+                <a:buChar char="•"/>
+              </a:pPr>
+              <a:r>
+                <a:rPr lang="de-DE" dirty="0" smtClean="0">
+                  <a:solidFill>
+                    <a:schemeClr val="tx1"/>
+                  </a:solidFill>
+                </a:rPr>
+                <a:t>Parameter von Diensten</a:t>
+              </a:r>
+            </a:p>
+            <a:p>
+              <a:pPr marL="754380" lvl="1" indent="-342900">
+                <a:lnSpc>
+                  <a:spcPct val="120000"/>
+                </a:lnSpc>
+                <a:buFont typeface="Arial" panose="020B0604020202020204" pitchFamily="34" charset="0"/>
+                <a:buChar char="•"/>
+              </a:pPr>
+              <a:r>
+                <a:rPr lang="de-DE" dirty="0" err="1" smtClean="0">
+                  <a:solidFill>
+                    <a:schemeClr val="tx1"/>
+                  </a:solidFill>
+                </a:rPr>
+                <a:t>Konfig</a:t>
+              </a:r>
+              <a:endParaRPr lang="de-DE" dirty="0" smtClean="0">
+                <a:solidFill>
+                  <a:schemeClr val="tx1"/>
+                </a:solidFill>
+              </a:endParaRPr>
+            </a:p>
+            <a:p>
+              <a:pPr marL="754380" lvl="1" indent="-342900">
+                <a:lnSpc>
+                  <a:spcPct val="120000"/>
+                </a:lnSpc>
+                <a:buFont typeface="Arial" panose="020B0604020202020204" pitchFamily="34" charset="0"/>
+                <a:buChar char="•"/>
+              </a:pPr>
+              <a:r>
+                <a:rPr lang="de-DE" dirty="0" smtClean="0">
+                  <a:solidFill>
+                    <a:schemeClr val="tx1"/>
+                  </a:solidFill>
+                </a:rPr>
+                <a:t>Fahrweise</a:t>
+              </a:r>
+            </a:p>
+            <a:p>
+              <a:pPr marL="754380" lvl="1" indent="-342900">
+                <a:lnSpc>
+                  <a:spcPct val="120000"/>
+                </a:lnSpc>
+                <a:buFont typeface="Arial" panose="020B0604020202020204" pitchFamily="34" charset="0"/>
+                <a:buChar char="•"/>
+              </a:pPr>
+              <a:r>
+                <a:rPr lang="de-DE" dirty="0" smtClean="0">
+                  <a:solidFill>
+                    <a:schemeClr val="tx1"/>
+                  </a:solidFill>
+                </a:rPr>
+                <a:t>Prozess</a:t>
+              </a:r>
+            </a:p>
+            <a:p>
+              <a:pPr marL="754380" lvl="1" indent="-342900">
+                <a:lnSpc>
+                  <a:spcPct val="120000"/>
+                </a:lnSpc>
+                <a:buFont typeface="Arial" panose="020B0604020202020204" pitchFamily="34" charset="0"/>
+                <a:buChar char="•"/>
+              </a:pPr>
+              <a:r>
+                <a:rPr lang="de-DE" dirty="0" smtClean="0">
+                  <a:solidFill>
+                    <a:schemeClr val="tx1"/>
+                  </a:solidFill>
+                </a:rPr>
+                <a:t>Report</a:t>
+              </a:r>
+              <a:endParaRPr lang="de-DE" dirty="0" smtClean="0">
+                <a:solidFill>
+                  <a:schemeClr val="tx1"/>
+                </a:solidFill>
+              </a:endParaRPr>
+            </a:p>
+          </p:txBody>
+        </p:sp>
+        <p:sp>
+          <p:nvSpPr>
+            <p:cNvPr id="6" name="Rechteck 5">
+              <a:extLst>
+                <a:ext uri="{FF2B5EF4-FFF2-40B4-BE49-F238E27FC236}">
+                  <a16:creationId xmlns:a16="http://schemas.microsoft.com/office/drawing/2014/main" xmlns="" id="{B2717A64-B61E-B44C-B23D-CB509FB519CA}"/>
+                </a:ext>
+              </a:extLst>
+            </p:cNvPr>
+            <p:cNvSpPr/>
+            <p:nvPr/>
+          </p:nvSpPr>
+          <p:spPr>
+            <a:xfrm>
+              <a:off x="1977040" y="1330903"/>
+              <a:ext cx="1964991" cy="338027"/>
+            </a:xfrm>
+            <a:prstGeom prst="rect">
+              <a:avLst/>
+            </a:prstGeom>
+            <a:solidFill>
+              <a:schemeClr val="bg1"/>
+            </a:solidFill>
+            <a:ln>
+              <a:noFill/>
+            </a:ln>
+          </p:spPr>
+          <p:style>
+            <a:lnRef idx="2">
+              <a:schemeClr val="accent1">
+                <a:shade val="50000"/>
+              </a:schemeClr>
+            </a:lnRef>
+            <a:fillRef idx="1">
+              <a:schemeClr val="accent1"/>
+            </a:fillRef>
+            <a:effectRef idx="0">
+              <a:schemeClr val="accent1"/>
+            </a:effectRef>
+            <a:fontRef idx="minor">
+              <a:schemeClr val="lt1"/>
+            </a:fontRef>
+          </p:style>
+          <p:txBody>
+            <a:bodyPr rtlCol="0" anchor="ctr"/>
+            <a:lstStyle/>
+            <a:p>
+              <a:r>
+                <a:rPr lang="de-DE" sz="1600" b="1" dirty="0" smtClean="0">
+                  <a:solidFill>
+                    <a:schemeClr val="accent4"/>
+                  </a:solidFill>
+                </a:rPr>
+                <a:t>Modulare Anlage</a:t>
+              </a:r>
+              <a:endParaRPr lang="de-DE" sz="1600" b="1" dirty="0">
+                <a:solidFill>
+                  <a:schemeClr val="accent4"/>
+                </a:solidFill>
+              </a:endParaRPr>
+            </a:p>
+          </p:txBody>
+        </p:sp>
+      </p:grpSp>
+      <p:grpSp>
+        <p:nvGrpSpPr>
+          <p:cNvPr id="7" name="Gruppieren 6">
+            <a:extLst>
+              <a:ext uri="{FF2B5EF4-FFF2-40B4-BE49-F238E27FC236}">
+                <a16:creationId xmlns:a16="http://schemas.microsoft.com/office/drawing/2014/main" xmlns="" id="{783A73D2-C025-644E-A194-3438D291D352}"/>
+              </a:ext>
+            </a:extLst>
+          </p:cNvPr>
+          <p:cNvGrpSpPr/>
+          <p:nvPr/>
+        </p:nvGrpSpPr>
+        <p:grpSpPr>
+          <a:xfrm>
+            <a:off x="7664747" y="1484313"/>
+            <a:ext cx="3790652" cy="2997376"/>
+            <a:chOff x="1780032" y="1330903"/>
+            <a:chExt cx="3790652" cy="2997376"/>
+          </a:xfrm>
+        </p:grpSpPr>
+        <p:sp>
+          <p:nvSpPr>
+            <p:cNvPr id="8" name="Rechteck 7">
+              <a:extLst>
+                <a:ext uri="{FF2B5EF4-FFF2-40B4-BE49-F238E27FC236}">
+                  <a16:creationId xmlns:a16="http://schemas.microsoft.com/office/drawing/2014/main" xmlns="" id="{4F68B8E9-417E-0141-AE27-E298ED29929C}"/>
+                </a:ext>
+              </a:extLst>
+            </p:cNvPr>
+            <p:cNvSpPr/>
+            <p:nvPr/>
+          </p:nvSpPr>
+          <p:spPr>
+            <a:xfrm>
+              <a:off x="1780032" y="1499918"/>
+              <a:ext cx="3790652" cy="2828361"/>
+            </a:xfrm>
+            <a:prstGeom prst="rect">
+              <a:avLst/>
+            </a:prstGeom>
+            <a:solidFill>
+              <a:schemeClr val="bg1"/>
+            </a:solidFill>
+            <a:ln>
+              <a:solidFill>
+                <a:schemeClr val="accent4"/>
+              </a:solidFill>
+            </a:ln>
+          </p:spPr>
+          <p:style>
+            <a:lnRef idx="2">
+              <a:schemeClr val="accent1">
+                <a:shade val="50000"/>
+              </a:schemeClr>
+            </a:lnRef>
+            <a:fillRef idx="1">
+              <a:schemeClr val="accent1"/>
+            </a:fillRef>
+            <a:effectRef idx="0">
+              <a:schemeClr val="accent1"/>
+            </a:effectRef>
+            <a:fontRef idx="minor">
+              <a:schemeClr val="lt1"/>
+            </a:fontRef>
+          </p:style>
+          <p:txBody>
+            <a:bodyPr tIns="180000" rtlCol="0" anchor="t"/>
+            <a:lstStyle/>
+            <a:p>
+              <a:pPr marL="342900" indent="-342900">
+                <a:lnSpc>
+                  <a:spcPct val="120000"/>
+                </a:lnSpc>
+                <a:buFont typeface="Arial" panose="020B0604020202020204" pitchFamily="34" charset="0"/>
+                <a:buChar char="•"/>
+              </a:pPr>
+              <a:r>
+                <a:rPr lang="de-DE" dirty="0" smtClean="0">
+                  <a:solidFill>
+                    <a:schemeClr val="tx1"/>
+                  </a:solidFill>
+                </a:rPr>
+                <a:t>KPIs</a:t>
+              </a:r>
+            </a:p>
+            <a:p>
+              <a:pPr marL="342900" indent="-342900">
+                <a:lnSpc>
+                  <a:spcPct val="120000"/>
+                </a:lnSpc>
+                <a:buFont typeface="Arial" panose="020B0604020202020204" pitchFamily="34" charset="0"/>
+                <a:buChar char="•"/>
+              </a:pPr>
+              <a:r>
+                <a:rPr lang="de-DE" dirty="0" smtClean="0">
+                  <a:solidFill>
+                    <a:schemeClr val="tx1"/>
+                  </a:solidFill>
+                </a:rPr>
+                <a:t>Navigation</a:t>
+              </a:r>
+            </a:p>
+            <a:p>
+              <a:pPr marL="342900" indent="-342900">
+                <a:lnSpc>
+                  <a:spcPct val="120000"/>
+                </a:lnSpc>
+                <a:buFont typeface="Arial" panose="020B0604020202020204" pitchFamily="34" charset="0"/>
+                <a:buChar char="•"/>
+              </a:pPr>
+              <a:r>
+                <a:rPr lang="de-DE" dirty="0" smtClean="0">
+                  <a:solidFill>
+                    <a:schemeClr val="tx1"/>
+                  </a:solidFill>
+                </a:rPr>
+                <a:t>Rezept</a:t>
+              </a:r>
+            </a:p>
+            <a:p>
+              <a:pPr marL="342900" indent="-342900">
+                <a:lnSpc>
+                  <a:spcPct val="120000"/>
+                </a:lnSpc>
+                <a:buFont typeface="Arial" panose="020B0604020202020204" pitchFamily="34" charset="0"/>
+                <a:buChar char="•"/>
+              </a:pPr>
+              <a:r>
+                <a:rPr lang="de-DE" dirty="0" smtClean="0">
+                  <a:solidFill>
+                    <a:schemeClr val="tx1"/>
+                  </a:solidFill>
+                </a:rPr>
+                <a:t>Services</a:t>
+              </a:r>
+            </a:p>
+            <a:p>
+              <a:pPr marL="754380" lvl="1" indent="-342900">
+                <a:lnSpc>
+                  <a:spcPct val="120000"/>
+                </a:lnSpc>
+                <a:buFont typeface="Arial" panose="020B0604020202020204" pitchFamily="34" charset="0"/>
+                <a:buChar char="•"/>
+              </a:pPr>
+              <a:r>
+                <a:rPr lang="de-DE" dirty="0" smtClean="0">
+                  <a:solidFill>
+                    <a:schemeClr val="tx1"/>
+                  </a:solidFill>
+                </a:rPr>
+                <a:t>Parameter</a:t>
+              </a:r>
+            </a:p>
+            <a:p>
+              <a:pPr marL="754380" lvl="1" indent="-342900">
+                <a:lnSpc>
+                  <a:spcPct val="120000"/>
+                </a:lnSpc>
+                <a:buFont typeface="Arial" panose="020B0604020202020204" pitchFamily="34" charset="0"/>
+                <a:buChar char="•"/>
+              </a:pPr>
+              <a:r>
+                <a:rPr lang="de-DE" dirty="0" smtClean="0">
+                  <a:solidFill>
+                    <a:schemeClr val="tx1"/>
+                  </a:solidFill>
+                </a:rPr>
+                <a:t>Fahrweise</a:t>
+              </a:r>
+            </a:p>
+            <a:p>
+              <a:pPr marL="342900" indent="-342900">
+                <a:lnSpc>
+                  <a:spcPct val="120000"/>
+                </a:lnSpc>
+                <a:buFont typeface="Arial" panose="020B0604020202020204" pitchFamily="34" charset="0"/>
+                <a:buChar char="•"/>
+              </a:pPr>
+              <a:r>
+                <a:rPr lang="de-DE" dirty="0" smtClean="0">
+                  <a:solidFill>
+                    <a:schemeClr val="tx1"/>
+                  </a:solidFill>
+                </a:rPr>
+                <a:t>HMI</a:t>
+              </a:r>
+            </a:p>
+          </p:txBody>
+        </p:sp>
+        <p:sp>
+          <p:nvSpPr>
+            <p:cNvPr id="9" name="Rechteck 8">
+              <a:extLst>
+                <a:ext uri="{FF2B5EF4-FFF2-40B4-BE49-F238E27FC236}">
+                  <a16:creationId xmlns:a16="http://schemas.microsoft.com/office/drawing/2014/main" xmlns="" id="{B2717A64-B61E-B44C-B23D-CB509FB519CA}"/>
+                </a:ext>
+              </a:extLst>
+            </p:cNvPr>
+            <p:cNvSpPr/>
+            <p:nvPr/>
+          </p:nvSpPr>
+          <p:spPr>
+            <a:xfrm>
+              <a:off x="1977041" y="1330903"/>
+              <a:ext cx="559090" cy="338027"/>
+            </a:xfrm>
+            <a:prstGeom prst="rect">
+              <a:avLst/>
+            </a:prstGeom>
+            <a:solidFill>
+              <a:schemeClr val="bg1"/>
+            </a:solidFill>
+            <a:ln>
+              <a:noFill/>
+            </a:ln>
+          </p:spPr>
+          <p:style>
+            <a:lnRef idx="2">
+              <a:schemeClr val="accent1">
+                <a:shade val="50000"/>
+              </a:schemeClr>
+            </a:lnRef>
+            <a:fillRef idx="1">
+              <a:schemeClr val="accent1"/>
+            </a:fillRef>
+            <a:effectRef idx="0">
+              <a:schemeClr val="accent1"/>
+            </a:effectRef>
+            <a:fontRef idx="minor">
+              <a:schemeClr val="lt1"/>
+            </a:fontRef>
+          </p:style>
+          <p:txBody>
+            <a:bodyPr rtlCol="0" anchor="ctr"/>
+            <a:lstStyle/>
+            <a:p>
+              <a:r>
+                <a:rPr lang="de-DE" sz="1600" b="1" dirty="0" smtClean="0">
+                  <a:solidFill>
+                    <a:schemeClr val="accent4"/>
+                  </a:solidFill>
+                </a:rPr>
+                <a:t>PFE</a:t>
+              </a:r>
+              <a:endParaRPr lang="de-DE" sz="1600" b="1" dirty="0">
+                <a:solidFill>
+                  <a:schemeClr val="accent4"/>
+                </a:solidFill>
+              </a:endParaRPr>
+            </a:p>
+          </p:txBody>
+        </p:sp>
+      </p:grpSp>
     </p:spTree>
     <p:extLst>
       <p:ext uri="{BB962C8B-B14F-4D97-AF65-F5344CB8AC3E}">
-        <p14:creationId xmlns:p14="http://schemas.microsoft.com/office/powerpoint/2010/main" val="138072392"/>
+        <p14:creationId xmlns:p14="http://schemas.microsoft.com/office/powerpoint/2010/main" val="3337884873"/>
       </p:ext>
     </p:extLst>
   </p:cSld>
@@ -8412,34 +11797,869 @@
           <a:p>
             <a:r>
               <a:rPr lang="de-DE" dirty="0"/>
-              <a:t>Was für Informationen stellt die modulare Anlage zur Verfügung?</a:t>
+              <a:t>Was für Benutzergruppen gibt es?</a:t>
             </a:r>
           </a:p>
         </p:txBody>
       </p:sp>
-      <p:sp>
-        <p:nvSpPr>
-          <p:cNvPr id="3" name="Inhaltsplatzhalter 2"/>
-          <p:cNvSpPr>
-            <a:spLocks noGrp="1"/>
-          </p:cNvSpPr>
+      <p:graphicFrame>
+        <p:nvGraphicFramePr>
+          <p:cNvPr id="4" name="Inhaltsplatzhalter 3"/>
+          <p:cNvGraphicFramePr>
+            <a:graphicFrameLocks noGrp="1"/>
+          </p:cNvGraphicFramePr>
           <p:nvPr>
             <p:ph sz="quarter" idx="10"/>
+            <p:extLst>
+              <p:ext uri="{D42A27DB-BD31-4B8C-83A1-F6EECF244321}">
+                <p14:modId xmlns:p14="http://schemas.microsoft.com/office/powerpoint/2010/main" val="2861823316"/>
+              </p:ext>
+            </p:extLst>
           </p:nvPr>
-        </p:nvSpPr>
-        <p:spPr/>
-        <p:txBody>
-          <a:bodyPr/>
-          <a:lstStyle/>
-          <a:p>
-            <a:endParaRPr lang="de-DE"/>
-          </a:p>
-        </p:txBody>
-      </p:sp>
+        </p:nvGraphicFramePr>
+        <p:xfrm>
+          <a:off x="874713" y="1484315"/>
+          <a:ext cx="10580688" cy="4192902"/>
+        </p:xfrm>
+        <a:graphic>
+          <a:graphicData uri="http://schemas.openxmlformats.org/drawingml/2006/table">
+            <a:tbl>
+              <a:tblPr firstRow="1" bandRow="1">
+                <a:tableStyleId>{5C22544A-7EE6-4342-B048-85BDC9FD1C3A}</a:tableStyleId>
+              </a:tblPr>
+              <a:tblGrid>
+                <a:gridCol w="2794176"/>
+                <a:gridCol w="3736622"/>
+                <a:gridCol w="4049890"/>
+              </a:tblGrid>
+              <a:tr h="683152">
+                <a:tc>
+                  <a:txBody>
+                    <a:bodyPr/>
+                    <a:lstStyle/>
+                    <a:p>
+                      <a:r>
+                        <a:rPr lang="de-DE" dirty="0" smtClean="0">
+                          <a:ln>
+                            <a:noFill/>
+                          </a:ln>
+                          <a:solidFill>
+                            <a:schemeClr val="tx1"/>
+                          </a:solidFill>
+                        </a:rPr>
+                        <a:t>Ebenen eines Unternehmens</a:t>
+                      </a:r>
+                      <a:endParaRPr lang="de-DE" dirty="0">
+                        <a:ln>
+                          <a:noFill/>
+                        </a:ln>
+                        <a:solidFill>
+                          <a:schemeClr val="tx1"/>
+                        </a:solidFill>
+                      </a:endParaRPr>
+                    </a:p>
+                  </a:txBody>
+                  <a:tcPr>
+                    <a:lnL w="12700" cap="flat" cmpd="sng" algn="ctr">
+                      <a:noFill/>
+                      <a:prstDash val="solid"/>
+                      <a:round/>
+                      <a:headEnd type="none" w="med" len="med"/>
+                      <a:tailEnd type="none" w="med" len="med"/>
+                    </a:lnL>
+                    <a:lnR w="12700" cap="flat" cmpd="sng" algn="ctr">
+                      <a:solidFill>
+                        <a:schemeClr val="tx1"/>
+                      </a:solidFill>
+                      <a:prstDash val="solid"/>
+                      <a:round/>
+                      <a:headEnd type="none" w="med" len="med"/>
+                      <a:tailEnd type="none" w="med" len="med"/>
+                    </a:lnR>
+                    <a:lnT w="12700" cap="flat" cmpd="sng" algn="ctr">
+                      <a:noFill/>
+                      <a:prstDash val="solid"/>
+                      <a:round/>
+                      <a:headEnd type="none" w="med" len="med"/>
+                      <a:tailEnd type="none" w="med" len="med"/>
+                    </a:lnT>
+                    <a:lnB w="12700" cap="flat" cmpd="sng" algn="ctr">
+                      <a:solidFill>
+                        <a:schemeClr val="tx1"/>
+                      </a:solidFill>
+                      <a:prstDash val="solid"/>
+                      <a:round/>
+                      <a:headEnd type="none" w="med" len="med"/>
+                      <a:tailEnd type="none" w="med" len="med"/>
+                    </a:lnB>
+                    <a:noFill/>
+                  </a:tcPr>
+                </a:tc>
+                <a:tc>
+                  <a:txBody>
+                    <a:bodyPr/>
+                    <a:lstStyle/>
+                    <a:p>
+                      <a:r>
+                        <a:rPr lang="de-DE" dirty="0" smtClean="0">
+                          <a:ln>
+                            <a:noFill/>
+                          </a:ln>
+                          <a:solidFill>
+                            <a:schemeClr val="tx1"/>
+                          </a:solidFill>
+                        </a:rPr>
+                        <a:t>Zeitliche Anforderungen</a:t>
+                      </a:r>
+                      <a:endParaRPr lang="de-DE" dirty="0">
+                        <a:ln>
+                          <a:noFill/>
+                        </a:ln>
+                        <a:solidFill>
+                          <a:schemeClr val="tx1"/>
+                        </a:solidFill>
+                      </a:endParaRPr>
+                    </a:p>
+                  </a:txBody>
+                  <a:tcPr>
+                    <a:lnL w="12700" cap="flat" cmpd="sng" algn="ctr">
+                      <a:solidFill>
+                        <a:schemeClr val="tx1"/>
+                      </a:solidFill>
+                      <a:prstDash val="solid"/>
+                      <a:round/>
+                      <a:headEnd type="none" w="med" len="med"/>
+                      <a:tailEnd type="none" w="med" len="med"/>
+                    </a:lnL>
+                    <a:lnR w="12700" cap="flat" cmpd="sng" algn="ctr">
+                      <a:solidFill>
+                        <a:schemeClr val="tx1"/>
+                      </a:solidFill>
+                      <a:prstDash val="solid"/>
+                      <a:round/>
+                      <a:headEnd type="none" w="med" len="med"/>
+                      <a:tailEnd type="none" w="med" len="med"/>
+                    </a:lnR>
+                    <a:lnT w="12700" cap="flat" cmpd="sng" algn="ctr">
+                      <a:noFill/>
+                      <a:prstDash val="solid"/>
+                      <a:round/>
+                      <a:headEnd type="none" w="med" len="med"/>
+                      <a:tailEnd type="none" w="med" len="med"/>
+                    </a:lnT>
+                    <a:lnB w="12700" cap="flat" cmpd="sng" algn="ctr">
+                      <a:solidFill>
+                        <a:schemeClr val="tx1"/>
+                      </a:solidFill>
+                      <a:prstDash val="solid"/>
+                      <a:round/>
+                      <a:headEnd type="none" w="med" len="med"/>
+                      <a:tailEnd type="none" w="med" len="med"/>
+                    </a:lnB>
+                    <a:noFill/>
+                  </a:tcPr>
+                </a:tc>
+                <a:tc>
+                  <a:txBody>
+                    <a:bodyPr/>
+                    <a:lstStyle/>
+                    <a:p>
+                      <a:r>
+                        <a:rPr lang="de-DE" dirty="0" smtClean="0">
+                          <a:ln>
+                            <a:noFill/>
+                          </a:ln>
+                          <a:solidFill>
+                            <a:schemeClr val="tx1"/>
+                          </a:solidFill>
+                        </a:rPr>
+                        <a:t>Automatisierungsfunktionen</a:t>
+                      </a:r>
+                      <a:endParaRPr lang="de-DE" dirty="0">
+                        <a:ln>
+                          <a:noFill/>
+                        </a:ln>
+                        <a:solidFill>
+                          <a:schemeClr val="tx1"/>
+                        </a:solidFill>
+                      </a:endParaRPr>
+                    </a:p>
+                  </a:txBody>
+                  <a:tcPr>
+                    <a:lnL w="12700" cap="flat" cmpd="sng" algn="ctr">
+                      <a:solidFill>
+                        <a:schemeClr val="tx1"/>
+                      </a:solidFill>
+                      <a:prstDash val="solid"/>
+                      <a:round/>
+                      <a:headEnd type="none" w="med" len="med"/>
+                      <a:tailEnd type="none" w="med" len="med"/>
+                    </a:lnL>
+                    <a:lnR w="12700" cap="flat" cmpd="sng" algn="ctr">
+                      <a:noFill/>
+                      <a:prstDash val="solid"/>
+                      <a:round/>
+                      <a:headEnd type="none" w="med" len="med"/>
+                      <a:tailEnd type="none" w="med" len="med"/>
+                    </a:lnR>
+                    <a:lnT w="12700" cap="flat" cmpd="sng" algn="ctr">
+                      <a:noFill/>
+                      <a:prstDash val="solid"/>
+                      <a:round/>
+                      <a:headEnd type="none" w="med" len="med"/>
+                      <a:tailEnd type="none" w="med" len="med"/>
+                    </a:lnT>
+                    <a:lnB w="12700" cap="flat" cmpd="sng" algn="ctr">
+                      <a:solidFill>
+                        <a:schemeClr val="tx1"/>
+                      </a:solidFill>
+                      <a:prstDash val="solid"/>
+                      <a:round/>
+                      <a:headEnd type="none" w="med" len="med"/>
+                      <a:tailEnd type="none" w="med" len="med"/>
+                    </a:lnB>
+                    <a:noFill/>
+                  </a:tcPr>
+                </a:tc>
+              </a:tr>
+              <a:tr h="766550">
+                <a:tc>
+                  <a:txBody>
+                    <a:bodyPr/>
+                    <a:lstStyle/>
+                    <a:p>
+                      <a:r>
+                        <a:rPr lang="de-DE" dirty="0" smtClean="0"/>
+                        <a:t>Unternehmensführung</a:t>
+                      </a:r>
+                      <a:endParaRPr lang="de-DE" dirty="0"/>
+                    </a:p>
+                  </a:txBody>
+                  <a:tcPr>
+                    <a:lnL w="12700" cap="flat" cmpd="sng" algn="ctr">
+                      <a:noFill/>
+                      <a:prstDash val="solid"/>
+                      <a:round/>
+                      <a:headEnd type="none" w="med" len="med"/>
+                      <a:tailEnd type="none" w="med" len="med"/>
+                    </a:lnL>
+                    <a:lnR w="12700" cap="flat" cmpd="sng" algn="ctr">
+                      <a:solidFill>
+                        <a:schemeClr val="tx1"/>
+                      </a:solidFill>
+                      <a:prstDash val="solid"/>
+                      <a:round/>
+                      <a:headEnd type="none" w="med" len="med"/>
+                      <a:tailEnd type="none" w="med" len="med"/>
+                    </a:lnR>
+                    <a:lnT w="12700" cap="flat" cmpd="sng" algn="ctr">
+                      <a:solidFill>
+                        <a:schemeClr val="tx1"/>
+                      </a:solidFill>
+                      <a:prstDash val="solid"/>
+                      <a:round/>
+                      <a:headEnd type="none" w="med" len="med"/>
+                      <a:tailEnd type="none" w="med" len="med"/>
+                    </a:lnT>
+                    <a:lnB w="12700" cap="flat" cmpd="sng" algn="ctr">
+                      <a:solidFill>
+                        <a:schemeClr val="tx1"/>
+                      </a:solidFill>
+                      <a:prstDash val="solid"/>
+                      <a:round/>
+                      <a:headEnd type="none" w="med" len="med"/>
+                      <a:tailEnd type="none" w="med" len="med"/>
+                    </a:lnB>
+                    <a:noFill/>
+                  </a:tcPr>
+                </a:tc>
+                <a:tc>
+                  <a:txBody>
+                    <a:bodyPr/>
+                    <a:lstStyle/>
+                    <a:p>
+                      <a:r>
+                        <a:rPr lang="de-DE" dirty="0" smtClean="0"/>
+                        <a:t>Monate, Jahre (Jahreskalender)</a:t>
+                      </a:r>
+                      <a:endParaRPr lang="de-DE" dirty="0"/>
+                    </a:p>
+                  </a:txBody>
+                  <a:tcPr>
+                    <a:lnL w="12700" cap="flat" cmpd="sng" algn="ctr">
+                      <a:solidFill>
+                        <a:schemeClr val="tx1"/>
+                      </a:solidFill>
+                      <a:prstDash val="solid"/>
+                      <a:round/>
+                      <a:headEnd type="none" w="med" len="med"/>
+                      <a:tailEnd type="none" w="med" len="med"/>
+                    </a:lnL>
+                    <a:lnR w="12700" cap="flat" cmpd="sng" algn="ctr">
+                      <a:solidFill>
+                        <a:schemeClr val="tx1"/>
+                      </a:solidFill>
+                      <a:prstDash val="solid"/>
+                      <a:round/>
+                      <a:headEnd type="none" w="med" len="med"/>
+                      <a:tailEnd type="none" w="med" len="med"/>
+                    </a:lnR>
+                    <a:lnT w="12700" cap="flat" cmpd="sng" algn="ctr">
+                      <a:solidFill>
+                        <a:schemeClr val="tx1"/>
+                      </a:solidFill>
+                      <a:prstDash val="solid"/>
+                      <a:round/>
+                      <a:headEnd type="none" w="med" len="med"/>
+                      <a:tailEnd type="none" w="med" len="med"/>
+                    </a:lnT>
+                    <a:lnB w="12700" cap="flat" cmpd="sng" algn="ctr">
+                      <a:solidFill>
+                        <a:schemeClr val="tx1"/>
+                      </a:solidFill>
+                      <a:prstDash val="solid"/>
+                      <a:round/>
+                      <a:headEnd type="none" w="med" len="med"/>
+                      <a:tailEnd type="none" w="med" len="med"/>
+                    </a:lnB>
+                    <a:noFill/>
+                  </a:tcPr>
+                </a:tc>
+                <a:tc>
+                  <a:txBody>
+                    <a:bodyPr/>
+                    <a:lstStyle/>
+                    <a:p>
+                      <a:r>
+                        <a:rPr lang="de-DE" dirty="0" smtClean="0"/>
+                        <a:t>Kostenanalysen, statistische Auswertungen</a:t>
+                      </a:r>
+                      <a:endParaRPr lang="de-DE" dirty="0"/>
+                    </a:p>
+                  </a:txBody>
+                  <a:tcPr>
+                    <a:lnL w="12700" cap="flat" cmpd="sng" algn="ctr">
+                      <a:solidFill>
+                        <a:schemeClr val="tx1"/>
+                      </a:solidFill>
+                      <a:prstDash val="solid"/>
+                      <a:round/>
+                      <a:headEnd type="none" w="med" len="med"/>
+                      <a:tailEnd type="none" w="med" len="med"/>
+                    </a:lnL>
+                    <a:lnR w="12700" cap="flat" cmpd="sng" algn="ctr">
+                      <a:noFill/>
+                      <a:prstDash val="solid"/>
+                      <a:round/>
+                      <a:headEnd type="none" w="med" len="med"/>
+                      <a:tailEnd type="none" w="med" len="med"/>
+                    </a:lnR>
+                    <a:lnT w="12700" cap="flat" cmpd="sng" algn="ctr">
+                      <a:solidFill>
+                        <a:schemeClr val="tx1"/>
+                      </a:solidFill>
+                      <a:prstDash val="solid"/>
+                      <a:round/>
+                      <a:headEnd type="none" w="med" len="med"/>
+                      <a:tailEnd type="none" w="med" len="med"/>
+                    </a:lnT>
+                    <a:lnB w="12700" cap="flat" cmpd="sng" algn="ctr">
+                      <a:solidFill>
+                        <a:schemeClr val="tx1"/>
+                      </a:solidFill>
+                      <a:prstDash val="solid"/>
+                      <a:round/>
+                      <a:headEnd type="none" w="med" len="med"/>
+                      <a:tailEnd type="none" w="med" len="med"/>
+                    </a:lnB>
+                    <a:noFill/>
+                  </a:tcPr>
+                </a:tc>
+              </a:tr>
+              <a:tr h="766550">
+                <a:tc>
+                  <a:txBody>
+                    <a:bodyPr/>
+                    <a:lstStyle/>
+                    <a:p>
+                      <a:r>
+                        <a:rPr lang="de-DE" dirty="0" smtClean="0"/>
+                        <a:t>Produktionsplanung</a:t>
+                      </a:r>
+                      <a:r>
+                        <a:rPr lang="de-DE" baseline="0" dirty="0" smtClean="0"/>
+                        <a:t> und Betriebsleitung</a:t>
+                      </a:r>
+                      <a:endParaRPr lang="de-DE" dirty="0"/>
+                    </a:p>
+                  </a:txBody>
+                  <a:tcPr>
+                    <a:lnL w="12700" cap="flat" cmpd="sng" algn="ctr">
+                      <a:noFill/>
+                      <a:prstDash val="solid"/>
+                      <a:round/>
+                      <a:headEnd type="none" w="med" len="med"/>
+                      <a:tailEnd type="none" w="med" len="med"/>
+                    </a:lnL>
+                    <a:lnR w="12700" cap="flat" cmpd="sng" algn="ctr">
+                      <a:solidFill>
+                        <a:schemeClr val="tx1"/>
+                      </a:solidFill>
+                      <a:prstDash val="solid"/>
+                      <a:round/>
+                      <a:headEnd type="none" w="med" len="med"/>
+                      <a:tailEnd type="none" w="med" len="med"/>
+                    </a:lnR>
+                    <a:lnT w="12700" cap="flat" cmpd="sng" algn="ctr">
+                      <a:solidFill>
+                        <a:schemeClr val="tx1"/>
+                      </a:solidFill>
+                      <a:prstDash val="solid"/>
+                      <a:round/>
+                      <a:headEnd type="none" w="med" len="med"/>
+                      <a:tailEnd type="none" w="med" len="med"/>
+                    </a:lnT>
+                    <a:lnB w="12700" cap="flat" cmpd="sng" algn="ctr">
+                      <a:solidFill>
+                        <a:schemeClr val="tx1"/>
+                      </a:solidFill>
+                      <a:prstDash val="solid"/>
+                      <a:round/>
+                      <a:headEnd type="none" w="med" len="med"/>
+                      <a:tailEnd type="none" w="med" len="med"/>
+                    </a:lnB>
+                    <a:noFill/>
+                  </a:tcPr>
+                </a:tc>
+                <a:tc>
+                  <a:txBody>
+                    <a:bodyPr/>
+                    <a:lstStyle/>
+                    <a:p>
+                      <a:r>
+                        <a:rPr lang="de-DE" dirty="0" smtClean="0"/>
+                        <a:t>Monate, Wochen, Tage (Monatsübersicht)</a:t>
+                      </a:r>
+                      <a:endParaRPr lang="de-DE" dirty="0"/>
+                    </a:p>
+                  </a:txBody>
+                  <a:tcPr>
+                    <a:lnL w="12700" cap="flat" cmpd="sng" algn="ctr">
+                      <a:solidFill>
+                        <a:schemeClr val="tx1"/>
+                      </a:solidFill>
+                      <a:prstDash val="solid"/>
+                      <a:round/>
+                      <a:headEnd type="none" w="med" len="med"/>
+                      <a:tailEnd type="none" w="med" len="med"/>
+                    </a:lnL>
+                    <a:lnR w="12700" cap="flat" cmpd="sng" algn="ctr">
+                      <a:solidFill>
+                        <a:schemeClr val="tx1"/>
+                      </a:solidFill>
+                      <a:prstDash val="solid"/>
+                      <a:round/>
+                      <a:headEnd type="none" w="med" len="med"/>
+                      <a:tailEnd type="none" w="med" len="med"/>
+                    </a:lnR>
+                    <a:lnT w="12700" cap="flat" cmpd="sng" algn="ctr">
+                      <a:solidFill>
+                        <a:schemeClr val="tx1"/>
+                      </a:solidFill>
+                      <a:prstDash val="solid"/>
+                      <a:round/>
+                      <a:headEnd type="none" w="med" len="med"/>
+                      <a:tailEnd type="none" w="med" len="med"/>
+                    </a:lnT>
+                    <a:lnB w="12700" cap="flat" cmpd="sng" algn="ctr">
+                      <a:solidFill>
+                        <a:schemeClr val="tx1"/>
+                      </a:solidFill>
+                      <a:prstDash val="solid"/>
+                      <a:round/>
+                      <a:headEnd type="none" w="med" len="med"/>
+                      <a:tailEnd type="none" w="med" len="med"/>
+                    </a:lnB>
+                    <a:noFill/>
+                  </a:tcPr>
+                </a:tc>
+                <a:tc>
+                  <a:txBody>
+                    <a:bodyPr/>
+                    <a:lstStyle/>
+                    <a:p>
+                      <a:r>
+                        <a:rPr lang="de-DE" dirty="0" smtClean="0"/>
+                        <a:t>Betriebsablaufplanung, Kapazitätsoptimierung, Auswertung der Prozessergebnisse</a:t>
+                      </a:r>
+                      <a:endParaRPr lang="de-DE" dirty="0"/>
+                    </a:p>
+                  </a:txBody>
+                  <a:tcPr>
+                    <a:lnL w="12700" cap="flat" cmpd="sng" algn="ctr">
+                      <a:solidFill>
+                        <a:schemeClr val="tx1"/>
+                      </a:solidFill>
+                      <a:prstDash val="solid"/>
+                      <a:round/>
+                      <a:headEnd type="none" w="med" len="med"/>
+                      <a:tailEnd type="none" w="med" len="med"/>
+                    </a:lnL>
+                    <a:lnR w="12700" cap="flat" cmpd="sng" algn="ctr">
+                      <a:noFill/>
+                      <a:prstDash val="solid"/>
+                      <a:round/>
+                      <a:headEnd type="none" w="med" len="med"/>
+                      <a:tailEnd type="none" w="med" len="med"/>
+                    </a:lnR>
+                    <a:lnT w="12700" cap="flat" cmpd="sng" algn="ctr">
+                      <a:solidFill>
+                        <a:schemeClr val="tx1"/>
+                      </a:solidFill>
+                      <a:prstDash val="solid"/>
+                      <a:round/>
+                      <a:headEnd type="none" w="med" len="med"/>
+                      <a:tailEnd type="none" w="med" len="med"/>
+                    </a:lnT>
+                    <a:lnB w="12700" cap="flat" cmpd="sng" algn="ctr">
+                      <a:solidFill>
+                        <a:schemeClr val="tx1"/>
+                      </a:solidFill>
+                      <a:prstDash val="solid"/>
+                      <a:round/>
+                      <a:headEnd type="none" w="med" len="med"/>
+                      <a:tailEnd type="none" w="med" len="med"/>
+                    </a:lnB>
+                    <a:noFill/>
+                  </a:tcPr>
+                </a:tc>
+              </a:tr>
+              <a:tr h="766550">
+                <a:tc>
+                  <a:txBody>
+                    <a:bodyPr/>
+                    <a:lstStyle/>
+                    <a:p>
+                      <a:r>
+                        <a:rPr lang="de-DE" dirty="0" smtClean="0"/>
+                        <a:t>Leitung technische Prozesse</a:t>
+                      </a:r>
+                      <a:endParaRPr lang="de-DE" dirty="0"/>
+                    </a:p>
+                  </a:txBody>
+                  <a:tcPr>
+                    <a:lnL w="12700" cap="flat" cmpd="sng" algn="ctr">
+                      <a:noFill/>
+                      <a:prstDash val="solid"/>
+                      <a:round/>
+                      <a:headEnd type="none" w="med" len="med"/>
+                      <a:tailEnd type="none" w="med" len="med"/>
+                    </a:lnL>
+                    <a:lnR w="12700" cap="flat" cmpd="sng" algn="ctr">
+                      <a:solidFill>
+                        <a:schemeClr val="tx1"/>
+                      </a:solidFill>
+                      <a:prstDash val="solid"/>
+                      <a:round/>
+                      <a:headEnd type="none" w="med" len="med"/>
+                      <a:tailEnd type="none" w="med" len="med"/>
+                    </a:lnR>
+                    <a:lnT w="12700" cap="flat" cmpd="sng" algn="ctr">
+                      <a:solidFill>
+                        <a:schemeClr val="tx1"/>
+                      </a:solidFill>
+                      <a:prstDash val="solid"/>
+                      <a:round/>
+                      <a:headEnd type="none" w="med" len="med"/>
+                      <a:tailEnd type="none" w="med" len="med"/>
+                    </a:lnT>
+                    <a:lnB w="12700" cap="flat" cmpd="sng" algn="ctr">
+                      <a:solidFill>
+                        <a:schemeClr val="tx1"/>
+                      </a:solidFill>
+                      <a:prstDash val="solid"/>
+                      <a:round/>
+                      <a:headEnd type="none" w="med" len="med"/>
+                      <a:tailEnd type="none" w="med" len="med"/>
+                    </a:lnB>
+                    <a:noFill/>
+                  </a:tcPr>
+                </a:tc>
+                <a:tc>
+                  <a:txBody>
+                    <a:bodyPr/>
+                    <a:lstStyle/>
+                    <a:p>
+                      <a:r>
+                        <a:rPr lang="de-DE" dirty="0" smtClean="0"/>
+                        <a:t>Stunden,</a:t>
+                      </a:r>
+                      <a:r>
+                        <a:rPr lang="de-DE" baseline="0" dirty="0" smtClean="0"/>
+                        <a:t> Minuten (Uhr)</a:t>
+                      </a:r>
+                      <a:endParaRPr lang="de-DE" dirty="0"/>
+                    </a:p>
+                  </a:txBody>
+                  <a:tcPr>
+                    <a:lnL w="12700" cap="flat" cmpd="sng" algn="ctr">
+                      <a:solidFill>
+                        <a:schemeClr val="tx1"/>
+                      </a:solidFill>
+                      <a:prstDash val="solid"/>
+                      <a:round/>
+                      <a:headEnd type="none" w="med" len="med"/>
+                      <a:tailEnd type="none" w="med" len="med"/>
+                    </a:lnL>
+                    <a:lnR w="12700" cap="flat" cmpd="sng" algn="ctr">
+                      <a:solidFill>
+                        <a:schemeClr val="tx1"/>
+                      </a:solidFill>
+                      <a:prstDash val="solid"/>
+                      <a:round/>
+                      <a:headEnd type="none" w="med" len="med"/>
+                      <a:tailEnd type="none" w="med" len="med"/>
+                    </a:lnR>
+                    <a:lnT w="12700" cap="flat" cmpd="sng" algn="ctr">
+                      <a:solidFill>
+                        <a:schemeClr val="tx1"/>
+                      </a:solidFill>
+                      <a:prstDash val="solid"/>
+                      <a:round/>
+                      <a:headEnd type="none" w="med" len="med"/>
+                      <a:tailEnd type="none" w="med" len="med"/>
+                    </a:lnT>
+                    <a:lnB w="12700" cap="flat" cmpd="sng" algn="ctr">
+                      <a:solidFill>
+                        <a:schemeClr val="tx1"/>
+                      </a:solidFill>
+                      <a:prstDash val="solid"/>
+                      <a:round/>
+                      <a:headEnd type="none" w="med" len="med"/>
+                      <a:tailEnd type="none" w="med" len="med"/>
+                    </a:lnB>
+                    <a:noFill/>
+                  </a:tcPr>
+                </a:tc>
+                <a:tc>
+                  <a:txBody>
+                    <a:bodyPr/>
+                    <a:lstStyle/>
+                    <a:p>
+                      <a:r>
+                        <a:rPr lang="de-DE" dirty="0" smtClean="0"/>
+                        <a:t>Prozessüberwachung, An- und Abfahrten,</a:t>
+                      </a:r>
+                      <a:r>
+                        <a:rPr lang="de-DE" baseline="0" dirty="0" smtClean="0"/>
+                        <a:t> Störungsbehandlung, Prozessführung, Prozesssicherung</a:t>
+                      </a:r>
+                      <a:endParaRPr lang="de-DE" dirty="0"/>
+                    </a:p>
+                  </a:txBody>
+                  <a:tcPr>
+                    <a:lnL w="12700" cap="flat" cmpd="sng" algn="ctr">
+                      <a:solidFill>
+                        <a:schemeClr val="tx1"/>
+                      </a:solidFill>
+                      <a:prstDash val="solid"/>
+                      <a:round/>
+                      <a:headEnd type="none" w="med" len="med"/>
+                      <a:tailEnd type="none" w="med" len="med"/>
+                    </a:lnL>
+                    <a:lnR w="12700" cap="flat" cmpd="sng" algn="ctr">
+                      <a:noFill/>
+                      <a:prstDash val="solid"/>
+                      <a:round/>
+                      <a:headEnd type="none" w="med" len="med"/>
+                      <a:tailEnd type="none" w="med" len="med"/>
+                    </a:lnR>
+                    <a:lnT w="12700" cap="flat" cmpd="sng" algn="ctr">
+                      <a:solidFill>
+                        <a:schemeClr val="tx1"/>
+                      </a:solidFill>
+                      <a:prstDash val="solid"/>
+                      <a:round/>
+                      <a:headEnd type="none" w="med" len="med"/>
+                      <a:tailEnd type="none" w="med" len="med"/>
+                    </a:lnT>
+                    <a:lnB w="12700" cap="flat" cmpd="sng" algn="ctr">
+                      <a:solidFill>
+                        <a:schemeClr val="tx1"/>
+                      </a:solidFill>
+                      <a:prstDash val="solid"/>
+                      <a:round/>
+                      <a:headEnd type="none" w="med" len="med"/>
+                      <a:tailEnd type="none" w="med" len="med"/>
+                    </a:lnB>
+                    <a:noFill/>
+                  </a:tcPr>
+                </a:tc>
+              </a:tr>
+              <a:tr h="766550">
+                <a:tc>
+                  <a:txBody>
+                    <a:bodyPr/>
+                    <a:lstStyle/>
+                    <a:p>
+                      <a:r>
+                        <a:rPr lang="de-DE" dirty="0" smtClean="0"/>
+                        <a:t>Prozessgrößen</a:t>
+                      </a:r>
+                      <a:endParaRPr lang="de-DE" dirty="0"/>
+                    </a:p>
+                  </a:txBody>
+                  <a:tcPr>
+                    <a:lnL w="12700" cap="flat" cmpd="sng" algn="ctr">
+                      <a:noFill/>
+                      <a:prstDash val="solid"/>
+                      <a:round/>
+                      <a:headEnd type="none" w="med" len="med"/>
+                      <a:tailEnd type="none" w="med" len="med"/>
+                    </a:lnL>
+                    <a:lnR w="12700" cap="flat" cmpd="sng" algn="ctr">
+                      <a:solidFill>
+                        <a:schemeClr val="tx1"/>
+                      </a:solidFill>
+                      <a:prstDash val="solid"/>
+                      <a:round/>
+                      <a:headEnd type="none" w="med" len="med"/>
+                      <a:tailEnd type="none" w="med" len="med"/>
+                    </a:lnR>
+                    <a:lnT w="12700" cap="flat" cmpd="sng" algn="ctr">
+                      <a:solidFill>
+                        <a:schemeClr val="tx1"/>
+                      </a:solidFill>
+                      <a:prstDash val="solid"/>
+                      <a:round/>
+                      <a:headEnd type="none" w="med" len="med"/>
+                      <a:tailEnd type="none" w="med" len="med"/>
+                    </a:lnT>
+                    <a:lnB w="12700" cap="flat" cmpd="sng" algn="ctr">
+                      <a:noFill/>
+                      <a:prstDash val="solid"/>
+                      <a:round/>
+                      <a:headEnd type="none" w="med" len="med"/>
+                      <a:tailEnd type="none" w="med" len="med"/>
+                    </a:lnB>
+                    <a:noFill/>
+                  </a:tcPr>
+                </a:tc>
+                <a:tc>
+                  <a:txBody>
+                    <a:bodyPr/>
+                    <a:lstStyle/>
+                    <a:p>
+                      <a:r>
+                        <a:rPr lang="de-DE" dirty="0" smtClean="0"/>
+                        <a:t>Sekunden, Millisekunden,</a:t>
+                      </a:r>
+                      <a:r>
+                        <a:rPr lang="de-DE" baseline="0" dirty="0" smtClean="0"/>
+                        <a:t> Mikrosekunden (Stoppuhr)</a:t>
+                      </a:r>
+                      <a:endParaRPr lang="de-DE" dirty="0"/>
+                    </a:p>
+                  </a:txBody>
+                  <a:tcPr>
+                    <a:lnL w="12700" cap="flat" cmpd="sng" algn="ctr">
+                      <a:solidFill>
+                        <a:schemeClr val="tx1"/>
+                      </a:solidFill>
+                      <a:prstDash val="solid"/>
+                      <a:round/>
+                      <a:headEnd type="none" w="med" len="med"/>
+                      <a:tailEnd type="none" w="med" len="med"/>
+                    </a:lnL>
+                    <a:lnR w="12700" cap="flat" cmpd="sng" algn="ctr">
+                      <a:solidFill>
+                        <a:schemeClr val="tx1"/>
+                      </a:solidFill>
+                      <a:prstDash val="solid"/>
+                      <a:round/>
+                      <a:headEnd type="none" w="med" len="med"/>
+                      <a:tailEnd type="none" w="med" len="med"/>
+                    </a:lnR>
+                    <a:lnT w="12700" cap="flat" cmpd="sng" algn="ctr">
+                      <a:solidFill>
+                        <a:schemeClr val="tx1"/>
+                      </a:solidFill>
+                      <a:prstDash val="solid"/>
+                      <a:round/>
+                      <a:headEnd type="none" w="med" len="med"/>
+                      <a:tailEnd type="none" w="med" len="med"/>
+                    </a:lnT>
+                    <a:lnB w="12700" cap="flat" cmpd="sng" algn="ctr">
+                      <a:noFill/>
+                      <a:prstDash val="solid"/>
+                      <a:round/>
+                      <a:headEnd type="none" w="med" len="med"/>
+                      <a:tailEnd type="none" w="med" len="med"/>
+                    </a:lnB>
+                    <a:noFill/>
+                  </a:tcPr>
+                </a:tc>
+                <a:tc>
+                  <a:txBody>
+                    <a:bodyPr/>
+                    <a:lstStyle/>
+                    <a:p>
+                      <a:r>
+                        <a:rPr lang="de-DE" dirty="0" smtClean="0"/>
+                        <a:t>Messen, Steuern,</a:t>
+                      </a:r>
+                      <a:r>
+                        <a:rPr lang="de-DE" baseline="0" dirty="0" smtClean="0"/>
+                        <a:t> Stellen, Regeln, Verriegelungen, Not-Bedienen von Prozessgrößen, Abschalten, Schutz</a:t>
+                      </a:r>
+                      <a:endParaRPr lang="de-DE" dirty="0"/>
+                    </a:p>
+                  </a:txBody>
+                  <a:tcPr>
+                    <a:lnL w="12700" cap="flat" cmpd="sng" algn="ctr">
+                      <a:solidFill>
+                        <a:schemeClr val="tx1"/>
+                      </a:solidFill>
+                      <a:prstDash val="solid"/>
+                      <a:round/>
+                      <a:headEnd type="none" w="med" len="med"/>
+                      <a:tailEnd type="none" w="med" len="med"/>
+                    </a:lnL>
+                    <a:lnR w="12700" cap="flat" cmpd="sng" algn="ctr">
+                      <a:noFill/>
+                      <a:prstDash val="solid"/>
+                      <a:round/>
+                      <a:headEnd type="none" w="med" len="med"/>
+                      <a:tailEnd type="none" w="med" len="med"/>
+                    </a:lnR>
+                    <a:lnT w="12700" cap="flat" cmpd="sng" algn="ctr">
+                      <a:solidFill>
+                        <a:schemeClr val="tx1"/>
+                      </a:solidFill>
+                      <a:prstDash val="solid"/>
+                      <a:round/>
+                      <a:headEnd type="none" w="med" len="med"/>
+                      <a:tailEnd type="none" w="med" len="med"/>
+                    </a:lnT>
+                    <a:lnB w="12700" cap="flat" cmpd="sng" algn="ctr">
+                      <a:noFill/>
+                      <a:prstDash val="solid"/>
+                      <a:round/>
+                      <a:headEnd type="none" w="med" len="med"/>
+                      <a:tailEnd type="none" w="med" len="med"/>
+                    </a:lnB>
+                    <a:noFill/>
+                  </a:tcPr>
+                </a:tc>
+              </a:tr>
+            </a:tbl>
+          </a:graphicData>
+        </a:graphic>
+      </p:graphicFrame>
     </p:spTree>
     <p:extLst>
       <p:ext uri="{BB962C8B-B14F-4D97-AF65-F5344CB8AC3E}">
-        <p14:creationId xmlns:p14="http://schemas.microsoft.com/office/powerpoint/2010/main" val="3337884873"/>
+        <p14:creationId xmlns:p14="http://schemas.microsoft.com/office/powerpoint/2010/main" val="241283541"/>
       </p:ext>
     </p:extLst>
   </p:cSld>
@@ -8481,10 +12701,7 @@
           <a:bodyPr/>
           <a:lstStyle/>
           <a:p>
-            <a:r>
-              <a:rPr lang="de-DE" dirty="0"/>
-              <a:t>Was für Benutzergruppen gibt es?</a:t>
-            </a:r>
+            <a:endParaRPr lang="de-DE"/>
           </a:p>
         </p:txBody>
       </p:sp>
@@ -8510,7 +12727,7 @@
     </p:spTree>
     <p:extLst>
       <p:ext uri="{BB962C8B-B14F-4D97-AF65-F5344CB8AC3E}">
-        <p14:creationId xmlns:p14="http://schemas.microsoft.com/office/powerpoint/2010/main" val="241283541"/>
+        <p14:creationId xmlns:p14="http://schemas.microsoft.com/office/powerpoint/2010/main" val="3493721261"/>
       </p:ext>
     </p:extLst>
   </p:cSld>

--- a/Dokumente/Präsentationen/2019-04-29_DA_Feldkemper_Probeverteidigung.pptx
+++ b/Dokumente/Präsentationen/2019-04-29_DA_Feldkemper_Probeverteidigung.pptx
@@ -5,10 +5,10 @@
     <p:sldMasterId id="2147483891" r:id="rId1"/>
   </p:sldMasterIdLst>
   <p:notesMasterIdLst>
-    <p:notesMasterId r:id="rId24"/>
+    <p:notesMasterId r:id="rId31"/>
   </p:notesMasterIdLst>
   <p:handoutMasterIdLst>
-    <p:handoutMasterId r:id="rId25"/>
+    <p:handoutMasterId r:id="rId32"/>
   </p:handoutMasterIdLst>
   <p:sldIdLst>
     <p:sldId id="319" r:id="rId2"/>
@@ -33,23 +33,30 @@
     <p:sldId id="348" r:id="rId21"/>
     <p:sldId id="349" r:id="rId22"/>
     <p:sldId id="350" r:id="rId23"/>
+    <p:sldId id="355" r:id="rId24"/>
+    <p:sldId id="360" r:id="rId25"/>
+    <p:sldId id="359" r:id="rId26"/>
+    <p:sldId id="356" r:id="rId27"/>
+    <p:sldId id="354" r:id="rId28"/>
+    <p:sldId id="357" r:id="rId29"/>
+    <p:sldId id="358" r:id="rId30"/>
   </p:sldIdLst>
   <p:sldSz cx="12192000" cy="6858000"/>
   <p:notesSz cx="6858000" cy="9144000"/>
   <p:embeddedFontLst>
     <p:embeddedFont>
-      <p:font typeface="Open Sans" panose="020B0604020202020204" charset="0"/>
-      <p:regular r:id="rId26"/>
-      <p:bold r:id="rId27"/>
-      <p:italic r:id="rId28"/>
-      <p:boldItalic r:id="rId29"/>
+      <p:font typeface="Calibri" panose="020F0502020204030204" pitchFamily="34" charset="0"/>
+      <p:regular r:id="rId33"/>
+      <p:bold r:id="rId34"/>
+      <p:italic r:id="rId35"/>
+      <p:boldItalic r:id="rId36"/>
     </p:embeddedFont>
     <p:embeddedFont>
-      <p:font typeface="Calibri" panose="020F0502020204030204" pitchFamily="34" charset="0"/>
-      <p:regular r:id="rId30"/>
-      <p:bold r:id="rId31"/>
-      <p:italic r:id="rId32"/>
-      <p:boldItalic r:id="rId33"/>
+      <p:font typeface="Open Sans" panose="020B0606030504020204" pitchFamily="34" charset="0"/>
+      <p:regular r:id="rId37"/>
+      <p:bold r:id="rId38"/>
+      <p:italic r:id="rId39"/>
+      <p:boldItalic r:id="rId40"/>
     </p:embeddedFont>
   </p:embeddedFontLst>
   <p:defaultTextStyle>
@@ -200,6 +207,17 @@
             <p14:sldId id="350"/>
           </p14:sldIdLst>
         </p14:section>
+        <p14:section name="UML-Diagramm Prototyp" id="{82F4958D-BBDF-B749-9CC3-4ED29B1C4DC6}">
+          <p14:sldIdLst>
+            <p14:sldId id="355"/>
+            <p14:sldId id="360"/>
+            <p14:sldId id="359"/>
+            <p14:sldId id="356"/>
+            <p14:sldId id="354"/>
+            <p14:sldId id="357"/>
+            <p14:sldId id="358"/>
+          </p14:sldIdLst>
+        </p14:section>
       </p14:sectionLst>
     </p:ext>
     <p:ext uri="{EFAFB233-063F-42B5-8137-9DF3F51BA10A}">
@@ -303,7 +321,7 @@
           <a:p>
             <a:fld id="{C6AC6211-610F-44E5-BF19-D3CDF6EDD281}" type="datetimeFigureOut">
               <a:rPr lang="de-DE" smtClean="0"/>
-              <a:t>03.04.2019</a:t>
+              <a:t>09.04.19</a:t>
             </a:fld>
             <a:endParaRPr lang="de-DE"/>
           </a:p>
@@ -776,7 +794,7 @@
           <a:p>
             <a:fld id="{347435D3-23A6-45D3-8DFA-7317DC1E7A64}" type="datetimeFigureOut">
               <a:rPr lang="de-DE" smtClean="0"/>
-              <a:t>03.04.2019</a:t>
+              <a:t>09.04.19</a:t>
             </a:fld>
             <a:endParaRPr lang="de-DE"/>
           </a:p>
@@ -1173,7 +1191,7 @@
           <a:lstStyle/>
           <a:p>
             <a:r>
-              <a:rPr lang="de-DE" dirty="0" smtClean="0"/>
+              <a:rPr lang="de-DE" dirty="0"/>
               <a:t>Wie kann dem Nutzer geholfen werden?</a:t>
             </a:r>
           </a:p>
@@ -1183,11 +1201,11 @@
               <a:buChar char="-"/>
             </a:pPr>
             <a:r>
-              <a:rPr lang="de-DE" dirty="0" smtClean="0"/>
+              <a:rPr lang="de-DE" dirty="0"/>
               <a:t>Wie</a:t>
             </a:r>
             <a:r>
-              <a:rPr lang="de-DE" baseline="0" dirty="0" smtClean="0"/>
+              <a:rPr lang="de-DE" baseline="0" dirty="0"/>
               <a:t> sieht ein Problemlöseprozess aus? Was für Merkmale haben (komplexe) Probleme?</a:t>
             </a:r>
           </a:p>
@@ -1197,7 +1215,7 @@
               <a:buChar char="-"/>
             </a:pPr>
             <a:r>
-              <a:rPr lang="de-DE" baseline="0" dirty="0" smtClean="0"/>
+              <a:rPr lang="de-DE" baseline="0" dirty="0"/>
               <a:t>Was (welche Aufgaben) kann man unterstützen?</a:t>
             </a:r>
           </a:p>
@@ -1206,7 +1224,7 @@
               <a:buFontTx/>
               <a:buChar char="-"/>
             </a:pPr>
-            <a:endParaRPr lang="de-DE" baseline="0" dirty="0" smtClean="0"/>
+            <a:endParaRPr lang="de-DE" baseline="0" dirty="0"/>
           </a:p>
           <a:p>
             <a:pPr marL="0" indent="0">
@@ -1214,7 +1232,7 @@
               <a:buNone/>
             </a:pPr>
             <a:r>
-              <a:rPr lang="de-DE" baseline="0" dirty="0" smtClean="0"/>
+              <a:rPr lang="de-DE" baseline="0" dirty="0"/>
               <a:t>Was will und sollte der Nutzer wissen?</a:t>
             </a:r>
             <a:endParaRPr lang="de-DE" dirty="0"/>
@@ -1302,10 +1320,18 @@
           <a:lstStyle/>
           <a:p>
             <a:r>
-              <a:rPr lang="de-DE" dirty="0" smtClean="0"/>
+              <a:rPr lang="de-DE" dirty="0"/>
+              <a:t>Die Funktionen, die Assistenz übernehmen kann unterscheiden sich anhand der Ebenen in einem Unternehmen</a:t>
+            </a:r>
+          </a:p>
+          <a:p>
+            <a:endParaRPr lang="de-DE" dirty="0"/>
+          </a:p>
+          <a:p>
+            <a:r>
+              <a:rPr lang="de-DE" dirty="0"/>
               <a:t>Betrachtung der verschiedenen Unternehmensbereiche</a:t>
             </a:r>
-            <a:endParaRPr lang="de-DE" dirty="0"/>
           </a:p>
         </p:txBody>
       </p:sp>
@@ -1543,7 +1569,7 @@
           <p:cNvPr id="15" name="Rechteck 14">
             <a:extLst>
               <a:ext uri="{FF2B5EF4-FFF2-40B4-BE49-F238E27FC236}">
-                <a16:creationId xmlns:a16="http://schemas.microsoft.com/office/drawing/2014/main" xmlns="" id="{F770C3AA-244C-A141-BC22-D074823F4293}"/>
+                <a16:creationId xmlns:a16="http://schemas.microsoft.com/office/drawing/2014/main" id="{F770C3AA-244C-A141-BC22-D074823F4293}"/>
               </a:ext>
             </a:extLst>
           </p:cNvPr>
@@ -1783,7 +1809,7 @@
           <p:cNvPr id="5" name="Grafik 4">
             <a:extLst>
               <a:ext uri="{FF2B5EF4-FFF2-40B4-BE49-F238E27FC236}">
-                <a16:creationId xmlns:a16="http://schemas.microsoft.com/office/drawing/2014/main" xmlns="" id="{C0F785FA-BB6E-6347-A8C6-9846216D4CBB}"/>
+                <a16:creationId xmlns:a16="http://schemas.microsoft.com/office/drawing/2014/main" id="{C0F785FA-BB6E-6347-A8C6-9846216D4CBB}"/>
               </a:ext>
             </a:extLst>
           </p:cNvPr>
@@ -1972,7 +1998,7 @@
           <p:cNvPr id="12" name="Grafik 11" hidden="1">
             <a:extLst>
               <a:ext uri="{FF2B5EF4-FFF2-40B4-BE49-F238E27FC236}">
-                <a16:creationId xmlns:a16="http://schemas.microsoft.com/office/drawing/2014/main" xmlns="" id="{CFC0D4A5-64CF-6D49-98B1-9FF6119E60EC}"/>
+                <a16:creationId xmlns:a16="http://schemas.microsoft.com/office/drawing/2014/main" id="{CFC0D4A5-64CF-6D49-98B1-9FF6119E60EC}"/>
               </a:ext>
             </a:extLst>
           </p:cNvPr>
@@ -2002,7 +2028,7 @@
           <p:cNvPr id="17" name="Grafik 16">
             <a:extLst>
               <a:ext uri="{FF2B5EF4-FFF2-40B4-BE49-F238E27FC236}">
-                <a16:creationId xmlns:a16="http://schemas.microsoft.com/office/drawing/2014/main" xmlns="" id="{22ECE872-F4EF-2A49-BA96-6065BC99D769}"/>
+                <a16:creationId xmlns:a16="http://schemas.microsoft.com/office/drawing/2014/main" id="{22ECE872-F4EF-2A49-BA96-6065BC99D769}"/>
               </a:ext>
             </a:extLst>
           </p:cNvPr>
@@ -2272,7 +2298,7 @@
           <p:cNvPr id="24" name="Bildplatzhalter 23">
             <a:extLst>
               <a:ext uri="{FF2B5EF4-FFF2-40B4-BE49-F238E27FC236}">
-                <a16:creationId xmlns:a16="http://schemas.microsoft.com/office/drawing/2014/main" xmlns="" id="{24A56C48-CA8D-D349-89CC-35C3A65DC4D5}"/>
+                <a16:creationId xmlns:a16="http://schemas.microsoft.com/office/drawing/2014/main" id="{24A56C48-CA8D-D349-89CC-35C3A65DC4D5}"/>
               </a:ext>
             </a:extLst>
           </p:cNvPr>
@@ -2586,7 +2612,7 @@
           <p:cNvPr id="6" name="Textplatzhalter 5">
             <a:extLst>
               <a:ext uri="{FF2B5EF4-FFF2-40B4-BE49-F238E27FC236}">
-                <a16:creationId xmlns:a16="http://schemas.microsoft.com/office/drawing/2014/main" xmlns="" id="{2E77FCEF-52F5-324B-A583-005ABCE0E622}"/>
+                <a16:creationId xmlns:a16="http://schemas.microsoft.com/office/drawing/2014/main" id="{2E77FCEF-52F5-324B-A583-005ABCE0E622}"/>
               </a:ext>
             </a:extLst>
           </p:cNvPr>
@@ -2624,7 +2650,7 @@
           <p:cNvPr id="13" name="Grafik 12">
             <a:extLst>
               <a:ext uri="{FF2B5EF4-FFF2-40B4-BE49-F238E27FC236}">
-                <a16:creationId xmlns:a16="http://schemas.microsoft.com/office/drawing/2014/main" xmlns="" id="{F84F96E3-FAED-E24A-9E01-BBA4824F0E34}"/>
+                <a16:creationId xmlns:a16="http://schemas.microsoft.com/office/drawing/2014/main" id="{F84F96E3-FAED-E24A-9E01-BBA4824F0E34}"/>
               </a:ext>
             </a:extLst>
           </p:cNvPr>
@@ -2795,7 +2821,7 @@
           <p:cNvPr id="6" name="Rechteck 5">
             <a:extLst>
               <a:ext uri="{FF2B5EF4-FFF2-40B4-BE49-F238E27FC236}">
-                <a16:creationId xmlns:a16="http://schemas.microsoft.com/office/drawing/2014/main" xmlns="" id="{2447D286-D9F9-E84F-9173-2C8D2D2068E1}"/>
+                <a16:creationId xmlns:a16="http://schemas.microsoft.com/office/drawing/2014/main" id="{2447D286-D9F9-E84F-9173-2C8D2D2068E1}"/>
               </a:ext>
             </a:extLst>
           </p:cNvPr>
@@ -2862,7 +2888,7 @@
           <p:cNvPr id="10" name="Grafik 9">
             <a:extLst>
               <a:ext uri="{FF2B5EF4-FFF2-40B4-BE49-F238E27FC236}">
-                <a16:creationId xmlns:a16="http://schemas.microsoft.com/office/drawing/2014/main" xmlns="" id="{E4DBCC79-CA26-C240-B119-9127A62CDBA8}"/>
+                <a16:creationId xmlns:a16="http://schemas.microsoft.com/office/drawing/2014/main" id="{E4DBCC79-CA26-C240-B119-9127A62CDBA8}"/>
               </a:ext>
             </a:extLst>
           </p:cNvPr>
@@ -2964,7 +2990,7 @@
           <p:cNvPr id="5" name="Rechteck 4">
             <a:extLst>
               <a:ext uri="{FF2B5EF4-FFF2-40B4-BE49-F238E27FC236}">
-                <a16:creationId xmlns:a16="http://schemas.microsoft.com/office/drawing/2014/main" xmlns="" id="{FD770378-5F2D-DE46-8D66-09007E946AD3}"/>
+                <a16:creationId xmlns:a16="http://schemas.microsoft.com/office/drawing/2014/main" id="{FD770378-5F2D-DE46-8D66-09007E946AD3}"/>
               </a:ext>
             </a:extLst>
           </p:cNvPr>
@@ -3028,7 +3054,7 @@
           <p:cNvPr id="4" name="Grafik 3">
             <a:extLst>
               <a:ext uri="{FF2B5EF4-FFF2-40B4-BE49-F238E27FC236}">
-                <a16:creationId xmlns:a16="http://schemas.microsoft.com/office/drawing/2014/main" xmlns="" id="{4FE30B28-5777-FC40-9C3F-81738D289A6A}"/>
+                <a16:creationId xmlns:a16="http://schemas.microsoft.com/office/drawing/2014/main" id="{4FE30B28-5777-FC40-9C3F-81738D289A6A}"/>
               </a:ext>
             </a:extLst>
           </p:cNvPr>
@@ -3977,17 +4003,6 @@
               <a:tabLst/>
               <a:defRPr/>
             </a:pPr>
-            <a:r>
-              <a:rPr lang="de-DE" sz="800" dirty="0">
-                <a:solidFill>
-                  <a:schemeClr val="bg2"/>
-                </a:solidFill>
-                <a:latin typeface="Open Sans" panose="020B0606030504020204" pitchFamily="34" charset="0"/>
-                <a:ea typeface="Open Sans" panose="020B0606030504020204" pitchFamily="34" charset="0"/>
-                <a:cs typeface="Open Sans" panose="020B0606030504020204" pitchFamily="34" charset="0"/>
-              </a:rPr>
-              <a:t/>
-            </a:r>
             <a:br>
               <a:rPr lang="de-DE" sz="800" dirty="0">
                 <a:solidFill>
@@ -4151,7 +4166,7 @@
           <p:cNvPr id="13" name="Grafik 12">
             <a:extLst>
               <a:ext uri="{FF2B5EF4-FFF2-40B4-BE49-F238E27FC236}">
-                <a16:creationId xmlns:a16="http://schemas.microsoft.com/office/drawing/2014/main" xmlns="" id="{2DC3CACD-C7C8-274E-BCD4-043370996A48}"/>
+                <a16:creationId xmlns:a16="http://schemas.microsoft.com/office/drawing/2014/main" id="{2DC3CACD-C7C8-274E-BCD4-043370996A48}"/>
               </a:ext>
             </a:extLst>
           </p:cNvPr>
@@ -5067,32 +5082,323 @@
           <a:lstStyle/>
           <a:p>
             <a:r>
-              <a:rPr lang="de-DE" dirty="0" smtClean="0"/>
+              <a:rPr lang="de-DE" dirty="0"/>
               <a:t>Anforderungen</a:t>
             </a:r>
-            <a:endParaRPr lang="de-DE" dirty="0"/>
           </a:p>
         </p:txBody>
       </p:sp>
-      <p:sp>
-        <p:nvSpPr>
-          <p:cNvPr id="3" name="Inhaltsplatzhalter 2"/>
-          <p:cNvSpPr>
-            <a:spLocks noGrp="1"/>
-          </p:cNvSpPr>
+      <p:graphicFrame>
+        <p:nvGraphicFramePr>
+          <p:cNvPr id="4" name="Inhaltsplatzhalter 3">
+            <a:extLst>
+              <a:ext uri="{FF2B5EF4-FFF2-40B4-BE49-F238E27FC236}">
+                <a16:creationId xmlns:a16="http://schemas.microsoft.com/office/drawing/2014/main" id="{D8B53BA4-2ACD-A744-A448-732561547552}"/>
+              </a:ext>
+            </a:extLst>
+          </p:cNvPr>
+          <p:cNvGraphicFramePr>
+            <a:graphicFrameLocks noGrp="1"/>
+          </p:cNvGraphicFramePr>
           <p:nvPr>
             <p:ph sz="quarter" idx="10"/>
+            <p:extLst>
+              <p:ext uri="{D42A27DB-BD31-4B8C-83A1-F6EECF244321}">
+                <p14:modId xmlns:p14="http://schemas.microsoft.com/office/powerpoint/2010/main" val="3267593360"/>
+              </p:ext>
+            </p:extLst>
           </p:nvPr>
-        </p:nvSpPr>
-        <p:spPr/>
-        <p:txBody>
-          <a:bodyPr/>
-          <a:lstStyle/>
-          <a:p>
-            <a:endParaRPr lang="de-DE"/>
-          </a:p>
-        </p:txBody>
-      </p:sp>
+        </p:nvGraphicFramePr>
+        <p:xfrm>
+          <a:off x="874713" y="1484313"/>
+          <a:ext cx="10580689" cy="2291080"/>
+        </p:xfrm>
+        <a:graphic>
+          <a:graphicData uri="http://schemas.openxmlformats.org/drawingml/2006/table">
+            <a:tbl>
+              <a:tblPr firstRow="1" bandRow="1">
+                <a:tableStyleId>{5C22544A-7EE6-4342-B048-85BDC9FD1C3A}</a:tableStyleId>
+              </a:tblPr>
+              <a:tblGrid>
+                <a:gridCol w="2511425">
+                  <a:extLst>
+                    <a:ext uri="{9D8B030D-6E8A-4147-A177-3AD203B41FA5}">
+                      <a16:colId xmlns:a16="http://schemas.microsoft.com/office/drawing/2014/main" val="141174548"/>
+                    </a:ext>
+                  </a:extLst>
+                </a:gridCol>
+                <a:gridCol w="1514475">
+                  <a:extLst>
+                    <a:ext uri="{9D8B030D-6E8A-4147-A177-3AD203B41FA5}">
+                      <a16:colId xmlns:a16="http://schemas.microsoft.com/office/drawing/2014/main" val="2742050981"/>
+                    </a:ext>
+                  </a:extLst>
+                </a:gridCol>
+                <a:gridCol w="3088738">
+                  <a:extLst>
+                    <a:ext uri="{9D8B030D-6E8A-4147-A177-3AD203B41FA5}">
+                      <a16:colId xmlns:a16="http://schemas.microsoft.com/office/drawing/2014/main" val="1971836177"/>
+                    </a:ext>
+                  </a:extLst>
+                </a:gridCol>
+                <a:gridCol w="3466051">
+                  <a:extLst>
+                    <a:ext uri="{9D8B030D-6E8A-4147-A177-3AD203B41FA5}">
+                      <a16:colId xmlns:a16="http://schemas.microsoft.com/office/drawing/2014/main" val="3907636905"/>
+                    </a:ext>
+                  </a:extLst>
+                </a:gridCol>
+              </a:tblGrid>
+              <a:tr h="370840">
+                <a:tc>
+                  <a:txBody>
+                    <a:bodyPr/>
+                    <a:lstStyle/>
+                    <a:p>
+                      <a:r>
+                        <a:rPr lang="de-DE" dirty="0"/>
+                        <a:t>Anforderung</a:t>
+                      </a:r>
+                    </a:p>
+                  </a:txBody>
+                  <a:tcPr/>
+                </a:tc>
+                <a:tc>
+                  <a:txBody>
+                    <a:bodyPr/>
+                    <a:lstStyle/>
+                    <a:p>
+                      <a:r>
+                        <a:rPr lang="de-DE" dirty="0"/>
+                        <a:t>Bewertung</a:t>
+                      </a:r>
+                    </a:p>
+                  </a:txBody>
+                  <a:tcPr/>
+                </a:tc>
+                <a:tc>
+                  <a:txBody>
+                    <a:bodyPr/>
+                    <a:lstStyle/>
+                    <a:p>
+                      <a:r>
+                        <a:rPr lang="de-DE" dirty="0"/>
+                        <a:t>Positiv</a:t>
+                      </a:r>
+                    </a:p>
+                  </a:txBody>
+                  <a:tcPr/>
+                </a:tc>
+                <a:tc>
+                  <a:txBody>
+                    <a:bodyPr/>
+                    <a:lstStyle/>
+                    <a:p>
+                      <a:r>
+                        <a:rPr lang="de-DE" dirty="0" err="1"/>
+                        <a:t>Nich</a:t>
+                      </a:r>
+                      <a:r>
+                        <a:rPr lang="de-DE" dirty="0"/>
+                        <a:t> erfüllt</a:t>
+                      </a:r>
+                    </a:p>
+                  </a:txBody>
+                  <a:tcPr/>
+                </a:tc>
+                <a:extLst>
+                  <a:ext uri="{0D108BD9-81ED-4DB2-BD59-A6C34878D82A}">
+                    <a16:rowId xmlns:a16="http://schemas.microsoft.com/office/drawing/2014/main" val="809439035"/>
+                  </a:ext>
+                </a:extLst>
+              </a:tr>
+              <a:tr h="370840">
+                <a:tc>
+                  <a:txBody>
+                    <a:bodyPr/>
+                    <a:lstStyle/>
+                    <a:p>
+                      <a:r>
+                        <a:rPr lang="de-DE" dirty="0"/>
+                        <a:t>Unterstützung der Problemidentifikation</a:t>
+                      </a:r>
+                    </a:p>
+                  </a:txBody>
+                  <a:tcPr/>
+                </a:tc>
+                <a:tc>
+                  <a:txBody>
+                    <a:bodyPr/>
+                    <a:lstStyle/>
+                    <a:p>
+                      <a:r>
+                        <a:rPr lang="de-DE" dirty="0"/>
+                        <a:t>Positiv</a:t>
+                      </a:r>
+                    </a:p>
+                  </a:txBody>
+                  <a:tcPr/>
+                </a:tc>
+                <a:tc>
+                  <a:txBody>
+                    <a:bodyPr/>
+                    <a:lstStyle/>
+                    <a:p>
+                      <a:r>
+                        <a:rPr lang="de-DE" dirty="0"/>
+                        <a:t>Assistenz </a:t>
+                      </a:r>
+                      <a:r>
+                        <a:rPr lang="de-DE" dirty="0" err="1"/>
+                        <a:t>mahct</a:t>
+                      </a:r>
+                      <a:r>
+                        <a:rPr lang="de-DE" dirty="0"/>
+                        <a:t> auf Probleme aufmerksam, </a:t>
+                      </a:r>
+                    </a:p>
+                  </a:txBody>
+                  <a:tcPr/>
+                </a:tc>
+                <a:tc>
+                  <a:txBody>
+                    <a:bodyPr/>
+                    <a:lstStyle/>
+                    <a:p>
+                      <a:r>
+                        <a:rPr lang="de-DE" dirty="0"/>
+                        <a:t>Nutzer kann selber keine Probleme auslösen</a:t>
+                      </a:r>
+                    </a:p>
+                  </a:txBody>
+                  <a:tcPr/>
+                </a:tc>
+                <a:extLst>
+                  <a:ext uri="{0D108BD9-81ED-4DB2-BD59-A6C34878D82A}">
+                    <a16:rowId xmlns:a16="http://schemas.microsoft.com/office/drawing/2014/main" val="2200667029"/>
+                  </a:ext>
+                </a:extLst>
+              </a:tr>
+              <a:tr h="370840">
+                <a:tc>
+                  <a:txBody>
+                    <a:bodyPr/>
+                    <a:lstStyle/>
+                    <a:p>
+                      <a:r>
+                        <a:rPr lang="de-DE" dirty="0"/>
+                        <a:t>Unterstützung bei der Problemlösung</a:t>
+                      </a:r>
+                    </a:p>
+                  </a:txBody>
+                  <a:tcPr/>
+                </a:tc>
+                <a:tc>
+                  <a:txBody>
+                    <a:bodyPr/>
+                    <a:lstStyle/>
+                    <a:p>
+                      <a:r>
+                        <a:rPr lang="de-DE" dirty="0"/>
+                        <a:t>Mittel</a:t>
+                      </a:r>
+                    </a:p>
+                  </a:txBody>
+                  <a:tcPr/>
+                </a:tc>
+                <a:tc>
+                  <a:txBody>
+                    <a:bodyPr/>
+                    <a:lstStyle/>
+                    <a:p>
+                      <a:r>
+                        <a:rPr lang="de-DE" dirty="0"/>
+                        <a:t>Assistenz schlägt Lösungen vor</a:t>
+                      </a:r>
+                    </a:p>
+                  </a:txBody>
+                  <a:tcPr/>
+                </a:tc>
+                <a:tc>
+                  <a:txBody>
+                    <a:bodyPr/>
+                    <a:lstStyle/>
+                    <a:p>
+                      <a:endParaRPr lang="de-DE"/>
+                    </a:p>
+                  </a:txBody>
+                  <a:tcPr/>
+                </a:tc>
+                <a:extLst>
+                  <a:ext uri="{0D108BD9-81ED-4DB2-BD59-A6C34878D82A}">
+                    <a16:rowId xmlns:a16="http://schemas.microsoft.com/office/drawing/2014/main" val="1380470865"/>
+                  </a:ext>
+                </a:extLst>
+              </a:tr>
+              <a:tr h="370840">
+                <a:tc>
+                  <a:txBody>
+                    <a:bodyPr/>
+                    <a:lstStyle/>
+                    <a:p>
+                      <a:r>
+                        <a:rPr lang="de-DE" dirty="0" err="1"/>
+                        <a:t>Klustern</a:t>
+                      </a:r>
+                      <a:r>
+                        <a:rPr lang="de-DE" dirty="0"/>
+                        <a:t> von Problemen</a:t>
+                      </a:r>
+                    </a:p>
+                  </a:txBody>
+                  <a:tcPr/>
+                </a:tc>
+                <a:tc>
+                  <a:txBody>
+                    <a:bodyPr/>
+                    <a:lstStyle/>
+                    <a:p>
+                      <a:r>
+                        <a:rPr lang="de-DE" dirty="0"/>
+                        <a:t>Positiv</a:t>
+                      </a:r>
+                    </a:p>
+                  </a:txBody>
+                  <a:tcPr/>
+                </a:tc>
+                <a:tc>
+                  <a:txBody>
+                    <a:bodyPr/>
+                    <a:lstStyle/>
+                    <a:p>
+                      <a:r>
+                        <a:rPr lang="de-DE" dirty="0"/>
+                        <a:t>Probleme werden mit Merkmalen versehen</a:t>
+                      </a:r>
+                    </a:p>
+                  </a:txBody>
+                  <a:tcPr/>
+                </a:tc>
+                <a:tc>
+                  <a:txBody>
+                    <a:bodyPr/>
+                    <a:lstStyle/>
+                    <a:p>
+                      <a:endParaRPr lang="de-DE" dirty="0"/>
+                    </a:p>
+                  </a:txBody>
+                  <a:tcPr/>
+                </a:tc>
+                <a:extLst>
+                  <a:ext uri="{0D108BD9-81ED-4DB2-BD59-A6C34878D82A}">
+                    <a16:rowId xmlns:a16="http://schemas.microsoft.com/office/drawing/2014/main" val="1639158171"/>
+                  </a:ext>
+                </a:extLst>
+              </a:tr>
+            </a:tbl>
+          </a:graphicData>
+        </a:graphic>
+      </p:graphicFrame>
     </p:spTree>
     <p:extLst>
       <p:ext uri="{BB962C8B-B14F-4D97-AF65-F5344CB8AC3E}">
@@ -5139,10 +5445,9 @@
           <a:lstStyle/>
           <a:p>
             <a:r>
-              <a:rPr lang="de-DE" dirty="0" smtClean="0"/>
+              <a:rPr lang="de-DE" dirty="0"/>
               <a:t>Fragebogen</a:t>
             </a:r>
-            <a:endParaRPr lang="de-DE" dirty="0"/>
           </a:p>
         </p:txBody>
       </p:sp>
@@ -5200,7 +5505,7 @@
           <p:cNvPr id="2" name="Titel 1">
             <a:extLst>
               <a:ext uri="{FF2B5EF4-FFF2-40B4-BE49-F238E27FC236}">
-                <a16:creationId xmlns:a16="http://schemas.microsoft.com/office/drawing/2014/main" xmlns="" id="{B1F459B3-5CC9-8141-8CBB-3D63C0BD6799}"/>
+                <a16:creationId xmlns:a16="http://schemas.microsoft.com/office/drawing/2014/main" id="{B1F459B3-5CC9-8141-8CBB-3D63C0BD6799}"/>
               </a:ext>
             </a:extLst>
           </p:cNvPr>
@@ -5323,7 +5628,7 @@
           <p:cNvPr id="2" name="Titel 1">
             <a:extLst>
               <a:ext uri="{FF2B5EF4-FFF2-40B4-BE49-F238E27FC236}">
-                <a16:creationId xmlns:a16="http://schemas.microsoft.com/office/drawing/2014/main" xmlns="" id="{7BA8FE41-0B04-6748-9CA8-05F0AE81883B}"/>
+                <a16:creationId xmlns:a16="http://schemas.microsoft.com/office/drawing/2014/main" id="{7BA8FE41-0B04-6748-9CA8-05F0AE81883B}"/>
               </a:ext>
             </a:extLst>
           </p:cNvPr>
@@ -5356,7 +5661,7 @@
           <p:cNvPr id="12" name="Gruppieren 11">
             <a:extLst>
               <a:ext uri="{FF2B5EF4-FFF2-40B4-BE49-F238E27FC236}">
-                <a16:creationId xmlns:a16="http://schemas.microsoft.com/office/drawing/2014/main" xmlns="" id="{995F115A-CBCD-7A4D-8C0A-281259A5A3C1}"/>
+                <a16:creationId xmlns:a16="http://schemas.microsoft.com/office/drawing/2014/main" id="{995F115A-CBCD-7A4D-8C0A-281259A5A3C1}"/>
               </a:ext>
             </a:extLst>
           </p:cNvPr>
@@ -5376,7 +5681,7 @@
             <p:cNvPr id="4" name="Gruppieren 3">
               <a:extLst>
                 <a:ext uri="{FF2B5EF4-FFF2-40B4-BE49-F238E27FC236}">
-                  <a16:creationId xmlns:a16="http://schemas.microsoft.com/office/drawing/2014/main" xmlns="" id="{783A73D2-C025-644E-A194-3438D291D352}"/>
+                  <a16:creationId xmlns:a16="http://schemas.microsoft.com/office/drawing/2014/main" id="{783A73D2-C025-644E-A194-3438D291D352}"/>
                 </a:ext>
               </a:extLst>
             </p:cNvPr>
@@ -5396,7 +5701,7 @@
               <p:cNvPr id="5" name="Rechteck 4">
                 <a:extLst>
                   <a:ext uri="{FF2B5EF4-FFF2-40B4-BE49-F238E27FC236}">
-                    <a16:creationId xmlns:a16="http://schemas.microsoft.com/office/drawing/2014/main" xmlns="" id="{4F68B8E9-417E-0141-AE27-E298ED29929C}"/>
+                    <a16:creationId xmlns:a16="http://schemas.microsoft.com/office/drawing/2014/main" id="{4F68B8E9-417E-0141-AE27-E298ED29929C}"/>
                   </a:ext>
                 </a:extLst>
               </p:cNvPr>
@@ -5488,7 +5793,7 @@
               <p:cNvPr id="6" name="Rechteck 5">
                 <a:extLst>
                   <a:ext uri="{FF2B5EF4-FFF2-40B4-BE49-F238E27FC236}">
-                    <a16:creationId xmlns:a16="http://schemas.microsoft.com/office/drawing/2014/main" xmlns="" id="{B2717A64-B61E-B44C-B23D-CB509FB519CA}"/>
+                    <a16:creationId xmlns:a16="http://schemas.microsoft.com/office/drawing/2014/main" id="{B2717A64-B61E-B44C-B23D-CB509FB519CA}"/>
                   </a:ext>
                 </a:extLst>
               </p:cNvPr>
@@ -5547,7 +5852,7 @@
             <p:cNvPr id="7" name="Rechteck 6">
               <a:extLst>
                 <a:ext uri="{FF2B5EF4-FFF2-40B4-BE49-F238E27FC236}">
-                  <a16:creationId xmlns:a16="http://schemas.microsoft.com/office/drawing/2014/main" xmlns="" id="{6F92A16E-30FA-A34D-A87A-AD884881288C}"/>
+                  <a16:creationId xmlns:a16="http://schemas.microsoft.com/office/drawing/2014/main" id="{6F92A16E-30FA-A34D-A87A-AD884881288C}"/>
                 </a:ext>
               </a:extLst>
             </p:cNvPr>
@@ -5607,7 +5912,7 @@
           <p:cNvPr id="13" name="Gruppieren 12">
             <a:extLst>
               <a:ext uri="{FF2B5EF4-FFF2-40B4-BE49-F238E27FC236}">
-                <a16:creationId xmlns:a16="http://schemas.microsoft.com/office/drawing/2014/main" xmlns="" id="{214C6E04-BA76-3048-B247-843530C6F237}"/>
+                <a16:creationId xmlns:a16="http://schemas.microsoft.com/office/drawing/2014/main" id="{214C6E04-BA76-3048-B247-843530C6F237}"/>
               </a:ext>
             </a:extLst>
           </p:cNvPr>
@@ -5627,7 +5932,7 @@
             <p:cNvPr id="14" name="Gruppieren 13">
               <a:extLst>
                 <a:ext uri="{FF2B5EF4-FFF2-40B4-BE49-F238E27FC236}">
-                  <a16:creationId xmlns:a16="http://schemas.microsoft.com/office/drawing/2014/main" xmlns="" id="{CF154C31-9B1A-6844-82C6-BEC64AE64B76}"/>
+                  <a16:creationId xmlns:a16="http://schemas.microsoft.com/office/drawing/2014/main" id="{CF154C31-9B1A-6844-82C6-BEC64AE64B76}"/>
                 </a:ext>
               </a:extLst>
             </p:cNvPr>
@@ -5647,7 +5952,7 @@
               <p:cNvPr id="16" name="Rechteck 15">
                 <a:extLst>
                   <a:ext uri="{FF2B5EF4-FFF2-40B4-BE49-F238E27FC236}">
-                    <a16:creationId xmlns:a16="http://schemas.microsoft.com/office/drawing/2014/main" xmlns="" id="{5D41E86D-96E1-F64F-B645-811FEF9C3566}"/>
+                    <a16:creationId xmlns:a16="http://schemas.microsoft.com/office/drawing/2014/main" id="{5D41E86D-96E1-F64F-B645-811FEF9C3566}"/>
                   </a:ext>
                 </a:extLst>
               </p:cNvPr>
@@ -5778,7 +6083,7 @@
               <p:cNvPr id="17" name="Rechteck 16">
                 <a:extLst>
                   <a:ext uri="{FF2B5EF4-FFF2-40B4-BE49-F238E27FC236}">
-                    <a16:creationId xmlns:a16="http://schemas.microsoft.com/office/drawing/2014/main" xmlns="" id="{829E215D-25C5-FE42-A84B-E10BE5590901}"/>
+                    <a16:creationId xmlns:a16="http://schemas.microsoft.com/office/drawing/2014/main" id="{829E215D-25C5-FE42-A84B-E10BE5590901}"/>
                   </a:ext>
                 </a:extLst>
               </p:cNvPr>
@@ -5837,7 +6142,7 @@
             <p:cNvPr id="15" name="Rechteck 14">
               <a:extLst>
                 <a:ext uri="{FF2B5EF4-FFF2-40B4-BE49-F238E27FC236}">
-                  <a16:creationId xmlns:a16="http://schemas.microsoft.com/office/drawing/2014/main" xmlns="" id="{3D7F9058-E672-2A4D-9BB1-013BCCC5ACE0}"/>
+                  <a16:creationId xmlns:a16="http://schemas.microsoft.com/office/drawing/2014/main" id="{3D7F9058-E672-2A4D-9BB1-013BCCC5ACE0}"/>
                 </a:ext>
               </a:extLst>
             </p:cNvPr>
@@ -5897,7 +6202,7 @@
           <p:cNvPr id="18" name="Gruppieren 17">
             <a:extLst>
               <a:ext uri="{FF2B5EF4-FFF2-40B4-BE49-F238E27FC236}">
-                <a16:creationId xmlns:a16="http://schemas.microsoft.com/office/drawing/2014/main" xmlns="" id="{76C873CF-9A61-9B4A-9A7F-7A0A6A11ECCC}"/>
+                <a16:creationId xmlns:a16="http://schemas.microsoft.com/office/drawing/2014/main" id="{76C873CF-9A61-9B4A-9A7F-7A0A6A11ECCC}"/>
               </a:ext>
             </a:extLst>
           </p:cNvPr>
@@ -5917,7 +6222,7 @@
             <p:cNvPr id="19" name="Gruppieren 18">
               <a:extLst>
                 <a:ext uri="{FF2B5EF4-FFF2-40B4-BE49-F238E27FC236}">
-                  <a16:creationId xmlns:a16="http://schemas.microsoft.com/office/drawing/2014/main" xmlns="" id="{02621200-51DD-6A4C-86C6-6B2A72D512E2}"/>
+                  <a16:creationId xmlns:a16="http://schemas.microsoft.com/office/drawing/2014/main" id="{02621200-51DD-6A4C-86C6-6B2A72D512E2}"/>
                 </a:ext>
               </a:extLst>
             </p:cNvPr>
@@ -5937,7 +6242,7 @@
               <p:cNvPr id="21" name="Rechteck 20">
                 <a:extLst>
                   <a:ext uri="{FF2B5EF4-FFF2-40B4-BE49-F238E27FC236}">
-                    <a16:creationId xmlns:a16="http://schemas.microsoft.com/office/drawing/2014/main" xmlns="" id="{ED0E09EA-1DC6-1249-841E-901E17F3D0B6}"/>
+                    <a16:creationId xmlns:a16="http://schemas.microsoft.com/office/drawing/2014/main" id="{ED0E09EA-1DC6-1249-841E-901E17F3D0B6}"/>
                   </a:ext>
                 </a:extLst>
               </p:cNvPr>
@@ -6026,7 +6331,7 @@
               <p:cNvPr id="22" name="Rechteck 21">
                 <a:extLst>
                   <a:ext uri="{FF2B5EF4-FFF2-40B4-BE49-F238E27FC236}">
-                    <a16:creationId xmlns:a16="http://schemas.microsoft.com/office/drawing/2014/main" xmlns="" id="{753356B5-7EB8-3F4A-96E1-8FF10B332D06}"/>
+                    <a16:creationId xmlns:a16="http://schemas.microsoft.com/office/drawing/2014/main" id="{753356B5-7EB8-3F4A-96E1-8FF10B332D06}"/>
                   </a:ext>
                 </a:extLst>
               </p:cNvPr>
@@ -6085,7 +6390,7 @@
             <p:cNvPr id="20" name="Rechteck 19">
               <a:extLst>
                 <a:ext uri="{FF2B5EF4-FFF2-40B4-BE49-F238E27FC236}">
-                  <a16:creationId xmlns:a16="http://schemas.microsoft.com/office/drawing/2014/main" xmlns="" id="{63DF4C62-579D-3249-9CFF-878DBD32F80A}"/>
+                  <a16:creationId xmlns:a16="http://schemas.microsoft.com/office/drawing/2014/main" id="{63DF4C62-579D-3249-9CFF-878DBD32F80A}"/>
                 </a:ext>
               </a:extLst>
             </p:cNvPr>
@@ -6145,7 +6450,7 @@
           <p:cNvPr id="23" name="Gruppieren 22">
             <a:extLst>
               <a:ext uri="{FF2B5EF4-FFF2-40B4-BE49-F238E27FC236}">
-                <a16:creationId xmlns:a16="http://schemas.microsoft.com/office/drawing/2014/main" xmlns="" id="{8E929239-873F-A040-A4FF-CF41E574A33B}"/>
+                <a16:creationId xmlns:a16="http://schemas.microsoft.com/office/drawing/2014/main" id="{8E929239-873F-A040-A4FF-CF41E574A33B}"/>
               </a:ext>
             </a:extLst>
           </p:cNvPr>
@@ -6165,7 +6470,7 @@
             <p:cNvPr id="24" name="Gruppieren 23">
               <a:extLst>
                 <a:ext uri="{FF2B5EF4-FFF2-40B4-BE49-F238E27FC236}">
-                  <a16:creationId xmlns:a16="http://schemas.microsoft.com/office/drawing/2014/main" xmlns="" id="{F47E6093-9AA6-8F4B-B80B-776943FCB73D}"/>
+                  <a16:creationId xmlns:a16="http://schemas.microsoft.com/office/drawing/2014/main" id="{F47E6093-9AA6-8F4B-B80B-776943FCB73D}"/>
                 </a:ext>
               </a:extLst>
             </p:cNvPr>
@@ -6185,7 +6490,7 @@
               <p:cNvPr id="26" name="Rechteck 25">
                 <a:extLst>
                   <a:ext uri="{FF2B5EF4-FFF2-40B4-BE49-F238E27FC236}">
-                    <a16:creationId xmlns:a16="http://schemas.microsoft.com/office/drawing/2014/main" xmlns="" id="{4059FEBC-2EFF-ED47-98FF-010C8401FADA}"/>
+                    <a16:creationId xmlns:a16="http://schemas.microsoft.com/office/drawing/2014/main" id="{4059FEBC-2EFF-ED47-98FF-010C8401FADA}"/>
                   </a:ext>
                 </a:extLst>
               </p:cNvPr>
@@ -6307,7 +6612,7 @@
               <p:cNvPr id="27" name="Rechteck 26">
                 <a:extLst>
                   <a:ext uri="{FF2B5EF4-FFF2-40B4-BE49-F238E27FC236}">
-                    <a16:creationId xmlns:a16="http://schemas.microsoft.com/office/drawing/2014/main" xmlns="" id="{A6C74FE9-D83D-2346-A400-58BA4229E830}"/>
+                    <a16:creationId xmlns:a16="http://schemas.microsoft.com/office/drawing/2014/main" id="{A6C74FE9-D83D-2346-A400-58BA4229E830}"/>
                   </a:ext>
                 </a:extLst>
               </p:cNvPr>
@@ -6366,7 +6671,7 @@
             <p:cNvPr id="25" name="Rechteck 24">
               <a:extLst>
                 <a:ext uri="{FF2B5EF4-FFF2-40B4-BE49-F238E27FC236}">
-                  <a16:creationId xmlns:a16="http://schemas.microsoft.com/office/drawing/2014/main" xmlns="" id="{1EDE063D-852E-324C-A77E-EFB1A1CCD783}"/>
+                  <a16:creationId xmlns:a16="http://schemas.microsoft.com/office/drawing/2014/main" id="{1EDE063D-852E-324C-A77E-EFB1A1CCD783}"/>
                 </a:ext>
               </a:extLst>
             </p:cNvPr>
@@ -6426,7 +6731,7 @@
           <p:cNvPr id="28" name="Gruppieren 27">
             <a:extLst>
               <a:ext uri="{FF2B5EF4-FFF2-40B4-BE49-F238E27FC236}">
-                <a16:creationId xmlns:a16="http://schemas.microsoft.com/office/drawing/2014/main" xmlns="" id="{076AA3C9-476D-4D45-B8BE-E0951E23CBCF}"/>
+                <a16:creationId xmlns:a16="http://schemas.microsoft.com/office/drawing/2014/main" id="{076AA3C9-476D-4D45-B8BE-E0951E23CBCF}"/>
               </a:ext>
             </a:extLst>
           </p:cNvPr>
@@ -6446,7 +6751,7 @@
             <p:cNvPr id="29" name="Gruppieren 28">
               <a:extLst>
                 <a:ext uri="{FF2B5EF4-FFF2-40B4-BE49-F238E27FC236}">
-                  <a16:creationId xmlns:a16="http://schemas.microsoft.com/office/drawing/2014/main" xmlns="" id="{B404C1CC-6DF7-B648-9CCB-5E2E9AFEB672}"/>
+                  <a16:creationId xmlns:a16="http://schemas.microsoft.com/office/drawing/2014/main" id="{B404C1CC-6DF7-B648-9CCB-5E2E9AFEB672}"/>
                 </a:ext>
               </a:extLst>
             </p:cNvPr>
@@ -6466,7 +6771,7 @@
               <p:cNvPr id="31" name="Rechteck 30">
                 <a:extLst>
                   <a:ext uri="{FF2B5EF4-FFF2-40B4-BE49-F238E27FC236}">
-                    <a16:creationId xmlns:a16="http://schemas.microsoft.com/office/drawing/2014/main" xmlns="" id="{4BDB37D7-D054-A942-8D6D-F9B2EF0F9FF6}"/>
+                    <a16:creationId xmlns:a16="http://schemas.microsoft.com/office/drawing/2014/main" id="{4BDB37D7-D054-A942-8D6D-F9B2EF0F9FF6}"/>
                   </a:ext>
                 </a:extLst>
               </p:cNvPr>
@@ -6530,7 +6835,7 @@
               <p:cNvPr id="32" name="Rechteck 31">
                 <a:extLst>
                   <a:ext uri="{FF2B5EF4-FFF2-40B4-BE49-F238E27FC236}">
-                    <a16:creationId xmlns:a16="http://schemas.microsoft.com/office/drawing/2014/main" xmlns="" id="{3A6CCD76-DF2E-A745-8BA8-2A2DA3CA1050}"/>
+                    <a16:creationId xmlns:a16="http://schemas.microsoft.com/office/drawing/2014/main" id="{3A6CCD76-DF2E-A745-8BA8-2A2DA3CA1050}"/>
                   </a:ext>
                 </a:extLst>
               </p:cNvPr>
@@ -6589,7 +6894,7 @@
             <p:cNvPr id="30" name="Rechteck 29">
               <a:extLst>
                 <a:ext uri="{FF2B5EF4-FFF2-40B4-BE49-F238E27FC236}">
-                  <a16:creationId xmlns:a16="http://schemas.microsoft.com/office/drawing/2014/main" xmlns="" id="{117072ED-37EF-E943-B866-F06DD4235CB3}"/>
+                  <a16:creationId xmlns:a16="http://schemas.microsoft.com/office/drawing/2014/main" id="{117072ED-37EF-E943-B866-F06DD4235CB3}"/>
                 </a:ext>
               </a:extLst>
             </p:cNvPr>
@@ -6750,7 +7055,7 @@
           <p:cNvPr id="3" name="Untertitel 2">
             <a:extLst>
               <a:ext uri="{FF2B5EF4-FFF2-40B4-BE49-F238E27FC236}">
-                <a16:creationId xmlns:a16="http://schemas.microsoft.com/office/drawing/2014/main" xmlns="" id="{6AE9039D-A97A-1348-B85E-C1CBBAEACFD7}"/>
+                <a16:creationId xmlns:a16="http://schemas.microsoft.com/office/drawing/2014/main" id="{6AE9039D-A97A-1348-B85E-C1CBBAEACFD7}"/>
               </a:ext>
             </a:extLst>
           </p:cNvPr>
@@ -6792,7 +7097,7 @@
           <p:cNvPr id="4" name="Textplatzhalter 3">
             <a:extLst>
               <a:ext uri="{FF2B5EF4-FFF2-40B4-BE49-F238E27FC236}">
-                <a16:creationId xmlns:a16="http://schemas.microsoft.com/office/drawing/2014/main" xmlns="" id="{96B38992-B7B4-CC4F-9AC8-51919A92D668}"/>
+                <a16:creationId xmlns:a16="http://schemas.microsoft.com/office/drawing/2014/main" id="{96B38992-B7B4-CC4F-9AC8-51919A92D668}"/>
               </a:ext>
             </a:extLst>
           </p:cNvPr>
@@ -6817,7 +7122,7 @@
           <p:cNvPr id="2" name="Titel 1">
             <a:extLst>
               <a:ext uri="{FF2B5EF4-FFF2-40B4-BE49-F238E27FC236}">
-                <a16:creationId xmlns:a16="http://schemas.microsoft.com/office/drawing/2014/main" xmlns="" id="{306470B7-1C34-794F-AAAA-978C5A77B715}"/>
+                <a16:creationId xmlns:a16="http://schemas.microsoft.com/office/drawing/2014/main" id="{306470B7-1C34-794F-AAAA-978C5A77B715}"/>
               </a:ext>
             </a:extLst>
           </p:cNvPr>
@@ -6850,13 +7155,6 @@
   <p:clrMapOvr>
     <a:masterClrMapping/>
   </p:clrMapOvr>
-  <p:timing>
-    <p:tnLst>
-      <p:par>
-        <p:cTn id="1" dur="indefinite" restart="never" nodeType="tmRoot"/>
-      </p:par>
-    </p:tnLst>
-  </p:timing>
 </p:sld>
 </file>
 
@@ -6882,7 +7180,7 @@
           <p:cNvPr id="2" name="Titel 1">
             <a:extLst>
               <a:ext uri="{FF2B5EF4-FFF2-40B4-BE49-F238E27FC236}">
-                <a16:creationId xmlns:a16="http://schemas.microsoft.com/office/drawing/2014/main" xmlns="" id="{565721FC-DA9D-7F4A-AC0A-E966CE252A2E}"/>
+                <a16:creationId xmlns:a16="http://schemas.microsoft.com/office/drawing/2014/main" id="{565721FC-DA9D-7F4A-AC0A-E966CE252A2E}"/>
               </a:ext>
             </a:extLst>
           </p:cNvPr>
@@ -6914,7 +7212,7 @@
           <p:cNvPr id="7" name="Grafik 6">
             <a:extLst>
               <a:ext uri="{FF2B5EF4-FFF2-40B4-BE49-F238E27FC236}">
-                <a16:creationId xmlns:a16="http://schemas.microsoft.com/office/drawing/2014/main" xmlns="" id="{496E9BA1-997F-8A42-8359-8118CAA4F8B8}"/>
+                <a16:creationId xmlns:a16="http://schemas.microsoft.com/office/drawing/2014/main" id="{496E9BA1-997F-8A42-8359-8118CAA4F8B8}"/>
               </a:ext>
             </a:extLst>
           </p:cNvPr>
@@ -6950,7 +7248,7 @@
           <p:cNvPr id="24" name="Oval 23">
             <a:extLst>
               <a:ext uri="{FF2B5EF4-FFF2-40B4-BE49-F238E27FC236}">
-                <a16:creationId xmlns:a16="http://schemas.microsoft.com/office/drawing/2014/main" xmlns="" id="{7BEF158B-37D7-804E-8706-2F4AC3084EAE}"/>
+                <a16:creationId xmlns:a16="http://schemas.microsoft.com/office/drawing/2014/main" id="{7BEF158B-37D7-804E-8706-2F4AC3084EAE}"/>
               </a:ext>
             </a:extLst>
           </p:cNvPr>
@@ -7002,7 +7300,7 @@
           <p:cNvPr id="25" name="Oval 24">
             <a:extLst>
               <a:ext uri="{FF2B5EF4-FFF2-40B4-BE49-F238E27FC236}">
-                <a16:creationId xmlns:a16="http://schemas.microsoft.com/office/drawing/2014/main" xmlns="" id="{507E0D37-7C93-BC4A-AD0C-ABE98E968974}"/>
+                <a16:creationId xmlns:a16="http://schemas.microsoft.com/office/drawing/2014/main" id="{507E0D37-7C93-BC4A-AD0C-ABE98E968974}"/>
               </a:ext>
             </a:extLst>
           </p:cNvPr>
@@ -7054,7 +7352,7 @@
           <p:cNvPr id="26" name="Oval 25">
             <a:extLst>
               <a:ext uri="{FF2B5EF4-FFF2-40B4-BE49-F238E27FC236}">
-                <a16:creationId xmlns:a16="http://schemas.microsoft.com/office/drawing/2014/main" xmlns="" id="{5149A216-9FF4-6B4B-8F2B-828C3DDFA3AF}"/>
+                <a16:creationId xmlns:a16="http://schemas.microsoft.com/office/drawing/2014/main" id="{5149A216-9FF4-6B4B-8F2B-828C3DDFA3AF}"/>
               </a:ext>
             </a:extLst>
           </p:cNvPr>
@@ -7108,7 +7406,7 @@
               <p14:cNvPr id="43" name="Freihand 42">
                 <a:extLst>
                   <a:ext uri="{FF2B5EF4-FFF2-40B4-BE49-F238E27FC236}">
-                    <a16:creationId xmlns:a16="http://schemas.microsoft.com/office/drawing/2014/main" xmlns="" id="{A0E82E8C-EC6D-9349-9BFA-4A3A2CDCC1E4}"/>
+                    <a16:creationId xmlns:a16="http://schemas.microsoft.com/office/drawing/2014/main" id="{A0E82E8C-EC6D-9349-9BFA-4A3A2CDCC1E4}"/>
                   </a:ext>
                 </a:extLst>
               </p14:cNvPr>
@@ -7159,7 +7457,7 @@
               <p14:cNvPr id="44" name="Freihand 43">
                 <a:extLst>
                   <a:ext uri="{FF2B5EF4-FFF2-40B4-BE49-F238E27FC236}">
-                    <a16:creationId xmlns:a16="http://schemas.microsoft.com/office/drawing/2014/main" xmlns="" id="{E50D5434-2140-FA4B-BC8C-7CE04AB8EE66}"/>
+                    <a16:creationId xmlns:a16="http://schemas.microsoft.com/office/drawing/2014/main" id="{E50D5434-2140-FA4B-BC8C-7CE04AB8EE66}"/>
                   </a:ext>
                 </a:extLst>
               </p14:cNvPr>
@@ -7210,7 +7508,7 @@
               <p14:cNvPr id="47" name="Freihand 46">
                 <a:extLst>
                   <a:ext uri="{FF2B5EF4-FFF2-40B4-BE49-F238E27FC236}">
-                    <a16:creationId xmlns:a16="http://schemas.microsoft.com/office/drawing/2014/main" xmlns="" id="{27A900A0-707B-0345-98E5-AFA26F328408}"/>
+                    <a16:creationId xmlns:a16="http://schemas.microsoft.com/office/drawing/2014/main" id="{27A900A0-707B-0345-98E5-AFA26F328408}"/>
                   </a:ext>
                 </a:extLst>
               </p14:cNvPr>
@@ -7259,7 +7557,7 @@
           <p:cNvPr id="49" name="Abgerundete rechteckige Legende 48">
             <a:extLst>
               <a:ext uri="{FF2B5EF4-FFF2-40B4-BE49-F238E27FC236}">
-                <a16:creationId xmlns:a16="http://schemas.microsoft.com/office/drawing/2014/main" xmlns="" id="{C3CD6BDE-7299-4D4A-B8A9-C380C4D21852}"/>
+                <a16:creationId xmlns:a16="http://schemas.microsoft.com/office/drawing/2014/main" id="{C3CD6BDE-7299-4D4A-B8A9-C380C4D21852}"/>
               </a:ext>
             </a:extLst>
           </p:cNvPr>
@@ -7332,7 +7630,7 @@
           <p:cNvPr id="50" name="Textfeld 49">
             <a:extLst>
               <a:ext uri="{FF2B5EF4-FFF2-40B4-BE49-F238E27FC236}">
-                <a16:creationId xmlns:a16="http://schemas.microsoft.com/office/drawing/2014/main" xmlns="" id="{74812B0A-9F6B-3B44-B974-C1947644856D}"/>
+                <a16:creationId xmlns:a16="http://schemas.microsoft.com/office/drawing/2014/main" id="{74812B0A-9F6B-3B44-B974-C1947644856D}"/>
               </a:ext>
             </a:extLst>
           </p:cNvPr>
@@ -7367,7 +7665,7 @@
           <p:cNvPr id="52" name="Wolkenförmige Legende 51">
             <a:extLst>
               <a:ext uri="{FF2B5EF4-FFF2-40B4-BE49-F238E27FC236}">
-                <a16:creationId xmlns:a16="http://schemas.microsoft.com/office/drawing/2014/main" xmlns="" id="{29DB6461-09BA-4847-ADB9-C5C694AA482B}"/>
+                <a16:creationId xmlns:a16="http://schemas.microsoft.com/office/drawing/2014/main" id="{29DB6461-09BA-4847-ADB9-C5C694AA482B}"/>
               </a:ext>
             </a:extLst>
           </p:cNvPr>
@@ -7424,7 +7722,7 @@
           <p:cNvPr id="53" name="Oval 52">
             <a:extLst>
               <a:ext uri="{FF2B5EF4-FFF2-40B4-BE49-F238E27FC236}">
-                <a16:creationId xmlns:a16="http://schemas.microsoft.com/office/drawing/2014/main" xmlns="" id="{A7F525C7-2BB3-7741-BE0A-A91605F6B414}"/>
+                <a16:creationId xmlns:a16="http://schemas.microsoft.com/office/drawing/2014/main" id="{A7F525C7-2BB3-7741-BE0A-A91605F6B414}"/>
               </a:ext>
             </a:extLst>
           </p:cNvPr>
@@ -7476,7 +7774,7 @@
           <p:cNvPr id="54" name="Oval 53">
             <a:extLst>
               <a:ext uri="{FF2B5EF4-FFF2-40B4-BE49-F238E27FC236}">
-                <a16:creationId xmlns:a16="http://schemas.microsoft.com/office/drawing/2014/main" xmlns="" id="{7A84F289-E89F-8342-8791-347A0E4F5BF9}"/>
+                <a16:creationId xmlns:a16="http://schemas.microsoft.com/office/drawing/2014/main" id="{7A84F289-E89F-8342-8791-347A0E4F5BF9}"/>
               </a:ext>
             </a:extLst>
           </p:cNvPr>
@@ -7528,7 +7826,7 @@
           <p:cNvPr id="55" name="Oval 54">
             <a:extLst>
               <a:ext uri="{FF2B5EF4-FFF2-40B4-BE49-F238E27FC236}">
-                <a16:creationId xmlns:a16="http://schemas.microsoft.com/office/drawing/2014/main" xmlns="" id="{A65E12B4-4201-2148-B5CA-CF3C353E009F}"/>
+                <a16:creationId xmlns:a16="http://schemas.microsoft.com/office/drawing/2014/main" id="{A65E12B4-4201-2148-B5CA-CF3C353E009F}"/>
               </a:ext>
             </a:extLst>
           </p:cNvPr>
@@ -7582,7 +7880,7 @@
               <p14:cNvPr id="56" name="Freihand 55">
                 <a:extLst>
                   <a:ext uri="{FF2B5EF4-FFF2-40B4-BE49-F238E27FC236}">
-                    <a16:creationId xmlns:a16="http://schemas.microsoft.com/office/drawing/2014/main" xmlns="" id="{5B3C06F8-598F-844F-A3A1-C175A796CC1F}"/>
+                    <a16:creationId xmlns:a16="http://schemas.microsoft.com/office/drawing/2014/main" id="{5B3C06F8-598F-844F-A3A1-C175A796CC1F}"/>
                   </a:ext>
                 </a:extLst>
               </p14:cNvPr>
@@ -7633,7 +7931,7 @@
               <p14:cNvPr id="60" name="Freihand 59">
                 <a:extLst>
                   <a:ext uri="{FF2B5EF4-FFF2-40B4-BE49-F238E27FC236}">
-                    <a16:creationId xmlns:a16="http://schemas.microsoft.com/office/drawing/2014/main" xmlns="" id="{082C1878-4FC7-A046-A15C-155DA5A4994F}"/>
+                    <a16:creationId xmlns:a16="http://schemas.microsoft.com/office/drawing/2014/main" id="{082C1878-4FC7-A046-A15C-155DA5A4994F}"/>
                   </a:ext>
                 </a:extLst>
               </p14:cNvPr>
@@ -7684,7 +7982,7 @@
               <p14:cNvPr id="61" name="Freihand 60">
                 <a:extLst>
                   <a:ext uri="{FF2B5EF4-FFF2-40B4-BE49-F238E27FC236}">
-                    <a16:creationId xmlns:a16="http://schemas.microsoft.com/office/drawing/2014/main" xmlns="" id="{4493D0F5-C439-AB47-A7AB-C5899EB6F429}"/>
+                    <a16:creationId xmlns:a16="http://schemas.microsoft.com/office/drawing/2014/main" id="{4493D0F5-C439-AB47-A7AB-C5899EB6F429}"/>
                   </a:ext>
                 </a:extLst>
               </p14:cNvPr>
@@ -7735,7 +8033,7 @@
               <p14:cNvPr id="62" name="Freihand 61">
                 <a:extLst>
                   <a:ext uri="{FF2B5EF4-FFF2-40B4-BE49-F238E27FC236}">
-                    <a16:creationId xmlns:a16="http://schemas.microsoft.com/office/drawing/2014/main" xmlns="" id="{748AF862-0F58-C846-9997-89FE1E796ACE}"/>
+                    <a16:creationId xmlns:a16="http://schemas.microsoft.com/office/drawing/2014/main" id="{748AF862-0F58-C846-9997-89FE1E796ACE}"/>
                   </a:ext>
                 </a:extLst>
               </p14:cNvPr>
@@ -7784,7 +8082,7 @@
           <p:cNvPr id="65" name="Textfeld 64">
             <a:extLst>
               <a:ext uri="{FF2B5EF4-FFF2-40B4-BE49-F238E27FC236}">
-                <a16:creationId xmlns:a16="http://schemas.microsoft.com/office/drawing/2014/main" xmlns="" id="{78AA0267-66A5-6246-A3BD-117F333C6256}"/>
+                <a16:creationId xmlns:a16="http://schemas.microsoft.com/office/drawing/2014/main" id="{78AA0267-66A5-6246-A3BD-117F333C6256}"/>
               </a:ext>
             </a:extLst>
           </p:cNvPr>
@@ -7848,7 +8146,7 @@
           <p:cNvPr id="23" name="Textfeld 22">
             <a:extLst>
               <a:ext uri="{FF2B5EF4-FFF2-40B4-BE49-F238E27FC236}">
-                <a16:creationId xmlns:a16="http://schemas.microsoft.com/office/drawing/2014/main" xmlns="" id="{74812B0A-9F6B-3B44-B974-C1947644856D}"/>
+                <a16:creationId xmlns:a16="http://schemas.microsoft.com/office/drawing/2014/main" id="{74812B0A-9F6B-3B44-B974-C1947644856D}"/>
               </a:ext>
             </a:extLst>
           </p:cNvPr>
@@ -7872,10 +8170,9 @@
           <a:lstStyle/>
           <a:p>
             <a:r>
-              <a:rPr lang="de-DE" dirty="0" smtClean="0"/>
+              <a:rPr lang="de-DE" dirty="0"/>
               <a:t>Mitarbeiter</a:t>
             </a:r>
-            <a:endParaRPr lang="de-DE" dirty="0"/>
           </a:p>
         </p:txBody>
       </p:sp>
@@ -7967,13 +8264,6 @@
   <p:clrMapOvr>
     <a:masterClrMapping/>
   </p:clrMapOvr>
-  <p:timing>
-    <p:tnLst>
-      <p:par>
-        <p:cTn id="1" dur="indefinite" restart="never" nodeType="tmRoot"/>
-      </p:par>
-    </p:tnLst>
-  </p:timing>
 </p:sld>
 </file>
 
@@ -8133,6 +8423,667 @@
 </p:sld>
 </file>
 
+<file path=ppt/slides/slide23.xml><?xml version="1.0" encoding="utf-8"?>
+<p:sld xmlns:a="http://schemas.openxmlformats.org/drawingml/2006/main" xmlns:r="http://schemas.openxmlformats.org/officeDocument/2006/relationships" xmlns:p="http://schemas.openxmlformats.org/presentationml/2006/main">
+  <p:cSld>
+    <p:spTree>
+      <p:nvGrpSpPr>
+        <p:cNvPr id="1" name=""/>
+        <p:cNvGrpSpPr/>
+        <p:nvPr/>
+      </p:nvGrpSpPr>
+      <p:grpSpPr>
+        <a:xfrm>
+          <a:off x="0" y="0"/>
+          <a:ext cx="0" cy="0"/>
+          <a:chOff x="0" y="0"/>
+          <a:chExt cx="0" cy="0"/>
+        </a:xfrm>
+      </p:grpSpPr>
+      <p:sp>
+        <p:nvSpPr>
+          <p:cNvPr id="2" name="Titel 1">
+            <a:extLst>
+              <a:ext uri="{FF2B5EF4-FFF2-40B4-BE49-F238E27FC236}">
+                <a16:creationId xmlns:a16="http://schemas.microsoft.com/office/drawing/2014/main" id="{6D5AEAFE-EC04-F24C-A17A-158A347CC423}"/>
+              </a:ext>
+            </a:extLst>
+          </p:cNvPr>
+          <p:cNvSpPr>
+            <a:spLocks noGrp="1"/>
+          </p:cNvSpPr>
+          <p:nvPr>
+            <p:ph type="title"/>
+          </p:nvPr>
+        </p:nvSpPr>
+        <p:spPr/>
+        <p:txBody>
+          <a:bodyPr/>
+          <a:lstStyle/>
+          <a:p>
+            <a:r>
+              <a:rPr lang="de-DE" dirty="0"/>
+              <a:t>Zustandsdiagramm Prototyp</a:t>
+            </a:r>
+          </a:p>
+        </p:txBody>
+      </p:sp>
+      <p:pic>
+        <p:nvPicPr>
+          <p:cNvPr id="9" name="Inhaltsplatzhalter 8">
+            <a:extLst>
+              <a:ext uri="{FF2B5EF4-FFF2-40B4-BE49-F238E27FC236}">
+                <a16:creationId xmlns:a16="http://schemas.microsoft.com/office/drawing/2014/main" id="{43E904B5-FC63-2245-8D6F-9995C0DEC09A}"/>
+              </a:ext>
+            </a:extLst>
+          </p:cNvPr>
+          <p:cNvPicPr>
+            <a:picLocks noGrp="1" noChangeAspect="1"/>
+          </p:cNvPicPr>
+          <p:nvPr>
+            <p:ph sz="quarter" idx="10"/>
+          </p:nvPr>
+        </p:nvPicPr>
+        <p:blipFill>
+          <a:blip r:embed="rId2">
+            <a:extLst>
+              <a:ext uri="{28A0092B-C50C-407E-A947-70E740481C1C}">
+                <a14:useLocalDpi xmlns:a14="http://schemas.microsoft.com/office/drawing/2010/main" val="0"/>
+              </a:ext>
+            </a:extLst>
+          </a:blip>
+          <a:stretch>
+            <a:fillRect/>
+          </a:stretch>
+        </p:blipFill>
+        <p:spPr>
+          <a:xfrm>
+            <a:off x="2081679" y="1484313"/>
+            <a:ext cx="8166755" cy="4344987"/>
+          </a:xfrm>
+        </p:spPr>
+      </p:pic>
+    </p:spTree>
+    <p:extLst>
+      <p:ext uri="{BB962C8B-B14F-4D97-AF65-F5344CB8AC3E}">
+        <p14:creationId xmlns:p14="http://schemas.microsoft.com/office/powerpoint/2010/main" val="2416058962"/>
+      </p:ext>
+    </p:extLst>
+  </p:cSld>
+  <p:clrMapOvr>
+    <a:masterClrMapping/>
+  </p:clrMapOvr>
+</p:sld>
+</file>
+
+<file path=ppt/slides/slide24.xml><?xml version="1.0" encoding="utf-8"?>
+<p:sld xmlns:a="http://schemas.openxmlformats.org/drawingml/2006/main" xmlns:r="http://schemas.openxmlformats.org/officeDocument/2006/relationships" xmlns:p="http://schemas.openxmlformats.org/presentationml/2006/main">
+  <p:cSld>
+    <p:spTree>
+      <p:nvGrpSpPr>
+        <p:cNvPr id="1" name=""/>
+        <p:cNvGrpSpPr/>
+        <p:nvPr/>
+      </p:nvGrpSpPr>
+      <p:grpSpPr>
+        <a:xfrm>
+          <a:off x="0" y="0"/>
+          <a:ext cx="0" cy="0"/>
+          <a:chOff x="0" y="0"/>
+          <a:chExt cx="0" cy="0"/>
+        </a:xfrm>
+      </p:grpSpPr>
+      <p:sp>
+        <p:nvSpPr>
+          <p:cNvPr id="2" name="Titel 1">
+            <a:extLst>
+              <a:ext uri="{FF2B5EF4-FFF2-40B4-BE49-F238E27FC236}">
+                <a16:creationId xmlns:a16="http://schemas.microsoft.com/office/drawing/2014/main" id="{DCFD5523-7851-A043-B6A9-AB16F57D85D1}"/>
+              </a:ext>
+            </a:extLst>
+          </p:cNvPr>
+          <p:cNvSpPr>
+            <a:spLocks noGrp="1"/>
+          </p:cNvSpPr>
+          <p:nvPr>
+            <p:ph type="title"/>
+          </p:nvPr>
+        </p:nvSpPr>
+        <p:spPr/>
+        <p:txBody>
+          <a:bodyPr/>
+          <a:lstStyle/>
+          <a:p>
+            <a:r>
+              <a:rPr lang="de-DE" dirty="0"/>
+              <a:t>Aktivitätsdiagramm Prototyp – Zustand Problem</a:t>
+            </a:r>
+          </a:p>
+        </p:txBody>
+      </p:sp>
+      <p:pic>
+        <p:nvPicPr>
+          <p:cNvPr id="9" name="Inhaltsplatzhalter 8">
+            <a:extLst>
+              <a:ext uri="{FF2B5EF4-FFF2-40B4-BE49-F238E27FC236}">
+                <a16:creationId xmlns:a16="http://schemas.microsoft.com/office/drawing/2014/main" id="{4161DFCC-B7ED-104E-A55F-5805A7DFB48E}"/>
+              </a:ext>
+            </a:extLst>
+          </p:cNvPr>
+          <p:cNvPicPr>
+            <a:picLocks noGrp="1" noChangeAspect="1"/>
+          </p:cNvPicPr>
+          <p:nvPr>
+            <p:ph sz="quarter" idx="10"/>
+          </p:nvPr>
+        </p:nvPicPr>
+        <p:blipFill>
+          <a:blip r:embed="rId2">
+            <a:extLst>
+              <a:ext uri="{28A0092B-C50C-407E-A947-70E740481C1C}">
+                <a14:useLocalDpi xmlns:a14="http://schemas.microsoft.com/office/drawing/2010/main" val="0"/>
+              </a:ext>
+            </a:extLst>
+          </a:blip>
+          <a:stretch>
+            <a:fillRect/>
+          </a:stretch>
+        </p:blipFill>
+        <p:spPr>
+          <a:xfrm>
+            <a:off x="1920338" y="1484313"/>
+            <a:ext cx="8489436" cy="4344987"/>
+          </a:xfrm>
+        </p:spPr>
+      </p:pic>
+    </p:spTree>
+    <p:extLst>
+      <p:ext uri="{BB962C8B-B14F-4D97-AF65-F5344CB8AC3E}">
+        <p14:creationId xmlns:p14="http://schemas.microsoft.com/office/powerpoint/2010/main" val="771719174"/>
+      </p:ext>
+    </p:extLst>
+  </p:cSld>
+  <p:clrMapOvr>
+    <a:masterClrMapping/>
+  </p:clrMapOvr>
+</p:sld>
+</file>
+
+<file path=ppt/slides/slide25.xml><?xml version="1.0" encoding="utf-8"?>
+<p:sld xmlns:a="http://schemas.openxmlformats.org/drawingml/2006/main" xmlns:r="http://schemas.openxmlformats.org/officeDocument/2006/relationships" xmlns:p="http://schemas.openxmlformats.org/presentationml/2006/main">
+  <p:cSld>
+    <p:spTree>
+      <p:nvGrpSpPr>
+        <p:cNvPr id="1" name=""/>
+        <p:cNvGrpSpPr/>
+        <p:nvPr/>
+      </p:nvGrpSpPr>
+      <p:grpSpPr>
+        <a:xfrm>
+          <a:off x="0" y="0"/>
+          <a:ext cx="0" cy="0"/>
+          <a:chOff x="0" y="0"/>
+          <a:chExt cx="0" cy="0"/>
+        </a:xfrm>
+      </p:grpSpPr>
+      <p:sp>
+        <p:nvSpPr>
+          <p:cNvPr id="2" name="Titel 1">
+            <a:extLst>
+              <a:ext uri="{FF2B5EF4-FFF2-40B4-BE49-F238E27FC236}">
+                <a16:creationId xmlns:a16="http://schemas.microsoft.com/office/drawing/2014/main" id="{4408D667-F505-6949-BA79-5C28AA792F31}"/>
+              </a:ext>
+            </a:extLst>
+          </p:cNvPr>
+          <p:cNvSpPr>
+            <a:spLocks noGrp="1"/>
+          </p:cNvSpPr>
+          <p:nvPr>
+            <p:ph type="title"/>
+          </p:nvPr>
+        </p:nvSpPr>
+        <p:spPr/>
+        <p:txBody>
+          <a:bodyPr/>
+          <a:lstStyle/>
+          <a:p>
+            <a:r>
+              <a:rPr lang="de-DE" dirty="0"/>
+              <a:t>Aktivitätsdiagramm Prototyp - Zustand Lösungen</a:t>
+            </a:r>
+          </a:p>
+        </p:txBody>
+      </p:sp>
+      <p:pic>
+        <p:nvPicPr>
+          <p:cNvPr id="9" name="Inhaltsplatzhalter 8">
+            <a:extLst>
+              <a:ext uri="{FF2B5EF4-FFF2-40B4-BE49-F238E27FC236}">
+                <a16:creationId xmlns:a16="http://schemas.microsoft.com/office/drawing/2014/main" id="{A5757A64-2FEB-194F-9D1D-E341434C0D34}"/>
+              </a:ext>
+            </a:extLst>
+          </p:cNvPr>
+          <p:cNvPicPr>
+            <a:picLocks noGrp="1" noChangeAspect="1"/>
+          </p:cNvPicPr>
+          <p:nvPr>
+            <p:ph sz="quarter" idx="10"/>
+          </p:nvPr>
+        </p:nvPicPr>
+        <p:blipFill>
+          <a:blip r:embed="rId2">
+            <a:extLst>
+              <a:ext uri="{28A0092B-C50C-407E-A947-70E740481C1C}">
+                <a14:useLocalDpi xmlns:a14="http://schemas.microsoft.com/office/drawing/2010/main" val="0"/>
+              </a:ext>
+            </a:extLst>
+          </a:blip>
+          <a:stretch>
+            <a:fillRect/>
+          </a:stretch>
+        </p:blipFill>
+        <p:spPr>
+          <a:xfrm>
+            <a:off x="1159857" y="1484313"/>
+            <a:ext cx="10010398" cy="4344987"/>
+          </a:xfrm>
+        </p:spPr>
+      </p:pic>
+    </p:spTree>
+    <p:extLst>
+      <p:ext uri="{BB962C8B-B14F-4D97-AF65-F5344CB8AC3E}">
+        <p14:creationId xmlns:p14="http://schemas.microsoft.com/office/powerpoint/2010/main" val="1174394236"/>
+      </p:ext>
+    </p:extLst>
+  </p:cSld>
+  <p:clrMapOvr>
+    <a:masterClrMapping/>
+  </p:clrMapOvr>
+</p:sld>
+</file>
+
+<file path=ppt/slides/slide26.xml><?xml version="1.0" encoding="utf-8"?>
+<p:sld xmlns:a="http://schemas.openxmlformats.org/drawingml/2006/main" xmlns:r="http://schemas.openxmlformats.org/officeDocument/2006/relationships" xmlns:p="http://schemas.openxmlformats.org/presentationml/2006/main">
+  <p:cSld>
+    <p:spTree>
+      <p:nvGrpSpPr>
+        <p:cNvPr id="1" name=""/>
+        <p:cNvGrpSpPr/>
+        <p:nvPr/>
+      </p:nvGrpSpPr>
+      <p:grpSpPr>
+        <a:xfrm>
+          <a:off x="0" y="0"/>
+          <a:ext cx="0" cy="0"/>
+          <a:chOff x="0" y="0"/>
+          <a:chExt cx="0" cy="0"/>
+        </a:xfrm>
+      </p:grpSpPr>
+      <p:sp>
+        <p:nvSpPr>
+          <p:cNvPr id="2" name="Titel 1">
+            <a:extLst>
+              <a:ext uri="{FF2B5EF4-FFF2-40B4-BE49-F238E27FC236}">
+                <a16:creationId xmlns:a16="http://schemas.microsoft.com/office/drawing/2014/main" id="{D0623DED-DC16-7843-8D93-20186F3EC855}"/>
+              </a:ext>
+            </a:extLst>
+          </p:cNvPr>
+          <p:cNvSpPr>
+            <a:spLocks noGrp="1"/>
+          </p:cNvSpPr>
+          <p:nvPr>
+            <p:ph type="title"/>
+          </p:nvPr>
+        </p:nvSpPr>
+        <p:spPr/>
+        <p:txBody>
+          <a:bodyPr/>
+          <a:lstStyle/>
+          <a:p>
+            <a:r>
+              <a:rPr lang="de-DE" dirty="0"/>
+              <a:t>Zustandsdiagramm Navigation</a:t>
+            </a:r>
+          </a:p>
+        </p:txBody>
+      </p:sp>
+      <p:pic>
+        <p:nvPicPr>
+          <p:cNvPr id="5" name="Inhaltsplatzhalter 4">
+            <a:extLst>
+              <a:ext uri="{FF2B5EF4-FFF2-40B4-BE49-F238E27FC236}">
+                <a16:creationId xmlns:a16="http://schemas.microsoft.com/office/drawing/2014/main" id="{3C05055E-ACB1-E04D-ABDF-725E50C20C83}"/>
+              </a:ext>
+            </a:extLst>
+          </p:cNvPr>
+          <p:cNvPicPr>
+            <a:picLocks noGrp="1" noChangeAspect="1"/>
+          </p:cNvPicPr>
+          <p:nvPr>
+            <p:ph sz="quarter" idx="10"/>
+          </p:nvPr>
+        </p:nvPicPr>
+        <p:blipFill>
+          <a:blip r:embed="rId2">
+            <a:extLst>
+              <a:ext uri="{28A0092B-C50C-407E-A947-70E740481C1C}">
+                <a14:useLocalDpi xmlns:a14="http://schemas.microsoft.com/office/drawing/2010/main" val="0"/>
+              </a:ext>
+            </a:extLst>
+          </a:blip>
+          <a:stretch>
+            <a:fillRect/>
+          </a:stretch>
+        </p:blipFill>
+        <p:spPr>
+          <a:xfrm>
+            <a:off x="874711" y="2461948"/>
+            <a:ext cx="10580687" cy="1934104"/>
+          </a:xfrm>
+        </p:spPr>
+      </p:pic>
+    </p:spTree>
+    <p:extLst>
+      <p:ext uri="{BB962C8B-B14F-4D97-AF65-F5344CB8AC3E}">
+        <p14:creationId xmlns:p14="http://schemas.microsoft.com/office/powerpoint/2010/main" val="2580817251"/>
+      </p:ext>
+    </p:extLst>
+  </p:cSld>
+  <p:clrMapOvr>
+    <a:masterClrMapping/>
+  </p:clrMapOvr>
+</p:sld>
+</file>
+
+<file path=ppt/slides/slide27.xml><?xml version="1.0" encoding="utf-8"?>
+<p:sld xmlns:a="http://schemas.openxmlformats.org/drawingml/2006/main" xmlns:r="http://schemas.openxmlformats.org/officeDocument/2006/relationships" xmlns:p="http://schemas.openxmlformats.org/presentationml/2006/main">
+  <p:cSld>
+    <p:spTree>
+      <p:nvGrpSpPr>
+        <p:cNvPr id="1" name=""/>
+        <p:cNvGrpSpPr/>
+        <p:nvPr/>
+      </p:nvGrpSpPr>
+      <p:grpSpPr>
+        <a:xfrm>
+          <a:off x="0" y="0"/>
+          <a:ext cx="0" cy="0"/>
+          <a:chOff x="0" y="0"/>
+          <a:chExt cx="0" cy="0"/>
+        </a:xfrm>
+      </p:grpSpPr>
+      <p:sp>
+        <p:nvSpPr>
+          <p:cNvPr id="2" name="Titel 1">
+            <a:extLst>
+              <a:ext uri="{FF2B5EF4-FFF2-40B4-BE49-F238E27FC236}">
+                <a16:creationId xmlns:a16="http://schemas.microsoft.com/office/drawing/2014/main" id="{10587004-B7DF-5045-9C0B-0660C21B200E}"/>
+              </a:ext>
+            </a:extLst>
+          </p:cNvPr>
+          <p:cNvSpPr>
+            <a:spLocks noGrp="1"/>
+          </p:cNvSpPr>
+          <p:nvPr>
+            <p:ph type="title"/>
+          </p:nvPr>
+        </p:nvSpPr>
+        <p:spPr/>
+        <p:txBody>
+          <a:bodyPr/>
+          <a:lstStyle/>
+          <a:p>
+            <a:r>
+              <a:rPr lang="de-DE" dirty="0"/>
+              <a:t>Zustandsdiagramm Rezept</a:t>
+            </a:r>
+          </a:p>
+        </p:txBody>
+      </p:sp>
+      <p:pic>
+        <p:nvPicPr>
+          <p:cNvPr id="9" name="Inhaltsplatzhalter 8">
+            <a:extLst>
+              <a:ext uri="{FF2B5EF4-FFF2-40B4-BE49-F238E27FC236}">
+                <a16:creationId xmlns:a16="http://schemas.microsoft.com/office/drawing/2014/main" id="{BA32FF54-8004-EC4C-B451-9DE95BCEFAC8}"/>
+              </a:ext>
+            </a:extLst>
+          </p:cNvPr>
+          <p:cNvPicPr>
+            <a:picLocks noGrp="1" noChangeAspect="1"/>
+          </p:cNvPicPr>
+          <p:nvPr>
+            <p:ph sz="quarter" idx="10"/>
+          </p:nvPr>
+        </p:nvPicPr>
+        <p:blipFill>
+          <a:blip r:embed="rId2">
+            <a:extLst>
+              <a:ext uri="{28A0092B-C50C-407E-A947-70E740481C1C}">
+                <a14:useLocalDpi xmlns:a14="http://schemas.microsoft.com/office/drawing/2010/main" val="0"/>
+              </a:ext>
+            </a:extLst>
+          </a:blip>
+          <a:stretch>
+            <a:fillRect/>
+          </a:stretch>
+        </p:blipFill>
+        <p:spPr>
+          <a:xfrm>
+            <a:off x="1235870" y="1484313"/>
+            <a:ext cx="9858373" cy="4344987"/>
+          </a:xfrm>
+        </p:spPr>
+      </p:pic>
+    </p:spTree>
+    <p:extLst>
+      <p:ext uri="{BB962C8B-B14F-4D97-AF65-F5344CB8AC3E}">
+        <p14:creationId xmlns:p14="http://schemas.microsoft.com/office/powerpoint/2010/main" val="3480394435"/>
+      </p:ext>
+    </p:extLst>
+  </p:cSld>
+  <p:clrMapOvr>
+    <a:masterClrMapping/>
+  </p:clrMapOvr>
+</p:sld>
+</file>
+
+<file path=ppt/slides/slide28.xml><?xml version="1.0" encoding="utf-8"?>
+<p:sld xmlns:a="http://schemas.openxmlformats.org/drawingml/2006/main" xmlns:r="http://schemas.openxmlformats.org/officeDocument/2006/relationships" xmlns:p="http://schemas.openxmlformats.org/presentationml/2006/main">
+  <p:cSld>
+    <p:spTree>
+      <p:nvGrpSpPr>
+        <p:cNvPr id="1" name=""/>
+        <p:cNvGrpSpPr/>
+        <p:nvPr/>
+      </p:nvGrpSpPr>
+      <p:grpSpPr>
+        <a:xfrm>
+          <a:off x="0" y="0"/>
+          <a:ext cx="0" cy="0"/>
+          <a:chOff x="0" y="0"/>
+          <a:chExt cx="0" cy="0"/>
+        </a:xfrm>
+      </p:grpSpPr>
+      <p:sp>
+        <p:nvSpPr>
+          <p:cNvPr id="2" name="Titel 1">
+            <a:extLst>
+              <a:ext uri="{FF2B5EF4-FFF2-40B4-BE49-F238E27FC236}">
+                <a16:creationId xmlns:a16="http://schemas.microsoft.com/office/drawing/2014/main" id="{3358FD0C-BC9C-224A-97DC-50E85919ED2D}"/>
+              </a:ext>
+            </a:extLst>
+          </p:cNvPr>
+          <p:cNvSpPr>
+            <a:spLocks noGrp="1"/>
+          </p:cNvSpPr>
+          <p:nvPr>
+            <p:ph type="title"/>
+          </p:nvPr>
+        </p:nvSpPr>
+        <p:spPr/>
+        <p:txBody>
+          <a:bodyPr/>
+          <a:lstStyle/>
+          <a:p>
+            <a:r>
+              <a:rPr lang="de-DE" dirty="0"/>
+              <a:t>Aktivitätsdiagramm Rezept – Zustand </a:t>
+            </a:r>
+            <a:r>
+              <a:rPr lang="de-DE" dirty="0" err="1"/>
+              <a:t>Procedures</a:t>
+            </a:r>
+            <a:endParaRPr lang="de-DE" dirty="0"/>
+          </a:p>
+        </p:txBody>
+      </p:sp>
+      <p:pic>
+        <p:nvPicPr>
+          <p:cNvPr id="5" name="Inhaltsplatzhalter 4">
+            <a:extLst>
+              <a:ext uri="{FF2B5EF4-FFF2-40B4-BE49-F238E27FC236}">
+                <a16:creationId xmlns:a16="http://schemas.microsoft.com/office/drawing/2014/main" id="{90D70A80-F13E-4148-9767-D676A4697649}"/>
+              </a:ext>
+            </a:extLst>
+          </p:cNvPr>
+          <p:cNvPicPr>
+            <a:picLocks noGrp="1" noChangeAspect="1"/>
+          </p:cNvPicPr>
+          <p:nvPr>
+            <p:ph sz="quarter" idx="10"/>
+          </p:nvPr>
+        </p:nvPicPr>
+        <p:blipFill>
+          <a:blip r:embed="rId2">
+            <a:extLst>
+              <a:ext uri="{28A0092B-C50C-407E-A947-70E740481C1C}">
+                <a14:useLocalDpi xmlns:a14="http://schemas.microsoft.com/office/drawing/2010/main" val="0"/>
+              </a:ext>
+            </a:extLst>
+          </a:blip>
+          <a:stretch>
+            <a:fillRect/>
+          </a:stretch>
+        </p:blipFill>
+        <p:spPr>
+          <a:xfrm>
+            <a:off x="1072732" y="1484313"/>
+            <a:ext cx="10184649" cy="4344987"/>
+          </a:xfrm>
+        </p:spPr>
+      </p:pic>
+    </p:spTree>
+    <p:extLst>
+      <p:ext uri="{BB962C8B-B14F-4D97-AF65-F5344CB8AC3E}">
+        <p14:creationId xmlns:p14="http://schemas.microsoft.com/office/powerpoint/2010/main" val="431744308"/>
+      </p:ext>
+    </p:extLst>
+  </p:cSld>
+  <p:clrMapOvr>
+    <a:masterClrMapping/>
+  </p:clrMapOvr>
+</p:sld>
+</file>
+
+<file path=ppt/slides/slide29.xml><?xml version="1.0" encoding="utf-8"?>
+<p:sld xmlns:a="http://schemas.openxmlformats.org/drawingml/2006/main" xmlns:r="http://schemas.openxmlformats.org/officeDocument/2006/relationships" xmlns:p="http://schemas.openxmlformats.org/presentationml/2006/main">
+  <p:cSld>
+    <p:spTree>
+      <p:nvGrpSpPr>
+        <p:cNvPr id="1" name=""/>
+        <p:cNvGrpSpPr/>
+        <p:nvPr/>
+      </p:nvGrpSpPr>
+      <p:grpSpPr>
+        <a:xfrm>
+          <a:off x="0" y="0"/>
+          <a:ext cx="0" cy="0"/>
+          <a:chOff x="0" y="0"/>
+          <a:chExt cx="0" cy="0"/>
+        </a:xfrm>
+      </p:grpSpPr>
+      <p:sp>
+        <p:nvSpPr>
+          <p:cNvPr id="2" name="Titel 1">
+            <a:extLst>
+              <a:ext uri="{FF2B5EF4-FFF2-40B4-BE49-F238E27FC236}">
+                <a16:creationId xmlns:a16="http://schemas.microsoft.com/office/drawing/2014/main" id="{72C746DA-5BDE-0D47-83E3-DB7A3A00BFD0}"/>
+              </a:ext>
+            </a:extLst>
+          </p:cNvPr>
+          <p:cNvSpPr>
+            <a:spLocks noGrp="1"/>
+          </p:cNvSpPr>
+          <p:nvPr>
+            <p:ph type="title"/>
+          </p:nvPr>
+        </p:nvSpPr>
+        <p:spPr/>
+        <p:txBody>
+          <a:bodyPr/>
+          <a:lstStyle/>
+          <a:p>
+            <a:r>
+              <a:rPr lang="de-DE" dirty="0"/>
+              <a:t>Aktivitätsdiagramm Rezept – Zustand </a:t>
+            </a:r>
+            <a:r>
+              <a:rPr lang="de-DE" dirty="0" err="1"/>
+              <a:t>Steps</a:t>
+            </a:r>
+            <a:endParaRPr lang="de-DE" dirty="0"/>
+          </a:p>
+        </p:txBody>
+      </p:sp>
+      <p:pic>
+        <p:nvPicPr>
+          <p:cNvPr id="5" name="Inhaltsplatzhalter 4">
+            <a:extLst>
+              <a:ext uri="{FF2B5EF4-FFF2-40B4-BE49-F238E27FC236}">
+                <a16:creationId xmlns:a16="http://schemas.microsoft.com/office/drawing/2014/main" id="{EDCE88AD-E358-BB42-8E08-A95860B38BC9}"/>
+              </a:ext>
+            </a:extLst>
+          </p:cNvPr>
+          <p:cNvPicPr>
+            <a:picLocks noGrp="1" noChangeAspect="1"/>
+          </p:cNvPicPr>
+          <p:nvPr>
+            <p:ph sz="quarter" idx="10"/>
+          </p:nvPr>
+        </p:nvPicPr>
+        <p:blipFill>
+          <a:blip r:embed="rId2">
+            <a:extLst>
+              <a:ext uri="{28A0092B-C50C-407E-A947-70E740481C1C}">
+                <a14:useLocalDpi xmlns:a14="http://schemas.microsoft.com/office/drawing/2010/main" val="0"/>
+              </a:ext>
+            </a:extLst>
+          </a:blip>
+          <a:stretch>
+            <a:fillRect/>
+          </a:stretch>
+        </p:blipFill>
+        <p:spPr>
+          <a:xfrm>
+            <a:off x="874713" y="1606570"/>
+            <a:ext cx="10580687" cy="4100473"/>
+          </a:xfrm>
+        </p:spPr>
+      </p:pic>
+    </p:spTree>
+    <p:extLst>
+      <p:ext uri="{BB962C8B-B14F-4D97-AF65-F5344CB8AC3E}">
+        <p14:creationId xmlns:p14="http://schemas.microsoft.com/office/powerpoint/2010/main" val="543329465"/>
+      </p:ext>
+    </p:extLst>
+  </p:cSld>
+  <p:clrMapOvr>
+    <a:masterClrMapping/>
+  </p:clrMapOvr>
+</p:sld>
+</file>
+
 <file path=ppt/slides/slide3.xml><?xml version="1.0" encoding="utf-8"?>
 <p:sld xmlns:a="http://schemas.openxmlformats.org/drawingml/2006/main" xmlns:r="http://schemas.openxmlformats.org/officeDocument/2006/relationships" xmlns:p="http://schemas.openxmlformats.org/presentationml/2006/main">
   <p:cSld>
@@ -8155,7 +9106,7 @@
           <p:cNvPr id="2" name="Titel 1">
             <a:extLst>
               <a:ext uri="{FF2B5EF4-FFF2-40B4-BE49-F238E27FC236}">
-                <a16:creationId xmlns:a16="http://schemas.microsoft.com/office/drawing/2014/main" xmlns="" id="{9D53ED9D-320B-244E-B0A4-990B8FD6A869}"/>
+                <a16:creationId xmlns:a16="http://schemas.microsoft.com/office/drawing/2014/main" id="{9D53ED9D-320B-244E-B0A4-990B8FD6A869}"/>
               </a:ext>
             </a:extLst>
           </p:cNvPr>
@@ -8173,29 +9124,24 @@
           <a:p>
             <a:r>
               <a:rPr lang="de-DE" dirty="0"/>
-              <a:t>Modulare </a:t>
+              <a:t>Modulare Anlagen, </a:t>
             </a:r>
             <a:r>
-              <a:rPr lang="de-DE" dirty="0" smtClean="0"/>
-              <a:t>Anlagen, </a:t>
-            </a:r>
-            <a:r>
-              <a:rPr lang="de-DE" dirty="0" err="1" smtClean="0"/>
+              <a:rPr lang="de-DE" dirty="0" err="1"/>
               <a:t>Ironies</a:t>
             </a:r>
             <a:r>
-              <a:rPr lang="de-DE" dirty="0" smtClean="0"/>
+              <a:rPr lang="de-DE" dirty="0"/>
               <a:t> </a:t>
             </a:r>
             <a:r>
-              <a:rPr lang="de-DE" dirty="0" err="1" smtClean="0"/>
+              <a:rPr lang="de-DE" dirty="0" err="1"/>
               <a:t>of</a:t>
             </a:r>
             <a:r>
-              <a:rPr lang="de-DE" dirty="0" smtClean="0"/>
+              <a:rPr lang="de-DE" dirty="0"/>
               <a:t> Automation</a:t>
             </a:r>
-            <a:endParaRPr lang="de-DE" dirty="0"/>
           </a:p>
         </p:txBody>
       </p:sp>
@@ -8204,7 +9150,7 @@
           <p:cNvPr id="3" name="Inhaltsplatzhalter 2">
             <a:extLst>
               <a:ext uri="{FF2B5EF4-FFF2-40B4-BE49-F238E27FC236}">
-                <a16:creationId xmlns:a16="http://schemas.microsoft.com/office/drawing/2014/main" xmlns="" id="{071C7D99-FD94-FB49-B8BA-4204773E2C3E}"/>
+                <a16:creationId xmlns:a16="http://schemas.microsoft.com/office/drawing/2014/main" id="{071C7D99-FD94-FB49-B8BA-4204773E2C3E}"/>
               </a:ext>
             </a:extLst>
           </p:cNvPr>
@@ -8221,28 +9167,27 @@
           <a:lstStyle/>
           <a:p>
             <a:r>
-              <a:rPr lang="de-DE" dirty="0" smtClean="0"/>
+              <a:rPr lang="de-DE" dirty="0"/>
               <a:t>Was ist das genaue Problem des Produktionsmitarbeiters?</a:t>
             </a:r>
           </a:p>
           <a:p>
             <a:r>
-              <a:rPr lang="de-DE" dirty="0" smtClean="0"/>
+              <a:rPr lang="de-DE" dirty="0"/>
               <a:t>Höhere Flexibilität</a:t>
             </a:r>
           </a:p>
           <a:p>
             <a:r>
-              <a:rPr lang="de-DE" dirty="0" smtClean="0"/>
+              <a:rPr lang="de-DE" dirty="0"/>
               <a:t>hat Verantwortung, dass es funktioniert</a:t>
             </a:r>
           </a:p>
           <a:p>
             <a:r>
-              <a:rPr lang="de-DE" dirty="0" smtClean="0"/>
+              <a:rPr lang="de-DE" dirty="0"/>
               <a:t>Muss nach jedem Umbau bewerkstelligen, dass Produktion aufrecht erhalten bleibt</a:t>
             </a:r>
-            <a:endParaRPr lang="de-DE" dirty="0"/>
           </a:p>
         </p:txBody>
       </p:sp>
@@ -8281,7 +9226,7 @@
           <p:cNvPr id="2" name="Titel 1">
             <a:extLst>
               <a:ext uri="{FF2B5EF4-FFF2-40B4-BE49-F238E27FC236}">
-                <a16:creationId xmlns:a16="http://schemas.microsoft.com/office/drawing/2014/main" xmlns="" id="{061E505A-8173-1347-AE02-C6C2BDD420BB}"/>
+                <a16:creationId xmlns:a16="http://schemas.microsoft.com/office/drawing/2014/main" id="{061E505A-8173-1347-AE02-C6C2BDD420BB}"/>
               </a:ext>
             </a:extLst>
           </p:cNvPr>
@@ -8309,7 +9254,7 @@
           <p:cNvPr id="6" name="Rechteck 5">
             <a:extLst>
               <a:ext uri="{FF2B5EF4-FFF2-40B4-BE49-F238E27FC236}">
-                <a16:creationId xmlns:a16="http://schemas.microsoft.com/office/drawing/2014/main" xmlns="" id="{4F68B8E9-417E-0141-AE27-E298ED29929C}"/>
+                <a16:creationId xmlns:a16="http://schemas.microsoft.com/office/drawing/2014/main" id="{4F68B8E9-417E-0141-AE27-E298ED29929C}"/>
               </a:ext>
             </a:extLst>
           </p:cNvPr>
@@ -8367,7 +9312,7 @@
           <p:cNvPr id="7" name="Rechteck 6">
             <a:extLst>
               <a:ext uri="{FF2B5EF4-FFF2-40B4-BE49-F238E27FC236}">
-                <a16:creationId xmlns:a16="http://schemas.microsoft.com/office/drawing/2014/main" xmlns="" id="{4F68B8E9-417E-0141-AE27-E298ED29929C}"/>
+                <a16:creationId xmlns:a16="http://schemas.microsoft.com/office/drawing/2014/main" id="{4F68B8E9-417E-0141-AE27-E298ED29929C}"/>
               </a:ext>
             </a:extLst>
           </p:cNvPr>
@@ -8425,7 +9370,7 @@
           <p:cNvPr id="8" name="Rechteck 7">
             <a:extLst>
               <a:ext uri="{FF2B5EF4-FFF2-40B4-BE49-F238E27FC236}">
-                <a16:creationId xmlns:a16="http://schemas.microsoft.com/office/drawing/2014/main" xmlns="" id="{4F68B8E9-417E-0141-AE27-E298ED29929C}"/>
+                <a16:creationId xmlns:a16="http://schemas.microsoft.com/office/drawing/2014/main" id="{4F68B8E9-417E-0141-AE27-E298ED29929C}"/>
               </a:ext>
             </a:extLst>
           </p:cNvPr>
@@ -8483,7 +9428,7 @@
           <p:cNvPr id="9" name="Rechteck 8">
             <a:extLst>
               <a:ext uri="{FF2B5EF4-FFF2-40B4-BE49-F238E27FC236}">
-                <a16:creationId xmlns:a16="http://schemas.microsoft.com/office/drawing/2014/main" xmlns="" id="{4F68B8E9-417E-0141-AE27-E298ED29929C}"/>
+                <a16:creationId xmlns:a16="http://schemas.microsoft.com/office/drawing/2014/main" id="{4F68B8E9-417E-0141-AE27-E298ED29929C}"/>
               </a:ext>
             </a:extLst>
           </p:cNvPr>
@@ -8526,18 +9471,13 @@
           <a:lstStyle/>
           <a:p>
             <a:r>
-              <a:rPr lang="de-DE" dirty="0" smtClean="0">
+              <a:rPr lang="de-DE" dirty="0">
                 <a:solidFill>
                   <a:schemeClr val="tx1"/>
                 </a:solidFill>
               </a:rPr>
               <a:t>So könnte man dem Nutzer helfen!</a:t>
             </a:r>
-            <a:endParaRPr lang="de-DE" dirty="0">
-              <a:solidFill>
-                <a:schemeClr val="tx1"/>
-              </a:solidFill>
-            </a:endParaRPr>
           </a:p>
         </p:txBody>
       </p:sp>
@@ -8546,7 +9486,7 @@
           <p:cNvPr id="10" name="Rechteck 9">
             <a:extLst>
               <a:ext uri="{FF2B5EF4-FFF2-40B4-BE49-F238E27FC236}">
-                <a16:creationId xmlns:a16="http://schemas.microsoft.com/office/drawing/2014/main" xmlns="" id="{4F68B8E9-417E-0141-AE27-E298ED29929C}"/>
+                <a16:creationId xmlns:a16="http://schemas.microsoft.com/office/drawing/2014/main" id="{4F68B8E9-417E-0141-AE27-E298ED29929C}"/>
               </a:ext>
             </a:extLst>
           </p:cNvPr>
@@ -8589,18 +9529,13 @@
           <a:lstStyle/>
           <a:p>
             <a:r>
-              <a:rPr lang="de-DE" dirty="0" smtClean="0">
+              <a:rPr lang="de-DE" dirty="0">
                 <a:solidFill>
                   <a:schemeClr val="tx1"/>
                 </a:solidFill>
               </a:rPr>
               <a:t>Das muss noch getan werden!</a:t>
             </a:r>
-            <a:endParaRPr lang="de-DE" dirty="0">
-              <a:solidFill>
-                <a:schemeClr val="tx1"/>
-              </a:solidFill>
-            </a:endParaRPr>
           </a:p>
         </p:txBody>
       </p:sp>
@@ -8777,7 +9712,7 @@
           <p:cNvPr id="21" name="Rechteck 20">
             <a:extLst>
               <a:ext uri="{FF2B5EF4-FFF2-40B4-BE49-F238E27FC236}">
-                <a16:creationId xmlns:a16="http://schemas.microsoft.com/office/drawing/2014/main" xmlns="" id="{4F68B8E9-417E-0141-AE27-E298ED29929C}"/>
+                <a16:creationId xmlns:a16="http://schemas.microsoft.com/office/drawing/2014/main" id="{4F68B8E9-417E-0141-AE27-E298ED29929C}"/>
               </a:ext>
             </a:extLst>
           </p:cNvPr>
@@ -8841,7 +9776,7 @@
           <p:cNvPr id="17" name="Oval 52">
             <a:extLst>
               <a:ext uri="{FF2B5EF4-FFF2-40B4-BE49-F238E27FC236}">
-                <a16:creationId xmlns:a16="http://schemas.microsoft.com/office/drawing/2014/main" xmlns="" id="{A7F525C7-2BB3-7741-BE0A-A91605F6B414}"/>
+                <a16:creationId xmlns:a16="http://schemas.microsoft.com/office/drawing/2014/main" id="{A7F525C7-2BB3-7741-BE0A-A91605F6B414}"/>
               </a:ext>
             </a:extLst>
           </p:cNvPr>
@@ -8893,7 +9828,7 @@
           <p:cNvPr id="22" name="Oval 54">
             <a:extLst>
               <a:ext uri="{FF2B5EF4-FFF2-40B4-BE49-F238E27FC236}">
-                <a16:creationId xmlns:a16="http://schemas.microsoft.com/office/drawing/2014/main" xmlns="" id="{A65E12B4-4201-2148-B5CA-CF3C353E009F}"/>
+                <a16:creationId xmlns:a16="http://schemas.microsoft.com/office/drawing/2014/main" id="{A65E12B4-4201-2148-B5CA-CF3C353E009F}"/>
               </a:ext>
             </a:extLst>
           </p:cNvPr>
@@ -8940,14 +9875,14 @@
           </a:p>
         </p:txBody>
       </p:sp>
-      <mc:AlternateContent xmlns:mc="http://schemas.openxmlformats.org/markup-compatibility/2006">
-        <mc:Choice xmlns:p14="http://schemas.microsoft.com/office/powerpoint/2010/main" Requires="p14">
+      <mc:AlternateContent xmlns:mc="http://schemas.openxmlformats.org/markup-compatibility/2006" xmlns:p14="http://schemas.microsoft.com/office/powerpoint/2010/main">
+        <mc:Choice Requires="p14">
           <p:contentPart p14:bwMode="auto" r:id="rId3">
             <p14:nvContentPartPr>
               <p14:cNvPr id="23" name="Freihand 22">
                 <a:extLst>
                   <a:ext uri="{FF2B5EF4-FFF2-40B4-BE49-F238E27FC236}">
-                    <a16:creationId xmlns:a16="http://schemas.microsoft.com/office/drawing/2014/main" xmlns="" id="{5B3C06F8-598F-844F-A3A1-C175A796CC1F}"/>
+                    <a16:creationId xmlns:a16="http://schemas.microsoft.com/office/drawing/2014/main" id="{5B3C06F8-598F-844F-A3A1-C175A796CC1F}"/>
                   </a:ext>
                 </a:extLst>
               </p14:cNvPr>
@@ -8960,7 +9895,7 @@
             </p14:xfrm>
           </p:contentPart>
         </mc:Choice>
-        <mc:Fallback>
+        <mc:Fallback xmlns="">
           <p:pic>
             <p:nvPicPr>
               <p:cNvPr id="23" name="Freihand 22">
@@ -8991,14 +9926,14 @@
           </p:pic>
         </mc:Fallback>
       </mc:AlternateContent>
-      <mc:AlternateContent xmlns:mc="http://schemas.openxmlformats.org/markup-compatibility/2006">
-        <mc:Choice xmlns:p14="http://schemas.microsoft.com/office/powerpoint/2010/main" Requires="p14">
+      <mc:AlternateContent xmlns:mc="http://schemas.openxmlformats.org/markup-compatibility/2006" xmlns:p14="http://schemas.microsoft.com/office/powerpoint/2010/main">
+        <mc:Choice Requires="p14">
           <p:contentPart p14:bwMode="auto" r:id="rId5">
             <p14:nvContentPartPr>
               <p14:cNvPr id="24" name="Freihand 23">
                 <a:extLst>
                   <a:ext uri="{FF2B5EF4-FFF2-40B4-BE49-F238E27FC236}">
-                    <a16:creationId xmlns:a16="http://schemas.microsoft.com/office/drawing/2014/main" xmlns="" id="{082C1878-4FC7-A046-A15C-155DA5A4994F}"/>
+                    <a16:creationId xmlns:a16="http://schemas.microsoft.com/office/drawing/2014/main" id="{082C1878-4FC7-A046-A15C-155DA5A4994F}"/>
                   </a:ext>
                 </a:extLst>
               </p14:cNvPr>
@@ -9011,7 +9946,7 @@
             </p14:xfrm>
           </p:contentPart>
         </mc:Choice>
-        <mc:Fallback>
+        <mc:Fallback xmlns="">
           <p:pic>
             <p:nvPicPr>
               <p:cNvPr id="24" name="Freihand 23">
@@ -9042,14 +9977,14 @@
           </p:pic>
         </mc:Fallback>
       </mc:AlternateContent>
-      <mc:AlternateContent xmlns:mc="http://schemas.openxmlformats.org/markup-compatibility/2006">
-        <mc:Choice xmlns:p14="http://schemas.microsoft.com/office/powerpoint/2010/main" Requires="p14">
+      <mc:AlternateContent xmlns:mc="http://schemas.openxmlformats.org/markup-compatibility/2006" xmlns:p14="http://schemas.microsoft.com/office/powerpoint/2010/main">
+        <mc:Choice Requires="p14">
           <p:contentPart p14:bwMode="auto" r:id="rId7">
             <p14:nvContentPartPr>
               <p14:cNvPr id="25" name="Freihand 24">
                 <a:extLst>
                   <a:ext uri="{FF2B5EF4-FFF2-40B4-BE49-F238E27FC236}">
-                    <a16:creationId xmlns:a16="http://schemas.microsoft.com/office/drawing/2014/main" xmlns="" id="{4493D0F5-C439-AB47-A7AB-C5899EB6F429}"/>
+                    <a16:creationId xmlns:a16="http://schemas.microsoft.com/office/drawing/2014/main" id="{4493D0F5-C439-AB47-A7AB-C5899EB6F429}"/>
                   </a:ext>
                 </a:extLst>
               </p14:cNvPr>
@@ -9062,7 +9997,7 @@
             </p14:xfrm>
           </p:contentPart>
         </mc:Choice>
-        <mc:Fallback>
+        <mc:Fallback xmlns="">
           <p:pic>
             <p:nvPicPr>
               <p:cNvPr id="25" name="Freihand 24">
@@ -9093,14 +10028,14 @@
           </p:pic>
         </mc:Fallback>
       </mc:AlternateContent>
-      <mc:AlternateContent xmlns:mc="http://schemas.openxmlformats.org/markup-compatibility/2006">
-        <mc:Choice xmlns:p14="http://schemas.microsoft.com/office/powerpoint/2010/main" Requires="p14">
+      <mc:AlternateContent xmlns:mc="http://schemas.openxmlformats.org/markup-compatibility/2006" xmlns:p14="http://schemas.microsoft.com/office/powerpoint/2010/main">
+        <mc:Choice Requires="p14">
           <p:contentPart p14:bwMode="auto" r:id="rId9">
             <p14:nvContentPartPr>
               <p14:cNvPr id="26" name="Freihand 25">
                 <a:extLst>
                   <a:ext uri="{FF2B5EF4-FFF2-40B4-BE49-F238E27FC236}">
-                    <a16:creationId xmlns:a16="http://schemas.microsoft.com/office/drawing/2014/main" xmlns="" id="{748AF862-0F58-C846-9997-89FE1E796ACE}"/>
+                    <a16:creationId xmlns:a16="http://schemas.microsoft.com/office/drawing/2014/main" id="{748AF862-0F58-C846-9997-89FE1E796ACE}"/>
                   </a:ext>
                 </a:extLst>
               </p14:cNvPr>
@@ -9113,7 +10048,7 @@
             </p14:xfrm>
           </p:contentPart>
         </mc:Choice>
-        <mc:Fallback>
+        <mc:Fallback xmlns="">
           <p:pic>
             <p:nvPicPr>
               <p:cNvPr id="26" name="Freihand 25">
@@ -9149,7 +10084,7 @@
           <p:cNvPr id="27" name="Textfeld 26">
             <a:extLst>
               <a:ext uri="{FF2B5EF4-FFF2-40B4-BE49-F238E27FC236}">
-                <a16:creationId xmlns:a16="http://schemas.microsoft.com/office/drawing/2014/main" xmlns="" id="{78AA0267-66A5-6246-A3BD-117F333C6256}"/>
+                <a16:creationId xmlns:a16="http://schemas.microsoft.com/office/drawing/2014/main" id="{78AA0267-66A5-6246-A3BD-117F333C6256}"/>
               </a:ext>
             </a:extLst>
           </p:cNvPr>
@@ -9184,7 +10119,7 @@
           <p:cNvPr id="28" name="Oval 53">
             <a:extLst>
               <a:ext uri="{FF2B5EF4-FFF2-40B4-BE49-F238E27FC236}">
-                <a16:creationId xmlns:a16="http://schemas.microsoft.com/office/drawing/2014/main" xmlns="" id="{7A84F289-E89F-8342-8791-347A0E4F5BF9}"/>
+                <a16:creationId xmlns:a16="http://schemas.microsoft.com/office/drawing/2014/main" id="{7A84F289-E89F-8342-8791-347A0E4F5BF9}"/>
               </a:ext>
             </a:extLst>
           </p:cNvPr>
@@ -9345,7 +10280,7 @@
           <p:cNvPr id="5" name="Gruppieren 4">
             <a:extLst>
               <a:ext uri="{FF2B5EF4-FFF2-40B4-BE49-F238E27FC236}">
-                <a16:creationId xmlns:a16="http://schemas.microsoft.com/office/drawing/2014/main" xmlns="" id="{783A73D2-C025-644E-A194-3438D291D352}"/>
+                <a16:creationId xmlns:a16="http://schemas.microsoft.com/office/drawing/2014/main" id="{783A73D2-C025-644E-A194-3438D291D352}"/>
               </a:ext>
             </a:extLst>
           </p:cNvPr>
@@ -9365,7 +10300,7 @@
             <p:cNvPr id="7" name="Rechteck 6">
               <a:extLst>
                 <a:ext uri="{FF2B5EF4-FFF2-40B4-BE49-F238E27FC236}">
-                  <a16:creationId xmlns:a16="http://schemas.microsoft.com/office/drawing/2014/main" xmlns="" id="{4F68B8E9-417E-0141-AE27-E298ED29929C}"/>
+                  <a16:creationId xmlns:a16="http://schemas.microsoft.com/office/drawing/2014/main" id="{4F68B8E9-417E-0141-AE27-E298ED29929C}"/>
                 </a:ext>
               </a:extLst>
             </p:cNvPr>
@@ -9417,18 +10352,13 @@
                 <a:buAutoNum type="arabicPeriod"/>
               </a:pPr>
               <a:r>
-                <a:rPr lang="de-DE" dirty="0" smtClean="0">
+                <a:rPr lang="de-DE" dirty="0">
                   <a:solidFill>
                     <a:schemeClr val="tx1"/>
                   </a:solidFill>
                 </a:rPr>
                 <a:t>Problemidentifikation</a:t>
               </a:r>
-              <a:endParaRPr lang="de-DE" dirty="0">
-                <a:solidFill>
-                  <a:schemeClr val="tx1"/>
-                </a:solidFill>
-              </a:endParaRPr>
             </a:p>
             <a:p>
               <a:pPr marL="342900" indent="-342900">
@@ -9439,18 +10369,13 @@
                 <a:buAutoNum type="arabicPeriod"/>
               </a:pPr>
               <a:r>
-                <a:rPr lang="de-DE" dirty="0" smtClean="0">
+                <a:rPr lang="de-DE" dirty="0">
                   <a:solidFill>
                     <a:schemeClr val="tx1"/>
                   </a:solidFill>
                 </a:rPr>
                 <a:t>Ziel- und Situationsanalyse</a:t>
               </a:r>
-              <a:endParaRPr lang="de-DE" dirty="0">
-                <a:solidFill>
-                  <a:schemeClr val="tx1"/>
-                </a:solidFill>
-              </a:endParaRPr>
             </a:p>
             <a:p>
               <a:pPr marL="342900" indent="-342900">
@@ -9461,7 +10386,7 @@
                 <a:buAutoNum type="arabicPeriod"/>
               </a:pPr>
               <a:r>
-                <a:rPr lang="de-DE" dirty="0" smtClean="0">
+                <a:rPr lang="de-DE" dirty="0">
                   <a:solidFill>
                     <a:schemeClr val="tx1"/>
                   </a:solidFill>
@@ -9478,7 +10403,7 @@
                 <a:buAutoNum type="arabicPeriod"/>
               </a:pPr>
               <a:r>
-                <a:rPr lang="de-DE" dirty="0" smtClean="0">
+                <a:rPr lang="de-DE" dirty="0">
                   <a:solidFill>
                     <a:schemeClr val="tx1"/>
                   </a:solidFill>
@@ -9495,18 +10420,13 @@
                 <a:buAutoNum type="arabicPeriod"/>
               </a:pPr>
               <a:r>
-                <a:rPr lang="de-DE" dirty="0" smtClean="0">
+                <a:rPr lang="de-DE" dirty="0">
                   <a:solidFill>
                     <a:schemeClr val="tx1"/>
                   </a:solidFill>
                 </a:rPr>
                 <a:t>Ergebnisbewertung</a:t>
               </a:r>
-              <a:endParaRPr lang="de-DE" dirty="0">
-                <a:solidFill>
-                  <a:schemeClr val="tx1"/>
-                </a:solidFill>
-              </a:endParaRPr>
             </a:p>
           </p:txBody>
         </p:sp>
@@ -9515,7 +10435,7 @@
             <p:cNvPr id="8" name="Rechteck 7">
               <a:extLst>
                 <a:ext uri="{FF2B5EF4-FFF2-40B4-BE49-F238E27FC236}">
-                  <a16:creationId xmlns:a16="http://schemas.microsoft.com/office/drawing/2014/main" xmlns="" id="{B2717A64-B61E-B44C-B23D-CB509FB519CA}"/>
+                  <a16:creationId xmlns:a16="http://schemas.microsoft.com/office/drawing/2014/main" id="{B2717A64-B61E-B44C-B23D-CB509FB519CA}"/>
                 </a:ext>
               </a:extLst>
             </p:cNvPr>
@@ -9558,18 +10478,13 @@
             <a:lstStyle/>
             <a:p>
               <a:r>
-                <a:rPr lang="de-DE" sz="1600" b="1" dirty="0" smtClean="0">
+                <a:rPr lang="de-DE" sz="1600" b="1" dirty="0">
                   <a:solidFill>
                     <a:schemeClr val="accent4"/>
                   </a:solidFill>
                 </a:rPr>
                 <a:t>Phasen des Problemlösens</a:t>
               </a:r>
-              <a:endParaRPr lang="de-DE" sz="1600" b="1" dirty="0">
-                <a:solidFill>
-                  <a:schemeClr val="accent4"/>
-                </a:solidFill>
-              </a:endParaRPr>
             </a:p>
           </p:txBody>
         </p:sp>
@@ -9579,7 +10494,7 @@
           <p:cNvPr id="9" name="Gruppieren 8">
             <a:extLst>
               <a:ext uri="{FF2B5EF4-FFF2-40B4-BE49-F238E27FC236}">
-                <a16:creationId xmlns:a16="http://schemas.microsoft.com/office/drawing/2014/main" xmlns="" id="{783A73D2-C025-644E-A194-3438D291D352}"/>
+                <a16:creationId xmlns:a16="http://schemas.microsoft.com/office/drawing/2014/main" id="{783A73D2-C025-644E-A194-3438D291D352}"/>
               </a:ext>
             </a:extLst>
           </p:cNvPr>
@@ -9599,7 +10514,7 @@
             <p:cNvPr id="10" name="Rechteck 9">
               <a:extLst>
                 <a:ext uri="{FF2B5EF4-FFF2-40B4-BE49-F238E27FC236}">
-                  <a16:creationId xmlns:a16="http://schemas.microsoft.com/office/drawing/2014/main" xmlns="" id="{4F68B8E9-417E-0141-AE27-E298ED29929C}"/>
+                  <a16:creationId xmlns:a16="http://schemas.microsoft.com/office/drawing/2014/main" id="{4F68B8E9-417E-0141-AE27-E298ED29929C}"/>
                 </a:ext>
               </a:extLst>
             </p:cNvPr>
@@ -9651,18 +10566,13 @@
                 <a:buChar char="•"/>
               </a:pPr>
               <a:r>
-                <a:rPr lang="de-DE" dirty="0" smtClean="0">
+                <a:rPr lang="de-DE" dirty="0">
                   <a:solidFill>
                     <a:schemeClr val="tx1"/>
                   </a:solidFill>
                 </a:rPr>
                 <a:t>Klarheit</a:t>
               </a:r>
-              <a:endParaRPr lang="de-DE" dirty="0">
-                <a:solidFill>
-                  <a:schemeClr val="tx1"/>
-                </a:solidFill>
-              </a:endParaRPr>
             </a:p>
             <a:p>
               <a:pPr marL="342900" indent="-342900">
@@ -9673,18 +10583,13 @@
                 <a:buChar char="•"/>
               </a:pPr>
               <a:r>
-                <a:rPr lang="de-DE" dirty="0" smtClean="0">
+                <a:rPr lang="de-DE" dirty="0">
                   <a:solidFill>
                     <a:schemeClr val="tx1"/>
                   </a:solidFill>
                 </a:rPr>
                 <a:t>Zeitskala</a:t>
               </a:r>
-              <a:endParaRPr lang="de-DE" dirty="0">
-                <a:solidFill>
-                  <a:schemeClr val="tx1"/>
-                </a:solidFill>
-              </a:endParaRPr>
             </a:p>
             <a:p>
               <a:pPr marL="342900" indent="-342900">
@@ -9695,7 +10600,7 @@
                 <a:buChar char="•"/>
               </a:pPr>
               <a:r>
-                <a:rPr lang="de-DE" dirty="0" smtClean="0">
+                <a:rPr lang="de-DE" dirty="0">
                   <a:solidFill>
                     <a:schemeClr val="tx1"/>
                   </a:solidFill>
@@ -9712,7 +10617,7 @@
                 <a:buChar char="•"/>
               </a:pPr>
               <a:r>
-                <a:rPr lang="de-DE" dirty="0" smtClean="0">
+                <a:rPr lang="de-DE" dirty="0">
                   <a:solidFill>
                     <a:schemeClr val="tx1"/>
                   </a:solidFill>
@@ -9729,18 +10634,13 @@
                 <a:buChar char="•"/>
               </a:pPr>
               <a:r>
-                <a:rPr lang="de-DE" dirty="0" smtClean="0">
+                <a:rPr lang="de-DE" dirty="0">
                   <a:solidFill>
                     <a:schemeClr val="tx1"/>
                   </a:solidFill>
                 </a:rPr>
                 <a:t>Bereich</a:t>
               </a:r>
-              <a:endParaRPr lang="de-DE" dirty="0">
-                <a:solidFill>
-                  <a:schemeClr val="tx1"/>
-                </a:solidFill>
-              </a:endParaRPr>
             </a:p>
           </p:txBody>
         </p:sp>
@@ -9749,7 +10649,7 @@
             <p:cNvPr id="11" name="Rechteck 10">
               <a:extLst>
                 <a:ext uri="{FF2B5EF4-FFF2-40B4-BE49-F238E27FC236}">
-                  <a16:creationId xmlns:a16="http://schemas.microsoft.com/office/drawing/2014/main" xmlns="" id="{B2717A64-B61E-B44C-B23D-CB509FB519CA}"/>
+                  <a16:creationId xmlns:a16="http://schemas.microsoft.com/office/drawing/2014/main" id="{B2717A64-B61E-B44C-B23D-CB509FB519CA}"/>
                 </a:ext>
               </a:extLst>
             </p:cNvPr>
@@ -9792,18 +10692,13 @@
             <a:lstStyle/>
             <a:p>
               <a:r>
-                <a:rPr lang="de-DE" sz="1600" b="1" dirty="0" smtClean="0">
+                <a:rPr lang="de-DE" sz="1600" b="1" dirty="0">
                   <a:solidFill>
                     <a:schemeClr val="accent4"/>
                   </a:solidFill>
                 </a:rPr>
                 <a:t>Probleme unterscheiden</a:t>
               </a:r>
-              <a:endParaRPr lang="de-DE" sz="1600" b="1" dirty="0">
-                <a:solidFill>
-                  <a:schemeClr val="accent4"/>
-                </a:solidFill>
-              </a:endParaRPr>
             </a:p>
           </p:txBody>
         </p:sp>
@@ -9813,7 +10708,7 @@
           <p:cNvPr id="12" name="Gruppieren 11">
             <a:extLst>
               <a:ext uri="{FF2B5EF4-FFF2-40B4-BE49-F238E27FC236}">
-                <a16:creationId xmlns:a16="http://schemas.microsoft.com/office/drawing/2014/main" xmlns="" id="{783A73D2-C025-644E-A194-3438D291D352}"/>
+                <a16:creationId xmlns:a16="http://schemas.microsoft.com/office/drawing/2014/main" id="{783A73D2-C025-644E-A194-3438D291D352}"/>
               </a:ext>
             </a:extLst>
           </p:cNvPr>
@@ -9833,7 +10728,7 @@
             <p:cNvPr id="13" name="Rechteck 12">
               <a:extLst>
                 <a:ext uri="{FF2B5EF4-FFF2-40B4-BE49-F238E27FC236}">
-                  <a16:creationId xmlns:a16="http://schemas.microsoft.com/office/drawing/2014/main" xmlns="" id="{4F68B8E9-417E-0141-AE27-E298ED29929C}"/>
+                  <a16:creationId xmlns:a16="http://schemas.microsoft.com/office/drawing/2014/main" id="{4F68B8E9-417E-0141-AE27-E298ED29929C}"/>
                 </a:ext>
               </a:extLst>
             </p:cNvPr>
@@ -9885,18 +10780,13 @@
                 <a:buChar char="•"/>
               </a:pPr>
               <a:r>
-                <a:rPr lang="de-DE" dirty="0" smtClean="0">
+                <a:rPr lang="de-DE" dirty="0">
                   <a:solidFill>
                     <a:schemeClr val="tx1"/>
                   </a:solidFill>
                 </a:rPr>
                 <a:t>Komplexität der Problemsituation</a:t>
               </a:r>
-              <a:endParaRPr lang="de-DE" dirty="0">
-                <a:solidFill>
-                  <a:schemeClr val="tx1"/>
-                </a:solidFill>
-              </a:endParaRPr>
             </a:p>
             <a:p>
               <a:pPr marL="342900" indent="-342900">
@@ -9907,7 +10797,7 @@
                 <a:buChar char="•"/>
               </a:pPr>
               <a:r>
-                <a:rPr lang="de-DE" dirty="0" err="1" smtClean="0">
+                <a:rPr lang="de-DE" dirty="0" err="1">
                   <a:solidFill>
                     <a:schemeClr val="tx1"/>
                   </a:solidFill>
@@ -9915,18 +10805,13 @@
                 <a:t>Vernetztheit</a:t>
               </a:r>
               <a:r>
-                <a:rPr lang="de-DE" dirty="0" smtClean="0">
+                <a:rPr lang="de-DE" dirty="0">
                   <a:solidFill>
                     <a:schemeClr val="tx1"/>
                   </a:solidFill>
                 </a:rPr>
                 <a:t> der beteiligten Variablen</a:t>
               </a:r>
-              <a:endParaRPr lang="de-DE" dirty="0">
-                <a:solidFill>
-                  <a:schemeClr val="tx1"/>
-                </a:solidFill>
-              </a:endParaRPr>
             </a:p>
             <a:p>
               <a:pPr marL="342900" indent="-342900">
@@ -9937,7 +10822,7 @@
                 <a:buChar char="•"/>
               </a:pPr>
               <a:r>
-                <a:rPr lang="de-DE" dirty="0" smtClean="0">
+                <a:rPr lang="de-DE" dirty="0">
                   <a:solidFill>
                     <a:schemeClr val="tx1"/>
                   </a:solidFill>
@@ -9954,7 +10839,7 @@
                 <a:buChar char="•"/>
               </a:pPr>
               <a:r>
-                <a:rPr lang="de-DE" dirty="0" smtClean="0">
+                <a:rPr lang="de-DE" dirty="0">
                   <a:solidFill>
                     <a:schemeClr val="tx1"/>
                   </a:solidFill>
@@ -9971,18 +10856,13 @@
                 <a:buChar char="•"/>
               </a:pPr>
               <a:r>
-                <a:rPr lang="de-DE" dirty="0" smtClean="0">
+                <a:rPr lang="de-DE" dirty="0">
                   <a:solidFill>
                     <a:schemeClr val="tx1"/>
                   </a:solidFill>
                 </a:rPr>
                 <a:t>Projektile</a:t>
               </a:r>
-              <a:endParaRPr lang="de-DE" dirty="0">
-                <a:solidFill>
-                  <a:schemeClr val="tx1"/>
-                </a:solidFill>
-              </a:endParaRPr>
             </a:p>
           </p:txBody>
         </p:sp>
@@ -9991,7 +10871,7 @@
             <p:cNvPr id="14" name="Rechteck 13">
               <a:extLst>
                 <a:ext uri="{FF2B5EF4-FFF2-40B4-BE49-F238E27FC236}">
-                  <a16:creationId xmlns:a16="http://schemas.microsoft.com/office/drawing/2014/main" xmlns="" id="{B2717A64-B61E-B44C-B23D-CB509FB519CA}"/>
+                  <a16:creationId xmlns:a16="http://schemas.microsoft.com/office/drawing/2014/main" id="{B2717A64-B61E-B44C-B23D-CB509FB519CA}"/>
                 </a:ext>
               </a:extLst>
             </p:cNvPr>
@@ -10034,18 +10914,13 @@
             <a:lstStyle/>
             <a:p>
               <a:r>
-                <a:rPr lang="de-DE" sz="1600" b="1" dirty="0" smtClean="0">
+                <a:rPr lang="de-DE" sz="1600" b="1" dirty="0">
                   <a:solidFill>
                     <a:schemeClr val="accent4"/>
                   </a:solidFill>
                 </a:rPr>
                 <a:t>Komplexe Probleme</a:t>
               </a:r>
-              <a:endParaRPr lang="de-DE" sz="1600" b="1" dirty="0">
-                <a:solidFill>
-                  <a:schemeClr val="accent4"/>
-                </a:solidFill>
-              </a:endParaRPr>
             </a:p>
           </p:txBody>
         </p:sp>
@@ -10107,7 +10982,7 @@
           <p:cNvPr id="4" name="Gruppieren 3">
             <a:extLst>
               <a:ext uri="{FF2B5EF4-FFF2-40B4-BE49-F238E27FC236}">
-                <a16:creationId xmlns:a16="http://schemas.microsoft.com/office/drawing/2014/main" xmlns="" id="{783A73D2-C025-644E-A194-3438D291D352}"/>
+                <a16:creationId xmlns:a16="http://schemas.microsoft.com/office/drawing/2014/main" id="{783A73D2-C025-644E-A194-3438D291D352}"/>
               </a:ext>
             </a:extLst>
           </p:cNvPr>
@@ -10127,7 +11002,7 @@
             <p:cNvPr id="5" name="Rechteck 4">
               <a:extLst>
                 <a:ext uri="{FF2B5EF4-FFF2-40B4-BE49-F238E27FC236}">
-                  <a16:creationId xmlns:a16="http://schemas.microsoft.com/office/drawing/2014/main" xmlns="" id="{4F68B8E9-417E-0141-AE27-E298ED29929C}"/>
+                  <a16:creationId xmlns:a16="http://schemas.microsoft.com/office/drawing/2014/main" id="{4F68B8E9-417E-0141-AE27-E298ED29929C}"/>
                 </a:ext>
               </a:extLst>
             </p:cNvPr>
@@ -10179,18 +11054,13 @@
                 <a:buChar char="•"/>
               </a:pPr>
               <a:r>
-                <a:rPr lang="de-DE" dirty="0" smtClean="0">
+                <a:rPr lang="de-DE" dirty="0">
                   <a:solidFill>
                     <a:schemeClr val="tx1"/>
                   </a:solidFill>
                 </a:rPr>
                 <a:t>Warnung vor Fehlern</a:t>
               </a:r>
-              <a:endParaRPr lang="de-DE" dirty="0">
-                <a:solidFill>
-                  <a:schemeClr val="tx1"/>
-                </a:solidFill>
-              </a:endParaRPr>
             </a:p>
             <a:p>
               <a:pPr marL="342900" indent="-342900">
@@ -10201,18 +11071,13 @@
                 <a:buChar char="•"/>
               </a:pPr>
               <a:r>
-                <a:rPr lang="de-DE" dirty="0" smtClean="0">
+                <a:rPr lang="de-DE" dirty="0">
                   <a:solidFill>
                     <a:schemeClr val="tx1"/>
                   </a:solidFill>
                 </a:rPr>
                 <a:t>Signale</a:t>
               </a:r>
-              <a:endParaRPr lang="de-DE" dirty="0">
-                <a:solidFill>
-                  <a:schemeClr val="tx1"/>
-                </a:solidFill>
-              </a:endParaRPr>
             </a:p>
             <a:p>
               <a:pPr marL="342900" indent="-342900">
@@ -10223,7 +11088,7 @@
                 <a:buChar char="•"/>
               </a:pPr>
               <a:r>
-                <a:rPr lang="de-DE" dirty="0" smtClean="0">
+                <a:rPr lang="de-DE" dirty="0">
                   <a:solidFill>
                     <a:schemeClr val="tx1"/>
                   </a:solidFill>
@@ -10238,7 +11103,7 @@
             <p:cNvPr id="6" name="Rechteck 5">
               <a:extLst>
                 <a:ext uri="{FF2B5EF4-FFF2-40B4-BE49-F238E27FC236}">
-                  <a16:creationId xmlns:a16="http://schemas.microsoft.com/office/drawing/2014/main" xmlns="" id="{B2717A64-B61E-B44C-B23D-CB509FB519CA}"/>
+                  <a16:creationId xmlns:a16="http://schemas.microsoft.com/office/drawing/2014/main" id="{B2717A64-B61E-B44C-B23D-CB509FB519CA}"/>
                 </a:ext>
               </a:extLst>
             </p:cNvPr>
@@ -10281,18 +11146,13 @@
             <a:lstStyle/>
             <a:p>
               <a:r>
-                <a:rPr lang="de-DE" sz="1600" b="1" dirty="0" smtClean="0">
+                <a:rPr lang="de-DE" sz="1600" b="1" dirty="0">
                   <a:solidFill>
                     <a:schemeClr val="accent4"/>
                   </a:solidFill>
                 </a:rPr>
                 <a:t>Aktivierung</a:t>
               </a:r>
-              <a:endParaRPr lang="de-DE" sz="1600" b="1" dirty="0">
-                <a:solidFill>
-                  <a:schemeClr val="accent4"/>
-                </a:solidFill>
-              </a:endParaRPr>
             </a:p>
           </p:txBody>
         </p:sp>
@@ -10302,7 +11162,7 @@
           <p:cNvPr id="7" name="Gruppieren 6">
             <a:extLst>
               <a:ext uri="{FF2B5EF4-FFF2-40B4-BE49-F238E27FC236}">
-                <a16:creationId xmlns:a16="http://schemas.microsoft.com/office/drawing/2014/main" xmlns="" id="{783A73D2-C025-644E-A194-3438D291D352}"/>
+                <a16:creationId xmlns:a16="http://schemas.microsoft.com/office/drawing/2014/main" id="{783A73D2-C025-644E-A194-3438D291D352}"/>
               </a:ext>
             </a:extLst>
           </p:cNvPr>
@@ -10322,7 +11182,7 @@
             <p:cNvPr id="8" name="Rechteck 7">
               <a:extLst>
                 <a:ext uri="{FF2B5EF4-FFF2-40B4-BE49-F238E27FC236}">
-                  <a16:creationId xmlns:a16="http://schemas.microsoft.com/office/drawing/2014/main" xmlns="" id="{4F68B8E9-417E-0141-AE27-E298ED29929C}"/>
+                  <a16:creationId xmlns:a16="http://schemas.microsoft.com/office/drawing/2014/main" id="{4F68B8E9-417E-0141-AE27-E298ED29929C}"/>
                 </a:ext>
               </a:extLst>
             </p:cNvPr>
@@ -10374,18 +11234,13 @@
                 <a:buChar char="•"/>
               </a:pPr>
               <a:r>
-                <a:rPr lang="de-DE" dirty="0" smtClean="0">
+                <a:rPr lang="de-DE" dirty="0">
                   <a:solidFill>
                     <a:schemeClr val="tx1"/>
                   </a:solidFill>
                 </a:rPr>
                 <a:t>Kennzeichnung</a:t>
               </a:r>
-              <a:endParaRPr lang="de-DE" dirty="0">
-                <a:solidFill>
-                  <a:schemeClr val="tx1"/>
-                </a:solidFill>
-              </a:endParaRPr>
             </a:p>
             <a:p>
               <a:pPr marL="342900" indent="-342900">
@@ -10396,18 +11251,13 @@
                 <a:buChar char="•"/>
               </a:pPr>
               <a:r>
-                <a:rPr lang="de-DE" dirty="0" smtClean="0">
+                <a:rPr lang="de-DE" dirty="0">
                   <a:solidFill>
                     <a:schemeClr val="tx1"/>
                   </a:solidFill>
                 </a:rPr>
                 <a:t>Erklärung</a:t>
               </a:r>
-              <a:endParaRPr lang="de-DE" dirty="0">
-                <a:solidFill>
-                  <a:schemeClr val="tx1"/>
-                </a:solidFill>
-              </a:endParaRPr>
             </a:p>
           </p:txBody>
         </p:sp>
@@ -10416,7 +11266,7 @@
             <p:cNvPr id="9" name="Rechteck 8">
               <a:extLst>
                 <a:ext uri="{FF2B5EF4-FFF2-40B4-BE49-F238E27FC236}">
-                  <a16:creationId xmlns:a16="http://schemas.microsoft.com/office/drawing/2014/main" xmlns="" id="{B2717A64-B61E-B44C-B23D-CB509FB519CA}"/>
+                  <a16:creationId xmlns:a16="http://schemas.microsoft.com/office/drawing/2014/main" id="{B2717A64-B61E-B44C-B23D-CB509FB519CA}"/>
                 </a:ext>
               </a:extLst>
             </p:cNvPr>
@@ -10459,18 +11309,13 @@
             <a:lstStyle/>
             <a:p>
               <a:r>
-                <a:rPr lang="de-DE" sz="1600" b="1" dirty="0" smtClean="0">
+                <a:rPr lang="de-DE" sz="1600" b="1" dirty="0">
                   <a:solidFill>
                     <a:schemeClr val="accent4"/>
                   </a:solidFill>
                 </a:rPr>
                 <a:t>Informationsintegration</a:t>
               </a:r>
-              <a:endParaRPr lang="de-DE" sz="1600" b="1" dirty="0">
-                <a:solidFill>
-                  <a:schemeClr val="accent4"/>
-                </a:solidFill>
-              </a:endParaRPr>
             </a:p>
           </p:txBody>
         </p:sp>
@@ -10480,7 +11325,7 @@
           <p:cNvPr id="10" name="Gruppieren 9">
             <a:extLst>
               <a:ext uri="{FF2B5EF4-FFF2-40B4-BE49-F238E27FC236}">
-                <a16:creationId xmlns:a16="http://schemas.microsoft.com/office/drawing/2014/main" xmlns="" id="{783A73D2-C025-644E-A194-3438D291D352}"/>
+                <a16:creationId xmlns:a16="http://schemas.microsoft.com/office/drawing/2014/main" id="{783A73D2-C025-644E-A194-3438D291D352}"/>
               </a:ext>
             </a:extLst>
           </p:cNvPr>
@@ -10500,7 +11345,7 @@
             <p:cNvPr id="11" name="Rechteck 10">
               <a:extLst>
                 <a:ext uri="{FF2B5EF4-FFF2-40B4-BE49-F238E27FC236}">
-                  <a16:creationId xmlns:a16="http://schemas.microsoft.com/office/drawing/2014/main" xmlns="" id="{4F68B8E9-417E-0141-AE27-E298ED29929C}"/>
+                  <a16:creationId xmlns:a16="http://schemas.microsoft.com/office/drawing/2014/main" id="{4F68B8E9-417E-0141-AE27-E298ED29929C}"/>
                 </a:ext>
               </a:extLst>
             </p:cNvPr>
@@ -10552,18 +11397,13 @@
                 <a:buChar char="•"/>
               </a:pPr>
               <a:r>
-                <a:rPr lang="de-DE" dirty="0" smtClean="0">
+                <a:rPr lang="de-DE" dirty="0">
                   <a:solidFill>
                     <a:schemeClr val="tx1"/>
                   </a:solidFill>
                 </a:rPr>
                 <a:t>Bereitstellung</a:t>
               </a:r>
-              <a:endParaRPr lang="de-DE" dirty="0">
-                <a:solidFill>
-                  <a:schemeClr val="tx1"/>
-                </a:solidFill>
-              </a:endParaRPr>
             </a:p>
             <a:p>
               <a:pPr marL="342900" indent="-342900">
@@ -10574,18 +11414,13 @@
                 <a:buChar char="•"/>
               </a:pPr>
               <a:r>
-                <a:rPr lang="de-DE" dirty="0" smtClean="0">
+                <a:rPr lang="de-DE" dirty="0">
                   <a:solidFill>
                     <a:schemeClr val="tx1"/>
                   </a:solidFill>
                 </a:rPr>
                 <a:t>Filter</a:t>
               </a:r>
-              <a:endParaRPr lang="de-DE" dirty="0">
-                <a:solidFill>
-                  <a:schemeClr val="tx1"/>
-                </a:solidFill>
-              </a:endParaRPr>
             </a:p>
             <a:p>
               <a:pPr marL="342900" indent="-342900">
@@ -10596,7 +11431,7 @@
                 <a:buChar char="•"/>
               </a:pPr>
               <a:r>
-                <a:rPr lang="de-DE" dirty="0" smtClean="0">
+                <a:rPr lang="de-DE" dirty="0">
                   <a:solidFill>
                     <a:schemeClr val="tx1"/>
                   </a:solidFill>
@@ -10613,14 +11448,14 @@
                 <a:buChar char="•"/>
               </a:pPr>
               <a:r>
-                <a:rPr lang="de-DE" dirty="0" err="1" smtClean="0">
+                <a:rPr lang="de-DE" dirty="0" err="1">
                   <a:solidFill>
                     <a:schemeClr val="tx1"/>
                   </a:solidFill>
                 </a:rPr>
                 <a:t>Deligieren</a:t>
               </a:r>
-              <a:endParaRPr lang="de-DE" dirty="0" smtClean="0">
+              <a:endParaRPr lang="de-DE" dirty="0">
                 <a:solidFill>
                   <a:schemeClr val="tx1"/>
                 </a:solidFill>
@@ -10633,7 +11468,7 @@
             <p:cNvPr id="12" name="Rechteck 11">
               <a:extLst>
                 <a:ext uri="{FF2B5EF4-FFF2-40B4-BE49-F238E27FC236}">
-                  <a16:creationId xmlns:a16="http://schemas.microsoft.com/office/drawing/2014/main" xmlns="" id="{B2717A64-B61E-B44C-B23D-CB509FB519CA}"/>
+                  <a16:creationId xmlns:a16="http://schemas.microsoft.com/office/drawing/2014/main" id="{B2717A64-B61E-B44C-B23D-CB509FB519CA}"/>
                 </a:ext>
               </a:extLst>
             </p:cNvPr>
@@ -10676,18 +11511,13 @@
             <a:lstStyle/>
             <a:p>
               <a:r>
-                <a:rPr lang="de-DE" sz="1600" b="1" dirty="0" smtClean="0">
+                <a:rPr lang="de-DE" sz="1600" b="1" dirty="0">
                   <a:solidFill>
                     <a:schemeClr val="accent4"/>
                   </a:solidFill>
                 </a:rPr>
                 <a:t>Entscheidung</a:t>
               </a:r>
-              <a:endParaRPr lang="de-DE" sz="1600" b="1" dirty="0">
-                <a:solidFill>
-                  <a:schemeClr val="accent4"/>
-                </a:solidFill>
-              </a:endParaRPr>
             </a:p>
           </p:txBody>
         </p:sp>
@@ -10697,7 +11527,7 @@
           <p:cNvPr id="13" name="Gruppieren 12">
             <a:extLst>
               <a:ext uri="{FF2B5EF4-FFF2-40B4-BE49-F238E27FC236}">
-                <a16:creationId xmlns:a16="http://schemas.microsoft.com/office/drawing/2014/main" xmlns="" id="{783A73D2-C025-644E-A194-3438D291D352}"/>
+                <a16:creationId xmlns:a16="http://schemas.microsoft.com/office/drawing/2014/main" id="{783A73D2-C025-644E-A194-3438D291D352}"/>
               </a:ext>
             </a:extLst>
           </p:cNvPr>
@@ -10717,7 +11547,7 @@
             <p:cNvPr id="14" name="Rechteck 13">
               <a:extLst>
                 <a:ext uri="{FF2B5EF4-FFF2-40B4-BE49-F238E27FC236}">
-                  <a16:creationId xmlns:a16="http://schemas.microsoft.com/office/drawing/2014/main" xmlns="" id="{4F68B8E9-417E-0141-AE27-E298ED29929C}"/>
+                  <a16:creationId xmlns:a16="http://schemas.microsoft.com/office/drawing/2014/main" id="{4F68B8E9-417E-0141-AE27-E298ED29929C}"/>
                 </a:ext>
               </a:extLst>
             </p:cNvPr>
@@ -10769,7 +11599,7 @@
                 <a:buChar char="•"/>
               </a:pPr>
               <a:r>
-                <a:rPr lang="de-DE" dirty="0" smtClean="0">
+                <a:rPr lang="de-DE" dirty="0">
                   <a:solidFill>
                     <a:schemeClr val="tx1"/>
                   </a:solidFill>
@@ -10786,7 +11616,7 @@
                 <a:buChar char="•"/>
               </a:pPr>
               <a:r>
-                <a:rPr lang="de-DE" dirty="0" smtClean="0">
+                <a:rPr lang="de-DE" dirty="0">
                   <a:solidFill>
                     <a:schemeClr val="tx1"/>
                   </a:solidFill>
@@ -10803,7 +11633,7 @@
                 <a:buChar char="•"/>
               </a:pPr>
               <a:r>
-                <a:rPr lang="de-DE" dirty="0" smtClean="0">
+                <a:rPr lang="de-DE" dirty="0">
                   <a:solidFill>
                     <a:schemeClr val="tx1"/>
                   </a:solidFill>
@@ -10820,7 +11650,7 @@
                 <a:buChar char="•"/>
               </a:pPr>
               <a:r>
-                <a:rPr lang="de-DE" dirty="0" smtClean="0">
+                <a:rPr lang="de-DE" dirty="0">
                   <a:solidFill>
                     <a:schemeClr val="tx1"/>
                   </a:solidFill>
@@ -10837,7 +11667,7 @@
                 <a:buChar char="•"/>
               </a:pPr>
               <a:r>
-                <a:rPr lang="de-DE" dirty="0" smtClean="0">
+                <a:rPr lang="de-DE" dirty="0">
                   <a:solidFill>
                     <a:schemeClr val="tx1"/>
                   </a:solidFill>
@@ -10854,18 +11684,13 @@
                 <a:buChar char="•"/>
               </a:pPr>
               <a:r>
-                <a:rPr lang="de-DE" dirty="0" smtClean="0">
+                <a:rPr lang="de-DE" dirty="0">
                   <a:solidFill>
                     <a:schemeClr val="tx1"/>
                   </a:solidFill>
                 </a:rPr>
                 <a:t>Eigenschaften der Ein- und Ausgabegeräte</a:t>
               </a:r>
-              <a:endParaRPr lang="de-DE" dirty="0" smtClean="0">
-                <a:solidFill>
-                  <a:schemeClr val="tx1"/>
-                </a:solidFill>
-              </a:endParaRPr>
             </a:p>
           </p:txBody>
         </p:sp>
@@ -10874,7 +11699,7 @@
             <p:cNvPr id="15" name="Rechteck 14">
               <a:extLst>
                 <a:ext uri="{FF2B5EF4-FFF2-40B4-BE49-F238E27FC236}">
-                  <a16:creationId xmlns:a16="http://schemas.microsoft.com/office/drawing/2014/main" xmlns="" id="{B2717A64-B61E-B44C-B23D-CB509FB519CA}"/>
+                  <a16:creationId xmlns:a16="http://schemas.microsoft.com/office/drawing/2014/main" id="{B2717A64-B61E-B44C-B23D-CB509FB519CA}"/>
                 </a:ext>
               </a:extLst>
             </p:cNvPr>
@@ -10917,18 +11742,13 @@
             <a:lstStyle/>
             <a:p>
               <a:r>
-                <a:rPr lang="de-DE" sz="1600" b="1" dirty="0" smtClean="0">
+                <a:rPr lang="de-DE" sz="1600" b="1" dirty="0">
                   <a:solidFill>
                     <a:schemeClr val="accent4"/>
                   </a:solidFill>
                 </a:rPr>
                 <a:t>Veränderliche Eigenschaften</a:t>
               </a:r>
-              <a:endParaRPr lang="de-DE" sz="1600" b="1" dirty="0">
-                <a:solidFill>
-                  <a:schemeClr val="accent4"/>
-                </a:solidFill>
-              </a:endParaRPr>
             </a:p>
           </p:txBody>
         </p:sp>
@@ -10938,7 +11758,7 @@
           <p:cNvPr id="16" name="Gruppieren 15">
             <a:extLst>
               <a:ext uri="{FF2B5EF4-FFF2-40B4-BE49-F238E27FC236}">
-                <a16:creationId xmlns:a16="http://schemas.microsoft.com/office/drawing/2014/main" xmlns="" id="{783A73D2-C025-644E-A194-3438D291D352}"/>
+                <a16:creationId xmlns:a16="http://schemas.microsoft.com/office/drawing/2014/main" id="{783A73D2-C025-644E-A194-3438D291D352}"/>
               </a:ext>
             </a:extLst>
           </p:cNvPr>
@@ -10958,7 +11778,7 @@
             <p:cNvPr id="17" name="Rechteck 16">
               <a:extLst>
                 <a:ext uri="{FF2B5EF4-FFF2-40B4-BE49-F238E27FC236}">
-                  <a16:creationId xmlns:a16="http://schemas.microsoft.com/office/drawing/2014/main" xmlns="" id="{4F68B8E9-417E-0141-AE27-E298ED29929C}"/>
+                  <a16:creationId xmlns:a16="http://schemas.microsoft.com/office/drawing/2014/main" id="{4F68B8E9-417E-0141-AE27-E298ED29929C}"/>
                 </a:ext>
               </a:extLst>
             </p:cNvPr>
@@ -11010,7 +11830,7 @@
                 <a:buChar char="•"/>
               </a:pPr>
               <a:r>
-                <a:rPr lang="de-DE" dirty="0" smtClean="0">
+                <a:rPr lang="de-DE" dirty="0">
                   <a:solidFill>
                     <a:schemeClr val="tx1"/>
                   </a:solidFill>
@@ -11027,7 +11847,7 @@
                 <a:buChar char="•"/>
               </a:pPr>
               <a:r>
-                <a:rPr lang="de-DE" dirty="0" smtClean="0">
+                <a:rPr lang="de-DE" dirty="0">
                   <a:solidFill>
                     <a:schemeClr val="tx1"/>
                   </a:solidFill>
@@ -11044,7 +11864,7 @@
                 <a:buChar char="•"/>
               </a:pPr>
               <a:r>
-                <a:rPr lang="de-DE" dirty="0" smtClean="0">
+                <a:rPr lang="de-DE" dirty="0">
                   <a:solidFill>
                     <a:schemeClr val="tx1"/>
                   </a:solidFill>
@@ -11061,7 +11881,7 @@
                 <a:buChar char="•"/>
               </a:pPr>
               <a:r>
-                <a:rPr lang="de-DE" dirty="0" smtClean="0">
+                <a:rPr lang="de-DE" dirty="0">
                   <a:solidFill>
                     <a:schemeClr val="tx1"/>
                   </a:solidFill>
@@ -11078,7 +11898,7 @@
                 <a:buChar char="•"/>
               </a:pPr>
               <a:r>
-                <a:rPr lang="de-DE" dirty="0" smtClean="0">
+                <a:rPr lang="de-DE" dirty="0">
                   <a:solidFill>
                     <a:schemeClr val="tx1"/>
                   </a:solidFill>
@@ -11093,7 +11913,7 @@
             <p:cNvPr id="18" name="Rechteck 17">
               <a:extLst>
                 <a:ext uri="{FF2B5EF4-FFF2-40B4-BE49-F238E27FC236}">
-                  <a16:creationId xmlns:a16="http://schemas.microsoft.com/office/drawing/2014/main" xmlns="" id="{B2717A64-B61E-B44C-B23D-CB509FB519CA}"/>
+                  <a16:creationId xmlns:a16="http://schemas.microsoft.com/office/drawing/2014/main" id="{B2717A64-B61E-B44C-B23D-CB509FB519CA}"/>
                 </a:ext>
               </a:extLst>
             </p:cNvPr>
@@ -11136,18 +11956,13 @@
             <a:lstStyle/>
             <a:p>
               <a:r>
-                <a:rPr lang="de-DE" sz="1600" b="1" dirty="0" smtClean="0">
+                <a:rPr lang="de-DE" sz="1600" b="1" dirty="0">
                   <a:solidFill>
                     <a:schemeClr val="accent4"/>
                   </a:solidFill>
                 </a:rPr>
                 <a:t>Individualisierung bei</a:t>
               </a:r>
-              <a:endParaRPr lang="de-DE" sz="1600" b="1" dirty="0">
-                <a:solidFill>
-                  <a:schemeClr val="accent4"/>
-                </a:solidFill>
-              </a:endParaRPr>
             </a:p>
           </p:txBody>
         </p:sp>
@@ -11199,15 +12014,7 @@
           <a:p>
             <a:r>
               <a:rPr lang="de-DE" dirty="0"/>
-              <a:t>Was für Informationen stellt die modulare </a:t>
-            </a:r>
-            <a:r>
-              <a:rPr lang="de-DE" dirty="0" smtClean="0"/>
-              <a:t>Anlage und die PFE </a:t>
-            </a:r>
-            <a:r>
-              <a:rPr lang="de-DE" dirty="0"/>
-              <a:t>zur Verfügung?</a:t>
+              <a:t>Was für Informationen stellt die modulare Anlage und die PFE zur Verfügung?</a:t>
             </a:r>
           </a:p>
         </p:txBody>
@@ -11217,7 +12024,7 @@
           <p:cNvPr id="4" name="Gruppieren 3">
             <a:extLst>
               <a:ext uri="{FF2B5EF4-FFF2-40B4-BE49-F238E27FC236}">
-                <a16:creationId xmlns:a16="http://schemas.microsoft.com/office/drawing/2014/main" xmlns="" id="{783A73D2-C025-644E-A194-3438D291D352}"/>
+                <a16:creationId xmlns:a16="http://schemas.microsoft.com/office/drawing/2014/main" id="{783A73D2-C025-644E-A194-3438D291D352}"/>
               </a:ext>
             </a:extLst>
           </p:cNvPr>
@@ -11237,7 +12044,7 @@
             <p:cNvPr id="5" name="Rechteck 4">
               <a:extLst>
                 <a:ext uri="{FF2B5EF4-FFF2-40B4-BE49-F238E27FC236}">
-                  <a16:creationId xmlns:a16="http://schemas.microsoft.com/office/drawing/2014/main" xmlns="" id="{4F68B8E9-417E-0141-AE27-E298ED29929C}"/>
+                  <a16:creationId xmlns:a16="http://schemas.microsoft.com/office/drawing/2014/main" id="{4F68B8E9-417E-0141-AE27-E298ED29929C}"/>
                 </a:ext>
               </a:extLst>
             </p:cNvPr>
@@ -11289,7 +12096,7 @@
                 <a:buChar char="•"/>
               </a:pPr>
               <a:r>
-                <a:rPr lang="de-DE" dirty="0" smtClean="0">
+                <a:rPr lang="de-DE" dirty="0">
                   <a:solidFill>
                     <a:schemeClr val="tx1"/>
                   </a:solidFill>
@@ -11306,18 +12113,13 @@
                 <a:buChar char="•"/>
               </a:pPr>
               <a:r>
-                <a:rPr lang="de-DE" dirty="0" smtClean="0">
+                <a:rPr lang="de-DE" dirty="0">
                   <a:solidFill>
                     <a:schemeClr val="tx1"/>
                   </a:solidFill>
                 </a:rPr>
                 <a:t>Rückmeldung bei Fehlfunktion</a:t>
               </a:r>
-              <a:endParaRPr lang="de-DE" dirty="0" smtClean="0">
-                <a:solidFill>
-                  <a:schemeClr val="tx1"/>
-                </a:solidFill>
-              </a:endParaRPr>
             </a:p>
             <a:p>
               <a:pPr marL="342900" indent="-342900">
@@ -11328,7 +12130,7 @@
                 <a:buChar char="•"/>
               </a:pPr>
               <a:r>
-                <a:rPr lang="de-DE" dirty="0" smtClean="0">
+                <a:rPr lang="de-DE" dirty="0">
                   <a:solidFill>
                     <a:schemeClr val="tx1"/>
                   </a:solidFill>
@@ -11345,7 +12147,7 @@
                 <a:buChar char="•"/>
               </a:pPr>
               <a:r>
-                <a:rPr lang="de-DE" dirty="0" smtClean="0">
+                <a:rPr lang="de-DE" dirty="0">
                   <a:solidFill>
                     <a:schemeClr val="tx1"/>
                   </a:solidFill>
@@ -11362,14 +12164,14 @@
                 <a:buChar char="•"/>
               </a:pPr>
               <a:r>
-                <a:rPr lang="de-DE" dirty="0" err="1" smtClean="0">
+                <a:rPr lang="de-DE" dirty="0" err="1">
                   <a:solidFill>
                     <a:schemeClr val="tx1"/>
                   </a:solidFill>
                 </a:rPr>
                 <a:t>Konfig</a:t>
               </a:r>
-              <a:endParaRPr lang="de-DE" dirty="0" smtClean="0">
+              <a:endParaRPr lang="de-DE" dirty="0">
                 <a:solidFill>
                   <a:schemeClr val="tx1"/>
                 </a:solidFill>
@@ -11384,7 +12186,7 @@
                 <a:buChar char="•"/>
               </a:pPr>
               <a:r>
-                <a:rPr lang="de-DE" dirty="0" smtClean="0">
+                <a:rPr lang="de-DE" dirty="0">
                   <a:solidFill>
                     <a:schemeClr val="tx1"/>
                   </a:solidFill>
@@ -11401,7 +12203,7 @@
                 <a:buChar char="•"/>
               </a:pPr>
               <a:r>
-                <a:rPr lang="de-DE" dirty="0" smtClean="0">
+                <a:rPr lang="de-DE" dirty="0">
                   <a:solidFill>
                     <a:schemeClr val="tx1"/>
                   </a:solidFill>
@@ -11418,18 +12220,13 @@
                 <a:buChar char="•"/>
               </a:pPr>
               <a:r>
-                <a:rPr lang="de-DE" dirty="0" smtClean="0">
+                <a:rPr lang="de-DE" dirty="0">
                   <a:solidFill>
                     <a:schemeClr val="tx1"/>
                   </a:solidFill>
                 </a:rPr>
                 <a:t>Report</a:t>
               </a:r>
-              <a:endParaRPr lang="de-DE" dirty="0" smtClean="0">
-                <a:solidFill>
-                  <a:schemeClr val="tx1"/>
-                </a:solidFill>
-              </a:endParaRPr>
             </a:p>
           </p:txBody>
         </p:sp>
@@ -11438,7 +12235,7 @@
             <p:cNvPr id="6" name="Rechteck 5">
               <a:extLst>
                 <a:ext uri="{FF2B5EF4-FFF2-40B4-BE49-F238E27FC236}">
-                  <a16:creationId xmlns:a16="http://schemas.microsoft.com/office/drawing/2014/main" xmlns="" id="{B2717A64-B61E-B44C-B23D-CB509FB519CA}"/>
+                  <a16:creationId xmlns:a16="http://schemas.microsoft.com/office/drawing/2014/main" id="{B2717A64-B61E-B44C-B23D-CB509FB519CA}"/>
                 </a:ext>
               </a:extLst>
             </p:cNvPr>
@@ -11481,18 +12278,13 @@
             <a:lstStyle/>
             <a:p>
               <a:r>
-                <a:rPr lang="de-DE" sz="1600" b="1" dirty="0" smtClean="0">
+                <a:rPr lang="de-DE" sz="1600" b="1" dirty="0">
                   <a:solidFill>
                     <a:schemeClr val="accent4"/>
                   </a:solidFill>
                 </a:rPr>
                 <a:t>Modulare Anlage</a:t>
               </a:r>
-              <a:endParaRPr lang="de-DE" sz="1600" b="1" dirty="0">
-                <a:solidFill>
-                  <a:schemeClr val="accent4"/>
-                </a:solidFill>
-              </a:endParaRPr>
             </a:p>
           </p:txBody>
         </p:sp>
@@ -11502,7 +12294,7 @@
           <p:cNvPr id="7" name="Gruppieren 6">
             <a:extLst>
               <a:ext uri="{FF2B5EF4-FFF2-40B4-BE49-F238E27FC236}">
-                <a16:creationId xmlns:a16="http://schemas.microsoft.com/office/drawing/2014/main" xmlns="" id="{783A73D2-C025-644E-A194-3438D291D352}"/>
+                <a16:creationId xmlns:a16="http://schemas.microsoft.com/office/drawing/2014/main" id="{783A73D2-C025-644E-A194-3438D291D352}"/>
               </a:ext>
             </a:extLst>
           </p:cNvPr>
@@ -11522,7 +12314,7 @@
             <p:cNvPr id="8" name="Rechteck 7">
               <a:extLst>
                 <a:ext uri="{FF2B5EF4-FFF2-40B4-BE49-F238E27FC236}">
-                  <a16:creationId xmlns:a16="http://schemas.microsoft.com/office/drawing/2014/main" xmlns="" id="{4F68B8E9-417E-0141-AE27-E298ED29929C}"/>
+                  <a16:creationId xmlns:a16="http://schemas.microsoft.com/office/drawing/2014/main" id="{4F68B8E9-417E-0141-AE27-E298ED29929C}"/>
                 </a:ext>
               </a:extLst>
             </p:cNvPr>
@@ -11574,7 +12366,7 @@
                 <a:buChar char="•"/>
               </a:pPr>
               <a:r>
-                <a:rPr lang="de-DE" dirty="0" smtClean="0">
+                <a:rPr lang="de-DE" dirty="0">
                   <a:solidFill>
                     <a:schemeClr val="tx1"/>
                   </a:solidFill>
@@ -11591,7 +12383,7 @@
                 <a:buChar char="•"/>
               </a:pPr>
               <a:r>
-                <a:rPr lang="de-DE" dirty="0" smtClean="0">
+                <a:rPr lang="de-DE" dirty="0">
                   <a:solidFill>
                     <a:schemeClr val="tx1"/>
                   </a:solidFill>
@@ -11608,7 +12400,7 @@
                 <a:buChar char="•"/>
               </a:pPr>
               <a:r>
-                <a:rPr lang="de-DE" dirty="0" smtClean="0">
+                <a:rPr lang="de-DE" dirty="0">
                   <a:solidFill>
                     <a:schemeClr val="tx1"/>
                   </a:solidFill>
@@ -11625,7 +12417,7 @@
                 <a:buChar char="•"/>
               </a:pPr>
               <a:r>
-                <a:rPr lang="de-DE" dirty="0" smtClean="0">
+                <a:rPr lang="de-DE" dirty="0">
                   <a:solidFill>
                     <a:schemeClr val="tx1"/>
                   </a:solidFill>
@@ -11642,7 +12434,7 @@
                 <a:buChar char="•"/>
               </a:pPr>
               <a:r>
-                <a:rPr lang="de-DE" dirty="0" smtClean="0">
+                <a:rPr lang="de-DE" dirty="0">
                   <a:solidFill>
                     <a:schemeClr val="tx1"/>
                   </a:solidFill>
@@ -11659,7 +12451,7 @@
                 <a:buChar char="•"/>
               </a:pPr>
               <a:r>
-                <a:rPr lang="de-DE" dirty="0" smtClean="0">
+                <a:rPr lang="de-DE" dirty="0">
                   <a:solidFill>
                     <a:schemeClr val="tx1"/>
                   </a:solidFill>
@@ -11676,7 +12468,7 @@
                 <a:buChar char="•"/>
               </a:pPr>
               <a:r>
-                <a:rPr lang="de-DE" dirty="0" smtClean="0">
+                <a:rPr lang="de-DE" dirty="0">
                   <a:solidFill>
                     <a:schemeClr val="tx1"/>
                   </a:solidFill>
@@ -11691,7 +12483,7 @@
             <p:cNvPr id="9" name="Rechteck 8">
               <a:extLst>
                 <a:ext uri="{FF2B5EF4-FFF2-40B4-BE49-F238E27FC236}">
-                  <a16:creationId xmlns:a16="http://schemas.microsoft.com/office/drawing/2014/main" xmlns="" id="{B2717A64-B61E-B44C-B23D-CB509FB519CA}"/>
+                  <a16:creationId xmlns:a16="http://schemas.microsoft.com/office/drawing/2014/main" id="{B2717A64-B61E-B44C-B23D-CB509FB519CA}"/>
                 </a:ext>
               </a:extLst>
             </p:cNvPr>
@@ -11734,18 +12526,13 @@
             <a:lstStyle/>
             <a:p>
               <a:r>
-                <a:rPr lang="de-DE" sz="1600" b="1" dirty="0" smtClean="0">
+                <a:rPr lang="de-DE" sz="1600" b="1" dirty="0">
                   <a:solidFill>
                     <a:schemeClr val="accent4"/>
                   </a:solidFill>
                 </a:rPr>
                 <a:t>PFE</a:t>
               </a:r>
-              <a:endParaRPr lang="de-DE" sz="1600" b="1" dirty="0">
-                <a:solidFill>
-                  <a:schemeClr val="accent4"/>
-                </a:solidFill>
-              </a:endParaRPr>
             </a:p>
           </p:txBody>
         </p:sp>
@@ -11812,7 +12599,7 @@
             <p:ph sz="quarter" idx="10"/>
             <p:extLst>
               <p:ext uri="{D42A27DB-BD31-4B8C-83A1-F6EECF244321}">
-                <p14:modId xmlns:p14="http://schemas.microsoft.com/office/powerpoint/2010/main" val="2861823316"/>
+                <p14:modId xmlns:p14="http://schemas.microsoft.com/office/powerpoint/2010/main" val="2595295453"/>
               </p:ext>
             </p:extLst>
           </p:nvPr>
@@ -11828,9 +12615,27 @@
                 <a:tableStyleId>{5C22544A-7EE6-4342-B048-85BDC9FD1C3A}</a:tableStyleId>
               </a:tblPr>
               <a:tblGrid>
-                <a:gridCol w="2794176"/>
-                <a:gridCol w="3736622"/>
-                <a:gridCol w="4049890"/>
+                <a:gridCol w="2794176">
+                  <a:extLst>
+                    <a:ext uri="{9D8B030D-6E8A-4147-A177-3AD203B41FA5}">
+                      <a16:colId xmlns:a16="http://schemas.microsoft.com/office/drawing/2014/main" val="20000"/>
+                    </a:ext>
+                  </a:extLst>
+                </a:gridCol>
+                <a:gridCol w="3736622">
+                  <a:extLst>
+                    <a:ext uri="{9D8B030D-6E8A-4147-A177-3AD203B41FA5}">
+                      <a16:colId xmlns:a16="http://schemas.microsoft.com/office/drawing/2014/main" val="20001"/>
+                    </a:ext>
+                  </a:extLst>
+                </a:gridCol>
+                <a:gridCol w="4049890">
+                  <a:extLst>
+                    <a:ext uri="{9D8B030D-6E8A-4147-A177-3AD203B41FA5}">
+                      <a16:colId xmlns:a16="http://schemas.microsoft.com/office/drawing/2014/main" val="20002"/>
+                    </a:ext>
+                  </a:extLst>
+                </a:gridCol>
               </a:tblGrid>
               <a:tr h="683152">
                 <a:tc>
@@ -11839,7 +12644,7 @@
                     <a:lstStyle/>
                     <a:p>
                       <a:r>
-                        <a:rPr lang="de-DE" dirty="0" smtClean="0">
+                        <a:rPr lang="de-DE" dirty="0">
                           <a:ln>
                             <a:noFill/>
                           </a:ln>
@@ -11849,14 +12654,6 @@
                         </a:rPr>
                         <a:t>Ebenen eines Unternehmens</a:t>
                       </a:r>
-                      <a:endParaRPr lang="de-DE" dirty="0">
-                        <a:ln>
-                          <a:noFill/>
-                        </a:ln>
-                        <a:solidFill>
-                          <a:schemeClr val="tx1"/>
-                        </a:solidFill>
-                      </a:endParaRPr>
                     </a:p>
                   </a:txBody>
                   <a:tcPr>
@@ -11901,7 +12698,7 @@
                     <a:lstStyle/>
                     <a:p>
                       <a:r>
-                        <a:rPr lang="de-DE" dirty="0" smtClean="0">
+                        <a:rPr lang="de-DE" dirty="0">
                           <a:ln>
                             <a:noFill/>
                           </a:ln>
@@ -11911,14 +12708,6 @@
                         </a:rPr>
                         <a:t>Zeitliche Anforderungen</a:t>
                       </a:r>
-                      <a:endParaRPr lang="de-DE" dirty="0">
-                        <a:ln>
-                          <a:noFill/>
-                        </a:ln>
-                        <a:solidFill>
-                          <a:schemeClr val="tx1"/>
-                        </a:solidFill>
-                      </a:endParaRPr>
                     </a:p>
                   </a:txBody>
                   <a:tcPr>
@@ -11965,7 +12754,7 @@
                     <a:lstStyle/>
                     <a:p>
                       <a:r>
-                        <a:rPr lang="de-DE" dirty="0" smtClean="0">
+                        <a:rPr lang="de-DE" dirty="0">
                           <a:ln>
                             <a:noFill/>
                           </a:ln>
@@ -11975,14 +12764,6 @@
                         </a:rPr>
                         <a:t>Automatisierungsfunktionen</a:t>
                       </a:r>
-                      <a:endParaRPr lang="de-DE" dirty="0">
-                        <a:ln>
-                          <a:noFill/>
-                        </a:ln>
-                        <a:solidFill>
-                          <a:schemeClr val="tx1"/>
-                        </a:solidFill>
-                      </a:endParaRPr>
                     </a:p>
                   </a:txBody>
                   <a:tcPr>
@@ -12021,6 +12802,11 @@
                     <a:noFill/>
                   </a:tcPr>
                 </a:tc>
+                <a:extLst>
+                  <a:ext uri="{0D108BD9-81ED-4DB2-BD59-A6C34878D82A}">
+                    <a16:rowId xmlns:a16="http://schemas.microsoft.com/office/drawing/2014/main" val="10000"/>
+                  </a:ext>
+                </a:extLst>
               </a:tr>
               <a:tr h="766550">
                 <a:tc>
@@ -12029,10 +12815,9 @@
                     <a:lstStyle/>
                     <a:p>
                       <a:r>
-                        <a:rPr lang="de-DE" dirty="0" smtClean="0"/>
+                        <a:rPr lang="de-DE" dirty="0"/>
                         <a:t>Unternehmensführung</a:t>
                       </a:r>
-                      <a:endParaRPr lang="de-DE" dirty="0"/>
                     </a:p>
                   </a:txBody>
                   <a:tcPr>
@@ -12079,10 +12864,9 @@
                     <a:lstStyle/>
                     <a:p>
                       <a:r>
-                        <a:rPr lang="de-DE" dirty="0" smtClean="0"/>
-                        <a:t>Monate, Jahre (Jahreskalender)</a:t>
+                        <a:rPr lang="de-DE" dirty="0"/>
+                        <a:t>                      Monate, Jahre</a:t>
                       </a:r>
-                      <a:endParaRPr lang="de-DE" dirty="0"/>
                     </a:p>
                   </a:txBody>
                   <a:tcPr>
@@ -12131,10 +12915,9 @@
                     <a:lstStyle/>
                     <a:p>
                       <a:r>
-                        <a:rPr lang="de-DE" dirty="0" smtClean="0"/>
+                        <a:rPr lang="de-DE" dirty="0"/>
                         <a:t>Kostenanalysen, statistische Auswertungen</a:t>
                       </a:r>
-                      <a:endParaRPr lang="de-DE" dirty="0"/>
                     </a:p>
                   </a:txBody>
                   <a:tcPr>
@@ -12175,6 +12958,11 @@
                     <a:noFill/>
                   </a:tcPr>
                 </a:tc>
+                <a:extLst>
+                  <a:ext uri="{0D108BD9-81ED-4DB2-BD59-A6C34878D82A}">
+                    <a16:rowId xmlns:a16="http://schemas.microsoft.com/office/drawing/2014/main" val="10001"/>
+                  </a:ext>
+                </a:extLst>
               </a:tr>
               <a:tr h="766550">
                 <a:tc>
@@ -12183,11 +12971,11 @@
                     <a:lstStyle/>
                     <a:p>
                       <a:r>
-                        <a:rPr lang="de-DE" dirty="0" smtClean="0"/>
+                        <a:rPr lang="de-DE" dirty="0"/>
                         <a:t>Produktionsplanung</a:t>
                       </a:r>
                       <a:r>
-                        <a:rPr lang="de-DE" baseline="0" dirty="0" smtClean="0"/>
+                        <a:rPr lang="de-DE" baseline="0" dirty="0"/>
                         <a:t> und Betriebsleitung</a:t>
                       </a:r>
                       <a:endParaRPr lang="de-DE" dirty="0"/>
@@ -12237,10 +13025,9 @@
                     <a:lstStyle/>
                     <a:p>
                       <a:r>
-                        <a:rPr lang="de-DE" dirty="0" smtClean="0"/>
+                        <a:rPr lang="de-DE" dirty="0"/>
                         <a:t>Monate, Wochen, Tage (Monatsübersicht)</a:t>
                       </a:r>
-                      <a:endParaRPr lang="de-DE" dirty="0"/>
                     </a:p>
                   </a:txBody>
                   <a:tcPr>
@@ -12289,10 +13076,21 @@
                     <a:lstStyle/>
                     <a:p>
                       <a:r>
-                        <a:rPr lang="de-DE" dirty="0" smtClean="0"/>
-                        <a:t>Betriebsablaufplanung, Kapazitätsoptimierung, Auswertung der Prozessergebnisse</a:t>
+                        <a:rPr lang="de-DE" dirty="0"/>
+                        <a:t>Betriebsablaufplanung, </a:t>
                       </a:r>
-                      <a:endParaRPr lang="de-DE" dirty="0"/>
+                      <a:r>
+                        <a:rPr lang="de-DE" dirty="0">
+                          <a:solidFill>
+                            <a:schemeClr val="accent4"/>
+                          </a:solidFill>
+                        </a:rPr>
+                        <a:t>Kapazitätsoptimierung</a:t>
+                      </a:r>
+                      <a:r>
+                        <a:rPr lang="de-DE" dirty="0"/>
+                        <a:t>, Auswertung der Prozessergebnisse</a:t>
+                      </a:r>
                     </a:p>
                   </a:txBody>
                   <a:tcPr>
@@ -12333,6 +13131,11 @@
                     <a:noFill/>
                   </a:tcPr>
                 </a:tc>
+                <a:extLst>
+                  <a:ext uri="{0D108BD9-81ED-4DB2-BD59-A6C34878D82A}">
+                    <a16:rowId xmlns:a16="http://schemas.microsoft.com/office/drawing/2014/main" val="10002"/>
+                  </a:ext>
+                </a:extLst>
               </a:tr>
               <a:tr h="766550">
                 <a:tc>
@@ -12341,10 +13144,9 @@
                     <a:lstStyle/>
                     <a:p>
                       <a:r>
-                        <a:rPr lang="de-DE" dirty="0" smtClean="0"/>
+                        <a:rPr lang="de-DE" dirty="0"/>
                         <a:t>Leitung technische Prozesse</a:t>
                       </a:r>
-                      <a:endParaRPr lang="de-DE" dirty="0"/>
                     </a:p>
                   </a:txBody>
                   <a:tcPr>
@@ -12391,11 +13193,11 @@
                     <a:lstStyle/>
                     <a:p>
                       <a:r>
-                        <a:rPr lang="de-DE" dirty="0" smtClean="0"/>
+                        <a:rPr lang="de-DE" dirty="0"/>
                         <a:t>Stunden,</a:t>
                       </a:r>
                       <a:r>
-                        <a:rPr lang="de-DE" baseline="0" dirty="0" smtClean="0"/>
+                        <a:rPr lang="de-DE" baseline="0" dirty="0"/>
                         <a:t> Minuten (Uhr)</a:t>
                       </a:r>
                       <a:endParaRPr lang="de-DE" dirty="0"/>
@@ -12447,12 +13249,24 @@
                     <a:lstStyle/>
                     <a:p>
                       <a:r>
-                        <a:rPr lang="de-DE" dirty="0" smtClean="0"/>
+                        <a:rPr lang="de-DE" dirty="0"/>
                         <a:t>Prozessüberwachung, An- und Abfahrten,</a:t>
                       </a:r>
                       <a:r>
-                        <a:rPr lang="de-DE" baseline="0" dirty="0" smtClean="0"/>
-                        <a:t> Störungsbehandlung, Prozessführung, Prozesssicherung</a:t>
+                        <a:rPr lang="de-DE" baseline="0" dirty="0"/>
+                        <a:t> </a:t>
+                      </a:r>
+                      <a:r>
+                        <a:rPr lang="de-DE" baseline="0" dirty="0">
+                          <a:solidFill>
+                            <a:schemeClr val="accent4"/>
+                          </a:solidFill>
+                        </a:rPr>
+                        <a:t>Störungsbehandlung</a:t>
+                      </a:r>
+                      <a:r>
+                        <a:rPr lang="de-DE" baseline="0" dirty="0"/>
+                        <a:t>, Prozessführung, Prozesssicherung</a:t>
                       </a:r>
                       <a:endParaRPr lang="de-DE" dirty="0"/>
                     </a:p>
@@ -12495,6 +13309,11 @@
                     <a:noFill/>
                   </a:tcPr>
                 </a:tc>
+                <a:extLst>
+                  <a:ext uri="{0D108BD9-81ED-4DB2-BD59-A6C34878D82A}">
+                    <a16:rowId xmlns:a16="http://schemas.microsoft.com/office/drawing/2014/main" val="10003"/>
+                  </a:ext>
+                </a:extLst>
               </a:tr>
               <a:tr h="766550">
                 <a:tc>
@@ -12503,10 +13322,9 @@
                     <a:lstStyle/>
                     <a:p>
                       <a:r>
-                        <a:rPr lang="de-DE" dirty="0" smtClean="0"/>
+                        <a:rPr lang="de-DE" dirty="0"/>
                         <a:t>Prozessgrößen</a:t>
                       </a:r>
-                      <a:endParaRPr lang="de-DE" dirty="0"/>
                     </a:p>
                   </a:txBody>
                   <a:tcPr>
@@ -12551,11 +13369,11 @@
                     <a:lstStyle/>
                     <a:p>
                       <a:r>
-                        <a:rPr lang="de-DE" dirty="0" smtClean="0"/>
+                        <a:rPr lang="de-DE" dirty="0"/>
                         <a:t>Sekunden, Millisekunden,</a:t>
                       </a:r>
                       <a:r>
-                        <a:rPr lang="de-DE" baseline="0" dirty="0" smtClean="0"/>
+                        <a:rPr lang="de-DE" baseline="0" dirty="0"/>
                         <a:t> Mikrosekunden (Stoppuhr)</a:t>
                       </a:r>
                       <a:endParaRPr lang="de-DE" dirty="0"/>
@@ -12605,14 +13423,38 @@
                     <a:lstStyle/>
                     <a:p>
                       <a:r>
-                        <a:rPr lang="de-DE" dirty="0" smtClean="0"/>
+                        <a:rPr lang="de-DE" dirty="0"/>
                         <a:t>Messen, Steuern,</a:t>
                       </a:r>
                       <a:r>
-                        <a:rPr lang="de-DE" baseline="0" dirty="0" smtClean="0"/>
-                        <a:t> Stellen, Regeln, Verriegelungen, Not-Bedienen von Prozessgrößen, Abschalten, Schutz</a:t>
+                        <a:rPr lang="de-DE" baseline="0" dirty="0"/>
+                        <a:t> Stellen, Regeln, Verriegelungen, Not-Bedienen von Prozessgrößen, </a:t>
                       </a:r>
-                      <a:endParaRPr lang="de-DE" dirty="0"/>
+                      <a:r>
+                        <a:rPr lang="de-DE" baseline="0" dirty="0">
+                          <a:solidFill>
+                            <a:schemeClr val="accent4"/>
+                          </a:solidFill>
+                        </a:rPr>
+                        <a:t>Abschalten</a:t>
+                      </a:r>
+                      <a:r>
+                        <a:rPr lang="de-DE" baseline="0" dirty="0"/>
+                        <a:t>, </a:t>
+                      </a:r>
+                      <a:r>
+                        <a:rPr lang="de-DE" baseline="0" dirty="0">
+                          <a:solidFill>
+                            <a:schemeClr val="accent4"/>
+                          </a:solidFill>
+                        </a:rPr>
+                        <a:t>Schutz</a:t>
+                      </a:r>
+                      <a:endParaRPr lang="de-DE" dirty="0">
+                        <a:solidFill>
+                          <a:schemeClr val="accent4"/>
+                        </a:solidFill>
+                      </a:endParaRPr>
                     </a:p>
                   </a:txBody>
                   <a:tcPr>
@@ -12651,11 +13493,52 @@
                     <a:noFill/>
                   </a:tcPr>
                 </a:tc>
+                <a:extLst>
+                  <a:ext uri="{0D108BD9-81ED-4DB2-BD59-A6C34878D82A}">
+                    <a16:rowId xmlns:a16="http://schemas.microsoft.com/office/drawing/2014/main" val="10004"/>
+                  </a:ext>
+                </a:extLst>
               </a:tr>
             </a:tbl>
           </a:graphicData>
         </a:graphic>
       </p:graphicFrame>
+      <p:pic>
+        <p:nvPicPr>
+          <p:cNvPr id="8" name="Grafik 7">
+            <a:extLst>
+              <a:ext uri="{FF2B5EF4-FFF2-40B4-BE49-F238E27FC236}">
+                <a16:creationId xmlns:a16="http://schemas.microsoft.com/office/drawing/2014/main" id="{A0D83B10-750B-6445-9B6E-0595A3D3107B}"/>
+              </a:ext>
+            </a:extLst>
+          </p:cNvPr>
+          <p:cNvPicPr>
+            <a:picLocks noChangeAspect="1"/>
+          </p:cNvPicPr>
+          <p:nvPr/>
+        </p:nvPicPr>
+        <p:blipFill>
+          <a:blip r:embed="rId3">
+            <a:extLst>
+              <a:ext uri="{28A0092B-C50C-407E-A947-70E740481C1C}">
+                <a14:useLocalDpi xmlns:a14="http://schemas.microsoft.com/office/drawing/2010/main" val="0"/>
+              </a:ext>
+            </a:extLst>
+          </a:blip>
+          <a:stretch>
+            <a:fillRect/>
+          </a:stretch>
+        </p:blipFill>
+        <p:spPr>
+          <a:xfrm>
+            <a:off x="3710118" y="2205800"/>
+            <a:ext cx="1212701" cy="694247"/>
+          </a:xfrm>
+          <a:prstGeom prst="rect">
+            <a:avLst/>
+          </a:prstGeom>
+        </p:spPr>
+      </p:pic>
     </p:spTree>
     <p:extLst>
       <p:ext uri="{BB962C8B-B14F-4D97-AF65-F5344CB8AC3E}">
@@ -12720,7 +13603,13 @@
           <a:bodyPr/>
           <a:lstStyle/>
           <a:p>
-            <a:endParaRPr lang="de-DE"/>
+            <a:r>
+              <a:rPr lang="de-DE" dirty="0"/>
+              <a:t>Unternehmensziele</a:t>
+            </a:r>
+          </a:p>
+          <a:p>
+            <a:endParaRPr lang="de-DE" dirty="0"/>
           </a:p>
         </p:txBody>
       </p:sp>

--- a/Dokumente/Präsentationen/2019-04-29_DA_Feldkemper_Probeverteidigung.pptx
+++ b/Dokumente/Präsentationen/2019-04-29_DA_Feldkemper_Probeverteidigung.pptx
@@ -31,7 +31,7 @@
     <p:sldId id="331" r:id="rId19"/>
     <p:sldId id="344" r:id="rId20"/>
     <p:sldId id="343" r:id="rId21"/>
-    <p:sldId id="364" r:id="rId22"/>
+    <p:sldId id="366" r:id="rId22"/>
     <p:sldId id="348" r:id="rId23"/>
     <p:sldId id="349" r:id="rId24"/>
     <p:sldId id="350" r:id="rId25"/>
@@ -204,7 +204,7 @@
             <p14:sldId id="331"/>
             <p14:sldId id="344"/>
             <p14:sldId id="343"/>
-            <p14:sldId id="364"/>
+            <p14:sldId id="366"/>
           </p14:sldIdLst>
         </p14:section>
         <p14:section name="Backup: Prototyp Bilder" id="{11E1ABF5-BE9C-4ED3-BFED-F3FA90A74AB7}">
@@ -335,7 +335,7 @@
           <a:p>
             <a:fld id="{C6AC6211-610F-44E5-BF19-D3CDF6EDD281}" type="datetimeFigureOut">
               <a:rPr lang="de-DE" smtClean="0"/>
-              <a:t>11.04.2019</a:t>
+              <a:t>12.04.2019</a:t>
             </a:fld>
             <a:endParaRPr lang="de-DE"/>
           </a:p>
@@ -892,7 +892,7 @@
           <a:p>
             <a:fld id="{347435D3-23A6-45D3-8DFA-7317DC1E7A64}" type="datetimeFigureOut">
               <a:rPr lang="de-DE" smtClean="0"/>
-              <a:t>11.04.2019</a:t>
+              <a:t>12.04.2019</a:t>
             </a:fld>
             <a:endParaRPr lang="de-DE"/>
           </a:p>
@@ -1288,6 +1288,90 @@
           <a:bodyPr/>
           <a:lstStyle/>
           <a:p>
+            <a:endParaRPr lang="de-DE" dirty="0"/>
+          </a:p>
+        </p:txBody>
+      </p:sp>
+      <p:sp>
+        <p:nvSpPr>
+          <p:cNvPr id="4" name="Foliennummernplatzhalter 3"/>
+          <p:cNvSpPr>
+            <a:spLocks noGrp="1"/>
+          </p:cNvSpPr>
+          <p:nvPr>
+            <p:ph type="sldNum" sz="quarter" idx="10"/>
+          </p:nvPr>
+        </p:nvSpPr>
+        <p:spPr/>
+        <p:txBody>
+          <a:bodyPr/>
+          <a:lstStyle/>
+          <a:p>
+            <a:fld id="{2969AC09-DF60-43F4-96BF-67D4D9A74094}" type="slidenum">
+              <a:rPr lang="de-DE" smtClean="0"/>
+              <a:t>32</a:t>
+            </a:fld>
+            <a:endParaRPr lang="de-DE"/>
+          </a:p>
+        </p:txBody>
+      </p:sp>
+    </p:spTree>
+    <p:extLst>
+      <p:ext uri="{BB962C8B-B14F-4D97-AF65-F5344CB8AC3E}">
+        <p14:creationId xmlns:p14="http://schemas.microsoft.com/office/powerpoint/2010/main" val="1103939067"/>
+      </p:ext>
+    </p:extLst>
+  </p:cSld>
+  <p:clrMapOvr>
+    <a:masterClrMapping/>
+  </p:clrMapOvr>
+</p:notes>
+</file>
+
+<file path=ppt/notesSlides/notesSlide11.xml><?xml version="1.0" encoding="utf-8"?>
+<p:notes xmlns:a="http://schemas.openxmlformats.org/drawingml/2006/main" xmlns:r="http://schemas.openxmlformats.org/officeDocument/2006/relationships" xmlns:p="http://schemas.openxmlformats.org/presentationml/2006/main">
+  <p:cSld>
+    <p:spTree>
+      <p:nvGrpSpPr>
+        <p:cNvPr id="1" name=""/>
+        <p:cNvGrpSpPr/>
+        <p:nvPr/>
+      </p:nvGrpSpPr>
+      <p:grpSpPr>
+        <a:xfrm>
+          <a:off x="0" y="0"/>
+          <a:ext cx="0" cy="0"/>
+          <a:chOff x="0" y="0"/>
+          <a:chExt cx="0" cy="0"/>
+        </a:xfrm>
+      </p:grpSpPr>
+      <p:sp>
+        <p:nvSpPr>
+          <p:cNvPr id="2" name="Folienbildplatzhalter 1"/>
+          <p:cNvSpPr>
+            <a:spLocks noGrp="1" noRot="1" noChangeAspect="1"/>
+          </p:cNvSpPr>
+          <p:nvPr>
+            <p:ph type="sldImg"/>
+          </p:nvPr>
+        </p:nvSpPr>
+        <p:spPr/>
+      </p:sp>
+      <p:sp>
+        <p:nvSpPr>
+          <p:cNvPr id="3" name="Notizenplatzhalter 2"/>
+          <p:cNvSpPr>
+            <a:spLocks noGrp="1"/>
+          </p:cNvSpPr>
+          <p:nvPr>
+            <p:ph type="body" idx="1"/>
+          </p:nvPr>
+        </p:nvSpPr>
+        <p:spPr/>
+        <p:txBody>
+          <a:bodyPr/>
+          <a:lstStyle/>
+          <a:p>
             <a:r>
               <a:rPr lang="de-DE" dirty="0"/>
               <a:t>Wir wissen jetzt mit WAS Mensch und Maschine</a:t>
@@ -1352,7 +1436,7 @@
 </p:notes>
 </file>
 
-<file path=ppt/notesSlides/notesSlide11.xml><?xml version="1.0" encoding="utf-8"?>
+<file path=ppt/notesSlides/notesSlide12.xml><?xml version="1.0" encoding="utf-8"?>
 <p:notes xmlns:a="http://schemas.openxmlformats.org/drawingml/2006/main" xmlns:r="http://schemas.openxmlformats.org/officeDocument/2006/relationships" xmlns:p="http://schemas.openxmlformats.org/presentationml/2006/main">
   <p:cSld>
     <p:spTree>
@@ -1505,6 +1589,114 @@
           <a:lstStyle/>
           <a:p>
             <a:r>
+              <a:rPr lang="de-DE" dirty="0" smtClean="0"/>
+              <a:t>Was ist das genaue Problem des Produktionsmitarbeiters?</a:t>
+            </a:r>
+          </a:p>
+          <a:p>
+            <a:r>
+              <a:rPr lang="de-DE" dirty="0" smtClean="0"/>
+              <a:t>Höhere Flexibilität</a:t>
+            </a:r>
+          </a:p>
+          <a:p>
+            <a:r>
+              <a:rPr lang="de-DE" dirty="0" smtClean="0"/>
+              <a:t>hat Verantwortung, dass es funktioniert</a:t>
+            </a:r>
+          </a:p>
+          <a:p>
+            <a:r>
+              <a:rPr lang="de-DE" dirty="0" smtClean="0"/>
+              <a:t>Muss nach jedem Umbau bewerkstelligen, dass Produktion aufrecht erhalten bleibt</a:t>
+            </a:r>
+          </a:p>
+          <a:p>
+            <a:endParaRPr lang="de-DE" dirty="0"/>
+          </a:p>
+        </p:txBody>
+      </p:sp>
+      <p:sp>
+        <p:nvSpPr>
+          <p:cNvPr id="4" name="Foliennummernplatzhalter 3"/>
+          <p:cNvSpPr>
+            <a:spLocks noGrp="1"/>
+          </p:cNvSpPr>
+          <p:nvPr>
+            <p:ph type="sldNum" sz="quarter" idx="10"/>
+          </p:nvPr>
+        </p:nvSpPr>
+        <p:spPr/>
+        <p:txBody>
+          <a:bodyPr/>
+          <a:lstStyle/>
+          <a:p>
+            <a:fld id="{2969AC09-DF60-43F4-96BF-67D4D9A74094}" type="slidenum">
+              <a:rPr lang="de-DE" smtClean="0"/>
+              <a:t>3</a:t>
+            </a:fld>
+            <a:endParaRPr lang="de-DE"/>
+          </a:p>
+        </p:txBody>
+      </p:sp>
+    </p:spTree>
+    <p:extLst>
+      <p:ext uri="{BB962C8B-B14F-4D97-AF65-F5344CB8AC3E}">
+        <p14:creationId xmlns:p14="http://schemas.microsoft.com/office/powerpoint/2010/main" val="2231430487"/>
+      </p:ext>
+    </p:extLst>
+  </p:cSld>
+  <p:clrMapOvr>
+    <a:masterClrMapping/>
+  </p:clrMapOvr>
+</p:notes>
+</file>
+
+<file path=ppt/notesSlides/notesSlide3.xml><?xml version="1.0" encoding="utf-8"?>
+<p:notes xmlns:a="http://schemas.openxmlformats.org/drawingml/2006/main" xmlns:r="http://schemas.openxmlformats.org/officeDocument/2006/relationships" xmlns:p="http://schemas.openxmlformats.org/presentationml/2006/main">
+  <p:cSld>
+    <p:spTree>
+      <p:nvGrpSpPr>
+        <p:cNvPr id="1" name=""/>
+        <p:cNvGrpSpPr/>
+        <p:nvPr/>
+      </p:nvGrpSpPr>
+      <p:grpSpPr>
+        <a:xfrm>
+          <a:off x="0" y="0"/>
+          <a:ext cx="0" cy="0"/>
+          <a:chOff x="0" y="0"/>
+          <a:chExt cx="0" cy="0"/>
+        </a:xfrm>
+      </p:grpSpPr>
+      <p:sp>
+        <p:nvSpPr>
+          <p:cNvPr id="2" name="Folienbildplatzhalter 1"/>
+          <p:cNvSpPr>
+            <a:spLocks noGrp="1" noRot="1" noChangeAspect="1"/>
+          </p:cNvSpPr>
+          <p:nvPr>
+            <p:ph type="sldImg"/>
+          </p:nvPr>
+        </p:nvSpPr>
+        <p:spPr/>
+      </p:sp>
+      <p:sp>
+        <p:nvSpPr>
+          <p:cNvPr id="3" name="Notizenplatzhalter 2"/>
+          <p:cNvSpPr>
+            <a:spLocks noGrp="1"/>
+          </p:cNvSpPr>
+          <p:nvPr>
+            <p:ph type="body" idx="1"/>
+          </p:nvPr>
+        </p:nvSpPr>
+        <p:spPr/>
+        <p:txBody>
+          <a:bodyPr/>
+          <a:lstStyle/>
+          <a:p>
+            <a:r>
               <a:rPr lang="de-DE" dirty="0"/>
               <a:t>Wie kann dem Nutzer geholfen werden?</a:t>
             </a:r>
@@ -1589,7 +1781,7 @@
 </p:notes>
 </file>
 
-<file path=ppt/notesSlides/notesSlide3.xml><?xml version="1.0" encoding="utf-8"?>
+<file path=ppt/notesSlides/notesSlide4.xml><?xml version="1.0" encoding="utf-8"?>
 <p:notes xmlns:a="http://schemas.openxmlformats.org/drawingml/2006/main" xmlns:r="http://schemas.openxmlformats.org/officeDocument/2006/relationships" xmlns:p="http://schemas.openxmlformats.org/presentationml/2006/main">
   <p:cSld>
     <p:spTree>
@@ -1687,7 +1879,7 @@
 </p:notes>
 </file>
 
-<file path=ppt/notesSlides/notesSlide4.xml><?xml version="1.0" encoding="utf-8"?>
+<file path=ppt/notesSlides/notesSlide5.xml><?xml version="1.0" encoding="utf-8"?>
 <p:notes xmlns:a="http://schemas.openxmlformats.org/drawingml/2006/main" xmlns:r="http://schemas.openxmlformats.org/officeDocument/2006/relationships" xmlns:p="http://schemas.openxmlformats.org/presentationml/2006/main">
   <p:cSld>
     <p:spTree>
@@ -1778,7 +1970,7 @@
 </p:notes>
 </file>
 
-<file path=ppt/notesSlides/notesSlide5.xml><?xml version="1.0" encoding="utf-8"?>
+<file path=ppt/notesSlides/notesSlide6.xml><?xml version="1.0" encoding="utf-8"?>
 <p:notes xmlns:a="http://schemas.openxmlformats.org/drawingml/2006/main" xmlns:r="http://schemas.openxmlformats.org/officeDocument/2006/relationships" xmlns:p="http://schemas.openxmlformats.org/presentationml/2006/main">
   <p:cSld>
     <p:spTree>
@@ -1869,7 +2061,7 @@
 </p:notes>
 </file>
 
-<file path=ppt/notesSlides/notesSlide6.xml><?xml version="1.0" encoding="utf-8"?>
+<file path=ppt/notesSlides/notesSlide7.xml><?xml version="1.0" encoding="utf-8"?>
 <p:notes xmlns:a="http://schemas.openxmlformats.org/drawingml/2006/main" xmlns:r="http://schemas.openxmlformats.org/officeDocument/2006/relationships" xmlns:p="http://schemas.openxmlformats.org/presentationml/2006/main">
   <p:cSld>
     <p:spTree>
@@ -1965,7 +2157,7 @@
 </p:notes>
 </file>
 
-<file path=ppt/notesSlides/notesSlide7.xml><?xml version="1.0" encoding="utf-8"?>
+<file path=ppt/notesSlides/notesSlide8.xml><?xml version="1.0" encoding="utf-8"?>
 <p:notes xmlns:a="http://schemas.openxmlformats.org/drawingml/2006/main" xmlns:r="http://schemas.openxmlformats.org/officeDocument/2006/relationships" xmlns:p="http://schemas.openxmlformats.org/presentationml/2006/main">
   <p:cSld>
     <p:spTree>
@@ -2057,7 +2249,7 @@
 </p:notes>
 </file>
 
-<file path=ppt/notesSlides/notesSlide8.xml><?xml version="1.0" encoding="utf-8"?>
+<file path=ppt/notesSlides/notesSlide9.xml><?xml version="1.0" encoding="utf-8"?>
 <p:notes xmlns:a="http://schemas.openxmlformats.org/drawingml/2006/main" xmlns:r="http://schemas.openxmlformats.org/officeDocument/2006/relationships" xmlns:p="http://schemas.openxmlformats.org/presentationml/2006/main">
   <p:cSld>
     <p:spTree>
@@ -2132,90 +2324,6 @@
     <p:extLst>
       <p:ext uri="{BB962C8B-B14F-4D97-AF65-F5344CB8AC3E}">
         <p14:creationId xmlns:p14="http://schemas.microsoft.com/office/powerpoint/2010/main" val="925047650"/>
-      </p:ext>
-    </p:extLst>
-  </p:cSld>
-  <p:clrMapOvr>
-    <a:masterClrMapping/>
-  </p:clrMapOvr>
-</p:notes>
-</file>
-
-<file path=ppt/notesSlides/notesSlide9.xml><?xml version="1.0" encoding="utf-8"?>
-<p:notes xmlns:a="http://schemas.openxmlformats.org/drawingml/2006/main" xmlns:r="http://schemas.openxmlformats.org/officeDocument/2006/relationships" xmlns:p="http://schemas.openxmlformats.org/presentationml/2006/main">
-  <p:cSld>
-    <p:spTree>
-      <p:nvGrpSpPr>
-        <p:cNvPr id="1" name=""/>
-        <p:cNvGrpSpPr/>
-        <p:nvPr/>
-      </p:nvGrpSpPr>
-      <p:grpSpPr>
-        <a:xfrm>
-          <a:off x="0" y="0"/>
-          <a:ext cx="0" cy="0"/>
-          <a:chOff x="0" y="0"/>
-          <a:chExt cx="0" cy="0"/>
-        </a:xfrm>
-      </p:grpSpPr>
-      <p:sp>
-        <p:nvSpPr>
-          <p:cNvPr id="2" name="Folienbildplatzhalter 1"/>
-          <p:cNvSpPr>
-            <a:spLocks noGrp="1" noRot="1" noChangeAspect="1"/>
-          </p:cNvSpPr>
-          <p:nvPr>
-            <p:ph type="sldImg"/>
-          </p:nvPr>
-        </p:nvSpPr>
-        <p:spPr/>
-      </p:sp>
-      <p:sp>
-        <p:nvSpPr>
-          <p:cNvPr id="3" name="Notizenplatzhalter 2"/>
-          <p:cNvSpPr>
-            <a:spLocks noGrp="1"/>
-          </p:cNvSpPr>
-          <p:nvPr>
-            <p:ph type="body" idx="1"/>
-          </p:nvPr>
-        </p:nvSpPr>
-        <p:spPr/>
-        <p:txBody>
-          <a:bodyPr/>
-          <a:lstStyle/>
-          <a:p>
-            <a:endParaRPr lang="de-DE" dirty="0"/>
-          </a:p>
-        </p:txBody>
-      </p:sp>
-      <p:sp>
-        <p:nvSpPr>
-          <p:cNvPr id="4" name="Foliennummernplatzhalter 3"/>
-          <p:cNvSpPr>
-            <a:spLocks noGrp="1"/>
-          </p:cNvSpPr>
-          <p:nvPr>
-            <p:ph type="sldNum" sz="quarter" idx="10"/>
-          </p:nvPr>
-        </p:nvSpPr>
-        <p:spPr/>
-        <p:txBody>
-          <a:bodyPr/>
-          <a:lstStyle/>
-          <a:p>
-            <a:fld id="{2969AC09-DF60-43F4-96BF-67D4D9A74094}" type="slidenum">
-              <a:rPr lang="de-DE" smtClean="0"/>
-              <a:t>32</a:t>
-            </a:fld>
-            <a:endParaRPr lang="de-DE"/>
-          </a:p>
-        </p:txBody>
-      </p:sp>
-    </p:spTree>
-    <p:extLst>
-      <p:ext uri="{BB962C8B-B14F-4D97-AF65-F5344CB8AC3E}">
-        <p14:creationId xmlns:p14="http://schemas.microsoft.com/office/powerpoint/2010/main" val="1103939067"/>
       </p:ext>
     </p:extLst>
   </p:cSld>
@@ -9101,8 +9209,8 @@
           </a:p>
         </p:txBody>
       </p:sp>
-      <mc:AlternateContent xmlns:mc="http://schemas.openxmlformats.org/markup-compatibility/2006">
-        <mc:Choice xmlns:p14="http://schemas.microsoft.com/office/powerpoint/2010/main" Requires="p14">
+      <mc:AlternateContent xmlns:mc="http://schemas.openxmlformats.org/markup-compatibility/2006" xmlns:p14="http://schemas.microsoft.com/office/powerpoint/2010/main">
+        <mc:Choice Requires="p14">
           <p:contentPart p14:bwMode="auto" r:id="rId5">
             <p14:nvContentPartPr>
               <p14:cNvPr id="11" name="Freihand 10">
@@ -9121,7 +9229,7 @@
             </p14:xfrm>
           </p:contentPart>
         </mc:Choice>
-        <mc:Fallback>
+        <mc:Fallback xmlns="">
           <p:pic>
             <p:nvPicPr>
               <p:cNvPr id="11" name="Freihand 10">
@@ -9152,8 +9260,8 @@
           </p:pic>
         </mc:Fallback>
       </mc:AlternateContent>
-      <mc:AlternateContent xmlns:mc="http://schemas.openxmlformats.org/markup-compatibility/2006">
-        <mc:Choice xmlns:p14="http://schemas.microsoft.com/office/powerpoint/2010/main" Requires="p14">
+      <mc:AlternateContent xmlns:mc="http://schemas.openxmlformats.org/markup-compatibility/2006" xmlns:p14="http://schemas.microsoft.com/office/powerpoint/2010/main">
+        <mc:Choice Requires="p14">
           <p:contentPart p14:bwMode="auto" r:id="rId7">
             <p14:nvContentPartPr>
               <p14:cNvPr id="12" name="Freihand 11">
@@ -9172,7 +9280,7 @@
             </p14:xfrm>
           </p:contentPart>
         </mc:Choice>
-        <mc:Fallback>
+        <mc:Fallback xmlns="">
           <p:pic>
             <p:nvPicPr>
               <p:cNvPr id="12" name="Freihand 11">
@@ -9203,8 +9311,8 @@
           </p:pic>
         </mc:Fallback>
       </mc:AlternateContent>
-      <mc:AlternateContent xmlns:mc="http://schemas.openxmlformats.org/markup-compatibility/2006">
-        <mc:Choice xmlns:p14="http://schemas.microsoft.com/office/powerpoint/2010/main" Requires="p14">
+      <mc:AlternateContent xmlns:mc="http://schemas.openxmlformats.org/markup-compatibility/2006" xmlns:p14="http://schemas.microsoft.com/office/powerpoint/2010/main">
+        <mc:Choice Requires="p14">
           <p:contentPart p14:bwMode="auto" r:id="rId9">
             <p14:nvContentPartPr>
               <p14:cNvPr id="13" name="Freihand 12">
@@ -9223,7 +9331,7 @@
             </p14:xfrm>
           </p:contentPart>
         </mc:Choice>
-        <mc:Fallback>
+        <mc:Fallback xmlns="">
           <p:pic>
             <p:nvPicPr>
               <p:cNvPr id="13" name="Freihand 12">
@@ -9286,7 +9394,6 @@
               <a:rPr lang="de-DE" sz="4800" b="1" dirty="0"/>
               <a:t>!</a:t>
             </a:r>
-            <a:endParaRPr lang="de-DE" sz="4800" b="1" dirty="0"/>
           </a:p>
         </p:txBody>
       </p:sp>
@@ -9671,29 +9778,20 @@
               <a:prstGeom prst="rect">
                 <a:avLst/>
               </a:prstGeom>
-              <a:solidFill>
-                <a:schemeClr val="bg1"/>
-              </a:solidFill>
-              <a:ln>
-                <a:solidFill>
-                  <a:schemeClr val="accent6"/>
-                </a:solidFill>
-              </a:ln>
+              <a:ln/>
             </p:spPr>
             <p:style>
               <a:lnRef idx="2">
-                <a:schemeClr val="accent1">
-                  <a:shade val="50000"/>
-                </a:schemeClr>
+                <a:schemeClr val="accent4"/>
               </a:lnRef>
               <a:fillRef idx="1">
-                <a:schemeClr val="accent1"/>
+                <a:schemeClr val="lt1"/>
               </a:fillRef>
               <a:effectRef idx="0">
-                <a:schemeClr val="accent1"/>
+                <a:schemeClr val="accent4"/>
               </a:effectRef>
               <a:fontRef idx="minor">
-                <a:schemeClr val="lt1"/>
+                <a:schemeClr val="dk1"/>
               </a:fontRef>
             </p:style>
             <p:txBody>
@@ -9797,7 +9895,7 @@
             <p:spPr>
               <a:xfrm>
                 <a:off x="1977040" y="1330903"/>
-                <a:ext cx="1312666" cy="338027"/>
+                <a:ext cx="1095748" cy="338027"/>
               </a:xfrm>
               <a:prstGeom prst="rect">
                 <a:avLst/>
@@ -9830,9 +9928,9 @@
               <a:lstStyle/>
               <a:p>
                 <a:r>
-                  <a:rPr lang="de-DE" sz="2000" b="1" dirty="0">
+                  <a:rPr lang="de-DE" sz="1600" b="1" dirty="0">
                     <a:solidFill>
-                      <a:schemeClr val="accent6"/>
+                      <a:schemeClr val="accent4"/>
                     </a:solidFill>
                   </a:rPr>
                   <a:t>Konzept</a:t>
@@ -9892,7 +9990,7 @@
               <a:r>
                 <a:rPr lang="de-DE" b="1" dirty="0">
                   <a:solidFill>
-                    <a:schemeClr val="accent6"/>
+                    <a:schemeClr val="accent4"/>
                   </a:solidFill>
                 </a:rPr>
                 <a:t>05.02.19</a:t>
@@ -9961,29 +10059,20 @@
               <a:prstGeom prst="rect">
                 <a:avLst/>
               </a:prstGeom>
-              <a:solidFill>
-                <a:schemeClr val="bg1"/>
-              </a:solidFill>
-              <a:ln>
-                <a:solidFill>
-                  <a:schemeClr val="tx1"/>
-                </a:solidFill>
-              </a:ln>
+              <a:ln/>
             </p:spPr>
             <p:style>
               <a:lnRef idx="2">
-                <a:schemeClr val="accent1">
-                  <a:shade val="50000"/>
-                </a:schemeClr>
+                <a:schemeClr val="accent4"/>
               </a:lnRef>
               <a:fillRef idx="1">
-                <a:schemeClr val="accent1"/>
+                <a:schemeClr val="lt1"/>
               </a:fillRef>
               <a:effectRef idx="0">
-                <a:schemeClr val="accent1"/>
+                <a:schemeClr val="accent4"/>
               </a:effectRef>
               <a:fontRef idx="minor">
-                <a:schemeClr val="lt1"/>
+                <a:schemeClr val="dk1"/>
               </a:fontRef>
             </p:style>
             <p:txBody>
@@ -10080,7 +10169,7 @@
                 <a:r>
                   <a:rPr lang="de-DE" b="1" dirty="0">
                     <a:solidFill>
-                      <a:schemeClr val="accent6"/>
+                      <a:schemeClr val="accent4"/>
                     </a:solidFill>
                   </a:rPr>
                   <a:t>Implementierung</a:t>
@@ -10140,7 +10229,7 @@
               <a:r>
                 <a:rPr lang="de-DE" b="1" dirty="0">
                   <a:solidFill>
-                    <a:schemeClr val="tx1"/>
+                    <a:schemeClr val="accent4"/>
                   </a:solidFill>
                 </a:rPr>
                 <a:t>20.03.19</a:t>
@@ -10209,29 +10298,20 @@
               <a:prstGeom prst="rect">
                 <a:avLst/>
               </a:prstGeom>
-              <a:solidFill>
-                <a:schemeClr val="bg1"/>
-              </a:solidFill>
-              <a:ln>
-                <a:solidFill>
-                  <a:schemeClr val="tx1"/>
-                </a:solidFill>
-              </a:ln>
+              <a:ln/>
             </p:spPr>
             <p:style>
               <a:lnRef idx="2">
-                <a:schemeClr val="accent1">
-                  <a:shade val="50000"/>
-                </a:schemeClr>
+                <a:schemeClr val="accent4"/>
               </a:lnRef>
               <a:fillRef idx="1">
-                <a:schemeClr val="accent1"/>
+                <a:schemeClr val="lt1"/>
               </a:fillRef>
               <a:effectRef idx="0">
-                <a:schemeClr val="accent1"/>
+                <a:schemeClr val="accent4"/>
               </a:effectRef>
               <a:fontRef idx="minor">
-                <a:schemeClr val="lt1"/>
+                <a:schemeClr val="dk1"/>
               </a:fontRef>
             </p:style>
             <p:txBody>
@@ -10421,7 +10501,7 @@
               <a:r>
                 <a:rPr lang="de-DE" b="1" dirty="0">
                   <a:solidFill>
-                    <a:schemeClr val="tx1"/>
+                    <a:schemeClr val="accent4"/>
                   </a:solidFill>
                 </a:rPr>
                 <a:t>17.04.19</a:t>
@@ -10490,29 +10570,20 @@
               <a:prstGeom prst="rect">
                 <a:avLst/>
               </a:prstGeom>
-              <a:solidFill>
-                <a:schemeClr val="bg1"/>
-              </a:solidFill>
-              <a:ln>
-                <a:solidFill>
-                  <a:schemeClr val="tx1"/>
-                </a:solidFill>
-              </a:ln>
+              <a:ln/>
             </p:spPr>
             <p:style>
               <a:lnRef idx="2">
-                <a:schemeClr val="accent1">
-                  <a:shade val="50000"/>
-                </a:schemeClr>
+                <a:schemeClr val="accent6"/>
               </a:lnRef>
               <a:fillRef idx="1">
-                <a:schemeClr val="accent1"/>
+                <a:schemeClr val="lt1"/>
               </a:fillRef>
               <a:effectRef idx="0">
-                <a:schemeClr val="accent1"/>
+                <a:schemeClr val="accent6"/>
               </a:effectRef>
               <a:fontRef idx="minor">
-                <a:schemeClr val="lt1"/>
+                <a:schemeClr val="dk1"/>
               </a:fontRef>
             </p:style>
             <p:txBody>
@@ -10584,7 +10655,7 @@
                 <a:r>
                   <a:rPr lang="de-DE" b="1" dirty="0">
                     <a:solidFill>
-                      <a:schemeClr val="accent4"/>
+                      <a:schemeClr val="accent6"/>
                     </a:solidFill>
                   </a:rPr>
                   <a:t>Abgabe</a:t>
@@ -10644,7 +10715,7 @@
               <a:r>
                 <a:rPr lang="de-DE" b="1" dirty="0">
                   <a:solidFill>
-                    <a:schemeClr val="tx1"/>
+                    <a:schemeClr val="accent6"/>
                   </a:solidFill>
                 </a:rPr>
                 <a:t>02.05.19</a:t>
@@ -11169,22 +11240,19 @@
               <a:gd name="adj3" fmla="val 16667"/>
             </a:avLst>
           </a:prstGeom>
-          <a:noFill/>
         </p:spPr>
         <p:style>
           <a:lnRef idx="2">
-            <a:schemeClr val="accent1">
-              <a:shade val="50000"/>
-            </a:schemeClr>
+            <a:schemeClr val="dk1"/>
           </a:lnRef>
           <a:fillRef idx="1">
-            <a:schemeClr val="accent1"/>
+            <a:schemeClr val="lt1"/>
           </a:fillRef>
           <a:effectRef idx="0">
-            <a:schemeClr val="accent1"/>
+            <a:schemeClr val="dk1"/>
           </a:effectRef>
           <a:fontRef idx="minor">
-            <a:schemeClr val="lt1"/>
+            <a:schemeClr val="dk1"/>
           </a:fontRef>
         </p:style>
         <p:txBody>
@@ -11276,22 +11344,19 @@
               <a:gd name="adj2" fmla="val 76572"/>
             </a:avLst>
           </a:prstGeom>
-          <a:noFill/>
         </p:spPr>
         <p:style>
           <a:lnRef idx="2">
-            <a:schemeClr val="accent1">
-              <a:shade val="50000"/>
-            </a:schemeClr>
+            <a:schemeClr val="dk1"/>
           </a:lnRef>
           <a:fillRef idx="1">
-            <a:schemeClr val="accent1"/>
+            <a:schemeClr val="lt1"/>
           </a:fillRef>
           <a:effectRef idx="0">
-            <a:schemeClr val="accent1"/>
+            <a:schemeClr val="dk1"/>
           </a:effectRef>
           <a:fontRef idx="minor">
-            <a:schemeClr val="lt1"/>
+            <a:schemeClr val="dk1"/>
           </a:fontRef>
         </p:style>
         <p:txBody>
@@ -11705,35 +11770,6 @@
           </a:p>
         </p:txBody>
       </p:sp>
-      <p:pic>
-        <p:nvPicPr>
-          <p:cNvPr id="3" name="Grafik 2"/>
-          <p:cNvPicPr>
-            <a:picLocks noChangeAspect="1"/>
-          </p:cNvPicPr>
-          <p:nvPr/>
-        </p:nvPicPr>
-        <p:blipFill rotWithShape="1">
-          <a:blip r:embed="rId16">
-            <a:extLst>
-              <a:ext uri="{28A0092B-C50C-407E-A947-70E740481C1C}">
-                <a14:useLocalDpi xmlns:a14="http://schemas.microsoft.com/office/drawing/2010/main" val="0"/>
-              </a:ext>
-            </a:extLst>
-          </a:blip>
-          <a:srcRect l="34" t="2149"/>
-          <a:stretch/>
-        </p:blipFill>
-        <p:spPr>
-          <a:xfrm>
-            <a:off x="5610352" y="1041150"/>
-            <a:ext cx="2952160" cy="1267736"/>
-          </a:xfrm>
-          <a:prstGeom prst="rect">
-            <a:avLst/>
-          </a:prstGeom>
-        </p:spPr>
-      </p:pic>
       <p:sp>
         <p:nvSpPr>
           <p:cNvPr id="23" name="Textfeld 22">
@@ -11763,9 +11799,10 @@
           <a:lstStyle/>
           <a:p>
             <a:r>
-              <a:rPr lang="de-DE" dirty="0"/>
+              <a:rPr lang="de-DE" dirty="0" smtClean="0"/>
               <a:t>Mitarbeiter</a:t>
             </a:r>
+            <a:endParaRPr lang="de-DE" dirty="0"/>
           </a:p>
         </p:txBody>
       </p:sp>
@@ -11927,6 +11964,57 @@
           </a:fontRef>
         </p:style>
       </p:cxnSp>
+      <p:sp>
+        <p:nvSpPr>
+          <p:cNvPr id="5" name="Abgerundetes Rechteck 4"/>
+          <p:cNvSpPr/>
+          <p:nvPr/>
+        </p:nvSpPr>
+        <p:spPr>
+          <a:xfrm>
+            <a:off x="5606639" y="1026266"/>
+            <a:ext cx="2967162" cy="1256547"/>
+          </a:xfrm>
+          <a:prstGeom prst="roundRect">
+            <a:avLst>
+              <a:gd name="adj" fmla="val 7683"/>
+            </a:avLst>
+          </a:prstGeom>
+          <a:blipFill>
+            <a:blip r:embed="rId16"/>
+            <a:stretch>
+              <a:fillRect/>
+            </a:stretch>
+          </a:blipFill>
+          <a:ln>
+            <a:noFill/>
+          </a:ln>
+        </p:spPr>
+        <p:style>
+          <a:lnRef idx="2">
+            <a:schemeClr val="accent1">
+              <a:shade val="50000"/>
+            </a:schemeClr>
+          </a:lnRef>
+          <a:fillRef idx="1">
+            <a:schemeClr val="accent1"/>
+          </a:fillRef>
+          <a:effectRef idx="0">
+            <a:schemeClr val="accent1"/>
+          </a:effectRef>
+          <a:fontRef idx="minor">
+            <a:schemeClr val="lt1"/>
+          </a:fontRef>
+        </p:style>
+        <p:txBody>
+          <a:bodyPr rtlCol="0" anchor="ctr"/>
+          <a:lstStyle/>
+          <a:p>
+            <a:pPr algn="ctr"/>
+            <a:endParaRPr lang="de-DE"/>
+          </a:p>
+        </p:txBody>
+      </p:sp>
     </p:spTree>
     <p:extLst>
       <p:ext uri="{BB962C8B-B14F-4D97-AF65-F5344CB8AC3E}">
@@ -11948,7 +12036,7 @@
 </file>
 
 <file path=ppt/slides/slide20.xml><?xml version="1.0" encoding="utf-8"?>
-<p:sld xmlns:a="http://schemas.openxmlformats.org/drawingml/2006/main" xmlns:r="http://schemas.openxmlformats.org/officeDocument/2006/relationships" xmlns:p="http://schemas.openxmlformats.org/presentationml/2006/main">
+<p:sld xmlns:a="http://schemas.openxmlformats.org/drawingml/2006/main" xmlns:r="http://schemas.openxmlformats.org/officeDocument/2006/relationships" xmlns:p="http://schemas.openxmlformats.org/presentationml/2006/main" show="0">
   <p:cSld>
     <p:spTree>
       <p:nvGrpSpPr>
@@ -12095,6 +12183,14 @@
   <p:clrMapOvr>
     <a:masterClrMapping/>
   </p:clrMapOvr>
+  <mc:AlternateContent xmlns:mc="http://schemas.openxmlformats.org/markup-compatibility/2006">
+    <mc:Choice xmlns:p14="http://schemas.microsoft.com/office/powerpoint/2010/main" Requires="p14">
+      <p:transition spd="slow" p14:dur="2000"/>
+    </mc:Choice>
+    <mc:Fallback>
+      <p:transition spd="slow"/>
+    </mc:Fallback>
+  </mc:AlternateContent>
   <p:timing>
     <p:tnLst>
       <p:par>
@@ -12106,7 +12202,7 @@
 </file>
 
 <file path=ppt/slides/slide21.xml><?xml version="1.0" encoding="utf-8"?>
-<p:sld xmlns:a="http://schemas.openxmlformats.org/drawingml/2006/main" xmlns:r="http://schemas.openxmlformats.org/officeDocument/2006/relationships" xmlns:p="http://schemas.openxmlformats.org/presentationml/2006/main" show="0">
+<p:sld xmlns:a="http://schemas.openxmlformats.org/drawingml/2006/main" xmlns:r="http://schemas.openxmlformats.org/officeDocument/2006/relationships" xmlns:p="http://schemas.openxmlformats.org/presentationml/2006/main">
   <p:cSld>
     <p:spTree>
       <p:nvGrpSpPr>
@@ -12124,13 +12220,7 @@
       </p:grpSpPr>
       <p:sp>
         <p:nvSpPr>
-          <p:cNvPr id="2" name="Titel 1">
-            <a:extLst>
-              <a:ext uri="{FF2B5EF4-FFF2-40B4-BE49-F238E27FC236}">
-                <a16:creationId xmlns="" xmlns:a16="http://schemas.microsoft.com/office/drawing/2014/main" id="{BC45717F-B292-4E4B-94F2-6E101B58805F}"/>
-              </a:ext>
-            </a:extLst>
-          </p:cNvPr>
+          <p:cNvPr id="2" name="Titel 1"/>
           <p:cNvSpPr>
             <a:spLocks noGrp="1"/>
           </p:cNvSpPr>
@@ -12138,33 +12228,21 @@
             <p:ph type="title"/>
           </p:nvPr>
         </p:nvSpPr>
-        <p:spPr>
-          <a:xfrm>
-            <a:off x="874713" y="2447704"/>
-            <a:ext cx="10148892" cy="1198491"/>
-          </a:xfrm>
-        </p:spPr>
+        <p:spPr/>
         <p:txBody>
-          <a:bodyPr anchor="ctr"/>
+          <a:bodyPr/>
           <a:lstStyle/>
           <a:p>
             <a:r>
-              <a:rPr lang="de-DE" dirty="0" smtClean="0"/>
-              <a:t>Vielen Dank für Ihre Aufmerksamkeit!</a:t>
+              <a:rPr lang="de-DE" dirty="0"/>
+              <a:t>Handlungsziele aufzugeben ist die einfachste Methode ein Problem loszuwerden</a:t>
             </a:r>
-            <a:endParaRPr lang="de-DE" dirty="0"/>
           </a:p>
         </p:txBody>
       </p:sp>
       <p:sp>
         <p:nvSpPr>
-          <p:cNvPr id="3" name="Textplatzhalter 2">
-            <a:extLst>
-              <a:ext uri="{FF2B5EF4-FFF2-40B4-BE49-F238E27FC236}">
-                <a16:creationId xmlns="" xmlns:a16="http://schemas.microsoft.com/office/drawing/2014/main" id="{185F6E57-6E3A-654A-B153-BDB445B7EADD}"/>
-              </a:ext>
-            </a:extLst>
-          </p:cNvPr>
+          <p:cNvPr id="3" name="Textplatzhalter 2"/>
           <p:cNvSpPr>
             <a:spLocks noGrp="1"/>
           </p:cNvSpPr>
@@ -12172,37 +12250,14 @@
             <p:ph type="body" sz="quarter" idx="10"/>
           </p:nvPr>
         </p:nvSpPr>
-        <p:spPr>
-          <a:xfrm>
-            <a:off x="874713" y="3646195"/>
-            <a:ext cx="10012865" cy="1198491"/>
-          </a:xfrm>
-        </p:spPr>
+        <p:spPr/>
         <p:txBody>
           <a:bodyPr/>
           <a:lstStyle/>
           <a:p>
             <a:r>
-              <a:rPr lang="de-DE" b="1" dirty="0" smtClean="0"/>
-              <a:t>Für spätere Fragen:</a:t>
-            </a:r>
-            <a:r>
               <a:rPr lang="de-DE" dirty="0" smtClean="0"/>
-              <a:t/>
-            </a:r>
-            <a:br>
-              <a:rPr lang="de-DE" dirty="0" smtClean="0"/>
-            </a:br>
-            <a:r>
-              <a:rPr lang="de-DE" dirty="0" smtClean="0"/>
-              <a:t/>
-            </a:r>
-            <a:br>
-              <a:rPr lang="de-DE" dirty="0" smtClean="0"/>
-            </a:br>
-            <a:r>
-              <a:rPr lang="de-DE" dirty="0" smtClean="0"/>
-              <a:t>	meret.feldkemper@tu-dresden.de</a:t>
+              <a:t>Meret Feldkemper, meret.feldkemper@tu-dresden.de</a:t>
             </a:r>
             <a:endParaRPr lang="de-DE" dirty="0"/>
           </a:p>
@@ -12211,28 +12266,13 @@
     </p:spTree>
     <p:extLst>
       <p:ext uri="{BB962C8B-B14F-4D97-AF65-F5344CB8AC3E}">
-        <p14:creationId xmlns:p14="http://schemas.microsoft.com/office/powerpoint/2010/main" val="1883880014"/>
+        <p14:creationId xmlns:p14="http://schemas.microsoft.com/office/powerpoint/2010/main" val="1707941505"/>
       </p:ext>
     </p:extLst>
   </p:cSld>
   <p:clrMapOvr>
     <a:masterClrMapping/>
   </p:clrMapOvr>
-  <mc:AlternateContent xmlns:mc="http://schemas.openxmlformats.org/markup-compatibility/2006">
-    <mc:Choice xmlns:p14="http://schemas.microsoft.com/office/powerpoint/2010/main" Requires="p14">
-      <p:transition spd="slow" p14:dur="2000"/>
-    </mc:Choice>
-    <mc:Fallback>
-      <p:transition spd="slow"/>
-    </mc:Fallback>
-  </mc:AlternateContent>
-  <p:timing>
-    <p:tnLst>
-      <p:par>
-        <p:cTn id="1" dur="indefinite" restart="never" nodeType="tmRoot"/>
-      </p:par>
-    </p:tnLst>
-  </p:timing>
 </p:sld>
 </file>
 
@@ -12981,74 +13021,390 @@
           <a:lstStyle/>
           <a:p>
             <a:r>
-              <a:rPr lang="de-DE" dirty="0"/>
-              <a:t>Modulare Anlagen, </a:t>
+              <a:rPr lang="de-DE" dirty="0" smtClean="0"/>
+              <a:t>Die </a:t>
             </a:r>
             <a:r>
-              <a:rPr lang="de-DE" dirty="0" err="1"/>
-              <a:t>Ironies</a:t>
+              <a:rPr lang="de-DE" dirty="0" smtClean="0">
+                <a:solidFill>
+                  <a:schemeClr val="accent4"/>
+                </a:solidFill>
+              </a:rPr>
+              <a:t>modulare Anlage </a:t>
             </a:r>
             <a:r>
-              <a:rPr lang="de-DE" dirty="0"/>
-              <a:t> </a:t>
+              <a:rPr lang="de-DE" dirty="0" smtClean="0"/>
+              <a:t>bietet dem Anlagenbediener mehr Flexibilität, stellt ihn aber auch vor neue </a:t>
             </a:r>
             <a:r>
-              <a:rPr lang="de-DE" dirty="0" err="1"/>
-              <a:t>of</a:t>
+              <a:rPr lang="de-DE" dirty="0" smtClean="0">
+                <a:solidFill>
+                  <a:schemeClr val="accent6"/>
+                </a:solidFill>
+              </a:rPr>
+              <a:t>Herausforderungen</a:t>
             </a:r>
-            <a:r>
-              <a:rPr lang="de-DE" dirty="0"/>
-              <a:t> Automation</a:t>
-            </a:r>
+            <a:endParaRPr lang="de-DE" dirty="0">
+              <a:solidFill>
+                <a:schemeClr val="accent6"/>
+              </a:solidFill>
+            </a:endParaRPr>
           </a:p>
         </p:txBody>
       </p:sp>
-      <p:sp>
-        <p:nvSpPr>
-          <p:cNvPr id="3" name="Inhaltsplatzhalter 2">
+      <p:grpSp>
+        <p:nvGrpSpPr>
+          <p:cNvPr id="4" name="Gruppieren 3">
             <a:extLst>
               <a:ext uri="{FF2B5EF4-FFF2-40B4-BE49-F238E27FC236}">
-                <a16:creationId xmlns:a16="http://schemas.microsoft.com/office/drawing/2014/main" xmlns="" id="{071C7D99-FD94-FB49-B8BA-4204773E2C3E}"/>
+                <a16:creationId xmlns:a16="http://schemas.microsoft.com/office/drawing/2014/main" xmlns="" id="{783A73D2-C025-644E-A194-3438D291D352}"/>
               </a:ext>
             </a:extLst>
           </p:cNvPr>
-          <p:cNvSpPr>
-            <a:spLocks noGrp="1"/>
-          </p:cNvSpPr>
-          <p:nvPr>
-            <p:ph sz="quarter" idx="10"/>
-          </p:nvPr>
-        </p:nvSpPr>
-        <p:spPr/>
-        <p:txBody>
-          <a:bodyPr/>
-          <a:lstStyle/>
-          <a:p>
-            <a:r>
-              <a:rPr lang="de-DE" dirty="0"/>
-              <a:t>Was ist das genaue Problem des Produktionsmitarbeiters?</a:t>
-            </a:r>
-          </a:p>
-          <a:p>
-            <a:r>
-              <a:rPr lang="de-DE" dirty="0"/>
-              <a:t>Höhere Flexibilität</a:t>
-            </a:r>
-          </a:p>
-          <a:p>
-            <a:r>
-              <a:rPr lang="de-DE" dirty="0"/>
-              <a:t>hat Verantwortung, dass es funktioniert</a:t>
-            </a:r>
-          </a:p>
-          <a:p>
-            <a:r>
-              <a:rPr lang="de-DE" dirty="0"/>
-              <a:t>Muss nach jedem Umbau bewerkstelligen, dass Produktion aufrecht erhalten bleibt</a:t>
-            </a:r>
-          </a:p>
-        </p:txBody>
-      </p:sp>
+          <p:cNvGrpSpPr/>
+          <p:nvPr/>
+        </p:nvGrpSpPr>
+        <p:grpSpPr>
+          <a:xfrm>
+            <a:off x="874712" y="1309443"/>
+            <a:ext cx="5040000" cy="2788425"/>
+            <a:chOff x="1780032" y="1330903"/>
+            <a:chExt cx="5040000" cy="2788425"/>
+          </a:xfrm>
+        </p:grpSpPr>
+        <p:sp>
+          <p:nvSpPr>
+            <p:cNvPr id="5" name="Rechteck 4">
+              <a:extLst>
+                <a:ext uri="{FF2B5EF4-FFF2-40B4-BE49-F238E27FC236}">
+                  <a16:creationId xmlns:a16="http://schemas.microsoft.com/office/drawing/2014/main" xmlns="" id="{4F68B8E9-417E-0141-AE27-E298ED29929C}"/>
+                </a:ext>
+              </a:extLst>
+            </p:cNvPr>
+            <p:cNvSpPr/>
+            <p:nvPr/>
+          </p:nvSpPr>
+          <p:spPr>
+            <a:xfrm>
+              <a:off x="1780032" y="1499918"/>
+              <a:ext cx="5040000" cy="2619410"/>
+            </a:xfrm>
+            <a:prstGeom prst="rect">
+              <a:avLst/>
+            </a:prstGeom>
+            <a:solidFill>
+              <a:schemeClr val="bg1"/>
+            </a:solidFill>
+            <a:ln>
+              <a:solidFill>
+                <a:schemeClr val="accent4"/>
+              </a:solidFill>
+            </a:ln>
+          </p:spPr>
+          <p:style>
+            <a:lnRef idx="2">
+              <a:schemeClr val="accent1">
+                <a:shade val="50000"/>
+              </a:schemeClr>
+            </a:lnRef>
+            <a:fillRef idx="1">
+              <a:schemeClr val="accent1"/>
+            </a:fillRef>
+            <a:effectRef idx="0">
+              <a:schemeClr val="accent1"/>
+            </a:effectRef>
+            <a:fontRef idx="minor">
+              <a:schemeClr val="lt1"/>
+            </a:fontRef>
+          </p:style>
+          <p:txBody>
+            <a:bodyPr tIns="180000" rtlCol="0" anchor="t"/>
+            <a:lstStyle/>
+            <a:p>
+              <a:pPr marL="342900" indent="-342900">
+                <a:lnSpc>
+                  <a:spcPct val="150000"/>
+                </a:lnSpc>
+                <a:buFont typeface="Arial" panose="020B0604020202020204" pitchFamily="34" charset="0"/>
+                <a:buChar char="•"/>
+              </a:pPr>
+              <a:r>
+                <a:rPr lang="de-DE" dirty="0" smtClean="0">
+                  <a:solidFill>
+                    <a:schemeClr val="tx1"/>
+                  </a:solidFill>
+                </a:rPr>
+                <a:t>Hohe Flexibilität</a:t>
+              </a:r>
+              <a:endParaRPr lang="de-DE" dirty="0">
+                <a:solidFill>
+                  <a:schemeClr val="tx1"/>
+                </a:solidFill>
+              </a:endParaRPr>
+            </a:p>
+          </p:txBody>
+        </p:sp>
+        <p:sp>
+          <p:nvSpPr>
+            <p:cNvPr id="6" name="Rechteck 5">
+              <a:extLst>
+                <a:ext uri="{FF2B5EF4-FFF2-40B4-BE49-F238E27FC236}">
+                  <a16:creationId xmlns:a16="http://schemas.microsoft.com/office/drawing/2014/main" xmlns="" id="{B2717A64-B61E-B44C-B23D-CB509FB519CA}"/>
+                </a:ext>
+              </a:extLst>
+            </p:cNvPr>
+            <p:cNvSpPr/>
+            <p:nvPr/>
+          </p:nvSpPr>
+          <p:spPr>
+            <a:xfrm>
+              <a:off x="1977041" y="1330903"/>
+              <a:ext cx="2091861" cy="338027"/>
+            </a:xfrm>
+            <a:prstGeom prst="rect">
+              <a:avLst/>
+            </a:prstGeom>
+            <a:solidFill>
+              <a:schemeClr val="bg1"/>
+            </a:solidFill>
+            <a:ln>
+              <a:noFill/>
+            </a:ln>
+          </p:spPr>
+          <p:style>
+            <a:lnRef idx="2">
+              <a:schemeClr val="accent1">
+                <a:shade val="50000"/>
+              </a:schemeClr>
+            </a:lnRef>
+            <a:fillRef idx="1">
+              <a:schemeClr val="accent1"/>
+            </a:fillRef>
+            <a:effectRef idx="0">
+              <a:schemeClr val="accent1"/>
+            </a:effectRef>
+            <a:fontRef idx="minor">
+              <a:schemeClr val="lt1"/>
+            </a:fontRef>
+          </p:style>
+          <p:txBody>
+            <a:bodyPr rtlCol="0" anchor="ctr"/>
+            <a:lstStyle/>
+            <a:p>
+              <a:r>
+                <a:rPr lang="de-DE" sz="1600" b="1" dirty="0" smtClean="0">
+                  <a:solidFill>
+                    <a:schemeClr val="accent4"/>
+                  </a:solidFill>
+                </a:rPr>
+                <a:t>Modulare Anlagen</a:t>
+              </a:r>
+              <a:endParaRPr lang="de-DE" sz="1600" b="1" dirty="0">
+                <a:solidFill>
+                  <a:schemeClr val="accent4"/>
+                </a:solidFill>
+              </a:endParaRPr>
+            </a:p>
+          </p:txBody>
+        </p:sp>
+      </p:grpSp>
+      <p:grpSp>
+        <p:nvGrpSpPr>
+          <p:cNvPr id="7" name="Gruppieren 6">
+            <a:extLst>
+              <a:ext uri="{FF2B5EF4-FFF2-40B4-BE49-F238E27FC236}">
+                <a16:creationId xmlns:a16="http://schemas.microsoft.com/office/drawing/2014/main" xmlns="" id="{783A73D2-C025-644E-A194-3438D291D352}"/>
+              </a:ext>
+            </a:extLst>
+          </p:cNvPr>
+          <p:cNvGrpSpPr/>
+          <p:nvPr/>
+        </p:nvGrpSpPr>
+        <p:grpSpPr>
+          <a:xfrm>
+            <a:off x="6415399" y="1309443"/>
+            <a:ext cx="5040000" cy="2788424"/>
+            <a:chOff x="1780032" y="1330903"/>
+            <a:chExt cx="5040000" cy="2788424"/>
+          </a:xfrm>
+        </p:grpSpPr>
+        <p:sp>
+          <p:nvSpPr>
+            <p:cNvPr id="8" name="Rechteck 7">
+              <a:extLst>
+                <a:ext uri="{FF2B5EF4-FFF2-40B4-BE49-F238E27FC236}">
+                  <a16:creationId xmlns:a16="http://schemas.microsoft.com/office/drawing/2014/main" xmlns="" id="{4F68B8E9-417E-0141-AE27-E298ED29929C}"/>
+                </a:ext>
+              </a:extLst>
+            </p:cNvPr>
+            <p:cNvSpPr/>
+            <p:nvPr/>
+          </p:nvSpPr>
+          <p:spPr>
+            <a:xfrm>
+              <a:off x="1780032" y="1499918"/>
+              <a:ext cx="5040000" cy="2619409"/>
+            </a:xfrm>
+            <a:prstGeom prst="rect">
+              <a:avLst/>
+            </a:prstGeom>
+            <a:ln/>
+          </p:spPr>
+          <p:style>
+            <a:lnRef idx="2">
+              <a:schemeClr val="accent6"/>
+            </a:lnRef>
+            <a:fillRef idx="1">
+              <a:schemeClr val="lt1"/>
+            </a:fillRef>
+            <a:effectRef idx="0">
+              <a:schemeClr val="accent6"/>
+            </a:effectRef>
+            <a:fontRef idx="minor">
+              <a:schemeClr val="dk1"/>
+            </a:fontRef>
+          </p:style>
+          <p:txBody>
+            <a:bodyPr tIns="180000" rtlCol="0" anchor="t"/>
+            <a:lstStyle/>
+            <a:p>
+              <a:pPr marL="342900" indent="-342900">
+                <a:lnSpc>
+                  <a:spcPct val="150000"/>
+                </a:lnSpc>
+                <a:buFont typeface="Arial" panose="020B0604020202020204" pitchFamily="34" charset="0"/>
+                <a:buChar char="•"/>
+              </a:pPr>
+              <a:r>
+                <a:rPr lang="de-DE" dirty="0" smtClean="0">
+                  <a:solidFill>
+                    <a:schemeClr val="tx1"/>
+                  </a:solidFill>
+                </a:rPr>
+                <a:t>Probleme können nicht mehr auf Grundlage von umfangreichen Erfahrungen gelöst werden</a:t>
+              </a:r>
+            </a:p>
+            <a:p>
+              <a:pPr marL="342900" indent="-342900">
+                <a:lnSpc>
+                  <a:spcPct val="150000"/>
+                </a:lnSpc>
+                <a:buFont typeface="Arial" panose="020B0604020202020204" pitchFamily="34" charset="0"/>
+                <a:buChar char="•"/>
+              </a:pPr>
+              <a:r>
+                <a:rPr lang="de-DE" dirty="0" smtClean="0">
+                  <a:solidFill>
+                    <a:schemeClr val="tx1"/>
+                  </a:solidFill>
+                </a:rPr>
+                <a:t>Ist für Entscheidung verantwortlich</a:t>
+              </a:r>
+            </a:p>
+            <a:p>
+              <a:pPr marL="342900" indent="-342900">
+                <a:lnSpc>
+                  <a:spcPct val="150000"/>
+                </a:lnSpc>
+                <a:buFont typeface="Arial" panose="020B0604020202020204" pitchFamily="34" charset="0"/>
+                <a:buChar char="•"/>
+              </a:pPr>
+              <a:r>
+                <a:rPr lang="de-DE" dirty="0" smtClean="0">
+                  <a:solidFill>
+                    <a:schemeClr val="tx1"/>
+                  </a:solidFill>
+                </a:rPr>
+                <a:t>Muss </a:t>
+              </a:r>
+              <a:r>
+                <a:rPr lang="de-DE" dirty="0" err="1" smtClean="0">
+                  <a:solidFill>
+                    <a:schemeClr val="tx1"/>
+                  </a:solidFill>
+                </a:rPr>
+                <a:t>berwerkstelligen</a:t>
+              </a:r>
+              <a:r>
+                <a:rPr lang="de-DE" dirty="0" smtClean="0">
+                  <a:solidFill>
+                    <a:schemeClr val="tx1"/>
+                  </a:solidFill>
+                </a:rPr>
+                <a:t>, dass Produktion aufrecht erhalten bleibt</a:t>
+              </a:r>
+              <a:endParaRPr lang="de-DE" dirty="0">
+                <a:solidFill>
+                  <a:schemeClr val="tx1"/>
+                </a:solidFill>
+              </a:endParaRPr>
+            </a:p>
+          </p:txBody>
+        </p:sp>
+        <p:sp>
+          <p:nvSpPr>
+            <p:cNvPr id="9" name="Rechteck 8">
+              <a:extLst>
+                <a:ext uri="{FF2B5EF4-FFF2-40B4-BE49-F238E27FC236}">
+                  <a16:creationId xmlns:a16="http://schemas.microsoft.com/office/drawing/2014/main" xmlns="" id="{B2717A64-B61E-B44C-B23D-CB509FB519CA}"/>
+                </a:ext>
+              </a:extLst>
+            </p:cNvPr>
+            <p:cNvSpPr/>
+            <p:nvPr/>
+          </p:nvSpPr>
+          <p:spPr>
+            <a:xfrm>
+              <a:off x="1977041" y="1330903"/>
+              <a:ext cx="2231099" cy="338027"/>
+            </a:xfrm>
+            <a:prstGeom prst="rect">
+              <a:avLst/>
+            </a:prstGeom>
+            <a:solidFill>
+              <a:schemeClr val="bg1"/>
+            </a:solidFill>
+            <a:ln>
+              <a:noFill/>
+            </a:ln>
+          </p:spPr>
+          <p:style>
+            <a:lnRef idx="2">
+              <a:schemeClr val="accent1">
+                <a:shade val="50000"/>
+              </a:schemeClr>
+            </a:lnRef>
+            <a:fillRef idx="1">
+              <a:schemeClr val="accent1"/>
+            </a:fillRef>
+            <a:effectRef idx="0">
+              <a:schemeClr val="accent1"/>
+            </a:effectRef>
+            <a:fontRef idx="minor">
+              <a:schemeClr val="lt1"/>
+            </a:fontRef>
+          </p:style>
+          <p:txBody>
+            <a:bodyPr rtlCol="0" anchor="ctr"/>
+            <a:lstStyle/>
+            <a:p>
+              <a:r>
+                <a:rPr lang="de-DE" sz="1600" b="1" dirty="0" smtClean="0">
+                  <a:solidFill>
+                    <a:schemeClr val="accent6"/>
+                  </a:solidFill>
+                </a:rPr>
+                <a:t>Herausforderungen</a:t>
+              </a:r>
+              <a:endParaRPr lang="de-DE" sz="1600" b="1" dirty="0">
+                <a:solidFill>
+                  <a:schemeClr val="accent6"/>
+                </a:solidFill>
+              </a:endParaRPr>
+            </a:p>
+          </p:txBody>
+        </p:sp>
+      </p:grpSp>
     </p:spTree>
     <p:extLst>
       <p:ext uri="{BB962C8B-B14F-4D97-AF65-F5344CB8AC3E}">
@@ -17599,9 +17955,10 @@
           <a:lstStyle/>
           <a:p>
             <a:r>
-              <a:rPr lang="de-DE" dirty="0"/>
-              <a:t>Wie sieht ein Problemlöseprozess aus?</a:t>
+              <a:rPr lang="de-DE" dirty="0" smtClean="0"/>
+              <a:t>Ein Problemlöseprozess besteht aus mehreren Phasen</a:t>
             </a:r>
+            <a:endParaRPr lang="de-DE" dirty="0"/>
           </a:p>
         </p:txBody>
       </p:sp>
@@ -19288,7 +19645,19 @@
           <a:p>
             <a:r>
               <a:rPr lang="de-DE" dirty="0"/>
-              <a:t>Wobei kann der Mitarbeiter mit einem Assistenzsystem unterstützt werden?</a:t>
+              <a:t>Wobei kann der Mitarbeiter mit einem </a:t>
+            </a:r>
+            <a:r>
+              <a:rPr lang="de-DE" dirty="0">
+                <a:solidFill>
+                  <a:schemeClr val="accent3"/>
+                </a:solidFill>
+              </a:rPr>
+              <a:t>Assistenzsystem</a:t>
+            </a:r>
+            <a:r>
+              <a:rPr lang="de-DE" dirty="0"/>
+              <a:t> unterstützt werden?</a:t>
             </a:r>
           </a:p>
         </p:txBody>
@@ -19401,11 +19770,6 @@
               </a:rPr>
               <a:t>2</a:t>
             </a:r>
-            <a:endParaRPr lang="de-DE" b="1" dirty="0">
-              <a:solidFill>
-                <a:schemeClr val="tx1"/>
-              </a:solidFill>
-            </a:endParaRPr>
           </a:p>
         </p:txBody>
       </p:sp>
@@ -19521,9 +19885,9 @@
               <a:t>Mit </a:t>
             </a:r>
             <a:r>
-              <a:rPr lang="de-DE" dirty="0" smtClean="0">
+              <a:rPr lang="de-DE" b="1" dirty="0" smtClean="0">
                 <a:solidFill>
-                  <a:schemeClr val="accent4"/>
+                  <a:schemeClr val="accent3"/>
                 </a:solidFill>
               </a:rPr>
               <a:t>Signalen</a:t>
@@ -19567,7 +19931,7 @@
         <p:spPr>
           <a:xfrm>
             <a:off x="1234712" y="2843834"/>
-            <a:ext cx="1568884" cy="447892"/>
+            <a:ext cx="2880088" cy="447892"/>
           </a:xfrm>
           <a:prstGeom prst="rect">
             <a:avLst/>
@@ -19598,12 +19962,28 @@
           <a:lstStyle/>
           <a:p>
             <a:r>
+              <a:rPr lang="de-DE" b="1" dirty="0" smtClean="0">
+                <a:solidFill>
+                  <a:schemeClr val="accent3"/>
+                </a:solidFill>
+              </a:rPr>
+              <a:t>Orientierung</a:t>
+            </a:r>
+            <a:r>
+              <a:rPr lang="de-DE" dirty="0" smtClean="0">
+                <a:solidFill>
+                  <a:schemeClr val="accent3"/>
+                </a:solidFill>
+              </a:rPr>
+              <a:t> </a:t>
+            </a:r>
+            <a:r>
               <a:rPr lang="de-DE" dirty="0" smtClean="0">
                 <a:solidFill>
                   <a:schemeClr val="tx1"/>
                 </a:solidFill>
               </a:rPr>
-              <a:t>Orientierung</a:t>
+              <a:t>bieten</a:t>
             </a:r>
             <a:endParaRPr lang="de-DE" dirty="0">
               <a:solidFill>
@@ -19667,9 +20047,9 @@
               <a:t>Durch </a:t>
             </a:r>
             <a:r>
-              <a:rPr lang="de-DE" dirty="0" smtClean="0">
+              <a:rPr lang="de-DE" b="1" dirty="0" smtClean="0">
                 <a:solidFill>
-                  <a:schemeClr val="accent4"/>
+                  <a:schemeClr val="accent3"/>
                 </a:solidFill>
               </a:rPr>
               <a:t>Filtern</a:t>
@@ -19677,10 +20057,18 @@
             <a:r>
               <a:rPr lang="de-DE" dirty="0" smtClean="0">
                 <a:solidFill>
+                  <a:schemeClr val="accent3"/>
+                </a:solidFill>
+              </a:rPr>
+              <a:t> </a:t>
+            </a:r>
+            <a:r>
+              <a:rPr lang="de-DE" dirty="0" smtClean="0">
+                <a:solidFill>
                   <a:schemeClr val="tx1"/>
                 </a:solidFill>
               </a:rPr>
-              <a:t> von Lösungen die Planerstellung erleichtern</a:t>
+              <a:t>von Lösungen die Planerstellung erleichtern</a:t>
             </a:r>
             <a:endParaRPr lang="de-DE" dirty="0">
               <a:solidFill>

--- a/Dokumente/Präsentationen/2019-04-29_DA_Feldkemper_Probeverteidigung.pptx
+++ b/Dokumente/Präsentationen/2019-04-29_DA_Feldkemper_Probeverteidigung.pptx
@@ -5,10 +5,10 @@
     <p:sldMasterId id="2147483891" r:id="rId1"/>
   </p:sldMasterIdLst>
   <p:notesMasterIdLst>
-    <p:notesMasterId r:id="rId36"/>
+    <p:notesMasterId r:id="rId35"/>
   </p:notesMasterIdLst>
   <p:handoutMasterIdLst>
-    <p:handoutMasterId r:id="rId37"/>
+    <p:handoutMasterId r:id="rId36"/>
   </p:handoutMasterIdLst>
   <p:sldIdLst>
     <p:sldId id="319" r:id="rId2"/>
@@ -17,17 +17,17 @@
     <p:sldId id="334" r:id="rId5"/>
     <p:sldId id="337" r:id="rId6"/>
     <p:sldId id="336" r:id="rId7"/>
-    <p:sldId id="365" r:id="rId8"/>
+    <p:sldId id="345" r:id="rId8"/>
     <p:sldId id="338" r:id="rId9"/>
     <p:sldId id="339" r:id="rId10"/>
-    <p:sldId id="345" r:id="rId11"/>
-    <p:sldId id="340" r:id="rId12"/>
-    <p:sldId id="352" r:id="rId13"/>
-    <p:sldId id="341" r:id="rId14"/>
-    <p:sldId id="353" r:id="rId15"/>
-    <p:sldId id="342" r:id="rId16"/>
-    <p:sldId id="351" r:id="rId17"/>
-    <p:sldId id="335" r:id="rId18"/>
+    <p:sldId id="340" r:id="rId11"/>
+    <p:sldId id="352" r:id="rId12"/>
+    <p:sldId id="341" r:id="rId13"/>
+    <p:sldId id="353" r:id="rId14"/>
+    <p:sldId id="342" r:id="rId15"/>
+    <p:sldId id="351" r:id="rId16"/>
+    <p:sldId id="335" r:id="rId17"/>
+    <p:sldId id="367" r:id="rId18"/>
     <p:sldId id="331" r:id="rId19"/>
     <p:sldId id="344" r:id="rId20"/>
     <p:sldId id="343" r:id="rId21"/>
@@ -44,24 +44,23 @@
     <p:sldId id="358" r:id="rId32"/>
     <p:sldId id="361" r:id="rId33"/>
     <p:sldId id="362" r:id="rId34"/>
-    <p:sldId id="363" r:id="rId35"/>
   </p:sldIdLst>
   <p:sldSz cx="12192000" cy="6858000"/>
   <p:notesSz cx="6858000" cy="9144000"/>
   <p:embeddedFontLst>
     <p:embeddedFont>
       <p:font typeface="Calibri" panose="020F0502020204030204" pitchFamily="34" charset="0"/>
-      <p:regular r:id="rId38"/>
-      <p:bold r:id="rId39"/>
-      <p:italic r:id="rId40"/>
-      <p:boldItalic r:id="rId41"/>
+      <p:regular r:id="rId37"/>
+      <p:bold r:id="rId38"/>
+      <p:italic r:id="rId39"/>
+      <p:boldItalic r:id="rId40"/>
     </p:embeddedFont>
     <p:embeddedFont>
-      <p:font typeface="Open Sans" panose="020B0604020202020204" charset="0"/>
-      <p:regular r:id="rId42"/>
-      <p:bold r:id="rId43"/>
-      <p:italic r:id="rId44"/>
-      <p:boldItalic r:id="rId45"/>
+      <p:font typeface="Open Sans" panose="020B0606030504020204" pitchFamily="34" charset="0"/>
+      <p:regular r:id="rId41"/>
+      <p:bold r:id="rId42"/>
+      <p:italic r:id="rId43"/>
+      <p:boldItalic r:id="rId44"/>
     </p:embeddedFont>
   </p:embeddedFontLst>
   <p:defaultTextStyle>
@@ -174,14 +173,13 @@
           <p14:sldIdLst>
             <p14:sldId id="337"/>
             <p14:sldId id="336"/>
-            <p14:sldId id="365"/>
           </p14:sldIdLst>
         </p14:section>
         <p14:section name="Analyse" id="{6368FECF-A9D6-4E2B-850A-51450B704BAA}">
           <p14:sldIdLst>
+            <p14:sldId id="345"/>
             <p14:sldId id="338"/>
             <p14:sldId id="339"/>
-            <p14:sldId id="345"/>
           </p14:sldIdLst>
         </p14:section>
         <p14:section name="Konzept" id="{E376154F-9774-459E-9E9C-59AD327EB00C}">
@@ -197,6 +195,7 @@
             <p14:sldId id="342"/>
             <p14:sldId id="351"/>
             <p14:sldId id="335"/>
+            <p14:sldId id="367"/>
           </p14:sldIdLst>
         </p14:section>
         <p14:section name="Ende" id="{3CAF6AEF-7310-44C9-8E19-98BEE105B6AD}">
@@ -229,7 +228,6 @@
           <p14:sldIdLst>
             <p14:sldId id="361"/>
             <p14:sldId id="362"/>
-            <p14:sldId id="363"/>
           </p14:sldIdLst>
         </p14:section>
       </p14:sectionLst>
@@ -335,7 +333,7 @@
           <a:p>
             <a:fld id="{C6AC6211-610F-44E5-BF19-D3CDF6EDD281}" type="datetimeFigureOut">
               <a:rPr lang="de-DE" smtClean="0"/>
-              <a:t>12.04.2019</a:t>
+              <a:t>14.04.19</a:t>
             </a:fld>
             <a:endParaRPr lang="de-DE"/>
           </a:p>
@@ -516,7 +514,7 @@
           <inkml:channelProperty channel="F" name="resolution" value="0" units="1/dev"/>
         </inkml:channelProperties>
       </inkml:inkSource>
-      <inkml:timestamp xml:id="ts0" timeString="2019-04-11T09:17:40.340"/>
+      <inkml:timestamp xml:id="ts0" timeString="2019-04-14T08:51:42.657"/>
     </inkml:context>
     <inkml:brush xml:id="br0">
       <inkml:brushProperty name="width" value="0.05" units="cm"/>
@@ -546,7 +544,7 @@
           <inkml:channelProperty channel="F" name="resolution" value="0" units="1/dev"/>
         </inkml:channelProperties>
       </inkml:inkSource>
-      <inkml:timestamp xml:id="ts0" timeString="2019-04-11T09:17:40.344"/>
+      <inkml:timestamp xml:id="ts0" timeString="2019-04-14T08:51:42.661"/>
     </inkml:context>
     <inkml:brush xml:id="br0">
       <inkml:brushProperty name="width" value="0.05" units="cm"/>
@@ -573,6 +571,117 @@
           <inkml:channelProperty channel="F" name="resolution" value="0" units="1/dev"/>
         </inkml:channelProperties>
       </inkml:inkSource>
+      <inkml:timestamp xml:id="ts0" timeString="2019-04-14T08:51:42.662"/>
+    </inkml:context>
+    <inkml:brush xml:id="br0">
+      <inkml:brushProperty name="width" value="0.05" units="cm"/>
+      <inkml:brushProperty name="height" value="0.05" units="cm"/>
+    </inkml:brush>
+  </inkml:definitions>
+  <inkml:trace contextRef="#ctx0" brushRef="#br0">58 0 24575,'-20'0'0,"4"4"0,7 1 0,5 3 0,0-3 0,3 2 0,-2-2 0,3 3 0,0 0 0,0 0 0,0 0 0,0 0 0,0 0 0,0 0 0,0 1 0,0-1 0,0 0 0,3-3 0,2-1 0,3-4 0,0 0 0,2-4 0,-6-1 0,4 0 0,-4 2 0,1-1 0,2 3 0,-6-6 0,6 6 0,-6-7 0,3 4 0,0-1 0,-3-3 0,2 4 0,-3-4 0,0 0 0,0 0 0,-3 3 0,-2 1 0,-4 4 0,5-3 0,-4 2 0,4-3 0,-1 8 0,1-4 0,4 4 0</inkml:trace>
+</inkml:ink>
+</file>
+
+<file path=ppt/ink/ink15.xml><?xml version="1.0" encoding="utf-8"?>
+<inkml:ink xmlns:inkml="http://www.w3.org/2003/InkML">
+  <inkml:definitions>
+    <inkml:context xml:id="ctx0">
+      <inkml:inkSource xml:id="inkSrc0">
+        <inkml:traceFormat>
+          <inkml:channel name="X" type="integer" min="-2.14748E9" max="2.14748E9" units="cm"/>
+          <inkml:channel name="Y" type="integer" min="-2.14748E9" max="2.14748E9" units="cm"/>
+          <inkml:channel name="F" type="integer" max="32767" units="dev"/>
+        </inkml:traceFormat>
+        <inkml:channelProperties>
+          <inkml:channelProperty channel="X" name="resolution" value="1000" units="1/cm"/>
+          <inkml:channelProperty channel="Y" name="resolution" value="1000" units="1/cm"/>
+          <inkml:channelProperty channel="F" name="resolution" value="0" units="1/dev"/>
+        </inkml:channelProperties>
+      </inkml:inkSource>
+      <inkml:timestamp xml:id="ts0" timeString="2019-04-14T08:51:42.663"/>
+    </inkml:context>
+    <inkml:brush xml:id="br0">
+      <inkml:brushProperty name="width" value="0.05" units="cm"/>
+      <inkml:brushProperty name="height" value="0.05" units="cm"/>
+    </inkml:brush>
+  </inkml:definitions>
+  <inkml:trace contextRef="#ctx0" brushRef="#br0">1 0 24575,'0'6'0,"0"0"0,0 0 0,0 0 0,0 0 0,0 0 0,2 0 0,1 0 0,3 0 0,-2 0 0,1 0 0,-2 0 0,3 0 0,-2 0 0,1 0 0,-2 0 0,1 0 0,1-2 0,-2 1 0,3-2 0,-2 3 0,1-3 0,-4 3 0,4-6 0,-2 6 0,1-3 0,1 0 0,-2 3 0,3-6 0,0 6 0,0-6 0,-2 6 0,1-6 0,-2 6 0,3-6 0,0 6 0,0-6 0,0 3 0,0 0 0,0-3 0,0 3 0,0 0 0,0-3 0,0 3 0,0-3 0,0 3 0,0-3 0,0 3 0,0-3 0,0 3 0,0-3 0,0 3 0,0-3 0,0 3 0,0-3 0,0 3 0,0-3 0,0 3 0,0-3 0,0 3 0,0-3 0,0 0 0,0 0 0,0 3 0,0-3 0,0 3 0,0-3 0,0 0 0,0 0 0,0 0 0,0 0 0,0 0 0,0 0 0,0 0 0,0 0 0,0 0 0,0 0 0,0 0 0,0 0 0,0 0 0,0 0 0,0 0 0,0 0 0,0 0 0,0 0 0,0 0 0,0 0 0,0 0 0,0 0 0,0 0 0,0 0 0,0 0 0,0 0 0,-1 0 0,1 0 0,0 0 0,0 0 0,0 0 0,0 0 0,0 0 0,0 0 0,0 0 0,-2-3 0,1 3 0,-2-3 0,3 0 0,0 3 0,0-6 0,0 5 0,0-1 0,-2-1 0,1 2 0,-4-4 0,4 4 0,-2-4 0,1 2 0,1-1 0,-4-1 0,1 1 0,1-2 0,-2 0 0,4 0 0,-4 0 0,4 3 0,-2-3 0,3 6 0,-2-6 0,1 6 0,-2-6 0,3 5 0,-3-4 0,3 4 0,-6-4 0,3 2 0,0-1 0,-3-1 0,3 2 0,-3-4 0,0 1 0,0 0 0,0 0 0,0 0 0,0 0 0,0 0 0,3 3 0,-3-3 0,6 6 0,-6-6 0,3 3 0,0-1 0,-3-1 0,3 2 0,0-1 0,-3-1 0,6 4 0,-6-2 0,3 3 0</inkml:trace>
+</inkml:ink>
+</file>
+
+<file path=ppt/ink/ink16.xml><?xml version="1.0" encoding="utf-8"?>
+<inkml:ink xmlns:inkml="http://www.w3.org/2003/InkML">
+  <inkml:definitions>
+    <inkml:context xml:id="ctx0">
+      <inkml:inkSource xml:id="inkSrc0">
+        <inkml:traceFormat>
+          <inkml:channel name="X" type="integer" min="-2.14748E9" max="2.14748E9" units="cm"/>
+          <inkml:channel name="Y" type="integer" min="-2.14748E9" max="2.14748E9" units="cm"/>
+          <inkml:channel name="F" type="integer" max="32767" units="dev"/>
+        </inkml:traceFormat>
+        <inkml:channelProperties>
+          <inkml:channelProperty channel="X" name="resolution" value="1000" units="1/cm"/>
+          <inkml:channelProperty channel="Y" name="resolution" value="1000" units="1/cm"/>
+          <inkml:channelProperty channel="F" name="resolution" value="0" units="1/dev"/>
+        </inkml:channelProperties>
+      </inkml:inkSource>
+      <inkml:timestamp xml:id="ts0" timeString="2019-04-11T09:17:40.340"/>
+    </inkml:context>
+    <inkml:brush xml:id="br0">
+      <inkml:brushProperty name="width" value="0.05" units="cm"/>
+      <inkml:brushProperty name="height" value="0.05" units="cm"/>
+    </inkml:brush>
+  </inkml:definitions>
+  <inkml:trace contextRef="#ctx0" brushRef="#br0">1947 481 24575,'4'21'0,"4"0"0,-7 5 0,6 0 0,-6 0 0,8 17 0,-8-8 0,13 25 0,-7-15 0,14 47 0,-4-28 0,-8-14 0,1-1 0,5 16 0,-4 4 0,-1-12 0,0-1 0,0-1 0,-1-9 0,1-3 0,-5-7 0,3 8 0,-6-4 0,2 14 0,-4-16 0,0 16 0,0-14 0,0 4 0,0-13 0,0-5 0,0 5 0,0 1 0,0 16 0,0-13 0,-5 24 0,4-18 0,-3 20 0,4-10 0,0-1 0,-5 33 0,-1-25 0,-4 28 0,5-36 0,-4-2 0,3-4 0,-4 5 0,-6 28 0,3-1 0,-4 12 0,6-5 0,-5-5 0,4-11 0,-4-3 0,6-16 0,-4-4 0,4-9 0,-8 5 0,8-12 0,-9 20 0,5-8 0,-2 9 0,-17 35 0,19-35 0,-24 36 0,17-46 0,1-6 0,-7 0 0,8-6 0,-10 6 0,0 1 0,5-5 0,-3 3 0,-3 8 0,-5-7 0,-3 18 0,0-21 0,8 4 0,-3-6 0,5 0 0,-5 0 0,4-4 0,-2 5 0,9-6 0,2-2 0,7 3 0,-3-11 0,7 12 0,-7-3 0,6-1 0,-6 4 0,7-3 0,-8 4 0,4 0 0,-1 5 0,-3-4 0,8-1 0,-4-1 0,1-8 0,3 8 0,-3-8 0,4 0 0,3-2 0,2-7 0,0 7 0,-1-7 0,0 6 0,-3-5 0,2 10 0,-3-5 0,0 6 0,3-8 0,-6 8 0,6-7 0,-7 4 0,4-2 0,-4-3 0,7 4 0,-6-4 0,7 3 0,-4-7 0,4 4 0,-3-5 0,6 0 0,-5 1 0,5-1 0,-2 0 0,-1 1 0,3-1 0,-2 0 0,3 1 0,0-1 0,-3 0 0,2 1 0,-6 3 0,6-3 0,-2 3 0,3-3 0,0-1 0,0 0 0,0 1 0,0-4 0,0-1 0</inkml:trace>
+  <inkml:trace contextRef="#ctx0" brushRef="#br0" timeOffset="1">2158 2004 24575,'7'0'0,"1"0"0,3-4 0,12-10 0,-5 4 0,13-12 0,-4 12 0,10-3 0,2 8 0,3-8 0,21 11 0,-8-11 0,15 12 0,-14-8 0,6 2 0,-15 2 0,3 0 0,-19 1 0,-9 3 0,-6-3 0,-5 4 0,-3 0 0,-1 0 0,4 0 0,1 0 0,4 0 0,1 0 0,13-4 0,-5-1 0,11-1 0,-10-1 0,10 1 0,-12-2 0,12-5 0,-23 4 0,3-7 0,-5 7 0,-2-6 0,6 2 0,-6 1 0,6 0 0,-3 1 0,9-2 0,-8-3 0,11 2 0,-10-1 0,17-4 0,-13 1 0,9-4 0,-11 6 0,5-1 0,0 0 0,-3 0 0,2 4 0,-8-2 0,0 6 0,8-7 0,-2 4 0,0-5 0,1 0 0,-6 4 0,8-7 0,-8 10 0,8-11 0,-13 13 0,7-7 0,-6 3 0,2 3 0,0-2 0,9 3 0,-2-1 0,9-4 0,-10 2 0,4 5 0,-5-5 0,4 3 0,-6-1 0,1 0 0,-3 2 0,-4 6 0,3-6 0,-4 7 0,-3-7 0,3 6 0,-3-2 0,0 3 0,-1 0 0</inkml:trace>
+  <inkml:trace contextRef="#ctx0" brushRef="#br0" timeOffset="2">2123 2106 24575,'-40'-28'0,"-8"-6"0,15 2 0,-14-6 0,-22-24 0,14 22 0,-11-10 0,21 16 0,-18-10 0,14 7 0,-11-6 0,17 18 0,10 6 0,6 2 0,7 8 0,-1 1 0,8 1 0,-3 6 0,8-5 0,-3 5 0,3-6 0,-12 6 0,11-5 0,-11 1 0,3 1 0,0 0 0,-4 4 0,-4 0 0,6 0 0,-11 4 0,9 1 0,-5 0 0,0 3 0,-1-7 0,-9 2 0,7-3 0,-7 0 0,14 0 0,-8-4 0,12 0 0,-12-5 0,16 1 0,-15-5 0,15 4 0,-16-4 0,12 1 0,-2 3 0,-1-3 0,0 3 0,-6-8 0,5 10 0,-4-13 0,4 10 0,-14-13 0,7 8 0,-7-7 0,9 9 0,-9-10 0,7 4 0,-12-4 0,-4-8 0,10 10 0,-9-9 0,8 7 0,6 0 0,-2 3 0,11-1 0,0 8 0,7-3 0,-5 2 0,10 6 0,-3-2 0,5 4 0,-1-2 0,1 2 0,3 2 0,-3 0 0,6-3 0,-2 3 0,-1-4 0,4 1 0,-4-1 0,1 1 0,2 3 0,-2 1 0</inkml:trace>
+  <inkml:trace contextRef="#ctx0" brushRef="#br0" timeOffset="3">2132 2626 24575,'0'7'0,"0"4"0,0-2 0,0 2 0,0 0 0,-3 6 0,2 0 0,-3 8 0,0-8 0,3 13 0,-2-12 0,-1 8 0,3-6 0,-3 2 0,4-1 0,0 0 0,0-9 0,0-1 0,0-4 0,0 5 0,0 0 0,0 0 0,0 3 0,0-3 0,0 9 0,0 0 0,4 5 0,1-4 0,4 13 0,-1-11 0,-2 13 0,5-11 0,-5 0 0,2-5 0,0 0 0,-3 4 0,3-7 0,-3 12 0,2-13 0,2 8 0,-4-3 0,6-1 0,-6 0 0,3-1 0,4 9 0,-2-1 0,5 1 0,-5-4 0,5-8 0,-5 12 0,5-10 0,-6 6 0,3-4 0,5 1 0,-10-4 0,9 7 0,-8-12 0,6 17 0,-1-12 0,0 12 0,-2-13 0,3 13 0,3-7 0,1 8 0,-1 2 0,0-10 0,-4 9 0,3-5 0,-7-4 0,4 2 0,-5-9 0,4 0 0,-3 0 0,-1 0 0,-1 0 0,1 0 0,1 0 0,3 5 0,-4-4 0,0 8 0,4-8 0,-2 8 0,5-3 0,-6-5 0,7 10 0,-4-13 0,1 14 0,-2-15 0,1 6 0,-3-7 0,2 5 0,-3-1 0,0 0 0,1 4 0,-2-10 0,2 9 0,-2-14 0,1 10 0,-1-7 0,-2 3 0,6 5 0,-6-3 0,7 12 0,-3-8 0,3 8 0,1-3 0,1 4 0,1-5 0,3 16 0,-1-16 0,0 11 0,-5-16 0,-5-4 0,1 3 0,0 2 0,0-4 0,0 3 0,-1-9 0,1 9 0,0-7 0,0 7 0,-1-9 0,1 4 0,-4-2 0,3 2 0,-3-4 0,0 1 0,-1-1 0,0 0 0,1 1 0,4-1 0,-1-3 0,-3 6 0,3-5 0,-3 7 0,0-5 0,2 0 0,-5 1 0,5-1 0,-5 0 0,6 1 0,-6-1 0,5 0 0,-5 1 0,2-1 0,0 0 0,-2 0 0,6 1 0,-6-1 0,2 0 0,-3 1 0,0-1 0,0-3 0,0-1 0</inkml:trace>
+</inkml:ink>
+</file>
+
+<file path=ppt/ink/ink17.xml><?xml version="1.0" encoding="utf-8"?>
+<inkml:ink xmlns:inkml="http://www.w3.org/2003/InkML">
+  <inkml:definitions>
+    <inkml:context xml:id="ctx0">
+      <inkml:inkSource xml:id="inkSrc0">
+        <inkml:traceFormat>
+          <inkml:channel name="X" type="integer" min="-2.14748E9" max="2.14748E9" units="cm"/>
+          <inkml:channel name="Y" type="integer" min="-2.14748E9" max="2.14748E9" units="cm"/>
+          <inkml:channel name="F" type="integer" max="32767" units="dev"/>
+        </inkml:traceFormat>
+        <inkml:channelProperties>
+          <inkml:channelProperty channel="X" name="resolution" value="1000" units="1/cm"/>
+          <inkml:channelProperty channel="Y" name="resolution" value="1000" units="1/cm"/>
+          <inkml:channelProperty channel="F" name="resolution" value="0" units="1/dev"/>
+        </inkml:channelProperties>
+      </inkml:inkSource>
+      <inkml:timestamp xml:id="ts0" timeString="2019-04-11T09:17:40.344"/>
+    </inkml:context>
+    <inkml:brush xml:id="br0">
+      <inkml:brushProperty name="width" value="0.05" units="cm"/>
+      <inkml:brushProperty name="height" value="0.05" units="cm"/>
+    </inkml:brush>
+  </inkml:definitions>
+  <inkml:trace contextRef="#ctx0" brushRef="#br0">18 35 24575,'-9'0'0,"5"4"0,0 0 0,4 5 0,0-1 0,0 0 0,0 0 0,0 1 0,0-1 0,0 0 0,4-3 0,-3 2 0,2-2 0,1-1 0,-3 4 0,6-7 0,-2 2 0,3-3 0,0 0 0,-3-4 0,-1 0 0,-4-5 0,0 1 0,0 0 0,0-1 0,0 1 0,0 0 0,0-1 0,0 1 0,0-1 0,0 1 0,0 0 0,0-1 0,0 1 0,0-1 0,0 5 0,0 0 0</inkml:trace>
+</inkml:ink>
+</file>
+
+<file path=ppt/ink/ink18.xml><?xml version="1.0" encoding="utf-8"?>
+<inkml:ink xmlns:inkml="http://www.w3.org/2003/InkML">
+  <inkml:definitions>
+    <inkml:context xml:id="ctx0">
+      <inkml:inkSource xml:id="inkSrc0">
+        <inkml:traceFormat>
+          <inkml:channel name="X" type="integer" min="-2.14748E9" max="2.14748E9" units="cm"/>
+          <inkml:channel name="Y" type="integer" min="-2.14748E9" max="2.14748E9" units="cm"/>
+          <inkml:channel name="F" type="integer" max="32767" units="dev"/>
+        </inkml:traceFormat>
+        <inkml:channelProperties>
+          <inkml:channelProperty channel="X" name="resolution" value="1000" units="1/cm"/>
+          <inkml:channelProperty channel="Y" name="resolution" value="1000" units="1/cm"/>
+          <inkml:channelProperty channel="F" name="resolution" value="0" units="1/dev"/>
+        </inkml:channelProperties>
+      </inkml:inkSource>
       <inkml:timestamp xml:id="ts0" timeString="2019-04-11T09:17:40.345"/>
     </inkml:context>
     <inkml:brush xml:id="br0">
@@ -581,6 +690,33 @@
     </inkml:brush>
   </inkml:definitions>
   <inkml:trace contextRef="#ctx0" brushRef="#br0">58 0 24575,'-20'0'0,"4"4"0,7 1 0,5 3 0,0-3 0,3 2 0,-2-2 0,3 3 0,0 0 0,0 0 0,0 0 0,0 0 0,0 0 0,0 0 0,0 1 0,0-1 0,0 0 0,3-3 0,2-1 0,3-4 0,0 0 0,2-4 0,-6-1 0,4 0 0,-4 2 0,1-1 0,2 3 0,-6-6 0,6 6 0,-6-7 0,3 4 0,0-1 0,-3-3 0,2 4 0,-3-4 0,0 0 0,0 0 0,-3 3 0,-2 1 0,-4 4 0,5-3 0,-4 2 0,4-3 0,-1 8 0,1-4 0,4 4 0</inkml:trace>
+</inkml:ink>
+</file>
+
+<file path=ppt/ink/ink19.xml><?xml version="1.0" encoding="utf-8"?>
+<inkml:ink xmlns:inkml="http://www.w3.org/2003/InkML">
+  <inkml:definitions>
+    <inkml:context xml:id="ctx0">
+      <inkml:inkSource xml:id="inkSrc0">
+        <inkml:traceFormat>
+          <inkml:channel name="X" type="integer" min="-2.14748E9" max="2.14748E9" units="cm"/>
+          <inkml:channel name="Y" type="integer" min="-2.14748E9" max="2.14748E9" units="cm"/>
+          <inkml:channel name="F" type="integer" max="32767" units="dev"/>
+        </inkml:traceFormat>
+        <inkml:channelProperties>
+          <inkml:channelProperty channel="X" name="resolution" value="1000" units="1/cm"/>
+          <inkml:channelProperty channel="Y" name="resolution" value="1000" units="1/cm"/>
+          <inkml:channelProperty channel="F" name="resolution" value="0" units="1/dev"/>
+        </inkml:channelProperties>
+      </inkml:inkSource>
+      <inkml:timestamp xml:id="ts0" timeString="2019-04-14T08:24:22.874"/>
+    </inkml:context>
+    <inkml:brush xml:id="br0">
+      <inkml:brushProperty name="width" value="0.05" units="cm"/>
+      <inkml:brushProperty name="height" value="0.05" units="cm"/>
+    </inkml:brush>
+  </inkml:definitions>
+  <inkml:trace contextRef="#ctx0" brushRef="#br0">1 0 24575,'0'6'0,"0"0"0,0 0 0,0 0 0,0 0 0,0 0 0,2 0 0,1 0 0,3 0 0,-2 0 0,1 0 0,-2 0 0,3 0 0,-2 0 0,1 0 0,-2 0 0,1 0 0,1-2 0,-2 1 0,3-2 0,-2 3 0,1-3 0,-4 3 0,4-6 0,-2 6 0,1-3 0,1 0 0,-2 3 0,3-6 0,0 6 0,0-6 0,-2 6 0,1-6 0,-2 6 0,3-6 0,0 6 0,0-6 0,0 3 0,0 0 0,0-3 0,0 3 0,0 0 0,0-3 0,0 3 0,0-3 0,0 3 0,0-3 0,0 3 0,0-3 0,0 3 0,0-3 0,0 3 0,0-3 0,0 3 0,0-3 0,0 3 0,0-3 0,0 3 0,0-3 0,0 3 0,0-3 0,0 0 0,0 0 0,0 3 0,0-3 0,0 3 0,0-3 0,0 0 0,0 0 0,0 0 0,0 0 0,0 0 0,0 0 0,0 0 0,0 0 0,0 0 0,0 0 0,0 0 0,0 0 0,0 0 0,0 0 0,0 0 0,0 0 0,0 0 0,0 0 0,0 0 0,0 0 0,0 0 0,0 0 0,0 0 0,0 0 0,0 0 0,0 0 0,-1 0 0,1 0 0,0 0 0,0 0 0,0 0 0,0 0 0,0 0 0,0 0 0,0 0 0,-2-3 0,1 3 0,-2-3 0,3 0 0,0 3 0,0-6 0,0 5 0,0-1 0,-2-1 0,1 2 0,-4-4 0,4 4 0,-2-4 0,1 2 0,1-1 0,-4-1 0,1 1 0,1-2 0,-2 0 0,4 0 0,-4 0 0,4 3 0,-2-3 0,3 6 0,-2-6 0,1 6 0,-2-6 0,3 5 0,-3-4 0,3 4 0,-6-4 0,3 2 0,0-1 0,-3-1 0,3 2 0,-3-4 0,0 1 0,0 0 0,0 0 0,0 0 0,0 0 0,0 0 0,3 3 0,-3-3 0,6 6 0,-6-6 0,3 3 0,0-1 0,-3-1 0,3 2 0,0-1 0,-3-1 0,6 4 0,-6-2 0,3 3 0</inkml:trace>
 </inkml:ink>
 </file>
 
@@ -608,6 +744,117 @@
     </inkml:brush>
   </inkml:definitions>
   <inkml:trace contextRef="#ctx0" brushRef="#br0">16 6 24575,'-2'-3'0,"-1"1"0,0 4 0,-1 1 0,3 2 0,-1 0 0,4 0 0,1-2 0,2-1 0,-2 1 0,-1-3 0,-2 3 0</inkml:trace>
+</inkml:ink>
+</file>
+
+<file path=ppt/ink/ink20.xml><?xml version="1.0" encoding="utf-8"?>
+<inkml:ink xmlns:inkml="http://www.w3.org/2003/InkML">
+  <inkml:definitions>
+    <inkml:context xml:id="ctx0">
+      <inkml:inkSource xml:id="inkSrc0">
+        <inkml:traceFormat>
+          <inkml:channel name="X" type="integer" min="-2.14748E9" max="2.14748E9" units="cm"/>
+          <inkml:channel name="Y" type="integer" min="-2.14748E9" max="2.14748E9" units="cm"/>
+          <inkml:channel name="F" type="integer" max="32767" units="dev"/>
+        </inkml:traceFormat>
+        <inkml:channelProperties>
+          <inkml:channelProperty channel="X" name="resolution" value="1000" units="1/cm"/>
+          <inkml:channelProperty channel="Y" name="resolution" value="1000" units="1/cm"/>
+          <inkml:channelProperty channel="F" name="resolution" value="0" units="1/dev"/>
+        </inkml:channelProperties>
+      </inkml:inkSource>
+      <inkml:timestamp xml:id="ts0" timeString="2019-04-11T09:17:40.340"/>
+    </inkml:context>
+    <inkml:brush xml:id="br0">
+      <inkml:brushProperty name="width" value="0.05" units="cm"/>
+      <inkml:brushProperty name="height" value="0.05" units="cm"/>
+    </inkml:brush>
+  </inkml:definitions>
+  <inkml:trace contextRef="#ctx0" brushRef="#br0">1947 481 24575,'4'21'0,"4"0"0,-7 5 0,6 0 0,-6 0 0,8 17 0,-8-8 0,13 25 0,-7-15 0,14 47 0,-4-28 0,-8-14 0,1-1 0,5 16 0,-4 4 0,-1-12 0,0-1 0,0-1 0,-1-9 0,1-3 0,-5-7 0,3 8 0,-6-4 0,2 14 0,-4-16 0,0 16 0,0-14 0,0 4 0,0-13 0,0-5 0,0 5 0,0 1 0,0 16 0,0-13 0,-5 24 0,4-18 0,-3 20 0,4-10 0,0-1 0,-5 33 0,-1-25 0,-4 28 0,5-36 0,-4-2 0,3-4 0,-4 5 0,-6 28 0,3-1 0,-4 12 0,6-5 0,-5-5 0,4-11 0,-4-3 0,6-16 0,-4-4 0,4-9 0,-8 5 0,8-12 0,-9 20 0,5-8 0,-2 9 0,-17 35 0,19-35 0,-24 36 0,17-46 0,1-6 0,-7 0 0,8-6 0,-10 6 0,0 1 0,5-5 0,-3 3 0,-3 8 0,-5-7 0,-3 18 0,0-21 0,8 4 0,-3-6 0,5 0 0,-5 0 0,4-4 0,-2 5 0,9-6 0,2-2 0,7 3 0,-3-11 0,7 12 0,-7-3 0,6-1 0,-6 4 0,7-3 0,-8 4 0,4 0 0,-1 5 0,-3-4 0,8-1 0,-4-1 0,1-8 0,3 8 0,-3-8 0,4 0 0,3-2 0,2-7 0,0 7 0,-1-7 0,0 6 0,-3-5 0,2 10 0,-3-5 0,0 6 0,3-8 0,-6 8 0,6-7 0,-7 4 0,4-2 0,-4-3 0,7 4 0,-6-4 0,7 3 0,-4-7 0,4 4 0,-3-5 0,6 0 0,-5 1 0,5-1 0,-2 0 0,-1 1 0,3-1 0,-2 0 0,3 1 0,0-1 0,-3 0 0,2 1 0,-6 3 0,6-3 0,-2 3 0,3-3 0,0-1 0,0 0 0,0 1 0,0-4 0,0-1 0</inkml:trace>
+  <inkml:trace contextRef="#ctx0" brushRef="#br0" timeOffset="1">2158 2004 24575,'7'0'0,"1"0"0,3-4 0,12-10 0,-5 4 0,13-12 0,-4 12 0,10-3 0,2 8 0,3-8 0,21 11 0,-8-11 0,15 12 0,-14-8 0,6 2 0,-15 2 0,3 0 0,-19 1 0,-9 3 0,-6-3 0,-5 4 0,-3 0 0,-1 0 0,4 0 0,1 0 0,4 0 0,1 0 0,13-4 0,-5-1 0,11-1 0,-10-1 0,10 1 0,-12-2 0,12-5 0,-23 4 0,3-7 0,-5 7 0,-2-6 0,6 2 0,-6 1 0,6 0 0,-3 1 0,9-2 0,-8-3 0,11 2 0,-10-1 0,17-4 0,-13 1 0,9-4 0,-11 6 0,5-1 0,0 0 0,-3 0 0,2 4 0,-8-2 0,0 6 0,8-7 0,-2 4 0,0-5 0,1 0 0,-6 4 0,8-7 0,-8 10 0,8-11 0,-13 13 0,7-7 0,-6 3 0,2 3 0,0-2 0,9 3 0,-2-1 0,9-4 0,-10 2 0,4 5 0,-5-5 0,4 3 0,-6-1 0,1 0 0,-3 2 0,-4 6 0,3-6 0,-4 7 0,-3-7 0,3 6 0,-3-2 0,0 3 0,-1 0 0</inkml:trace>
+  <inkml:trace contextRef="#ctx0" brushRef="#br0" timeOffset="2">2123 2106 24575,'-40'-28'0,"-8"-6"0,15 2 0,-14-6 0,-22-24 0,14 22 0,-11-10 0,21 16 0,-18-10 0,14 7 0,-11-6 0,17 18 0,10 6 0,6 2 0,7 8 0,-1 1 0,8 1 0,-3 6 0,8-5 0,-3 5 0,3-6 0,-12 6 0,11-5 0,-11 1 0,3 1 0,0 0 0,-4 4 0,-4 0 0,6 0 0,-11 4 0,9 1 0,-5 0 0,0 3 0,-1-7 0,-9 2 0,7-3 0,-7 0 0,14 0 0,-8-4 0,12 0 0,-12-5 0,16 1 0,-15-5 0,15 4 0,-16-4 0,12 1 0,-2 3 0,-1-3 0,0 3 0,-6-8 0,5 10 0,-4-13 0,4 10 0,-14-13 0,7 8 0,-7-7 0,9 9 0,-9-10 0,7 4 0,-12-4 0,-4-8 0,10 10 0,-9-9 0,8 7 0,6 0 0,-2 3 0,11-1 0,0 8 0,7-3 0,-5 2 0,10 6 0,-3-2 0,5 4 0,-1-2 0,1 2 0,3 2 0,-3 0 0,6-3 0,-2 3 0,-1-4 0,4 1 0,-4-1 0,1 1 0,2 3 0,-2 1 0</inkml:trace>
+  <inkml:trace contextRef="#ctx0" brushRef="#br0" timeOffset="3">2132 2626 24575,'0'7'0,"0"4"0,0-2 0,0 2 0,0 0 0,-3 6 0,2 0 0,-3 8 0,0-8 0,3 13 0,-2-12 0,-1 8 0,3-6 0,-3 2 0,4-1 0,0 0 0,0-9 0,0-1 0,0-4 0,0 5 0,0 0 0,0 0 0,0 3 0,0-3 0,0 9 0,0 0 0,4 5 0,1-4 0,4 13 0,-1-11 0,-2 13 0,5-11 0,-5 0 0,2-5 0,0 0 0,-3 4 0,3-7 0,-3 12 0,2-13 0,2 8 0,-4-3 0,6-1 0,-6 0 0,3-1 0,4 9 0,-2-1 0,5 1 0,-5-4 0,5-8 0,-5 12 0,5-10 0,-6 6 0,3-4 0,5 1 0,-10-4 0,9 7 0,-8-12 0,6 17 0,-1-12 0,0 12 0,-2-13 0,3 13 0,3-7 0,1 8 0,-1 2 0,0-10 0,-4 9 0,3-5 0,-7-4 0,4 2 0,-5-9 0,4 0 0,-3 0 0,-1 0 0,-1 0 0,1 0 0,1 0 0,3 5 0,-4-4 0,0 8 0,4-8 0,-2 8 0,5-3 0,-6-5 0,7 10 0,-4-13 0,1 14 0,-2-15 0,1 6 0,-3-7 0,2 5 0,-3-1 0,0 0 0,1 4 0,-2-10 0,2 9 0,-2-14 0,1 10 0,-1-7 0,-2 3 0,6 5 0,-6-3 0,7 12 0,-3-8 0,3 8 0,1-3 0,1 4 0,1-5 0,3 16 0,-1-16 0,0 11 0,-5-16 0,-5-4 0,1 3 0,0 2 0,0-4 0,0 3 0,-1-9 0,1 9 0,0-7 0,0 7 0,-1-9 0,1 4 0,-4-2 0,3 2 0,-3-4 0,0 1 0,-1-1 0,0 0 0,1 1 0,4-1 0,-1-3 0,-3 6 0,3-5 0,-3 7 0,0-5 0,2 0 0,-5 1 0,5-1 0,-5 0 0,6 1 0,-6-1 0,5 0 0,-5 1 0,2-1 0,0 0 0,-2 0 0,6 1 0,-6-1 0,2 0 0,-3 1 0,0-1 0,0-3 0,0-1 0</inkml:trace>
+</inkml:ink>
+</file>
+
+<file path=ppt/ink/ink21.xml><?xml version="1.0" encoding="utf-8"?>
+<inkml:ink xmlns:inkml="http://www.w3.org/2003/InkML">
+  <inkml:definitions>
+    <inkml:context xml:id="ctx0">
+      <inkml:inkSource xml:id="inkSrc0">
+        <inkml:traceFormat>
+          <inkml:channel name="X" type="integer" min="-2.14748E9" max="2.14748E9" units="cm"/>
+          <inkml:channel name="Y" type="integer" min="-2.14748E9" max="2.14748E9" units="cm"/>
+          <inkml:channel name="F" type="integer" max="32767" units="dev"/>
+        </inkml:traceFormat>
+        <inkml:channelProperties>
+          <inkml:channelProperty channel="X" name="resolution" value="1000" units="1/cm"/>
+          <inkml:channelProperty channel="Y" name="resolution" value="1000" units="1/cm"/>
+          <inkml:channelProperty channel="F" name="resolution" value="0" units="1/dev"/>
+        </inkml:channelProperties>
+      </inkml:inkSource>
+      <inkml:timestamp xml:id="ts0" timeString="2019-04-11T09:17:40.344"/>
+    </inkml:context>
+    <inkml:brush xml:id="br0">
+      <inkml:brushProperty name="width" value="0.05" units="cm"/>
+      <inkml:brushProperty name="height" value="0.05" units="cm"/>
+    </inkml:brush>
+  </inkml:definitions>
+  <inkml:trace contextRef="#ctx0" brushRef="#br0">18 35 24575,'-9'0'0,"5"4"0,0 0 0,4 5 0,0-1 0,0 0 0,0 0 0,0 1 0,0-1 0,0 0 0,4-3 0,-3 2 0,2-2 0,1-1 0,-3 4 0,6-7 0,-2 2 0,3-3 0,0 0 0,-3-4 0,-1 0 0,-4-5 0,0 1 0,0 0 0,0-1 0,0 1 0,0 0 0,0-1 0,0 1 0,0-1 0,0 1 0,0 0 0,0-1 0,0 1 0,0-1 0,0 5 0,0 0 0</inkml:trace>
+</inkml:ink>
+</file>
+
+<file path=ppt/ink/ink22.xml><?xml version="1.0" encoding="utf-8"?>
+<inkml:ink xmlns:inkml="http://www.w3.org/2003/InkML">
+  <inkml:definitions>
+    <inkml:context xml:id="ctx0">
+      <inkml:inkSource xml:id="inkSrc0">
+        <inkml:traceFormat>
+          <inkml:channel name="X" type="integer" min="-2.14748E9" max="2.14748E9" units="cm"/>
+          <inkml:channel name="Y" type="integer" min="-2.14748E9" max="2.14748E9" units="cm"/>
+          <inkml:channel name="F" type="integer" max="32767" units="dev"/>
+        </inkml:traceFormat>
+        <inkml:channelProperties>
+          <inkml:channelProperty channel="X" name="resolution" value="1000" units="1/cm"/>
+          <inkml:channelProperty channel="Y" name="resolution" value="1000" units="1/cm"/>
+          <inkml:channelProperty channel="F" name="resolution" value="0" units="1/dev"/>
+        </inkml:channelProperties>
+      </inkml:inkSource>
+      <inkml:timestamp xml:id="ts0" timeString="2019-04-11T09:17:40.345"/>
+    </inkml:context>
+    <inkml:brush xml:id="br0">
+      <inkml:brushProperty name="width" value="0.05" units="cm"/>
+      <inkml:brushProperty name="height" value="0.05" units="cm"/>
+    </inkml:brush>
+  </inkml:definitions>
+  <inkml:trace contextRef="#ctx0" brushRef="#br0">58 0 24575,'-20'0'0,"4"4"0,7 1 0,5 3 0,0-3 0,3 2 0,-2-2 0,3 3 0,0 0 0,0 0 0,0 0 0,0 0 0,0 0 0,0 0 0,0 1 0,0-1 0,0 0 0,3-3 0,2-1 0,3-4 0,0 0 0,2-4 0,-6-1 0,4 0 0,-4 2 0,1-1 0,2 3 0,-6-6 0,6 6 0,-6-7 0,3 4 0,0-1 0,-3-3 0,2 4 0,-3-4 0,0 0 0,0 0 0,-3 3 0,-2 1 0,-4 4 0,5-3 0,-4 2 0,4-3 0,-1 8 0,1-4 0,4 4 0</inkml:trace>
+</inkml:ink>
+</file>
+
+<file path=ppt/ink/ink23.xml><?xml version="1.0" encoding="utf-8"?>
+<inkml:ink xmlns:inkml="http://www.w3.org/2003/InkML">
+  <inkml:definitions>
+    <inkml:context xml:id="ctx0">
+      <inkml:inkSource xml:id="inkSrc0">
+        <inkml:traceFormat>
+          <inkml:channel name="X" type="integer" min="-2.14748E9" max="2.14748E9" units="cm"/>
+          <inkml:channel name="Y" type="integer" min="-2.14748E9" max="2.14748E9" units="cm"/>
+          <inkml:channel name="F" type="integer" max="32767" units="dev"/>
+        </inkml:traceFormat>
+        <inkml:channelProperties>
+          <inkml:channelProperty channel="X" name="resolution" value="1000" units="1/cm"/>
+          <inkml:channelProperty channel="Y" name="resolution" value="1000" units="1/cm"/>
+          <inkml:channelProperty channel="F" name="resolution" value="0" units="1/dev"/>
+        </inkml:channelProperties>
+      </inkml:inkSource>
+      <inkml:timestamp xml:id="ts0" timeString="2019-04-14T08:24:22.874"/>
+    </inkml:context>
+    <inkml:brush xml:id="br0">
+      <inkml:brushProperty name="width" value="0.05" units="cm"/>
+      <inkml:brushProperty name="height" value="0.05" units="cm"/>
+    </inkml:brush>
+  </inkml:definitions>
+  <inkml:trace contextRef="#ctx0" brushRef="#br0">1 0 24575,'0'6'0,"0"0"0,0 0 0,0 0 0,0 0 0,0 0 0,2 0 0,1 0 0,3 0 0,-2 0 0,1 0 0,-2 0 0,3 0 0,-2 0 0,1 0 0,-2 0 0,1 0 0,1-2 0,-2 1 0,3-2 0,-2 3 0,1-3 0,-4 3 0,4-6 0,-2 6 0,1-3 0,1 0 0,-2 3 0,3-6 0,0 6 0,0-6 0,-2 6 0,1-6 0,-2 6 0,3-6 0,0 6 0,0-6 0,0 3 0,0 0 0,0-3 0,0 3 0,0 0 0,0-3 0,0 3 0,0-3 0,0 3 0,0-3 0,0 3 0,0-3 0,0 3 0,0-3 0,0 3 0,0-3 0,0 3 0,0-3 0,0 3 0,0-3 0,0 3 0,0-3 0,0 3 0,0-3 0,0 0 0,0 0 0,0 3 0,0-3 0,0 3 0,0-3 0,0 0 0,0 0 0,0 0 0,0 0 0,0 0 0,0 0 0,0 0 0,0 0 0,0 0 0,0 0 0,0 0 0,0 0 0,0 0 0,0 0 0,0 0 0,0 0 0,0 0 0,0 0 0,0 0 0,0 0 0,0 0 0,0 0 0,0 0 0,0 0 0,0 0 0,0 0 0,-1 0 0,1 0 0,0 0 0,0 0 0,0 0 0,0 0 0,0 0 0,0 0 0,0 0 0,-2-3 0,1 3 0,-2-3 0,3 0 0,0 3 0,0-6 0,0 5 0,0-1 0,-2-1 0,1 2 0,-4-4 0,4 4 0,-2-4 0,1 2 0,1-1 0,-4-1 0,1 1 0,1-2 0,-2 0 0,4 0 0,-4 0 0,4 3 0,-2-3 0,3 6 0,-2-6 0,1 6 0,-2-6 0,3 5 0,-3-4 0,3 4 0,-6-4 0,3 2 0,0-1 0,-3-1 0,3 2 0,-3-4 0,0 1 0,0 0 0,0 0 0,0 0 0,0 0 0,0 0 0,3 3 0,-3-3 0,6 6 0,-6-6 0,3 3 0,0-1 0,-3-1 0,3 2 0,0-1 0,-3-1 0,6 4 0,-6-2 0,3 3 0</inkml:trace>
 </inkml:ink>
 </file>
 
@@ -892,7 +1139,7 @@
           <a:p>
             <a:fld id="{347435D3-23A6-45D3-8DFA-7317DC1E7A64}" type="datetimeFigureOut">
               <a:rPr lang="de-DE" smtClean="0"/>
-              <a:t>12.04.2019</a:t>
+              <a:t>14.04.19</a:t>
             </a:fld>
             <a:endParaRPr lang="de-DE"/>
           </a:p>
@@ -1288,90 +1535,6 @@
           <a:bodyPr/>
           <a:lstStyle/>
           <a:p>
-            <a:endParaRPr lang="de-DE" dirty="0"/>
-          </a:p>
-        </p:txBody>
-      </p:sp>
-      <p:sp>
-        <p:nvSpPr>
-          <p:cNvPr id="4" name="Foliennummernplatzhalter 3"/>
-          <p:cNvSpPr>
-            <a:spLocks noGrp="1"/>
-          </p:cNvSpPr>
-          <p:nvPr>
-            <p:ph type="sldNum" sz="quarter" idx="10"/>
-          </p:nvPr>
-        </p:nvSpPr>
-        <p:spPr/>
-        <p:txBody>
-          <a:bodyPr/>
-          <a:lstStyle/>
-          <a:p>
-            <a:fld id="{2969AC09-DF60-43F4-96BF-67D4D9A74094}" type="slidenum">
-              <a:rPr lang="de-DE" smtClean="0"/>
-              <a:t>32</a:t>
-            </a:fld>
-            <a:endParaRPr lang="de-DE"/>
-          </a:p>
-        </p:txBody>
-      </p:sp>
-    </p:spTree>
-    <p:extLst>
-      <p:ext uri="{BB962C8B-B14F-4D97-AF65-F5344CB8AC3E}">
-        <p14:creationId xmlns:p14="http://schemas.microsoft.com/office/powerpoint/2010/main" val="1103939067"/>
-      </p:ext>
-    </p:extLst>
-  </p:cSld>
-  <p:clrMapOvr>
-    <a:masterClrMapping/>
-  </p:clrMapOvr>
-</p:notes>
-</file>
-
-<file path=ppt/notesSlides/notesSlide11.xml><?xml version="1.0" encoding="utf-8"?>
-<p:notes xmlns:a="http://schemas.openxmlformats.org/drawingml/2006/main" xmlns:r="http://schemas.openxmlformats.org/officeDocument/2006/relationships" xmlns:p="http://schemas.openxmlformats.org/presentationml/2006/main">
-  <p:cSld>
-    <p:spTree>
-      <p:nvGrpSpPr>
-        <p:cNvPr id="1" name=""/>
-        <p:cNvGrpSpPr/>
-        <p:nvPr/>
-      </p:nvGrpSpPr>
-      <p:grpSpPr>
-        <a:xfrm>
-          <a:off x="0" y="0"/>
-          <a:ext cx="0" cy="0"/>
-          <a:chOff x="0" y="0"/>
-          <a:chExt cx="0" cy="0"/>
-        </a:xfrm>
-      </p:grpSpPr>
-      <p:sp>
-        <p:nvSpPr>
-          <p:cNvPr id="2" name="Folienbildplatzhalter 1"/>
-          <p:cNvSpPr>
-            <a:spLocks noGrp="1" noRot="1" noChangeAspect="1"/>
-          </p:cNvSpPr>
-          <p:nvPr>
-            <p:ph type="sldImg"/>
-          </p:nvPr>
-        </p:nvSpPr>
-        <p:spPr/>
-      </p:sp>
-      <p:sp>
-        <p:nvSpPr>
-          <p:cNvPr id="3" name="Notizenplatzhalter 2"/>
-          <p:cNvSpPr>
-            <a:spLocks noGrp="1"/>
-          </p:cNvSpPr>
-          <p:nvPr>
-            <p:ph type="body" idx="1"/>
-          </p:nvPr>
-        </p:nvSpPr>
-        <p:spPr/>
-        <p:txBody>
-          <a:bodyPr/>
-          <a:lstStyle/>
-          <a:p>
             <a:r>
               <a:rPr lang="de-DE" dirty="0"/>
               <a:t>Wir wissen jetzt mit WAS Mensch und Maschine</a:t>
@@ -1436,7 +1599,7 @@
 </p:notes>
 </file>
 
-<file path=ppt/notesSlides/notesSlide12.xml><?xml version="1.0" encoding="utf-8"?>
+<file path=ppt/notesSlides/notesSlide2.xml><?xml version="1.0" encoding="utf-8"?>
 <p:notes xmlns:a="http://schemas.openxmlformats.org/drawingml/2006/main" xmlns:r="http://schemas.openxmlformats.org/officeDocument/2006/relationships" xmlns:p="http://schemas.openxmlformats.org/presentationml/2006/main">
   <p:cSld>
     <p:spTree>
@@ -1482,132 +1645,24 @@
           <a:p>
             <a:r>
               <a:rPr lang="de-DE" dirty="0"/>
-              <a:t>Wir wissen jetzt mit WAS Mensch und Maschine</a:t>
-            </a:r>
-            <a:r>
-              <a:rPr lang="de-DE" baseline="0" dirty="0"/>
-              <a:t> interagieren können, aber sie reden nach wie vor nicht miteinander.</a:t>
-            </a:r>
-          </a:p>
-          <a:p>
-            <a:r>
-              <a:rPr lang="de-DE" baseline="0" dirty="0"/>
-              <a:t>Um Informationen austauschen zu können müssen entsprechende Möglichkeiten vorhanden sein.</a:t>
-            </a:r>
-          </a:p>
-          <a:p>
-            <a:r>
-              <a:rPr lang="de-DE" baseline="0" dirty="0"/>
-              <a:t>Das System stellt dem Mensch entsprechende Optionen </a:t>
-            </a:r>
-            <a:r>
-              <a:rPr lang="de-DE" baseline="0"/>
-              <a:t>zur Verfügung.</a:t>
-            </a:r>
-            <a:endParaRPr lang="de-DE" dirty="0"/>
-          </a:p>
-        </p:txBody>
-      </p:sp>
-      <p:sp>
-        <p:nvSpPr>
-          <p:cNvPr id="4" name="Foliennummernplatzhalter 3"/>
-          <p:cNvSpPr>
-            <a:spLocks noGrp="1"/>
-          </p:cNvSpPr>
-          <p:nvPr>
-            <p:ph type="sldNum" sz="quarter" idx="10"/>
-          </p:nvPr>
-        </p:nvSpPr>
-        <p:spPr/>
-        <p:txBody>
-          <a:bodyPr/>
-          <a:lstStyle/>
-          <a:p>
-            <a:fld id="{2969AC09-DF60-43F4-96BF-67D4D9A74094}" type="slidenum">
-              <a:rPr lang="de-DE" smtClean="0"/>
-              <a:t>34</a:t>
-            </a:fld>
-            <a:endParaRPr lang="de-DE"/>
-          </a:p>
-        </p:txBody>
-      </p:sp>
-    </p:spTree>
-    <p:extLst>
-      <p:ext uri="{BB962C8B-B14F-4D97-AF65-F5344CB8AC3E}">
-        <p14:creationId xmlns:p14="http://schemas.microsoft.com/office/powerpoint/2010/main" val="1962432423"/>
-      </p:ext>
-    </p:extLst>
-  </p:cSld>
-  <p:clrMapOvr>
-    <a:masterClrMapping/>
-  </p:clrMapOvr>
-</p:notes>
-</file>
-
-<file path=ppt/notesSlides/notesSlide2.xml><?xml version="1.0" encoding="utf-8"?>
-<p:notes xmlns:a="http://schemas.openxmlformats.org/drawingml/2006/main" xmlns:r="http://schemas.openxmlformats.org/officeDocument/2006/relationships" xmlns:p="http://schemas.openxmlformats.org/presentationml/2006/main">
-  <p:cSld>
-    <p:spTree>
-      <p:nvGrpSpPr>
-        <p:cNvPr id="1" name=""/>
-        <p:cNvGrpSpPr/>
-        <p:nvPr/>
-      </p:nvGrpSpPr>
-      <p:grpSpPr>
-        <a:xfrm>
-          <a:off x="0" y="0"/>
-          <a:ext cx="0" cy="0"/>
-          <a:chOff x="0" y="0"/>
-          <a:chExt cx="0" cy="0"/>
-        </a:xfrm>
-      </p:grpSpPr>
-      <p:sp>
-        <p:nvSpPr>
-          <p:cNvPr id="2" name="Folienbildplatzhalter 1"/>
-          <p:cNvSpPr>
-            <a:spLocks noGrp="1" noRot="1" noChangeAspect="1"/>
-          </p:cNvSpPr>
-          <p:nvPr>
-            <p:ph type="sldImg"/>
-          </p:nvPr>
-        </p:nvSpPr>
-        <p:spPr/>
-      </p:sp>
-      <p:sp>
-        <p:nvSpPr>
-          <p:cNvPr id="3" name="Notizenplatzhalter 2"/>
-          <p:cNvSpPr>
-            <a:spLocks noGrp="1"/>
-          </p:cNvSpPr>
-          <p:nvPr>
-            <p:ph type="body" idx="1"/>
-          </p:nvPr>
-        </p:nvSpPr>
-        <p:spPr/>
-        <p:txBody>
-          <a:bodyPr/>
-          <a:lstStyle/>
-          <a:p>
-            <a:r>
-              <a:rPr lang="de-DE" dirty="0" smtClean="0"/>
               <a:t>Was ist das genaue Problem des Produktionsmitarbeiters?</a:t>
             </a:r>
           </a:p>
           <a:p>
             <a:r>
-              <a:rPr lang="de-DE" dirty="0" smtClean="0"/>
+              <a:rPr lang="de-DE" dirty="0"/>
               <a:t>Höhere Flexibilität</a:t>
             </a:r>
           </a:p>
           <a:p>
             <a:r>
-              <a:rPr lang="de-DE" dirty="0" smtClean="0"/>
+              <a:rPr lang="de-DE" dirty="0"/>
               <a:t>hat Verantwortung, dass es funktioniert</a:t>
             </a:r>
           </a:p>
           <a:p>
             <a:r>
-              <a:rPr lang="de-DE" dirty="0" smtClean="0"/>
+              <a:rPr lang="de-DE" dirty="0"/>
               <a:t>Muss nach jedem Umbau bewerkstelligen, dass Produktion aufrecht erhalten bleibt</a:t>
             </a:r>
           </a:p>
@@ -1826,17 +1881,17 @@
           <a:lstStyle/>
           <a:p>
             <a:r>
-              <a:rPr lang="de-DE" dirty="0" smtClean="0"/>
+              <a:rPr lang="de-DE" dirty="0"/>
               <a:t>Wie entsteht ein Problem??</a:t>
             </a:r>
           </a:p>
           <a:p>
             <a:r>
-              <a:rPr lang="de-DE" dirty="0" smtClean="0"/>
+              <a:rPr lang="de-DE" dirty="0"/>
               <a:t>Um zu wissen, wie man helfen kann –&gt;</a:t>
             </a:r>
             <a:r>
-              <a:rPr lang="de-DE" baseline="0" dirty="0" smtClean="0"/>
+              <a:rPr lang="de-DE" baseline="0" dirty="0"/>
               <a:t> anschauen, wie Problemlöseprozess abläuft</a:t>
             </a:r>
             <a:endParaRPr lang="de-DE" dirty="0"/>
@@ -1924,13 +1979,32 @@
           <a:lstStyle/>
           <a:p>
             <a:r>
-              <a:rPr lang="de-DE" dirty="0" smtClean="0"/>
+              <a:rPr lang="de-DE" dirty="0"/>
               <a:t>Bei</a:t>
             </a:r>
             <a:r>
-              <a:rPr lang="de-DE" baseline="0" dirty="0" smtClean="0"/>
+              <a:rPr lang="de-DE" baseline="0" dirty="0"/>
               <a:t> welchen Aspekten kann die Assistenz im Problemlöseprozess helfen??</a:t>
             </a:r>
+          </a:p>
+          <a:p>
+            <a:endParaRPr lang="de-DE" baseline="0" dirty="0"/>
+          </a:p>
+          <a:p>
+            <a:r>
+              <a:rPr lang="de-DE" baseline="0" dirty="0"/>
+              <a:t>Wann sollte was angepasst werden?</a:t>
+            </a:r>
+          </a:p>
+          <a:p>
+            <a:endParaRPr lang="de-DE" baseline="0" dirty="0"/>
+          </a:p>
+          <a:p>
+            <a:r>
+              <a:rPr lang="de-DE" dirty="0"/>
+              <a:t>Wobei kann der Mitarbeiter mit einem Assistenzsystem unterstützt werden?</a:t>
+            </a:r>
+            <a:endParaRPr lang="de-DE" baseline="0" dirty="0"/>
           </a:p>
         </p:txBody>
       </p:sp>
@@ -1971,97 +2045,6 @@
 </file>
 
 <file path=ppt/notesSlides/notesSlide6.xml><?xml version="1.0" encoding="utf-8"?>
-<p:notes xmlns:a="http://schemas.openxmlformats.org/drawingml/2006/main" xmlns:r="http://schemas.openxmlformats.org/officeDocument/2006/relationships" xmlns:p="http://schemas.openxmlformats.org/presentationml/2006/main">
-  <p:cSld>
-    <p:spTree>
-      <p:nvGrpSpPr>
-        <p:cNvPr id="1" name=""/>
-        <p:cNvGrpSpPr/>
-        <p:nvPr/>
-      </p:nvGrpSpPr>
-      <p:grpSpPr>
-        <a:xfrm>
-          <a:off x="0" y="0"/>
-          <a:ext cx="0" cy="0"/>
-          <a:chOff x="0" y="0"/>
-          <a:chExt cx="0" cy="0"/>
-        </a:xfrm>
-      </p:grpSpPr>
-      <p:sp>
-        <p:nvSpPr>
-          <p:cNvPr id="2" name="Folienbildplatzhalter 1"/>
-          <p:cNvSpPr>
-            <a:spLocks noGrp="1" noRot="1" noChangeAspect="1"/>
-          </p:cNvSpPr>
-          <p:nvPr>
-            <p:ph type="sldImg"/>
-          </p:nvPr>
-        </p:nvSpPr>
-        <p:spPr/>
-      </p:sp>
-      <p:sp>
-        <p:nvSpPr>
-          <p:cNvPr id="3" name="Notizenplatzhalter 2"/>
-          <p:cNvSpPr>
-            <a:spLocks noGrp="1"/>
-          </p:cNvSpPr>
-          <p:nvPr>
-            <p:ph type="body" idx="1"/>
-          </p:nvPr>
-        </p:nvSpPr>
-        <p:spPr/>
-        <p:txBody>
-          <a:bodyPr/>
-          <a:lstStyle/>
-          <a:p>
-            <a:r>
-              <a:rPr lang="de-DE" dirty="0" smtClean="0"/>
-              <a:t>Bei</a:t>
-            </a:r>
-            <a:r>
-              <a:rPr lang="de-DE" baseline="0" dirty="0" smtClean="0"/>
-              <a:t> welchen Aspekten kann die Assistenz im Problemlöseprozess helfen??</a:t>
-            </a:r>
-          </a:p>
-        </p:txBody>
-      </p:sp>
-      <p:sp>
-        <p:nvSpPr>
-          <p:cNvPr id="4" name="Foliennummernplatzhalter 3"/>
-          <p:cNvSpPr>
-            <a:spLocks noGrp="1"/>
-          </p:cNvSpPr>
-          <p:nvPr>
-            <p:ph type="sldNum" sz="quarter" idx="10"/>
-          </p:nvPr>
-        </p:nvSpPr>
-        <p:spPr/>
-        <p:txBody>
-          <a:bodyPr/>
-          <a:lstStyle/>
-          <a:p>
-            <a:fld id="{2969AC09-DF60-43F4-96BF-67D4D9A74094}" type="slidenum">
-              <a:rPr lang="de-DE" smtClean="0"/>
-              <a:t>7</a:t>
-            </a:fld>
-            <a:endParaRPr lang="de-DE"/>
-          </a:p>
-        </p:txBody>
-      </p:sp>
-    </p:spTree>
-    <p:extLst>
-      <p:ext uri="{BB962C8B-B14F-4D97-AF65-F5344CB8AC3E}">
-        <p14:creationId xmlns:p14="http://schemas.microsoft.com/office/powerpoint/2010/main" val="515772827"/>
-      </p:ext>
-    </p:extLst>
-  </p:cSld>
-  <p:clrMapOvr>
-    <a:masterClrMapping/>
-  </p:clrMapOvr>
-</p:notes>
-</file>
-
-<file path=ppt/notesSlides/notesSlide7.xml><?xml version="1.0" encoding="utf-8"?>
 <p:notes xmlns:a="http://schemas.openxmlformats.org/drawingml/2006/main" xmlns:r="http://schemas.openxmlformats.org/officeDocument/2006/relationships" xmlns:p="http://schemas.openxmlformats.org/presentationml/2006/main">
   <p:cSld>
     <p:spTree>
@@ -2157,7 +2140,7 @@
 </p:notes>
 </file>
 
-<file path=ppt/notesSlides/notesSlide8.xml><?xml version="1.0" encoding="utf-8"?>
+<file path=ppt/notesSlides/notesSlide7.xml><?xml version="1.0" encoding="utf-8"?>
 <p:notes xmlns:a="http://schemas.openxmlformats.org/drawingml/2006/main" xmlns:r="http://schemas.openxmlformats.org/officeDocument/2006/relationships" xmlns:p="http://schemas.openxmlformats.org/presentationml/2006/main">
   <p:cSld>
     <p:spTree>
@@ -2249,7 +2232,7 @@
 </p:notes>
 </file>
 
-<file path=ppt/notesSlides/notesSlide9.xml><?xml version="1.0" encoding="utf-8"?>
+<file path=ppt/notesSlides/notesSlide8.xml><?xml version="1.0" encoding="utf-8"?>
 <p:notes xmlns:a="http://schemas.openxmlformats.org/drawingml/2006/main" xmlns:r="http://schemas.openxmlformats.org/officeDocument/2006/relationships" xmlns:p="http://schemas.openxmlformats.org/presentationml/2006/main">
   <p:cSld>
     <p:spTree>
@@ -2333,6 +2316,90 @@
 </p:notes>
 </file>
 
+<file path=ppt/notesSlides/notesSlide9.xml><?xml version="1.0" encoding="utf-8"?>
+<p:notes xmlns:a="http://schemas.openxmlformats.org/drawingml/2006/main" xmlns:r="http://schemas.openxmlformats.org/officeDocument/2006/relationships" xmlns:p="http://schemas.openxmlformats.org/presentationml/2006/main">
+  <p:cSld>
+    <p:spTree>
+      <p:nvGrpSpPr>
+        <p:cNvPr id="1" name=""/>
+        <p:cNvGrpSpPr/>
+        <p:nvPr/>
+      </p:nvGrpSpPr>
+      <p:grpSpPr>
+        <a:xfrm>
+          <a:off x="0" y="0"/>
+          <a:ext cx="0" cy="0"/>
+          <a:chOff x="0" y="0"/>
+          <a:chExt cx="0" cy="0"/>
+        </a:xfrm>
+      </p:grpSpPr>
+      <p:sp>
+        <p:nvSpPr>
+          <p:cNvPr id="2" name="Folienbildplatzhalter 1"/>
+          <p:cNvSpPr>
+            <a:spLocks noGrp="1" noRot="1" noChangeAspect="1"/>
+          </p:cNvSpPr>
+          <p:nvPr>
+            <p:ph type="sldImg"/>
+          </p:nvPr>
+        </p:nvSpPr>
+        <p:spPr/>
+      </p:sp>
+      <p:sp>
+        <p:nvSpPr>
+          <p:cNvPr id="3" name="Notizenplatzhalter 2"/>
+          <p:cNvSpPr>
+            <a:spLocks noGrp="1"/>
+          </p:cNvSpPr>
+          <p:nvPr>
+            <p:ph type="body" idx="1"/>
+          </p:nvPr>
+        </p:nvSpPr>
+        <p:spPr/>
+        <p:txBody>
+          <a:bodyPr/>
+          <a:lstStyle/>
+          <a:p>
+            <a:endParaRPr lang="de-DE" dirty="0"/>
+          </a:p>
+        </p:txBody>
+      </p:sp>
+      <p:sp>
+        <p:nvSpPr>
+          <p:cNvPr id="4" name="Foliennummernplatzhalter 3"/>
+          <p:cNvSpPr>
+            <a:spLocks noGrp="1"/>
+          </p:cNvSpPr>
+          <p:nvPr>
+            <p:ph type="sldNum" sz="quarter" idx="10"/>
+          </p:nvPr>
+        </p:nvSpPr>
+        <p:spPr/>
+        <p:txBody>
+          <a:bodyPr/>
+          <a:lstStyle/>
+          <a:p>
+            <a:fld id="{2969AC09-DF60-43F4-96BF-67D4D9A74094}" type="slidenum">
+              <a:rPr lang="de-DE" smtClean="0"/>
+              <a:t>32</a:t>
+            </a:fld>
+            <a:endParaRPr lang="de-DE"/>
+          </a:p>
+        </p:txBody>
+      </p:sp>
+    </p:spTree>
+    <p:extLst>
+      <p:ext uri="{BB962C8B-B14F-4D97-AF65-F5344CB8AC3E}">
+        <p14:creationId xmlns:p14="http://schemas.microsoft.com/office/powerpoint/2010/main" val="1103939067"/>
+      </p:ext>
+    </p:extLst>
+  </p:cSld>
+  <p:clrMapOvr>
+    <a:masterClrMapping/>
+  </p:clrMapOvr>
+</p:notes>
+</file>
+
 <file path=ppt/slideLayouts/slideLayout1.xml><?xml version="1.0" encoding="utf-8"?>
 <p:sldLayout xmlns:a="http://schemas.openxmlformats.org/drawingml/2006/main" xmlns:r="http://schemas.openxmlformats.org/officeDocument/2006/relationships" xmlns:p="http://schemas.openxmlformats.org/presentationml/2006/main" showMasterSp="0" preserve="1">
   <p:cSld name="Titelfolie">
@@ -2355,7 +2422,7 @@
           <p:cNvPr id="15" name="Rechteck 14">
             <a:extLst>
               <a:ext uri="{FF2B5EF4-FFF2-40B4-BE49-F238E27FC236}">
-                <a16:creationId xmlns:a16="http://schemas.microsoft.com/office/drawing/2014/main" xmlns="" id="{F770C3AA-244C-A141-BC22-D074823F4293}"/>
+                <a16:creationId xmlns:a16="http://schemas.microsoft.com/office/drawing/2014/main" id="{F770C3AA-244C-A141-BC22-D074823F4293}"/>
               </a:ext>
             </a:extLst>
           </p:cNvPr>
@@ -2595,7 +2662,7 @@
           <p:cNvPr id="5" name="Grafik 4">
             <a:extLst>
               <a:ext uri="{FF2B5EF4-FFF2-40B4-BE49-F238E27FC236}">
-                <a16:creationId xmlns:a16="http://schemas.microsoft.com/office/drawing/2014/main" xmlns="" id="{C0F785FA-BB6E-6347-A8C6-9846216D4CBB}"/>
+                <a16:creationId xmlns:a16="http://schemas.microsoft.com/office/drawing/2014/main" id="{C0F785FA-BB6E-6347-A8C6-9846216D4CBB}"/>
               </a:ext>
             </a:extLst>
           </p:cNvPr>
@@ -2784,7 +2851,7 @@
           <p:cNvPr id="12" name="Grafik 11" hidden="1">
             <a:extLst>
               <a:ext uri="{FF2B5EF4-FFF2-40B4-BE49-F238E27FC236}">
-                <a16:creationId xmlns:a16="http://schemas.microsoft.com/office/drawing/2014/main" xmlns="" id="{CFC0D4A5-64CF-6D49-98B1-9FF6119E60EC}"/>
+                <a16:creationId xmlns:a16="http://schemas.microsoft.com/office/drawing/2014/main" id="{CFC0D4A5-64CF-6D49-98B1-9FF6119E60EC}"/>
               </a:ext>
             </a:extLst>
           </p:cNvPr>
@@ -2814,7 +2881,7 @@
           <p:cNvPr id="17" name="Grafik 16">
             <a:extLst>
               <a:ext uri="{FF2B5EF4-FFF2-40B4-BE49-F238E27FC236}">
-                <a16:creationId xmlns:a16="http://schemas.microsoft.com/office/drawing/2014/main" xmlns="" id="{22ECE872-F4EF-2A49-BA96-6065BC99D769}"/>
+                <a16:creationId xmlns:a16="http://schemas.microsoft.com/office/drawing/2014/main" id="{22ECE872-F4EF-2A49-BA96-6065BC99D769}"/>
               </a:ext>
             </a:extLst>
           </p:cNvPr>
@@ -2855,13 +2922,6 @@
   <p:clrMapOvr>
     <a:masterClrMapping/>
   </p:clrMapOvr>
-  <p:timing>
-    <p:tnLst>
-      <p:par>
-        <p:cTn id="1" dur="indefinite" restart="never" nodeType="tmRoot"/>
-      </p:par>
-    </p:tnLst>
-  </p:timing>
   <p:hf hdr="0"/>
 </p:sldLayout>
 </file>
@@ -3065,13 +3125,6 @@
   <p:clrMapOvr>
     <a:masterClrMapping/>
   </p:clrMapOvr>
-  <p:timing>
-    <p:tnLst>
-      <p:par>
-        <p:cTn id="1" dur="indefinite" restart="never" nodeType="tmRoot"/>
-      </p:par>
-    </p:tnLst>
-  </p:timing>
   <p:hf hdr="0"/>
 </p:sldLayout>
 </file>
@@ -3098,7 +3151,7 @@
           <p:cNvPr id="5" name="Rechteck 4">
             <a:extLst>
               <a:ext uri="{FF2B5EF4-FFF2-40B4-BE49-F238E27FC236}">
-                <a16:creationId xmlns="" xmlns:a16="http://schemas.microsoft.com/office/drawing/2014/main" id="{FD770378-5F2D-DE46-8D66-09007E946AD3}"/>
+                <a16:creationId xmlns:a16="http://schemas.microsoft.com/office/drawing/2014/main" id="{FD770378-5F2D-DE46-8D66-09007E946AD3}"/>
               </a:ext>
             </a:extLst>
           </p:cNvPr>
@@ -3162,7 +3215,7 @@
           <p:cNvPr id="4" name="Grafik 3">
             <a:extLst>
               <a:ext uri="{FF2B5EF4-FFF2-40B4-BE49-F238E27FC236}">
-                <a16:creationId xmlns="" xmlns:a16="http://schemas.microsoft.com/office/drawing/2014/main" id="{4FE30B28-5777-FC40-9C3F-81738D289A6A}"/>
+                <a16:creationId xmlns:a16="http://schemas.microsoft.com/office/drawing/2014/main" id="{4FE30B28-5777-FC40-9C3F-81738D289A6A}"/>
               </a:ext>
             </a:extLst>
           </p:cNvPr>
@@ -3233,7 +3286,7 @@
           <p:cNvPr id="6" name="Textplatzhalter 25">
             <a:extLst>
               <a:ext uri="{FF2B5EF4-FFF2-40B4-BE49-F238E27FC236}">
-                <a16:creationId xmlns="" xmlns:a16="http://schemas.microsoft.com/office/drawing/2014/main" id="{A625CB76-33FD-F742-81DB-F571E1D3988E}"/>
+                <a16:creationId xmlns:a16="http://schemas.microsoft.com/office/drawing/2014/main" id="{A625CB76-33FD-F742-81DB-F571E1D3988E}"/>
               </a:ext>
             </a:extLst>
           </p:cNvPr>
@@ -3304,7 +3357,7 @@
           <p:cNvPr id="9" name="Grafik 8">
             <a:extLst>
               <a:ext uri="{FF2B5EF4-FFF2-40B4-BE49-F238E27FC236}">
-                <a16:creationId xmlns="" xmlns:a16="http://schemas.microsoft.com/office/drawing/2014/main" id="{8BFAE0AD-6B6F-7D46-B734-E35EC976BB2F}"/>
+                <a16:creationId xmlns:a16="http://schemas.microsoft.com/office/drawing/2014/main" id="{8BFAE0AD-6B6F-7D46-B734-E35EC976BB2F}"/>
               </a:ext>
             </a:extLst>
           </p:cNvPr>
@@ -3345,13 +3398,6 @@
   <p:clrMapOvr>
     <a:masterClrMapping/>
   </p:clrMapOvr>
-  <p:timing>
-    <p:tnLst>
-      <p:par>
-        <p:cTn id="1" dur="indefinite" restart="never" nodeType="tmRoot"/>
-      </p:par>
-    </p:tnLst>
-  </p:timing>
 </p:sldLayout>
 </file>
 
@@ -3377,7 +3423,7 @@
           <p:cNvPr id="24" name="Bildplatzhalter 23">
             <a:extLst>
               <a:ext uri="{FF2B5EF4-FFF2-40B4-BE49-F238E27FC236}">
-                <a16:creationId xmlns:a16="http://schemas.microsoft.com/office/drawing/2014/main" xmlns="" id="{24A56C48-CA8D-D349-89CC-35C3A65DC4D5}"/>
+                <a16:creationId xmlns:a16="http://schemas.microsoft.com/office/drawing/2014/main" id="{24A56C48-CA8D-D349-89CC-35C3A65DC4D5}"/>
               </a:ext>
             </a:extLst>
           </p:cNvPr>
@@ -3691,7 +3737,7 @@
           <p:cNvPr id="6" name="Textplatzhalter 5">
             <a:extLst>
               <a:ext uri="{FF2B5EF4-FFF2-40B4-BE49-F238E27FC236}">
-                <a16:creationId xmlns:a16="http://schemas.microsoft.com/office/drawing/2014/main" xmlns="" id="{2E77FCEF-52F5-324B-A583-005ABCE0E622}"/>
+                <a16:creationId xmlns:a16="http://schemas.microsoft.com/office/drawing/2014/main" id="{2E77FCEF-52F5-324B-A583-005ABCE0E622}"/>
               </a:ext>
             </a:extLst>
           </p:cNvPr>
@@ -3729,7 +3775,7 @@
           <p:cNvPr id="13" name="Grafik 12">
             <a:extLst>
               <a:ext uri="{FF2B5EF4-FFF2-40B4-BE49-F238E27FC236}">
-                <a16:creationId xmlns:a16="http://schemas.microsoft.com/office/drawing/2014/main" xmlns="" id="{F84F96E3-FAED-E24A-9E01-BBA4824F0E34}"/>
+                <a16:creationId xmlns:a16="http://schemas.microsoft.com/office/drawing/2014/main" id="{F84F96E3-FAED-E24A-9E01-BBA4824F0E34}"/>
               </a:ext>
             </a:extLst>
           </p:cNvPr>
@@ -3770,13 +3816,6 @@
   <p:clrMapOvr>
     <a:masterClrMapping/>
   </p:clrMapOvr>
-  <p:timing>
-    <p:tnLst>
-      <p:par>
-        <p:cTn id="1" dur="indefinite" restart="never" nodeType="tmRoot"/>
-      </p:par>
-    </p:tnLst>
-  </p:timing>
   <p:hf hdr="0"/>
 </p:sldLayout>
 </file>
@@ -3881,13 +3920,6 @@
   <p:clrMapOvr>
     <a:masterClrMapping/>
   </p:clrMapOvr>
-  <p:timing>
-    <p:tnLst>
-      <p:par>
-        <p:cTn id="1" dur="indefinite" restart="never" nodeType="tmRoot"/>
-      </p:par>
-    </p:tnLst>
-  </p:timing>
   <p:hf hdr="0"/>
 </p:sldLayout>
 </file>
@@ -3914,7 +3946,7 @@
           <p:cNvPr id="6" name="Rechteck 5">
             <a:extLst>
               <a:ext uri="{FF2B5EF4-FFF2-40B4-BE49-F238E27FC236}">
-                <a16:creationId xmlns:a16="http://schemas.microsoft.com/office/drawing/2014/main" xmlns="" id="{2447D286-D9F9-E84F-9173-2C8D2D2068E1}"/>
+                <a16:creationId xmlns:a16="http://schemas.microsoft.com/office/drawing/2014/main" id="{2447D286-D9F9-E84F-9173-2C8D2D2068E1}"/>
               </a:ext>
             </a:extLst>
           </p:cNvPr>
@@ -3981,7 +4013,7 @@
           <p:cNvPr id="10" name="Grafik 9">
             <a:extLst>
               <a:ext uri="{FF2B5EF4-FFF2-40B4-BE49-F238E27FC236}">
-                <a16:creationId xmlns:a16="http://schemas.microsoft.com/office/drawing/2014/main" xmlns="" id="{E4DBCC79-CA26-C240-B119-9127A62CDBA8}"/>
+                <a16:creationId xmlns:a16="http://schemas.microsoft.com/office/drawing/2014/main" id="{E4DBCC79-CA26-C240-B119-9127A62CDBA8}"/>
               </a:ext>
             </a:extLst>
           </p:cNvPr>
@@ -4058,13 +4090,6 @@
   <p:clrMapOvr>
     <a:masterClrMapping/>
   </p:clrMapOvr>
-  <p:timing>
-    <p:tnLst>
-      <p:par>
-        <p:cTn id="1" dur="indefinite" restart="never" nodeType="tmRoot"/>
-      </p:par>
-    </p:tnLst>
-  </p:timing>
 </p:sldLayout>
 </file>
 
@@ -4090,7 +4115,7 @@
           <p:cNvPr id="5" name="Rechteck 4">
             <a:extLst>
               <a:ext uri="{FF2B5EF4-FFF2-40B4-BE49-F238E27FC236}">
-                <a16:creationId xmlns:a16="http://schemas.microsoft.com/office/drawing/2014/main" xmlns="" id="{FD770378-5F2D-DE46-8D66-09007E946AD3}"/>
+                <a16:creationId xmlns:a16="http://schemas.microsoft.com/office/drawing/2014/main" id="{FD770378-5F2D-DE46-8D66-09007E946AD3}"/>
               </a:ext>
             </a:extLst>
           </p:cNvPr>
@@ -4154,7 +4179,7 @@
           <p:cNvPr id="4" name="Grafik 3">
             <a:extLst>
               <a:ext uri="{FF2B5EF4-FFF2-40B4-BE49-F238E27FC236}">
-                <a16:creationId xmlns:a16="http://schemas.microsoft.com/office/drawing/2014/main" xmlns="" id="{4FE30B28-5777-FC40-9C3F-81738D289A6A}"/>
+                <a16:creationId xmlns:a16="http://schemas.microsoft.com/office/drawing/2014/main" id="{4FE30B28-5777-FC40-9C3F-81738D289A6A}"/>
               </a:ext>
             </a:extLst>
           </p:cNvPr>
@@ -4231,13 +4256,6 @@
   <p:clrMapOvr>
     <a:masterClrMapping/>
   </p:clrMapOvr>
-  <p:timing>
-    <p:tnLst>
-      <p:par>
-        <p:cTn id="1" dur="indefinite" restart="never" nodeType="tmRoot"/>
-      </p:par>
-    </p:tnLst>
-  </p:timing>
 </p:sldLayout>
 </file>
 
@@ -4407,13 +4425,6 @@
   <p:clrMapOvr>
     <a:masterClrMapping/>
   </p:clrMapOvr>
-  <p:timing>
-    <p:tnLst>
-      <p:par>
-        <p:cTn id="1" dur="indefinite" restart="never" nodeType="tmRoot"/>
-      </p:par>
-    </p:tnLst>
-  </p:timing>
   <p:hf hdr="0"/>
 </p:sldLayout>
 </file>
@@ -4529,13 +4540,6 @@
   <p:clrMapOvr>
     <a:masterClrMapping/>
   </p:clrMapOvr>
-  <p:timing>
-    <p:tnLst>
-      <p:par>
-        <p:cTn id="1" dur="indefinite" restart="never" nodeType="tmRoot"/>
-      </p:par>
-    </p:tnLst>
-  </p:timing>
   <p:hf hdr="0"/>
 </p:sldLayout>
 </file>
@@ -4655,13 +4659,6 @@
   <p:clrMapOvr>
     <a:masterClrMapping/>
   </p:clrMapOvr>
-  <p:timing>
-    <p:tnLst>
-      <p:par>
-        <p:cTn id="1" dur="indefinite" restart="never" nodeType="tmRoot"/>
-      </p:par>
-    </p:tnLst>
-  </p:timing>
   <p:hf hdr="0"/>
 </p:sldLayout>
 </file>
@@ -5034,7 +5031,7 @@
           <a:p>
             <a:pPr algn="l"/>
             <a:r>
-              <a:rPr lang="de-DE" sz="800" baseline="0" dirty="0" smtClean="0">
+              <a:rPr lang="de-DE" sz="800" baseline="0" dirty="0">
                 <a:solidFill>
                   <a:schemeClr val="bg2"/>
                 </a:solidFill>
@@ -5131,17 +5128,6 @@
               <a:tabLst/>
               <a:defRPr/>
             </a:pPr>
-            <a:r>
-              <a:rPr lang="de-DE" sz="800" dirty="0">
-                <a:solidFill>
-                  <a:schemeClr val="bg2"/>
-                </a:solidFill>
-                <a:latin typeface="Open Sans" panose="020B0606030504020204" pitchFamily="34" charset="0"/>
-                <a:ea typeface="Open Sans" panose="020B0606030504020204" pitchFamily="34" charset="0"/>
-                <a:cs typeface="Open Sans" panose="020B0606030504020204" pitchFamily="34" charset="0"/>
-              </a:rPr>
-              <a:t/>
-            </a:r>
             <a:br>
               <a:rPr lang="de-DE" sz="800" dirty="0">
                 <a:solidFill>
@@ -5305,7 +5291,7 @@
           <p:cNvPr id="13" name="Grafik 12">
             <a:extLst>
               <a:ext uri="{FF2B5EF4-FFF2-40B4-BE49-F238E27FC236}">
-                <a16:creationId xmlns:a16="http://schemas.microsoft.com/office/drawing/2014/main" xmlns="" id="{2DC3CACD-C7C8-274E-BCD4-043370996A48}"/>
+                <a16:creationId xmlns:a16="http://schemas.microsoft.com/office/drawing/2014/main" id="{2DC3CACD-C7C8-274E-BCD4-043370996A48}"/>
               </a:ext>
             </a:extLst>
           </p:cNvPr>
@@ -5359,13 +5345,6 @@
     <p:sldLayoutId id="2147483903" r:id="rId12"/>
     <p:sldLayoutId id="2147483907" r:id="rId13"/>
   </p:sldLayoutIdLst>
-  <p:timing>
-    <p:tnLst>
-      <p:par>
-        <p:cTn id="1" dur="indefinite" restart="never" nodeType="tmRoot"/>
-      </p:par>
-    </p:tnLst>
-  </p:timing>
   <p:hf hdr="0"/>
   <p:txStyles>
     <p:titleStyle>
@@ -5921,13 +5900,6 @@
   <p:clrMapOvr>
     <a:masterClrMapping/>
   </p:clrMapOvr>
-  <p:timing>
-    <p:tnLst>
-      <p:par>
-        <p:cTn id="1" dur="indefinite" restart="never" nodeType="tmRoot"/>
-      </p:par>
-    </p:tnLst>
-  </p:timing>
 </p:sld>
 </file>
 
@@ -5963,7 +5935,10 @@
           <a:bodyPr/>
           <a:lstStyle/>
           <a:p>
-            <a:endParaRPr lang="de-DE"/>
+            <a:r>
+              <a:rPr lang="de-DE" dirty="0"/>
+              <a:t>Ablauf Problemlöseprozess</a:t>
+            </a:r>
           </a:p>
         </p:txBody>
       </p:sp>
@@ -5982,33 +5957,20 @@
           <a:bodyPr/>
           <a:lstStyle/>
           <a:p>
-            <a:r>
-              <a:rPr lang="de-DE" dirty="0"/>
-              <a:t>Unternehmensziele</a:t>
-            </a:r>
-          </a:p>
-          <a:p>
-            <a:endParaRPr lang="de-DE" dirty="0"/>
+            <a:endParaRPr lang="de-DE"/>
           </a:p>
         </p:txBody>
       </p:sp>
     </p:spTree>
     <p:extLst>
       <p:ext uri="{BB962C8B-B14F-4D97-AF65-F5344CB8AC3E}">
-        <p14:creationId xmlns:p14="http://schemas.microsoft.com/office/powerpoint/2010/main" val="3493721261"/>
+        <p14:creationId xmlns:p14="http://schemas.microsoft.com/office/powerpoint/2010/main" val="2094683200"/>
       </p:ext>
     </p:extLst>
   </p:cSld>
   <p:clrMapOvr>
     <a:masterClrMapping/>
   </p:clrMapOvr>
-  <p:timing>
-    <p:tnLst>
-      <p:par>
-        <p:cTn id="1" dur="indefinite" restart="never" nodeType="tmRoot"/>
-      </p:par>
-    </p:tnLst>
-  </p:timing>
 </p:sld>
 </file>
 
@@ -6045,90 +6007,11 @@
           <a:lstStyle/>
           <a:p>
             <a:r>
-              <a:rPr lang="de-DE" dirty="0" smtClean="0"/>
-              <a:t>Ablauf Problemlöseprozess</a:t>
-            </a:r>
-            <a:endParaRPr lang="de-DE" dirty="0"/>
-          </a:p>
-        </p:txBody>
-      </p:sp>
-      <p:sp>
-        <p:nvSpPr>
-          <p:cNvPr id="3" name="Inhaltsplatzhalter 2"/>
-          <p:cNvSpPr>
-            <a:spLocks noGrp="1"/>
-          </p:cNvSpPr>
-          <p:nvPr>
-            <p:ph sz="quarter" idx="10"/>
-          </p:nvPr>
-        </p:nvSpPr>
-        <p:spPr/>
-        <p:txBody>
-          <a:bodyPr/>
-          <a:lstStyle/>
-          <a:p>
-            <a:endParaRPr lang="de-DE"/>
-          </a:p>
-        </p:txBody>
-      </p:sp>
-    </p:spTree>
-    <p:extLst>
-      <p:ext uri="{BB962C8B-B14F-4D97-AF65-F5344CB8AC3E}">
-        <p14:creationId xmlns:p14="http://schemas.microsoft.com/office/powerpoint/2010/main" val="2094683200"/>
-      </p:ext>
-    </p:extLst>
-  </p:cSld>
-  <p:clrMapOvr>
-    <a:masterClrMapping/>
-  </p:clrMapOvr>
-  <p:timing>
-    <p:tnLst>
-      <p:par>
-        <p:cTn id="1" dur="indefinite" restart="never" nodeType="tmRoot"/>
-      </p:par>
-    </p:tnLst>
-  </p:timing>
-</p:sld>
-</file>
-
-<file path=ppt/slides/slide12.xml><?xml version="1.0" encoding="utf-8"?>
-<p:sld xmlns:a="http://schemas.openxmlformats.org/drawingml/2006/main" xmlns:r="http://schemas.openxmlformats.org/officeDocument/2006/relationships" xmlns:p="http://schemas.openxmlformats.org/presentationml/2006/main">
-  <p:cSld>
-    <p:spTree>
-      <p:nvGrpSpPr>
-        <p:cNvPr id="1" name=""/>
-        <p:cNvGrpSpPr/>
-        <p:nvPr/>
-      </p:nvGrpSpPr>
-      <p:grpSpPr>
-        <a:xfrm>
-          <a:off x="0" y="0"/>
-          <a:ext cx="0" cy="0"/>
-          <a:chOff x="0" y="0"/>
-          <a:chExt cx="0" cy="0"/>
-        </a:xfrm>
-      </p:grpSpPr>
-      <p:sp>
-        <p:nvSpPr>
-          <p:cNvPr id="2" name="Titel 1"/>
-          <p:cNvSpPr>
-            <a:spLocks noGrp="1"/>
-          </p:cNvSpPr>
-          <p:nvPr>
-            <p:ph type="title"/>
-          </p:nvPr>
-        </p:nvSpPr>
-        <p:spPr/>
-        <p:txBody>
-          <a:bodyPr/>
-          <a:lstStyle/>
-          <a:p>
-            <a:r>
-              <a:rPr lang="de-DE" dirty="0" smtClean="0"/>
-              <a:t>Mittels einer </a:t>
+              <a:rPr lang="de-DE" dirty="0"/>
+              <a:t>Durch eine </a:t>
             </a:r>
             <a:r>
-              <a:rPr lang="de-DE" dirty="0" smtClean="0">
+              <a:rPr lang="de-DE" dirty="0">
                 <a:solidFill>
                   <a:schemeClr val="accent6"/>
                 </a:solidFill>
@@ -6136,11 +6019,11 @@
               <a:t>Interaktionsplattform</a:t>
             </a:r>
             <a:r>
-              <a:rPr lang="de-DE" dirty="0" smtClean="0"/>
+              <a:rPr lang="de-DE" dirty="0"/>
               <a:t> können </a:t>
             </a:r>
             <a:r>
-              <a:rPr lang="de-DE" dirty="0" smtClean="0">
+              <a:rPr lang="de-DE" dirty="0">
                 <a:solidFill>
                   <a:schemeClr val="accent2"/>
                 </a:solidFill>
@@ -6148,11 +6031,11 @@
               <a:t>Nutzer</a:t>
             </a:r>
             <a:r>
-              <a:rPr lang="de-DE" dirty="0" smtClean="0"/>
+              <a:rPr lang="de-DE" dirty="0"/>
               <a:t> und </a:t>
             </a:r>
             <a:r>
-              <a:rPr lang="de-DE" dirty="0" smtClean="0">
+              <a:rPr lang="de-DE" dirty="0">
                 <a:solidFill>
                   <a:schemeClr val="accent3"/>
                 </a:solidFill>
@@ -6160,10 +6043,9 @@
               <a:t>Assistenz</a:t>
             </a:r>
             <a:r>
-              <a:rPr lang="de-DE" dirty="0" smtClean="0"/>
+              <a:rPr lang="de-DE" dirty="0"/>
               <a:t> miteinander kollaborieren</a:t>
             </a:r>
-            <a:endParaRPr lang="de-DE" dirty="0"/>
           </a:p>
         </p:txBody>
       </p:sp>
@@ -6190,10 +6072,9 @@
           <a:lstStyle/>
           <a:p>
             <a:r>
-              <a:rPr lang="de-DE" sz="1800" b="1" u="sng" dirty="0" smtClean="0"/>
+              <a:rPr lang="de-DE" sz="1800" b="1" u="sng" dirty="0"/>
               <a:t>Nutzer</a:t>
             </a:r>
-            <a:endParaRPr lang="de-DE" sz="1800" b="1" u="sng" dirty="0"/>
           </a:p>
         </p:txBody>
       </p:sp>
@@ -6220,10 +6101,9 @@
           <a:lstStyle/>
           <a:p>
             <a:r>
-              <a:rPr lang="de-DE" sz="1800" b="1" u="sng" dirty="0" smtClean="0"/>
+              <a:rPr lang="de-DE" sz="1800" b="1" u="sng" dirty="0"/>
               <a:t>Interaktionsplattform</a:t>
             </a:r>
-            <a:endParaRPr lang="de-DE" sz="1800" b="1" u="sng" dirty="0"/>
           </a:p>
         </p:txBody>
       </p:sp>
@@ -6250,10 +6130,9 @@
           <a:lstStyle/>
           <a:p>
             <a:r>
-              <a:rPr lang="de-DE" sz="1800" b="1" u="sng" dirty="0" smtClean="0"/>
+              <a:rPr lang="de-DE" sz="1800" b="1" u="sng" dirty="0"/>
               <a:t>Assistenz</a:t>
             </a:r>
-            <a:endParaRPr lang="de-DE" sz="1800" b="1" u="sng" dirty="0"/>
           </a:p>
         </p:txBody>
       </p:sp>
@@ -6374,7 +6253,7 @@
           <a:p>
             <a:pPr algn="ctr"/>
             <a:r>
-              <a:rPr lang="de-DE" dirty="0" smtClean="0">
+              <a:rPr lang="de-DE" dirty="0">
                 <a:solidFill>
                   <a:schemeClr val="tx1"/>
                 </a:solidFill>
@@ -6382,25 +6261,20 @@
               <a:t>Informationen</a:t>
             </a:r>
             <a:br>
-              <a:rPr lang="de-DE" dirty="0" smtClean="0">
+              <a:rPr lang="de-DE" dirty="0">
                 <a:solidFill>
                   <a:schemeClr val="tx1"/>
                 </a:solidFill>
               </a:rPr>
             </a:br>
             <a:r>
-              <a:rPr lang="de-DE" dirty="0" smtClean="0">
+              <a:rPr lang="de-DE" dirty="0">
                 <a:solidFill>
                   <a:schemeClr val="tx1"/>
                 </a:solidFill>
               </a:rPr>
               <a:t>auswerten</a:t>
             </a:r>
-            <a:endParaRPr lang="de-DE" dirty="0">
-              <a:solidFill>
-                <a:schemeClr val="tx1"/>
-              </a:solidFill>
-            </a:endParaRPr>
           </a:p>
         </p:txBody>
       </p:sp>
@@ -6486,18 +6360,13 @@
           <a:p>
             <a:pPr algn="ctr"/>
             <a:r>
-              <a:rPr lang="de-DE" dirty="0" smtClean="0">
+              <a:rPr lang="de-DE" dirty="0">
                 <a:solidFill>
                   <a:schemeClr val="tx1"/>
                 </a:solidFill>
               </a:rPr>
               <a:t>Meldung lesen</a:t>
             </a:r>
-            <a:endParaRPr lang="de-DE" dirty="0">
-              <a:solidFill>
-                <a:schemeClr val="tx1"/>
-              </a:solidFill>
-            </a:endParaRPr>
           </a:p>
         </p:txBody>
       </p:sp>
@@ -6543,7 +6412,7 @@
           <a:lstStyle/>
           <a:p>
             <a:r>
-              <a:rPr lang="de-DE" dirty="0" smtClean="0">
+              <a:rPr lang="de-DE" dirty="0">
                 <a:solidFill>
                   <a:schemeClr val="tx1"/>
                 </a:solidFill>
@@ -6551,25 +6420,20 @@
               <a:t>Problem</a:t>
             </a:r>
             <a:br>
-              <a:rPr lang="de-DE" dirty="0" smtClean="0">
+              <a:rPr lang="de-DE" dirty="0">
                 <a:solidFill>
                   <a:schemeClr val="tx1"/>
                 </a:solidFill>
               </a:rPr>
             </a:br>
             <a:r>
-              <a:rPr lang="de-DE" dirty="0" smtClean="0">
+              <a:rPr lang="de-DE" dirty="0">
                 <a:solidFill>
                   <a:schemeClr val="tx1"/>
                 </a:solidFill>
               </a:rPr>
               <a:t>anzeigen</a:t>
             </a:r>
-            <a:endParaRPr lang="de-DE" dirty="0">
-              <a:solidFill>
-                <a:schemeClr val="tx1"/>
-              </a:solidFill>
-            </a:endParaRPr>
           </a:p>
         </p:txBody>
       </p:sp>
@@ -6694,18 +6558,13 @@
           <a:p>
             <a:pPr algn="ctr"/>
             <a:r>
-              <a:rPr lang="de-DE" dirty="0" smtClean="0">
+              <a:rPr lang="de-DE" dirty="0">
                 <a:solidFill>
                   <a:schemeClr val="tx1"/>
                 </a:solidFill>
               </a:rPr>
               <a:t>Ziele definieren</a:t>
             </a:r>
-            <a:endParaRPr lang="de-DE" dirty="0">
-              <a:solidFill>
-                <a:schemeClr val="tx1"/>
-              </a:solidFill>
-            </a:endParaRPr>
           </a:p>
         </p:txBody>
       </p:sp>
@@ -6757,21 +6616,8 @@
                   <a:schemeClr val="tx1"/>
                 </a:solidFill>
               </a:rPr>
-              <a:t>n</a:t>
+              <a:t>nach Lösungen suchen</a:t>
             </a:r>
-            <a:r>
-              <a:rPr lang="de-DE" dirty="0" smtClean="0">
-                <a:solidFill>
-                  <a:schemeClr val="tx1"/>
-                </a:solidFill>
-              </a:rPr>
-              <a:t>ach Lösungen suchen</a:t>
-            </a:r>
-            <a:endParaRPr lang="de-DE" dirty="0">
-              <a:solidFill>
-                <a:schemeClr val="tx1"/>
-              </a:solidFill>
-            </a:endParaRPr>
           </a:p>
         </p:txBody>
       </p:sp>
@@ -6898,18 +6744,13 @@
           <a:p>
             <a:pPr algn="ctr"/>
             <a:r>
-              <a:rPr lang="de-DE" dirty="0" smtClean="0">
+              <a:rPr lang="de-DE" dirty="0">
                 <a:solidFill>
                   <a:schemeClr val="tx1"/>
                 </a:solidFill>
               </a:rPr>
               <a:t>Lösungen begutachten</a:t>
             </a:r>
-            <a:endParaRPr lang="de-DE" dirty="0">
-              <a:solidFill>
-                <a:schemeClr val="tx1"/>
-              </a:solidFill>
-            </a:endParaRPr>
           </a:p>
         </p:txBody>
       </p:sp>
@@ -6995,18 +6836,13 @@
           <a:p>
             <a:pPr algn="ctr"/>
             <a:r>
-              <a:rPr lang="de-DE" dirty="0" smtClean="0">
+              <a:rPr lang="de-DE" dirty="0">
                 <a:solidFill>
                   <a:schemeClr val="tx1"/>
                 </a:solidFill>
               </a:rPr>
               <a:t>Entscheidung anzeigen</a:t>
             </a:r>
-            <a:endParaRPr lang="de-DE" dirty="0">
-              <a:solidFill>
-                <a:schemeClr val="tx1"/>
-              </a:solidFill>
-            </a:endParaRPr>
           </a:p>
         </p:txBody>
       </p:sp>
@@ -7092,18 +6928,13 @@
           <a:p>
             <a:pPr algn="ctr"/>
             <a:r>
-              <a:rPr lang="de-DE" dirty="0" smtClean="0">
+              <a:rPr lang="de-DE" dirty="0">
                 <a:solidFill>
                   <a:schemeClr val="tx1"/>
                 </a:solidFill>
               </a:rPr>
               <a:t>Entscheidung speichern</a:t>
             </a:r>
-            <a:endParaRPr lang="de-DE" dirty="0">
-              <a:solidFill>
-                <a:schemeClr val="tx1"/>
-              </a:solidFill>
-            </a:endParaRPr>
           </a:p>
         </p:txBody>
       </p:sp>
@@ -7241,7 +7072,7 @@
             <a:lstStyle/>
             <a:p>
               <a:r>
-                <a:rPr lang="de-DE" dirty="0" smtClean="0">
+                <a:rPr lang="de-DE" dirty="0">
                   <a:solidFill>
                     <a:schemeClr val="tx1"/>
                   </a:solidFill>
@@ -7249,25 +7080,20 @@
                 <a:t>Meldung</a:t>
               </a:r>
               <a:br>
-                <a:rPr lang="de-DE" dirty="0" smtClean="0">
+                <a:rPr lang="de-DE" dirty="0">
                   <a:solidFill>
                     <a:schemeClr val="tx1"/>
                   </a:solidFill>
                 </a:rPr>
               </a:br>
               <a:r>
-                <a:rPr lang="de-DE" dirty="0" smtClean="0">
+                <a:rPr lang="de-DE" dirty="0">
                   <a:solidFill>
                     <a:schemeClr val="tx1"/>
                   </a:solidFill>
                 </a:rPr>
                 <a:t>anzeigen</a:t>
               </a:r>
-              <a:endParaRPr lang="de-DE" dirty="0">
-                <a:solidFill>
-                  <a:schemeClr val="tx1"/>
-                </a:solidFill>
-              </a:endParaRPr>
             </a:p>
           </p:txBody>
         </p:sp>
@@ -7324,10 +7150,9 @@
           <a:lstStyle/>
           <a:p>
             <a:r>
-              <a:rPr lang="de-DE" dirty="0" smtClean="0"/>
+              <a:rPr lang="de-DE" dirty="0"/>
               <a:t>Meldung</a:t>
             </a:r>
-            <a:endParaRPr lang="de-DE" dirty="0"/>
           </a:p>
         </p:txBody>
       </p:sp>
@@ -7354,10 +7179,9 @@
           <a:lstStyle/>
           <a:p>
             <a:r>
-              <a:rPr lang="de-DE" dirty="0" smtClean="0"/>
+              <a:rPr lang="de-DE" dirty="0"/>
               <a:t>Lösungen finden</a:t>
             </a:r>
-            <a:endParaRPr lang="de-DE" dirty="0"/>
           </a:p>
         </p:txBody>
       </p:sp>
@@ -7384,10 +7208,9 @@
           <a:lstStyle/>
           <a:p>
             <a:r>
-              <a:rPr lang="de-DE" dirty="0" smtClean="0"/>
+              <a:rPr lang="de-DE" dirty="0"/>
               <a:t>Lösungen</a:t>
             </a:r>
-            <a:endParaRPr lang="de-DE" dirty="0"/>
           </a:p>
         </p:txBody>
       </p:sp>
@@ -7414,10 +7237,9 @@
           <a:lstStyle/>
           <a:p>
             <a:r>
-              <a:rPr lang="de-DE" dirty="0" smtClean="0"/>
+              <a:rPr lang="de-DE" dirty="0"/>
               <a:t>Problem bearbeiten</a:t>
             </a:r>
-            <a:endParaRPr lang="de-DE" dirty="0"/>
           </a:p>
         </p:txBody>
       </p:sp>
@@ -7506,7 +7328,7 @@
             <a:lstStyle/>
             <a:p>
               <a:r>
-                <a:rPr lang="de-DE" dirty="0" smtClean="0">
+                <a:rPr lang="de-DE" dirty="0">
                   <a:solidFill>
                     <a:schemeClr val="tx1"/>
                   </a:solidFill>
@@ -7514,25 +7336,20 @@
                 <a:t>Lösungen</a:t>
               </a:r>
               <a:br>
-                <a:rPr lang="de-DE" dirty="0" smtClean="0">
+                <a:rPr lang="de-DE" dirty="0">
                   <a:solidFill>
                     <a:schemeClr val="tx1"/>
                   </a:solidFill>
                 </a:rPr>
               </a:br>
               <a:r>
-                <a:rPr lang="de-DE" dirty="0" smtClean="0">
+                <a:rPr lang="de-DE" dirty="0">
                   <a:solidFill>
                     <a:schemeClr val="tx1"/>
                   </a:solidFill>
                 </a:rPr>
                 <a:t>anzeigen</a:t>
               </a:r>
-              <a:endParaRPr lang="de-DE" dirty="0">
-                <a:solidFill>
-                  <a:schemeClr val="tx1"/>
-                </a:solidFill>
-              </a:endParaRPr>
             </a:p>
           </p:txBody>
         </p:sp>
@@ -7593,10 +7410,9 @@
           <a:lstStyle/>
           <a:p>
             <a:r>
-              <a:rPr lang="de-DE" dirty="0" smtClean="0"/>
+              <a:rPr lang="de-DE" dirty="0"/>
               <a:t>Entscheiden</a:t>
             </a:r>
-            <a:endParaRPr lang="de-DE" dirty="0"/>
           </a:p>
         </p:txBody>
       </p:sp>
@@ -7610,17 +7426,10 @@
   <p:clrMapOvr>
     <a:masterClrMapping/>
   </p:clrMapOvr>
-  <p:timing>
-    <p:tnLst>
-      <p:par>
-        <p:cTn id="1" dur="indefinite" restart="never" nodeType="tmRoot"/>
-      </p:par>
-    </p:tnLst>
-  </p:timing>
 </p:sld>
 </file>
 
-<file path=ppt/slides/slide13.xml><?xml version="1.0" encoding="utf-8"?>
+<file path=ppt/slides/slide12.xml><?xml version="1.0" encoding="utf-8"?>
 <p:sld xmlns:a="http://schemas.openxmlformats.org/drawingml/2006/main" xmlns:r="http://schemas.openxmlformats.org/officeDocument/2006/relationships" xmlns:p="http://schemas.openxmlformats.org/presentationml/2006/main">
   <p:cSld>
     <p:spTree>
@@ -7653,10 +7462,9 @@
           <a:lstStyle/>
           <a:p>
             <a:r>
-              <a:rPr lang="de-DE" dirty="0" smtClean="0"/>
+              <a:rPr lang="de-DE" dirty="0"/>
               <a:t>Anpassung an Problembereich</a:t>
             </a:r>
-            <a:endParaRPr lang="de-DE" dirty="0"/>
           </a:p>
         </p:txBody>
       </p:sp>
@@ -7699,17 +7507,10 @@
   <p:clrMapOvr>
     <a:masterClrMapping/>
   </p:clrMapOvr>
-  <p:timing>
-    <p:tnLst>
-      <p:par>
-        <p:cTn id="1" dur="indefinite" restart="never" nodeType="tmRoot"/>
-      </p:par>
-    </p:tnLst>
-  </p:timing>
 </p:sld>
 </file>
 
-<file path=ppt/slides/slide14.xml><?xml version="1.0" encoding="utf-8"?>
+<file path=ppt/slides/slide13.xml><?xml version="1.0" encoding="utf-8"?>
 <p:sld xmlns:a="http://schemas.openxmlformats.org/drawingml/2006/main" xmlns:r="http://schemas.openxmlformats.org/officeDocument/2006/relationships" xmlns:p="http://schemas.openxmlformats.org/presentationml/2006/main">
   <p:cSld>
     <p:spTree>
@@ -7774,17 +7575,10 @@
   <p:clrMapOvr>
     <a:masterClrMapping/>
   </p:clrMapOvr>
-  <p:timing>
-    <p:tnLst>
-      <p:par>
-        <p:cTn id="1" dur="indefinite" restart="never" nodeType="tmRoot"/>
-      </p:par>
-    </p:tnLst>
-  </p:timing>
 </p:sld>
 </file>
 
-<file path=ppt/slides/slide15.xml><?xml version="1.0" encoding="utf-8"?>
+<file path=ppt/slides/slide14.xml><?xml version="1.0" encoding="utf-8"?>
 <p:sld xmlns:a="http://schemas.openxmlformats.org/drawingml/2006/main" xmlns:r="http://schemas.openxmlformats.org/officeDocument/2006/relationships" xmlns:p="http://schemas.openxmlformats.org/presentationml/2006/main">
   <p:cSld>
     <p:spTree>
@@ -7817,10 +7611,9 @@
           <a:lstStyle/>
           <a:p>
             <a:r>
-              <a:rPr lang="de-DE" dirty="0" smtClean="0"/>
+              <a:rPr lang="de-DE" dirty="0"/>
               <a:t>Die definierten Anforderungen wurden größtenteils erfüllt</a:t>
             </a:r>
-            <a:endParaRPr lang="de-DE" dirty="0"/>
           </a:p>
         </p:txBody>
       </p:sp>
@@ -7829,7 +7622,7 @@
           <p:cNvPr id="4" name="Inhaltsplatzhalter 3">
             <a:extLst>
               <a:ext uri="{FF2B5EF4-FFF2-40B4-BE49-F238E27FC236}">
-                <a16:creationId xmlns:a16="http://schemas.microsoft.com/office/drawing/2014/main" xmlns="" id="{D8B53BA4-2ACD-A744-A448-732561547552}"/>
+                <a16:creationId xmlns:a16="http://schemas.microsoft.com/office/drawing/2014/main" id="{D8B53BA4-2ACD-A744-A448-732561547552}"/>
               </a:ext>
             </a:extLst>
           </p:cNvPr>
@@ -7840,7 +7633,7 @@
             <p:ph sz="quarter" idx="10"/>
             <p:extLst>
               <p:ext uri="{D42A27DB-BD31-4B8C-83A1-F6EECF244321}">
-                <p14:modId xmlns:p14="http://schemas.microsoft.com/office/powerpoint/2010/main" val="2246295351"/>
+                <p14:modId xmlns:p14="http://schemas.microsoft.com/office/powerpoint/2010/main" val="4120718809"/>
               </p:ext>
             </p:extLst>
           </p:nvPr>
@@ -7859,28 +7652,28 @@
                 <a:gridCol w="3369909">
                   <a:extLst>
                     <a:ext uri="{9D8B030D-6E8A-4147-A177-3AD203B41FA5}">
-                      <a16:colId xmlns:a16="http://schemas.microsoft.com/office/drawing/2014/main" xmlns="" val="141174548"/>
+                      <a16:colId xmlns:a16="http://schemas.microsoft.com/office/drawing/2014/main" val="141174548"/>
                     </a:ext>
                   </a:extLst>
                 </a:gridCol>
                 <a:gridCol w="1456267">
                   <a:extLst>
                     <a:ext uri="{9D8B030D-6E8A-4147-A177-3AD203B41FA5}">
-                      <a16:colId xmlns:a16="http://schemas.microsoft.com/office/drawing/2014/main" xmlns="" val="2742050981"/>
+                      <a16:colId xmlns:a16="http://schemas.microsoft.com/office/drawing/2014/main" val="2742050981"/>
                     </a:ext>
                   </a:extLst>
                 </a:gridCol>
                 <a:gridCol w="2844800">
                   <a:extLst>
                     <a:ext uri="{9D8B030D-6E8A-4147-A177-3AD203B41FA5}">
-                      <a16:colId xmlns:a16="http://schemas.microsoft.com/office/drawing/2014/main" xmlns="" val="1971836177"/>
+                      <a16:colId xmlns:a16="http://schemas.microsoft.com/office/drawing/2014/main" val="1971836177"/>
                     </a:ext>
                   </a:extLst>
                 </a:gridCol>
                 <a:gridCol w="2909713">
                   <a:extLst>
                     <a:ext uri="{9D8B030D-6E8A-4147-A177-3AD203B41FA5}">
-                      <a16:colId xmlns:a16="http://schemas.microsoft.com/office/drawing/2014/main" xmlns="" val="3907636905"/>
+                      <a16:colId xmlns:a16="http://schemas.microsoft.com/office/drawing/2014/main" val="3907636905"/>
                     </a:ext>
                   </a:extLst>
                 </a:gridCol>
@@ -8035,20 +7828,12 @@
                     <a:lstStyle/>
                     <a:p>
                       <a:r>
-                        <a:rPr lang="de-DE" dirty="0" smtClean="0">
-                          <a:solidFill>
-                            <a:schemeClr val="tx1"/>
-                          </a:solidFill>
-                        </a:rPr>
-                        <a:t>Nicht </a:t>
-                      </a:r>
-                      <a:r>
                         <a:rPr lang="de-DE" dirty="0">
                           <a:solidFill>
                             <a:schemeClr val="tx1"/>
                           </a:solidFill>
                         </a:rPr>
-                        <a:t>erfüllt</a:t>
+                        <a:t>Noch zu verbessern</a:t>
                       </a:r>
                     </a:p>
                   </a:txBody>
@@ -8076,7 +7861,7 @@
                 </a:tc>
                 <a:extLst>
                   <a:ext uri="{0D108BD9-81ED-4DB2-BD59-A6C34878D82A}">
-                    <a16:rowId xmlns:a16="http://schemas.microsoft.com/office/drawing/2014/main" xmlns="" val="809439035"/>
+                    <a16:rowId xmlns:a16="http://schemas.microsoft.com/office/drawing/2014/main" val="809439035"/>
                   </a:ext>
                 </a:extLst>
               </a:tr>
@@ -8087,14 +7872,14 @@
                     <a:lstStyle/>
                     <a:p>
                       <a:r>
-                        <a:rPr lang="de-DE" dirty="0" smtClean="0"/>
+                        <a:rPr lang="de-DE" dirty="0"/>
                         <a:t>Problem-</a:t>
                       </a:r>
                       <a:br>
-                        <a:rPr lang="de-DE" dirty="0" smtClean="0"/>
+                        <a:rPr lang="de-DE" dirty="0"/>
                       </a:br>
                       <a:r>
-                        <a:rPr lang="de-DE" dirty="0" err="1" smtClean="0"/>
+                        <a:rPr lang="de-DE" dirty="0" err="1"/>
                         <a:t>identifikation</a:t>
                       </a:r>
                       <a:endParaRPr lang="de-DE" dirty="0"/>
@@ -8200,15 +7985,14 @@
                     <a:p>
                       <a:r>
                         <a:rPr lang="de-DE" dirty="0"/>
-                        <a:t>Assistenz </a:t>
+                        <a:t>Assistenz macht auf Probleme aufmerksam,</a:t>
                       </a:r>
-                      <a:r>
-                        <a:rPr lang="de-DE" dirty="0" err="1"/>
-                        <a:t>mahct</a:t>
-                      </a:r>
+                      <a:br>
+                        <a:rPr lang="de-DE" dirty="0"/>
+                      </a:br>
                       <a:r>
                         <a:rPr lang="de-DE" dirty="0"/>
-                        <a:t> auf Probleme aufmerksam, </a:t>
+                        <a:t>Nutzer kann Ziele eingeben</a:t>
                       </a:r>
                     </a:p>
                   </a:txBody>
@@ -8296,7 +8080,7 @@
                 </a:tc>
                 <a:extLst>
                   <a:ext uri="{0D108BD9-81ED-4DB2-BD59-A6C34878D82A}">
-                    <a16:rowId xmlns:a16="http://schemas.microsoft.com/office/drawing/2014/main" xmlns="" val="2200667029"/>
+                    <a16:rowId xmlns:a16="http://schemas.microsoft.com/office/drawing/2014/main" val="2200667029"/>
                   </a:ext>
                 </a:extLst>
               </a:tr>
@@ -8307,14 +8091,14 @@
                     <a:lstStyle/>
                     <a:p>
                       <a:r>
-                        <a:rPr lang="de-DE" dirty="0" smtClean="0"/>
+                        <a:rPr lang="de-DE" dirty="0"/>
                         <a:t>Problem-</a:t>
                       </a:r>
                       <a:br>
-                        <a:rPr lang="de-DE" dirty="0" smtClean="0"/>
+                        <a:rPr lang="de-DE" dirty="0"/>
                       </a:br>
                       <a:r>
-                        <a:rPr lang="de-DE" dirty="0" err="1" smtClean="0"/>
+                        <a:rPr lang="de-DE" dirty="0" err="1"/>
                         <a:t>lösung</a:t>
                       </a:r>
                       <a:endParaRPr lang="de-DE" dirty="0"/>
@@ -8420,8 +8204,12 @@
                     <a:p>
                       <a:r>
                         <a:rPr lang="de-DE" dirty="0"/>
-                        <a:t>Assistenz schlägt Lösungen vor</a:t>
+                        <a:t>Assistenz schlägt Lösungen vor, zeigt Veränderungen an</a:t>
                       </a:r>
+                      <a:br>
+                        <a:rPr lang="de-DE" dirty="0"/>
+                      </a:br>
+                      <a:endParaRPr lang="de-DE" dirty="0"/>
                     </a:p>
                   </a:txBody>
                   <a:tcPr>
@@ -8470,10 +8258,9 @@
                     <a:lstStyle/>
                     <a:p>
                       <a:r>
-                        <a:rPr lang="de-DE" dirty="0" smtClean="0"/>
+                        <a:rPr lang="de-DE" dirty="0"/>
                         <a:t>Nutzer kann keine Lösungen vorschlagen oder verändern</a:t>
                       </a:r>
-                      <a:endParaRPr lang="de-DE" dirty="0"/>
                     </a:p>
                   </a:txBody>
                   <a:tcPr>
@@ -8509,7 +8296,7 @@
                 </a:tc>
                 <a:extLst>
                   <a:ext uri="{0D108BD9-81ED-4DB2-BD59-A6C34878D82A}">
-                    <a16:rowId xmlns:a16="http://schemas.microsoft.com/office/drawing/2014/main" xmlns="" val="1380470865"/>
+                    <a16:rowId xmlns:a16="http://schemas.microsoft.com/office/drawing/2014/main" val="1380470865"/>
                   </a:ext>
                 </a:extLst>
               </a:tr>
@@ -8520,28 +8307,23 @@
                     <a:lstStyle/>
                     <a:p>
                       <a:r>
-                        <a:rPr lang="de-DE" dirty="0" err="1" smtClean="0"/>
+                        <a:rPr lang="de-DE" dirty="0" err="1"/>
                         <a:t>Klustern</a:t>
-                      </a:r>
-                      <a:r>
-                        <a:rPr lang="de-DE" dirty="0"/>
-                        <a:t/>
                       </a:r>
                       <a:br>
                         <a:rPr lang="de-DE" dirty="0"/>
                       </a:br>
                       <a:r>
-                        <a:rPr lang="de-DE" dirty="0" smtClean="0"/>
+                        <a:rPr lang="de-DE" dirty="0"/>
                         <a:t>von</a:t>
                       </a:r>
                       <a:br>
-                        <a:rPr lang="de-DE" dirty="0" smtClean="0"/>
+                        <a:rPr lang="de-DE" dirty="0"/>
                       </a:br>
                       <a:r>
-                        <a:rPr lang="de-DE" dirty="0" smtClean="0"/>
+                        <a:rPr lang="de-DE" dirty="0"/>
                         <a:t>Problemen</a:t>
                       </a:r>
-                      <a:endParaRPr lang="de-DE" dirty="0"/>
                     </a:p>
                   </a:txBody>
                   <a:tcPr>
@@ -8629,7 +8411,7 @@
                     <a:p>
                       <a:r>
                         <a:rPr lang="de-DE" dirty="0"/>
-                        <a:t>Probleme werden mit Merkmalen versehen</a:t>
+                        <a:t>Probleme werden mit Merkmalen versehen und anhand derer sortiert</a:t>
                       </a:r>
                     </a:p>
                   </a:txBody>
@@ -8696,7 +8478,7 @@
                 </a:tc>
                 <a:extLst>
                   <a:ext uri="{0D108BD9-81ED-4DB2-BD59-A6C34878D82A}">
-                    <a16:rowId xmlns:a16="http://schemas.microsoft.com/office/drawing/2014/main" xmlns="" val="1639158171"/>
+                    <a16:rowId xmlns:a16="http://schemas.microsoft.com/office/drawing/2014/main" val="1639158171"/>
                   </a:ext>
                 </a:extLst>
               </a:tr>
@@ -8767,6 +8549,80 @@
           </a:prstGeom>
         </p:spPr>
       </p:pic>
+      <p:pic>
+        <p:nvPicPr>
+          <p:cNvPr id="6" name="Inhaltsplatzhalter 3">
+            <a:extLst>
+              <a:ext uri="{FF2B5EF4-FFF2-40B4-BE49-F238E27FC236}">
+                <a16:creationId xmlns:a16="http://schemas.microsoft.com/office/drawing/2014/main" id="{DBADCED9-543C-1E47-8AF6-1E397EC8D59C}"/>
+              </a:ext>
+            </a:extLst>
+          </p:cNvPr>
+          <p:cNvPicPr>
+            <a:picLocks noChangeAspect="1"/>
+          </p:cNvPicPr>
+          <p:nvPr/>
+        </p:nvPicPr>
+        <p:blipFill>
+          <a:blip r:embed="rId4" cstate="print">
+            <a:extLst>
+              <a:ext uri="{28A0092B-C50C-407E-A947-70E740481C1C}">
+                <a14:useLocalDpi xmlns:a14="http://schemas.microsoft.com/office/drawing/2010/main" val="0"/>
+              </a:ext>
+            </a:extLst>
+          </a:blip>
+          <a:stretch>
+            <a:fillRect/>
+          </a:stretch>
+        </p:blipFill>
+        <p:spPr>
+          <a:xfrm>
+            <a:off x="2519346" y="1838452"/>
+            <a:ext cx="1618625" cy="938539"/>
+          </a:xfrm>
+          <a:prstGeom prst="rect">
+            <a:avLst/>
+          </a:prstGeom>
+          <a:ln>
+            <a:noFill/>
+          </a:ln>
+        </p:spPr>
+      </p:pic>
+      <p:pic>
+        <p:nvPicPr>
+          <p:cNvPr id="7" name="Grafik 6">
+            <a:extLst>
+              <a:ext uri="{FF2B5EF4-FFF2-40B4-BE49-F238E27FC236}">
+                <a16:creationId xmlns:a16="http://schemas.microsoft.com/office/drawing/2014/main" id="{52E4E9CF-A817-5046-9043-99978E26ECAA}"/>
+              </a:ext>
+            </a:extLst>
+          </p:cNvPr>
+          <p:cNvPicPr>
+            <a:picLocks noChangeAspect="1"/>
+          </p:cNvPicPr>
+          <p:nvPr/>
+        </p:nvPicPr>
+        <p:blipFill rotWithShape="1">
+          <a:blip r:embed="rId5">
+            <a:extLst>
+              <a:ext uri="{28A0092B-C50C-407E-A947-70E740481C1C}">
+                <a14:useLocalDpi xmlns:a14="http://schemas.microsoft.com/office/drawing/2010/main" val="0"/>
+              </a:ext>
+            </a:extLst>
+          </a:blip>
+          <a:srcRect l="34" t="2149"/>
+          <a:stretch/>
+        </p:blipFill>
+        <p:spPr>
+          <a:xfrm>
+            <a:off x="969189" y="2310921"/>
+            <a:ext cx="1336932" cy="574114"/>
+          </a:xfrm>
+          <a:prstGeom prst="rect">
+            <a:avLst/>
+          </a:prstGeom>
+        </p:spPr>
+      </p:pic>
     </p:spTree>
     <p:extLst>
       <p:ext uri="{BB962C8B-B14F-4D97-AF65-F5344CB8AC3E}">
@@ -8777,17 +8633,10 @@
   <p:clrMapOvr>
     <a:masterClrMapping/>
   </p:clrMapOvr>
-  <p:timing>
-    <p:tnLst>
-      <p:par>
-        <p:cTn id="1" dur="indefinite" restart="never" nodeType="tmRoot"/>
-      </p:par>
-    </p:tnLst>
-  </p:timing>
 </p:sld>
 </file>
 
-<file path=ppt/slides/slide16.xml><?xml version="1.0" encoding="utf-8"?>
+<file path=ppt/slides/slide15.xml><?xml version="1.0" encoding="utf-8"?>
 <p:sld xmlns:a="http://schemas.openxmlformats.org/drawingml/2006/main" xmlns:r="http://schemas.openxmlformats.org/officeDocument/2006/relationships" xmlns:p="http://schemas.openxmlformats.org/presentationml/2006/main">
   <p:cSld>
     <p:spTree>
@@ -8855,17 +8704,10 @@
   <p:clrMapOvr>
     <a:masterClrMapping/>
   </p:clrMapOvr>
-  <p:timing>
-    <p:tnLst>
-      <p:par>
-        <p:cTn id="1" dur="indefinite" restart="never" nodeType="tmRoot"/>
-      </p:par>
-    </p:tnLst>
-  </p:timing>
 </p:sld>
 </file>
 
-<file path=ppt/slides/slide17.xml><?xml version="1.0" encoding="utf-8"?>
+<file path=ppt/slides/slide16.xml><?xml version="1.0" encoding="utf-8"?>
 <p:sld xmlns:a="http://schemas.openxmlformats.org/drawingml/2006/main" xmlns:r="http://schemas.openxmlformats.org/officeDocument/2006/relationships" xmlns:p="http://schemas.openxmlformats.org/presentationml/2006/main">
   <p:cSld>
     <p:spTree>
@@ -8887,7 +8729,7 @@
           <p:cNvPr id="2" name="Titel 1">
             <a:extLst>
               <a:ext uri="{FF2B5EF4-FFF2-40B4-BE49-F238E27FC236}">
-                <a16:creationId xmlns:a16="http://schemas.microsoft.com/office/drawing/2014/main" xmlns="" id="{B1F459B3-5CC9-8141-8CBB-3D63C0BD6799}"/>
+                <a16:creationId xmlns:a16="http://schemas.microsoft.com/office/drawing/2014/main" id="{B1F459B3-5CC9-8141-8CBB-3D63C0BD6799}"/>
               </a:ext>
             </a:extLst>
           </p:cNvPr>
@@ -9058,7 +8900,7 @@
           <p:cNvPr id="8" name="Oval 52">
             <a:extLst>
               <a:ext uri="{FF2B5EF4-FFF2-40B4-BE49-F238E27FC236}">
-                <a16:creationId xmlns:a16="http://schemas.microsoft.com/office/drawing/2014/main" xmlns="" id="{A7F525C7-2BB3-7741-BE0A-A91605F6B414}"/>
+                <a16:creationId xmlns:a16="http://schemas.microsoft.com/office/drawing/2014/main" id="{A7F525C7-2BB3-7741-BE0A-A91605F6B414}"/>
               </a:ext>
             </a:extLst>
           </p:cNvPr>
@@ -9110,7 +8952,7 @@
           <p:cNvPr id="9" name="Oval 53">
             <a:extLst>
               <a:ext uri="{FF2B5EF4-FFF2-40B4-BE49-F238E27FC236}">
-                <a16:creationId xmlns:a16="http://schemas.microsoft.com/office/drawing/2014/main" xmlns="" id="{7A84F289-E89F-8342-8791-347A0E4F5BF9}"/>
+                <a16:creationId xmlns:a16="http://schemas.microsoft.com/office/drawing/2014/main" id="{7A84F289-E89F-8342-8791-347A0E4F5BF9}"/>
               </a:ext>
             </a:extLst>
           </p:cNvPr>
@@ -9162,7 +9004,7 @@
           <p:cNvPr id="10" name="Oval 54">
             <a:extLst>
               <a:ext uri="{FF2B5EF4-FFF2-40B4-BE49-F238E27FC236}">
-                <a16:creationId xmlns:a16="http://schemas.microsoft.com/office/drawing/2014/main" xmlns="" id="{A65E12B4-4201-2148-B5CA-CF3C353E009F}"/>
+                <a16:creationId xmlns:a16="http://schemas.microsoft.com/office/drawing/2014/main" id="{A65E12B4-4201-2148-B5CA-CF3C353E009F}"/>
               </a:ext>
             </a:extLst>
           </p:cNvPr>
@@ -9216,7 +9058,7 @@
               <p14:cNvPr id="11" name="Freihand 10">
                 <a:extLst>
                   <a:ext uri="{FF2B5EF4-FFF2-40B4-BE49-F238E27FC236}">
-                    <a16:creationId xmlns:a16="http://schemas.microsoft.com/office/drawing/2014/main" xmlns="" id="{5B3C06F8-598F-844F-A3A1-C175A796CC1F}"/>
+                    <a16:creationId xmlns:a16="http://schemas.microsoft.com/office/drawing/2014/main" id="{5B3C06F8-598F-844F-A3A1-C175A796CC1F}"/>
                   </a:ext>
                 </a:extLst>
               </p14:cNvPr>
@@ -9267,7 +9109,7 @@
               <p14:cNvPr id="12" name="Freihand 11">
                 <a:extLst>
                   <a:ext uri="{FF2B5EF4-FFF2-40B4-BE49-F238E27FC236}">
-                    <a16:creationId xmlns:a16="http://schemas.microsoft.com/office/drawing/2014/main" xmlns="" id="{082C1878-4FC7-A046-A15C-155DA5A4994F}"/>
+                    <a16:creationId xmlns:a16="http://schemas.microsoft.com/office/drawing/2014/main" id="{082C1878-4FC7-A046-A15C-155DA5A4994F}"/>
                   </a:ext>
                 </a:extLst>
               </p14:cNvPr>
@@ -9318,7 +9160,7 @@
               <p14:cNvPr id="13" name="Freihand 12">
                 <a:extLst>
                   <a:ext uri="{FF2B5EF4-FFF2-40B4-BE49-F238E27FC236}">
-                    <a16:creationId xmlns:a16="http://schemas.microsoft.com/office/drawing/2014/main" xmlns="" id="{4493D0F5-C439-AB47-A7AB-C5899EB6F429}"/>
+                    <a16:creationId xmlns:a16="http://schemas.microsoft.com/office/drawing/2014/main" id="{4493D0F5-C439-AB47-A7AB-C5899EB6F429}"/>
                   </a:ext>
                 </a:extLst>
               </p14:cNvPr>
@@ -9362,41 +9204,705 @@
           </p:pic>
         </mc:Fallback>
       </mc:AlternateContent>
-      <p:sp>
-        <p:nvSpPr>
-          <p:cNvPr id="16" name="Textfeld 15">
+      <mc:AlternateContent xmlns:mc="http://schemas.openxmlformats.org/markup-compatibility/2006">
+        <mc:Choice xmlns:p14="http://schemas.microsoft.com/office/powerpoint/2010/main" Requires="p14">
+          <p:contentPart p14:bwMode="auto" r:id="rId11">
+            <p14:nvContentPartPr>
+              <p14:cNvPr id="18" name="Freihand 17">
+                <a:extLst>
+                  <a:ext uri="{FF2B5EF4-FFF2-40B4-BE49-F238E27FC236}">
+                    <a16:creationId xmlns:a16="http://schemas.microsoft.com/office/drawing/2014/main" id="{1E33159F-5EDA-7243-9035-848447A03A46}"/>
+                  </a:ext>
+                </a:extLst>
+              </p14:cNvPr>
+              <p14:cNvContentPartPr/>
+              <p14:nvPr/>
+            </p14:nvContentPartPr>
+            <p14:xfrm>
+              <a:off x="10221815" y="870492"/>
+              <a:ext cx="248400" cy="78120"/>
+            </p14:xfrm>
+          </p:contentPart>
+        </mc:Choice>
+        <mc:Fallback>
+          <p:pic>
+            <p:nvPicPr>
+              <p:cNvPr id="18" name="Freihand 17">
+                <a:extLst>
+                  <a:ext uri="{FF2B5EF4-FFF2-40B4-BE49-F238E27FC236}">
+                    <a16:creationId xmlns:a16="http://schemas.microsoft.com/office/drawing/2014/main" id="{1E33159F-5EDA-7243-9035-848447A03A46}"/>
+                  </a:ext>
+                </a:extLst>
+              </p:cNvPr>
+              <p:cNvPicPr/>
+              <p:nvPr/>
+            </p:nvPicPr>
+            <p:blipFill>
+              <a:blip r:embed="rId12"/>
+              <a:stretch>
+                <a:fillRect/>
+              </a:stretch>
+            </p:blipFill>
+            <p:spPr>
+              <a:xfrm>
+                <a:off x="10213175" y="861492"/>
+                <a:ext cx="266040" cy="95760"/>
+              </a:xfrm>
+              <a:prstGeom prst="rect">
+                <a:avLst/>
+              </a:prstGeom>
+            </p:spPr>
+          </p:pic>
+        </mc:Fallback>
+      </mc:AlternateContent>
+      <p:pic>
+        <p:nvPicPr>
+          <p:cNvPr id="19" name="Grafik 18">
             <a:extLst>
               <a:ext uri="{FF2B5EF4-FFF2-40B4-BE49-F238E27FC236}">
-                <a16:creationId xmlns:a16="http://schemas.microsoft.com/office/drawing/2014/main" xmlns="" id="{78AA0267-66A5-6246-A3BD-117F333C6256}"/>
+                <a16:creationId xmlns:a16="http://schemas.microsoft.com/office/drawing/2014/main" id="{3E5CCF41-B5EC-8545-8430-A78ACA0F9371}"/>
               </a:ext>
             </a:extLst>
           </p:cNvPr>
-          <p:cNvSpPr txBox="1"/>
+          <p:cNvPicPr>
+            <a:picLocks noChangeAspect="1"/>
+          </p:cNvPicPr>
           <p:nvPr/>
-        </p:nvSpPr>
+        </p:nvPicPr>
+        <p:blipFill>
+          <a:blip r:embed="rId13"/>
+          <a:stretch>
+            <a:fillRect/>
+          </a:stretch>
+        </p:blipFill>
         <p:spPr>
           <a:xfrm>
-            <a:off x="9500358" y="272682"/>
-            <a:ext cx="360996" cy="830997"/>
+            <a:off x="9250475" y="256822"/>
+            <a:ext cx="728873" cy="728873"/>
           </a:xfrm>
           <a:prstGeom prst="rect">
             <a:avLst/>
           </a:prstGeom>
-          <a:noFill/>
         </p:spPr>
-        <p:txBody>
-          <a:bodyPr wrap="none" rtlCol="0">
-            <a:spAutoFit/>
-          </a:bodyPr>
-          <a:lstStyle/>
-          <a:p>
-            <a:r>
-              <a:rPr lang="de-DE" sz="4800" b="1" dirty="0"/>
-              <a:t>!</a:t>
-            </a:r>
-          </a:p>
-        </p:txBody>
-      </p:sp>
+      </p:pic>
+      <p:grpSp>
+        <p:nvGrpSpPr>
+          <p:cNvPr id="29" name="Gruppieren 28">
+            <a:extLst>
+              <a:ext uri="{FF2B5EF4-FFF2-40B4-BE49-F238E27FC236}">
+                <a16:creationId xmlns:a16="http://schemas.microsoft.com/office/drawing/2014/main" id="{FAE6EC32-92E8-704F-83BA-F308FB46A402}"/>
+              </a:ext>
+            </a:extLst>
+          </p:cNvPr>
+          <p:cNvGrpSpPr/>
+          <p:nvPr/>
+        </p:nvGrpSpPr>
+        <p:grpSpPr>
+          <a:xfrm>
+            <a:off x="853922" y="2342178"/>
+            <a:ext cx="3801461" cy="1620389"/>
+            <a:chOff x="1780031" y="1330903"/>
+            <a:chExt cx="3801461" cy="1620389"/>
+          </a:xfrm>
+        </p:grpSpPr>
+        <p:sp>
+          <p:nvSpPr>
+            <p:cNvPr id="30" name="Rechteck 29">
+              <a:extLst>
+                <a:ext uri="{FF2B5EF4-FFF2-40B4-BE49-F238E27FC236}">
+                  <a16:creationId xmlns:a16="http://schemas.microsoft.com/office/drawing/2014/main" id="{2D082488-1F16-6243-8438-DB6727A3BC50}"/>
+                </a:ext>
+              </a:extLst>
+            </p:cNvPr>
+            <p:cNvSpPr/>
+            <p:nvPr/>
+          </p:nvSpPr>
+          <p:spPr>
+            <a:xfrm>
+              <a:off x="1780031" y="1499917"/>
+              <a:ext cx="3801461" cy="1451375"/>
+            </a:xfrm>
+            <a:prstGeom prst="rect">
+              <a:avLst/>
+            </a:prstGeom>
+            <a:solidFill>
+              <a:schemeClr val="bg1"/>
+            </a:solidFill>
+            <a:ln>
+              <a:solidFill>
+                <a:schemeClr val="accent4"/>
+              </a:solidFill>
+            </a:ln>
+          </p:spPr>
+          <p:style>
+            <a:lnRef idx="2">
+              <a:schemeClr val="accent1">
+                <a:shade val="50000"/>
+              </a:schemeClr>
+            </a:lnRef>
+            <a:fillRef idx="1">
+              <a:schemeClr val="accent1"/>
+            </a:fillRef>
+            <a:effectRef idx="0">
+              <a:schemeClr val="accent1"/>
+            </a:effectRef>
+            <a:fontRef idx="minor">
+              <a:schemeClr val="lt1"/>
+            </a:fontRef>
+          </p:style>
+          <p:txBody>
+            <a:bodyPr tIns="180000" rtlCol="0" anchor="t"/>
+            <a:lstStyle/>
+            <a:p>
+              <a:pPr marL="342900" indent="-342900">
+                <a:lnSpc>
+                  <a:spcPct val="120000"/>
+                </a:lnSpc>
+                <a:buFont typeface="Arial" panose="020B0604020202020204" pitchFamily="34" charset="0"/>
+                <a:buChar char="•"/>
+              </a:pPr>
+              <a:r>
+                <a:rPr lang="de-DE" dirty="0">
+                  <a:solidFill>
+                    <a:schemeClr val="tx1"/>
+                  </a:solidFill>
+                </a:rPr>
+                <a:t>Nutzer kann Probleme und Lösungen eingeben</a:t>
+              </a:r>
+            </a:p>
+          </p:txBody>
+        </p:sp>
+        <p:sp>
+          <p:nvSpPr>
+            <p:cNvPr id="31" name="Rechteck 30">
+              <a:extLst>
+                <a:ext uri="{FF2B5EF4-FFF2-40B4-BE49-F238E27FC236}">
+                  <a16:creationId xmlns:a16="http://schemas.microsoft.com/office/drawing/2014/main" id="{456DFC42-7138-5842-B9B8-2933059BB8B0}"/>
+                </a:ext>
+              </a:extLst>
+            </p:cNvPr>
+            <p:cNvSpPr/>
+            <p:nvPr/>
+          </p:nvSpPr>
+          <p:spPr>
+            <a:xfrm>
+              <a:off x="1977040" y="1330903"/>
+              <a:ext cx="1694629" cy="338027"/>
+            </a:xfrm>
+            <a:prstGeom prst="rect">
+              <a:avLst/>
+            </a:prstGeom>
+            <a:solidFill>
+              <a:schemeClr val="bg1"/>
+            </a:solidFill>
+            <a:ln>
+              <a:noFill/>
+            </a:ln>
+          </p:spPr>
+          <p:style>
+            <a:lnRef idx="2">
+              <a:schemeClr val="accent1">
+                <a:shade val="50000"/>
+              </a:schemeClr>
+            </a:lnRef>
+            <a:fillRef idx="1">
+              <a:schemeClr val="accent1"/>
+            </a:fillRef>
+            <a:effectRef idx="0">
+              <a:schemeClr val="accent1"/>
+            </a:effectRef>
+            <a:fontRef idx="minor">
+              <a:schemeClr val="lt1"/>
+            </a:fontRef>
+          </p:style>
+          <p:txBody>
+            <a:bodyPr rtlCol="0" anchor="ctr"/>
+            <a:lstStyle/>
+            <a:p>
+              <a:r>
+                <a:rPr lang="de-DE" sz="1600" b="1" dirty="0">
+                  <a:solidFill>
+                    <a:schemeClr val="accent4"/>
+                  </a:solidFill>
+                </a:rPr>
+                <a:t>User Interface</a:t>
+              </a:r>
+            </a:p>
+          </p:txBody>
+        </p:sp>
+      </p:grpSp>
+      <p:grpSp>
+        <p:nvGrpSpPr>
+          <p:cNvPr id="32" name="Gruppieren 31">
+            <a:extLst>
+              <a:ext uri="{FF2B5EF4-FFF2-40B4-BE49-F238E27FC236}">
+                <a16:creationId xmlns:a16="http://schemas.microsoft.com/office/drawing/2014/main" id="{844F6D30-D5A4-C04A-ADBA-18E25851FDF5}"/>
+              </a:ext>
+            </a:extLst>
+          </p:cNvPr>
+          <p:cNvGrpSpPr/>
+          <p:nvPr/>
+        </p:nvGrpSpPr>
+        <p:grpSpPr>
+          <a:xfrm>
+            <a:off x="1655664" y="4321395"/>
+            <a:ext cx="4272498" cy="1620397"/>
+            <a:chOff x="1780031" y="1330903"/>
+            <a:chExt cx="4272498" cy="1620397"/>
+          </a:xfrm>
+        </p:grpSpPr>
+        <p:sp>
+          <p:nvSpPr>
+            <p:cNvPr id="33" name="Rechteck 32">
+              <a:extLst>
+                <a:ext uri="{FF2B5EF4-FFF2-40B4-BE49-F238E27FC236}">
+                  <a16:creationId xmlns:a16="http://schemas.microsoft.com/office/drawing/2014/main" id="{8E73C930-D810-B548-B325-2CD71D76ADBB}"/>
+                </a:ext>
+              </a:extLst>
+            </p:cNvPr>
+            <p:cNvSpPr/>
+            <p:nvPr/>
+          </p:nvSpPr>
+          <p:spPr>
+            <a:xfrm>
+              <a:off x="1780031" y="1499918"/>
+              <a:ext cx="4272498" cy="1451382"/>
+            </a:xfrm>
+            <a:prstGeom prst="rect">
+              <a:avLst/>
+            </a:prstGeom>
+            <a:solidFill>
+              <a:schemeClr val="bg1"/>
+            </a:solidFill>
+            <a:ln>
+              <a:solidFill>
+                <a:schemeClr val="accent4"/>
+              </a:solidFill>
+            </a:ln>
+          </p:spPr>
+          <p:style>
+            <a:lnRef idx="2">
+              <a:schemeClr val="accent1">
+                <a:shade val="50000"/>
+              </a:schemeClr>
+            </a:lnRef>
+            <a:fillRef idx="1">
+              <a:schemeClr val="accent1"/>
+            </a:fillRef>
+            <a:effectRef idx="0">
+              <a:schemeClr val="accent1"/>
+            </a:effectRef>
+            <a:fontRef idx="minor">
+              <a:schemeClr val="lt1"/>
+            </a:fontRef>
+          </p:style>
+          <p:txBody>
+            <a:bodyPr tIns="180000" rtlCol="0" anchor="t"/>
+            <a:lstStyle/>
+            <a:p>
+              <a:pPr marL="342900" indent="-342900">
+                <a:lnSpc>
+                  <a:spcPct val="120000"/>
+                </a:lnSpc>
+                <a:buFont typeface="Arial" panose="020B0604020202020204" pitchFamily="34" charset="0"/>
+                <a:buChar char="•"/>
+              </a:pPr>
+              <a:r>
+                <a:rPr lang="de-DE" dirty="0">
+                  <a:solidFill>
+                    <a:schemeClr val="tx1"/>
+                  </a:solidFill>
+                </a:rPr>
+                <a:t>Nutzer kann Probleme und Lösungen eingeben</a:t>
+              </a:r>
+            </a:p>
+          </p:txBody>
+        </p:sp>
+        <p:sp>
+          <p:nvSpPr>
+            <p:cNvPr id="34" name="Rechteck 33">
+              <a:extLst>
+                <a:ext uri="{FF2B5EF4-FFF2-40B4-BE49-F238E27FC236}">
+                  <a16:creationId xmlns:a16="http://schemas.microsoft.com/office/drawing/2014/main" id="{9511CF2B-BCCD-B648-81EC-E6CF3F16BCED}"/>
+                </a:ext>
+              </a:extLst>
+            </p:cNvPr>
+            <p:cNvSpPr/>
+            <p:nvPr/>
+          </p:nvSpPr>
+          <p:spPr>
+            <a:xfrm>
+              <a:off x="1977040" y="1330903"/>
+              <a:ext cx="1195327" cy="338027"/>
+            </a:xfrm>
+            <a:prstGeom prst="rect">
+              <a:avLst/>
+            </a:prstGeom>
+            <a:solidFill>
+              <a:schemeClr val="bg1"/>
+            </a:solidFill>
+            <a:ln>
+              <a:noFill/>
+            </a:ln>
+          </p:spPr>
+          <p:style>
+            <a:lnRef idx="2">
+              <a:schemeClr val="accent1">
+                <a:shade val="50000"/>
+              </a:schemeClr>
+            </a:lnRef>
+            <a:fillRef idx="1">
+              <a:schemeClr val="accent1"/>
+            </a:fillRef>
+            <a:effectRef idx="0">
+              <a:schemeClr val="accent1"/>
+            </a:effectRef>
+            <a:fontRef idx="minor">
+              <a:schemeClr val="lt1"/>
+            </a:fontRef>
+          </p:style>
+          <p:txBody>
+            <a:bodyPr rtlCol="0" anchor="ctr"/>
+            <a:lstStyle/>
+            <a:p>
+              <a:r>
+                <a:rPr lang="de-DE" sz="1600" b="1" dirty="0">
+                  <a:solidFill>
+                    <a:schemeClr val="accent4"/>
+                  </a:solidFill>
+                </a:rPr>
+                <a:t>Assistenz</a:t>
+              </a:r>
+            </a:p>
+          </p:txBody>
+        </p:sp>
+      </p:grpSp>
+      <p:grpSp>
+        <p:nvGrpSpPr>
+          <p:cNvPr id="35" name="Gruppieren 34">
+            <a:extLst>
+              <a:ext uri="{FF2B5EF4-FFF2-40B4-BE49-F238E27FC236}">
+                <a16:creationId xmlns:a16="http://schemas.microsoft.com/office/drawing/2014/main" id="{3D302C86-545B-9A4A-AAB4-6374FD9C12A9}"/>
+              </a:ext>
+            </a:extLst>
+          </p:cNvPr>
+          <p:cNvGrpSpPr/>
+          <p:nvPr/>
+        </p:nvGrpSpPr>
+        <p:grpSpPr>
+          <a:xfrm>
+            <a:off x="7367432" y="4101809"/>
+            <a:ext cx="3801461" cy="1885697"/>
+            <a:chOff x="1780030" y="1330903"/>
+            <a:chExt cx="3801461" cy="1885697"/>
+          </a:xfrm>
+        </p:grpSpPr>
+        <p:sp>
+          <p:nvSpPr>
+            <p:cNvPr id="36" name="Rechteck 35">
+              <a:extLst>
+                <a:ext uri="{FF2B5EF4-FFF2-40B4-BE49-F238E27FC236}">
+                  <a16:creationId xmlns:a16="http://schemas.microsoft.com/office/drawing/2014/main" id="{23115AAF-35F2-6442-8E5B-8BD850E80E32}"/>
+                </a:ext>
+              </a:extLst>
+            </p:cNvPr>
+            <p:cNvSpPr/>
+            <p:nvPr/>
+          </p:nvSpPr>
+          <p:spPr>
+            <a:xfrm>
+              <a:off x="1780030" y="1499917"/>
+              <a:ext cx="3801461" cy="1716683"/>
+            </a:xfrm>
+            <a:prstGeom prst="rect">
+              <a:avLst/>
+            </a:prstGeom>
+            <a:solidFill>
+              <a:schemeClr val="bg1"/>
+            </a:solidFill>
+            <a:ln>
+              <a:solidFill>
+                <a:schemeClr val="accent4"/>
+              </a:solidFill>
+            </a:ln>
+          </p:spPr>
+          <p:style>
+            <a:lnRef idx="2">
+              <a:schemeClr val="accent1">
+                <a:shade val="50000"/>
+              </a:schemeClr>
+            </a:lnRef>
+            <a:fillRef idx="1">
+              <a:schemeClr val="accent1"/>
+            </a:fillRef>
+            <a:effectRef idx="0">
+              <a:schemeClr val="accent1"/>
+            </a:effectRef>
+            <a:fontRef idx="minor">
+              <a:schemeClr val="lt1"/>
+            </a:fontRef>
+          </p:style>
+          <p:txBody>
+            <a:bodyPr tIns="180000" rtlCol="0" anchor="t"/>
+            <a:lstStyle/>
+            <a:p>
+              <a:pPr marL="342900" indent="-342900">
+                <a:lnSpc>
+                  <a:spcPct val="120000"/>
+                </a:lnSpc>
+                <a:buFont typeface="Arial" panose="020B0604020202020204" pitchFamily="34" charset="0"/>
+                <a:buChar char="•"/>
+              </a:pPr>
+              <a:r>
+                <a:rPr lang="de-DE" dirty="0">
+                  <a:solidFill>
+                    <a:schemeClr val="tx1"/>
+                  </a:solidFill>
+                </a:rPr>
+                <a:t>Werden gelöste Probleme im Modul gespeichert?</a:t>
+              </a:r>
+            </a:p>
+            <a:p>
+              <a:pPr marL="342900" indent="-342900">
+                <a:lnSpc>
+                  <a:spcPct val="120000"/>
+                </a:lnSpc>
+                <a:buFont typeface="Arial" panose="020B0604020202020204" pitchFamily="34" charset="0"/>
+                <a:buChar char="•"/>
+              </a:pPr>
+              <a:r>
+                <a:rPr lang="de-DE" dirty="0">
+                  <a:solidFill>
+                    <a:schemeClr val="tx1"/>
+                  </a:solidFill>
+                </a:rPr>
+                <a:t>Welche Informationen muss das MTP bereitstellen, damit die Assistenz Lösungen finden kann?</a:t>
+              </a:r>
+            </a:p>
+          </p:txBody>
+        </p:sp>
+        <p:sp>
+          <p:nvSpPr>
+            <p:cNvPr id="37" name="Rechteck 36">
+              <a:extLst>
+                <a:ext uri="{FF2B5EF4-FFF2-40B4-BE49-F238E27FC236}">
+                  <a16:creationId xmlns:a16="http://schemas.microsoft.com/office/drawing/2014/main" id="{7F151E5E-545A-4F40-87DA-17083B145725}"/>
+                </a:ext>
+              </a:extLst>
+            </p:cNvPr>
+            <p:cNvSpPr/>
+            <p:nvPr/>
+          </p:nvSpPr>
+          <p:spPr>
+            <a:xfrm>
+              <a:off x="1977040" y="1330903"/>
+              <a:ext cx="1916335" cy="338027"/>
+            </a:xfrm>
+            <a:prstGeom prst="rect">
+              <a:avLst/>
+            </a:prstGeom>
+            <a:solidFill>
+              <a:schemeClr val="bg1"/>
+            </a:solidFill>
+            <a:ln>
+              <a:noFill/>
+            </a:ln>
+          </p:spPr>
+          <p:style>
+            <a:lnRef idx="2">
+              <a:schemeClr val="accent1">
+                <a:shade val="50000"/>
+              </a:schemeClr>
+            </a:lnRef>
+            <a:fillRef idx="1">
+              <a:schemeClr val="accent1"/>
+            </a:fillRef>
+            <a:effectRef idx="0">
+              <a:schemeClr val="accent1"/>
+            </a:effectRef>
+            <a:fontRef idx="minor">
+              <a:schemeClr val="lt1"/>
+            </a:fontRef>
+          </p:style>
+          <p:txBody>
+            <a:bodyPr rtlCol="0" anchor="ctr"/>
+            <a:lstStyle/>
+            <a:p>
+              <a:r>
+                <a:rPr lang="de-DE" sz="1600" b="1" dirty="0">
+                  <a:solidFill>
+                    <a:schemeClr val="accent4"/>
+                  </a:solidFill>
+                </a:rPr>
+                <a:t>Modulare Anlage</a:t>
+              </a:r>
+            </a:p>
+          </p:txBody>
+        </p:sp>
+      </p:grpSp>
+      <p:grpSp>
+        <p:nvGrpSpPr>
+          <p:cNvPr id="38" name="Gruppieren 37">
+            <a:extLst>
+              <a:ext uri="{FF2B5EF4-FFF2-40B4-BE49-F238E27FC236}">
+                <a16:creationId xmlns:a16="http://schemas.microsoft.com/office/drawing/2014/main" id="{1CA8B657-F9AF-5243-AF7E-BB8501B06F90}"/>
+              </a:ext>
+            </a:extLst>
+          </p:cNvPr>
+          <p:cNvGrpSpPr/>
+          <p:nvPr/>
+        </p:nvGrpSpPr>
+        <p:grpSpPr>
+          <a:xfrm>
+            <a:off x="5489510" y="2342170"/>
+            <a:ext cx="3411597" cy="1620397"/>
+            <a:chOff x="1780031" y="1330903"/>
+            <a:chExt cx="3411597" cy="1620397"/>
+          </a:xfrm>
+        </p:grpSpPr>
+        <p:sp>
+          <p:nvSpPr>
+            <p:cNvPr id="39" name="Rechteck 38">
+              <a:extLst>
+                <a:ext uri="{FF2B5EF4-FFF2-40B4-BE49-F238E27FC236}">
+                  <a16:creationId xmlns:a16="http://schemas.microsoft.com/office/drawing/2014/main" id="{02092F8E-6236-034D-B034-00A54F99E62D}"/>
+                </a:ext>
+              </a:extLst>
+            </p:cNvPr>
+            <p:cNvSpPr/>
+            <p:nvPr/>
+          </p:nvSpPr>
+          <p:spPr>
+            <a:xfrm>
+              <a:off x="1780031" y="1499918"/>
+              <a:ext cx="3411597" cy="1451382"/>
+            </a:xfrm>
+            <a:prstGeom prst="rect">
+              <a:avLst/>
+            </a:prstGeom>
+            <a:solidFill>
+              <a:schemeClr val="bg1"/>
+            </a:solidFill>
+            <a:ln>
+              <a:solidFill>
+                <a:schemeClr val="accent4"/>
+              </a:solidFill>
+            </a:ln>
+          </p:spPr>
+          <p:style>
+            <a:lnRef idx="2">
+              <a:schemeClr val="accent1">
+                <a:shade val="50000"/>
+              </a:schemeClr>
+            </a:lnRef>
+            <a:fillRef idx="1">
+              <a:schemeClr val="accent1"/>
+            </a:fillRef>
+            <a:effectRef idx="0">
+              <a:schemeClr val="accent1"/>
+            </a:effectRef>
+            <a:fontRef idx="minor">
+              <a:schemeClr val="lt1"/>
+            </a:fontRef>
+          </p:style>
+          <p:txBody>
+            <a:bodyPr tIns="180000" rtlCol="0" anchor="t"/>
+            <a:lstStyle/>
+            <a:p>
+              <a:pPr marL="342900" indent="-342900">
+                <a:lnSpc>
+                  <a:spcPct val="120000"/>
+                </a:lnSpc>
+                <a:buFont typeface="Arial" panose="020B0604020202020204" pitchFamily="34" charset="0"/>
+                <a:buChar char="•"/>
+              </a:pPr>
+              <a:r>
+                <a:rPr lang="de-DE" dirty="0">
+                  <a:solidFill>
+                    <a:schemeClr val="tx1"/>
+                  </a:solidFill>
+                </a:rPr>
+                <a:t>Welches Vorwissen bringen Nutzer mit?</a:t>
+              </a:r>
+            </a:p>
+            <a:p>
+              <a:pPr marL="342900" indent="-342900">
+                <a:lnSpc>
+                  <a:spcPct val="120000"/>
+                </a:lnSpc>
+                <a:buFont typeface="Arial" panose="020B0604020202020204" pitchFamily="34" charset="0"/>
+                <a:buChar char="•"/>
+              </a:pPr>
+              <a:r>
+                <a:rPr lang="de-DE" dirty="0">
+                  <a:solidFill>
+                    <a:schemeClr val="tx1"/>
+                  </a:solidFill>
+                </a:rPr>
+                <a:t>Erzeugt das Zeitlimit Druck auf den Nutzer?</a:t>
+              </a:r>
+            </a:p>
+          </p:txBody>
+        </p:sp>
+        <p:sp>
+          <p:nvSpPr>
+            <p:cNvPr id="40" name="Rechteck 39">
+              <a:extLst>
+                <a:ext uri="{FF2B5EF4-FFF2-40B4-BE49-F238E27FC236}">
+                  <a16:creationId xmlns:a16="http://schemas.microsoft.com/office/drawing/2014/main" id="{1B35C96E-3871-C044-9116-F5A9A8C99AFF}"/>
+                </a:ext>
+              </a:extLst>
+            </p:cNvPr>
+            <p:cNvSpPr/>
+            <p:nvPr/>
+          </p:nvSpPr>
+          <p:spPr>
+            <a:xfrm>
+              <a:off x="1977041" y="1330903"/>
+              <a:ext cx="899476" cy="338027"/>
+            </a:xfrm>
+            <a:prstGeom prst="rect">
+              <a:avLst/>
+            </a:prstGeom>
+            <a:solidFill>
+              <a:schemeClr val="bg1"/>
+            </a:solidFill>
+            <a:ln>
+              <a:noFill/>
+            </a:ln>
+          </p:spPr>
+          <p:style>
+            <a:lnRef idx="2">
+              <a:schemeClr val="accent1">
+                <a:shade val="50000"/>
+              </a:schemeClr>
+            </a:lnRef>
+            <a:fillRef idx="1">
+              <a:schemeClr val="accent1"/>
+            </a:fillRef>
+            <a:effectRef idx="0">
+              <a:schemeClr val="accent1"/>
+            </a:effectRef>
+            <a:fontRef idx="minor">
+              <a:schemeClr val="lt1"/>
+            </a:fontRef>
+          </p:style>
+          <p:txBody>
+            <a:bodyPr rtlCol="0" anchor="ctr"/>
+            <a:lstStyle/>
+            <a:p>
+              <a:r>
+                <a:rPr lang="de-DE" sz="1600" b="1" dirty="0">
+                  <a:solidFill>
+                    <a:schemeClr val="accent4"/>
+                  </a:solidFill>
+                </a:rPr>
+                <a:t>Nutzer</a:t>
+              </a:r>
+            </a:p>
+          </p:txBody>
+        </p:sp>
+      </p:grpSp>
     </p:spTree>
     <p:extLst>
       <p:ext uri="{BB962C8B-B14F-4D97-AF65-F5344CB8AC3E}">
@@ -9407,13 +9913,921 @@
   <p:clrMapOvr>
     <a:masterClrMapping/>
   </p:clrMapOvr>
-  <p:timing>
-    <p:tnLst>
-      <p:par>
-        <p:cTn id="1" dur="indefinite" restart="never" nodeType="tmRoot"/>
-      </p:par>
-    </p:tnLst>
-  </p:timing>
+</p:sld>
+</file>
+
+<file path=ppt/slides/slide17.xml><?xml version="1.0" encoding="utf-8"?>
+<p:sld xmlns:a="http://schemas.openxmlformats.org/drawingml/2006/main" xmlns:r="http://schemas.openxmlformats.org/officeDocument/2006/relationships" xmlns:p="http://schemas.openxmlformats.org/presentationml/2006/main">
+  <p:cSld>
+    <p:spTree>
+      <p:nvGrpSpPr>
+        <p:cNvPr id="1" name=""/>
+        <p:cNvGrpSpPr/>
+        <p:nvPr/>
+      </p:nvGrpSpPr>
+      <p:grpSpPr>
+        <a:xfrm>
+          <a:off x="0" y="0"/>
+          <a:ext cx="0" cy="0"/>
+          <a:chOff x="0" y="0"/>
+          <a:chExt cx="0" cy="0"/>
+        </a:xfrm>
+      </p:grpSpPr>
+      <p:sp>
+        <p:nvSpPr>
+          <p:cNvPr id="2" name="Titel 1">
+            <a:extLst>
+              <a:ext uri="{FF2B5EF4-FFF2-40B4-BE49-F238E27FC236}">
+                <a16:creationId xmlns:a16="http://schemas.microsoft.com/office/drawing/2014/main" id="{B1F459B3-5CC9-8141-8CBB-3D63C0BD6799}"/>
+              </a:ext>
+            </a:extLst>
+          </p:cNvPr>
+          <p:cNvSpPr>
+            <a:spLocks noGrp="1"/>
+          </p:cNvSpPr>
+          <p:nvPr>
+            <p:ph type="title"/>
+          </p:nvPr>
+        </p:nvSpPr>
+        <p:spPr/>
+        <p:txBody>
+          <a:bodyPr/>
+          <a:lstStyle/>
+          <a:p>
+            <a:r>
+              <a:rPr lang="de-DE" dirty="0"/>
+              <a:t>Ausblick</a:t>
+            </a:r>
+          </a:p>
+        </p:txBody>
+      </p:sp>
+      <p:pic>
+        <p:nvPicPr>
+          <p:cNvPr id="4" name="Inhaltsplatzhalter 3"/>
+          <p:cNvPicPr>
+            <a:picLocks noGrp="1" noChangeAspect="1"/>
+          </p:cNvPicPr>
+          <p:nvPr>
+            <p:ph sz="quarter" idx="10"/>
+          </p:nvPr>
+        </p:nvPicPr>
+        <p:blipFill>
+          <a:blip r:embed="rId2" cstate="print">
+            <a:extLst>
+              <a:ext uri="{28A0092B-C50C-407E-A947-70E740481C1C}">
+                <a14:useLocalDpi xmlns:a14="http://schemas.microsoft.com/office/drawing/2010/main" val="0"/>
+              </a:ext>
+            </a:extLst>
+          </a:blip>
+          <a:stretch>
+            <a:fillRect/>
+          </a:stretch>
+        </p:blipFill>
+        <p:spPr>
+          <a:xfrm>
+            <a:off x="874712" y="1030288"/>
+            <a:ext cx="2001636" cy="1162402"/>
+          </a:xfrm>
+        </p:spPr>
+      </p:pic>
+      <p:cxnSp>
+        <p:nvCxnSpPr>
+          <p:cNvPr id="7" name="Gerade Verbindung mit Pfeil 6"/>
+          <p:cNvCxnSpPr/>
+          <p:nvPr/>
+        </p:nvCxnSpPr>
+        <p:spPr>
+          <a:xfrm>
+            <a:off x="3048000" y="1611489"/>
+            <a:ext cx="6461760" cy="0"/>
+          </a:xfrm>
+          <a:prstGeom prst="straightConnector1">
+            <a:avLst/>
+          </a:prstGeom>
+          <a:ln w="38100">
+            <a:solidFill>
+              <a:schemeClr val="accent3"/>
+            </a:solidFill>
+            <a:tailEnd type="triangle" w="lg" len="lg"/>
+          </a:ln>
+        </p:spPr>
+        <p:style>
+          <a:lnRef idx="1">
+            <a:schemeClr val="accent1"/>
+          </a:lnRef>
+          <a:fillRef idx="0">
+            <a:schemeClr val="accent1"/>
+          </a:fillRef>
+          <a:effectRef idx="0">
+            <a:schemeClr val="accent1"/>
+          </a:effectRef>
+          <a:fontRef idx="minor">
+            <a:schemeClr val="tx1"/>
+          </a:fontRef>
+        </p:style>
+      </p:cxnSp>
+      <p:grpSp>
+        <p:nvGrpSpPr>
+          <p:cNvPr id="3" name="Gruppieren 2"/>
+          <p:cNvGrpSpPr/>
+          <p:nvPr/>
+        </p:nvGrpSpPr>
+        <p:grpSpPr>
+          <a:xfrm>
+            <a:off x="11050364" y="915854"/>
+            <a:ext cx="810070" cy="810070"/>
+            <a:chOff x="871314" y="3149131"/>
+            <a:chExt cx="810070" cy="810070"/>
+          </a:xfrm>
+        </p:grpSpPr>
+        <p:pic>
+          <p:nvPicPr>
+            <p:cNvPr id="5" name="Grafik 4"/>
+            <p:cNvPicPr>
+              <a:picLocks noChangeAspect="1"/>
+            </p:cNvPicPr>
+            <p:nvPr/>
+          </p:nvPicPr>
+          <p:blipFill>
+            <a:blip r:embed="rId3">
+              <a:extLst>
+                <a:ext uri="{28A0092B-C50C-407E-A947-70E740481C1C}">
+                  <a14:useLocalDpi xmlns:a14="http://schemas.microsoft.com/office/drawing/2010/main" val="0"/>
+                </a:ext>
+              </a:extLst>
+            </a:blip>
+            <a:stretch>
+              <a:fillRect/>
+            </a:stretch>
+          </p:blipFill>
+          <p:spPr>
+            <a:xfrm rot="5198650">
+              <a:off x="871314" y="3149131"/>
+              <a:ext cx="810070" cy="810070"/>
+            </a:xfrm>
+            <a:prstGeom prst="rect">
+              <a:avLst/>
+            </a:prstGeom>
+          </p:spPr>
+        </p:pic>
+        <p:pic>
+          <p:nvPicPr>
+            <p:cNvPr id="6" name="Inhaltsplatzhalter 3"/>
+            <p:cNvPicPr>
+              <a:picLocks noChangeAspect="1"/>
+            </p:cNvPicPr>
+            <p:nvPr/>
+          </p:nvPicPr>
+          <p:blipFill>
+            <a:blip r:embed="rId4" cstate="print">
+              <a:extLst>
+                <a:ext uri="{28A0092B-C50C-407E-A947-70E740481C1C}">
+                  <a14:useLocalDpi xmlns:a14="http://schemas.microsoft.com/office/drawing/2010/main" val="0"/>
+                </a:ext>
+              </a:extLst>
+            </a:blip>
+            <a:stretch>
+              <a:fillRect/>
+            </a:stretch>
+          </p:blipFill>
+          <p:spPr>
+            <a:xfrm rot="21373781">
+              <a:off x="1005188" y="3309074"/>
+              <a:ext cx="589210" cy="486092"/>
+            </a:xfrm>
+            <a:prstGeom prst="rect">
+              <a:avLst/>
+            </a:prstGeom>
+            <a:ln>
+              <a:noFill/>
+            </a:ln>
+          </p:spPr>
+        </p:pic>
+      </p:grpSp>
+      <p:sp>
+        <p:nvSpPr>
+          <p:cNvPr id="8" name="Oval 52">
+            <a:extLst>
+              <a:ext uri="{FF2B5EF4-FFF2-40B4-BE49-F238E27FC236}">
+                <a16:creationId xmlns:a16="http://schemas.microsoft.com/office/drawing/2014/main" id="{A7F525C7-2BB3-7741-BE0A-A91605F6B414}"/>
+              </a:ext>
+            </a:extLst>
+          </p:cNvPr>
+          <p:cNvSpPr/>
+          <p:nvPr/>
+        </p:nvSpPr>
+        <p:spPr>
+          <a:xfrm>
+            <a:off x="10021249" y="505988"/>
+            <a:ext cx="631371" cy="544912"/>
+          </a:xfrm>
+          <a:prstGeom prst="ellipse">
+            <a:avLst/>
+          </a:prstGeom>
+          <a:noFill/>
+          <a:ln w="19050">
+            <a:solidFill>
+              <a:srgbClr val="000000"/>
+            </a:solidFill>
+          </a:ln>
+        </p:spPr>
+        <p:style>
+          <a:lnRef idx="2">
+            <a:schemeClr val="accent1">
+              <a:shade val="50000"/>
+            </a:schemeClr>
+          </a:lnRef>
+          <a:fillRef idx="1">
+            <a:schemeClr val="accent1"/>
+          </a:fillRef>
+          <a:effectRef idx="0">
+            <a:schemeClr val="accent1"/>
+          </a:effectRef>
+          <a:fontRef idx="minor">
+            <a:schemeClr val="lt1"/>
+          </a:fontRef>
+        </p:style>
+        <p:txBody>
+          <a:bodyPr rtlCol="0" anchor="ctr"/>
+          <a:lstStyle/>
+          <a:p>
+            <a:pPr algn="ctr"/>
+            <a:endParaRPr lang="de-DE" dirty="0"/>
+          </a:p>
+        </p:txBody>
+      </p:sp>
+      <p:sp>
+        <p:nvSpPr>
+          <p:cNvPr id="9" name="Oval 53">
+            <a:extLst>
+              <a:ext uri="{FF2B5EF4-FFF2-40B4-BE49-F238E27FC236}">
+                <a16:creationId xmlns:a16="http://schemas.microsoft.com/office/drawing/2014/main" id="{7A84F289-E89F-8342-8791-347A0E4F5BF9}"/>
+              </a:ext>
+            </a:extLst>
+          </p:cNvPr>
+          <p:cNvSpPr/>
+          <p:nvPr/>
+        </p:nvSpPr>
+        <p:spPr>
+          <a:xfrm>
+            <a:off x="9585822" y="2724007"/>
+            <a:ext cx="402771" cy="206828"/>
+          </a:xfrm>
+          <a:prstGeom prst="ellipse">
+            <a:avLst/>
+          </a:prstGeom>
+          <a:noFill/>
+          <a:ln w="19050">
+            <a:solidFill>
+              <a:srgbClr val="000000"/>
+            </a:solidFill>
+          </a:ln>
+        </p:spPr>
+        <p:style>
+          <a:lnRef idx="2">
+            <a:schemeClr val="accent1">
+              <a:shade val="50000"/>
+            </a:schemeClr>
+          </a:lnRef>
+          <a:fillRef idx="1">
+            <a:schemeClr val="accent1"/>
+          </a:fillRef>
+          <a:effectRef idx="0">
+            <a:schemeClr val="accent1"/>
+          </a:effectRef>
+          <a:fontRef idx="minor">
+            <a:schemeClr val="lt1"/>
+          </a:fontRef>
+        </p:style>
+        <p:txBody>
+          <a:bodyPr rtlCol="0" anchor="ctr"/>
+          <a:lstStyle/>
+          <a:p>
+            <a:pPr algn="ctr"/>
+            <a:endParaRPr lang="de-DE" dirty="0"/>
+          </a:p>
+        </p:txBody>
+      </p:sp>
+      <p:sp>
+        <p:nvSpPr>
+          <p:cNvPr id="10" name="Oval 54">
+            <a:extLst>
+              <a:ext uri="{FF2B5EF4-FFF2-40B4-BE49-F238E27FC236}">
+                <a16:creationId xmlns:a16="http://schemas.microsoft.com/office/drawing/2014/main" id="{A65E12B4-4201-2148-B5CA-CF3C353E009F}"/>
+              </a:ext>
+            </a:extLst>
+          </p:cNvPr>
+          <p:cNvSpPr/>
+          <p:nvPr/>
+        </p:nvSpPr>
+        <p:spPr>
+          <a:xfrm>
+            <a:off x="10805023" y="2676101"/>
+            <a:ext cx="402772" cy="206828"/>
+          </a:xfrm>
+          <a:prstGeom prst="ellipse">
+            <a:avLst/>
+          </a:prstGeom>
+          <a:noFill/>
+          <a:ln w="19050">
+            <a:solidFill>
+              <a:srgbClr val="000000"/>
+            </a:solidFill>
+          </a:ln>
+        </p:spPr>
+        <p:style>
+          <a:lnRef idx="2">
+            <a:schemeClr val="accent1">
+              <a:shade val="50000"/>
+            </a:schemeClr>
+          </a:lnRef>
+          <a:fillRef idx="1">
+            <a:schemeClr val="accent1"/>
+          </a:fillRef>
+          <a:effectRef idx="0">
+            <a:schemeClr val="accent1"/>
+          </a:effectRef>
+          <a:fontRef idx="minor">
+            <a:schemeClr val="lt1"/>
+          </a:fontRef>
+        </p:style>
+        <p:txBody>
+          <a:bodyPr rtlCol="0" anchor="ctr"/>
+          <a:lstStyle/>
+          <a:p>
+            <a:pPr algn="ctr"/>
+            <a:endParaRPr lang="de-DE" dirty="0"/>
+          </a:p>
+        </p:txBody>
+      </p:sp>
+      <mc:AlternateContent xmlns:mc="http://schemas.openxmlformats.org/markup-compatibility/2006" xmlns:p14="http://schemas.microsoft.com/office/powerpoint/2010/main">
+        <mc:Choice Requires="p14">
+          <p:contentPart p14:bwMode="auto" r:id="rId5">
+            <p14:nvContentPartPr>
+              <p14:cNvPr id="11" name="Freihand 10">
+                <a:extLst>
+                  <a:ext uri="{FF2B5EF4-FFF2-40B4-BE49-F238E27FC236}">
+                    <a16:creationId xmlns:a16="http://schemas.microsoft.com/office/drawing/2014/main" id="{5B3C06F8-598F-844F-A3A1-C175A796CC1F}"/>
+                  </a:ext>
+                </a:extLst>
+              </p14:cNvPr>
+              <p14:cNvContentPartPr/>
+              <p14:nvPr/>
+            </p14:nvContentPartPr>
+            <p14:xfrm>
+              <a:off x="9646661" y="1056950"/>
+              <a:ext cx="1425960" cy="1722600"/>
+            </p14:xfrm>
+          </p:contentPart>
+        </mc:Choice>
+        <mc:Fallback xmlns="">
+          <p:pic>
+            <p:nvPicPr>
+              <p:cNvPr id="11" name="Freihand 10">
+                <a:extLst>
+                  <a:ext uri="{FF2B5EF4-FFF2-40B4-BE49-F238E27FC236}">
+                    <a16:creationId xmlns:a16="http://schemas.microsoft.com/office/drawing/2014/main" xmlns:p14="http://schemas.microsoft.com/office/powerpoint/2010/main" xmlns="" id="{5B3C06F8-598F-844F-A3A1-C175A796CC1F}"/>
+                  </a:ext>
+                </a:extLst>
+              </p:cNvPr>
+              <p:cNvPicPr/>
+              <p:nvPr/>
+            </p:nvPicPr>
+            <p:blipFill>
+              <a:blip r:embed="rId6"/>
+              <a:stretch>
+                <a:fillRect/>
+              </a:stretch>
+            </p:blipFill>
+            <p:spPr>
+              <a:xfrm>
+                <a:off x="9634421" y="1044710"/>
+                <a:ext cx="1450440" cy="1747080"/>
+              </a:xfrm>
+              <a:prstGeom prst="rect">
+                <a:avLst/>
+              </a:prstGeom>
+            </p:spPr>
+          </p:pic>
+        </mc:Fallback>
+      </mc:AlternateContent>
+      <mc:AlternateContent xmlns:mc="http://schemas.openxmlformats.org/markup-compatibility/2006" xmlns:p14="http://schemas.microsoft.com/office/powerpoint/2010/main">
+        <mc:Choice Requires="p14">
+          <p:contentPart p14:bwMode="auto" r:id="rId7">
+            <p14:nvContentPartPr>
+              <p14:cNvPr id="12" name="Freihand 11">
+                <a:extLst>
+                  <a:ext uri="{FF2B5EF4-FFF2-40B4-BE49-F238E27FC236}">
+                    <a16:creationId xmlns:a16="http://schemas.microsoft.com/office/drawing/2014/main" id="{082C1878-4FC7-A046-A15C-155DA5A4994F}"/>
+                  </a:ext>
+                </a:extLst>
+              </p14:cNvPr>
+              <p14:cNvContentPartPr/>
+              <p14:nvPr/>
+            </p14:nvContentPartPr>
+            <p14:xfrm>
+              <a:off x="10255628" y="678984"/>
+              <a:ext cx="18360" cy="48600"/>
+            </p14:xfrm>
+          </p:contentPart>
+        </mc:Choice>
+        <mc:Fallback xmlns="">
+          <p:pic>
+            <p:nvPicPr>
+              <p:cNvPr id="12" name="Freihand 11">
+                <a:extLst>
+                  <a:ext uri="{FF2B5EF4-FFF2-40B4-BE49-F238E27FC236}">
+                    <a16:creationId xmlns:a16="http://schemas.microsoft.com/office/drawing/2014/main" xmlns:p14="http://schemas.microsoft.com/office/powerpoint/2010/main" xmlns="" id="{082C1878-4FC7-A046-A15C-155DA5A4994F}"/>
+                  </a:ext>
+                </a:extLst>
+              </p:cNvPr>
+              <p:cNvPicPr/>
+              <p:nvPr/>
+            </p:nvPicPr>
+            <p:blipFill>
+              <a:blip r:embed="rId8"/>
+              <a:stretch>
+                <a:fillRect/>
+              </a:stretch>
+            </p:blipFill>
+            <p:spPr>
+              <a:xfrm>
+                <a:off x="10243388" y="666744"/>
+                <a:ext cx="42840" cy="73080"/>
+              </a:xfrm>
+              <a:prstGeom prst="rect">
+                <a:avLst/>
+              </a:prstGeom>
+            </p:spPr>
+          </p:pic>
+        </mc:Fallback>
+      </mc:AlternateContent>
+      <mc:AlternateContent xmlns:mc="http://schemas.openxmlformats.org/markup-compatibility/2006" xmlns:p14="http://schemas.microsoft.com/office/powerpoint/2010/main">
+        <mc:Choice Requires="p14">
+          <p:contentPart p14:bwMode="auto" r:id="rId9">
+            <p14:nvContentPartPr>
+              <p14:cNvPr id="13" name="Freihand 12">
+                <a:extLst>
+                  <a:ext uri="{FF2B5EF4-FFF2-40B4-BE49-F238E27FC236}">
+                    <a16:creationId xmlns:a16="http://schemas.microsoft.com/office/drawing/2014/main" id="{4493D0F5-C439-AB47-A7AB-C5899EB6F429}"/>
+                  </a:ext>
+                </a:extLst>
+              </p14:cNvPr>
+              <p14:cNvContentPartPr/>
+              <p14:nvPr/>
+            </p14:nvContentPartPr>
+            <p14:xfrm>
+              <a:off x="10482788" y="708504"/>
+              <a:ext cx="30240" cy="45000"/>
+            </p14:xfrm>
+          </p:contentPart>
+        </mc:Choice>
+        <mc:Fallback xmlns="">
+          <p:pic>
+            <p:nvPicPr>
+              <p:cNvPr id="13" name="Freihand 12">
+                <a:extLst>
+                  <a:ext uri="{FF2B5EF4-FFF2-40B4-BE49-F238E27FC236}">
+                    <a16:creationId xmlns:a16="http://schemas.microsoft.com/office/drawing/2014/main" xmlns:p14="http://schemas.microsoft.com/office/powerpoint/2010/main" xmlns="" id="{4493D0F5-C439-AB47-A7AB-C5899EB6F429}"/>
+                  </a:ext>
+                </a:extLst>
+              </p:cNvPr>
+              <p:cNvPicPr/>
+              <p:nvPr/>
+            </p:nvPicPr>
+            <p:blipFill>
+              <a:blip r:embed="rId10"/>
+              <a:stretch>
+                <a:fillRect/>
+              </a:stretch>
+            </p:blipFill>
+            <p:spPr>
+              <a:xfrm>
+                <a:off x="10470548" y="696264"/>
+                <a:ext cx="55080" cy="69480"/>
+              </a:xfrm>
+              <a:prstGeom prst="rect">
+                <a:avLst/>
+              </a:prstGeom>
+            </p:spPr>
+          </p:pic>
+        </mc:Fallback>
+      </mc:AlternateContent>
+      <mc:AlternateContent xmlns:mc="http://schemas.openxmlformats.org/markup-compatibility/2006">
+        <mc:Choice xmlns:p14="http://schemas.microsoft.com/office/powerpoint/2010/main" Requires="p14">
+          <p:contentPart p14:bwMode="auto" r:id="rId11">
+            <p14:nvContentPartPr>
+              <p14:cNvPr id="18" name="Freihand 17">
+                <a:extLst>
+                  <a:ext uri="{FF2B5EF4-FFF2-40B4-BE49-F238E27FC236}">
+                    <a16:creationId xmlns:a16="http://schemas.microsoft.com/office/drawing/2014/main" id="{1E33159F-5EDA-7243-9035-848447A03A46}"/>
+                  </a:ext>
+                </a:extLst>
+              </p14:cNvPr>
+              <p14:cNvContentPartPr/>
+              <p14:nvPr/>
+            </p14:nvContentPartPr>
+            <p14:xfrm>
+              <a:off x="10221815" y="870492"/>
+              <a:ext cx="248400" cy="78120"/>
+            </p14:xfrm>
+          </p:contentPart>
+        </mc:Choice>
+        <mc:Fallback>
+          <p:pic>
+            <p:nvPicPr>
+              <p:cNvPr id="18" name="Freihand 17">
+                <a:extLst>
+                  <a:ext uri="{FF2B5EF4-FFF2-40B4-BE49-F238E27FC236}">
+                    <a16:creationId xmlns:a16="http://schemas.microsoft.com/office/drawing/2014/main" id="{1E33159F-5EDA-7243-9035-848447A03A46}"/>
+                  </a:ext>
+                </a:extLst>
+              </p:cNvPr>
+              <p:cNvPicPr/>
+              <p:nvPr/>
+            </p:nvPicPr>
+            <p:blipFill>
+              <a:blip r:embed="rId12"/>
+              <a:stretch>
+                <a:fillRect/>
+              </a:stretch>
+            </p:blipFill>
+            <p:spPr>
+              <a:xfrm>
+                <a:off x="10213175" y="861492"/>
+                <a:ext cx="266040" cy="95760"/>
+              </a:xfrm>
+              <a:prstGeom prst="rect">
+                <a:avLst/>
+              </a:prstGeom>
+            </p:spPr>
+          </p:pic>
+        </mc:Fallback>
+      </mc:AlternateContent>
+      <p:pic>
+        <p:nvPicPr>
+          <p:cNvPr id="19" name="Grafik 18">
+            <a:extLst>
+              <a:ext uri="{FF2B5EF4-FFF2-40B4-BE49-F238E27FC236}">
+                <a16:creationId xmlns:a16="http://schemas.microsoft.com/office/drawing/2014/main" id="{3E5CCF41-B5EC-8545-8430-A78ACA0F9371}"/>
+              </a:ext>
+            </a:extLst>
+          </p:cNvPr>
+          <p:cNvPicPr>
+            <a:picLocks noChangeAspect="1"/>
+          </p:cNvPicPr>
+          <p:nvPr/>
+        </p:nvPicPr>
+        <p:blipFill>
+          <a:blip r:embed="rId13"/>
+          <a:stretch>
+            <a:fillRect/>
+          </a:stretch>
+        </p:blipFill>
+        <p:spPr>
+          <a:xfrm>
+            <a:off x="9250475" y="256822"/>
+            <a:ext cx="728873" cy="728873"/>
+          </a:xfrm>
+          <a:prstGeom prst="rect">
+            <a:avLst/>
+          </a:prstGeom>
+        </p:spPr>
+      </p:pic>
+      <p:sp>
+        <p:nvSpPr>
+          <p:cNvPr id="20" name="Textfeld 19">
+            <a:extLst>
+              <a:ext uri="{FF2B5EF4-FFF2-40B4-BE49-F238E27FC236}">
+                <a16:creationId xmlns:a16="http://schemas.microsoft.com/office/drawing/2014/main" id="{207E01F6-7DC7-694F-87AD-C5FED7E6CB33}"/>
+              </a:ext>
+            </a:extLst>
+          </p:cNvPr>
+          <p:cNvSpPr txBox="1"/>
+          <p:nvPr/>
+        </p:nvSpPr>
+        <p:spPr>
+          <a:xfrm>
+            <a:off x="874712" y="2930835"/>
+            <a:ext cx="2840761" cy="840230"/>
+          </a:xfrm>
+          <a:prstGeom prst="rect">
+            <a:avLst/>
+          </a:prstGeom>
+          <a:noFill/>
+        </p:spPr>
+        <p:txBody>
+          <a:bodyPr wrap="square" rtlCol="0">
+            <a:spAutoFit/>
+          </a:bodyPr>
+          <a:lstStyle/>
+          <a:p>
+            <a:r>
+              <a:rPr lang="de-DE" dirty="0"/>
+              <a:t>Wie kann der Nutzer selber Probleme und Lösungen eingeben?</a:t>
+            </a:r>
+          </a:p>
+        </p:txBody>
+      </p:sp>
+      <p:sp>
+        <p:nvSpPr>
+          <p:cNvPr id="21" name="Textfeld 20">
+            <a:extLst>
+              <a:ext uri="{FF2B5EF4-FFF2-40B4-BE49-F238E27FC236}">
+                <a16:creationId xmlns:a16="http://schemas.microsoft.com/office/drawing/2014/main" id="{3BCDA7B3-1367-8D48-AE88-0DE481BE94B4}"/>
+              </a:ext>
+            </a:extLst>
+          </p:cNvPr>
+          <p:cNvSpPr txBox="1"/>
+          <p:nvPr/>
+        </p:nvSpPr>
+        <p:spPr>
+          <a:xfrm>
+            <a:off x="2448869" y="3771065"/>
+            <a:ext cx="3148314" cy="840230"/>
+          </a:xfrm>
+          <a:prstGeom prst="rect">
+            <a:avLst/>
+          </a:prstGeom>
+          <a:noFill/>
+        </p:spPr>
+        <p:txBody>
+          <a:bodyPr wrap="square" rtlCol="0">
+            <a:spAutoFit/>
+          </a:bodyPr>
+          <a:lstStyle/>
+          <a:p>
+            <a:r>
+              <a:rPr lang="de-DE" dirty="0"/>
+              <a:t>Wie unterscheiden sich modulspezifische und anlagenspezifische Probleme?</a:t>
+            </a:r>
+          </a:p>
+        </p:txBody>
+      </p:sp>
+      <p:sp>
+        <p:nvSpPr>
+          <p:cNvPr id="22" name="Textfeld 21">
+            <a:extLst>
+              <a:ext uri="{FF2B5EF4-FFF2-40B4-BE49-F238E27FC236}">
+                <a16:creationId xmlns:a16="http://schemas.microsoft.com/office/drawing/2014/main" id="{77B2452C-D955-B64A-B37E-1D0E55CA08E1}"/>
+              </a:ext>
+            </a:extLst>
+          </p:cNvPr>
+          <p:cNvSpPr txBox="1"/>
+          <p:nvPr/>
+        </p:nvSpPr>
+        <p:spPr>
+          <a:xfrm>
+            <a:off x="4023026" y="4826396"/>
+            <a:ext cx="2840761" cy="341632"/>
+          </a:xfrm>
+          <a:prstGeom prst="rect">
+            <a:avLst/>
+          </a:prstGeom>
+          <a:noFill/>
+        </p:spPr>
+        <p:txBody>
+          <a:bodyPr wrap="square" rtlCol="0">
+            <a:spAutoFit/>
+          </a:bodyPr>
+          <a:lstStyle/>
+          <a:p>
+            <a:r>
+              <a:rPr lang="de-DE" dirty="0" err="1"/>
+              <a:t>ss</a:t>
+            </a:r>
+            <a:endParaRPr lang="de-DE" dirty="0"/>
+          </a:p>
+        </p:txBody>
+      </p:sp>
+      <p:sp>
+        <p:nvSpPr>
+          <p:cNvPr id="23" name="Textfeld 22">
+            <a:extLst>
+              <a:ext uri="{FF2B5EF4-FFF2-40B4-BE49-F238E27FC236}">
+                <a16:creationId xmlns:a16="http://schemas.microsoft.com/office/drawing/2014/main" id="{496F256A-1537-D44F-810D-53172766888A}"/>
+              </a:ext>
+            </a:extLst>
+          </p:cNvPr>
+          <p:cNvSpPr txBox="1"/>
+          <p:nvPr/>
+        </p:nvSpPr>
+        <p:spPr>
+          <a:xfrm>
+            <a:off x="6413573" y="3825079"/>
+            <a:ext cx="2429486" cy="840230"/>
+          </a:xfrm>
+          <a:prstGeom prst="rect">
+            <a:avLst/>
+          </a:prstGeom>
+          <a:noFill/>
+        </p:spPr>
+        <p:txBody>
+          <a:bodyPr wrap="square" rtlCol="0">
+            <a:spAutoFit/>
+          </a:bodyPr>
+          <a:lstStyle/>
+          <a:p>
+            <a:r>
+              <a:rPr lang="de-DE" dirty="0"/>
+              <a:t>Kann man den Nutzer auch bei der Behebung unterstützen?</a:t>
+            </a:r>
+          </a:p>
+        </p:txBody>
+      </p:sp>
+      <p:sp>
+        <p:nvSpPr>
+          <p:cNvPr id="24" name="Textfeld 23">
+            <a:extLst>
+              <a:ext uri="{FF2B5EF4-FFF2-40B4-BE49-F238E27FC236}">
+                <a16:creationId xmlns:a16="http://schemas.microsoft.com/office/drawing/2014/main" id="{58B17CF3-9991-294E-A48B-A98C899F09AE}"/>
+              </a:ext>
+            </a:extLst>
+          </p:cNvPr>
+          <p:cNvSpPr txBox="1"/>
+          <p:nvPr/>
+        </p:nvSpPr>
+        <p:spPr>
+          <a:xfrm>
+            <a:off x="5043625" y="4826396"/>
+            <a:ext cx="2739895" cy="1089529"/>
+          </a:xfrm>
+          <a:prstGeom prst="rect">
+            <a:avLst/>
+          </a:prstGeom>
+          <a:noFill/>
+        </p:spPr>
+        <p:txBody>
+          <a:bodyPr wrap="square" rtlCol="0">
+            <a:spAutoFit/>
+          </a:bodyPr>
+          <a:lstStyle/>
+          <a:p>
+            <a:r>
+              <a:rPr lang="de-DE" dirty="0"/>
+              <a:t>Besteht die Möglichkeit die Lösungsmöglichkeiten durch ein virtuelle Modell prüfen zu lassen?</a:t>
+            </a:r>
+          </a:p>
+        </p:txBody>
+      </p:sp>
+      <p:sp>
+        <p:nvSpPr>
+          <p:cNvPr id="25" name="Textfeld 24">
+            <a:extLst>
+              <a:ext uri="{FF2B5EF4-FFF2-40B4-BE49-F238E27FC236}">
+                <a16:creationId xmlns:a16="http://schemas.microsoft.com/office/drawing/2014/main" id="{543C326B-FC3F-F744-929F-29FA2D2196F2}"/>
+              </a:ext>
+            </a:extLst>
+          </p:cNvPr>
+          <p:cNvSpPr txBox="1"/>
+          <p:nvPr/>
+        </p:nvSpPr>
+        <p:spPr>
+          <a:xfrm>
+            <a:off x="874712" y="4747913"/>
+            <a:ext cx="2505096" cy="1089529"/>
+          </a:xfrm>
+          <a:prstGeom prst="rect">
+            <a:avLst/>
+          </a:prstGeom>
+          <a:noFill/>
+        </p:spPr>
+        <p:txBody>
+          <a:bodyPr wrap="square" rtlCol="0">
+            <a:spAutoFit/>
+          </a:bodyPr>
+          <a:lstStyle/>
+          <a:p>
+            <a:r>
+              <a:rPr lang="de-DE" dirty="0"/>
+              <a:t>Kann der Nutzer durch sinnvolle Unterstützung mehr über die Anlage lernen?</a:t>
+            </a:r>
+          </a:p>
+        </p:txBody>
+      </p:sp>
+      <p:sp>
+        <p:nvSpPr>
+          <p:cNvPr id="26" name="Textfeld 25">
+            <a:extLst>
+              <a:ext uri="{FF2B5EF4-FFF2-40B4-BE49-F238E27FC236}">
+                <a16:creationId xmlns:a16="http://schemas.microsoft.com/office/drawing/2014/main" id="{A2089A33-0C88-AB4A-AE32-7D94307E74E4}"/>
+              </a:ext>
+            </a:extLst>
+          </p:cNvPr>
+          <p:cNvSpPr txBox="1"/>
+          <p:nvPr/>
+        </p:nvSpPr>
+        <p:spPr>
+          <a:xfrm>
+            <a:off x="8643135" y="4872562"/>
+            <a:ext cx="2429486" cy="1089529"/>
+          </a:xfrm>
+          <a:prstGeom prst="rect">
+            <a:avLst/>
+          </a:prstGeom>
+          <a:noFill/>
+        </p:spPr>
+        <p:txBody>
+          <a:bodyPr wrap="square" rtlCol="0">
+            <a:spAutoFit/>
+          </a:bodyPr>
+          <a:lstStyle/>
+          <a:p>
+            <a:r>
+              <a:rPr lang="de-DE" dirty="0"/>
+              <a:t>Werden bestimmte Informationen anhand der </a:t>
+            </a:r>
+            <a:r>
+              <a:rPr lang="de-DE" dirty="0" err="1"/>
+              <a:t>Posistion</a:t>
+            </a:r>
+            <a:r>
+              <a:rPr lang="de-DE" dirty="0"/>
+              <a:t> des Nutzers angezeigt?</a:t>
+            </a:r>
+          </a:p>
+        </p:txBody>
+      </p:sp>
+      <p:sp>
+        <p:nvSpPr>
+          <p:cNvPr id="27" name="Textfeld 26">
+            <a:extLst>
+              <a:ext uri="{FF2B5EF4-FFF2-40B4-BE49-F238E27FC236}">
+                <a16:creationId xmlns:a16="http://schemas.microsoft.com/office/drawing/2014/main" id="{928409AF-452F-BA4E-8DAE-22557909D87B}"/>
+              </a:ext>
+            </a:extLst>
+          </p:cNvPr>
+          <p:cNvSpPr txBox="1"/>
+          <p:nvPr/>
+        </p:nvSpPr>
+        <p:spPr>
+          <a:xfrm>
+            <a:off x="4176803" y="2829980"/>
+            <a:ext cx="2119826" cy="590931"/>
+          </a:xfrm>
+          <a:prstGeom prst="rect">
+            <a:avLst/>
+          </a:prstGeom>
+          <a:noFill/>
+        </p:spPr>
+        <p:txBody>
+          <a:bodyPr wrap="square" rtlCol="0">
+            <a:spAutoFit/>
+          </a:bodyPr>
+          <a:lstStyle/>
+          <a:p>
+            <a:r>
+              <a:rPr lang="de-DE" dirty="0"/>
+              <a:t>Assistenzsystem für An- und Abfahrten</a:t>
+            </a:r>
+          </a:p>
+        </p:txBody>
+      </p:sp>
+      <p:sp>
+        <p:nvSpPr>
+          <p:cNvPr id="28" name="Textfeld 27">
+            <a:extLst>
+              <a:ext uri="{FF2B5EF4-FFF2-40B4-BE49-F238E27FC236}">
+                <a16:creationId xmlns:a16="http://schemas.microsoft.com/office/drawing/2014/main" id="{6DAAABB9-5B29-9540-9B95-C6AE440332B1}"/>
+              </a:ext>
+            </a:extLst>
+          </p:cNvPr>
+          <p:cNvSpPr txBox="1"/>
+          <p:nvPr/>
+        </p:nvSpPr>
+        <p:spPr>
+          <a:xfrm>
+            <a:off x="6413572" y="2829980"/>
+            <a:ext cx="2119826" cy="590931"/>
+          </a:xfrm>
+          <a:prstGeom prst="rect">
+            <a:avLst/>
+          </a:prstGeom>
+          <a:noFill/>
+        </p:spPr>
+        <p:txBody>
+          <a:bodyPr wrap="square" rtlCol="0">
+            <a:spAutoFit/>
+          </a:bodyPr>
+          <a:lstStyle/>
+          <a:p>
+            <a:r>
+              <a:rPr lang="de-DE" dirty="0"/>
+              <a:t>Anpassung an Zeitdruck -&gt; wie?</a:t>
+            </a:r>
+          </a:p>
+        </p:txBody>
+      </p:sp>
+    </p:spTree>
+    <p:extLst>
+      <p:ext uri="{BB962C8B-B14F-4D97-AF65-F5344CB8AC3E}">
+        <p14:creationId xmlns:p14="http://schemas.microsoft.com/office/powerpoint/2010/main" val="742926083"/>
+      </p:ext>
+    </p:extLst>
+  </p:cSld>
+  <p:clrMapOvr>
+    <a:masterClrMapping/>
+  </p:clrMapOvr>
 </p:sld>
 </file>
 
@@ -9439,7 +10853,7 @@
           <p:cNvPr id="2" name="Titel 1">
             <a:extLst>
               <a:ext uri="{FF2B5EF4-FFF2-40B4-BE49-F238E27FC236}">
-                <a16:creationId xmlns:a16="http://schemas.microsoft.com/office/drawing/2014/main" xmlns="" id="{7BA8FE41-0B04-6748-9CA8-05F0AE81883B}"/>
+                <a16:creationId xmlns:a16="http://schemas.microsoft.com/office/drawing/2014/main" id="{7BA8FE41-0B04-6748-9CA8-05F0AE81883B}"/>
               </a:ext>
             </a:extLst>
           </p:cNvPr>
@@ -9472,7 +10886,7 @@
           <p:cNvPr id="12" name="Gruppieren 11">
             <a:extLst>
               <a:ext uri="{FF2B5EF4-FFF2-40B4-BE49-F238E27FC236}">
-                <a16:creationId xmlns:a16="http://schemas.microsoft.com/office/drawing/2014/main" xmlns="" id="{995F115A-CBCD-7A4D-8C0A-281259A5A3C1}"/>
+                <a16:creationId xmlns:a16="http://schemas.microsoft.com/office/drawing/2014/main" id="{995F115A-CBCD-7A4D-8C0A-281259A5A3C1}"/>
               </a:ext>
             </a:extLst>
           </p:cNvPr>
@@ -9492,7 +10906,7 @@
             <p:cNvPr id="4" name="Gruppieren 3">
               <a:extLst>
                 <a:ext uri="{FF2B5EF4-FFF2-40B4-BE49-F238E27FC236}">
-                  <a16:creationId xmlns:a16="http://schemas.microsoft.com/office/drawing/2014/main" xmlns="" id="{783A73D2-C025-644E-A194-3438D291D352}"/>
+                  <a16:creationId xmlns:a16="http://schemas.microsoft.com/office/drawing/2014/main" id="{783A73D2-C025-644E-A194-3438D291D352}"/>
                 </a:ext>
               </a:extLst>
             </p:cNvPr>
@@ -9512,7 +10926,7 @@
               <p:cNvPr id="5" name="Rechteck 4">
                 <a:extLst>
                   <a:ext uri="{FF2B5EF4-FFF2-40B4-BE49-F238E27FC236}">
-                    <a16:creationId xmlns:a16="http://schemas.microsoft.com/office/drawing/2014/main" xmlns="" id="{4F68B8E9-417E-0141-AE27-E298ED29929C}"/>
+                    <a16:creationId xmlns:a16="http://schemas.microsoft.com/office/drawing/2014/main" id="{4F68B8E9-417E-0141-AE27-E298ED29929C}"/>
                   </a:ext>
                 </a:extLst>
               </p:cNvPr>
@@ -9604,7 +11018,7 @@
               <p:cNvPr id="6" name="Rechteck 5">
                 <a:extLst>
                   <a:ext uri="{FF2B5EF4-FFF2-40B4-BE49-F238E27FC236}">
-                    <a16:creationId xmlns:a16="http://schemas.microsoft.com/office/drawing/2014/main" xmlns="" id="{B2717A64-B61E-B44C-B23D-CB509FB519CA}"/>
+                    <a16:creationId xmlns:a16="http://schemas.microsoft.com/office/drawing/2014/main" id="{B2717A64-B61E-B44C-B23D-CB509FB519CA}"/>
                   </a:ext>
                 </a:extLst>
               </p:cNvPr>
@@ -9663,7 +11077,7 @@
             <p:cNvPr id="7" name="Rechteck 6">
               <a:extLst>
                 <a:ext uri="{FF2B5EF4-FFF2-40B4-BE49-F238E27FC236}">
-                  <a16:creationId xmlns:a16="http://schemas.microsoft.com/office/drawing/2014/main" xmlns="" id="{6F92A16E-30FA-A34D-A87A-AD884881288C}"/>
+                  <a16:creationId xmlns:a16="http://schemas.microsoft.com/office/drawing/2014/main" id="{6F92A16E-30FA-A34D-A87A-AD884881288C}"/>
                 </a:ext>
               </a:extLst>
             </p:cNvPr>
@@ -9723,7 +11137,7 @@
           <p:cNvPr id="13" name="Gruppieren 12">
             <a:extLst>
               <a:ext uri="{FF2B5EF4-FFF2-40B4-BE49-F238E27FC236}">
-                <a16:creationId xmlns:a16="http://schemas.microsoft.com/office/drawing/2014/main" xmlns="" id="{214C6E04-BA76-3048-B247-843530C6F237}"/>
+                <a16:creationId xmlns:a16="http://schemas.microsoft.com/office/drawing/2014/main" id="{214C6E04-BA76-3048-B247-843530C6F237}"/>
               </a:ext>
             </a:extLst>
           </p:cNvPr>
@@ -9743,7 +11157,7 @@
             <p:cNvPr id="14" name="Gruppieren 13">
               <a:extLst>
                 <a:ext uri="{FF2B5EF4-FFF2-40B4-BE49-F238E27FC236}">
-                  <a16:creationId xmlns:a16="http://schemas.microsoft.com/office/drawing/2014/main" xmlns="" id="{CF154C31-9B1A-6844-82C6-BEC64AE64B76}"/>
+                  <a16:creationId xmlns:a16="http://schemas.microsoft.com/office/drawing/2014/main" id="{CF154C31-9B1A-6844-82C6-BEC64AE64B76}"/>
                 </a:ext>
               </a:extLst>
             </p:cNvPr>
@@ -9763,7 +11177,7 @@
               <p:cNvPr id="16" name="Rechteck 15">
                 <a:extLst>
                   <a:ext uri="{FF2B5EF4-FFF2-40B4-BE49-F238E27FC236}">
-                    <a16:creationId xmlns:a16="http://schemas.microsoft.com/office/drawing/2014/main" xmlns="" id="{5D41E86D-96E1-F64F-B645-811FEF9C3566}"/>
+                    <a16:creationId xmlns:a16="http://schemas.microsoft.com/office/drawing/2014/main" id="{5D41E86D-96E1-F64F-B645-811FEF9C3566}"/>
                   </a:ext>
                 </a:extLst>
               </p:cNvPr>
@@ -9885,7 +11299,7 @@
               <p:cNvPr id="17" name="Rechteck 16">
                 <a:extLst>
                   <a:ext uri="{FF2B5EF4-FFF2-40B4-BE49-F238E27FC236}">
-                    <a16:creationId xmlns:a16="http://schemas.microsoft.com/office/drawing/2014/main" xmlns="" id="{829E215D-25C5-FE42-A84B-E10BE5590901}"/>
+                    <a16:creationId xmlns:a16="http://schemas.microsoft.com/office/drawing/2014/main" id="{829E215D-25C5-FE42-A84B-E10BE5590901}"/>
                   </a:ext>
                 </a:extLst>
               </p:cNvPr>
@@ -9944,7 +11358,7 @@
             <p:cNvPr id="15" name="Rechteck 14">
               <a:extLst>
                 <a:ext uri="{FF2B5EF4-FFF2-40B4-BE49-F238E27FC236}">
-                  <a16:creationId xmlns:a16="http://schemas.microsoft.com/office/drawing/2014/main" xmlns="" id="{3D7F9058-E672-2A4D-9BB1-013BCCC5ACE0}"/>
+                  <a16:creationId xmlns:a16="http://schemas.microsoft.com/office/drawing/2014/main" id="{3D7F9058-E672-2A4D-9BB1-013BCCC5ACE0}"/>
                 </a:ext>
               </a:extLst>
             </p:cNvPr>
@@ -10004,7 +11418,7 @@
           <p:cNvPr id="18" name="Gruppieren 17">
             <a:extLst>
               <a:ext uri="{FF2B5EF4-FFF2-40B4-BE49-F238E27FC236}">
-                <a16:creationId xmlns:a16="http://schemas.microsoft.com/office/drawing/2014/main" xmlns="" id="{76C873CF-9A61-9B4A-9A7F-7A0A6A11ECCC}"/>
+                <a16:creationId xmlns:a16="http://schemas.microsoft.com/office/drawing/2014/main" id="{76C873CF-9A61-9B4A-9A7F-7A0A6A11ECCC}"/>
               </a:ext>
             </a:extLst>
           </p:cNvPr>
@@ -10024,7 +11438,7 @@
             <p:cNvPr id="19" name="Gruppieren 18">
               <a:extLst>
                 <a:ext uri="{FF2B5EF4-FFF2-40B4-BE49-F238E27FC236}">
-                  <a16:creationId xmlns:a16="http://schemas.microsoft.com/office/drawing/2014/main" xmlns="" id="{02621200-51DD-6A4C-86C6-6B2A72D512E2}"/>
+                  <a16:creationId xmlns:a16="http://schemas.microsoft.com/office/drawing/2014/main" id="{02621200-51DD-6A4C-86C6-6B2A72D512E2}"/>
                 </a:ext>
               </a:extLst>
             </p:cNvPr>
@@ -10044,7 +11458,7 @@
               <p:cNvPr id="21" name="Rechteck 20">
                 <a:extLst>
                   <a:ext uri="{FF2B5EF4-FFF2-40B4-BE49-F238E27FC236}">
-                    <a16:creationId xmlns:a16="http://schemas.microsoft.com/office/drawing/2014/main" xmlns="" id="{ED0E09EA-1DC6-1249-841E-901E17F3D0B6}"/>
+                    <a16:creationId xmlns:a16="http://schemas.microsoft.com/office/drawing/2014/main" id="{ED0E09EA-1DC6-1249-841E-901E17F3D0B6}"/>
                   </a:ext>
                 </a:extLst>
               </p:cNvPr>
@@ -10124,7 +11538,7 @@
               <p:cNvPr id="22" name="Rechteck 21">
                 <a:extLst>
                   <a:ext uri="{FF2B5EF4-FFF2-40B4-BE49-F238E27FC236}">
-                    <a16:creationId xmlns:a16="http://schemas.microsoft.com/office/drawing/2014/main" xmlns="" id="{753356B5-7EB8-3F4A-96E1-8FF10B332D06}"/>
+                    <a16:creationId xmlns:a16="http://schemas.microsoft.com/office/drawing/2014/main" id="{753356B5-7EB8-3F4A-96E1-8FF10B332D06}"/>
                   </a:ext>
                 </a:extLst>
               </p:cNvPr>
@@ -10183,7 +11597,7 @@
             <p:cNvPr id="20" name="Rechteck 19">
               <a:extLst>
                 <a:ext uri="{FF2B5EF4-FFF2-40B4-BE49-F238E27FC236}">
-                  <a16:creationId xmlns:a16="http://schemas.microsoft.com/office/drawing/2014/main" xmlns="" id="{63DF4C62-579D-3249-9CFF-878DBD32F80A}"/>
+                  <a16:creationId xmlns:a16="http://schemas.microsoft.com/office/drawing/2014/main" id="{63DF4C62-579D-3249-9CFF-878DBD32F80A}"/>
                 </a:ext>
               </a:extLst>
             </p:cNvPr>
@@ -10243,7 +11657,7 @@
           <p:cNvPr id="23" name="Gruppieren 22">
             <a:extLst>
               <a:ext uri="{FF2B5EF4-FFF2-40B4-BE49-F238E27FC236}">
-                <a16:creationId xmlns:a16="http://schemas.microsoft.com/office/drawing/2014/main" xmlns="" id="{8E929239-873F-A040-A4FF-CF41E574A33B}"/>
+                <a16:creationId xmlns:a16="http://schemas.microsoft.com/office/drawing/2014/main" id="{8E929239-873F-A040-A4FF-CF41E574A33B}"/>
               </a:ext>
             </a:extLst>
           </p:cNvPr>
@@ -10263,7 +11677,7 @@
             <p:cNvPr id="24" name="Gruppieren 23">
               <a:extLst>
                 <a:ext uri="{FF2B5EF4-FFF2-40B4-BE49-F238E27FC236}">
-                  <a16:creationId xmlns:a16="http://schemas.microsoft.com/office/drawing/2014/main" xmlns="" id="{F47E6093-9AA6-8F4B-B80B-776943FCB73D}"/>
+                  <a16:creationId xmlns:a16="http://schemas.microsoft.com/office/drawing/2014/main" id="{F47E6093-9AA6-8F4B-B80B-776943FCB73D}"/>
                 </a:ext>
               </a:extLst>
             </p:cNvPr>
@@ -10283,7 +11697,7 @@
               <p:cNvPr id="26" name="Rechteck 25">
                 <a:extLst>
                   <a:ext uri="{FF2B5EF4-FFF2-40B4-BE49-F238E27FC236}">
-                    <a16:creationId xmlns:a16="http://schemas.microsoft.com/office/drawing/2014/main" xmlns="" id="{4059FEBC-2EFF-ED47-98FF-010C8401FADA}"/>
+                    <a16:creationId xmlns:a16="http://schemas.microsoft.com/office/drawing/2014/main" id="{4059FEBC-2EFF-ED47-98FF-010C8401FADA}"/>
                   </a:ext>
                 </a:extLst>
               </p:cNvPr>
@@ -10396,7 +11810,7 @@
               <p:cNvPr id="27" name="Rechteck 26">
                 <a:extLst>
                   <a:ext uri="{FF2B5EF4-FFF2-40B4-BE49-F238E27FC236}">
-                    <a16:creationId xmlns:a16="http://schemas.microsoft.com/office/drawing/2014/main" xmlns="" id="{A6C74FE9-D83D-2346-A400-58BA4229E830}"/>
+                    <a16:creationId xmlns:a16="http://schemas.microsoft.com/office/drawing/2014/main" id="{A6C74FE9-D83D-2346-A400-58BA4229E830}"/>
                   </a:ext>
                 </a:extLst>
               </p:cNvPr>
@@ -10455,7 +11869,7 @@
             <p:cNvPr id="25" name="Rechteck 24">
               <a:extLst>
                 <a:ext uri="{FF2B5EF4-FFF2-40B4-BE49-F238E27FC236}">
-                  <a16:creationId xmlns:a16="http://schemas.microsoft.com/office/drawing/2014/main" xmlns="" id="{1EDE063D-852E-324C-A77E-EFB1A1CCD783}"/>
+                  <a16:creationId xmlns:a16="http://schemas.microsoft.com/office/drawing/2014/main" id="{1EDE063D-852E-324C-A77E-EFB1A1CCD783}"/>
                 </a:ext>
               </a:extLst>
             </p:cNvPr>
@@ -10515,7 +11929,7 @@
           <p:cNvPr id="28" name="Gruppieren 27">
             <a:extLst>
               <a:ext uri="{FF2B5EF4-FFF2-40B4-BE49-F238E27FC236}">
-                <a16:creationId xmlns:a16="http://schemas.microsoft.com/office/drawing/2014/main" xmlns="" id="{076AA3C9-476D-4D45-B8BE-E0951E23CBCF}"/>
+                <a16:creationId xmlns:a16="http://schemas.microsoft.com/office/drawing/2014/main" id="{076AA3C9-476D-4D45-B8BE-E0951E23CBCF}"/>
               </a:ext>
             </a:extLst>
           </p:cNvPr>
@@ -10535,7 +11949,7 @@
             <p:cNvPr id="29" name="Gruppieren 28">
               <a:extLst>
                 <a:ext uri="{FF2B5EF4-FFF2-40B4-BE49-F238E27FC236}">
-                  <a16:creationId xmlns:a16="http://schemas.microsoft.com/office/drawing/2014/main" xmlns="" id="{B404C1CC-6DF7-B648-9CCB-5E2E9AFEB672}"/>
+                  <a16:creationId xmlns:a16="http://schemas.microsoft.com/office/drawing/2014/main" id="{B404C1CC-6DF7-B648-9CCB-5E2E9AFEB672}"/>
                 </a:ext>
               </a:extLst>
             </p:cNvPr>
@@ -10555,7 +11969,7 @@
               <p:cNvPr id="31" name="Rechteck 30">
                 <a:extLst>
                   <a:ext uri="{FF2B5EF4-FFF2-40B4-BE49-F238E27FC236}">
-                    <a16:creationId xmlns:a16="http://schemas.microsoft.com/office/drawing/2014/main" xmlns="" id="{4BDB37D7-D054-A942-8D6D-F9B2EF0F9FF6}"/>
+                    <a16:creationId xmlns:a16="http://schemas.microsoft.com/office/drawing/2014/main" id="{4BDB37D7-D054-A942-8D6D-F9B2EF0F9FF6}"/>
                   </a:ext>
                 </a:extLst>
               </p:cNvPr>
@@ -10610,7 +12024,7 @@
               <p:cNvPr id="32" name="Rechteck 31">
                 <a:extLst>
                   <a:ext uri="{FF2B5EF4-FFF2-40B4-BE49-F238E27FC236}">
-                    <a16:creationId xmlns:a16="http://schemas.microsoft.com/office/drawing/2014/main" xmlns="" id="{3A6CCD76-DF2E-A745-8BA8-2A2DA3CA1050}"/>
+                    <a16:creationId xmlns:a16="http://schemas.microsoft.com/office/drawing/2014/main" id="{3A6CCD76-DF2E-A745-8BA8-2A2DA3CA1050}"/>
                   </a:ext>
                 </a:extLst>
               </p:cNvPr>
@@ -10669,7 +12083,7 @@
             <p:cNvPr id="30" name="Rechteck 29">
               <a:extLst>
                 <a:ext uri="{FF2B5EF4-FFF2-40B4-BE49-F238E27FC236}">
-                  <a16:creationId xmlns:a16="http://schemas.microsoft.com/office/drawing/2014/main" xmlns="" id="{117072ED-37EF-E943-B866-F06DD4235CB3}"/>
+                  <a16:creationId xmlns:a16="http://schemas.microsoft.com/office/drawing/2014/main" id="{117072ED-37EF-E943-B866-F06DD4235CB3}"/>
                 </a:ext>
               </a:extLst>
             </p:cNvPr>
@@ -10734,13 +12148,6 @@
   <p:clrMapOvr>
     <a:masterClrMapping/>
   </p:clrMapOvr>
-  <p:timing>
-    <p:tnLst>
-      <p:par>
-        <p:cTn id="1" dur="indefinite" restart="never" nodeType="tmRoot"/>
-      </p:par>
-    </p:tnLst>
-  </p:timing>
 </p:sld>
 </file>
 
@@ -10812,13 +12219,6 @@
   <p:clrMapOvr>
     <a:masterClrMapping/>
   </p:clrMapOvr>
-  <p:timing>
-    <p:tnLst>
-      <p:par>
-        <p:cTn id="1" dur="indefinite" restart="never" nodeType="tmRoot"/>
-      </p:par>
-    </p:tnLst>
-  </p:timing>
 </p:sld>
 </file>
 
@@ -10844,7 +12244,7 @@
           <p:cNvPr id="2" name="Titel 1">
             <a:extLst>
               <a:ext uri="{FF2B5EF4-FFF2-40B4-BE49-F238E27FC236}">
-                <a16:creationId xmlns:a16="http://schemas.microsoft.com/office/drawing/2014/main" xmlns="" id="{565721FC-DA9D-7F4A-AC0A-E966CE252A2E}"/>
+                <a16:creationId xmlns:a16="http://schemas.microsoft.com/office/drawing/2014/main" id="{565721FC-DA9D-7F4A-AC0A-E966CE252A2E}"/>
               </a:ext>
             </a:extLst>
           </p:cNvPr>
@@ -10876,7 +12276,7 @@
           <p:cNvPr id="7" name="Grafik 6">
             <a:extLst>
               <a:ext uri="{FF2B5EF4-FFF2-40B4-BE49-F238E27FC236}">
-                <a16:creationId xmlns:a16="http://schemas.microsoft.com/office/drawing/2014/main" xmlns="" id="{496E9BA1-997F-8A42-8359-8118CAA4F8B8}"/>
+                <a16:creationId xmlns:a16="http://schemas.microsoft.com/office/drawing/2014/main" id="{496E9BA1-997F-8A42-8359-8118CAA4F8B8}"/>
               </a:ext>
             </a:extLst>
           </p:cNvPr>
@@ -10912,7 +12312,7 @@
           <p:cNvPr id="24" name="Oval 23">
             <a:extLst>
               <a:ext uri="{FF2B5EF4-FFF2-40B4-BE49-F238E27FC236}">
-                <a16:creationId xmlns:a16="http://schemas.microsoft.com/office/drawing/2014/main" xmlns="" id="{7BEF158B-37D7-804E-8706-2F4AC3084EAE}"/>
+                <a16:creationId xmlns:a16="http://schemas.microsoft.com/office/drawing/2014/main" id="{7BEF158B-37D7-804E-8706-2F4AC3084EAE}"/>
               </a:ext>
             </a:extLst>
           </p:cNvPr>
@@ -10964,7 +12364,7 @@
           <p:cNvPr id="25" name="Oval 24">
             <a:extLst>
               <a:ext uri="{FF2B5EF4-FFF2-40B4-BE49-F238E27FC236}">
-                <a16:creationId xmlns:a16="http://schemas.microsoft.com/office/drawing/2014/main" xmlns="" id="{507E0D37-7C93-BC4A-AD0C-ABE98E968974}"/>
+                <a16:creationId xmlns:a16="http://schemas.microsoft.com/office/drawing/2014/main" id="{507E0D37-7C93-BC4A-AD0C-ABE98E968974}"/>
               </a:ext>
             </a:extLst>
           </p:cNvPr>
@@ -11016,7 +12416,7 @@
           <p:cNvPr id="26" name="Oval 25">
             <a:extLst>
               <a:ext uri="{FF2B5EF4-FFF2-40B4-BE49-F238E27FC236}">
-                <a16:creationId xmlns:a16="http://schemas.microsoft.com/office/drawing/2014/main" xmlns="" id="{5149A216-9FF4-6B4B-8F2B-828C3DDFA3AF}"/>
+                <a16:creationId xmlns:a16="http://schemas.microsoft.com/office/drawing/2014/main" id="{5149A216-9FF4-6B4B-8F2B-828C3DDFA3AF}"/>
               </a:ext>
             </a:extLst>
           </p:cNvPr>
@@ -11070,7 +12470,7 @@
               <p14:cNvPr id="43" name="Freihand 42">
                 <a:extLst>
                   <a:ext uri="{FF2B5EF4-FFF2-40B4-BE49-F238E27FC236}">
-                    <a16:creationId xmlns:a16="http://schemas.microsoft.com/office/drawing/2014/main" xmlns="" id="{A0E82E8C-EC6D-9349-9BFA-4A3A2CDCC1E4}"/>
+                    <a16:creationId xmlns:a16="http://schemas.microsoft.com/office/drawing/2014/main" id="{A0E82E8C-EC6D-9349-9BFA-4A3A2CDCC1E4}"/>
                   </a:ext>
                 </a:extLst>
               </p14:cNvPr>
@@ -11121,7 +12521,7 @@
               <p14:cNvPr id="44" name="Freihand 43">
                 <a:extLst>
                   <a:ext uri="{FF2B5EF4-FFF2-40B4-BE49-F238E27FC236}">
-                    <a16:creationId xmlns:a16="http://schemas.microsoft.com/office/drawing/2014/main" xmlns="" id="{E50D5434-2140-FA4B-BC8C-7CE04AB8EE66}"/>
+                    <a16:creationId xmlns:a16="http://schemas.microsoft.com/office/drawing/2014/main" id="{E50D5434-2140-FA4B-BC8C-7CE04AB8EE66}"/>
                   </a:ext>
                 </a:extLst>
               </p14:cNvPr>
@@ -11172,7 +12572,7 @@
               <p14:cNvPr id="47" name="Freihand 46">
                 <a:extLst>
                   <a:ext uri="{FF2B5EF4-FFF2-40B4-BE49-F238E27FC236}">
-                    <a16:creationId xmlns:a16="http://schemas.microsoft.com/office/drawing/2014/main" xmlns="" id="{27A900A0-707B-0345-98E5-AFA26F328408}"/>
+                    <a16:creationId xmlns:a16="http://schemas.microsoft.com/office/drawing/2014/main" id="{27A900A0-707B-0345-98E5-AFA26F328408}"/>
                   </a:ext>
                 </a:extLst>
               </p14:cNvPr>
@@ -11221,7 +12621,7 @@
           <p:cNvPr id="49" name="Abgerundete rechteckige Legende 48">
             <a:extLst>
               <a:ext uri="{FF2B5EF4-FFF2-40B4-BE49-F238E27FC236}">
-                <a16:creationId xmlns:a16="http://schemas.microsoft.com/office/drawing/2014/main" xmlns="" id="{C3CD6BDE-7299-4D4A-B8A9-C380C4D21852}"/>
+                <a16:creationId xmlns:a16="http://schemas.microsoft.com/office/drawing/2014/main" id="{C3CD6BDE-7299-4D4A-B8A9-C380C4D21852}"/>
               </a:ext>
             </a:extLst>
           </p:cNvPr>
@@ -11291,7 +12691,7 @@
           <p:cNvPr id="50" name="Textfeld 49">
             <a:extLst>
               <a:ext uri="{FF2B5EF4-FFF2-40B4-BE49-F238E27FC236}">
-                <a16:creationId xmlns:a16="http://schemas.microsoft.com/office/drawing/2014/main" xmlns="" id="{74812B0A-9F6B-3B44-B974-C1947644856D}"/>
+                <a16:creationId xmlns:a16="http://schemas.microsoft.com/office/drawing/2014/main" id="{74812B0A-9F6B-3B44-B974-C1947644856D}"/>
               </a:ext>
             </a:extLst>
           </p:cNvPr>
@@ -11326,7 +12726,7 @@
           <p:cNvPr id="52" name="Wolkenförmige Legende 51">
             <a:extLst>
               <a:ext uri="{FF2B5EF4-FFF2-40B4-BE49-F238E27FC236}">
-                <a16:creationId xmlns:a16="http://schemas.microsoft.com/office/drawing/2014/main" xmlns="" id="{29DB6461-09BA-4847-ADB9-C5C694AA482B}"/>
+                <a16:creationId xmlns:a16="http://schemas.microsoft.com/office/drawing/2014/main" id="{29DB6461-09BA-4847-ADB9-C5C694AA482B}"/>
               </a:ext>
             </a:extLst>
           </p:cNvPr>
@@ -11380,7 +12780,7 @@
           <p:cNvPr id="53" name="Oval 52">
             <a:extLst>
               <a:ext uri="{FF2B5EF4-FFF2-40B4-BE49-F238E27FC236}">
-                <a16:creationId xmlns:a16="http://schemas.microsoft.com/office/drawing/2014/main" xmlns="" id="{A7F525C7-2BB3-7741-BE0A-A91605F6B414}"/>
+                <a16:creationId xmlns:a16="http://schemas.microsoft.com/office/drawing/2014/main" id="{A7F525C7-2BB3-7741-BE0A-A91605F6B414}"/>
               </a:ext>
             </a:extLst>
           </p:cNvPr>
@@ -11432,7 +12832,7 @@
           <p:cNvPr id="54" name="Oval 53">
             <a:extLst>
               <a:ext uri="{FF2B5EF4-FFF2-40B4-BE49-F238E27FC236}">
-                <a16:creationId xmlns:a16="http://schemas.microsoft.com/office/drawing/2014/main" xmlns="" id="{7A84F289-E89F-8342-8791-347A0E4F5BF9}"/>
+                <a16:creationId xmlns:a16="http://schemas.microsoft.com/office/drawing/2014/main" id="{7A84F289-E89F-8342-8791-347A0E4F5BF9}"/>
               </a:ext>
             </a:extLst>
           </p:cNvPr>
@@ -11484,7 +12884,7 @@
           <p:cNvPr id="55" name="Oval 54">
             <a:extLst>
               <a:ext uri="{FF2B5EF4-FFF2-40B4-BE49-F238E27FC236}">
-                <a16:creationId xmlns:a16="http://schemas.microsoft.com/office/drawing/2014/main" xmlns="" id="{A65E12B4-4201-2148-B5CA-CF3C353E009F}"/>
+                <a16:creationId xmlns:a16="http://schemas.microsoft.com/office/drawing/2014/main" id="{A65E12B4-4201-2148-B5CA-CF3C353E009F}"/>
               </a:ext>
             </a:extLst>
           </p:cNvPr>
@@ -11538,7 +12938,7 @@
               <p14:cNvPr id="56" name="Freihand 55">
                 <a:extLst>
                   <a:ext uri="{FF2B5EF4-FFF2-40B4-BE49-F238E27FC236}">
-                    <a16:creationId xmlns:a16="http://schemas.microsoft.com/office/drawing/2014/main" xmlns="" id="{5B3C06F8-598F-844F-A3A1-C175A796CC1F}"/>
+                    <a16:creationId xmlns:a16="http://schemas.microsoft.com/office/drawing/2014/main" id="{5B3C06F8-598F-844F-A3A1-C175A796CC1F}"/>
                   </a:ext>
                 </a:extLst>
               </p14:cNvPr>
@@ -11589,7 +12989,7 @@
               <p14:cNvPr id="60" name="Freihand 59">
                 <a:extLst>
                   <a:ext uri="{FF2B5EF4-FFF2-40B4-BE49-F238E27FC236}">
-                    <a16:creationId xmlns:a16="http://schemas.microsoft.com/office/drawing/2014/main" xmlns="" id="{082C1878-4FC7-A046-A15C-155DA5A4994F}"/>
+                    <a16:creationId xmlns:a16="http://schemas.microsoft.com/office/drawing/2014/main" id="{082C1878-4FC7-A046-A15C-155DA5A4994F}"/>
                   </a:ext>
                 </a:extLst>
               </p14:cNvPr>
@@ -11640,7 +13040,7 @@
               <p14:cNvPr id="61" name="Freihand 60">
                 <a:extLst>
                   <a:ext uri="{FF2B5EF4-FFF2-40B4-BE49-F238E27FC236}">
-                    <a16:creationId xmlns:a16="http://schemas.microsoft.com/office/drawing/2014/main" xmlns="" id="{4493D0F5-C439-AB47-A7AB-C5899EB6F429}"/>
+                    <a16:creationId xmlns:a16="http://schemas.microsoft.com/office/drawing/2014/main" id="{4493D0F5-C439-AB47-A7AB-C5899EB6F429}"/>
                   </a:ext>
                 </a:extLst>
               </p14:cNvPr>
@@ -11691,7 +13091,7 @@
               <p14:cNvPr id="62" name="Freihand 61">
                 <a:extLst>
                   <a:ext uri="{FF2B5EF4-FFF2-40B4-BE49-F238E27FC236}">
-                    <a16:creationId xmlns:a16="http://schemas.microsoft.com/office/drawing/2014/main" xmlns="" id="{748AF862-0F58-C846-9997-89FE1E796ACE}"/>
+                    <a16:creationId xmlns:a16="http://schemas.microsoft.com/office/drawing/2014/main" id="{748AF862-0F58-C846-9997-89FE1E796ACE}"/>
                   </a:ext>
                 </a:extLst>
               </p14:cNvPr>
@@ -11740,7 +13140,7 @@
           <p:cNvPr id="65" name="Textfeld 64">
             <a:extLst>
               <a:ext uri="{FF2B5EF4-FFF2-40B4-BE49-F238E27FC236}">
-                <a16:creationId xmlns:a16="http://schemas.microsoft.com/office/drawing/2014/main" xmlns="" id="{78AA0267-66A5-6246-A3BD-117F333C6256}"/>
+                <a16:creationId xmlns:a16="http://schemas.microsoft.com/office/drawing/2014/main" id="{78AA0267-66A5-6246-A3BD-117F333C6256}"/>
               </a:ext>
             </a:extLst>
           </p:cNvPr>
@@ -11764,7 +13164,15 @@
           <a:lstStyle/>
           <a:p>
             <a:r>
-              <a:rPr lang="de-DE" sz="4800" b="1" dirty="0"/>
+              <a:rPr lang="de-DE" sz="4800" b="1" dirty="0">
+                <a:ln w="22225">
+                  <a:solidFill>
+                    <a:srgbClr val="000000"/>
+                  </a:solidFill>
+                  <a:prstDash val="solid"/>
+                </a:ln>
+                <a:noFill/>
+              </a:rPr>
               <a:t>?</a:t>
             </a:r>
           </a:p>
@@ -11775,7 +13183,7 @@
           <p:cNvPr id="23" name="Textfeld 22">
             <a:extLst>
               <a:ext uri="{FF2B5EF4-FFF2-40B4-BE49-F238E27FC236}">
-                <a16:creationId xmlns:a16="http://schemas.microsoft.com/office/drawing/2014/main" xmlns="" id="{74812B0A-9F6B-3B44-B974-C1947644856D}"/>
+                <a16:creationId xmlns:a16="http://schemas.microsoft.com/office/drawing/2014/main" id="{74812B0A-9F6B-3B44-B974-C1947644856D}"/>
               </a:ext>
             </a:extLst>
           </p:cNvPr>
@@ -11799,10 +13207,9 @@
           <a:lstStyle/>
           <a:p>
             <a:r>
-              <a:rPr lang="de-DE" dirty="0" smtClean="0"/>
+              <a:rPr lang="de-DE" dirty="0"/>
               <a:t>Mitarbeiter</a:t>
             </a:r>
-            <a:endParaRPr lang="de-DE" dirty="0"/>
           </a:p>
         </p:txBody>
       </p:sp>
@@ -12025,13 +13432,6 @@
   <p:clrMapOvr>
     <a:masterClrMapping/>
   </p:clrMapOvr>
-  <p:timing>
-    <p:tnLst>
-      <p:par>
-        <p:cTn id="1" dur="indefinite" restart="never" nodeType="tmRoot"/>
-      </p:par>
-    </p:tnLst>
-  </p:timing>
 </p:sld>
 </file>
 
@@ -12057,7 +13457,7 @@
           <p:cNvPr id="3" name="Untertitel 2">
             <a:extLst>
               <a:ext uri="{FF2B5EF4-FFF2-40B4-BE49-F238E27FC236}">
-                <a16:creationId xmlns:a16="http://schemas.microsoft.com/office/drawing/2014/main" xmlns="" id="{6AE9039D-A97A-1348-B85E-C1CBBAEACFD7}"/>
+                <a16:creationId xmlns:a16="http://schemas.microsoft.com/office/drawing/2014/main" id="{6AE9039D-A97A-1348-B85E-C1CBBAEACFD7}"/>
               </a:ext>
             </a:extLst>
           </p:cNvPr>
@@ -12080,14 +13480,10 @@
           <a:p>
             <a:r>
               <a:rPr lang="de-DE" b="1" dirty="0"/>
-              <a:t>Für spätere Fragen</a:t>
-            </a:r>
-            <a:r>
-              <a:rPr lang="de-DE" b="1" dirty="0" smtClean="0"/>
-              <a:t>:</a:t>
+              <a:t>Für spätere Fragen:</a:t>
             </a:r>
             <a:br>
-              <a:rPr lang="de-DE" b="1" dirty="0" smtClean="0"/>
+              <a:rPr lang="de-DE" b="1" dirty="0"/>
             </a:br>
             <a:endParaRPr lang="de-DE" b="1" dirty="0"/>
           </a:p>
@@ -12109,7 +13505,7 @@
           <p:cNvPr id="2" name="Titel 1">
             <a:extLst>
               <a:ext uri="{FF2B5EF4-FFF2-40B4-BE49-F238E27FC236}">
-                <a16:creationId xmlns:a16="http://schemas.microsoft.com/office/drawing/2014/main" xmlns="" id="{306470B7-1C34-794F-AAAA-978C5A77B715}"/>
+                <a16:creationId xmlns:a16="http://schemas.microsoft.com/office/drawing/2014/main" id="{306470B7-1C34-794F-AAAA-978C5A77B715}"/>
               </a:ext>
             </a:extLst>
           </p:cNvPr>
@@ -12142,7 +13538,7 @@
           <p:cNvPr id="5" name="Grafik 4">
             <a:extLst>
               <a:ext uri="{FF2B5EF4-FFF2-40B4-BE49-F238E27FC236}">
-                <a16:creationId xmlns="" xmlns:a16="http://schemas.microsoft.com/office/drawing/2014/main" id="{8BFAE0AD-6B6F-7D46-B734-E35EC976BB2F}"/>
+                <a16:creationId xmlns:a16="http://schemas.microsoft.com/office/drawing/2014/main" id="{8BFAE0AD-6B6F-7D46-B734-E35EC976BB2F}"/>
               </a:ext>
             </a:extLst>
           </p:cNvPr>
@@ -12183,21 +13579,6 @@
   <p:clrMapOvr>
     <a:masterClrMapping/>
   </p:clrMapOvr>
-  <mc:AlternateContent xmlns:mc="http://schemas.openxmlformats.org/markup-compatibility/2006">
-    <mc:Choice xmlns:p14="http://schemas.microsoft.com/office/powerpoint/2010/main" Requires="p14">
-      <p:transition spd="slow" p14:dur="2000"/>
-    </mc:Choice>
-    <mc:Fallback>
-      <p:transition spd="slow"/>
-    </mc:Fallback>
-  </mc:AlternateContent>
-  <p:timing>
-    <p:tnLst>
-      <p:par>
-        <p:cTn id="1" dur="indefinite" restart="never" nodeType="tmRoot"/>
-      </p:par>
-    </p:tnLst>
-  </p:timing>
 </p:sld>
 </file>
 
@@ -12256,10 +13637,9 @@
           <a:lstStyle/>
           <a:p>
             <a:r>
-              <a:rPr lang="de-DE" dirty="0" smtClean="0"/>
+              <a:rPr lang="de-DE" dirty="0"/>
               <a:t>Meret Feldkemper, meret.feldkemper@tu-dresden.de</a:t>
             </a:r>
-            <a:endParaRPr lang="de-DE" dirty="0"/>
           </a:p>
         </p:txBody>
       </p:sp>
@@ -12351,13 +13731,6 @@
   <p:clrMapOvr>
     <a:masterClrMapping/>
   </p:clrMapOvr>
-  <p:timing>
-    <p:tnLst>
-      <p:par>
-        <p:cTn id="1" dur="indefinite" restart="never" nodeType="tmRoot"/>
-      </p:par>
-    </p:tnLst>
-  </p:timing>
 </p:sld>
 </file>
 
@@ -12539,7 +13912,7 @@
           <p:cNvPr id="2" name="Titel 1">
             <a:extLst>
               <a:ext uri="{FF2B5EF4-FFF2-40B4-BE49-F238E27FC236}">
-                <a16:creationId xmlns:a16="http://schemas.microsoft.com/office/drawing/2014/main" xmlns="" id="{6D5AEAFE-EC04-F24C-A17A-158A347CC423}"/>
+                <a16:creationId xmlns:a16="http://schemas.microsoft.com/office/drawing/2014/main" id="{6D5AEAFE-EC04-F24C-A17A-158A347CC423}"/>
               </a:ext>
             </a:extLst>
           </p:cNvPr>
@@ -12567,7 +13940,7 @@
           <p:cNvPr id="9" name="Inhaltsplatzhalter 8">
             <a:extLst>
               <a:ext uri="{FF2B5EF4-FFF2-40B4-BE49-F238E27FC236}">
-                <a16:creationId xmlns:a16="http://schemas.microsoft.com/office/drawing/2014/main" xmlns="" id="{43E904B5-FC63-2245-8D6F-9995C0DEC09A}"/>
+                <a16:creationId xmlns:a16="http://schemas.microsoft.com/office/drawing/2014/main" id="{43E904B5-FC63-2245-8D6F-9995C0DEC09A}"/>
               </a:ext>
             </a:extLst>
           </p:cNvPr>
@@ -12632,7 +14005,7 @@
           <p:cNvPr id="2" name="Titel 1">
             <a:extLst>
               <a:ext uri="{FF2B5EF4-FFF2-40B4-BE49-F238E27FC236}">
-                <a16:creationId xmlns:a16="http://schemas.microsoft.com/office/drawing/2014/main" xmlns="" id="{DCFD5523-7851-A043-B6A9-AB16F57D85D1}"/>
+                <a16:creationId xmlns:a16="http://schemas.microsoft.com/office/drawing/2014/main" id="{DCFD5523-7851-A043-B6A9-AB16F57D85D1}"/>
               </a:ext>
             </a:extLst>
           </p:cNvPr>
@@ -12660,7 +14033,7 @@
           <p:cNvPr id="9" name="Inhaltsplatzhalter 8">
             <a:extLst>
               <a:ext uri="{FF2B5EF4-FFF2-40B4-BE49-F238E27FC236}">
-                <a16:creationId xmlns:a16="http://schemas.microsoft.com/office/drawing/2014/main" xmlns="" id="{4161DFCC-B7ED-104E-A55F-5805A7DFB48E}"/>
+                <a16:creationId xmlns:a16="http://schemas.microsoft.com/office/drawing/2014/main" id="{4161DFCC-B7ED-104E-A55F-5805A7DFB48E}"/>
               </a:ext>
             </a:extLst>
           </p:cNvPr>
@@ -12725,7 +14098,7 @@
           <p:cNvPr id="2" name="Titel 1">
             <a:extLst>
               <a:ext uri="{FF2B5EF4-FFF2-40B4-BE49-F238E27FC236}">
-                <a16:creationId xmlns:a16="http://schemas.microsoft.com/office/drawing/2014/main" xmlns="" id="{4408D667-F505-6949-BA79-5C28AA792F31}"/>
+                <a16:creationId xmlns:a16="http://schemas.microsoft.com/office/drawing/2014/main" id="{4408D667-F505-6949-BA79-5C28AA792F31}"/>
               </a:ext>
             </a:extLst>
           </p:cNvPr>
@@ -12753,7 +14126,7 @@
           <p:cNvPr id="9" name="Inhaltsplatzhalter 8">
             <a:extLst>
               <a:ext uri="{FF2B5EF4-FFF2-40B4-BE49-F238E27FC236}">
-                <a16:creationId xmlns:a16="http://schemas.microsoft.com/office/drawing/2014/main" xmlns="" id="{A5757A64-2FEB-194F-9D1D-E341434C0D34}"/>
+                <a16:creationId xmlns:a16="http://schemas.microsoft.com/office/drawing/2014/main" id="{A5757A64-2FEB-194F-9D1D-E341434C0D34}"/>
               </a:ext>
             </a:extLst>
           </p:cNvPr>
@@ -12818,7 +14191,7 @@
           <p:cNvPr id="2" name="Titel 1">
             <a:extLst>
               <a:ext uri="{FF2B5EF4-FFF2-40B4-BE49-F238E27FC236}">
-                <a16:creationId xmlns:a16="http://schemas.microsoft.com/office/drawing/2014/main" xmlns="" id="{D0623DED-DC16-7843-8D93-20186F3EC855}"/>
+                <a16:creationId xmlns:a16="http://schemas.microsoft.com/office/drawing/2014/main" id="{D0623DED-DC16-7843-8D93-20186F3EC855}"/>
               </a:ext>
             </a:extLst>
           </p:cNvPr>
@@ -12846,7 +14219,7 @@
           <p:cNvPr id="5" name="Inhaltsplatzhalter 4">
             <a:extLst>
               <a:ext uri="{FF2B5EF4-FFF2-40B4-BE49-F238E27FC236}">
-                <a16:creationId xmlns:a16="http://schemas.microsoft.com/office/drawing/2014/main" xmlns="" id="{3C05055E-ACB1-E04D-ABDF-725E50C20C83}"/>
+                <a16:creationId xmlns:a16="http://schemas.microsoft.com/office/drawing/2014/main" id="{3C05055E-ACB1-E04D-ABDF-725E50C20C83}"/>
               </a:ext>
             </a:extLst>
           </p:cNvPr>
@@ -12911,7 +14284,7 @@
           <p:cNvPr id="2" name="Titel 1">
             <a:extLst>
               <a:ext uri="{FF2B5EF4-FFF2-40B4-BE49-F238E27FC236}">
-                <a16:creationId xmlns:a16="http://schemas.microsoft.com/office/drawing/2014/main" xmlns="" id="{10587004-B7DF-5045-9C0B-0660C21B200E}"/>
+                <a16:creationId xmlns:a16="http://schemas.microsoft.com/office/drawing/2014/main" id="{10587004-B7DF-5045-9C0B-0660C21B200E}"/>
               </a:ext>
             </a:extLst>
           </p:cNvPr>
@@ -12939,7 +14312,7 @@
           <p:cNvPr id="9" name="Inhaltsplatzhalter 8">
             <a:extLst>
               <a:ext uri="{FF2B5EF4-FFF2-40B4-BE49-F238E27FC236}">
-                <a16:creationId xmlns:a16="http://schemas.microsoft.com/office/drawing/2014/main" xmlns="" id="{BA32FF54-8004-EC4C-B451-9DE95BCEFAC8}"/>
+                <a16:creationId xmlns:a16="http://schemas.microsoft.com/office/drawing/2014/main" id="{BA32FF54-8004-EC4C-B451-9DE95BCEFAC8}"/>
               </a:ext>
             </a:extLst>
           </p:cNvPr>
@@ -13004,7 +14377,7 @@
           <p:cNvPr id="2" name="Titel 1">
             <a:extLst>
               <a:ext uri="{FF2B5EF4-FFF2-40B4-BE49-F238E27FC236}">
-                <a16:creationId xmlns:a16="http://schemas.microsoft.com/office/drawing/2014/main" xmlns="" id="{9D53ED9D-320B-244E-B0A4-990B8FD6A869}"/>
+                <a16:creationId xmlns:a16="http://schemas.microsoft.com/office/drawing/2014/main" id="{9D53ED9D-320B-244E-B0A4-990B8FD6A869}"/>
               </a:ext>
             </a:extLst>
           </p:cNvPr>
@@ -13021,11 +14394,11 @@
           <a:lstStyle/>
           <a:p>
             <a:r>
-              <a:rPr lang="de-DE" dirty="0" smtClean="0"/>
+              <a:rPr lang="de-DE" dirty="0"/>
               <a:t>Die </a:t>
             </a:r>
             <a:r>
-              <a:rPr lang="de-DE" dirty="0" smtClean="0">
+              <a:rPr lang="de-DE" dirty="0">
                 <a:solidFill>
                   <a:schemeClr val="accent4"/>
                 </a:solidFill>
@@ -13033,22 +14406,17 @@
               <a:t>modulare Anlage </a:t>
             </a:r>
             <a:r>
-              <a:rPr lang="de-DE" dirty="0" smtClean="0"/>
+              <a:rPr lang="de-DE" dirty="0"/>
               <a:t>bietet dem Anlagenbediener mehr Flexibilität, stellt ihn aber auch vor neue </a:t>
             </a:r>
             <a:r>
-              <a:rPr lang="de-DE" dirty="0" smtClean="0">
+              <a:rPr lang="de-DE" dirty="0">
                 <a:solidFill>
                   <a:schemeClr val="accent6"/>
                 </a:solidFill>
               </a:rPr>
               <a:t>Herausforderungen</a:t>
             </a:r>
-            <a:endParaRPr lang="de-DE" dirty="0">
-              <a:solidFill>
-                <a:schemeClr val="accent6"/>
-              </a:solidFill>
-            </a:endParaRPr>
           </a:p>
         </p:txBody>
       </p:sp>
@@ -13057,7 +14425,7 @@
           <p:cNvPr id="4" name="Gruppieren 3">
             <a:extLst>
               <a:ext uri="{FF2B5EF4-FFF2-40B4-BE49-F238E27FC236}">
-                <a16:creationId xmlns:a16="http://schemas.microsoft.com/office/drawing/2014/main" xmlns="" id="{783A73D2-C025-644E-A194-3438D291D352}"/>
+                <a16:creationId xmlns:a16="http://schemas.microsoft.com/office/drawing/2014/main" id="{783A73D2-C025-644E-A194-3438D291D352}"/>
               </a:ext>
             </a:extLst>
           </p:cNvPr>
@@ -13067,9 +14435,9 @@
         <p:grpSpPr>
           <a:xfrm>
             <a:off x="874712" y="1309443"/>
-            <a:ext cx="5040000" cy="2788425"/>
+            <a:ext cx="5040000" cy="4239113"/>
             <a:chOff x="1780032" y="1330903"/>
-            <a:chExt cx="5040000" cy="2788425"/>
+            <a:chExt cx="5040000" cy="4239113"/>
           </a:xfrm>
         </p:grpSpPr>
         <p:sp>
@@ -13077,7 +14445,7 @@
             <p:cNvPr id="5" name="Rechteck 4">
               <a:extLst>
                 <a:ext uri="{FF2B5EF4-FFF2-40B4-BE49-F238E27FC236}">
-                  <a16:creationId xmlns:a16="http://schemas.microsoft.com/office/drawing/2014/main" xmlns="" id="{4F68B8E9-417E-0141-AE27-E298ED29929C}"/>
+                  <a16:creationId xmlns:a16="http://schemas.microsoft.com/office/drawing/2014/main" id="{4F68B8E9-417E-0141-AE27-E298ED29929C}"/>
                 </a:ext>
               </a:extLst>
             </p:cNvPr>
@@ -13086,8 +14454,8 @@
           </p:nvSpPr>
           <p:spPr>
             <a:xfrm>
-              <a:off x="1780032" y="1499918"/>
-              <a:ext cx="5040000" cy="2619410"/>
+              <a:off x="1780032" y="1499917"/>
+              <a:ext cx="5040000" cy="4070099"/>
             </a:xfrm>
             <a:prstGeom prst="rect">
               <a:avLst/>
@@ -13129,18 +14497,30 @@
                 <a:buChar char="•"/>
               </a:pPr>
               <a:r>
-                <a:rPr lang="de-DE" dirty="0" smtClean="0">
+                <a:rPr lang="de-DE" dirty="0">
+                  <a:solidFill>
+                    <a:schemeClr val="tx1"/>
+                  </a:solidFill>
+                </a:rPr>
+                <a:t>Bild modularer Anlage</a:t>
+              </a:r>
+            </a:p>
+            <a:p>
+              <a:pPr marL="342900" indent="-342900">
+                <a:lnSpc>
+                  <a:spcPct val="150000"/>
+                </a:lnSpc>
+                <a:buFont typeface="Arial" panose="020B0604020202020204" pitchFamily="34" charset="0"/>
+                <a:buChar char="•"/>
+              </a:pPr>
+              <a:r>
+                <a:rPr lang="de-DE" dirty="0">
                   <a:solidFill>
                     <a:schemeClr val="tx1"/>
                   </a:solidFill>
                 </a:rPr>
                 <a:t>Hohe Flexibilität</a:t>
               </a:r>
-              <a:endParaRPr lang="de-DE" dirty="0">
-                <a:solidFill>
-                  <a:schemeClr val="tx1"/>
-                </a:solidFill>
-              </a:endParaRPr>
             </a:p>
           </p:txBody>
         </p:sp>
@@ -13149,7 +14529,7 @@
             <p:cNvPr id="6" name="Rechteck 5">
               <a:extLst>
                 <a:ext uri="{FF2B5EF4-FFF2-40B4-BE49-F238E27FC236}">
-                  <a16:creationId xmlns:a16="http://schemas.microsoft.com/office/drawing/2014/main" xmlns="" id="{B2717A64-B61E-B44C-B23D-CB509FB519CA}"/>
+                  <a16:creationId xmlns:a16="http://schemas.microsoft.com/office/drawing/2014/main" id="{B2717A64-B61E-B44C-B23D-CB509FB519CA}"/>
                 </a:ext>
               </a:extLst>
             </p:cNvPr>
@@ -13192,18 +14572,13 @@
             <a:lstStyle/>
             <a:p>
               <a:r>
-                <a:rPr lang="de-DE" sz="1600" b="1" dirty="0" smtClean="0">
+                <a:rPr lang="de-DE" sz="1600" b="1" dirty="0">
                   <a:solidFill>
                     <a:schemeClr val="accent4"/>
                   </a:solidFill>
                 </a:rPr>
                 <a:t>Modulare Anlagen</a:t>
               </a:r>
-              <a:endParaRPr lang="de-DE" sz="1600" b="1" dirty="0">
-                <a:solidFill>
-                  <a:schemeClr val="accent4"/>
-                </a:solidFill>
-              </a:endParaRPr>
             </a:p>
           </p:txBody>
         </p:sp>
@@ -13213,7 +14588,7 @@
           <p:cNvPr id="7" name="Gruppieren 6">
             <a:extLst>
               <a:ext uri="{FF2B5EF4-FFF2-40B4-BE49-F238E27FC236}">
-                <a16:creationId xmlns:a16="http://schemas.microsoft.com/office/drawing/2014/main" xmlns="" id="{783A73D2-C025-644E-A194-3438D291D352}"/>
+                <a16:creationId xmlns:a16="http://schemas.microsoft.com/office/drawing/2014/main" id="{783A73D2-C025-644E-A194-3438D291D352}"/>
               </a:ext>
             </a:extLst>
           </p:cNvPr>
@@ -13223,9 +14598,9 @@
         <p:grpSpPr>
           <a:xfrm>
             <a:off x="6415399" y="1309443"/>
-            <a:ext cx="5040000" cy="2788424"/>
+            <a:ext cx="5040000" cy="4239113"/>
             <a:chOff x="1780032" y="1330903"/>
-            <a:chExt cx="5040000" cy="2788424"/>
+            <a:chExt cx="5040000" cy="4239113"/>
           </a:xfrm>
         </p:grpSpPr>
         <p:sp>
@@ -13233,7 +14608,7 @@
             <p:cNvPr id="8" name="Rechteck 7">
               <a:extLst>
                 <a:ext uri="{FF2B5EF4-FFF2-40B4-BE49-F238E27FC236}">
-                  <a16:creationId xmlns:a16="http://schemas.microsoft.com/office/drawing/2014/main" xmlns="" id="{4F68B8E9-417E-0141-AE27-E298ED29929C}"/>
+                  <a16:creationId xmlns:a16="http://schemas.microsoft.com/office/drawing/2014/main" id="{4F68B8E9-417E-0141-AE27-E298ED29929C}"/>
                 </a:ext>
               </a:extLst>
             </p:cNvPr>
@@ -13243,7 +14618,7 @@
           <p:spPr>
             <a:xfrm>
               <a:off x="1780032" y="1499918"/>
-              <a:ext cx="5040000" cy="2619409"/>
+              <a:ext cx="5040000" cy="4070098"/>
             </a:xfrm>
             <a:prstGeom prst="rect">
               <a:avLst/>
@@ -13276,7 +14651,24 @@
                 <a:buChar char="•"/>
               </a:pPr>
               <a:r>
-                <a:rPr lang="de-DE" dirty="0" smtClean="0">
+                <a:rPr lang="de-DE" dirty="0">
+                  <a:solidFill>
+                    <a:schemeClr val="tx1"/>
+                  </a:solidFill>
+                </a:rPr>
+                <a:t>Verschiedene Optionen visualisieren</a:t>
+              </a:r>
+            </a:p>
+            <a:p>
+              <a:pPr marL="342900" indent="-342900">
+                <a:lnSpc>
+                  <a:spcPct val="150000"/>
+                </a:lnSpc>
+                <a:buFont typeface="Arial" panose="020B0604020202020204" pitchFamily="34" charset="0"/>
+                <a:buChar char="•"/>
+              </a:pPr>
+              <a:r>
+                <a:rPr lang="de-DE" dirty="0">
                   <a:solidFill>
                     <a:schemeClr val="tx1"/>
                   </a:solidFill>
@@ -13293,7 +14685,7 @@
                 <a:buChar char="•"/>
               </a:pPr>
               <a:r>
-                <a:rPr lang="de-DE" dirty="0" smtClean="0">
+                <a:rPr lang="de-DE" dirty="0">
                   <a:solidFill>
                     <a:schemeClr val="tx1"/>
                   </a:solidFill>
@@ -13310,34 +14702,13 @@
                 <a:buChar char="•"/>
               </a:pPr>
               <a:r>
-                <a:rPr lang="de-DE" dirty="0" smtClean="0">
+                <a:rPr lang="de-DE" dirty="0">
                   <a:solidFill>
                     <a:schemeClr val="tx1"/>
                   </a:solidFill>
                 </a:rPr>
-                <a:t>Muss </a:t>
+                <a:t>Muss bewerkstelligen, dass Produktion aufrecht erhalten bleibt</a:t>
               </a:r>
-              <a:r>
-                <a:rPr lang="de-DE" dirty="0" err="1" smtClean="0">
-                  <a:solidFill>
-                    <a:schemeClr val="tx1"/>
-                  </a:solidFill>
-                </a:rPr>
-                <a:t>berwerkstelligen</a:t>
-              </a:r>
-              <a:r>
-                <a:rPr lang="de-DE" dirty="0" smtClean="0">
-                  <a:solidFill>
-                    <a:schemeClr val="tx1"/>
-                  </a:solidFill>
-                </a:rPr>
-                <a:t>, dass Produktion aufrecht erhalten bleibt</a:t>
-              </a:r>
-              <a:endParaRPr lang="de-DE" dirty="0">
-                <a:solidFill>
-                  <a:schemeClr val="tx1"/>
-                </a:solidFill>
-              </a:endParaRPr>
             </a:p>
           </p:txBody>
         </p:sp>
@@ -13346,7 +14717,7 @@
             <p:cNvPr id="9" name="Rechteck 8">
               <a:extLst>
                 <a:ext uri="{FF2B5EF4-FFF2-40B4-BE49-F238E27FC236}">
-                  <a16:creationId xmlns:a16="http://schemas.microsoft.com/office/drawing/2014/main" xmlns="" id="{B2717A64-B61E-B44C-B23D-CB509FB519CA}"/>
+                  <a16:creationId xmlns:a16="http://schemas.microsoft.com/office/drawing/2014/main" id="{B2717A64-B61E-B44C-B23D-CB509FB519CA}"/>
                 </a:ext>
               </a:extLst>
             </p:cNvPr>
@@ -13389,18 +14760,13 @@
             <a:lstStyle/>
             <a:p>
               <a:r>
-                <a:rPr lang="de-DE" sz="1600" b="1" dirty="0" smtClean="0">
+                <a:rPr lang="de-DE" sz="1600" b="1" dirty="0">
                   <a:solidFill>
                     <a:schemeClr val="accent6"/>
                   </a:solidFill>
                 </a:rPr>
                 <a:t>Herausforderungen</a:t>
               </a:r>
-              <a:endParaRPr lang="de-DE" sz="1600" b="1" dirty="0">
-                <a:solidFill>
-                  <a:schemeClr val="accent6"/>
-                </a:solidFill>
-              </a:endParaRPr>
             </a:p>
           </p:txBody>
         </p:sp>
@@ -13415,13 +14781,6 @@
   <p:clrMapOvr>
     <a:masterClrMapping/>
   </p:clrMapOvr>
-  <p:timing>
-    <p:tnLst>
-      <p:par>
-        <p:cTn id="1" dur="indefinite" restart="never" nodeType="tmRoot"/>
-      </p:par>
-    </p:tnLst>
-  </p:timing>
 </p:sld>
 </file>
 
@@ -13447,7 +14806,7 @@
           <p:cNvPr id="2" name="Titel 1">
             <a:extLst>
               <a:ext uri="{FF2B5EF4-FFF2-40B4-BE49-F238E27FC236}">
-                <a16:creationId xmlns:a16="http://schemas.microsoft.com/office/drawing/2014/main" xmlns="" id="{3358FD0C-BC9C-224A-97DC-50E85919ED2D}"/>
+                <a16:creationId xmlns:a16="http://schemas.microsoft.com/office/drawing/2014/main" id="{3358FD0C-BC9C-224A-97DC-50E85919ED2D}"/>
               </a:ext>
             </a:extLst>
           </p:cNvPr>
@@ -13480,7 +14839,7 @@
           <p:cNvPr id="5" name="Inhaltsplatzhalter 4">
             <a:extLst>
               <a:ext uri="{FF2B5EF4-FFF2-40B4-BE49-F238E27FC236}">
-                <a16:creationId xmlns:a16="http://schemas.microsoft.com/office/drawing/2014/main" xmlns="" id="{90D70A80-F13E-4148-9767-D676A4697649}"/>
+                <a16:creationId xmlns:a16="http://schemas.microsoft.com/office/drawing/2014/main" id="{90D70A80-F13E-4148-9767-D676A4697649}"/>
               </a:ext>
             </a:extLst>
           </p:cNvPr>
@@ -13545,7 +14904,7 @@
           <p:cNvPr id="2" name="Titel 1">
             <a:extLst>
               <a:ext uri="{FF2B5EF4-FFF2-40B4-BE49-F238E27FC236}">
-                <a16:creationId xmlns:a16="http://schemas.microsoft.com/office/drawing/2014/main" xmlns="" id="{72C746DA-5BDE-0D47-83E3-DB7A3A00BFD0}"/>
+                <a16:creationId xmlns:a16="http://schemas.microsoft.com/office/drawing/2014/main" id="{72C746DA-5BDE-0D47-83E3-DB7A3A00BFD0}"/>
               </a:ext>
             </a:extLst>
           </p:cNvPr>
@@ -13578,7 +14937,7 @@
           <p:cNvPr id="5" name="Inhaltsplatzhalter 4">
             <a:extLst>
               <a:ext uri="{FF2B5EF4-FFF2-40B4-BE49-F238E27FC236}">
-                <a16:creationId xmlns:a16="http://schemas.microsoft.com/office/drawing/2014/main" xmlns="" id="{EDCE88AD-E358-BB42-8E08-A95860B38BC9}"/>
+                <a16:creationId xmlns:a16="http://schemas.microsoft.com/office/drawing/2014/main" id="{EDCE88AD-E358-BB42-8E08-A95860B38BC9}"/>
               </a:ext>
             </a:extLst>
           </p:cNvPr>
@@ -14714,13 +16073,6 @@
   <p:clrMapOvr>
     <a:masterClrMapping/>
   </p:clrMapOvr>
-  <p:timing>
-    <p:tnLst>
-      <p:par>
-        <p:cTn id="1" dur="indefinite" restart="never" nodeType="tmRoot"/>
-      </p:par>
-    </p:tnLst>
-  </p:timing>
 </p:sld>
 </file>
 
@@ -15792,1091 +17144,6 @@
   <p:clrMapOvr>
     <a:masterClrMapping/>
   </p:clrMapOvr>
-  <p:timing>
-    <p:tnLst>
-      <p:par>
-        <p:cTn id="1" dur="indefinite" restart="never" nodeType="tmRoot"/>
-      </p:par>
-    </p:tnLst>
-  </p:timing>
-</p:sld>
-</file>
-
-<file path=ppt/slides/slide34.xml><?xml version="1.0" encoding="utf-8"?>
-<p:sld xmlns:a="http://schemas.openxmlformats.org/drawingml/2006/main" xmlns:r="http://schemas.openxmlformats.org/officeDocument/2006/relationships" xmlns:p="http://schemas.openxmlformats.org/presentationml/2006/main">
-  <p:cSld>
-    <p:spTree>
-      <p:nvGrpSpPr>
-        <p:cNvPr id="1" name=""/>
-        <p:cNvGrpSpPr/>
-        <p:nvPr/>
-      </p:nvGrpSpPr>
-      <p:grpSpPr>
-        <a:xfrm>
-          <a:off x="0" y="0"/>
-          <a:ext cx="0" cy="0"/>
-          <a:chOff x="0" y="0"/>
-          <a:chExt cx="0" cy="0"/>
-        </a:xfrm>
-      </p:grpSpPr>
-      <p:sp>
-        <p:nvSpPr>
-          <p:cNvPr id="2" name="Titel 1"/>
-          <p:cNvSpPr>
-            <a:spLocks noGrp="1"/>
-          </p:cNvSpPr>
-          <p:nvPr>
-            <p:ph type="title"/>
-          </p:nvPr>
-        </p:nvSpPr>
-        <p:spPr/>
-        <p:txBody>
-          <a:bodyPr/>
-          <a:lstStyle/>
-          <a:p>
-            <a:r>
-              <a:rPr lang="de-DE" dirty="0">
-                <a:solidFill>
-                  <a:schemeClr val="accent4"/>
-                </a:solidFill>
-              </a:rPr>
-              <a:t>Kommunikation </a:t>
-            </a:r>
-            <a:r>
-              <a:rPr lang="de-DE" dirty="0"/>
-              <a:t>zwischen Mensch und Maschine kann vielfältig erfolgen</a:t>
-            </a:r>
-            <a:endParaRPr lang="de-DE" dirty="0">
-              <a:solidFill>
-                <a:schemeClr val="accent4"/>
-              </a:solidFill>
-            </a:endParaRPr>
-          </a:p>
-        </p:txBody>
-      </p:sp>
-      <p:pic>
-        <p:nvPicPr>
-          <p:cNvPr id="4" name="Inhaltsplatzhalter 3"/>
-          <p:cNvPicPr>
-            <a:picLocks noChangeAspect="1"/>
-          </p:cNvPicPr>
-          <p:nvPr/>
-        </p:nvPicPr>
-        <p:blipFill>
-          <a:blip r:embed="rId3">
-            <a:extLst>
-              <a:ext uri="{28A0092B-C50C-407E-A947-70E740481C1C}">
-                <a14:useLocalDpi xmlns:a14="http://schemas.microsoft.com/office/drawing/2010/main" val="0"/>
-              </a:ext>
-            </a:extLst>
-          </a:blip>
-          <a:stretch>
-            <a:fillRect/>
-          </a:stretch>
-        </p:blipFill>
-        <p:spPr>
-          <a:xfrm>
-            <a:off x="11455398" y="0"/>
-            <a:ext cx="736601" cy="736601"/>
-          </a:xfrm>
-          <a:prstGeom prst="rect">
-            <a:avLst/>
-          </a:prstGeom>
-          <a:ln>
-            <a:noFill/>
-          </a:ln>
-        </p:spPr>
-      </p:pic>
-      <p:grpSp>
-        <p:nvGrpSpPr>
-          <p:cNvPr id="5" name="Gruppieren 4"/>
-          <p:cNvGrpSpPr/>
-          <p:nvPr/>
-        </p:nvGrpSpPr>
-        <p:grpSpPr>
-          <a:xfrm>
-            <a:off x="7724646" y="1396228"/>
-            <a:ext cx="3730752" cy="1229417"/>
-            <a:chOff x="1780032" y="1330903"/>
-            <a:chExt cx="3730752" cy="1229417"/>
-          </a:xfrm>
-        </p:grpSpPr>
-        <p:sp>
-          <p:nvSpPr>
-            <p:cNvPr id="6" name="Rechteck 5"/>
-            <p:cNvSpPr/>
-            <p:nvPr/>
-          </p:nvSpPr>
-          <p:spPr>
-            <a:xfrm>
-              <a:off x="1780032" y="1499917"/>
-              <a:ext cx="3730752" cy="1060403"/>
-            </a:xfrm>
-            <a:prstGeom prst="rect">
-              <a:avLst/>
-            </a:prstGeom>
-            <a:solidFill>
-              <a:schemeClr val="bg1"/>
-            </a:solidFill>
-          </p:spPr>
-          <p:style>
-            <a:lnRef idx="2">
-              <a:schemeClr val="accent1">
-                <a:shade val="50000"/>
-              </a:schemeClr>
-            </a:lnRef>
-            <a:fillRef idx="1">
-              <a:schemeClr val="accent1"/>
-            </a:fillRef>
-            <a:effectRef idx="0">
-              <a:schemeClr val="accent1"/>
-            </a:effectRef>
-            <a:fontRef idx="minor">
-              <a:schemeClr val="lt1"/>
-            </a:fontRef>
-          </p:style>
-          <p:txBody>
-            <a:bodyPr tIns="180000" rtlCol="0" anchor="t"/>
-            <a:lstStyle/>
-            <a:p>
-              <a:pPr marL="285750" indent="-285750">
-                <a:buFont typeface="Arial" panose="020B0604020202020204" pitchFamily="34" charset="0"/>
-                <a:buChar char="•"/>
-              </a:pPr>
-              <a:r>
-                <a:rPr lang="de-DE" dirty="0">
-                  <a:solidFill>
-                    <a:schemeClr val="tx1"/>
-                  </a:solidFill>
-                </a:rPr>
-                <a:t>Gruppiert Interaktionselemente</a:t>
-              </a:r>
-            </a:p>
-            <a:p>
-              <a:pPr marL="285750" indent="-285750">
-                <a:buFont typeface="Arial" panose="020B0604020202020204" pitchFamily="34" charset="0"/>
-                <a:buChar char="•"/>
-              </a:pPr>
-              <a:r>
-                <a:rPr lang="de-DE" dirty="0">
-                  <a:solidFill>
-                    <a:schemeClr val="tx1"/>
-                  </a:solidFill>
-                </a:rPr>
-                <a:t>Vielfältige Verwendung</a:t>
-              </a:r>
-            </a:p>
-          </p:txBody>
-        </p:sp>
-        <p:sp>
-          <p:nvSpPr>
-            <p:cNvPr id="7" name="Rechteck 6"/>
-            <p:cNvSpPr/>
-            <p:nvPr/>
-          </p:nvSpPr>
-          <p:spPr>
-            <a:xfrm>
-              <a:off x="1977040" y="1330903"/>
-              <a:ext cx="2148776" cy="338027"/>
-            </a:xfrm>
-            <a:prstGeom prst="rect">
-              <a:avLst/>
-            </a:prstGeom>
-            <a:solidFill>
-              <a:schemeClr val="bg1"/>
-            </a:solidFill>
-            <a:ln>
-              <a:noFill/>
-            </a:ln>
-          </p:spPr>
-          <p:style>
-            <a:lnRef idx="2">
-              <a:schemeClr val="accent1">
-                <a:shade val="50000"/>
-              </a:schemeClr>
-            </a:lnRef>
-            <a:fillRef idx="1">
-              <a:schemeClr val="accent1"/>
-            </a:fillRef>
-            <a:effectRef idx="0">
-              <a:schemeClr val="accent1"/>
-            </a:effectRef>
-            <a:fontRef idx="minor">
-              <a:schemeClr val="lt1"/>
-            </a:fontRef>
-          </p:style>
-          <p:txBody>
-            <a:bodyPr rtlCol="0" anchor="ctr"/>
-            <a:lstStyle/>
-            <a:p>
-              <a:r>
-                <a:rPr lang="de-DE" b="1" dirty="0">
-                  <a:solidFill>
-                    <a:schemeClr val="accent4"/>
-                  </a:solidFill>
-                </a:rPr>
-                <a:t>Formulare/Masken</a:t>
-              </a:r>
-            </a:p>
-          </p:txBody>
-        </p:sp>
-      </p:grpSp>
-      <p:grpSp>
-        <p:nvGrpSpPr>
-          <p:cNvPr id="8" name="Gruppieren 7"/>
-          <p:cNvGrpSpPr/>
-          <p:nvPr/>
-        </p:nvGrpSpPr>
-        <p:grpSpPr>
-          <a:xfrm>
-            <a:off x="7724646" y="2838531"/>
-            <a:ext cx="3730752" cy="1229417"/>
-            <a:chOff x="1780032" y="1330903"/>
-            <a:chExt cx="3730752" cy="1229417"/>
-          </a:xfrm>
-        </p:grpSpPr>
-        <p:sp>
-          <p:nvSpPr>
-            <p:cNvPr id="9" name="Rechteck 8"/>
-            <p:cNvSpPr/>
-            <p:nvPr/>
-          </p:nvSpPr>
-          <p:spPr>
-            <a:xfrm>
-              <a:off x="1780032" y="1499917"/>
-              <a:ext cx="3730752" cy="1060403"/>
-            </a:xfrm>
-            <a:prstGeom prst="rect">
-              <a:avLst/>
-            </a:prstGeom>
-            <a:solidFill>
-              <a:schemeClr val="bg1"/>
-            </a:solidFill>
-          </p:spPr>
-          <p:style>
-            <a:lnRef idx="2">
-              <a:schemeClr val="accent1">
-                <a:shade val="50000"/>
-              </a:schemeClr>
-            </a:lnRef>
-            <a:fillRef idx="1">
-              <a:schemeClr val="accent1"/>
-            </a:fillRef>
-            <a:effectRef idx="0">
-              <a:schemeClr val="accent1"/>
-            </a:effectRef>
-            <a:fontRef idx="minor">
-              <a:schemeClr val="lt1"/>
-            </a:fontRef>
-          </p:style>
-          <p:txBody>
-            <a:bodyPr tIns="180000" rtlCol="0" anchor="t"/>
-            <a:lstStyle/>
-            <a:p>
-              <a:pPr marL="285750" indent="-285750">
-                <a:buFont typeface="Arial" panose="020B0604020202020204" pitchFamily="34" charset="0"/>
-                <a:buChar char="•"/>
-              </a:pPr>
-              <a:r>
-                <a:rPr lang="de-DE" dirty="0">
-                  <a:solidFill>
-                    <a:schemeClr val="tx1"/>
-                  </a:solidFill>
-                </a:rPr>
-                <a:t>Abgegrenzter steuerbarer Bereich</a:t>
-              </a:r>
-            </a:p>
-          </p:txBody>
-        </p:sp>
-        <p:sp>
-          <p:nvSpPr>
-            <p:cNvPr id="10" name="Rechteck 9"/>
-            <p:cNvSpPr/>
-            <p:nvPr/>
-          </p:nvSpPr>
-          <p:spPr>
-            <a:xfrm>
-              <a:off x="1977040" y="1330903"/>
-              <a:ext cx="982717" cy="338027"/>
-            </a:xfrm>
-            <a:prstGeom prst="rect">
-              <a:avLst/>
-            </a:prstGeom>
-            <a:solidFill>
-              <a:schemeClr val="bg1"/>
-            </a:solidFill>
-            <a:ln>
-              <a:noFill/>
-            </a:ln>
-          </p:spPr>
-          <p:style>
-            <a:lnRef idx="2">
-              <a:schemeClr val="accent1">
-                <a:shade val="50000"/>
-              </a:schemeClr>
-            </a:lnRef>
-            <a:fillRef idx="1">
-              <a:schemeClr val="accent1"/>
-            </a:fillRef>
-            <a:effectRef idx="0">
-              <a:schemeClr val="accent1"/>
-            </a:effectRef>
-            <a:fontRef idx="minor">
-              <a:schemeClr val="lt1"/>
-            </a:fontRef>
-          </p:style>
-          <p:txBody>
-            <a:bodyPr rtlCol="0" anchor="ctr"/>
-            <a:lstStyle/>
-            <a:p>
-              <a:r>
-                <a:rPr lang="de-DE" b="1" dirty="0">
-                  <a:solidFill>
-                    <a:schemeClr val="accent4"/>
-                  </a:solidFill>
-                </a:rPr>
-                <a:t>Fenster</a:t>
-              </a:r>
-            </a:p>
-          </p:txBody>
-        </p:sp>
-      </p:grpSp>
-      <p:grpSp>
-        <p:nvGrpSpPr>
-          <p:cNvPr id="11" name="Gruppieren 10"/>
-          <p:cNvGrpSpPr/>
-          <p:nvPr/>
-        </p:nvGrpSpPr>
-        <p:grpSpPr>
-          <a:xfrm>
-            <a:off x="7724646" y="4283404"/>
-            <a:ext cx="3730752" cy="1229417"/>
-            <a:chOff x="1780032" y="1330903"/>
-            <a:chExt cx="3730752" cy="1229417"/>
-          </a:xfrm>
-        </p:grpSpPr>
-        <p:sp>
-          <p:nvSpPr>
-            <p:cNvPr id="12" name="Rechteck 11"/>
-            <p:cNvSpPr/>
-            <p:nvPr/>
-          </p:nvSpPr>
-          <p:spPr>
-            <a:xfrm>
-              <a:off x="1780032" y="1499917"/>
-              <a:ext cx="3730752" cy="1060403"/>
-            </a:xfrm>
-            <a:prstGeom prst="rect">
-              <a:avLst/>
-            </a:prstGeom>
-            <a:solidFill>
-              <a:schemeClr val="bg1"/>
-            </a:solidFill>
-          </p:spPr>
-          <p:style>
-            <a:lnRef idx="2">
-              <a:schemeClr val="accent1">
-                <a:shade val="50000"/>
-              </a:schemeClr>
-            </a:lnRef>
-            <a:fillRef idx="1">
-              <a:schemeClr val="accent1"/>
-            </a:fillRef>
-            <a:effectRef idx="0">
-              <a:schemeClr val="accent1"/>
-            </a:effectRef>
-            <a:fontRef idx="minor">
-              <a:schemeClr val="lt1"/>
-            </a:fontRef>
-          </p:style>
-          <p:txBody>
-            <a:bodyPr tIns="180000" rtlCol="0" anchor="t"/>
-            <a:lstStyle/>
-            <a:p>
-              <a:pPr marL="285750" indent="-285750">
-                <a:buFont typeface="Arial" panose="020B0604020202020204" pitchFamily="34" charset="0"/>
-                <a:buChar char="•"/>
-              </a:pPr>
-              <a:r>
-                <a:rPr lang="de-DE" dirty="0">
-                  <a:solidFill>
-                    <a:schemeClr val="tx1"/>
-                  </a:solidFill>
-                </a:rPr>
-                <a:t>Direkte Bearbeitung der Objekte</a:t>
-              </a:r>
-            </a:p>
-            <a:p>
-              <a:pPr marL="285750" indent="-285750">
-                <a:buFont typeface="Arial" panose="020B0604020202020204" pitchFamily="34" charset="0"/>
-                <a:buChar char="•"/>
-              </a:pPr>
-              <a:r>
-                <a:rPr lang="de-DE" dirty="0">
-                  <a:solidFill>
-                    <a:schemeClr val="tx1"/>
-                  </a:solidFill>
-                </a:rPr>
-                <a:t>Größe, Position verändern</a:t>
-              </a:r>
-            </a:p>
-          </p:txBody>
-        </p:sp>
-        <p:sp>
-          <p:nvSpPr>
-            <p:cNvPr id="13" name="Rechteck 12"/>
-            <p:cNvSpPr/>
-            <p:nvPr/>
-          </p:nvSpPr>
-          <p:spPr>
-            <a:xfrm>
-              <a:off x="1977040" y="1330903"/>
-              <a:ext cx="2401440" cy="338027"/>
-            </a:xfrm>
-            <a:prstGeom prst="rect">
-              <a:avLst/>
-            </a:prstGeom>
-            <a:solidFill>
-              <a:schemeClr val="bg1"/>
-            </a:solidFill>
-            <a:ln>
-              <a:noFill/>
-            </a:ln>
-          </p:spPr>
-          <p:style>
-            <a:lnRef idx="2">
-              <a:schemeClr val="accent1">
-                <a:shade val="50000"/>
-              </a:schemeClr>
-            </a:lnRef>
-            <a:fillRef idx="1">
-              <a:schemeClr val="accent1"/>
-            </a:fillRef>
-            <a:effectRef idx="0">
-              <a:schemeClr val="accent1"/>
-            </a:effectRef>
-            <a:fontRef idx="minor">
-              <a:schemeClr val="lt1"/>
-            </a:fontRef>
-          </p:style>
-          <p:txBody>
-            <a:bodyPr rtlCol="0" anchor="ctr"/>
-            <a:lstStyle/>
-            <a:p>
-              <a:r>
-                <a:rPr lang="de-DE" b="1" dirty="0">
-                  <a:solidFill>
-                    <a:schemeClr val="accent4"/>
-                  </a:solidFill>
-                </a:rPr>
-                <a:t>Direkte Manipulation</a:t>
-              </a:r>
-            </a:p>
-          </p:txBody>
-        </p:sp>
-      </p:grpSp>
-      <p:grpSp>
-        <p:nvGrpSpPr>
-          <p:cNvPr id="14" name="Gruppieren 13"/>
-          <p:cNvGrpSpPr/>
-          <p:nvPr/>
-        </p:nvGrpSpPr>
-        <p:grpSpPr>
-          <a:xfrm>
-            <a:off x="874713" y="1396228"/>
-            <a:ext cx="4934768" cy="1229417"/>
-            <a:chOff x="1780032" y="1330903"/>
-            <a:chExt cx="4934768" cy="1229417"/>
-          </a:xfrm>
-        </p:grpSpPr>
-        <p:sp>
-          <p:nvSpPr>
-            <p:cNvPr id="15" name="Rechteck 14"/>
-            <p:cNvSpPr/>
-            <p:nvPr/>
-          </p:nvSpPr>
-          <p:spPr>
-            <a:xfrm>
-              <a:off x="1780032" y="1499917"/>
-              <a:ext cx="4934768" cy="1060403"/>
-            </a:xfrm>
-            <a:prstGeom prst="rect">
-              <a:avLst/>
-            </a:prstGeom>
-            <a:solidFill>
-              <a:schemeClr val="bg1"/>
-            </a:solidFill>
-            <a:ln>
-              <a:solidFill>
-                <a:schemeClr val="accent6"/>
-              </a:solidFill>
-            </a:ln>
-          </p:spPr>
-          <p:style>
-            <a:lnRef idx="2">
-              <a:schemeClr val="accent1">
-                <a:shade val="50000"/>
-              </a:schemeClr>
-            </a:lnRef>
-            <a:fillRef idx="1">
-              <a:schemeClr val="accent1"/>
-            </a:fillRef>
-            <a:effectRef idx="0">
-              <a:schemeClr val="accent1"/>
-            </a:effectRef>
-            <a:fontRef idx="minor">
-              <a:schemeClr val="lt1"/>
-            </a:fontRef>
-          </p:style>
-          <p:txBody>
-            <a:bodyPr tIns="180000" rtlCol="0" anchor="t"/>
-            <a:lstStyle/>
-            <a:p>
-              <a:pPr marL="285750" indent="-285750">
-                <a:buFont typeface="Arial" panose="020B0604020202020204" pitchFamily="34" charset="0"/>
-                <a:buChar char="•"/>
-              </a:pPr>
-              <a:r>
-                <a:rPr lang="de-DE" dirty="0">
-                  <a:solidFill>
-                    <a:schemeClr val="tx1"/>
-                  </a:solidFill>
-                </a:rPr>
-                <a:t>Entsteht beim Lösen einer Aufgabe in Kooperation</a:t>
-              </a:r>
-            </a:p>
-            <a:p>
-              <a:pPr marL="285750" indent="-285750">
-                <a:buFont typeface="Arial" panose="020B0604020202020204" pitchFamily="34" charset="0"/>
-                <a:buChar char="•"/>
-              </a:pPr>
-              <a:r>
-                <a:rPr lang="de-DE" dirty="0">
-                  <a:solidFill>
-                    <a:schemeClr val="tx1"/>
-                  </a:solidFill>
-                </a:rPr>
-                <a:t>Es sind mehrere Schritte notwendig</a:t>
-              </a:r>
-            </a:p>
-          </p:txBody>
-        </p:sp>
-        <p:sp>
-          <p:nvSpPr>
-            <p:cNvPr id="16" name="Rechteck 15"/>
-            <p:cNvSpPr/>
-            <p:nvPr/>
-          </p:nvSpPr>
-          <p:spPr>
-            <a:xfrm>
-              <a:off x="1977039" y="1330903"/>
-              <a:ext cx="4198166" cy="338027"/>
-            </a:xfrm>
-            <a:prstGeom prst="rect">
-              <a:avLst/>
-            </a:prstGeom>
-            <a:solidFill>
-              <a:schemeClr val="bg1"/>
-            </a:solidFill>
-            <a:ln>
-              <a:noFill/>
-            </a:ln>
-          </p:spPr>
-          <p:style>
-            <a:lnRef idx="2">
-              <a:schemeClr val="accent1">
-                <a:shade val="50000"/>
-              </a:schemeClr>
-            </a:lnRef>
-            <a:fillRef idx="1">
-              <a:schemeClr val="accent1"/>
-            </a:fillRef>
-            <a:effectRef idx="0">
-              <a:schemeClr val="accent1"/>
-            </a:effectRef>
-            <a:fontRef idx="minor">
-              <a:schemeClr val="lt1"/>
-            </a:fontRef>
-          </p:style>
-          <p:txBody>
-            <a:bodyPr rtlCol="0" anchor="ctr"/>
-            <a:lstStyle/>
-            <a:p>
-              <a:r>
-                <a:rPr lang="de-DE" b="1" dirty="0">
-                  <a:solidFill>
-                    <a:schemeClr val="accent6"/>
-                  </a:solidFill>
-                </a:rPr>
-                <a:t>Dialog zwischen Mensch und Maschine</a:t>
-              </a:r>
-            </a:p>
-          </p:txBody>
-        </p:sp>
-      </p:grpSp>
-      <p:grpSp>
-        <p:nvGrpSpPr>
-          <p:cNvPr id="17" name="Gruppieren 16"/>
-          <p:cNvGrpSpPr/>
-          <p:nvPr/>
-        </p:nvGrpSpPr>
-        <p:grpSpPr>
-          <a:xfrm>
-            <a:off x="2078728" y="2838530"/>
-            <a:ext cx="3730752" cy="1229418"/>
-            <a:chOff x="1780032" y="1414270"/>
-            <a:chExt cx="3730752" cy="1229418"/>
-          </a:xfrm>
-        </p:grpSpPr>
-        <p:sp>
-          <p:nvSpPr>
-            <p:cNvPr id="18" name="Rechteck 17"/>
-            <p:cNvSpPr/>
-            <p:nvPr/>
-          </p:nvSpPr>
-          <p:spPr>
-            <a:xfrm>
-              <a:off x="1780032" y="1583285"/>
-              <a:ext cx="3730752" cy="1060403"/>
-            </a:xfrm>
-            <a:prstGeom prst="rect">
-              <a:avLst/>
-            </a:prstGeom>
-            <a:solidFill>
-              <a:schemeClr val="bg1"/>
-            </a:solidFill>
-          </p:spPr>
-          <p:style>
-            <a:lnRef idx="2">
-              <a:schemeClr val="accent1">
-                <a:shade val="50000"/>
-              </a:schemeClr>
-            </a:lnRef>
-            <a:fillRef idx="1">
-              <a:schemeClr val="accent1"/>
-            </a:fillRef>
-            <a:effectRef idx="0">
-              <a:schemeClr val="accent1"/>
-            </a:effectRef>
-            <a:fontRef idx="minor">
-              <a:schemeClr val="lt1"/>
-            </a:fontRef>
-          </p:style>
-          <p:txBody>
-            <a:bodyPr tIns="180000" rtlCol="0" anchor="t"/>
-            <a:lstStyle/>
-            <a:p>
-              <a:pPr marL="285750" indent="-285750">
-                <a:buFont typeface="Arial" panose="020B0604020202020204" pitchFamily="34" charset="0"/>
-                <a:buChar char="•"/>
-              </a:pPr>
-              <a:r>
-                <a:rPr lang="de-DE" dirty="0">
-                  <a:solidFill>
-                    <a:schemeClr val="tx1"/>
-                  </a:solidFill>
-                </a:rPr>
-                <a:t>Eingabe über Tastatur</a:t>
-              </a:r>
-            </a:p>
-            <a:p>
-              <a:pPr marL="285750" indent="-285750">
-                <a:buFont typeface="Arial" panose="020B0604020202020204" pitchFamily="34" charset="0"/>
-                <a:buChar char="•"/>
-              </a:pPr>
-              <a:r>
-                <a:rPr lang="de-DE" dirty="0">
-                  <a:solidFill>
-                    <a:schemeClr val="tx1"/>
-                  </a:solidFill>
-                </a:rPr>
-                <a:t>Mensch muss sich erinnern</a:t>
-              </a:r>
-            </a:p>
-            <a:p>
-              <a:pPr marL="285750" indent="-285750">
-                <a:buFont typeface="Arial" panose="020B0604020202020204" pitchFamily="34" charset="0"/>
-                <a:buChar char="•"/>
-              </a:pPr>
-              <a:r>
-                <a:rPr lang="de-DE" dirty="0">
-                  <a:solidFill>
-                    <a:schemeClr val="tx1"/>
-                  </a:solidFill>
-                </a:rPr>
-                <a:t>benutzerbestimmt</a:t>
-              </a:r>
-            </a:p>
-          </p:txBody>
-        </p:sp>
-        <p:sp>
-          <p:nvSpPr>
-            <p:cNvPr id="19" name="Rechteck 18"/>
-            <p:cNvSpPr/>
-            <p:nvPr/>
-          </p:nvSpPr>
-          <p:spPr>
-            <a:xfrm>
-              <a:off x="1977040" y="1414270"/>
-              <a:ext cx="1393834" cy="338027"/>
-            </a:xfrm>
-            <a:prstGeom prst="rect">
-              <a:avLst/>
-            </a:prstGeom>
-            <a:solidFill>
-              <a:schemeClr val="bg1"/>
-            </a:solidFill>
-            <a:ln>
-              <a:noFill/>
-            </a:ln>
-          </p:spPr>
-          <p:style>
-            <a:lnRef idx="2">
-              <a:schemeClr val="accent1">
-                <a:shade val="50000"/>
-              </a:schemeClr>
-            </a:lnRef>
-            <a:fillRef idx="1">
-              <a:schemeClr val="accent1"/>
-            </a:fillRef>
-            <a:effectRef idx="0">
-              <a:schemeClr val="accent1"/>
-            </a:effectRef>
-            <a:fontRef idx="minor">
-              <a:schemeClr val="lt1"/>
-            </a:fontRef>
-          </p:style>
-          <p:txBody>
-            <a:bodyPr rtlCol="0" anchor="ctr"/>
-            <a:lstStyle/>
-            <a:p>
-              <a:r>
-                <a:rPr lang="de-DE" b="1" dirty="0">
-                  <a:solidFill>
-                    <a:schemeClr val="accent4"/>
-                  </a:solidFill>
-                </a:rPr>
-                <a:t>Kommando</a:t>
-              </a:r>
-            </a:p>
-          </p:txBody>
-        </p:sp>
-      </p:grpSp>
-      <p:grpSp>
-        <p:nvGrpSpPr>
-          <p:cNvPr id="20" name="Gruppieren 19"/>
-          <p:cNvGrpSpPr/>
-          <p:nvPr/>
-        </p:nvGrpSpPr>
-        <p:grpSpPr>
-          <a:xfrm>
-            <a:off x="2078728" y="4283404"/>
-            <a:ext cx="3730752" cy="1229417"/>
-            <a:chOff x="1780032" y="1330903"/>
-            <a:chExt cx="3730752" cy="1229417"/>
-          </a:xfrm>
-        </p:grpSpPr>
-        <p:sp>
-          <p:nvSpPr>
-            <p:cNvPr id="21" name="Rechteck 20"/>
-            <p:cNvSpPr/>
-            <p:nvPr/>
-          </p:nvSpPr>
-          <p:spPr>
-            <a:xfrm>
-              <a:off x="1780032" y="1499917"/>
-              <a:ext cx="3730752" cy="1060403"/>
-            </a:xfrm>
-            <a:prstGeom prst="rect">
-              <a:avLst/>
-            </a:prstGeom>
-            <a:solidFill>
-              <a:schemeClr val="bg1"/>
-            </a:solidFill>
-          </p:spPr>
-          <p:style>
-            <a:lnRef idx="2">
-              <a:schemeClr val="accent1">
-                <a:shade val="50000"/>
-              </a:schemeClr>
-            </a:lnRef>
-            <a:fillRef idx="1">
-              <a:schemeClr val="accent1"/>
-            </a:fillRef>
-            <a:effectRef idx="0">
-              <a:schemeClr val="accent1"/>
-            </a:effectRef>
-            <a:fontRef idx="minor">
-              <a:schemeClr val="lt1"/>
-            </a:fontRef>
-          </p:style>
-          <p:txBody>
-            <a:bodyPr tIns="180000" rtlCol="0" anchor="t"/>
-            <a:lstStyle/>
-            <a:p>
-              <a:pPr marL="285750" indent="-285750">
-                <a:buFont typeface="Arial" panose="020B0604020202020204" pitchFamily="34" charset="0"/>
-                <a:buChar char="•"/>
-              </a:pPr>
-              <a:r>
-                <a:rPr lang="de-DE" sz="1600" dirty="0">
-                  <a:solidFill>
-                    <a:schemeClr val="tx1"/>
-                  </a:solidFill>
-                </a:rPr>
-                <a:t>Sortierte Kommandos in Liste</a:t>
-              </a:r>
-            </a:p>
-            <a:p>
-              <a:pPr marL="285750" indent="-285750">
-                <a:buFont typeface="Arial" panose="020B0604020202020204" pitchFamily="34" charset="0"/>
-                <a:buChar char="•"/>
-              </a:pPr>
-              <a:r>
-                <a:rPr lang="de-DE" sz="1600" dirty="0">
-                  <a:solidFill>
-                    <a:schemeClr val="tx1"/>
-                  </a:solidFill>
-                </a:rPr>
-                <a:t>Auswahl durch Nutzer</a:t>
-              </a:r>
-            </a:p>
-            <a:p>
-              <a:pPr marL="285750" indent="-285750">
-                <a:buFont typeface="Arial" panose="020B0604020202020204" pitchFamily="34" charset="0"/>
-                <a:buChar char="•"/>
-              </a:pPr>
-              <a:r>
-                <a:rPr lang="de-DE" sz="1600" dirty="0">
-                  <a:solidFill>
-                    <a:schemeClr val="tx1"/>
-                  </a:solidFill>
-                </a:rPr>
-                <a:t>Statisches Menü: systembestimmt</a:t>
-              </a:r>
-            </a:p>
-          </p:txBody>
-        </p:sp>
-        <p:sp>
-          <p:nvSpPr>
-            <p:cNvPr id="22" name="Rechteck 21"/>
-            <p:cNvSpPr/>
-            <p:nvPr/>
-          </p:nvSpPr>
-          <p:spPr>
-            <a:xfrm>
-              <a:off x="1977040" y="1330903"/>
-              <a:ext cx="804287" cy="338027"/>
-            </a:xfrm>
-            <a:prstGeom prst="rect">
-              <a:avLst/>
-            </a:prstGeom>
-            <a:solidFill>
-              <a:schemeClr val="bg1"/>
-            </a:solidFill>
-            <a:ln>
-              <a:noFill/>
-            </a:ln>
-          </p:spPr>
-          <p:style>
-            <a:lnRef idx="2">
-              <a:schemeClr val="accent1">
-                <a:shade val="50000"/>
-              </a:schemeClr>
-            </a:lnRef>
-            <a:fillRef idx="1">
-              <a:schemeClr val="accent1"/>
-            </a:fillRef>
-            <a:effectRef idx="0">
-              <a:schemeClr val="accent1"/>
-            </a:effectRef>
-            <a:fontRef idx="minor">
-              <a:schemeClr val="lt1"/>
-            </a:fontRef>
-          </p:style>
-          <p:txBody>
-            <a:bodyPr rtlCol="0" anchor="ctr"/>
-            <a:lstStyle/>
-            <a:p>
-              <a:r>
-                <a:rPr lang="de-DE" b="1" dirty="0">
-                  <a:solidFill>
-                    <a:schemeClr val="accent4"/>
-                  </a:solidFill>
-                </a:rPr>
-                <a:t>Menü</a:t>
-              </a:r>
-            </a:p>
-          </p:txBody>
-        </p:sp>
-      </p:grpSp>
-      <p:pic>
-        <p:nvPicPr>
-          <p:cNvPr id="23" name="Grafik 22"/>
-          <p:cNvPicPr>
-            <a:picLocks noChangeAspect="1"/>
-          </p:cNvPicPr>
-          <p:nvPr/>
-        </p:nvPicPr>
-        <p:blipFill>
-          <a:blip r:embed="rId4">
-            <a:extLst>
-              <a:ext uri="{28A0092B-C50C-407E-A947-70E740481C1C}">
-                <a14:useLocalDpi xmlns:a14="http://schemas.microsoft.com/office/drawing/2010/main" val="0"/>
-              </a:ext>
-            </a:extLst>
-          </a:blip>
-          <a:stretch>
-            <a:fillRect/>
-          </a:stretch>
-        </p:blipFill>
-        <p:spPr>
-          <a:xfrm>
-            <a:off x="1071720" y="4577619"/>
-            <a:ext cx="810000" cy="810000"/>
-          </a:xfrm>
-          <a:prstGeom prst="rect">
-            <a:avLst/>
-          </a:prstGeom>
-        </p:spPr>
-      </p:pic>
-      <p:pic>
-        <p:nvPicPr>
-          <p:cNvPr id="24" name="Grafik 23"/>
-          <p:cNvPicPr>
-            <a:picLocks noChangeAspect="1"/>
-          </p:cNvPicPr>
-          <p:nvPr/>
-        </p:nvPicPr>
-        <p:blipFill>
-          <a:blip r:embed="rId5">
-            <a:extLst>
-              <a:ext uri="{28A0092B-C50C-407E-A947-70E740481C1C}">
-                <a14:useLocalDpi xmlns:a14="http://schemas.microsoft.com/office/drawing/2010/main" val="0"/>
-              </a:ext>
-            </a:extLst>
-          </a:blip>
-          <a:stretch>
-            <a:fillRect/>
-          </a:stretch>
-        </p:blipFill>
-        <p:spPr>
-          <a:xfrm>
-            <a:off x="6720020" y="1690443"/>
-            <a:ext cx="810000" cy="810000"/>
-          </a:xfrm>
-          <a:prstGeom prst="rect">
-            <a:avLst/>
-          </a:prstGeom>
-        </p:spPr>
-      </p:pic>
-      <p:pic>
-        <p:nvPicPr>
-          <p:cNvPr id="27" name="Grafik 26"/>
-          <p:cNvPicPr>
-            <a:picLocks noChangeAspect="1"/>
-          </p:cNvPicPr>
-          <p:nvPr/>
-        </p:nvPicPr>
-        <p:blipFill>
-          <a:blip r:embed="rId6">
-            <a:extLst>
-              <a:ext uri="{28A0092B-C50C-407E-A947-70E740481C1C}">
-                <a14:useLocalDpi xmlns:a14="http://schemas.microsoft.com/office/drawing/2010/main" val="0"/>
-              </a:ext>
-            </a:extLst>
-          </a:blip>
-          <a:stretch>
-            <a:fillRect/>
-          </a:stretch>
-        </p:blipFill>
-        <p:spPr>
-          <a:xfrm>
-            <a:off x="6720020" y="3132746"/>
-            <a:ext cx="810000" cy="810000"/>
-          </a:xfrm>
-          <a:prstGeom prst="rect">
-            <a:avLst/>
-          </a:prstGeom>
-        </p:spPr>
-      </p:pic>
-      <p:pic>
-        <p:nvPicPr>
-          <p:cNvPr id="29" name="Grafik 28"/>
-          <p:cNvPicPr>
-            <a:picLocks noChangeAspect="1"/>
-          </p:cNvPicPr>
-          <p:nvPr/>
-        </p:nvPicPr>
-        <p:blipFill>
-          <a:blip r:embed="rId7">
-            <a:extLst>
-              <a:ext uri="{28A0092B-C50C-407E-A947-70E740481C1C}">
-                <a14:useLocalDpi xmlns:a14="http://schemas.microsoft.com/office/drawing/2010/main" val="0"/>
-              </a:ext>
-            </a:extLst>
-          </a:blip>
-          <a:stretch>
-            <a:fillRect/>
-          </a:stretch>
-        </p:blipFill>
-        <p:spPr>
-          <a:xfrm>
-            <a:off x="6720020" y="4577619"/>
-            <a:ext cx="810000" cy="810000"/>
-          </a:xfrm>
-          <a:prstGeom prst="rect">
-            <a:avLst/>
-          </a:prstGeom>
-        </p:spPr>
-      </p:pic>
-      <p:pic>
-        <p:nvPicPr>
-          <p:cNvPr id="30" name="Grafik 29"/>
-          <p:cNvPicPr>
-            <a:picLocks noChangeAspect="1"/>
-          </p:cNvPicPr>
-          <p:nvPr/>
-        </p:nvPicPr>
-        <p:blipFill>
-          <a:blip r:embed="rId8">
-            <a:extLst>
-              <a:ext uri="{28A0092B-C50C-407E-A947-70E740481C1C}">
-                <a14:useLocalDpi xmlns:a14="http://schemas.microsoft.com/office/drawing/2010/main" val="0"/>
-              </a:ext>
-            </a:extLst>
-          </a:blip>
-          <a:stretch>
-            <a:fillRect/>
-          </a:stretch>
-        </p:blipFill>
-        <p:spPr>
-          <a:xfrm>
-            <a:off x="1071720" y="3132746"/>
-            <a:ext cx="810000" cy="810000"/>
-          </a:xfrm>
-          <a:prstGeom prst="rect">
-            <a:avLst/>
-          </a:prstGeom>
-        </p:spPr>
-      </p:pic>
-    </p:spTree>
-    <p:extLst>
-      <p:ext uri="{BB962C8B-B14F-4D97-AF65-F5344CB8AC3E}">
-        <p14:creationId xmlns:p14="http://schemas.microsoft.com/office/powerpoint/2010/main" val="3130155260"/>
-      </p:ext>
-    </p:extLst>
-  </p:cSld>
-  <p:clrMapOvr>
-    <a:masterClrMapping/>
-  </p:clrMapOvr>
-  <p:timing>
-    <p:tnLst>
-      <p:par>
-        <p:cTn id="1" dur="indefinite" restart="never" nodeType="tmRoot"/>
-      </p:par>
-    </p:tnLst>
-  </p:timing>
 </p:sld>
 </file>
 
@@ -16902,7 +17169,7 @@
           <p:cNvPr id="2" name="Titel 1">
             <a:extLst>
               <a:ext uri="{FF2B5EF4-FFF2-40B4-BE49-F238E27FC236}">
-                <a16:creationId xmlns:a16="http://schemas.microsoft.com/office/drawing/2014/main" xmlns="" id="{061E505A-8173-1347-AE02-C6C2BDD420BB}"/>
+                <a16:creationId xmlns:a16="http://schemas.microsoft.com/office/drawing/2014/main" id="{061E505A-8173-1347-AE02-C6C2BDD420BB}"/>
               </a:ext>
             </a:extLst>
           </p:cNvPr>
@@ -16920,7 +17187,7 @@
           <a:p>
             <a:r>
               <a:rPr lang="de-DE" dirty="0"/>
-              <a:t>Agenda</a:t>
+              <a:t>Agenda: Was ist zu tun, um den Nutzer sinnvoll bei der Lösung des Problems zu helfen?</a:t>
             </a:r>
           </a:p>
         </p:txBody>
@@ -16930,7 +17197,7 @@
           <p:cNvPr id="6" name="Rechteck 5">
             <a:extLst>
               <a:ext uri="{FF2B5EF4-FFF2-40B4-BE49-F238E27FC236}">
-                <a16:creationId xmlns:a16="http://schemas.microsoft.com/office/drawing/2014/main" xmlns="" id="{4F68B8E9-417E-0141-AE27-E298ED29929C}"/>
+                <a16:creationId xmlns:a16="http://schemas.microsoft.com/office/drawing/2014/main" id="{4F68B8E9-417E-0141-AE27-E298ED29929C}"/>
               </a:ext>
             </a:extLst>
           </p:cNvPr>
@@ -16988,7 +17255,7 @@
           <p:cNvPr id="7" name="Rechteck 6">
             <a:extLst>
               <a:ext uri="{FF2B5EF4-FFF2-40B4-BE49-F238E27FC236}">
-                <a16:creationId xmlns:a16="http://schemas.microsoft.com/office/drawing/2014/main" xmlns="" id="{4F68B8E9-417E-0141-AE27-E298ED29929C}"/>
+                <a16:creationId xmlns:a16="http://schemas.microsoft.com/office/drawing/2014/main" id="{4F68B8E9-417E-0141-AE27-E298ED29929C}"/>
               </a:ext>
             </a:extLst>
           </p:cNvPr>
@@ -17046,7 +17313,7 @@
           <p:cNvPr id="8" name="Rechteck 7">
             <a:extLst>
               <a:ext uri="{FF2B5EF4-FFF2-40B4-BE49-F238E27FC236}">
-                <a16:creationId xmlns:a16="http://schemas.microsoft.com/office/drawing/2014/main" xmlns="" id="{4F68B8E9-417E-0141-AE27-E298ED29929C}"/>
+                <a16:creationId xmlns:a16="http://schemas.microsoft.com/office/drawing/2014/main" id="{4F68B8E9-417E-0141-AE27-E298ED29929C}"/>
               </a:ext>
             </a:extLst>
           </p:cNvPr>
@@ -17104,7 +17371,7 @@
           <p:cNvPr id="9" name="Rechteck 8">
             <a:extLst>
               <a:ext uri="{FF2B5EF4-FFF2-40B4-BE49-F238E27FC236}">
-                <a16:creationId xmlns:a16="http://schemas.microsoft.com/office/drawing/2014/main" xmlns="" id="{4F68B8E9-417E-0141-AE27-E298ED29929C}"/>
+                <a16:creationId xmlns:a16="http://schemas.microsoft.com/office/drawing/2014/main" id="{4F68B8E9-417E-0141-AE27-E298ED29929C}"/>
               </a:ext>
             </a:extLst>
           </p:cNvPr>
@@ -17162,7 +17429,7 @@
           <p:cNvPr id="10" name="Rechteck 9">
             <a:extLst>
               <a:ext uri="{FF2B5EF4-FFF2-40B4-BE49-F238E27FC236}">
-                <a16:creationId xmlns:a16="http://schemas.microsoft.com/office/drawing/2014/main" xmlns="" id="{4F68B8E9-417E-0141-AE27-E298ED29929C}"/>
+                <a16:creationId xmlns:a16="http://schemas.microsoft.com/office/drawing/2014/main" id="{4F68B8E9-417E-0141-AE27-E298ED29929C}"/>
               </a:ext>
             </a:extLst>
           </p:cNvPr>
@@ -17385,74 +17652,10 @@
       </p:cxnSp>
       <p:sp>
         <p:nvSpPr>
-          <p:cNvPr id="21" name="Rechteck 20">
-            <a:extLst>
-              <a:ext uri="{FF2B5EF4-FFF2-40B4-BE49-F238E27FC236}">
-                <a16:creationId xmlns:a16="http://schemas.microsoft.com/office/drawing/2014/main" xmlns="" id="{4F68B8E9-417E-0141-AE27-E298ED29929C}"/>
-              </a:ext>
-            </a:extLst>
-          </p:cNvPr>
-          <p:cNvSpPr/>
-          <p:nvPr/>
-        </p:nvSpPr>
-        <p:spPr>
-          <a:xfrm>
-            <a:off x="9833083" y="2241121"/>
-            <a:ext cx="1661224" cy="1333263"/>
-          </a:xfrm>
-          <a:prstGeom prst="rect">
-            <a:avLst/>
-          </a:prstGeom>
-          <a:solidFill>
-            <a:schemeClr val="bg1"/>
-          </a:solidFill>
-          <a:ln>
-            <a:solidFill>
-              <a:schemeClr val="accent4"/>
-            </a:solidFill>
-          </a:ln>
-        </p:spPr>
-        <p:style>
-          <a:lnRef idx="2">
-            <a:schemeClr val="accent1">
-              <a:shade val="50000"/>
-            </a:schemeClr>
-          </a:lnRef>
-          <a:fillRef idx="1">
-            <a:schemeClr val="accent1"/>
-          </a:fillRef>
-          <a:effectRef idx="0">
-            <a:schemeClr val="accent1"/>
-          </a:effectRef>
-          <a:fontRef idx="minor">
-            <a:schemeClr val="lt1"/>
-          </a:fontRef>
-        </p:style>
-        <p:txBody>
-          <a:bodyPr tIns="180000" rtlCol="0" anchor="t"/>
-          <a:lstStyle/>
-          <a:p>
-            <a:pPr marL="285750" indent="-285750">
-              <a:buFont typeface="Arial" panose="020B0604020202020204" pitchFamily="34" charset="0"/>
-              <a:buChar char="•"/>
-            </a:pPr>
-            <a:r>
-              <a:rPr lang="de-DE" dirty="0">
-                <a:solidFill>
-                  <a:schemeClr val="tx1"/>
-                </a:solidFill>
-              </a:rPr>
-              <a:t>Glücklicher Nutzer (Bild)</a:t>
-            </a:r>
-          </a:p>
-        </p:txBody>
-      </p:sp>
-      <p:sp>
-        <p:nvSpPr>
           <p:cNvPr id="17" name="Oval 52">
             <a:extLst>
               <a:ext uri="{FF2B5EF4-FFF2-40B4-BE49-F238E27FC236}">
-                <a16:creationId xmlns:a16="http://schemas.microsoft.com/office/drawing/2014/main" xmlns="" id="{A7F525C7-2BB3-7741-BE0A-A91605F6B414}"/>
+                <a16:creationId xmlns:a16="http://schemas.microsoft.com/office/drawing/2014/main" id="{A7F525C7-2BB3-7741-BE0A-A91605F6B414}"/>
               </a:ext>
             </a:extLst>
           </p:cNvPr>
@@ -17504,7 +17707,7 @@
           <p:cNvPr id="22" name="Oval 54">
             <a:extLst>
               <a:ext uri="{FF2B5EF4-FFF2-40B4-BE49-F238E27FC236}">
-                <a16:creationId xmlns:a16="http://schemas.microsoft.com/office/drawing/2014/main" xmlns="" id="{A65E12B4-4201-2148-B5CA-CF3C353E009F}"/>
+                <a16:creationId xmlns:a16="http://schemas.microsoft.com/office/drawing/2014/main" id="{A65E12B4-4201-2148-B5CA-CF3C353E009F}"/>
               </a:ext>
             </a:extLst>
           </p:cNvPr>
@@ -17558,7 +17761,7 @@
               <p14:cNvPr id="23" name="Freihand 22">
                 <a:extLst>
                   <a:ext uri="{FF2B5EF4-FFF2-40B4-BE49-F238E27FC236}">
-                    <a16:creationId xmlns:a16="http://schemas.microsoft.com/office/drawing/2014/main" xmlns="" id="{5B3C06F8-598F-844F-A3A1-C175A796CC1F}"/>
+                    <a16:creationId xmlns:a16="http://schemas.microsoft.com/office/drawing/2014/main" id="{5B3C06F8-598F-844F-A3A1-C175A796CC1F}"/>
                   </a:ext>
                 </a:extLst>
               </p14:cNvPr>
@@ -17609,7 +17812,7 @@
               <p14:cNvPr id="24" name="Freihand 23">
                 <a:extLst>
                   <a:ext uri="{FF2B5EF4-FFF2-40B4-BE49-F238E27FC236}">
-                    <a16:creationId xmlns:a16="http://schemas.microsoft.com/office/drawing/2014/main" xmlns="" id="{082C1878-4FC7-A046-A15C-155DA5A4994F}"/>
+                    <a16:creationId xmlns:a16="http://schemas.microsoft.com/office/drawing/2014/main" id="{082C1878-4FC7-A046-A15C-155DA5A4994F}"/>
                   </a:ext>
                 </a:extLst>
               </p14:cNvPr>
@@ -17660,7 +17863,7 @@
               <p14:cNvPr id="25" name="Freihand 24">
                 <a:extLst>
                   <a:ext uri="{FF2B5EF4-FFF2-40B4-BE49-F238E27FC236}">
-                    <a16:creationId xmlns:a16="http://schemas.microsoft.com/office/drawing/2014/main" xmlns="" id="{4493D0F5-C439-AB47-A7AB-C5899EB6F429}"/>
+                    <a16:creationId xmlns:a16="http://schemas.microsoft.com/office/drawing/2014/main" id="{4493D0F5-C439-AB47-A7AB-C5899EB6F429}"/>
                   </a:ext>
                 </a:extLst>
               </p14:cNvPr>
@@ -17711,7 +17914,7 @@
               <p14:cNvPr id="26" name="Freihand 25">
                 <a:extLst>
                   <a:ext uri="{FF2B5EF4-FFF2-40B4-BE49-F238E27FC236}">
-                    <a16:creationId xmlns:a16="http://schemas.microsoft.com/office/drawing/2014/main" xmlns="" id="{748AF862-0F58-C846-9997-89FE1E796ACE}"/>
+                    <a16:creationId xmlns:a16="http://schemas.microsoft.com/office/drawing/2014/main" id="{748AF862-0F58-C846-9997-89FE1E796ACE}"/>
                   </a:ext>
                 </a:extLst>
               </p14:cNvPr>
@@ -17760,7 +17963,7 @@
           <p:cNvPr id="27" name="Textfeld 26">
             <a:extLst>
               <a:ext uri="{FF2B5EF4-FFF2-40B4-BE49-F238E27FC236}">
-                <a16:creationId xmlns:a16="http://schemas.microsoft.com/office/drawing/2014/main" xmlns="" id="{78AA0267-66A5-6246-A3BD-117F333C6256}"/>
+                <a16:creationId xmlns:a16="http://schemas.microsoft.com/office/drawing/2014/main" id="{78AA0267-66A5-6246-A3BD-117F333C6256}"/>
               </a:ext>
             </a:extLst>
           </p:cNvPr>
@@ -17784,7 +17987,15 @@
           <a:lstStyle/>
           <a:p>
             <a:r>
-              <a:rPr lang="de-DE" sz="4800" b="1" dirty="0"/>
+              <a:rPr lang="de-DE" sz="4800" b="1" dirty="0">
+                <a:ln w="22225">
+                  <a:solidFill>
+                    <a:srgbClr val="000000"/>
+                  </a:solidFill>
+                  <a:prstDash val="solid"/>
+                </a:ln>
+                <a:noFill/>
+              </a:rPr>
               <a:t>?</a:t>
             </a:r>
           </a:p>
@@ -17795,7 +18006,7 @@
           <p:cNvPr id="28" name="Oval 53">
             <a:extLst>
               <a:ext uri="{FF2B5EF4-FFF2-40B4-BE49-F238E27FC236}">
-                <a16:creationId xmlns:a16="http://schemas.microsoft.com/office/drawing/2014/main" xmlns="" id="{7A84F289-E89F-8342-8791-347A0E4F5BF9}"/>
+                <a16:creationId xmlns:a16="http://schemas.microsoft.com/office/drawing/2014/main" id="{7A84F289-E89F-8342-8791-347A0E4F5BF9}"/>
               </a:ext>
             </a:extLst>
           </p:cNvPr>
@@ -17902,6 +18113,492 @@
           </a:p>
         </p:txBody>
       </p:sp>
+      <p:grpSp>
+        <p:nvGrpSpPr>
+          <p:cNvPr id="29" name="Gruppieren 28">
+            <a:extLst>
+              <a:ext uri="{FF2B5EF4-FFF2-40B4-BE49-F238E27FC236}">
+                <a16:creationId xmlns:a16="http://schemas.microsoft.com/office/drawing/2014/main" id="{A77C338F-8650-384E-BB9C-FC6D06C49338}"/>
+              </a:ext>
+            </a:extLst>
+          </p:cNvPr>
+          <p:cNvGrpSpPr/>
+          <p:nvPr/>
+        </p:nvGrpSpPr>
+        <p:grpSpPr>
+          <a:xfrm>
+            <a:off x="10904374" y="2366806"/>
+            <a:ext cx="810070" cy="810070"/>
+            <a:chOff x="871314" y="3149131"/>
+            <a:chExt cx="810070" cy="810070"/>
+          </a:xfrm>
+        </p:grpSpPr>
+        <p:pic>
+          <p:nvPicPr>
+            <p:cNvPr id="30" name="Grafik 29">
+              <a:extLst>
+                <a:ext uri="{FF2B5EF4-FFF2-40B4-BE49-F238E27FC236}">
+                  <a16:creationId xmlns:a16="http://schemas.microsoft.com/office/drawing/2014/main" id="{EEDB8AC1-EF26-5F44-857F-1DB38F280D1D}"/>
+                </a:ext>
+              </a:extLst>
+            </p:cNvPr>
+            <p:cNvPicPr>
+              <a:picLocks noChangeAspect="1"/>
+            </p:cNvPicPr>
+            <p:nvPr/>
+          </p:nvPicPr>
+          <p:blipFill>
+            <a:blip r:embed="rId11">
+              <a:extLst>
+                <a:ext uri="{28A0092B-C50C-407E-A947-70E740481C1C}">
+                  <a14:useLocalDpi xmlns:a14="http://schemas.microsoft.com/office/drawing/2010/main" val="0"/>
+                </a:ext>
+              </a:extLst>
+            </a:blip>
+            <a:stretch>
+              <a:fillRect/>
+            </a:stretch>
+          </p:blipFill>
+          <p:spPr>
+            <a:xfrm rot="5198650">
+              <a:off x="871314" y="3149131"/>
+              <a:ext cx="810070" cy="810070"/>
+            </a:xfrm>
+            <a:prstGeom prst="rect">
+              <a:avLst/>
+            </a:prstGeom>
+          </p:spPr>
+        </p:pic>
+        <p:pic>
+          <p:nvPicPr>
+            <p:cNvPr id="31" name="Inhaltsplatzhalter 3">
+              <a:extLst>
+                <a:ext uri="{FF2B5EF4-FFF2-40B4-BE49-F238E27FC236}">
+                  <a16:creationId xmlns:a16="http://schemas.microsoft.com/office/drawing/2014/main" id="{14BB9544-174D-9A43-B0BF-1A3507EFFEFE}"/>
+                </a:ext>
+              </a:extLst>
+            </p:cNvPr>
+            <p:cNvPicPr>
+              <a:picLocks noChangeAspect="1"/>
+            </p:cNvPicPr>
+            <p:nvPr/>
+          </p:nvPicPr>
+          <p:blipFill>
+            <a:blip r:embed="rId12" cstate="print">
+              <a:extLst>
+                <a:ext uri="{28A0092B-C50C-407E-A947-70E740481C1C}">
+                  <a14:useLocalDpi xmlns:a14="http://schemas.microsoft.com/office/drawing/2010/main" val="0"/>
+                </a:ext>
+              </a:extLst>
+            </a:blip>
+            <a:stretch>
+              <a:fillRect/>
+            </a:stretch>
+          </p:blipFill>
+          <p:spPr>
+            <a:xfrm rot="21373781">
+              <a:off x="1005188" y="3309074"/>
+              <a:ext cx="589210" cy="486092"/>
+            </a:xfrm>
+            <a:prstGeom prst="rect">
+              <a:avLst/>
+            </a:prstGeom>
+            <a:ln>
+              <a:noFill/>
+            </a:ln>
+          </p:spPr>
+        </p:pic>
+      </p:grpSp>
+      <p:sp>
+        <p:nvSpPr>
+          <p:cNvPr id="32" name="Oval 52">
+            <a:extLst>
+              <a:ext uri="{FF2B5EF4-FFF2-40B4-BE49-F238E27FC236}">
+                <a16:creationId xmlns:a16="http://schemas.microsoft.com/office/drawing/2014/main" id="{ED3A9451-5C13-454B-ACB8-D489D0C7D4AB}"/>
+              </a:ext>
+            </a:extLst>
+          </p:cNvPr>
+          <p:cNvSpPr/>
+          <p:nvPr/>
+        </p:nvSpPr>
+        <p:spPr>
+          <a:xfrm>
+            <a:off x="9875259" y="1956940"/>
+            <a:ext cx="631371" cy="544912"/>
+          </a:xfrm>
+          <a:prstGeom prst="ellipse">
+            <a:avLst/>
+          </a:prstGeom>
+          <a:noFill/>
+          <a:ln w="19050">
+            <a:solidFill>
+              <a:srgbClr val="000000"/>
+            </a:solidFill>
+          </a:ln>
+        </p:spPr>
+        <p:style>
+          <a:lnRef idx="2">
+            <a:schemeClr val="accent1">
+              <a:shade val="50000"/>
+            </a:schemeClr>
+          </a:lnRef>
+          <a:fillRef idx="1">
+            <a:schemeClr val="accent1"/>
+          </a:fillRef>
+          <a:effectRef idx="0">
+            <a:schemeClr val="accent1"/>
+          </a:effectRef>
+          <a:fontRef idx="minor">
+            <a:schemeClr val="lt1"/>
+          </a:fontRef>
+        </p:style>
+        <p:txBody>
+          <a:bodyPr rtlCol="0" anchor="ctr"/>
+          <a:lstStyle/>
+          <a:p>
+            <a:pPr algn="ctr"/>
+            <a:endParaRPr lang="de-DE" dirty="0"/>
+          </a:p>
+        </p:txBody>
+      </p:sp>
+      <p:sp>
+        <p:nvSpPr>
+          <p:cNvPr id="33" name="Oval 53">
+            <a:extLst>
+              <a:ext uri="{FF2B5EF4-FFF2-40B4-BE49-F238E27FC236}">
+                <a16:creationId xmlns:a16="http://schemas.microsoft.com/office/drawing/2014/main" id="{EDFE795A-2C1F-CD4C-AA8A-86578AF55D7B}"/>
+              </a:ext>
+            </a:extLst>
+          </p:cNvPr>
+          <p:cNvSpPr/>
+          <p:nvPr/>
+        </p:nvSpPr>
+        <p:spPr>
+          <a:xfrm>
+            <a:off x="9439832" y="4174959"/>
+            <a:ext cx="402771" cy="206828"/>
+          </a:xfrm>
+          <a:prstGeom prst="ellipse">
+            <a:avLst/>
+          </a:prstGeom>
+          <a:noFill/>
+          <a:ln w="19050">
+            <a:solidFill>
+              <a:srgbClr val="000000"/>
+            </a:solidFill>
+          </a:ln>
+        </p:spPr>
+        <p:style>
+          <a:lnRef idx="2">
+            <a:schemeClr val="accent1">
+              <a:shade val="50000"/>
+            </a:schemeClr>
+          </a:lnRef>
+          <a:fillRef idx="1">
+            <a:schemeClr val="accent1"/>
+          </a:fillRef>
+          <a:effectRef idx="0">
+            <a:schemeClr val="accent1"/>
+          </a:effectRef>
+          <a:fontRef idx="minor">
+            <a:schemeClr val="lt1"/>
+          </a:fontRef>
+        </p:style>
+        <p:txBody>
+          <a:bodyPr rtlCol="0" anchor="ctr"/>
+          <a:lstStyle/>
+          <a:p>
+            <a:pPr algn="ctr"/>
+            <a:endParaRPr lang="de-DE" dirty="0"/>
+          </a:p>
+        </p:txBody>
+      </p:sp>
+      <p:sp>
+        <p:nvSpPr>
+          <p:cNvPr id="34" name="Oval 54">
+            <a:extLst>
+              <a:ext uri="{FF2B5EF4-FFF2-40B4-BE49-F238E27FC236}">
+                <a16:creationId xmlns:a16="http://schemas.microsoft.com/office/drawing/2014/main" id="{A555FAF6-FE8E-544C-A0F3-A5D90DFF709F}"/>
+              </a:ext>
+            </a:extLst>
+          </p:cNvPr>
+          <p:cNvSpPr/>
+          <p:nvPr/>
+        </p:nvSpPr>
+        <p:spPr>
+          <a:xfrm>
+            <a:off x="10659033" y="4127053"/>
+            <a:ext cx="402772" cy="206828"/>
+          </a:xfrm>
+          <a:prstGeom prst="ellipse">
+            <a:avLst/>
+          </a:prstGeom>
+          <a:noFill/>
+          <a:ln w="19050">
+            <a:solidFill>
+              <a:srgbClr val="000000"/>
+            </a:solidFill>
+          </a:ln>
+        </p:spPr>
+        <p:style>
+          <a:lnRef idx="2">
+            <a:schemeClr val="accent1">
+              <a:shade val="50000"/>
+            </a:schemeClr>
+          </a:lnRef>
+          <a:fillRef idx="1">
+            <a:schemeClr val="accent1"/>
+          </a:fillRef>
+          <a:effectRef idx="0">
+            <a:schemeClr val="accent1"/>
+          </a:effectRef>
+          <a:fontRef idx="minor">
+            <a:schemeClr val="lt1"/>
+          </a:fontRef>
+        </p:style>
+        <p:txBody>
+          <a:bodyPr rtlCol="0" anchor="ctr"/>
+          <a:lstStyle/>
+          <a:p>
+            <a:pPr algn="ctr"/>
+            <a:endParaRPr lang="de-DE" dirty="0"/>
+          </a:p>
+        </p:txBody>
+      </p:sp>
+      <mc:AlternateContent xmlns:mc="http://schemas.openxmlformats.org/markup-compatibility/2006">
+        <mc:Choice xmlns:p14="http://schemas.microsoft.com/office/powerpoint/2010/main" Requires="p14">
+          <p:contentPart p14:bwMode="auto" r:id="rId13">
+            <p14:nvContentPartPr>
+              <p14:cNvPr id="35" name="Freihand 34">
+                <a:extLst>
+                  <a:ext uri="{FF2B5EF4-FFF2-40B4-BE49-F238E27FC236}">
+                    <a16:creationId xmlns:a16="http://schemas.microsoft.com/office/drawing/2014/main" id="{E8A7C5B7-ECD5-6444-BB47-47F48498A6A9}"/>
+                  </a:ext>
+                </a:extLst>
+              </p14:cNvPr>
+              <p14:cNvContentPartPr/>
+              <p14:nvPr/>
+            </p14:nvContentPartPr>
+            <p14:xfrm>
+              <a:off x="9500671" y="2507902"/>
+              <a:ext cx="1425960" cy="1722600"/>
+            </p14:xfrm>
+          </p:contentPart>
+        </mc:Choice>
+        <mc:Fallback>
+          <p:pic>
+            <p:nvPicPr>
+              <p:cNvPr id="35" name="Freihand 34">
+                <a:extLst>
+                  <a:ext uri="{FF2B5EF4-FFF2-40B4-BE49-F238E27FC236}">
+                    <a16:creationId xmlns:a16="http://schemas.microsoft.com/office/drawing/2014/main" id="{E8A7C5B7-ECD5-6444-BB47-47F48498A6A9}"/>
+                  </a:ext>
+                </a:extLst>
+              </p:cNvPr>
+              <p:cNvPicPr/>
+              <p:nvPr/>
+            </p:nvPicPr>
+            <p:blipFill>
+              <a:blip r:embed="rId14"/>
+              <a:stretch>
+                <a:fillRect/>
+              </a:stretch>
+            </p:blipFill>
+            <p:spPr>
+              <a:xfrm>
+                <a:off x="9491671" y="2498902"/>
+                <a:ext cx="1443600" cy="1740240"/>
+              </a:xfrm>
+              <a:prstGeom prst="rect">
+                <a:avLst/>
+              </a:prstGeom>
+            </p:spPr>
+          </p:pic>
+        </mc:Fallback>
+      </mc:AlternateContent>
+      <mc:AlternateContent xmlns:mc="http://schemas.openxmlformats.org/markup-compatibility/2006">
+        <mc:Choice xmlns:p14="http://schemas.microsoft.com/office/powerpoint/2010/main" Requires="p14">
+          <p:contentPart p14:bwMode="auto" r:id="rId15">
+            <p14:nvContentPartPr>
+              <p14:cNvPr id="36" name="Freihand 35">
+                <a:extLst>
+                  <a:ext uri="{FF2B5EF4-FFF2-40B4-BE49-F238E27FC236}">
+                    <a16:creationId xmlns:a16="http://schemas.microsoft.com/office/drawing/2014/main" id="{DDBDCF4E-2B8E-4845-A970-DB0F0B101601}"/>
+                  </a:ext>
+                </a:extLst>
+              </p14:cNvPr>
+              <p14:cNvContentPartPr/>
+              <p14:nvPr/>
+            </p14:nvContentPartPr>
+            <p14:xfrm>
+              <a:off x="10109638" y="2129936"/>
+              <a:ext cx="18360" cy="48600"/>
+            </p14:xfrm>
+          </p:contentPart>
+        </mc:Choice>
+        <mc:Fallback>
+          <p:pic>
+            <p:nvPicPr>
+              <p:cNvPr id="36" name="Freihand 35">
+                <a:extLst>
+                  <a:ext uri="{FF2B5EF4-FFF2-40B4-BE49-F238E27FC236}">
+                    <a16:creationId xmlns:a16="http://schemas.microsoft.com/office/drawing/2014/main" id="{DDBDCF4E-2B8E-4845-A970-DB0F0B101601}"/>
+                  </a:ext>
+                </a:extLst>
+              </p:cNvPr>
+              <p:cNvPicPr/>
+              <p:nvPr/>
+            </p:nvPicPr>
+            <p:blipFill>
+              <a:blip r:embed="rId16"/>
+              <a:stretch>
+                <a:fillRect/>
+              </a:stretch>
+            </p:blipFill>
+            <p:spPr>
+              <a:xfrm>
+                <a:off x="10100638" y="2120936"/>
+                <a:ext cx="36000" cy="66240"/>
+              </a:xfrm>
+              <a:prstGeom prst="rect">
+                <a:avLst/>
+              </a:prstGeom>
+            </p:spPr>
+          </p:pic>
+        </mc:Fallback>
+      </mc:AlternateContent>
+      <mc:AlternateContent xmlns:mc="http://schemas.openxmlformats.org/markup-compatibility/2006">
+        <mc:Choice xmlns:p14="http://schemas.microsoft.com/office/powerpoint/2010/main" Requires="p14">
+          <p:contentPart p14:bwMode="auto" r:id="rId17">
+            <p14:nvContentPartPr>
+              <p14:cNvPr id="37" name="Freihand 36">
+                <a:extLst>
+                  <a:ext uri="{FF2B5EF4-FFF2-40B4-BE49-F238E27FC236}">
+                    <a16:creationId xmlns:a16="http://schemas.microsoft.com/office/drawing/2014/main" id="{FDC75389-863D-B742-ADD7-B935EC321F07}"/>
+                  </a:ext>
+                </a:extLst>
+              </p14:cNvPr>
+              <p14:cNvContentPartPr/>
+              <p14:nvPr/>
+            </p14:nvContentPartPr>
+            <p14:xfrm>
+              <a:off x="10336798" y="2159456"/>
+              <a:ext cx="30240" cy="45000"/>
+            </p14:xfrm>
+          </p:contentPart>
+        </mc:Choice>
+        <mc:Fallback>
+          <p:pic>
+            <p:nvPicPr>
+              <p:cNvPr id="37" name="Freihand 36">
+                <a:extLst>
+                  <a:ext uri="{FF2B5EF4-FFF2-40B4-BE49-F238E27FC236}">
+                    <a16:creationId xmlns:a16="http://schemas.microsoft.com/office/drawing/2014/main" id="{FDC75389-863D-B742-ADD7-B935EC321F07}"/>
+                  </a:ext>
+                </a:extLst>
+              </p:cNvPr>
+              <p:cNvPicPr/>
+              <p:nvPr/>
+            </p:nvPicPr>
+            <p:blipFill>
+              <a:blip r:embed="rId18"/>
+              <a:stretch>
+                <a:fillRect/>
+              </a:stretch>
+            </p:blipFill>
+            <p:spPr>
+              <a:xfrm>
+                <a:off x="10327798" y="2150456"/>
+                <a:ext cx="47880" cy="62640"/>
+              </a:xfrm>
+              <a:prstGeom prst="rect">
+                <a:avLst/>
+              </a:prstGeom>
+            </p:spPr>
+          </p:pic>
+        </mc:Fallback>
+      </mc:AlternateContent>
+      <mc:AlternateContent xmlns:mc="http://schemas.openxmlformats.org/markup-compatibility/2006">
+        <mc:Choice xmlns:p14="http://schemas.microsoft.com/office/powerpoint/2010/main" Requires="p14">
+          <p:contentPart p14:bwMode="auto" r:id="rId19">
+            <p14:nvContentPartPr>
+              <p14:cNvPr id="38" name="Freihand 37">
+                <a:extLst>
+                  <a:ext uri="{FF2B5EF4-FFF2-40B4-BE49-F238E27FC236}">
+                    <a16:creationId xmlns:a16="http://schemas.microsoft.com/office/drawing/2014/main" id="{745650F8-7DA7-1240-9238-964CFE8A524F}"/>
+                  </a:ext>
+                </a:extLst>
+              </p14:cNvPr>
+              <p14:cNvContentPartPr/>
+              <p14:nvPr/>
+            </p14:nvContentPartPr>
+            <p14:xfrm>
+              <a:off x="10075825" y="2321444"/>
+              <a:ext cx="248400" cy="78120"/>
+            </p14:xfrm>
+          </p:contentPart>
+        </mc:Choice>
+        <mc:Fallback>
+          <p:pic>
+            <p:nvPicPr>
+              <p:cNvPr id="38" name="Freihand 37">
+                <a:extLst>
+                  <a:ext uri="{FF2B5EF4-FFF2-40B4-BE49-F238E27FC236}">
+                    <a16:creationId xmlns:a16="http://schemas.microsoft.com/office/drawing/2014/main" id="{745650F8-7DA7-1240-9238-964CFE8A524F}"/>
+                  </a:ext>
+                </a:extLst>
+              </p:cNvPr>
+              <p:cNvPicPr/>
+              <p:nvPr/>
+            </p:nvPicPr>
+            <p:blipFill>
+              <a:blip r:embed="rId20"/>
+              <a:stretch>
+                <a:fillRect/>
+              </a:stretch>
+            </p:blipFill>
+            <p:spPr>
+              <a:xfrm>
+                <a:off x="10067185" y="2312444"/>
+                <a:ext cx="266040" cy="95760"/>
+              </a:xfrm>
+              <a:prstGeom prst="rect">
+                <a:avLst/>
+              </a:prstGeom>
+            </p:spPr>
+          </p:pic>
+        </mc:Fallback>
+      </mc:AlternateContent>
+      <p:pic>
+        <p:nvPicPr>
+          <p:cNvPr id="39" name="Grafik 38">
+            <a:extLst>
+              <a:ext uri="{FF2B5EF4-FFF2-40B4-BE49-F238E27FC236}">
+                <a16:creationId xmlns:a16="http://schemas.microsoft.com/office/drawing/2014/main" id="{146231C7-ACB6-1141-A8C0-780B2A8504FF}"/>
+              </a:ext>
+            </a:extLst>
+          </p:cNvPr>
+          <p:cNvPicPr>
+            <a:picLocks noChangeAspect="1"/>
+          </p:cNvPicPr>
+          <p:nvPr/>
+        </p:nvPicPr>
+        <p:blipFill>
+          <a:blip r:embed="rId21"/>
+          <a:stretch>
+            <a:fillRect/>
+          </a:stretch>
+        </p:blipFill>
+        <p:spPr>
+          <a:xfrm>
+            <a:off x="9231483" y="1401063"/>
+            <a:ext cx="728873" cy="728873"/>
+          </a:xfrm>
+          <a:prstGeom prst="rect">
+            <a:avLst/>
+          </a:prstGeom>
+        </p:spPr>
+      </p:pic>
     </p:spTree>
     <p:extLst>
       <p:ext uri="{BB962C8B-B14F-4D97-AF65-F5344CB8AC3E}">
@@ -17912,13 +18609,6 @@
   <p:clrMapOvr>
     <a:masterClrMapping/>
   </p:clrMapOvr>
-  <p:timing>
-    <p:tnLst>
-      <p:par>
-        <p:cTn id="1" dur="indefinite" restart="never" nodeType="tmRoot"/>
-      </p:par>
-    </p:tnLst>
-  </p:timing>
 </p:sld>
 </file>
 
@@ -17955,10 +18645,9 @@
           <a:lstStyle/>
           <a:p>
             <a:r>
-              <a:rPr lang="de-DE" dirty="0" smtClean="0"/>
+              <a:rPr lang="de-DE" dirty="0"/>
               <a:t>Ein Problemlöseprozess besteht aus mehreren Phasen</a:t>
             </a:r>
-            <a:endParaRPr lang="de-DE" dirty="0"/>
           </a:p>
         </p:txBody>
       </p:sp>
@@ -17967,7 +18656,7 @@
           <p:cNvPr id="9" name="Gruppieren 8">
             <a:extLst>
               <a:ext uri="{FF2B5EF4-FFF2-40B4-BE49-F238E27FC236}">
-                <a16:creationId xmlns:a16="http://schemas.microsoft.com/office/drawing/2014/main" xmlns="" id="{783A73D2-C025-644E-A194-3438D291D352}"/>
+                <a16:creationId xmlns:a16="http://schemas.microsoft.com/office/drawing/2014/main" id="{783A73D2-C025-644E-A194-3438D291D352}"/>
               </a:ext>
             </a:extLst>
           </p:cNvPr>
@@ -17987,7 +18676,7 @@
             <p:cNvPr id="10" name="Rechteck 9">
               <a:extLst>
                 <a:ext uri="{FF2B5EF4-FFF2-40B4-BE49-F238E27FC236}">
-                  <a16:creationId xmlns:a16="http://schemas.microsoft.com/office/drawing/2014/main" xmlns="" id="{4F68B8E9-417E-0141-AE27-E298ED29929C}"/>
+                  <a16:creationId xmlns:a16="http://schemas.microsoft.com/office/drawing/2014/main" id="{4F68B8E9-417E-0141-AE27-E298ED29929C}"/>
                 </a:ext>
               </a:extLst>
             </p:cNvPr>
@@ -18090,20 +18779,12 @@
                 <a:buChar char="•"/>
               </a:pPr>
               <a:r>
-                <a:rPr lang="de-DE" dirty="0" smtClean="0">
-                  <a:solidFill>
-                    <a:schemeClr val="tx1"/>
-                  </a:solidFill>
-                </a:rPr>
-                <a:t>Geforderte kognitive </a:t>
-              </a:r>
-              <a:r>
                 <a:rPr lang="de-DE" dirty="0">
                   <a:solidFill>
                     <a:schemeClr val="tx1"/>
                   </a:solidFill>
                 </a:rPr>
-                <a:t>Aktivität</a:t>
+                <a:t>Geforderte kognitive Aktivität</a:t>
               </a:r>
             </a:p>
             <a:p>
@@ -18130,7 +18811,7 @@
             <p:cNvPr id="11" name="Rechteck 10">
               <a:extLst>
                 <a:ext uri="{FF2B5EF4-FFF2-40B4-BE49-F238E27FC236}">
-                  <a16:creationId xmlns:a16="http://schemas.microsoft.com/office/drawing/2014/main" xmlns="" id="{B2717A64-B61E-B44C-B23D-CB509FB519CA}"/>
+                  <a16:creationId xmlns:a16="http://schemas.microsoft.com/office/drawing/2014/main" id="{B2717A64-B61E-B44C-B23D-CB509FB519CA}"/>
                 </a:ext>
               </a:extLst>
             </p:cNvPr>
@@ -18173,18 +18854,13 @@
             <a:lstStyle/>
             <a:p>
               <a:r>
-                <a:rPr lang="de-DE" sz="1600" b="1" dirty="0" smtClean="0">
+                <a:rPr lang="de-DE" sz="1600" b="1" dirty="0">
                   <a:solidFill>
                     <a:schemeClr val="accent4"/>
                   </a:solidFill>
                 </a:rPr>
                 <a:t>Probleme unterscheiden</a:t>
               </a:r>
-              <a:endParaRPr lang="de-DE" sz="1600" b="1" dirty="0">
-                <a:solidFill>
-                  <a:schemeClr val="accent4"/>
-                </a:solidFill>
-              </a:endParaRPr>
             </a:p>
           </p:txBody>
         </p:sp>
@@ -18194,7 +18870,7 @@
           <p:cNvPr id="12" name="Gruppieren 11">
             <a:extLst>
               <a:ext uri="{FF2B5EF4-FFF2-40B4-BE49-F238E27FC236}">
-                <a16:creationId xmlns:a16="http://schemas.microsoft.com/office/drawing/2014/main" xmlns="" id="{783A73D2-C025-644E-A194-3438D291D352}"/>
+                <a16:creationId xmlns:a16="http://schemas.microsoft.com/office/drawing/2014/main" id="{783A73D2-C025-644E-A194-3438D291D352}"/>
               </a:ext>
             </a:extLst>
           </p:cNvPr>
@@ -18214,7 +18890,7 @@
             <p:cNvPr id="13" name="Rechteck 12">
               <a:extLst>
                 <a:ext uri="{FF2B5EF4-FFF2-40B4-BE49-F238E27FC236}">
-                  <a16:creationId xmlns:a16="http://schemas.microsoft.com/office/drawing/2014/main" xmlns="" id="{4F68B8E9-417E-0141-AE27-E298ED29929C}"/>
+                  <a16:creationId xmlns:a16="http://schemas.microsoft.com/office/drawing/2014/main" id="{4F68B8E9-417E-0141-AE27-E298ED29929C}"/>
                 </a:ext>
               </a:extLst>
             </p:cNvPr>
@@ -18357,7 +19033,7 @@
             <p:cNvPr id="14" name="Rechteck 13">
               <a:extLst>
                 <a:ext uri="{FF2B5EF4-FFF2-40B4-BE49-F238E27FC236}">
-                  <a16:creationId xmlns:a16="http://schemas.microsoft.com/office/drawing/2014/main" xmlns="" id="{B2717A64-B61E-B44C-B23D-CB509FB519CA}"/>
+                  <a16:creationId xmlns:a16="http://schemas.microsoft.com/office/drawing/2014/main" id="{B2717A64-B61E-B44C-B23D-CB509FB519CA}"/>
                 </a:ext>
               </a:extLst>
             </p:cNvPr>
@@ -18419,10 +19095,10 @@
         </p:nvGrpSpPr>
         <p:grpSpPr>
           <a:xfrm>
-            <a:off x="874578" y="1534732"/>
-            <a:ext cx="1541244" cy="1044445"/>
-            <a:chOff x="874578" y="1030288"/>
-            <a:chExt cx="1541244" cy="1044445"/>
+            <a:off x="874578" y="1545694"/>
+            <a:ext cx="1541244" cy="1033483"/>
+            <a:chOff x="874578" y="1041250"/>
+            <a:chExt cx="1541244" cy="1033483"/>
           </a:xfrm>
         </p:grpSpPr>
         <p:sp>
@@ -18433,7 +19109,7 @@
           </p:nvSpPr>
           <p:spPr>
             <a:xfrm>
-              <a:off x="1367444" y="1030288"/>
+              <a:off x="1465200" y="1041250"/>
               <a:ext cx="360000" cy="360000"/>
             </a:xfrm>
             <a:prstGeom prst="ellipse">
@@ -18468,18 +19144,13 @@
             <a:p>
               <a:pPr algn="ctr"/>
               <a:r>
-                <a:rPr lang="de-DE" b="1" dirty="0" smtClean="0">
+                <a:rPr lang="de-DE" b="1" dirty="0">
                   <a:solidFill>
                     <a:schemeClr val="tx1"/>
                   </a:solidFill>
                 </a:rPr>
                 <a:t>1</a:t>
               </a:r>
-              <a:endParaRPr lang="de-DE" b="1" dirty="0">
-                <a:solidFill>
-                  <a:schemeClr val="tx1"/>
-                </a:solidFill>
-              </a:endParaRPr>
             </a:p>
           </p:txBody>
         </p:sp>
@@ -18488,7 +19159,7 @@
             <p:cNvPr id="15" name="Rechteck 14">
               <a:extLst>
                 <a:ext uri="{FF2B5EF4-FFF2-40B4-BE49-F238E27FC236}">
-                  <a16:creationId xmlns:a16="http://schemas.microsoft.com/office/drawing/2014/main" xmlns="" id="{4F68B8E9-417E-0141-AE27-E298ED29929C}"/>
+                  <a16:creationId xmlns:a16="http://schemas.microsoft.com/office/drawing/2014/main" id="{4F68B8E9-417E-0141-AE27-E298ED29929C}"/>
                 </a:ext>
               </a:extLst>
             </p:cNvPr>
@@ -18530,7 +19201,7 @@
             <a:p>
               <a:pPr algn="ctr"/>
               <a:r>
-                <a:rPr lang="de-DE" dirty="0" smtClean="0">
+                <a:rPr lang="de-DE" dirty="0">
                   <a:solidFill>
                     <a:schemeClr val="tx1"/>
                   </a:solidFill>
@@ -18538,14 +19209,14 @@
                 <a:t>Problem-</a:t>
               </a:r>
               <a:br>
-                <a:rPr lang="de-DE" dirty="0" smtClean="0">
+                <a:rPr lang="de-DE" dirty="0">
                   <a:solidFill>
                     <a:schemeClr val="tx1"/>
                   </a:solidFill>
                 </a:rPr>
               </a:br>
               <a:r>
-                <a:rPr lang="de-DE" dirty="0" err="1" smtClean="0">
+                <a:rPr lang="de-DE" dirty="0" err="1">
                   <a:solidFill>
                     <a:schemeClr val="tx1"/>
                   </a:solidFill>
@@ -18633,7 +19304,7 @@
             <p:cNvPr id="17" name="Rechteck 16">
               <a:extLst>
                 <a:ext uri="{FF2B5EF4-FFF2-40B4-BE49-F238E27FC236}">
-                  <a16:creationId xmlns:a16="http://schemas.microsoft.com/office/drawing/2014/main" xmlns="" id="{4F68B8E9-417E-0141-AE27-E298ED29929C}"/>
+                  <a16:creationId xmlns:a16="http://schemas.microsoft.com/office/drawing/2014/main" id="{4F68B8E9-417E-0141-AE27-E298ED29929C}"/>
                 </a:ext>
               </a:extLst>
             </p:cNvPr>
@@ -18675,7 +19346,7 @@
             <a:p>
               <a:pPr algn="ctr"/>
               <a:r>
-                <a:rPr lang="de-DE" dirty="0" smtClean="0">
+                <a:rPr lang="de-DE" dirty="0">
                   <a:solidFill>
                     <a:schemeClr val="tx1"/>
                   </a:solidFill>
@@ -18683,25 +19354,20 @@
                 <a:t>Ziel- und</a:t>
               </a:r>
               <a:br>
-                <a:rPr lang="de-DE" dirty="0" smtClean="0">
+                <a:rPr lang="de-DE" dirty="0">
                   <a:solidFill>
                     <a:schemeClr val="tx1"/>
                   </a:solidFill>
                 </a:rPr>
               </a:br>
               <a:r>
-                <a:rPr lang="de-DE" dirty="0" smtClean="0">
+                <a:rPr lang="de-DE" dirty="0">
                   <a:solidFill>
                     <a:schemeClr val="tx1"/>
                   </a:solidFill>
                 </a:rPr>
                 <a:t>Situationsanalyse</a:t>
               </a:r>
-              <a:endParaRPr lang="de-DE" dirty="0">
-                <a:solidFill>
-                  <a:schemeClr val="tx1"/>
-                </a:solidFill>
-              </a:endParaRPr>
             </a:p>
           </p:txBody>
         </p:sp>
@@ -18778,7 +19444,7 @@
             <p:cNvPr id="19" name="Rechteck 18">
               <a:extLst>
                 <a:ext uri="{FF2B5EF4-FFF2-40B4-BE49-F238E27FC236}">
-                  <a16:creationId xmlns:a16="http://schemas.microsoft.com/office/drawing/2014/main" xmlns="" id="{4F68B8E9-417E-0141-AE27-E298ED29929C}"/>
+                  <a16:creationId xmlns:a16="http://schemas.microsoft.com/office/drawing/2014/main" id="{4F68B8E9-417E-0141-AE27-E298ED29929C}"/>
                 </a:ext>
               </a:extLst>
             </p:cNvPr>
@@ -18820,18 +19486,13 @@
             <a:p>
               <a:pPr algn="ctr"/>
               <a:r>
-                <a:rPr lang="de-DE" dirty="0" smtClean="0">
+                <a:rPr lang="de-DE" dirty="0">
                   <a:solidFill>
                     <a:schemeClr val="tx1"/>
                   </a:solidFill>
                 </a:rPr>
                 <a:t>Planerstellung</a:t>
               </a:r>
-              <a:endParaRPr lang="de-DE" dirty="0">
-                <a:solidFill>
-                  <a:schemeClr val="tx1"/>
-                </a:solidFill>
-              </a:endParaRPr>
             </a:p>
           </p:txBody>
         </p:sp>
@@ -18908,7 +19569,7 @@
             <p:cNvPr id="24" name="Rechteck 23">
               <a:extLst>
                 <a:ext uri="{FF2B5EF4-FFF2-40B4-BE49-F238E27FC236}">
-                  <a16:creationId xmlns:a16="http://schemas.microsoft.com/office/drawing/2014/main" xmlns="" id="{4F68B8E9-417E-0141-AE27-E298ED29929C}"/>
+                  <a16:creationId xmlns:a16="http://schemas.microsoft.com/office/drawing/2014/main" id="{4F68B8E9-417E-0141-AE27-E298ED29929C}"/>
                 </a:ext>
               </a:extLst>
             </p:cNvPr>
@@ -18950,18 +19611,13 @@
             <a:p>
               <a:pPr algn="ctr"/>
               <a:r>
-                <a:rPr lang="de-DE" dirty="0" smtClean="0">
+                <a:rPr lang="de-DE" dirty="0">
                   <a:solidFill>
                     <a:schemeClr val="tx1"/>
                   </a:solidFill>
                 </a:rPr>
                 <a:t>Planausführung</a:t>
               </a:r>
-              <a:endParaRPr lang="de-DE" dirty="0">
-                <a:solidFill>
-                  <a:schemeClr val="tx1"/>
-                </a:solidFill>
-              </a:endParaRPr>
             </a:p>
           </p:txBody>
         </p:sp>
@@ -19038,7 +19694,7 @@
             <p:cNvPr id="27" name="Rechteck 26">
               <a:extLst>
                 <a:ext uri="{FF2B5EF4-FFF2-40B4-BE49-F238E27FC236}">
-                  <a16:creationId xmlns:a16="http://schemas.microsoft.com/office/drawing/2014/main" xmlns="" id="{4F68B8E9-417E-0141-AE27-E298ED29929C}"/>
+                  <a16:creationId xmlns:a16="http://schemas.microsoft.com/office/drawing/2014/main" id="{4F68B8E9-417E-0141-AE27-E298ED29929C}"/>
                 </a:ext>
               </a:extLst>
             </p:cNvPr>
@@ -19080,7 +19736,7 @@
             <a:p>
               <a:pPr algn="ctr"/>
               <a:r>
-                <a:rPr lang="de-DE" dirty="0" smtClean="0">
+                <a:rPr lang="de-DE" dirty="0">
                   <a:solidFill>
                     <a:schemeClr val="tx1"/>
                   </a:solidFill>
@@ -19091,7 +19747,7 @@
             <a:p>
               <a:pPr algn="ctr"/>
               <a:r>
-                <a:rPr lang="de-DE" dirty="0" err="1" smtClean="0">
+                <a:rPr lang="de-DE" dirty="0" err="1">
                   <a:solidFill>
                     <a:schemeClr val="tx1"/>
                   </a:solidFill>
@@ -19117,9 +19773,9 @@
           <p:nvPr/>
         </p:nvCxnSpPr>
         <p:spPr>
-          <a:xfrm>
-            <a:off x="1727444" y="1714732"/>
-            <a:ext cx="1965936" cy="0"/>
+          <a:xfrm flipV="1">
+            <a:off x="1825200" y="1714732"/>
+            <a:ext cx="1868180" cy="10962"/>
           </a:xfrm>
           <a:prstGeom prst="straightConnector1">
             <a:avLst/>
@@ -19348,7 +20004,7 @@
           <p:cNvPr id="44" name="Rechteck 43">
             <a:extLst>
               <a:ext uri="{FF2B5EF4-FFF2-40B4-BE49-F238E27FC236}">
-                <a16:creationId xmlns:a16="http://schemas.microsoft.com/office/drawing/2014/main" xmlns="" id="{4F68B8E9-417E-0141-AE27-E298ED29929C}"/>
+                <a16:creationId xmlns:a16="http://schemas.microsoft.com/office/drawing/2014/main" id="{4F68B8E9-417E-0141-AE27-E298ED29929C}"/>
               </a:ext>
             </a:extLst>
           </p:cNvPr>
@@ -19394,18 +20050,13 @@
               </a:lnSpc>
             </a:pPr>
             <a:r>
-              <a:rPr lang="de-DE" sz="1400" dirty="0" smtClean="0">
+              <a:rPr lang="de-DE" sz="1400" dirty="0">
                 <a:solidFill>
                   <a:schemeClr val="tx1"/>
                 </a:solidFill>
               </a:rPr>
               <a:t>Störung</a:t>
             </a:r>
-            <a:endParaRPr lang="de-DE" sz="1400" dirty="0">
-              <a:solidFill>
-                <a:schemeClr val="tx1"/>
-              </a:solidFill>
-            </a:endParaRPr>
           </a:p>
         </p:txBody>
       </p:sp>
@@ -19601,13 +20252,6 @@
   <p:clrMapOvr>
     <a:masterClrMapping/>
   </p:clrMapOvr>
-  <p:timing>
-    <p:tnLst>
-      <p:par>
-        <p:cTn id="1" dur="indefinite" restart="never" nodeType="tmRoot"/>
-      </p:par>
-    </p:tnLst>
-  </p:timing>
 </p:sld>
 </file>
 
@@ -19645,19 +20289,7 @@
           <a:p>
             <a:r>
               <a:rPr lang="de-DE" dirty="0"/>
-              <a:t>Wobei kann der Mitarbeiter mit einem </a:t>
-            </a:r>
-            <a:r>
-              <a:rPr lang="de-DE" dirty="0">
-                <a:solidFill>
-                  <a:schemeClr val="accent3"/>
-                </a:solidFill>
-              </a:rPr>
-              <a:t>Assistenzsystem</a:t>
-            </a:r>
-            <a:r>
-              <a:rPr lang="de-DE" dirty="0"/>
-              <a:t> unterstützt werden?</a:t>
+              <a:t>Ein Assistenzsystem kann den Nutzer auf vielfältige Weise unterstützen</a:t>
             </a:r>
           </a:p>
         </p:txBody>
@@ -19670,7 +20302,7 @@
         </p:nvSpPr>
         <p:spPr>
           <a:xfrm>
-            <a:off x="874712" y="1581880"/>
+            <a:off x="874712" y="1973517"/>
             <a:ext cx="360000" cy="360000"/>
           </a:xfrm>
           <a:prstGeom prst="ellipse">
@@ -19705,18 +20337,13 @@
           <a:p>
             <a:pPr algn="ctr"/>
             <a:r>
-              <a:rPr lang="de-DE" b="1" dirty="0" smtClean="0">
+              <a:rPr lang="de-DE" b="1" dirty="0">
                 <a:solidFill>
                   <a:schemeClr val="tx1"/>
                 </a:solidFill>
               </a:rPr>
               <a:t>1</a:t>
             </a:r>
-            <a:endParaRPr lang="de-DE" b="1" dirty="0">
-              <a:solidFill>
-                <a:schemeClr val="tx1"/>
-              </a:solidFill>
-            </a:endParaRPr>
           </a:p>
         </p:txBody>
       </p:sp>
@@ -19728,7 +20355,7 @@
         </p:nvSpPr>
         <p:spPr>
           <a:xfrm>
-            <a:off x="874712" y="2887780"/>
+            <a:off x="874712" y="3279417"/>
             <a:ext cx="360000" cy="360000"/>
           </a:xfrm>
           <a:prstGeom prst="ellipse">
@@ -19781,7 +20408,7 @@
         </p:nvSpPr>
         <p:spPr>
           <a:xfrm>
-            <a:off x="874712" y="4193680"/>
+            <a:off x="874712" y="4585317"/>
             <a:ext cx="360000" cy="360000"/>
           </a:xfrm>
           <a:prstGeom prst="ellipse">
@@ -19816,18 +20443,13 @@
           <a:p>
             <a:pPr algn="ctr"/>
             <a:r>
-              <a:rPr lang="de-DE" b="1" dirty="0" smtClean="0">
+              <a:rPr lang="de-DE" b="1" dirty="0">
                 <a:solidFill>
                   <a:schemeClr val="tx1"/>
                 </a:solidFill>
               </a:rPr>
               <a:t>3</a:t>
             </a:r>
-            <a:endParaRPr lang="de-DE" b="1" dirty="0">
-              <a:solidFill>
-                <a:schemeClr val="tx1"/>
-              </a:solidFill>
-            </a:endParaRPr>
           </a:p>
         </p:txBody>
       </p:sp>
@@ -19836,7 +20458,7 @@
           <p:cNvPr id="22" name="Rechteck 21">
             <a:extLst>
               <a:ext uri="{FF2B5EF4-FFF2-40B4-BE49-F238E27FC236}">
-                <a16:creationId xmlns:a16="http://schemas.microsoft.com/office/drawing/2014/main" xmlns="" id="{4F68B8E9-417E-0141-AE27-E298ED29929C}"/>
+                <a16:creationId xmlns:a16="http://schemas.microsoft.com/office/drawing/2014/main" id="{4F68B8E9-417E-0141-AE27-E298ED29929C}"/>
               </a:ext>
             </a:extLst>
           </p:cNvPr>
@@ -19845,7 +20467,7 @@
         </p:nvSpPr>
         <p:spPr>
           <a:xfrm>
-            <a:off x="1234712" y="1370990"/>
+            <a:off x="1234712" y="1709017"/>
             <a:ext cx="2880088" cy="889000"/>
           </a:xfrm>
           <a:prstGeom prst="rect">
@@ -19877,7 +20499,7 @@
           <a:lstStyle/>
           <a:p>
             <a:r>
-              <a:rPr lang="de-DE" dirty="0" smtClean="0">
+              <a:rPr lang="de-DE" dirty="0">
                 <a:solidFill>
                   <a:schemeClr val="tx1"/>
                 </a:solidFill>
@@ -19885,15 +20507,15 @@
               <a:t>Mit </a:t>
             </a:r>
             <a:r>
-              <a:rPr lang="de-DE" b="1" dirty="0" smtClean="0">
+              <a:rPr lang="de-DE" b="1" dirty="0">
                 <a:solidFill>
-                  <a:schemeClr val="accent3"/>
+                  <a:schemeClr val="accent4"/>
                 </a:solidFill>
               </a:rPr>
               <a:t>Signalen</a:t>
             </a:r>
             <a:r>
-              <a:rPr lang="de-DE" dirty="0" smtClean="0">
+              <a:rPr lang="de-DE" dirty="0">
                 <a:solidFill>
                   <a:schemeClr val="accent3"/>
                 </a:solidFill>
@@ -19901,18 +20523,13 @@
               <a:t> </a:t>
             </a:r>
             <a:r>
-              <a:rPr lang="de-DE" dirty="0" smtClean="0">
+              <a:rPr lang="de-DE" dirty="0">
                 <a:solidFill>
                   <a:schemeClr val="tx1"/>
                 </a:solidFill>
               </a:rPr>
               <a:t>auf Probleme aufmerksam machen</a:t>
             </a:r>
-            <a:endParaRPr lang="de-DE" dirty="0">
-              <a:solidFill>
-                <a:schemeClr val="tx1"/>
-              </a:solidFill>
-            </a:endParaRPr>
           </a:p>
         </p:txBody>
       </p:sp>
@@ -19921,7 +20538,7 @@
           <p:cNvPr id="23" name="Rechteck 22">
             <a:extLst>
               <a:ext uri="{FF2B5EF4-FFF2-40B4-BE49-F238E27FC236}">
-                <a16:creationId xmlns:a16="http://schemas.microsoft.com/office/drawing/2014/main" xmlns="" id="{4F68B8E9-417E-0141-AE27-E298ED29929C}"/>
+                <a16:creationId xmlns:a16="http://schemas.microsoft.com/office/drawing/2014/main" id="{4F68B8E9-417E-0141-AE27-E298ED29929C}"/>
               </a:ext>
             </a:extLst>
           </p:cNvPr>
@@ -19930,8 +20547,8 @@
         </p:nvSpPr>
         <p:spPr>
           <a:xfrm>
-            <a:off x="1234712" y="2843834"/>
-            <a:ext cx="2880088" cy="447892"/>
+            <a:off x="1234712" y="3057910"/>
+            <a:ext cx="3254161" cy="803014"/>
           </a:xfrm>
           <a:prstGeom prst="rect">
             <a:avLst/>
@@ -19962,15 +20579,23 @@
           <a:lstStyle/>
           <a:p>
             <a:r>
-              <a:rPr lang="de-DE" b="1" dirty="0" smtClean="0">
+              <a:rPr lang="de-DE" dirty="0">
                 <a:solidFill>
-                  <a:schemeClr val="accent3"/>
+                  <a:schemeClr val="tx1"/>
+                </a:solidFill>
+              </a:rPr>
+              <a:t>Bei Identifikation der Rand-bedingungen </a:t>
+            </a:r>
+            <a:r>
+              <a:rPr lang="de-DE" b="1" dirty="0">
+                <a:solidFill>
+                  <a:schemeClr val="accent4"/>
                 </a:solidFill>
               </a:rPr>
               <a:t>Orientierung</a:t>
             </a:r>
             <a:r>
-              <a:rPr lang="de-DE" dirty="0" smtClean="0">
+              <a:rPr lang="de-DE" dirty="0">
                 <a:solidFill>
                   <a:schemeClr val="accent3"/>
                 </a:solidFill>
@@ -19978,18 +20603,13 @@
               <a:t> </a:t>
             </a:r>
             <a:r>
-              <a:rPr lang="de-DE" dirty="0" smtClean="0">
+              <a:rPr lang="de-DE" dirty="0">
                 <a:solidFill>
                   <a:schemeClr val="tx1"/>
                 </a:solidFill>
               </a:rPr>
               <a:t>bieten</a:t>
             </a:r>
-            <a:endParaRPr lang="de-DE" dirty="0">
-              <a:solidFill>
-                <a:schemeClr val="tx1"/>
-              </a:solidFill>
-            </a:endParaRPr>
           </a:p>
         </p:txBody>
       </p:sp>
@@ -19998,7 +20618,7 @@
           <p:cNvPr id="24" name="Rechteck 23">
             <a:extLst>
               <a:ext uri="{FF2B5EF4-FFF2-40B4-BE49-F238E27FC236}">
-                <a16:creationId xmlns:a16="http://schemas.microsoft.com/office/drawing/2014/main" xmlns="" id="{4F68B8E9-417E-0141-AE27-E298ED29929C}"/>
+                <a16:creationId xmlns:a16="http://schemas.microsoft.com/office/drawing/2014/main" id="{4F68B8E9-417E-0141-AE27-E298ED29929C}"/>
               </a:ext>
             </a:extLst>
           </p:cNvPr>
@@ -20007,7 +20627,7 @@
         </p:nvSpPr>
         <p:spPr>
           <a:xfrm>
-            <a:off x="1234712" y="4022378"/>
+            <a:off x="1234712" y="4414015"/>
             <a:ext cx="3019788" cy="702604"/>
           </a:xfrm>
           <a:prstGeom prst="rect">
@@ -20039,7 +20659,7 @@
           <a:lstStyle/>
           <a:p>
             <a:r>
-              <a:rPr lang="de-DE" dirty="0" smtClean="0">
+              <a:rPr lang="de-DE" dirty="0">
                 <a:solidFill>
                   <a:schemeClr val="tx1"/>
                 </a:solidFill>
@@ -20047,15 +20667,15 @@
               <a:t>Durch </a:t>
             </a:r>
             <a:r>
-              <a:rPr lang="de-DE" b="1" dirty="0" smtClean="0">
+              <a:rPr lang="de-DE" b="1" dirty="0">
                 <a:solidFill>
-                  <a:schemeClr val="accent3"/>
+                  <a:schemeClr val="accent4"/>
                 </a:solidFill>
               </a:rPr>
               <a:t>Filtern</a:t>
             </a:r>
             <a:r>
-              <a:rPr lang="de-DE" dirty="0" smtClean="0">
+              <a:rPr lang="de-DE" dirty="0">
                 <a:solidFill>
                   <a:schemeClr val="accent3"/>
                 </a:solidFill>
@@ -20063,86 +20683,22 @@
               <a:t> </a:t>
             </a:r>
             <a:r>
-              <a:rPr lang="de-DE" dirty="0" smtClean="0">
+              <a:rPr lang="de-DE" dirty="0">
                 <a:solidFill>
                   <a:schemeClr val="tx1"/>
                 </a:solidFill>
               </a:rPr>
               <a:t>von Lösungen die Planerstellung erleichtern</a:t>
             </a:r>
-            <a:endParaRPr lang="de-DE" dirty="0">
-              <a:solidFill>
-                <a:schemeClr val="tx1"/>
-              </a:solidFill>
-            </a:endParaRPr>
-          </a:p>
-        </p:txBody>
-      </p:sp>
-    </p:spTree>
-    <p:extLst>
-      <p:ext uri="{BB962C8B-B14F-4D97-AF65-F5344CB8AC3E}">
-        <p14:creationId xmlns:p14="http://schemas.microsoft.com/office/powerpoint/2010/main" val="1594901777"/>
-      </p:ext>
-    </p:extLst>
-  </p:cSld>
-  <p:clrMapOvr>
-    <a:masterClrMapping/>
-  </p:clrMapOvr>
-  <p:timing>
-    <p:tnLst>
-      <p:par>
-        <p:cTn id="1" dur="indefinite" restart="never" nodeType="tmRoot"/>
-      </p:par>
-    </p:tnLst>
-  </p:timing>
-</p:sld>
-</file>
-
-<file path=ppt/slides/slide7.xml><?xml version="1.0" encoding="utf-8"?>
-<p:sld xmlns:a="http://schemas.openxmlformats.org/drawingml/2006/main" xmlns:r="http://schemas.openxmlformats.org/officeDocument/2006/relationships" xmlns:p="http://schemas.openxmlformats.org/presentationml/2006/main">
-  <p:cSld>
-    <p:spTree>
-      <p:nvGrpSpPr>
-        <p:cNvPr id="1" name=""/>
-        <p:cNvGrpSpPr/>
-        <p:nvPr/>
-      </p:nvGrpSpPr>
-      <p:grpSpPr>
-        <a:xfrm>
-          <a:off x="0" y="0"/>
-          <a:ext cx="0" cy="0"/>
-          <a:chOff x="0" y="0"/>
-          <a:chExt cx="0" cy="0"/>
-        </a:xfrm>
-      </p:grpSpPr>
-      <p:sp>
-        <p:nvSpPr>
-          <p:cNvPr id="2" name="Titel 1"/>
-          <p:cNvSpPr>
-            <a:spLocks noGrp="1"/>
-          </p:cNvSpPr>
-          <p:nvPr>
-            <p:ph type="title"/>
-          </p:nvPr>
-        </p:nvSpPr>
-        <p:spPr/>
-        <p:txBody>
-          <a:bodyPr/>
-          <a:lstStyle/>
-          <a:p>
-            <a:r>
-              <a:rPr lang="de-DE" dirty="0"/>
-              <a:t>Wobei kann der Mitarbeiter mit einem Assistenzsystem unterstützt werden?</a:t>
-            </a:r>
           </a:p>
         </p:txBody>
       </p:sp>
       <p:grpSp>
         <p:nvGrpSpPr>
-          <p:cNvPr id="4" name="Gruppieren 3">
+          <p:cNvPr id="9" name="Gruppieren 8">
             <a:extLst>
               <a:ext uri="{FF2B5EF4-FFF2-40B4-BE49-F238E27FC236}">
-                <a16:creationId xmlns:a16="http://schemas.microsoft.com/office/drawing/2014/main" xmlns="" id="{783A73D2-C025-644E-A194-3438D291D352}"/>
+                <a16:creationId xmlns:a16="http://schemas.microsoft.com/office/drawing/2014/main" id="{4486AD8C-AE56-D242-9D38-422C22DC0E79}"/>
               </a:ext>
             </a:extLst>
           </p:cNvPr>
@@ -20151,18 +20707,18 @@
         </p:nvGrpSpPr>
         <p:grpSpPr>
           <a:xfrm>
-            <a:off x="4244092" y="4850125"/>
-            <a:ext cx="2613557" cy="1331542"/>
+            <a:off x="5301751" y="1370990"/>
+            <a:ext cx="6153647" cy="1920736"/>
             <a:chOff x="1780031" y="1330903"/>
-            <a:chExt cx="2613557" cy="1331542"/>
+            <a:chExt cx="6153647" cy="1920736"/>
           </a:xfrm>
         </p:grpSpPr>
         <p:sp>
           <p:nvSpPr>
-            <p:cNvPr id="5" name="Rechteck 4">
+            <p:cNvPr id="10" name="Rechteck 9">
               <a:extLst>
                 <a:ext uri="{FF2B5EF4-FFF2-40B4-BE49-F238E27FC236}">
-                  <a16:creationId xmlns:a16="http://schemas.microsoft.com/office/drawing/2014/main" xmlns="" id="{4F68B8E9-417E-0141-AE27-E298ED29929C}"/>
+                  <a16:creationId xmlns:a16="http://schemas.microsoft.com/office/drawing/2014/main" id="{2DA4F791-2771-0D4B-8E5A-B9FF3D3DFC09}"/>
                 </a:ext>
               </a:extLst>
             </p:cNvPr>
@@ -20172,7 +20728,7 @@
           <p:spPr>
             <a:xfrm>
               <a:off x="1780031" y="1499918"/>
-              <a:ext cx="2613557" cy="1162527"/>
+              <a:ext cx="6153647" cy="1751721"/>
             </a:xfrm>
             <a:prstGeom prst="rect">
               <a:avLst/>
@@ -20219,7 +20775,7 @@
                     <a:schemeClr val="tx1"/>
                   </a:solidFill>
                 </a:rPr>
-                <a:t>Warnung vor Fehlern</a:t>
+                <a:t>Variation der Benutzermerkmale</a:t>
               </a:r>
             </a:p>
             <a:p>
@@ -20236,7 +20792,7 @@
                     <a:schemeClr val="tx1"/>
                   </a:solidFill>
                 </a:rPr>
-                <a:t>Signale</a:t>
+                <a:t>Unterschiedlichen Bedürfnissen und Zielen der Nutzer</a:t>
               </a:r>
             </a:p>
             <a:p>
@@ -20253,17 +20809,51 @@
                     <a:schemeClr val="tx1"/>
                   </a:solidFill>
                 </a:rPr>
-                <a:t>Orientierung</a:t>
+                <a:t>Schwankung der Aufgabenmerkmale</a:t>
+              </a:r>
+            </a:p>
+            <a:p>
+              <a:pPr marL="342900" indent="-342900">
+                <a:lnSpc>
+                  <a:spcPct val="120000"/>
+                </a:lnSpc>
+                <a:buFont typeface="Arial" panose="020B0604020202020204" pitchFamily="34" charset="0"/>
+                <a:buChar char="•"/>
+              </a:pPr>
+              <a:r>
+                <a:rPr lang="de-DE" dirty="0">
+                  <a:solidFill>
+                    <a:schemeClr val="tx1"/>
+                  </a:solidFill>
+                </a:rPr>
+                <a:t>Nutzung eines Systems auf verschiedenen Geräten</a:t>
+              </a:r>
+            </a:p>
+            <a:p>
+              <a:pPr marL="342900" indent="-342900">
+                <a:lnSpc>
+                  <a:spcPct val="120000"/>
+                </a:lnSpc>
+                <a:buFont typeface="Arial" panose="020B0604020202020204" pitchFamily="34" charset="0"/>
+                <a:buChar char="•"/>
+              </a:pPr>
+              <a:r>
+                <a:rPr lang="de-DE" dirty="0">
+                  <a:solidFill>
+                    <a:schemeClr val="tx1"/>
+                  </a:solidFill>
+                </a:rPr>
+                <a:t>Veränderung der Umgebung</a:t>
               </a:r>
             </a:p>
           </p:txBody>
         </p:sp>
         <p:sp>
           <p:nvSpPr>
-            <p:cNvPr id="6" name="Rechteck 5">
+            <p:cNvPr id="11" name="Rechteck 10">
               <a:extLst>
                 <a:ext uri="{FF2B5EF4-FFF2-40B4-BE49-F238E27FC236}">
-                  <a16:creationId xmlns:a16="http://schemas.microsoft.com/office/drawing/2014/main" xmlns="" id="{B2717A64-B61E-B44C-B23D-CB509FB519CA}"/>
+                  <a16:creationId xmlns:a16="http://schemas.microsoft.com/office/drawing/2014/main" id="{FFFFA022-777A-0A4E-911B-AEAE519D2060}"/>
                 </a:ext>
               </a:extLst>
             </p:cNvPr>
@@ -20273,7 +20863,7 @@
           <p:spPr>
             <a:xfrm>
               <a:off x="1977040" y="1330903"/>
-              <a:ext cx="1389259" cy="338027"/>
+              <a:ext cx="2416547" cy="338027"/>
             </a:xfrm>
             <a:prstGeom prst="rect">
               <a:avLst/>
@@ -20311,7 +20901,7 @@
                     <a:schemeClr val="accent4"/>
                   </a:solidFill>
                 </a:rPr>
-                <a:t>Aktivierung</a:t>
+                <a:t>Individualisierung bei</a:t>
               </a:r>
             </a:p>
           </p:txBody>
@@ -20319,10 +20909,10 @@
       </p:grpSp>
       <p:grpSp>
         <p:nvGrpSpPr>
-          <p:cNvPr id="7" name="Gruppieren 6">
+          <p:cNvPr id="12" name="Gruppieren 11">
             <a:extLst>
               <a:ext uri="{FF2B5EF4-FFF2-40B4-BE49-F238E27FC236}">
-                <a16:creationId xmlns:a16="http://schemas.microsoft.com/office/drawing/2014/main" xmlns="" id="{783A73D2-C025-644E-A194-3438D291D352}"/>
+                <a16:creationId xmlns:a16="http://schemas.microsoft.com/office/drawing/2014/main" id="{D9956327-EB0F-D642-9E9B-AC923698C656}"/>
               </a:ext>
             </a:extLst>
           </p:cNvPr>
@@ -20331,383 +20921,18 @@
         </p:nvGrpSpPr>
         <p:grpSpPr>
           <a:xfrm>
-            <a:off x="3769607" y="3687051"/>
-            <a:ext cx="3100391" cy="1163074"/>
-            <a:chOff x="1760001" y="1330903"/>
-            <a:chExt cx="3100391" cy="1163074"/>
+            <a:off x="5301751" y="3477833"/>
+            <a:ext cx="6153646" cy="2269824"/>
+            <a:chOff x="1780032" y="1330903"/>
+            <a:chExt cx="6153646" cy="2269824"/>
           </a:xfrm>
         </p:grpSpPr>
         <p:sp>
           <p:nvSpPr>
-            <p:cNvPr id="8" name="Rechteck 7">
+            <p:cNvPr id="13" name="Rechteck 12">
               <a:extLst>
                 <a:ext uri="{FF2B5EF4-FFF2-40B4-BE49-F238E27FC236}">
-                  <a16:creationId xmlns:a16="http://schemas.microsoft.com/office/drawing/2014/main" xmlns="" id="{4F68B8E9-417E-0141-AE27-E298ED29929C}"/>
-                </a:ext>
-              </a:extLst>
-            </p:cNvPr>
-            <p:cNvSpPr/>
-            <p:nvPr/>
-          </p:nvSpPr>
-          <p:spPr>
-            <a:xfrm>
-              <a:off x="1760001" y="1499917"/>
-              <a:ext cx="3100391" cy="994060"/>
-            </a:xfrm>
-            <a:prstGeom prst="rect">
-              <a:avLst/>
-            </a:prstGeom>
-            <a:solidFill>
-              <a:schemeClr val="bg1"/>
-            </a:solidFill>
-            <a:ln>
-              <a:solidFill>
-                <a:schemeClr val="accent4"/>
-              </a:solidFill>
-            </a:ln>
-          </p:spPr>
-          <p:style>
-            <a:lnRef idx="2">
-              <a:schemeClr val="accent1">
-                <a:shade val="50000"/>
-              </a:schemeClr>
-            </a:lnRef>
-            <a:fillRef idx="1">
-              <a:schemeClr val="accent1"/>
-            </a:fillRef>
-            <a:effectRef idx="0">
-              <a:schemeClr val="accent1"/>
-            </a:effectRef>
-            <a:fontRef idx="minor">
-              <a:schemeClr val="lt1"/>
-            </a:fontRef>
-          </p:style>
-          <p:txBody>
-            <a:bodyPr tIns="180000" rtlCol="0" anchor="t"/>
-            <a:lstStyle/>
-            <a:p>
-              <a:pPr marL="342900" indent="-342900">
-                <a:lnSpc>
-                  <a:spcPct val="150000"/>
-                </a:lnSpc>
-                <a:buFont typeface="Arial" panose="020B0604020202020204" pitchFamily="34" charset="0"/>
-                <a:buChar char="•"/>
-              </a:pPr>
-              <a:r>
-                <a:rPr lang="de-DE" dirty="0">
-                  <a:solidFill>
-                    <a:schemeClr val="tx1"/>
-                  </a:solidFill>
-                </a:rPr>
-                <a:t>Kennzeichnung</a:t>
-              </a:r>
-            </a:p>
-            <a:p>
-              <a:pPr marL="342900" indent="-342900">
-                <a:lnSpc>
-                  <a:spcPct val="150000"/>
-                </a:lnSpc>
-                <a:buFont typeface="Arial" panose="020B0604020202020204" pitchFamily="34" charset="0"/>
-                <a:buChar char="•"/>
-              </a:pPr>
-              <a:r>
-                <a:rPr lang="de-DE" dirty="0">
-                  <a:solidFill>
-                    <a:schemeClr val="tx1"/>
-                  </a:solidFill>
-                </a:rPr>
-                <a:t>Erklärung</a:t>
-              </a:r>
-            </a:p>
-          </p:txBody>
-        </p:sp>
-        <p:sp>
-          <p:nvSpPr>
-            <p:cNvPr id="9" name="Rechteck 8">
-              <a:extLst>
-                <a:ext uri="{FF2B5EF4-FFF2-40B4-BE49-F238E27FC236}">
-                  <a16:creationId xmlns:a16="http://schemas.microsoft.com/office/drawing/2014/main" xmlns="" id="{B2717A64-B61E-B44C-B23D-CB509FB519CA}"/>
-                </a:ext>
-              </a:extLst>
-            </p:cNvPr>
-            <p:cNvSpPr/>
-            <p:nvPr/>
-          </p:nvSpPr>
-          <p:spPr>
-            <a:xfrm>
-              <a:off x="1977040" y="1330903"/>
-              <a:ext cx="2666315" cy="338027"/>
-            </a:xfrm>
-            <a:prstGeom prst="rect">
-              <a:avLst/>
-            </a:prstGeom>
-            <a:solidFill>
-              <a:schemeClr val="bg1"/>
-            </a:solidFill>
-            <a:ln>
-              <a:noFill/>
-            </a:ln>
-          </p:spPr>
-          <p:style>
-            <a:lnRef idx="2">
-              <a:schemeClr val="accent1">
-                <a:shade val="50000"/>
-              </a:schemeClr>
-            </a:lnRef>
-            <a:fillRef idx="1">
-              <a:schemeClr val="accent1"/>
-            </a:fillRef>
-            <a:effectRef idx="0">
-              <a:schemeClr val="accent1"/>
-            </a:effectRef>
-            <a:fontRef idx="minor">
-              <a:schemeClr val="lt1"/>
-            </a:fontRef>
-          </p:style>
-          <p:txBody>
-            <a:bodyPr rtlCol="0" anchor="ctr"/>
-            <a:lstStyle/>
-            <a:p>
-              <a:r>
-                <a:rPr lang="de-DE" sz="1600" b="1" dirty="0">
-                  <a:solidFill>
-                    <a:schemeClr val="accent4"/>
-                  </a:solidFill>
-                </a:rPr>
-                <a:t>Informationsintegration</a:t>
-              </a:r>
-            </a:p>
-          </p:txBody>
-        </p:sp>
-      </p:grpSp>
-      <p:grpSp>
-        <p:nvGrpSpPr>
-          <p:cNvPr id="10" name="Gruppieren 9">
-            <a:extLst>
-              <a:ext uri="{FF2B5EF4-FFF2-40B4-BE49-F238E27FC236}">
-                <a16:creationId xmlns:a16="http://schemas.microsoft.com/office/drawing/2014/main" xmlns="" id="{783A73D2-C025-644E-A194-3438D291D352}"/>
-              </a:ext>
-            </a:extLst>
-          </p:cNvPr>
-          <p:cNvGrpSpPr/>
-          <p:nvPr/>
-        </p:nvGrpSpPr>
-        <p:grpSpPr>
-          <a:xfrm>
-            <a:off x="874712" y="4194690"/>
-            <a:ext cx="2613557" cy="2020165"/>
-            <a:chOff x="1780031" y="1330903"/>
-            <a:chExt cx="2613557" cy="2020165"/>
-          </a:xfrm>
-        </p:grpSpPr>
-        <p:sp>
-          <p:nvSpPr>
-            <p:cNvPr id="11" name="Rechteck 10">
-              <a:extLst>
-                <a:ext uri="{FF2B5EF4-FFF2-40B4-BE49-F238E27FC236}">
-                  <a16:creationId xmlns:a16="http://schemas.microsoft.com/office/drawing/2014/main" xmlns="" id="{4F68B8E9-417E-0141-AE27-E298ED29929C}"/>
-                </a:ext>
-              </a:extLst>
-            </p:cNvPr>
-            <p:cNvSpPr/>
-            <p:nvPr/>
-          </p:nvSpPr>
-          <p:spPr>
-            <a:xfrm>
-              <a:off x="1780031" y="1499918"/>
-              <a:ext cx="2613557" cy="1851150"/>
-            </a:xfrm>
-            <a:prstGeom prst="rect">
-              <a:avLst/>
-            </a:prstGeom>
-            <a:solidFill>
-              <a:schemeClr val="bg1"/>
-            </a:solidFill>
-            <a:ln>
-              <a:solidFill>
-                <a:schemeClr val="accent4"/>
-              </a:solidFill>
-            </a:ln>
-          </p:spPr>
-          <p:style>
-            <a:lnRef idx="2">
-              <a:schemeClr val="accent1">
-                <a:shade val="50000"/>
-              </a:schemeClr>
-            </a:lnRef>
-            <a:fillRef idx="1">
-              <a:schemeClr val="accent1"/>
-            </a:fillRef>
-            <a:effectRef idx="0">
-              <a:schemeClr val="accent1"/>
-            </a:effectRef>
-            <a:fontRef idx="minor">
-              <a:schemeClr val="lt1"/>
-            </a:fontRef>
-          </p:style>
-          <p:txBody>
-            <a:bodyPr tIns="180000" rtlCol="0" anchor="t"/>
-            <a:lstStyle/>
-            <a:p>
-              <a:pPr marL="342900" indent="-342900">
-                <a:lnSpc>
-                  <a:spcPct val="150000"/>
-                </a:lnSpc>
-                <a:buFont typeface="Arial" panose="020B0604020202020204" pitchFamily="34" charset="0"/>
-                <a:buChar char="•"/>
-              </a:pPr>
-              <a:r>
-                <a:rPr lang="de-DE" dirty="0">
-                  <a:solidFill>
-                    <a:schemeClr val="tx1"/>
-                  </a:solidFill>
-                </a:rPr>
-                <a:t>Bereitstellung</a:t>
-              </a:r>
-            </a:p>
-            <a:p>
-              <a:pPr marL="342900" indent="-342900">
-                <a:lnSpc>
-                  <a:spcPct val="150000"/>
-                </a:lnSpc>
-                <a:buFont typeface="Arial" panose="020B0604020202020204" pitchFamily="34" charset="0"/>
-                <a:buChar char="•"/>
-              </a:pPr>
-              <a:r>
-                <a:rPr lang="de-DE" dirty="0">
-                  <a:solidFill>
-                    <a:schemeClr val="tx1"/>
-                  </a:solidFill>
-                </a:rPr>
-                <a:t>Filter</a:t>
-              </a:r>
-            </a:p>
-            <a:p>
-              <a:pPr marL="342900" indent="-342900">
-                <a:lnSpc>
-                  <a:spcPct val="150000"/>
-                </a:lnSpc>
-                <a:buFont typeface="Arial" panose="020B0604020202020204" pitchFamily="34" charset="0"/>
-                <a:buChar char="•"/>
-              </a:pPr>
-              <a:r>
-                <a:rPr lang="de-DE" dirty="0">
-                  <a:solidFill>
-                    <a:schemeClr val="tx1"/>
-                  </a:solidFill>
-                </a:rPr>
-                <a:t>Berater</a:t>
-              </a:r>
-            </a:p>
-            <a:p>
-              <a:pPr marL="342900" indent="-342900">
-                <a:lnSpc>
-                  <a:spcPct val="150000"/>
-                </a:lnSpc>
-                <a:buFont typeface="Arial" panose="020B0604020202020204" pitchFamily="34" charset="0"/>
-                <a:buChar char="•"/>
-              </a:pPr>
-              <a:r>
-                <a:rPr lang="de-DE" dirty="0" err="1">
-                  <a:solidFill>
-                    <a:schemeClr val="tx1"/>
-                  </a:solidFill>
-                </a:rPr>
-                <a:t>Deligieren</a:t>
-              </a:r>
-              <a:endParaRPr lang="de-DE" dirty="0">
-                <a:solidFill>
-                  <a:schemeClr val="tx1"/>
-                </a:solidFill>
-              </a:endParaRPr>
-            </a:p>
-          </p:txBody>
-        </p:sp>
-        <p:sp>
-          <p:nvSpPr>
-            <p:cNvPr id="12" name="Rechteck 11">
-              <a:extLst>
-                <a:ext uri="{FF2B5EF4-FFF2-40B4-BE49-F238E27FC236}">
-                  <a16:creationId xmlns:a16="http://schemas.microsoft.com/office/drawing/2014/main" xmlns="" id="{B2717A64-B61E-B44C-B23D-CB509FB519CA}"/>
-                </a:ext>
-              </a:extLst>
-            </p:cNvPr>
-            <p:cNvSpPr/>
-            <p:nvPr/>
-          </p:nvSpPr>
-          <p:spPr>
-            <a:xfrm>
-              <a:off x="1977040" y="1330903"/>
-              <a:ext cx="1631380" cy="338027"/>
-            </a:xfrm>
-            <a:prstGeom prst="rect">
-              <a:avLst/>
-            </a:prstGeom>
-            <a:solidFill>
-              <a:schemeClr val="bg1"/>
-            </a:solidFill>
-            <a:ln>
-              <a:noFill/>
-            </a:ln>
-          </p:spPr>
-          <p:style>
-            <a:lnRef idx="2">
-              <a:schemeClr val="accent1">
-                <a:shade val="50000"/>
-              </a:schemeClr>
-            </a:lnRef>
-            <a:fillRef idx="1">
-              <a:schemeClr val="accent1"/>
-            </a:fillRef>
-            <a:effectRef idx="0">
-              <a:schemeClr val="accent1"/>
-            </a:effectRef>
-            <a:fontRef idx="minor">
-              <a:schemeClr val="lt1"/>
-            </a:fontRef>
-          </p:style>
-          <p:txBody>
-            <a:bodyPr rtlCol="0" anchor="ctr"/>
-            <a:lstStyle/>
-            <a:p>
-              <a:r>
-                <a:rPr lang="de-DE" sz="1600" b="1" dirty="0">
-                  <a:solidFill>
-                    <a:schemeClr val="accent4"/>
-                  </a:solidFill>
-                </a:rPr>
-                <a:t>Entscheidung</a:t>
-              </a:r>
-            </a:p>
-          </p:txBody>
-        </p:sp>
-      </p:grpSp>
-      <p:grpSp>
-        <p:nvGrpSpPr>
-          <p:cNvPr id="13" name="Gruppieren 12">
-            <a:extLst>
-              <a:ext uri="{FF2B5EF4-FFF2-40B4-BE49-F238E27FC236}">
-                <a16:creationId xmlns:a16="http://schemas.microsoft.com/office/drawing/2014/main" xmlns="" id="{783A73D2-C025-644E-A194-3438D291D352}"/>
-              </a:ext>
-            </a:extLst>
-          </p:cNvPr>
-          <p:cNvGrpSpPr/>
-          <p:nvPr/>
-        </p:nvGrpSpPr>
-        <p:grpSpPr>
-          <a:xfrm>
-            <a:off x="7585726" y="783803"/>
-            <a:ext cx="3790652" cy="2494298"/>
-            <a:chOff x="1780032" y="1330903"/>
-            <a:chExt cx="3790652" cy="2494298"/>
-          </a:xfrm>
-        </p:grpSpPr>
-        <p:sp>
-          <p:nvSpPr>
-            <p:cNvPr id="14" name="Rechteck 13">
-              <a:extLst>
-                <a:ext uri="{FF2B5EF4-FFF2-40B4-BE49-F238E27FC236}">
-                  <a16:creationId xmlns:a16="http://schemas.microsoft.com/office/drawing/2014/main" xmlns="" id="{4F68B8E9-417E-0141-AE27-E298ED29929C}"/>
+                  <a16:creationId xmlns:a16="http://schemas.microsoft.com/office/drawing/2014/main" id="{F194248D-D9F9-4C4E-8A4C-40C1EA946B12}"/>
                 </a:ext>
               </a:extLst>
             </p:cNvPr>
@@ -20717,7 +20942,7 @@
           <p:spPr>
             <a:xfrm>
               <a:off x="1780032" y="1499918"/>
-              <a:ext cx="3790652" cy="2325283"/>
+              <a:ext cx="6153646" cy="2100809"/>
             </a:xfrm>
             <a:prstGeom prst="rect">
               <a:avLst/>
@@ -20856,10 +21081,10 @@
         </p:sp>
         <p:sp>
           <p:nvSpPr>
-            <p:cNvPr id="15" name="Rechteck 14">
+            <p:cNvPr id="14" name="Rechteck 13">
               <a:extLst>
                 <a:ext uri="{FF2B5EF4-FFF2-40B4-BE49-F238E27FC236}">
-                  <a16:creationId xmlns:a16="http://schemas.microsoft.com/office/drawing/2014/main" xmlns="" id="{B2717A64-B61E-B44C-B23D-CB509FB519CA}"/>
+                  <a16:creationId xmlns:a16="http://schemas.microsoft.com/office/drawing/2014/main" id="{57653FD1-269E-D047-9260-0629BDF911AF}"/>
                 </a:ext>
               </a:extLst>
             </p:cNvPr>
@@ -20913,295 +21138,99 @@
           </p:txBody>
         </p:sp>
       </p:grpSp>
-      <p:grpSp>
-        <p:nvGrpSpPr>
-          <p:cNvPr id="16" name="Gruppieren 15">
-            <a:extLst>
-              <a:ext uri="{FF2B5EF4-FFF2-40B4-BE49-F238E27FC236}">
-                <a16:creationId xmlns:a16="http://schemas.microsoft.com/office/drawing/2014/main" xmlns="" id="{783A73D2-C025-644E-A194-3438D291D352}"/>
-              </a:ext>
-            </a:extLst>
-          </p:cNvPr>
-          <p:cNvGrpSpPr/>
-          <p:nvPr/>
-        </p:nvGrpSpPr>
-        <p:grpSpPr>
-          <a:xfrm>
-            <a:off x="7356183" y="3528646"/>
-            <a:ext cx="4249738" cy="2494298"/>
-            <a:chOff x="1780032" y="1330903"/>
-            <a:chExt cx="4249738" cy="2494298"/>
-          </a:xfrm>
-        </p:grpSpPr>
-        <p:sp>
-          <p:nvSpPr>
-            <p:cNvPr id="17" name="Rechteck 16">
-              <a:extLst>
-                <a:ext uri="{FF2B5EF4-FFF2-40B4-BE49-F238E27FC236}">
-                  <a16:creationId xmlns:a16="http://schemas.microsoft.com/office/drawing/2014/main" xmlns="" id="{4F68B8E9-417E-0141-AE27-E298ED29929C}"/>
-                </a:ext>
-              </a:extLst>
-            </p:cNvPr>
-            <p:cNvSpPr/>
-            <p:nvPr/>
-          </p:nvSpPr>
-          <p:spPr>
-            <a:xfrm>
-              <a:off x="1780032" y="1499918"/>
-              <a:ext cx="4249738" cy="2325283"/>
-            </a:xfrm>
-            <a:prstGeom prst="rect">
-              <a:avLst/>
-            </a:prstGeom>
-            <a:solidFill>
-              <a:schemeClr val="bg1"/>
-            </a:solidFill>
-            <a:ln>
-              <a:solidFill>
-                <a:schemeClr val="accent4"/>
-              </a:solidFill>
-            </a:ln>
-          </p:spPr>
-          <p:style>
-            <a:lnRef idx="2">
-              <a:schemeClr val="accent1">
-                <a:shade val="50000"/>
-              </a:schemeClr>
-            </a:lnRef>
-            <a:fillRef idx="1">
-              <a:schemeClr val="accent1"/>
-            </a:fillRef>
-            <a:effectRef idx="0">
-              <a:schemeClr val="accent1"/>
-            </a:effectRef>
-            <a:fontRef idx="minor">
-              <a:schemeClr val="lt1"/>
-            </a:fontRef>
-          </p:style>
-          <p:txBody>
-            <a:bodyPr tIns="180000" rtlCol="0" anchor="t"/>
-            <a:lstStyle/>
-            <a:p>
-              <a:pPr marL="342900" indent="-342900">
-                <a:lnSpc>
-                  <a:spcPct val="120000"/>
-                </a:lnSpc>
-                <a:buFont typeface="Arial" panose="020B0604020202020204" pitchFamily="34" charset="0"/>
-                <a:buChar char="•"/>
-              </a:pPr>
-              <a:r>
-                <a:rPr lang="de-DE" dirty="0">
-                  <a:solidFill>
-                    <a:schemeClr val="tx1"/>
-                  </a:solidFill>
-                </a:rPr>
-                <a:t>Variation der Benutzermerkmale</a:t>
-              </a:r>
-            </a:p>
-            <a:p>
-              <a:pPr marL="342900" indent="-342900">
-                <a:lnSpc>
-                  <a:spcPct val="120000"/>
-                </a:lnSpc>
-                <a:buFont typeface="Arial" panose="020B0604020202020204" pitchFamily="34" charset="0"/>
-                <a:buChar char="•"/>
-              </a:pPr>
-              <a:r>
-                <a:rPr lang="de-DE" dirty="0">
-                  <a:solidFill>
-                    <a:schemeClr val="tx1"/>
-                  </a:solidFill>
-                </a:rPr>
-                <a:t>Unterschiedlichen Bedürfnissen und Zielen der Nutzer</a:t>
-              </a:r>
-            </a:p>
-            <a:p>
-              <a:pPr marL="342900" indent="-342900">
-                <a:lnSpc>
-                  <a:spcPct val="120000"/>
-                </a:lnSpc>
-                <a:buFont typeface="Arial" panose="020B0604020202020204" pitchFamily="34" charset="0"/>
-                <a:buChar char="•"/>
-              </a:pPr>
-              <a:r>
-                <a:rPr lang="de-DE" dirty="0">
-                  <a:solidFill>
-                    <a:schemeClr val="tx1"/>
-                  </a:solidFill>
-                </a:rPr>
-                <a:t>Schwankung der Aufgabenmerkmale</a:t>
-              </a:r>
-            </a:p>
-            <a:p>
-              <a:pPr marL="342900" indent="-342900">
-                <a:lnSpc>
-                  <a:spcPct val="120000"/>
-                </a:lnSpc>
-                <a:buFont typeface="Arial" panose="020B0604020202020204" pitchFamily="34" charset="0"/>
-                <a:buChar char="•"/>
-              </a:pPr>
-              <a:r>
-                <a:rPr lang="de-DE" dirty="0">
-                  <a:solidFill>
-                    <a:schemeClr val="tx1"/>
-                  </a:solidFill>
-                </a:rPr>
-                <a:t>Nutzung eines Systems auf verschiedenen Geräten</a:t>
-              </a:r>
-            </a:p>
-            <a:p>
-              <a:pPr marL="342900" indent="-342900">
-                <a:lnSpc>
-                  <a:spcPct val="120000"/>
-                </a:lnSpc>
-                <a:buFont typeface="Arial" panose="020B0604020202020204" pitchFamily="34" charset="0"/>
-                <a:buChar char="•"/>
-              </a:pPr>
-              <a:r>
-                <a:rPr lang="de-DE" dirty="0">
-                  <a:solidFill>
-                    <a:schemeClr val="tx1"/>
-                  </a:solidFill>
-                </a:rPr>
-                <a:t>Veränderung der Umgebung</a:t>
-              </a:r>
-            </a:p>
-          </p:txBody>
-        </p:sp>
-        <p:sp>
-          <p:nvSpPr>
-            <p:cNvPr id="18" name="Rechteck 17">
-              <a:extLst>
-                <a:ext uri="{FF2B5EF4-FFF2-40B4-BE49-F238E27FC236}">
-                  <a16:creationId xmlns:a16="http://schemas.microsoft.com/office/drawing/2014/main" xmlns="" id="{B2717A64-B61E-B44C-B23D-CB509FB519CA}"/>
-                </a:ext>
-              </a:extLst>
-            </p:cNvPr>
-            <p:cNvSpPr/>
-            <p:nvPr/>
-          </p:nvSpPr>
-          <p:spPr>
-            <a:xfrm>
-              <a:off x="1977040" y="1330903"/>
-              <a:ext cx="2416547" cy="338027"/>
-            </a:xfrm>
-            <a:prstGeom prst="rect">
-              <a:avLst/>
-            </a:prstGeom>
-            <a:solidFill>
-              <a:schemeClr val="bg1"/>
-            </a:solidFill>
-            <a:ln>
-              <a:noFill/>
-            </a:ln>
-          </p:spPr>
-          <p:style>
-            <a:lnRef idx="2">
-              <a:schemeClr val="accent1">
-                <a:shade val="50000"/>
-              </a:schemeClr>
-            </a:lnRef>
-            <a:fillRef idx="1">
-              <a:schemeClr val="accent1"/>
-            </a:fillRef>
-            <a:effectRef idx="0">
-              <a:schemeClr val="accent1"/>
-            </a:effectRef>
-            <a:fontRef idx="minor">
-              <a:schemeClr val="lt1"/>
-            </a:fontRef>
-          </p:style>
-          <p:txBody>
-            <a:bodyPr rtlCol="0" anchor="ctr"/>
-            <a:lstStyle/>
-            <a:p>
-              <a:r>
-                <a:rPr lang="de-DE" sz="1600" b="1" dirty="0">
-                  <a:solidFill>
-                    <a:schemeClr val="accent4"/>
-                  </a:solidFill>
-                </a:rPr>
-                <a:t>Individualisierung bei</a:t>
-              </a:r>
-            </a:p>
-          </p:txBody>
-        </p:sp>
-      </p:grpSp>
+    </p:spTree>
+    <p:extLst>
+      <p:ext uri="{BB962C8B-B14F-4D97-AF65-F5344CB8AC3E}">
+        <p14:creationId xmlns:p14="http://schemas.microsoft.com/office/powerpoint/2010/main" val="1594901777"/>
+      </p:ext>
+    </p:extLst>
+  </p:cSld>
+  <p:clrMapOvr>
+    <a:masterClrMapping/>
+  </p:clrMapOvr>
+</p:sld>
+</file>
+
+<file path=ppt/slides/slide7.xml><?xml version="1.0" encoding="utf-8"?>
+<p:sld xmlns:a="http://schemas.openxmlformats.org/drawingml/2006/main" xmlns:r="http://schemas.openxmlformats.org/officeDocument/2006/relationships" xmlns:p="http://schemas.openxmlformats.org/presentationml/2006/main">
+  <p:cSld>
+    <p:spTree>
+      <p:nvGrpSpPr>
+        <p:cNvPr id="1" name=""/>
+        <p:cNvGrpSpPr/>
+        <p:nvPr/>
+      </p:nvGrpSpPr>
+      <p:grpSpPr>
+        <a:xfrm>
+          <a:off x="0" y="0"/>
+          <a:ext cx="0" cy="0"/>
+          <a:chOff x="0" y="0"/>
+          <a:chExt cx="0" cy="0"/>
+        </a:xfrm>
+      </p:grpSpPr>
       <p:sp>
         <p:nvSpPr>
-          <p:cNvPr id="19" name="Ellipse 18"/>
-          <p:cNvSpPr/>
-          <p:nvPr/>
+          <p:cNvPr id="2" name="Titel 1"/>
+          <p:cNvSpPr>
+            <a:spLocks noGrp="1"/>
+          </p:cNvSpPr>
+          <p:nvPr>
+            <p:ph type="title"/>
+          </p:nvPr>
         </p:nvSpPr>
-        <p:spPr>
-          <a:xfrm>
-            <a:off x="874712" y="1455490"/>
-            <a:ext cx="360000" cy="360000"/>
-          </a:xfrm>
-          <a:prstGeom prst="ellipse">
-            <a:avLst/>
-          </a:prstGeom>
-          <a:noFill/>
-          <a:ln w="19050">
-            <a:solidFill>
-              <a:schemeClr val="tx1"/>
-            </a:solidFill>
-          </a:ln>
-        </p:spPr>
-        <p:style>
-          <a:lnRef idx="2">
-            <a:schemeClr val="accent1">
-              <a:shade val="50000"/>
-            </a:schemeClr>
-          </a:lnRef>
-          <a:fillRef idx="1">
-            <a:schemeClr val="accent1"/>
-          </a:fillRef>
-          <a:effectRef idx="0">
-            <a:schemeClr val="accent1"/>
-          </a:effectRef>
-          <a:fontRef idx="minor">
-            <a:schemeClr val="lt1"/>
-          </a:fontRef>
-        </p:style>
+        <p:spPr/>
         <p:txBody>
-          <a:bodyPr rtlCol="0" anchor="ctr"/>
+          <a:bodyPr/>
           <a:lstStyle/>
           <a:p>
-            <a:pPr algn="ctr"/>
             <a:r>
-              <a:rPr lang="de-DE" b="1" dirty="0" smtClean="0">
-                <a:solidFill>
-                  <a:schemeClr val="tx1"/>
-                </a:solidFill>
-              </a:rPr>
-              <a:t>1</a:t>
+              <a:rPr lang="de-DE" dirty="0"/>
+              <a:t>Was ist bei der Entwicklung des Assistenzsystems besonders zu berücksichtigen?</a:t>
             </a:r>
-            <a:endParaRPr lang="de-DE" b="1" dirty="0">
-              <a:solidFill>
-                <a:schemeClr val="tx1"/>
-              </a:solidFill>
-            </a:endParaRPr>
+          </a:p>
+        </p:txBody>
+      </p:sp>
+      <p:sp>
+        <p:nvSpPr>
+          <p:cNvPr id="3" name="Inhaltsplatzhalter 2"/>
+          <p:cNvSpPr>
+            <a:spLocks noGrp="1"/>
+          </p:cNvSpPr>
+          <p:nvPr>
+            <p:ph sz="quarter" idx="10"/>
+          </p:nvPr>
+        </p:nvSpPr>
+        <p:spPr/>
+        <p:txBody>
+          <a:bodyPr/>
+          <a:lstStyle/>
+          <a:p>
+            <a:r>
+              <a:rPr lang="de-DE" dirty="0"/>
+              <a:t>Assistance Dilemma</a:t>
+            </a:r>
+          </a:p>
+          <a:p>
+            <a:r>
+              <a:rPr lang="de-DE" dirty="0"/>
+              <a:t>Unternehmensziele</a:t>
+            </a:r>
+          </a:p>
+          <a:p>
+            <a:endParaRPr lang="de-DE" dirty="0"/>
           </a:p>
         </p:txBody>
       </p:sp>
     </p:spTree>
     <p:extLst>
       <p:ext uri="{BB962C8B-B14F-4D97-AF65-F5344CB8AC3E}">
-        <p14:creationId xmlns:p14="http://schemas.microsoft.com/office/powerpoint/2010/main" val="1038943868"/>
+        <p14:creationId xmlns:p14="http://schemas.microsoft.com/office/powerpoint/2010/main" val="3493721261"/>
       </p:ext>
     </p:extLst>
   </p:cSld>
   <p:clrMapOvr>
     <a:masterClrMapping/>
   </p:clrMapOvr>
-  <p:timing>
-    <p:tnLst>
-      <p:par>
-        <p:cTn id="1" dur="indefinite" restart="never" nodeType="tmRoot"/>
-      </p:par>
-    </p:tnLst>
-  </p:timing>
 </p:sld>
 </file>
 
@@ -21249,7 +21278,7 @@
           <p:cNvPr id="4" name="Gruppieren 3">
             <a:extLst>
               <a:ext uri="{FF2B5EF4-FFF2-40B4-BE49-F238E27FC236}">
-                <a16:creationId xmlns:a16="http://schemas.microsoft.com/office/drawing/2014/main" xmlns="" id="{783A73D2-C025-644E-A194-3438D291D352}"/>
+                <a16:creationId xmlns:a16="http://schemas.microsoft.com/office/drawing/2014/main" id="{783A73D2-C025-644E-A194-3438D291D352}"/>
               </a:ext>
             </a:extLst>
           </p:cNvPr>
@@ -21269,7 +21298,7 @@
             <p:cNvPr id="5" name="Rechteck 4">
               <a:extLst>
                 <a:ext uri="{FF2B5EF4-FFF2-40B4-BE49-F238E27FC236}">
-                  <a16:creationId xmlns:a16="http://schemas.microsoft.com/office/drawing/2014/main" xmlns="" id="{4F68B8E9-417E-0141-AE27-E298ED29929C}"/>
+                  <a16:creationId xmlns:a16="http://schemas.microsoft.com/office/drawing/2014/main" id="{4F68B8E9-417E-0141-AE27-E298ED29929C}"/>
                 </a:ext>
               </a:extLst>
             </p:cNvPr>
@@ -21460,7 +21489,7 @@
             <p:cNvPr id="6" name="Rechteck 5">
               <a:extLst>
                 <a:ext uri="{FF2B5EF4-FFF2-40B4-BE49-F238E27FC236}">
-                  <a16:creationId xmlns:a16="http://schemas.microsoft.com/office/drawing/2014/main" xmlns="" id="{B2717A64-B61E-B44C-B23D-CB509FB519CA}"/>
+                  <a16:creationId xmlns:a16="http://schemas.microsoft.com/office/drawing/2014/main" id="{B2717A64-B61E-B44C-B23D-CB509FB519CA}"/>
                 </a:ext>
               </a:extLst>
             </p:cNvPr>
@@ -21519,7 +21548,7 @@
           <p:cNvPr id="7" name="Gruppieren 6">
             <a:extLst>
               <a:ext uri="{FF2B5EF4-FFF2-40B4-BE49-F238E27FC236}">
-                <a16:creationId xmlns:a16="http://schemas.microsoft.com/office/drawing/2014/main" xmlns="" id="{783A73D2-C025-644E-A194-3438D291D352}"/>
+                <a16:creationId xmlns:a16="http://schemas.microsoft.com/office/drawing/2014/main" id="{783A73D2-C025-644E-A194-3438D291D352}"/>
               </a:ext>
             </a:extLst>
           </p:cNvPr>
@@ -21539,7 +21568,7 @@
             <p:cNvPr id="8" name="Rechteck 7">
               <a:extLst>
                 <a:ext uri="{FF2B5EF4-FFF2-40B4-BE49-F238E27FC236}">
-                  <a16:creationId xmlns:a16="http://schemas.microsoft.com/office/drawing/2014/main" xmlns="" id="{4F68B8E9-417E-0141-AE27-E298ED29929C}"/>
+                  <a16:creationId xmlns:a16="http://schemas.microsoft.com/office/drawing/2014/main" id="{4F68B8E9-417E-0141-AE27-E298ED29929C}"/>
                 </a:ext>
               </a:extLst>
             </p:cNvPr>
@@ -21708,7 +21737,7 @@
             <p:cNvPr id="9" name="Rechteck 8">
               <a:extLst>
                 <a:ext uri="{FF2B5EF4-FFF2-40B4-BE49-F238E27FC236}">
-                  <a16:creationId xmlns:a16="http://schemas.microsoft.com/office/drawing/2014/main" xmlns="" id="{B2717A64-B61E-B44C-B23D-CB509FB519CA}"/>
+                  <a16:creationId xmlns:a16="http://schemas.microsoft.com/office/drawing/2014/main" id="{B2717A64-B61E-B44C-B23D-CB509FB519CA}"/>
                 </a:ext>
               </a:extLst>
             </p:cNvPr>
@@ -21772,13 +21801,6 @@
   <p:clrMapOvr>
     <a:masterClrMapping/>
   </p:clrMapOvr>
-  <p:timing>
-    <p:tnLst>
-      <p:par>
-        <p:cTn id="1" dur="indefinite" restart="never" nodeType="tmRoot"/>
-      </p:par>
-    </p:tnLst>
-  </p:timing>
 </p:sld>
 </file>
 
@@ -21815,10 +21837,9 @@
           <a:lstStyle/>
           <a:p>
             <a:r>
-              <a:rPr lang="de-DE" dirty="0" smtClean="0"/>
+              <a:rPr lang="de-DE" dirty="0"/>
               <a:t>Die Funktionen, die Assistenz übernehmen kann, unterscheiden sich anhand der Ebenen in einem Unternehmen</a:t>
             </a:r>
-            <a:endParaRPr lang="de-DE" dirty="0"/>
           </a:p>
         </p:txBody>
       </p:sp>
@@ -21851,21 +21872,21 @@
                 <a:gridCol w="2794176">
                   <a:extLst>
                     <a:ext uri="{9D8B030D-6E8A-4147-A177-3AD203B41FA5}">
-                      <a16:colId xmlns:a16="http://schemas.microsoft.com/office/drawing/2014/main" xmlns="" val="20000"/>
+                      <a16:colId xmlns:a16="http://schemas.microsoft.com/office/drawing/2014/main" val="20000"/>
                     </a:ext>
                   </a:extLst>
                 </a:gridCol>
                 <a:gridCol w="3736622">
                   <a:extLst>
                     <a:ext uri="{9D8B030D-6E8A-4147-A177-3AD203B41FA5}">
-                      <a16:colId xmlns:a16="http://schemas.microsoft.com/office/drawing/2014/main" xmlns="" val="20001"/>
+                      <a16:colId xmlns:a16="http://schemas.microsoft.com/office/drawing/2014/main" val="20001"/>
                     </a:ext>
                   </a:extLst>
                 </a:gridCol>
                 <a:gridCol w="4049890">
                   <a:extLst>
                     <a:ext uri="{9D8B030D-6E8A-4147-A177-3AD203B41FA5}">
-                      <a16:colId xmlns:a16="http://schemas.microsoft.com/office/drawing/2014/main" xmlns="" val="20002"/>
+                      <a16:colId xmlns:a16="http://schemas.microsoft.com/office/drawing/2014/main" val="20002"/>
                     </a:ext>
                   </a:extLst>
                 </a:gridCol>
@@ -22037,7 +22058,7 @@
                 </a:tc>
                 <a:extLst>
                   <a:ext uri="{0D108BD9-81ED-4DB2-BD59-A6C34878D82A}">
-                    <a16:rowId xmlns:a16="http://schemas.microsoft.com/office/drawing/2014/main" xmlns="" val="10000"/>
+                    <a16:rowId xmlns:a16="http://schemas.microsoft.com/office/drawing/2014/main" val="10000"/>
                   </a:ext>
                 </a:extLst>
               </a:tr>
@@ -22193,7 +22214,7 @@
                 </a:tc>
                 <a:extLst>
                   <a:ext uri="{0D108BD9-81ED-4DB2-BD59-A6C34878D82A}">
-                    <a16:rowId xmlns:a16="http://schemas.microsoft.com/office/drawing/2014/main" xmlns="" val="10001"/>
+                    <a16:rowId xmlns:a16="http://schemas.microsoft.com/office/drawing/2014/main" val="10001"/>
                   </a:ext>
                 </a:extLst>
               </a:tr>
@@ -22366,7 +22387,7 @@
                 </a:tc>
                 <a:extLst>
                   <a:ext uri="{0D108BD9-81ED-4DB2-BD59-A6C34878D82A}">
-                    <a16:rowId xmlns:a16="http://schemas.microsoft.com/office/drawing/2014/main" xmlns="" val="10002"/>
+                    <a16:rowId xmlns:a16="http://schemas.microsoft.com/office/drawing/2014/main" val="10002"/>
                   </a:ext>
                 </a:extLst>
               </a:tr>
@@ -22544,7 +22565,7 @@
                 </a:tc>
                 <a:extLst>
                   <a:ext uri="{0D108BD9-81ED-4DB2-BD59-A6C34878D82A}">
-                    <a16:rowId xmlns:a16="http://schemas.microsoft.com/office/drawing/2014/main" xmlns="" val="10003"/>
+                    <a16:rowId xmlns:a16="http://schemas.microsoft.com/office/drawing/2014/main" val="10003"/>
                   </a:ext>
                 </a:extLst>
               </a:tr>
@@ -22728,7 +22749,7 @@
                 </a:tc>
                 <a:extLst>
                   <a:ext uri="{0D108BD9-81ED-4DB2-BD59-A6C34878D82A}">
-                    <a16:rowId xmlns:a16="http://schemas.microsoft.com/office/drawing/2014/main" xmlns="" val="10004"/>
+                    <a16:rowId xmlns:a16="http://schemas.microsoft.com/office/drawing/2014/main" val="10004"/>
                   </a:ext>
                 </a:extLst>
               </a:tr>
@@ -22741,7 +22762,7 @@
           <p:cNvPr id="8" name="Grafik 7">
             <a:extLst>
               <a:ext uri="{FF2B5EF4-FFF2-40B4-BE49-F238E27FC236}">
-                <a16:creationId xmlns:a16="http://schemas.microsoft.com/office/drawing/2014/main" xmlns="" id="{A0D83B10-750B-6445-9B6E-0595A3D3107B}"/>
+                <a16:creationId xmlns:a16="http://schemas.microsoft.com/office/drawing/2014/main" id="{A0D83B10-750B-6445-9B6E-0595A3D3107B}"/>
               </a:ext>
             </a:extLst>
           </p:cNvPr>
@@ -22772,6 +22793,58 @@
           </a:prstGeom>
         </p:spPr>
       </p:pic>
+      <p:sp>
+        <p:nvSpPr>
+          <p:cNvPr id="3" name="Rechteck 2">
+            <a:extLst>
+              <a:ext uri="{FF2B5EF4-FFF2-40B4-BE49-F238E27FC236}">
+                <a16:creationId xmlns:a16="http://schemas.microsoft.com/office/drawing/2014/main" id="{8931C094-1625-A446-B2FF-B51DE0FA36CB}"/>
+              </a:ext>
+            </a:extLst>
+          </p:cNvPr>
+          <p:cNvSpPr/>
+          <p:nvPr/>
+        </p:nvSpPr>
+        <p:spPr>
+          <a:xfrm>
+            <a:off x="874712" y="2923797"/>
+            <a:ext cx="10580687" cy="935683"/>
+          </a:xfrm>
+          <a:prstGeom prst="rect">
+            <a:avLst/>
+          </a:prstGeom>
+          <a:noFill/>
+          <a:ln w="38100">
+            <a:solidFill>
+              <a:schemeClr val="accent6"/>
+            </a:solidFill>
+          </a:ln>
+        </p:spPr>
+        <p:style>
+          <a:lnRef idx="2">
+            <a:schemeClr val="accent1">
+              <a:shade val="50000"/>
+            </a:schemeClr>
+          </a:lnRef>
+          <a:fillRef idx="1">
+            <a:schemeClr val="accent1"/>
+          </a:fillRef>
+          <a:effectRef idx="0">
+            <a:schemeClr val="accent1"/>
+          </a:effectRef>
+          <a:fontRef idx="minor">
+            <a:schemeClr val="lt1"/>
+          </a:fontRef>
+        </p:style>
+        <p:txBody>
+          <a:bodyPr rtlCol="0" anchor="ctr"/>
+          <a:lstStyle/>
+          <a:p>
+            <a:pPr algn="ctr"/>
+            <a:endParaRPr lang="de-DE"/>
+          </a:p>
+        </p:txBody>
+      </p:sp>
     </p:spTree>
     <p:extLst>
       <p:ext uri="{BB962C8B-B14F-4D97-AF65-F5344CB8AC3E}">
@@ -22785,9 +22858,80 @@
   <p:timing>
     <p:tnLst>
       <p:par>
-        <p:cTn id="1" dur="indefinite" restart="never" nodeType="tmRoot"/>
+        <p:cTn id="1" dur="indefinite" restart="never" nodeType="tmRoot">
+          <p:childTnLst>
+            <p:seq concurrent="1" nextAc="seek">
+              <p:cTn id="2" dur="indefinite" nodeType="mainSeq">
+                <p:childTnLst>
+                  <p:par>
+                    <p:cTn id="3" fill="hold">
+                      <p:stCondLst>
+                        <p:cond delay="indefinite"/>
+                      </p:stCondLst>
+                      <p:childTnLst>
+                        <p:par>
+                          <p:cTn id="4" fill="hold">
+                            <p:stCondLst>
+                              <p:cond delay="0"/>
+                            </p:stCondLst>
+                            <p:childTnLst>
+                              <p:par>
+                                <p:cTn id="5" presetID="1" presetClass="entr" presetSubtype="0" fill="hold" grpId="0" nodeType="clickEffect">
+                                  <p:stCondLst>
+                                    <p:cond delay="0"/>
+                                  </p:stCondLst>
+                                  <p:childTnLst>
+                                    <p:set>
+                                      <p:cBhvr>
+                                        <p:cTn id="6" dur="1" fill="hold">
+                                          <p:stCondLst>
+                                            <p:cond delay="0"/>
+                                          </p:stCondLst>
+                                        </p:cTn>
+                                        <p:tgtEl>
+                                          <p:spTgt spid="3"/>
+                                        </p:tgtEl>
+                                        <p:attrNameLst>
+                                          <p:attrName>style.visibility</p:attrName>
+                                        </p:attrNameLst>
+                                      </p:cBhvr>
+                                      <p:to>
+                                        <p:strVal val="visible"/>
+                                      </p:to>
+                                    </p:set>
+                                  </p:childTnLst>
+                                </p:cTn>
+                              </p:par>
+                            </p:childTnLst>
+                          </p:cTn>
+                        </p:par>
+                      </p:childTnLst>
+                    </p:cTn>
+                  </p:par>
+                </p:childTnLst>
+              </p:cTn>
+              <p:prevCondLst>
+                <p:cond evt="onPrev" delay="0">
+                  <p:tgtEl>
+                    <p:sldTgt/>
+                  </p:tgtEl>
+                </p:cond>
+              </p:prevCondLst>
+              <p:nextCondLst>
+                <p:cond evt="onNext" delay="0">
+                  <p:tgtEl>
+                    <p:sldTgt/>
+                  </p:tgtEl>
+                </p:cond>
+              </p:nextCondLst>
+            </p:seq>
+          </p:childTnLst>
+        </p:cTn>
       </p:par>
     </p:tnLst>
+    <p:bldLst>
+      <p:bldP spid="3" grpId="0" animBg="1"/>
+    </p:bldLst>
   </p:timing>
 </p:sld>
 </file>

--- a/Dokumente/Präsentationen/2019-04-29_DA_Feldkemper_Probeverteidigung.pptx
+++ b/Dokumente/Präsentationen/2019-04-29_DA_Feldkemper_Probeverteidigung.pptx
@@ -49,14 +49,14 @@
   <p:notesSz cx="6858000" cy="9144000"/>
   <p:embeddedFontLst>
     <p:embeddedFont>
-      <p:font typeface="Calibri" panose="020F0502020204030204" pitchFamily="34" charset="0"/>
+      <p:font typeface="Open Sans" panose="020B0604020202020204" charset="0"/>
       <p:regular r:id="rId37"/>
       <p:bold r:id="rId38"/>
       <p:italic r:id="rId39"/>
       <p:boldItalic r:id="rId40"/>
     </p:embeddedFont>
     <p:embeddedFont>
-      <p:font typeface="Open Sans" panose="020B0606030504020204" pitchFamily="34" charset="0"/>
+      <p:font typeface="Calibri" panose="020F0502020204030204" pitchFamily="34" charset="0"/>
       <p:regular r:id="rId41"/>
       <p:bold r:id="rId42"/>
       <p:italic r:id="rId43"/>
@@ -333,7 +333,7 @@
           <a:p>
             <a:fld id="{C6AC6211-610F-44E5-BF19-D3CDF6EDD281}" type="datetimeFigureOut">
               <a:rPr lang="de-DE" smtClean="0"/>
-              <a:t>14.04.19</a:t>
+              <a:t>15.04.2019</a:t>
             </a:fld>
             <a:endParaRPr lang="de-DE"/>
           </a:p>
@@ -1139,7 +1139,7 @@
           <a:p>
             <a:fld id="{347435D3-23A6-45D3-8DFA-7317DC1E7A64}" type="datetimeFigureOut">
               <a:rPr lang="de-DE" smtClean="0"/>
-              <a:t>14.04.19</a:t>
+              <a:t>15.04.2019</a:t>
             </a:fld>
             <a:endParaRPr lang="de-DE"/>
           </a:p>
@@ -2422,7 +2422,7 @@
           <p:cNvPr id="15" name="Rechteck 14">
             <a:extLst>
               <a:ext uri="{FF2B5EF4-FFF2-40B4-BE49-F238E27FC236}">
-                <a16:creationId xmlns:a16="http://schemas.microsoft.com/office/drawing/2014/main" id="{F770C3AA-244C-A141-BC22-D074823F4293}"/>
+                <a16:creationId xmlns="" xmlns:a16="http://schemas.microsoft.com/office/drawing/2014/main" id="{F770C3AA-244C-A141-BC22-D074823F4293}"/>
               </a:ext>
             </a:extLst>
           </p:cNvPr>
@@ -2662,7 +2662,7 @@
           <p:cNvPr id="5" name="Grafik 4">
             <a:extLst>
               <a:ext uri="{FF2B5EF4-FFF2-40B4-BE49-F238E27FC236}">
-                <a16:creationId xmlns:a16="http://schemas.microsoft.com/office/drawing/2014/main" id="{C0F785FA-BB6E-6347-A8C6-9846216D4CBB}"/>
+                <a16:creationId xmlns="" xmlns:a16="http://schemas.microsoft.com/office/drawing/2014/main" id="{C0F785FA-BB6E-6347-A8C6-9846216D4CBB}"/>
               </a:ext>
             </a:extLst>
           </p:cNvPr>
@@ -2851,7 +2851,7 @@
           <p:cNvPr id="12" name="Grafik 11" hidden="1">
             <a:extLst>
               <a:ext uri="{FF2B5EF4-FFF2-40B4-BE49-F238E27FC236}">
-                <a16:creationId xmlns:a16="http://schemas.microsoft.com/office/drawing/2014/main" id="{CFC0D4A5-64CF-6D49-98B1-9FF6119E60EC}"/>
+                <a16:creationId xmlns="" xmlns:a16="http://schemas.microsoft.com/office/drawing/2014/main" id="{CFC0D4A5-64CF-6D49-98B1-9FF6119E60EC}"/>
               </a:ext>
             </a:extLst>
           </p:cNvPr>
@@ -2881,7 +2881,7 @@
           <p:cNvPr id="17" name="Grafik 16">
             <a:extLst>
               <a:ext uri="{FF2B5EF4-FFF2-40B4-BE49-F238E27FC236}">
-                <a16:creationId xmlns:a16="http://schemas.microsoft.com/office/drawing/2014/main" id="{22ECE872-F4EF-2A49-BA96-6065BC99D769}"/>
+                <a16:creationId xmlns="" xmlns:a16="http://schemas.microsoft.com/office/drawing/2014/main" id="{22ECE872-F4EF-2A49-BA96-6065BC99D769}"/>
               </a:ext>
             </a:extLst>
           </p:cNvPr>
@@ -3151,7 +3151,7 @@
           <p:cNvPr id="5" name="Rechteck 4">
             <a:extLst>
               <a:ext uri="{FF2B5EF4-FFF2-40B4-BE49-F238E27FC236}">
-                <a16:creationId xmlns:a16="http://schemas.microsoft.com/office/drawing/2014/main" id="{FD770378-5F2D-DE46-8D66-09007E946AD3}"/>
+                <a16:creationId xmlns="" xmlns:a16="http://schemas.microsoft.com/office/drawing/2014/main" id="{FD770378-5F2D-DE46-8D66-09007E946AD3}"/>
               </a:ext>
             </a:extLst>
           </p:cNvPr>
@@ -3215,7 +3215,7 @@
           <p:cNvPr id="4" name="Grafik 3">
             <a:extLst>
               <a:ext uri="{FF2B5EF4-FFF2-40B4-BE49-F238E27FC236}">
-                <a16:creationId xmlns:a16="http://schemas.microsoft.com/office/drawing/2014/main" id="{4FE30B28-5777-FC40-9C3F-81738D289A6A}"/>
+                <a16:creationId xmlns="" xmlns:a16="http://schemas.microsoft.com/office/drawing/2014/main" id="{4FE30B28-5777-FC40-9C3F-81738D289A6A}"/>
               </a:ext>
             </a:extLst>
           </p:cNvPr>
@@ -3286,7 +3286,7 @@
           <p:cNvPr id="6" name="Textplatzhalter 25">
             <a:extLst>
               <a:ext uri="{FF2B5EF4-FFF2-40B4-BE49-F238E27FC236}">
-                <a16:creationId xmlns:a16="http://schemas.microsoft.com/office/drawing/2014/main" id="{A625CB76-33FD-F742-81DB-F571E1D3988E}"/>
+                <a16:creationId xmlns="" xmlns:a16="http://schemas.microsoft.com/office/drawing/2014/main" id="{A625CB76-33FD-F742-81DB-F571E1D3988E}"/>
               </a:ext>
             </a:extLst>
           </p:cNvPr>
@@ -3357,7 +3357,7 @@
           <p:cNvPr id="9" name="Grafik 8">
             <a:extLst>
               <a:ext uri="{FF2B5EF4-FFF2-40B4-BE49-F238E27FC236}">
-                <a16:creationId xmlns:a16="http://schemas.microsoft.com/office/drawing/2014/main" id="{8BFAE0AD-6B6F-7D46-B734-E35EC976BB2F}"/>
+                <a16:creationId xmlns="" xmlns:a16="http://schemas.microsoft.com/office/drawing/2014/main" id="{8BFAE0AD-6B6F-7D46-B734-E35EC976BB2F}"/>
               </a:ext>
             </a:extLst>
           </p:cNvPr>
@@ -3423,7 +3423,7 @@
           <p:cNvPr id="24" name="Bildplatzhalter 23">
             <a:extLst>
               <a:ext uri="{FF2B5EF4-FFF2-40B4-BE49-F238E27FC236}">
-                <a16:creationId xmlns:a16="http://schemas.microsoft.com/office/drawing/2014/main" id="{24A56C48-CA8D-D349-89CC-35C3A65DC4D5}"/>
+                <a16:creationId xmlns="" xmlns:a16="http://schemas.microsoft.com/office/drawing/2014/main" id="{24A56C48-CA8D-D349-89CC-35C3A65DC4D5}"/>
               </a:ext>
             </a:extLst>
           </p:cNvPr>
@@ -3737,7 +3737,7 @@
           <p:cNvPr id="6" name="Textplatzhalter 5">
             <a:extLst>
               <a:ext uri="{FF2B5EF4-FFF2-40B4-BE49-F238E27FC236}">
-                <a16:creationId xmlns:a16="http://schemas.microsoft.com/office/drawing/2014/main" id="{2E77FCEF-52F5-324B-A583-005ABCE0E622}"/>
+                <a16:creationId xmlns="" xmlns:a16="http://schemas.microsoft.com/office/drawing/2014/main" id="{2E77FCEF-52F5-324B-A583-005ABCE0E622}"/>
               </a:ext>
             </a:extLst>
           </p:cNvPr>
@@ -3775,7 +3775,7 @@
           <p:cNvPr id="13" name="Grafik 12">
             <a:extLst>
               <a:ext uri="{FF2B5EF4-FFF2-40B4-BE49-F238E27FC236}">
-                <a16:creationId xmlns:a16="http://schemas.microsoft.com/office/drawing/2014/main" id="{F84F96E3-FAED-E24A-9E01-BBA4824F0E34}"/>
+                <a16:creationId xmlns="" xmlns:a16="http://schemas.microsoft.com/office/drawing/2014/main" id="{F84F96E3-FAED-E24A-9E01-BBA4824F0E34}"/>
               </a:ext>
             </a:extLst>
           </p:cNvPr>
@@ -3946,7 +3946,7 @@
           <p:cNvPr id="6" name="Rechteck 5">
             <a:extLst>
               <a:ext uri="{FF2B5EF4-FFF2-40B4-BE49-F238E27FC236}">
-                <a16:creationId xmlns:a16="http://schemas.microsoft.com/office/drawing/2014/main" id="{2447D286-D9F9-E84F-9173-2C8D2D2068E1}"/>
+                <a16:creationId xmlns="" xmlns:a16="http://schemas.microsoft.com/office/drawing/2014/main" id="{2447D286-D9F9-E84F-9173-2C8D2D2068E1}"/>
               </a:ext>
             </a:extLst>
           </p:cNvPr>
@@ -4013,7 +4013,7 @@
           <p:cNvPr id="10" name="Grafik 9">
             <a:extLst>
               <a:ext uri="{FF2B5EF4-FFF2-40B4-BE49-F238E27FC236}">
-                <a16:creationId xmlns:a16="http://schemas.microsoft.com/office/drawing/2014/main" id="{E4DBCC79-CA26-C240-B119-9127A62CDBA8}"/>
+                <a16:creationId xmlns="" xmlns:a16="http://schemas.microsoft.com/office/drawing/2014/main" id="{E4DBCC79-CA26-C240-B119-9127A62CDBA8}"/>
               </a:ext>
             </a:extLst>
           </p:cNvPr>
@@ -4115,7 +4115,7 @@
           <p:cNvPr id="5" name="Rechteck 4">
             <a:extLst>
               <a:ext uri="{FF2B5EF4-FFF2-40B4-BE49-F238E27FC236}">
-                <a16:creationId xmlns:a16="http://schemas.microsoft.com/office/drawing/2014/main" id="{FD770378-5F2D-DE46-8D66-09007E946AD3}"/>
+                <a16:creationId xmlns="" xmlns:a16="http://schemas.microsoft.com/office/drawing/2014/main" id="{FD770378-5F2D-DE46-8D66-09007E946AD3}"/>
               </a:ext>
             </a:extLst>
           </p:cNvPr>
@@ -4179,7 +4179,7 @@
           <p:cNvPr id="4" name="Grafik 3">
             <a:extLst>
               <a:ext uri="{FF2B5EF4-FFF2-40B4-BE49-F238E27FC236}">
-                <a16:creationId xmlns:a16="http://schemas.microsoft.com/office/drawing/2014/main" id="{4FE30B28-5777-FC40-9C3F-81738D289A6A}"/>
+                <a16:creationId xmlns="" xmlns:a16="http://schemas.microsoft.com/office/drawing/2014/main" id="{4FE30B28-5777-FC40-9C3F-81738D289A6A}"/>
               </a:ext>
             </a:extLst>
           </p:cNvPr>
@@ -5128,6 +5128,17 @@
               <a:tabLst/>
               <a:defRPr/>
             </a:pPr>
+            <a:r>
+              <a:rPr lang="de-DE" sz="800" dirty="0">
+                <a:solidFill>
+                  <a:schemeClr val="bg2"/>
+                </a:solidFill>
+                <a:latin typeface="Open Sans" panose="020B0606030504020204" pitchFamily="34" charset="0"/>
+                <a:ea typeface="Open Sans" panose="020B0606030504020204" pitchFamily="34" charset="0"/>
+                <a:cs typeface="Open Sans" panose="020B0606030504020204" pitchFamily="34" charset="0"/>
+              </a:rPr>
+              <a:t/>
+            </a:r>
             <a:br>
               <a:rPr lang="de-DE" sz="800" dirty="0">
                 <a:solidFill>
@@ -5291,7 +5302,7 @@
           <p:cNvPr id="13" name="Grafik 12">
             <a:extLst>
               <a:ext uri="{FF2B5EF4-FFF2-40B4-BE49-F238E27FC236}">
-                <a16:creationId xmlns:a16="http://schemas.microsoft.com/office/drawing/2014/main" id="{2DC3CACD-C7C8-274E-BCD4-043370996A48}"/>
+                <a16:creationId xmlns="" xmlns:a16="http://schemas.microsoft.com/office/drawing/2014/main" id="{2DC3CACD-C7C8-274E-BCD4-043370996A48}"/>
               </a:ext>
             </a:extLst>
           </p:cNvPr>
@@ -7622,7 +7633,7 @@
           <p:cNvPr id="4" name="Inhaltsplatzhalter 3">
             <a:extLst>
               <a:ext uri="{FF2B5EF4-FFF2-40B4-BE49-F238E27FC236}">
-                <a16:creationId xmlns:a16="http://schemas.microsoft.com/office/drawing/2014/main" id="{D8B53BA4-2ACD-A744-A448-732561547552}"/>
+                <a16:creationId xmlns="" xmlns:a16="http://schemas.microsoft.com/office/drawing/2014/main" id="{D8B53BA4-2ACD-A744-A448-732561547552}"/>
               </a:ext>
             </a:extLst>
           </p:cNvPr>
@@ -7652,28 +7663,28 @@
                 <a:gridCol w="3369909">
                   <a:extLst>
                     <a:ext uri="{9D8B030D-6E8A-4147-A177-3AD203B41FA5}">
-                      <a16:colId xmlns:a16="http://schemas.microsoft.com/office/drawing/2014/main" val="141174548"/>
+                      <a16:colId xmlns="" xmlns:a16="http://schemas.microsoft.com/office/drawing/2014/main" val="141174548"/>
                     </a:ext>
                   </a:extLst>
                 </a:gridCol>
                 <a:gridCol w="1456267">
                   <a:extLst>
                     <a:ext uri="{9D8B030D-6E8A-4147-A177-3AD203B41FA5}">
-                      <a16:colId xmlns:a16="http://schemas.microsoft.com/office/drawing/2014/main" val="2742050981"/>
+                      <a16:colId xmlns="" xmlns:a16="http://schemas.microsoft.com/office/drawing/2014/main" val="2742050981"/>
                     </a:ext>
                   </a:extLst>
                 </a:gridCol>
                 <a:gridCol w="2844800">
                   <a:extLst>
                     <a:ext uri="{9D8B030D-6E8A-4147-A177-3AD203B41FA5}">
-                      <a16:colId xmlns:a16="http://schemas.microsoft.com/office/drawing/2014/main" val="1971836177"/>
+                      <a16:colId xmlns="" xmlns:a16="http://schemas.microsoft.com/office/drawing/2014/main" val="1971836177"/>
                     </a:ext>
                   </a:extLst>
                 </a:gridCol>
                 <a:gridCol w="2909713">
                   <a:extLst>
                     <a:ext uri="{9D8B030D-6E8A-4147-A177-3AD203B41FA5}">
-                      <a16:colId xmlns:a16="http://schemas.microsoft.com/office/drawing/2014/main" val="3907636905"/>
+                      <a16:colId xmlns="" xmlns:a16="http://schemas.microsoft.com/office/drawing/2014/main" val="3907636905"/>
                     </a:ext>
                   </a:extLst>
                 </a:gridCol>
@@ -7861,7 +7872,7 @@
                 </a:tc>
                 <a:extLst>
                   <a:ext uri="{0D108BD9-81ED-4DB2-BD59-A6C34878D82A}">
-                    <a16:rowId xmlns:a16="http://schemas.microsoft.com/office/drawing/2014/main" val="809439035"/>
+                    <a16:rowId xmlns="" xmlns:a16="http://schemas.microsoft.com/office/drawing/2014/main" val="809439035"/>
                   </a:ext>
                 </a:extLst>
               </a:tr>
@@ -8080,7 +8091,7 @@
                 </a:tc>
                 <a:extLst>
                   <a:ext uri="{0D108BD9-81ED-4DB2-BD59-A6C34878D82A}">
-                    <a16:rowId xmlns:a16="http://schemas.microsoft.com/office/drawing/2014/main" val="2200667029"/>
+                    <a16:rowId xmlns="" xmlns:a16="http://schemas.microsoft.com/office/drawing/2014/main" val="2200667029"/>
                   </a:ext>
                 </a:extLst>
               </a:tr>
@@ -8296,7 +8307,7 @@
                 </a:tc>
                 <a:extLst>
                   <a:ext uri="{0D108BD9-81ED-4DB2-BD59-A6C34878D82A}">
-                    <a16:rowId xmlns:a16="http://schemas.microsoft.com/office/drawing/2014/main" val="1380470865"/>
+                    <a16:rowId xmlns="" xmlns:a16="http://schemas.microsoft.com/office/drawing/2014/main" val="1380470865"/>
                   </a:ext>
                 </a:extLst>
               </a:tr>
@@ -8309,6 +8320,10 @@
                       <a:r>
                         <a:rPr lang="de-DE" dirty="0" err="1"/>
                         <a:t>Klustern</a:t>
+                      </a:r>
+                      <a:r>
+                        <a:rPr lang="de-DE" dirty="0"/>
+                        <a:t/>
                       </a:r>
                       <a:br>
                         <a:rPr lang="de-DE" dirty="0"/>
@@ -8478,7 +8493,7 @@
                 </a:tc>
                 <a:extLst>
                   <a:ext uri="{0D108BD9-81ED-4DB2-BD59-A6C34878D82A}">
-                    <a16:rowId xmlns:a16="http://schemas.microsoft.com/office/drawing/2014/main" val="1639158171"/>
+                    <a16:rowId xmlns="" xmlns:a16="http://schemas.microsoft.com/office/drawing/2014/main" val="1639158171"/>
                   </a:ext>
                 </a:extLst>
               </a:tr>
@@ -8554,7 +8569,7 @@
           <p:cNvPr id="6" name="Inhaltsplatzhalter 3">
             <a:extLst>
               <a:ext uri="{FF2B5EF4-FFF2-40B4-BE49-F238E27FC236}">
-                <a16:creationId xmlns:a16="http://schemas.microsoft.com/office/drawing/2014/main" id="{DBADCED9-543C-1E47-8AF6-1E397EC8D59C}"/>
+                <a16:creationId xmlns="" xmlns:a16="http://schemas.microsoft.com/office/drawing/2014/main" id="{DBADCED9-543C-1E47-8AF6-1E397EC8D59C}"/>
               </a:ext>
             </a:extLst>
           </p:cNvPr>
@@ -8593,7 +8608,7 @@
           <p:cNvPr id="7" name="Grafik 6">
             <a:extLst>
               <a:ext uri="{FF2B5EF4-FFF2-40B4-BE49-F238E27FC236}">
-                <a16:creationId xmlns:a16="http://schemas.microsoft.com/office/drawing/2014/main" id="{52E4E9CF-A817-5046-9043-99978E26ECAA}"/>
+                <a16:creationId xmlns="" xmlns:a16="http://schemas.microsoft.com/office/drawing/2014/main" id="{52E4E9CF-A817-5046-9043-99978E26ECAA}"/>
               </a:ext>
             </a:extLst>
           </p:cNvPr>
@@ -8729,7 +8744,7 @@
           <p:cNvPr id="2" name="Titel 1">
             <a:extLst>
               <a:ext uri="{FF2B5EF4-FFF2-40B4-BE49-F238E27FC236}">
-                <a16:creationId xmlns:a16="http://schemas.microsoft.com/office/drawing/2014/main" id="{B1F459B3-5CC9-8141-8CBB-3D63C0BD6799}"/>
+                <a16:creationId xmlns="" xmlns:a16="http://schemas.microsoft.com/office/drawing/2014/main" id="{B1F459B3-5CC9-8141-8CBB-3D63C0BD6799}"/>
               </a:ext>
             </a:extLst>
           </p:cNvPr>
@@ -8900,7 +8915,7 @@
           <p:cNvPr id="8" name="Oval 52">
             <a:extLst>
               <a:ext uri="{FF2B5EF4-FFF2-40B4-BE49-F238E27FC236}">
-                <a16:creationId xmlns:a16="http://schemas.microsoft.com/office/drawing/2014/main" id="{A7F525C7-2BB3-7741-BE0A-A91605F6B414}"/>
+                <a16:creationId xmlns="" xmlns:a16="http://schemas.microsoft.com/office/drawing/2014/main" id="{A7F525C7-2BB3-7741-BE0A-A91605F6B414}"/>
               </a:ext>
             </a:extLst>
           </p:cNvPr>
@@ -8952,7 +8967,7 @@
           <p:cNvPr id="9" name="Oval 53">
             <a:extLst>
               <a:ext uri="{FF2B5EF4-FFF2-40B4-BE49-F238E27FC236}">
-                <a16:creationId xmlns:a16="http://schemas.microsoft.com/office/drawing/2014/main" id="{7A84F289-E89F-8342-8791-347A0E4F5BF9}"/>
+                <a16:creationId xmlns="" xmlns:a16="http://schemas.microsoft.com/office/drawing/2014/main" id="{7A84F289-E89F-8342-8791-347A0E4F5BF9}"/>
               </a:ext>
             </a:extLst>
           </p:cNvPr>
@@ -9004,7 +9019,7 @@
           <p:cNvPr id="10" name="Oval 54">
             <a:extLst>
               <a:ext uri="{FF2B5EF4-FFF2-40B4-BE49-F238E27FC236}">
-                <a16:creationId xmlns:a16="http://schemas.microsoft.com/office/drawing/2014/main" id="{A65E12B4-4201-2148-B5CA-CF3C353E009F}"/>
+                <a16:creationId xmlns="" xmlns:a16="http://schemas.microsoft.com/office/drawing/2014/main" id="{A65E12B4-4201-2148-B5CA-CF3C353E009F}"/>
               </a:ext>
             </a:extLst>
           </p:cNvPr>
@@ -9058,7 +9073,7 @@
               <p14:cNvPr id="11" name="Freihand 10">
                 <a:extLst>
                   <a:ext uri="{FF2B5EF4-FFF2-40B4-BE49-F238E27FC236}">
-                    <a16:creationId xmlns:a16="http://schemas.microsoft.com/office/drawing/2014/main" id="{5B3C06F8-598F-844F-A3A1-C175A796CC1F}"/>
+                    <a16:creationId xmlns="" xmlns:a16="http://schemas.microsoft.com/office/drawing/2014/main" id="{5B3C06F8-598F-844F-A3A1-C175A796CC1F}"/>
                   </a:ext>
                 </a:extLst>
               </p14:cNvPr>
@@ -9109,7 +9124,7 @@
               <p14:cNvPr id="12" name="Freihand 11">
                 <a:extLst>
                   <a:ext uri="{FF2B5EF4-FFF2-40B4-BE49-F238E27FC236}">
-                    <a16:creationId xmlns:a16="http://schemas.microsoft.com/office/drawing/2014/main" id="{082C1878-4FC7-A046-A15C-155DA5A4994F}"/>
+                    <a16:creationId xmlns="" xmlns:a16="http://schemas.microsoft.com/office/drawing/2014/main" id="{082C1878-4FC7-A046-A15C-155DA5A4994F}"/>
                   </a:ext>
                 </a:extLst>
               </p14:cNvPr>
@@ -9160,7 +9175,7 @@
               <p14:cNvPr id="13" name="Freihand 12">
                 <a:extLst>
                   <a:ext uri="{FF2B5EF4-FFF2-40B4-BE49-F238E27FC236}">
-                    <a16:creationId xmlns:a16="http://schemas.microsoft.com/office/drawing/2014/main" id="{4493D0F5-C439-AB47-A7AB-C5899EB6F429}"/>
+                    <a16:creationId xmlns="" xmlns:a16="http://schemas.microsoft.com/office/drawing/2014/main" id="{4493D0F5-C439-AB47-A7AB-C5899EB6F429}"/>
                   </a:ext>
                 </a:extLst>
               </p14:cNvPr>
@@ -9204,14 +9219,14 @@
           </p:pic>
         </mc:Fallback>
       </mc:AlternateContent>
-      <mc:AlternateContent xmlns:mc="http://schemas.openxmlformats.org/markup-compatibility/2006">
-        <mc:Choice xmlns:p14="http://schemas.microsoft.com/office/powerpoint/2010/main" Requires="p14">
+      <mc:AlternateContent xmlns:mc="http://schemas.openxmlformats.org/markup-compatibility/2006" xmlns:p14="http://schemas.microsoft.com/office/powerpoint/2010/main">
+        <mc:Choice Requires="p14">
           <p:contentPart p14:bwMode="auto" r:id="rId11">
             <p14:nvContentPartPr>
               <p14:cNvPr id="18" name="Freihand 17">
                 <a:extLst>
                   <a:ext uri="{FF2B5EF4-FFF2-40B4-BE49-F238E27FC236}">
-                    <a16:creationId xmlns:a16="http://schemas.microsoft.com/office/drawing/2014/main" id="{1E33159F-5EDA-7243-9035-848447A03A46}"/>
+                    <a16:creationId xmlns="" xmlns:a16="http://schemas.microsoft.com/office/drawing/2014/main" id="{1E33159F-5EDA-7243-9035-848447A03A46}"/>
                   </a:ext>
                 </a:extLst>
               </p14:cNvPr>
@@ -9224,7 +9239,7 @@
             </p14:xfrm>
           </p:contentPart>
         </mc:Choice>
-        <mc:Fallback>
+        <mc:Fallback xmlns="">
           <p:pic>
             <p:nvPicPr>
               <p:cNvPr id="18" name="Freihand 17">
@@ -9260,7 +9275,7 @@
           <p:cNvPr id="19" name="Grafik 18">
             <a:extLst>
               <a:ext uri="{FF2B5EF4-FFF2-40B4-BE49-F238E27FC236}">
-                <a16:creationId xmlns:a16="http://schemas.microsoft.com/office/drawing/2014/main" id="{3E5CCF41-B5EC-8545-8430-A78ACA0F9371}"/>
+                <a16:creationId xmlns="" xmlns:a16="http://schemas.microsoft.com/office/drawing/2014/main" id="{3E5CCF41-B5EC-8545-8430-A78ACA0F9371}"/>
               </a:ext>
             </a:extLst>
           </p:cNvPr>
@@ -9290,7 +9305,7 @@
           <p:cNvPr id="29" name="Gruppieren 28">
             <a:extLst>
               <a:ext uri="{FF2B5EF4-FFF2-40B4-BE49-F238E27FC236}">
-                <a16:creationId xmlns:a16="http://schemas.microsoft.com/office/drawing/2014/main" id="{FAE6EC32-92E8-704F-83BA-F308FB46A402}"/>
+                <a16:creationId xmlns="" xmlns:a16="http://schemas.microsoft.com/office/drawing/2014/main" id="{FAE6EC32-92E8-704F-83BA-F308FB46A402}"/>
               </a:ext>
             </a:extLst>
           </p:cNvPr>
@@ -9310,7 +9325,7 @@
             <p:cNvPr id="30" name="Rechteck 29">
               <a:extLst>
                 <a:ext uri="{FF2B5EF4-FFF2-40B4-BE49-F238E27FC236}">
-                  <a16:creationId xmlns:a16="http://schemas.microsoft.com/office/drawing/2014/main" id="{2D082488-1F16-6243-8438-DB6727A3BC50}"/>
+                  <a16:creationId xmlns="" xmlns:a16="http://schemas.microsoft.com/office/drawing/2014/main" id="{2D082488-1F16-6243-8438-DB6727A3BC50}"/>
                 </a:ext>
               </a:extLst>
             </p:cNvPr>
@@ -9367,8 +9382,38 @@
                     <a:schemeClr val="tx1"/>
                   </a:solidFill>
                 </a:rPr>
-                <a:t>Nutzer kann Probleme und Lösungen eingeben</a:t>
+                <a:t>Nutzer kann Probleme und Lösungen </a:t>
               </a:r>
+              <a:r>
+                <a:rPr lang="de-DE" dirty="0" smtClean="0">
+                  <a:solidFill>
+                    <a:schemeClr val="tx1"/>
+                  </a:solidFill>
+                </a:rPr>
+                <a:t>eingeben</a:t>
+              </a:r>
+            </a:p>
+            <a:p>
+              <a:pPr marL="342900" indent="-342900">
+                <a:lnSpc>
+                  <a:spcPct val="120000"/>
+                </a:lnSpc>
+                <a:buFont typeface="Arial" panose="020B0604020202020204" pitchFamily="34" charset="0"/>
+                <a:buChar char="•"/>
+              </a:pPr>
+              <a:r>
+                <a:rPr lang="de-DE" dirty="0" smtClean="0">
+                  <a:solidFill>
+                    <a:schemeClr val="tx1"/>
+                  </a:solidFill>
+                </a:rPr>
+                <a:t>Darstellung von Serviceabhängigkeiten</a:t>
+              </a:r>
+              <a:endParaRPr lang="de-DE" dirty="0">
+                <a:solidFill>
+                  <a:schemeClr val="tx1"/>
+                </a:solidFill>
+              </a:endParaRPr>
             </a:p>
           </p:txBody>
         </p:sp>
@@ -9377,7 +9422,7 @@
             <p:cNvPr id="31" name="Rechteck 30">
               <a:extLst>
                 <a:ext uri="{FF2B5EF4-FFF2-40B4-BE49-F238E27FC236}">
-                  <a16:creationId xmlns:a16="http://schemas.microsoft.com/office/drawing/2014/main" id="{456DFC42-7138-5842-B9B8-2933059BB8B0}"/>
+                  <a16:creationId xmlns="" xmlns:a16="http://schemas.microsoft.com/office/drawing/2014/main" id="{456DFC42-7138-5842-B9B8-2933059BB8B0}"/>
                 </a:ext>
               </a:extLst>
             </p:cNvPr>
@@ -9436,7 +9481,7 @@
           <p:cNvPr id="32" name="Gruppieren 31">
             <a:extLst>
               <a:ext uri="{FF2B5EF4-FFF2-40B4-BE49-F238E27FC236}">
-                <a16:creationId xmlns:a16="http://schemas.microsoft.com/office/drawing/2014/main" id="{844F6D30-D5A4-C04A-ADBA-18E25851FDF5}"/>
+                <a16:creationId xmlns="" xmlns:a16="http://schemas.microsoft.com/office/drawing/2014/main" id="{844F6D30-D5A4-C04A-ADBA-18E25851FDF5}"/>
               </a:ext>
             </a:extLst>
           </p:cNvPr>
@@ -9456,7 +9501,7 @@
             <p:cNvPr id="33" name="Rechteck 32">
               <a:extLst>
                 <a:ext uri="{FF2B5EF4-FFF2-40B4-BE49-F238E27FC236}">
-                  <a16:creationId xmlns:a16="http://schemas.microsoft.com/office/drawing/2014/main" id="{8E73C930-D810-B548-B325-2CD71D76ADBB}"/>
+                  <a16:creationId xmlns="" xmlns:a16="http://schemas.microsoft.com/office/drawing/2014/main" id="{8E73C930-D810-B548-B325-2CD71D76ADBB}"/>
                 </a:ext>
               </a:extLst>
             </p:cNvPr>
@@ -9508,13 +9553,18 @@
                 <a:buChar char="•"/>
               </a:pPr>
               <a:r>
-                <a:rPr lang="de-DE" dirty="0">
+                <a:rPr lang="de-DE" dirty="0" smtClean="0">
                   <a:solidFill>
                     <a:schemeClr val="tx1"/>
                   </a:solidFill>
                 </a:rPr>
-                <a:t>Nutzer kann Probleme und Lösungen eingeben</a:t>
+                <a:t>Wie werden die Informationen aus der modularen Anlage verarbeitet?</a:t>
               </a:r>
+              <a:endParaRPr lang="de-DE" dirty="0">
+                <a:solidFill>
+                  <a:schemeClr val="tx1"/>
+                </a:solidFill>
+              </a:endParaRPr>
             </a:p>
           </p:txBody>
         </p:sp>
@@ -9523,7 +9573,7 @@
             <p:cNvPr id="34" name="Rechteck 33">
               <a:extLst>
                 <a:ext uri="{FF2B5EF4-FFF2-40B4-BE49-F238E27FC236}">
-                  <a16:creationId xmlns:a16="http://schemas.microsoft.com/office/drawing/2014/main" id="{9511CF2B-BCCD-B648-81EC-E6CF3F16BCED}"/>
+                  <a16:creationId xmlns="" xmlns:a16="http://schemas.microsoft.com/office/drawing/2014/main" id="{9511CF2B-BCCD-B648-81EC-E6CF3F16BCED}"/>
                 </a:ext>
               </a:extLst>
             </p:cNvPr>
@@ -9582,7 +9632,7 @@
           <p:cNvPr id="35" name="Gruppieren 34">
             <a:extLst>
               <a:ext uri="{FF2B5EF4-FFF2-40B4-BE49-F238E27FC236}">
-                <a16:creationId xmlns:a16="http://schemas.microsoft.com/office/drawing/2014/main" id="{3D302C86-545B-9A4A-AAB4-6374FD9C12A9}"/>
+                <a16:creationId xmlns="" xmlns:a16="http://schemas.microsoft.com/office/drawing/2014/main" id="{3D302C86-545B-9A4A-AAB4-6374FD9C12A9}"/>
               </a:ext>
             </a:extLst>
           </p:cNvPr>
@@ -9602,7 +9652,7 @@
             <p:cNvPr id="36" name="Rechteck 35">
               <a:extLst>
                 <a:ext uri="{FF2B5EF4-FFF2-40B4-BE49-F238E27FC236}">
-                  <a16:creationId xmlns:a16="http://schemas.microsoft.com/office/drawing/2014/main" id="{23115AAF-35F2-6442-8E5B-8BD850E80E32}"/>
+                  <a16:creationId xmlns="" xmlns:a16="http://schemas.microsoft.com/office/drawing/2014/main" id="{23115AAF-35F2-6442-8E5B-8BD850E80E32}"/>
                 </a:ext>
               </a:extLst>
             </p:cNvPr>
@@ -9686,7 +9736,7 @@
             <p:cNvPr id="37" name="Rechteck 36">
               <a:extLst>
                 <a:ext uri="{FF2B5EF4-FFF2-40B4-BE49-F238E27FC236}">
-                  <a16:creationId xmlns:a16="http://schemas.microsoft.com/office/drawing/2014/main" id="{7F151E5E-545A-4F40-87DA-17083B145725}"/>
+                  <a16:creationId xmlns="" xmlns:a16="http://schemas.microsoft.com/office/drawing/2014/main" id="{7F151E5E-545A-4F40-87DA-17083B145725}"/>
                 </a:ext>
               </a:extLst>
             </p:cNvPr>
@@ -9745,7 +9795,7 @@
           <p:cNvPr id="38" name="Gruppieren 37">
             <a:extLst>
               <a:ext uri="{FF2B5EF4-FFF2-40B4-BE49-F238E27FC236}">
-                <a16:creationId xmlns:a16="http://schemas.microsoft.com/office/drawing/2014/main" id="{1CA8B657-F9AF-5243-AF7E-BB8501B06F90}"/>
+                <a16:creationId xmlns="" xmlns:a16="http://schemas.microsoft.com/office/drawing/2014/main" id="{1CA8B657-F9AF-5243-AF7E-BB8501B06F90}"/>
               </a:ext>
             </a:extLst>
           </p:cNvPr>
@@ -9765,7 +9815,7 @@
             <p:cNvPr id="39" name="Rechteck 38">
               <a:extLst>
                 <a:ext uri="{FF2B5EF4-FFF2-40B4-BE49-F238E27FC236}">
-                  <a16:creationId xmlns:a16="http://schemas.microsoft.com/office/drawing/2014/main" id="{02092F8E-6236-034D-B034-00A54F99E62D}"/>
+                  <a16:creationId xmlns="" xmlns:a16="http://schemas.microsoft.com/office/drawing/2014/main" id="{02092F8E-6236-034D-B034-00A54F99E62D}"/>
                 </a:ext>
               </a:extLst>
             </p:cNvPr>
@@ -9849,7 +9899,7 @@
             <p:cNvPr id="40" name="Rechteck 39">
               <a:extLst>
                 <a:ext uri="{FF2B5EF4-FFF2-40B4-BE49-F238E27FC236}">
-                  <a16:creationId xmlns:a16="http://schemas.microsoft.com/office/drawing/2014/main" id="{1B35C96E-3871-C044-9116-F5A9A8C99AFF}"/>
+                  <a16:creationId xmlns="" xmlns:a16="http://schemas.microsoft.com/office/drawing/2014/main" id="{1B35C96E-3871-C044-9116-F5A9A8C99AFF}"/>
                 </a:ext>
               </a:extLst>
             </p:cNvPr>
@@ -9938,7 +9988,7 @@
           <p:cNvPr id="2" name="Titel 1">
             <a:extLst>
               <a:ext uri="{FF2B5EF4-FFF2-40B4-BE49-F238E27FC236}">
-                <a16:creationId xmlns:a16="http://schemas.microsoft.com/office/drawing/2014/main" id="{B1F459B3-5CC9-8141-8CBB-3D63C0BD6799}"/>
+                <a16:creationId xmlns="" xmlns:a16="http://schemas.microsoft.com/office/drawing/2014/main" id="{B1F459B3-5CC9-8141-8CBB-3D63C0BD6799}"/>
               </a:ext>
             </a:extLst>
           </p:cNvPr>
@@ -10109,7 +10159,7 @@
           <p:cNvPr id="8" name="Oval 52">
             <a:extLst>
               <a:ext uri="{FF2B5EF4-FFF2-40B4-BE49-F238E27FC236}">
-                <a16:creationId xmlns:a16="http://schemas.microsoft.com/office/drawing/2014/main" id="{A7F525C7-2BB3-7741-BE0A-A91605F6B414}"/>
+                <a16:creationId xmlns="" xmlns:a16="http://schemas.microsoft.com/office/drawing/2014/main" id="{A7F525C7-2BB3-7741-BE0A-A91605F6B414}"/>
               </a:ext>
             </a:extLst>
           </p:cNvPr>
@@ -10161,7 +10211,7 @@
           <p:cNvPr id="9" name="Oval 53">
             <a:extLst>
               <a:ext uri="{FF2B5EF4-FFF2-40B4-BE49-F238E27FC236}">
-                <a16:creationId xmlns:a16="http://schemas.microsoft.com/office/drawing/2014/main" id="{7A84F289-E89F-8342-8791-347A0E4F5BF9}"/>
+                <a16:creationId xmlns="" xmlns:a16="http://schemas.microsoft.com/office/drawing/2014/main" id="{7A84F289-E89F-8342-8791-347A0E4F5BF9}"/>
               </a:ext>
             </a:extLst>
           </p:cNvPr>
@@ -10213,7 +10263,7 @@
           <p:cNvPr id="10" name="Oval 54">
             <a:extLst>
               <a:ext uri="{FF2B5EF4-FFF2-40B4-BE49-F238E27FC236}">
-                <a16:creationId xmlns:a16="http://schemas.microsoft.com/office/drawing/2014/main" id="{A65E12B4-4201-2148-B5CA-CF3C353E009F}"/>
+                <a16:creationId xmlns="" xmlns:a16="http://schemas.microsoft.com/office/drawing/2014/main" id="{A65E12B4-4201-2148-B5CA-CF3C353E009F}"/>
               </a:ext>
             </a:extLst>
           </p:cNvPr>
@@ -10267,7 +10317,7 @@
               <p14:cNvPr id="11" name="Freihand 10">
                 <a:extLst>
                   <a:ext uri="{FF2B5EF4-FFF2-40B4-BE49-F238E27FC236}">
-                    <a16:creationId xmlns:a16="http://schemas.microsoft.com/office/drawing/2014/main" id="{5B3C06F8-598F-844F-A3A1-C175A796CC1F}"/>
+                    <a16:creationId xmlns="" xmlns:a16="http://schemas.microsoft.com/office/drawing/2014/main" id="{5B3C06F8-598F-844F-A3A1-C175A796CC1F}"/>
                   </a:ext>
                 </a:extLst>
               </p14:cNvPr>
@@ -10318,7 +10368,7 @@
               <p14:cNvPr id="12" name="Freihand 11">
                 <a:extLst>
                   <a:ext uri="{FF2B5EF4-FFF2-40B4-BE49-F238E27FC236}">
-                    <a16:creationId xmlns:a16="http://schemas.microsoft.com/office/drawing/2014/main" id="{082C1878-4FC7-A046-A15C-155DA5A4994F}"/>
+                    <a16:creationId xmlns="" xmlns:a16="http://schemas.microsoft.com/office/drawing/2014/main" id="{082C1878-4FC7-A046-A15C-155DA5A4994F}"/>
                   </a:ext>
                 </a:extLst>
               </p14:cNvPr>
@@ -10369,7 +10419,7 @@
               <p14:cNvPr id="13" name="Freihand 12">
                 <a:extLst>
                   <a:ext uri="{FF2B5EF4-FFF2-40B4-BE49-F238E27FC236}">
-                    <a16:creationId xmlns:a16="http://schemas.microsoft.com/office/drawing/2014/main" id="{4493D0F5-C439-AB47-A7AB-C5899EB6F429}"/>
+                    <a16:creationId xmlns="" xmlns:a16="http://schemas.microsoft.com/office/drawing/2014/main" id="{4493D0F5-C439-AB47-A7AB-C5899EB6F429}"/>
                   </a:ext>
                 </a:extLst>
               </p14:cNvPr>
@@ -10413,14 +10463,14 @@
           </p:pic>
         </mc:Fallback>
       </mc:AlternateContent>
-      <mc:AlternateContent xmlns:mc="http://schemas.openxmlformats.org/markup-compatibility/2006">
-        <mc:Choice xmlns:p14="http://schemas.microsoft.com/office/powerpoint/2010/main" Requires="p14">
+      <mc:AlternateContent xmlns:mc="http://schemas.openxmlformats.org/markup-compatibility/2006" xmlns:p14="http://schemas.microsoft.com/office/powerpoint/2010/main">
+        <mc:Choice Requires="p14">
           <p:contentPart p14:bwMode="auto" r:id="rId11">
             <p14:nvContentPartPr>
               <p14:cNvPr id="18" name="Freihand 17">
                 <a:extLst>
                   <a:ext uri="{FF2B5EF4-FFF2-40B4-BE49-F238E27FC236}">
-                    <a16:creationId xmlns:a16="http://schemas.microsoft.com/office/drawing/2014/main" id="{1E33159F-5EDA-7243-9035-848447A03A46}"/>
+                    <a16:creationId xmlns="" xmlns:a16="http://schemas.microsoft.com/office/drawing/2014/main" id="{1E33159F-5EDA-7243-9035-848447A03A46}"/>
                   </a:ext>
                 </a:extLst>
               </p14:cNvPr>
@@ -10433,7 +10483,7 @@
             </p14:xfrm>
           </p:contentPart>
         </mc:Choice>
-        <mc:Fallback>
+        <mc:Fallback xmlns="">
           <p:pic>
             <p:nvPicPr>
               <p:cNvPr id="18" name="Freihand 17">
@@ -10469,7 +10519,7 @@
           <p:cNvPr id="19" name="Grafik 18">
             <a:extLst>
               <a:ext uri="{FF2B5EF4-FFF2-40B4-BE49-F238E27FC236}">
-                <a16:creationId xmlns:a16="http://schemas.microsoft.com/office/drawing/2014/main" id="{3E5CCF41-B5EC-8545-8430-A78ACA0F9371}"/>
+                <a16:creationId xmlns="" xmlns:a16="http://schemas.microsoft.com/office/drawing/2014/main" id="{3E5CCF41-B5EC-8545-8430-A78ACA0F9371}"/>
               </a:ext>
             </a:extLst>
           </p:cNvPr>
@@ -10499,7 +10549,7 @@
           <p:cNvPr id="20" name="Textfeld 19">
             <a:extLst>
               <a:ext uri="{FF2B5EF4-FFF2-40B4-BE49-F238E27FC236}">
-                <a16:creationId xmlns:a16="http://schemas.microsoft.com/office/drawing/2014/main" id="{207E01F6-7DC7-694F-87AD-C5FED7E6CB33}"/>
+                <a16:creationId xmlns="" xmlns:a16="http://schemas.microsoft.com/office/drawing/2014/main" id="{207E01F6-7DC7-694F-87AD-C5FED7E6CB33}"/>
               </a:ext>
             </a:extLst>
           </p:cNvPr>
@@ -10534,7 +10584,7 @@
           <p:cNvPr id="21" name="Textfeld 20">
             <a:extLst>
               <a:ext uri="{FF2B5EF4-FFF2-40B4-BE49-F238E27FC236}">
-                <a16:creationId xmlns:a16="http://schemas.microsoft.com/office/drawing/2014/main" id="{3BCDA7B3-1367-8D48-AE88-0DE481BE94B4}"/>
+                <a16:creationId xmlns="" xmlns:a16="http://schemas.microsoft.com/office/drawing/2014/main" id="{3BCDA7B3-1367-8D48-AE88-0DE481BE94B4}"/>
               </a:ext>
             </a:extLst>
           </p:cNvPr>
@@ -10569,7 +10619,7 @@
           <p:cNvPr id="22" name="Textfeld 21">
             <a:extLst>
               <a:ext uri="{FF2B5EF4-FFF2-40B4-BE49-F238E27FC236}">
-                <a16:creationId xmlns:a16="http://schemas.microsoft.com/office/drawing/2014/main" id="{77B2452C-D955-B64A-B37E-1D0E55CA08E1}"/>
+                <a16:creationId xmlns="" xmlns:a16="http://schemas.microsoft.com/office/drawing/2014/main" id="{77B2452C-D955-B64A-B37E-1D0E55CA08E1}"/>
               </a:ext>
             </a:extLst>
           </p:cNvPr>
@@ -10605,7 +10655,7 @@
           <p:cNvPr id="23" name="Textfeld 22">
             <a:extLst>
               <a:ext uri="{FF2B5EF4-FFF2-40B4-BE49-F238E27FC236}">
-                <a16:creationId xmlns:a16="http://schemas.microsoft.com/office/drawing/2014/main" id="{496F256A-1537-D44F-810D-53172766888A}"/>
+                <a16:creationId xmlns="" xmlns:a16="http://schemas.microsoft.com/office/drawing/2014/main" id="{496F256A-1537-D44F-810D-53172766888A}"/>
               </a:ext>
             </a:extLst>
           </p:cNvPr>
@@ -10640,7 +10690,7 @@
           <p:cNvPr id="24" name="Textfeld 23">
             <a:extLst>
               <a:ext uri="{FF2B5EF4-FFF2-40B4-BE49-F238E27FC236}">
-                <a16:creationId xmlns:a16="http://schemas.microsoft.com/office/drawing/2014/main" id="{58B17CF3-9991-294E-A48B-A98C899F09AE}"/>
+                <a16:creationId xmlns="" xmlns:a16="http://schemas.microsoft.com/office/drawing/2014/main" id="{58B17CF3-9991-294E-A48B-A98C899F09AE}"/>
               </a:ext>
             </a:extLst>
           </p:cNvPr>
@@ -10675,7 +10725,7 @@
           <p:cNvPr id="25" name="Textfeld 24">
             <a:extLst>
               <a:ext uri="{FF2B5EF4-FFF2-40B4-BE49-F238E27FC236}">
-                <a16:creationId xmlns:a16="http://schemas.microsoft.com/office/drawing/2014/main" id="{543C326B-FC3F-F744-929F-29FA2D2196F2}"/>
+                <a16:creationId xmlns="" xmlns:a16="http://schemas.microsoft.com/office/drawing/2014/main" id="{543C326B-FC3F-F744-929F-29FA2D2196F2}"/>
               </a:ext>
             </a:extLst>
           </p:cNvPr>
@@ -10710,7 +10760,7 @@
           <p:cNvPr id="26" name="Textfeld 25">
             <a:extLst>
               <a:ext uri="{FF2B5EF4-FFF2-40B4-BE49-F238E27FC236}">
-                <a16:creationId xmlns:a16="http://schemas.microsoft.com/office/drawing/2014/main" id="{A2089A33-0C88-AB4A-AE32-7D94307E74E4}"/>
+                <a16:creationId xmlns="" xmlns:a16="http://schemas.microsoft.com/office/drawing/2014/main" id="{A2089A33-0C88-AB4A-AE32-7D94307E74E4}"/>
               </a:ext>
             </a:extLst>
           </p:cNvPr>
@@ -10753,7 +10803,7 @@
           <p:cNvPr id="27" name="Textfeld 26">
             <a:extLst>
               <a:ext uri="{FF2B5EF4-FFF2-40B4-BE49-F238E27FC236}">
-                <a16:creationId xmlns:a16="http://schemas.microsoft.com/office/drawing/2014/main" id="{928409AF-452F-BA4E-8DAE-22557909D87B}"/>
+                <a16:creationId xmlns="" xmlns:a16="http://schemas.microsoft.com/office/drawing/2014/main" id="{928409AF-452F-BA4E-8DAE-22557909D87B}"/>
               </a:ext>
             </a:extLst>
           </p:cNvPr>
@@ -10788,7 +10838,7 @@
           <p:cNvPr id="28" name="Textfeld 27">
             <a:extLst>
               <a:ext uri="{FF2B5EF4-FFF2-40B4-BE49-F238E27FC236}">
-                <a16:creationId xmlns:a16="http://schemas.microsoft.com/office/drawing/2014/main" id="{6DAAABB9-5B29-9540-9B95-C6AE440332B1}"/>
+                <a16:creationId xmlns="" xmlns:a16="http://schemas.microsoft.com/office/drawing/2014/main" id="{6DAAABB9-5B29-9540-9B95-C6AE440332B1}"/>
               </a:ext>
             </a:extLst>
           </p:cNvPr>
@@ -10853,7 +10903,7 @@
           <p:cNvPr id="2" name="Titel 1">
             <a:extLst>
               <a:ext uri="{FF2B5EF4-FFF2-40B4-BE49-F238E27FC236}">
-                <a16:creationId xmlns:a16="http://schemas.microsoft.com/office/drawing/2014/main" id="{7BA8FE41-0B04-6748-9CA8-05F0AE81883B}"/>
+                <a16:creationId xmlns="" xmlns:a16="http://schemas.microsoft.com/office/drawing/2014/main" id="{7BA8FE41-0B04-6748-9CA8-05F0AE81883B}"/>
               </a:ext>
             </a:extLst>
           </p:cNvPr>
@@ -10886,7 +10936,7 @@
           <p:cNvPr id="12" name="Gruppieren 11">
             <a:extLst>
               <a:ext uri="{FF2B5EF4-FFF2-40B4-BE49-F238E27FC236}">
-                <a16:creationId xmlns:a16="http://schemas.microsoft.com/office/drawing/2014/main" id="{995F115A-CBCD-7A4D-8C0A-281259A5A3C1}"/>
+                <a16:creationId xmlns="" xmlns:a16="http://schemas.microsoft.com/office/drawing/2014/main" id="{995F115A-CBCD-7A4D-8C0A-281259A5A3C1}"/>
               </a:ext>
             </a:extLst>
           </p:cNvPr>
@@ -10906,7 +10956,7 @@
             <p:cNvPr id="4" name="Gruppieren 3">
               <a:extLst>
                 <a:ext uri="{FF2B5EF4-FFF2-40B4-BE49-F238E27FC236}">
-                  <a16:creationId xmlns:a16="http://schemas.microsoft.com/office/drawing/2014/main" id="{783A73D2-C025-644E-A194-3438D291D352}"/>
+                  <a16:creationId xmlns="" xmlns:a16="http://schemas.microsoft.com/office/drawing/2014/main" id="{783A73D2-C025-644E-A194-3438D291D352}"/>
                 </a:ext>
               </a:extLst>
             </p:cNvPr>
@@ -10926,7 +10976,7 @@
               <p:cNvPr id="5" name="Rechteck 4">
                 <a:extLst>
                   <a:ext uri="{FF2B5EF4-FFF2-40B4-BE49-F238E27FC236}">
-                    <a16:creationId xmlns:a16="http://schemas.microsoft.com/office/drawing/2014/main" id="{4F68B8E9-417E-0141-AE27-E298ED29929C}"/>
+                    <a16:creationId xmlns="" xmlns:a16="http://schemas.microsoft.com/office/drawing/2014/main" id="{4F68B8E9-417E-0141-AE27-E298ED29929C}"/>
                   </a:ext>
                 </a:extLst>
               </p:cNvPr>
@@ -11018,7 +11068,7 @@
               <p:cNvPr id="6" name="Rechteck 5">
                 <a:extLst>
                   <a:ext uri="{FF2B5EF4-FFF2-40B4-BE49-F238E27FC236}">
-                    <a16:creationId xmlns:a16="http://schemas.microsoft.com/office/drawing/2014/main" id="{B2717A64-B61E-B44C-B23D-CB509FB519CA}"/>
+                    <a16:creationId xmlns="" xmlns:a16="http://schemas.microsoft.com/office/drawing/2014/main" id="{B2717A64-B61E-B44C-B23D-CB509FB519CA}"/>
                   </a:ext>
                 </a:extLst>
               </p:cNvPr>
@@ -11077,7 +11127,7 @@
             <p:cNvPr id="7" name="Rechteck 6">
               <a:extLst>
                 <a:ext uri="{FF2B5EF4-FFF2-40B4-BE49-F238E27FC236}">
-                  <a16:creationId xmlns:a16="http://schemas.microsoft.com/office/drawing/2014/main" id="{6F92A16E-30FA-A34D-A87A-AD884881288C}"/>
+                  <a16:creationId xmlns="" xmlns:a16="http://schemas.microsoft.com/office/drawing/2014/main" id="{6F92A16E-30FA-A34D-A87A-AD884881288C}"/>
                 </a:ext>
               </a:extLst>
             </p:cNvPr>
@@ -11137,7 +11187,7 @@
           <p:cNvPr id="13" name="Gruppieren 12">
             <a:extLst>
               <a:ext uri="{FF2B5EF4-FFF2-40B4-BE49-F238E27FC236}">
-                <a16:creationId xmlns:a16="http://schemas.microsoft.com/office/drawing/2014/main" id="{214C6E04-BA76-3048-B247-843530C6F237}"/>
+                <a16:creationId xmlns="" xmlns:a16="http://schemas.microsoft.com/office/drawing/2014/main" id="{214C6E04-BA76-3048-B247-843530C6F237}"/>
               </a:ext>
             </a:extLst>
           </p:cNvPr>
@@ -11157,7 +11207,7 @@
             <p:cNvPr id="14" name="Gruppieren 13">
               <a:extLst>
                 <a:ext uri="{FF2B5EF4-FFF2-40B4-BE49-F238E27FC236}">
-                  <a16:creationId xmlns:a16="http://schemas.microsoft.com/office/drawing/2014/main" id="{CF154C31-9B1A-6844-82C6-BEC64AE64B76}"/>
+                  <a16:creationId xmlns="" xmlns:a16="http://schemas.microsoft.com/office/drawing/2014/main" id="{CF154C31-9B1A-6844-82C6-BEC64AE64B76}"/>
                 </a:ext>
               </a:extLst>
             </p:cNvPr>
@@ -11177,7 +11227,7 @@
               <p:cNvPr id="16" name="Rechteck 15">
                 <a:extLst>
                   <a:ext uri="{FF2B5EF4-FFF2-40B4-BE49-F238E27FC236}">
-                    <a16:creationId xmlns:a16="http://schemas.microsoft.com/office/drawing/2014/main" id="{5D41E86D-96E1-F64F-B645-811FEF9C3566}"/>
+                    <a16:creationId xmlns="" xmlns:a16="http://schemas.microsoft.com/office/drawing/2014/main" id="{5D41E86D-96E1-F64F-B645-811FEF9C3566}"/>
                   </a:ext>
                 </a:extLst>
               </p:cNvPr>
@@ -11299,7 +11349,7 @@
               <p:cNvPr id="17" name="Rechteck 16">
                 <a:extLst>
                   <a:ext uri="{FF2B5EF4-FFF2-40B4-BE49-F238E27FC236}">
-                    <a16:creationId xmlns:a16="http://schemas.microsoft.com/office/drawing/2014/main" id="{829E215D-25C5-FE42-A84B-E10BE5590901}"/>
+                    <a16:creationId xmlns="" xmlns:a16="http://schemas.microsoft.com/office/drawing/2014/main" id="{829E215D-25C5-FE42-A84B-E10BE5590901}"/>
                   </a:ext>
                 </a:extLst>
               </p:cNvPr>
@@ -11358,7 +11408,7 @@
             <p:cNvPr id="15" name="Rechteck 14">
               <a:extLst>
                 <a:ext uri="{FF2B5EF4-FFF2-40B4-BE49-F238E27FC236}">
-                  <a16:creationId xmlns:a16="http://schemas.microsoft.com/office/drawing/2014/main" id="{3D7F9058-E672-2A4D-9BB1-013BCCC5ACE0}"/>
+                  <a16:creationId xmlns="" xmlns:a16="http://schemas.microsoft.com/office/drawing/2014/main" id="{3D7F9058-E672-2A4D-9BB1-013BCCC5ACE0}"/>
                 </a:ext>
               </a:extLst>
             </p:cNvPr>
@@ -11418,7 +11468,7 @@
           <p:cNvPr id="18" name="Gruppieren 17">
             <a:extLst>
               <a:ext uri="{FF2B5EF4-FFF2-40B4-BE49-F238E27FC236}">
-                <a16:creationId xmlns:a16="http://schemas.microsoft.com/office/drawing/2014/main" id="{76C873CF-9A61-9B4A-9A7F-7A0A6A11ECCC}"/>
+                <a16:creationId xmlns="" xmlns:a16="http://schemas.microsoft.com/office/drawing/2014/main" id="{76C873CF-9A61-9B4A-9A7F-7A0A6A11ECCC}"/>
               </a:ext>
             </a:extLst>
           </p:cNvPr>
@@ -11438,7 +11488,7 @@
             <p:cNvPr id="19" name="Gruppieren 18">
               <a:extLst>
                 <a:ext uri="{FF2B5EF4-FFF2-40B4-BE49-F238E27FC236}">
-                  <a16:creationId xmlns:a16="http://schemas.microsoft.com/office/drawing/2014/main" id="{02621200-51DD-6A4C-86C6-6B2A72D512E2}"/>
+                  <a16:creationId xmlns="" xmlns:a16="http://schemas.microsoft.com/office/drawing/2014/main" id="{02621200-51DD-6A4C-86C6-6B2A72D512E2}"/>
                 </a:ext>
               </a:extLst>
             </p:cNvPr>
@@ -11458,7 +11508,7 @@
               <p:cNvPr id="21" name="Rechteck 20">
                 <a:extLst>
                   <a:ext uri="{FF2B5EF4-FFF2-40B4-BE49-F238E27FC236}">
-                    <a16:creationId xmlns:a16="http://schemas.microsoft.com/office/drawing/2014/main" id="{ED0E09EA-1DC6-1249-841E-901E17F3D0B6}"/>
+                    <a16:creationId xmlns="" xmlns:a16="http://schemas.microsoft.com/office/drawing/2014/main" id="{ED0E09EA-1DC6-1249-841E-901E17F3D0B6}"/>
                   </a:ext>
                 </a:extLst>
               </p:cNvPr>
@@ -11538,7 +11588,7 @@
               <p:cNvPr id="22" name="Rechteck 21">
                 <a:extLst>
                   <a:ext uri="{FF2B5EF4-FFF2-40B4-BE49-F238E27FC236}">
-                    <a16:creationId xmlns:a16="http://schemas.microsoft.com/office/drawing/2014/main" id="{753356B5-7EB8-3F4A-96E1-8FF10B332D06}"/>
+                    <a16:creationId xmlns="" xmlns:a16="http://schemas.microsoft.com/office/drawing/2014/main" id="{753356B5-7EB8-3F4A-96E1-8FF10B332D06}"/>
                   </a:ext>
                 </a:extLst>
               </p:cNvPr>
@@ -11597,7 +11647,7 @@
             <p:cNvPr id="20" name="Rechteck 19">
               <a:extLst>
                 <a:ext uri="{FF2B5EF4-FFF2-40B4-BE49-F238E27FC236}">
-                  <a16:creationId xmlns:a16="http://schemas.microsoft.com/office/drawing/2014/main" id="{63DF4C62-579D-3249-9CFF-878DBD32F80A}"/>
+                  <a16:creationId xmlns="" xmlns:a16="http://schemas.microsoft.com/office/drawing/2014/main" id="{63DF4C62-579D-3249-9CFF-878DBD32F80A}"/>
                 </a:ext>
               </a:extLst>
             </p:cNvPr>
@@ -11657,7 +11707,7 @@
           <p:cNvPr id="23" name="Gruppieren 22">
             <a:extLst>
               <a:ext uri="{FF2B5EF4-FFF2-40B4-BE49-F238E27FC236}">
-                <a16:creationId xmlns:a16="http://schemas.microsoft.com/office/drawing/2014/main" id="{8E929239-873F-A040-A4FF-CF41E574A33B}"/>
+                <a16:creationId xmlns="" xmlns:a16="http://schemas.microsoft.com/office/drawing/2014/main" id="{8E929239-873F-A040-A4FF-CF41E574A33B}"/>
               </a:ext>
             </a:extLst>
           </p:cNvPr>
@@ -11677,7 +11727,7 @@
             <p:cNvPr id="24" name="Gruppieren 23">
               <a:extLst>
                 <a:ext uri="{FF2B5EF4-FFF2-40B4-BE49-F238E27FC236}">
-                  <a16:creationId xmlns:a16="http://schemas.microsoft.com/office/drawing/2014/main" id="{F47E6093-9AA6-8F4B-B80B-776943FCB73D}"/>
+                  <a16:creationId xmlns="" xmlns:a16="http://schemas.microsoft.com/office/drawing/2014/main" id="{F47E6093-9AA6-8F4B-B80B-776943FCB73D}"/>
                 </a:ext>
               </a:extLst>
             </p:cNvPr>
@@ -11697,7 +11747,7 @@
               <p:cNvPr id="26" name="Rechteck 25">
                 <a:extLst>
                   <a:ext uri="{FF2B5EF4-FFF2-40B4-BE49-F238E27FC236}">
-                    <a16:creationId xmlns:a16="http://schemas.microsoft.com/office/drawing/2014/main" id="{4059FEBC-2EFF-ED47-98FF-010C8401FADA}"/>
+                    <a16:creationId xmlns="" xmlns:a16="http://schemas.microsoft.com/office/drawing/2014/main" id="{4059FEBC-2EFF-ED47-98FF-010C8401FADA}"/>
                   </a:ext>
                 </a:extLst>
               </p:cNvPr>
@@ -11810,7 +11860,7 @@
               <p:cNvPr id="27" name="Rechteck 26">
                 <a:extLst>
                   <a:ext uri="{FF2B5EF4-FFF2-40B4-BE49-F238E27FC236}">
-                    <a16:creationId xmlns:a16="http://schemas.microsoft.com/office/drawing/2014/main" id="{A6C74FE9-D83D-2346-A400-58BA4229E830}"/>
+                    <a16:creationId xmlns="" xmlns:a16="http://schemas.microsoft.com/office/drawing/2014/main" id="{A6C74FE9-D83D-2346-A400-58BA4229E830}"/>
                   </a:ext>
                 </a:extLst>
               </p:cNvPr>
@@ -11869,7 +11919,7 @@
             <p:cNvPr id="25" name="Rechteck 24">
               <a:extLst>
                 <a:ext uri="{FF2B5EF4-FFF2-40B4-BE49-F238E27FC236}">
-                  <a16:creationId xmlns:a16="http://schemas.microsoft.com/office/drawing/2014/main" id="{1EDE063D-852E-324C-A77E-EFB1A1CCD783}"/>
+                  <a16:creationId xmlns="" xmlns:a16="http://schemas.microsoft.com/office/drawing/2014/main" id="{1EDE063D-852E-324C-A77E-EFB1A1CCD783}"/>
                 </a:ext>
               </a:extLst>
             </p:cNvPr>
@@ -11929,7 +11979,7 @@
           <p:cNvPr id="28" name="Gruppieren 27">
             <a:extLst>
               <a:ext uri="{FF2B5EF4-FFF2-40B4-BE49-F238E27FC236}">
-                <a16:creationId xmlns:a16="http://schemas.microsoft.com/office/drawing/2014/main" id="{076AA3C9-476D-4D45-B8BE-E0951E23CBCF}"/>
+                <a16:creationId xmlns="" xmlns:a16="http://schemas.microsoft.com/office/drawing/2014/main" id="{076AA3C9-476D-4D45-B8BE-E0951E23CBCF}"/>
               </a:ext>
             </a:extLst>
           </p:cNvPr>
@@ -11949,7 +11999,7 @@
             <p:cNvPr id="29" name="Gruppieren 28">
               <a:extLst>
                 <a:ext uri="{FF2B5EF4-FFF2-40B4-BE49-F238E27FC236}">
-                  <a16:creationId xmlns:a16="http://schemas.microsoft.com/office/drawing/2014/main" id="{B404C1CC-6DF7-B648-9CCB-5E2E9AFEB672}"/>
+                  <a16:creationId xmlns="" xmlns:a16="http://schemas.microsoft.com/office/drawing/2014/main" id="{B404C1CC-6DF7-B648-9CCB-5E2E9AFEB672}"/>
                 </a:ext>
               </a:extLst>
             </p:cNvPr>
@@ -11969,7 +12019,7 @@
               <p:cNvPr id="31" name="Rechteck 30">
                 <a:extLst>
                   <a:ext uri="{FF2B5EF4-FFF2-40B4-BE49-F238E27FC236}">
-                    <a16:creationId xmlns:a16="http://schemas.microsoft.com/office/drawing/2014/main" id="{4BDB37D7-D054-A942-8D6D-F9B2EF0F9FF6}"/>
+                    <a16:creationId xmlns="" xmlns:a16="http://schemas.microsoft.com/office/drawing/2014/main" id="{4BDB37D7-D054-A942-8D6D-F9B2EF0F9FF6}"/>
                   </a:ext>
                 </a:extLst>
               </p:cNvPr>
@@ -12024,7 +12074,7 @@
               <p:cNvPr id="32" name="Rechteck 31">
                 <a:extLst>
                   <a:ext uri="{FF2B5EF4-FFF2-40B4-BE49-F238E27FC236}">
-                    <a16:creationId xmlns:a16="http://schemas.microsoft.com/office/drawing/2014/main" id="{3A6CCD76-DF2E-A745-8BA8-2A2DA3CA1050}"/>
+                    <a16:creationId xmlns="" xmlns:a16="http://schemas.microsoft.com/office/drawing/2014/main" id="{3A6CCD76-DF2E-A745-8BA8-2A2DA3CA1050}"/>
                   </a:ext>
                 </a:extLst>
               </p:cNvPr>
@@ -12083,7 +12133,7 @@
             <p:cNvPr id="30" name="Rechteck 29">
               <a:extLst>
                 <a:ext uri="{FF2B5EF4-FFF2-40B4-BE49-F238E27FC236}">
-                  <a16:creationId xmlns:a16="http://schemas.microsoft.com/office/drawing/2014/main" id="{117072ED-37EF-E943-B866-F06DD4235CB3}"/>
+                  <a16:creationId xmlns="" xmlns:a16="http://schemas.microsoft.com/office/drawing/2014/main" id="{117072ED-37EF-E943-B866-F06DD4235CB3}"/>
                 </a:ext>
               </a:extLst>
             </p:cNvPr>
@@ -12244,7 +12294,7 @@
           <p:cNvPr id="2" name="Titel 1">
             <a:extLst>
               <a:ext uri="{FF2B5EF4-FFF2-40B4-BE49-F238E27FC236}">
-                <a16:creationId xmlns:a16="http://schemas.microsoft.com/office/drawing/2014/main" id="{565721FC-DA9D-7F4A-AC0A-E966CE252A2E}"/>
+                <a16:creationId xmlns="" xmlns:a16="http://schemas.microsoft.com/office/drawing/2014/main" id="{565721FC-DA9D-7F4A-AC0A-E966CE252A2E}"/>
               </a:ext>
             </a:extLst>
           </p:cNvPr>
@@ -12276,7 +12326,7 @@
           <p:cNvPr id="7" name="Grafik 6">
             <a:extLst>
               <a:ext uri="{FF2B5EF4-FFF2-40B4-BE49-F238E27FC236}">
-                <a16:creationId xmlns:a16="http://schemas.microsoft.com/office/drawing/2014/main" id="{496E9BA1-997F-8A42-8359-8118CAA4F8B8}"/>
+                <a16:creationId xmlns="" xmlns:a16="http://schemas.microsoft.com/office/drawing/2014/main" id="{496E9BA1-997F-8A42-8359-8118CAA4F8B8}"/>
               </a:ext>
             </a:extLst>
           </p:cNvPr>
@@ -12312,7 +12362,7 @@
           <p:cNvPr id="24" name="Oval 23">
             <a:extLst>
               <a:ext uri="{FF2B5EF4-FFF2-40B4-BE49-F238E27FC236}">
-                <a16:creationId xmlns:a16="http://schemas.microsoft.com/office/drawing/2014/main" id="{7BEF158B-37D7-804E-8706-2F4AC3084EAE}"/>
+                <a16:creationId xmlns="" xmlns:a16="http://schemas.microsoft.com/office/drawing/2014/main" id="{7BEF158B-37D7-804E-8706-2F4AC3084EAE}"/>
               </a:ext>
             </a:extLst>
           </p:cNvPr>
@@ -12364,7 +12414,7 @@
           <p:cNvPr id="25" name="Oval 24">
             <a:extLst>
               <a:ext uri="{FF2B5EF4-FFF2-40B4-BE49-F238E27FC236}">
-                <a16:creationId xmlns:a16="http://schemas.microsoft.com/office/drawing/2014/main" id="{507E0D37-7C93-BC4A-AD0C-ABE98E968974}"/>
+                <a16:creationId xmlns="" xmlns:a16="http://schemas.microsoft.com/office/drawing/2014/main" id="{507E0D37-7C93-BC4A-AD0C-ABE98E968974}"/>
               </a:ext>
             </a:extLst>
           </p:cNvPr>
@@ -12416,7 +12466,7 @@
           <p:cNvPr id="26" name="Oval 25">
             <a:extLst>
               <a:ext uri="{FF2B5EF4-FFF2-40B4-BE49-F238E27FC236}">
-                <a16:creationId xmlns:a16="http://schemas.microsoft.com/office/drawing/2014/main" id="{5149A216-9FF4-6B4B-8F2B-828C3DDFA3AF}"/>
+                <a16:creationId xmlns="" xmlns:a16="http://schemas.microsoft.com/office/drawing/2014/main" id="{5149A216-9FF4-6B4B-8F2B-828C3DDFA3AF}"/>
               </a:ext>
             </a:extLst>
           </p:cNvPr>
@@ -12470,7 +12520,7 @@
               <p14:cNvPr id="43" name="Freihand 42">
                 <a:extLst>
                   <a:ext uri="{FF2B5EF4-FFF2-40B4-BE49-F238E27FC236}">
-                    <a16:creationId xmlns:a16="http://schemas.microsoft.com/office/drawing/2014/main" id="{A0E82E8C-EC6D-9349-9BFA-4A3A2CDCC1E4}"/>
+                    <a16:creationId xmlns="" xmlns:a16="http://schemas.microsoft.com/office/drawing/2014/main" id="{A0E82E8C-EC6D-9349-9BFA-4A3A2CDCC1E4}"/>
                   </a:ext>
                 </a:extLst>
               </p14:cNvPr>
@@ -12521,7 +12571,7 @@
               <p14:cNvPr id="44" name="Freihand 43">
                 <a:extLst>
                   <a:ext uri="{FF2B5EF4-FFF2-40B4-BE49-F238E27FC236}">
-                    <a16:creationId xmlns:a16="http://schemas.microsoft.com/office/drawing/2014/main" id="{E50D5434-2140-FA4B-BC8C-7CE04AB8EE66}"/>
+                    <a16:creationId xmlns="" xmlns:a16="http://schemas.microsoft.com/office/drawing/2014/main" id="{E50D5434-2140-FA4B-BC8C-7CE04AB8EE66}"/>
                   </a:ext>
                 </a:extLst>
               </p14:cNvPr>
@@ -12572,7 +12622,7 @@
               <p14:cNvPr id="47" name="Freihand 46">
                 <a:extLst>
                   <a:ext uri="{FF2B5EF4-FFF2-40B4-BE49-F238E27FC236}">
-                    <a16:creationId xmlns:a16="http://schemas.microsoft.com/office/drawing/2014/main" id="{27A900A0-707B-0345-98E5-AFA26F328408}"/>
+                    <a16:creationId xmlns="" xmlns:a16="http://schemas.microsoft.com/office/drawing/2014/main" id="{27A900A0-707B-0345-98E5-AFA26F328408}"/>
                   </a:ext>
                 </a:extLst>
               </p14:cNvPr>
@@ -12621,7 +12671,7 @@
           <p:cNvPr id="49" name="Abgerundete rechteckige Legende 48">
             <a:extLst>
               <a:ext uri="{FF2B5EF4-FFF2-40B4-BE49-F238E27FC236}">
-                <a16:creationId xmlns:a16="http://schemas.microsoft.com/office/drawing/2014/main" id="{C3CD6BDE-7299-4D4A-B8A9-C380C4D21852}"/>
+                <a16:creationId xmlns="" xmlns:a16="http://schemas.microsoft.com/office/drawing/2014/main" id="{C3CD6BDE-7299-4D4A-B8A9-C380C4D21852}"/>
               </a:ext>
             </a:extLst>
           </p:cNvPr>
@@ -12691,7 +12741,7 @@
           <p:cNvPr id="50" name="Textfeld 49">
             <a:extLst>
               <a:ext uri="{FF2B5EF4-FFF2-40B4-BE49-F238E27FC236}">
-                <a16:creationId xmlns:a16="http://schemas.microsoft.com/office/drawing/2014/main" id="{74812B0A-9F6B-3B44-B974-C1947644856D}"/>
+                <a16:creationId xmlns="" xmlns:a16="http://schemas.microsoft.com/office/drawing/2014/main" id="{74812B0A-9F6B-3B44-B974-C1947644856D}"/>
               </a:ext>
             </a:extLst>
           </p:cNvPr>
@@ -12726,7 +12776,7 @@
           <p:cNvPr id="52" name="Wolkenförmige Legende 51">
             <a:extLst>
               <a:ext uri="{FF2B5EF4-FFF2-40B4-BE49-F238E27FC236}">
-                <a16:creationId xmlns:a16="http://schemas.microsoft.com/office/drawing/2014/main" id="{29DB6461-09BA-4847-ADB9-C5C694AA482B}"/>
+                <a16:creationId xmlns="" xmlns:a16="http://schemas.microsoft.com/office/drawing/2014/main" id="{29DB6461-09BA-4847-ADB9-C5C694AA482B}"/>
               </a:ext>
             </a:extLst>
           </p:cNvPr>
@@ -12780,7 +12830,7 @@
           <p:cNvPr id="53" name="Oval 52">
             <a:extLst>
               <a:ext uri="{FF2B5EF4-FFF2-40B4-BE49-F238E27FC236}">
-                <a16:creationId xmlns:a16="http://schemas.microsoft.com/office/drawing/2014/main" id="{A7F525C7-2BB3-7741-BE0A-A91605F6B414}"/>
+                <a16:creationId xmlns="" xmlns:a16="http://schemas.microsoft.com/office/drawing/2014/main" id="{A7F525C7-2BB3-7741-BE0A-A91605F6B414}"/>
               </a:ext>
             </a:extLst>
           </p:cNvPr>
@@ -12832,7 +12882,7 @@
           <p:cNvPr id="54" name="Oval 53">
             <a:extLst>
               <a:ext uri="{FF2B5EF4-FFF2-40B4-BE49-F238E27FC236}">
-                <a16:creationId xmlns:a16="http://schemas.microsoft.com/office/drawing/2014/main" id="{7A84F289-E89F-8342-8791-347A0E4F5BF9}"/>
+                <a16:creationId xmlns="" xmlns:a16="http://schemas.microsoft.com/office/drawing/2014/main" id="{7A84F289-E89F-8342-8791-347A0E4F5BF9}"/>
               </a:ext>
             </a:extLst>
           </p:cNvPr>
@@ -12884,7 +12934,7 @@
           <p:cNvPr id="55" name="Oval 54">
             <a:extLst>
               <a:ext uri="{FF2B5EF4-FFF2-40B4-BE49-F238E27FC236}">
-                <a16:creationId xmlns:a16="http://schemas.microsoft.com/office/drawing/2014/main" id="{A65E12B4-4201-2148-B5CA-CF3C353E009F}"/>
+                <a16:creationId xmlns="" xmlns:a16="http://schemas.microsoft.com/office/drawing/2014/main" id="{A65E12B4-4201-2148-B5CA-CF3C353E009F}"/>
               </a:ext>
             </a:extLst>
           </p:cNvPr>
@@ -12938,7 +12988,7 @@
               <p14:cNvPr id="56" name="Freihand 55">
                 <a:extLst>
                   <a:ext uri="{FF2B5EF4-FFF2-40B4-BE49-F238E27FC236}">
-                    <a16:creationId xmlns:a16="http://schemas.microsoft.com/office/drawing/2014/main" id="{5B3C06F8-598F-844F-A3A1-C175A796CC1F}"/>
+                    <a16:creationId xmlns="" xmlns:a16="http://schemas.microsoft.com/office/drawing/2014/main" id="{5B3C06F8-598F-844F-A3A1-C175A796CC1F}"/>
                   </a:ext>
                 </a:extLst>
               </p14:cNvPr>
@@ -12989,7 +13039,7 @@
               <p14:cNvPr id="60" name="Freihand 59">
                 <a:extLst>
                   <a:ext uri="{FF2B5EF4-FFF2-40B4-BE49-F238E27FC236}">
-                    <a16:creationId xmlns:a16="http://schemas.microsoft.com/office/drawing/2014/main" id="{082C1878-4FC7-A046-A15C-155DA5A4994F}"/>
+                    <a16:creationId xmlns="" xmlns:a16="http://schemas.microsoft.com/office/drawing/2014/main" id="{082C1878-4FC7-A046-A15C-155DA5A4994F}"/>
                   </a:ext>
                 </a:extLst>
               </p14:cNvPr>
@@ -13040,7 +13090,7 @@
               <p14:cNvPr id="61" name="Freihand 60">
                 <a:extLst>
                   <a:ext uri="{FF2B5EF4-FFF2-40B4-BE49-F238E27FC236}">
-                    <a16:creationId xmlns:a16="http://schemas.microsoft.com/office/drawing/2014/main" id="{4493D0F5-C439-AB47-A7AB-C5899EB6F429}"/>
+                    <a16:creationId xmlns="" xmlns:a16="http://schemas.microsoft.com/office/drawing/2014/main" id="{4493D0F5-C439-AB47-A7AB-C5899EB6F429}"/>
                   </a:ext>
                 </a:extLst>
               </p14:cNvPr>
@@ -13091,7 +13141,7 @@
               <p14:cNvPr id="62" name="Freihand 61">
                 <a:extLst>
                   <a:ext uri="{FF2B5EF4-FFF2-40B4-BE49-F238E27FC236}">
-                    <a16:creationId xmlns:a16="http://schemas.microsoft.com/office/drawing/2014/main" id="{748AF862-0F58-C846-9997-89FE1E796ACE}"/>
+                    <a16:creationId xmlns="" xmlns:a16="http://schemas.microsoft.com/office/drawing/2014/main" id="{748AF862-0F58-C846-9997-89FE1E796ACE}"/>
                   </a:ext>
                 </a:extLst>
               </p14:cNvPr>
@@ -13140,7 +13190,7 @@
           <p:cNvPr id="65" name="Textfeld 64">
             <a:extLst>
               <a:ext uri="{FF2B5EF4-FFF2-40B4-BE49-F238E27FC236}">
-                <a16:creationId xmlns:a16="http://schemas.microsoft.com/office/drawing/2014/main" id="{78AA0267-66A5-6246-A3BD-117F333C6256}"/>
+                <a16:creationId xmlns="" xmlns:a16="http://schemas.microsoft.com/office/drawing/2014/main" id="{78AA0267-66A5-6246-A3BD-117F333C6256}"/>
               </a:ext>
             </a:extLst>
           </p:cNvPr>
@@ -13183,7 +13233,7 @@
           <p:cNvPr id="23" name="Textfeld 22">
             <a:extLst>
               <a:ext uri="{FF2B5EF4-FFF2-40B4-BE49-F238E27FC236}">
-                <a16:creationId xmlns:a16="http://schemas.microsoft.com/office/drawing/2014/main" id="{74812B0A-9F6B-3B44-B974-C1947644856D}"/>
+                <a16:creationId xmlns="" xmlns:a16="http://schemas.microsoft.com/office/drawing/2014/main" id="{74812B0A-9F6B-3B44-B974-C1947644856D}"/>
               </a:ext>
             </a:extLst>
           </p:cNvPr>
@@ -13457,7 +13507,7 @@
           <p:cNvPr id="3" name="Untertitel 2">
             <a:extLst>
               <a:ext uri="{FF2B5EF4-FFF2-40B4-BE49-F238E27FC236}">
-                <a16:creationId xmlns:a16="http://schemas.microsoft.com/office/drawing/2014/main" id="{6AE9039D-A97A-1348-B85E-C1CBBAEACFD7}"/>
+                <a16:creationId xmlns="" xmlns:a16="http://schemas.microsoft.com/office/drawing/2014/main" id="{6AE9039D-A97A-1348-B85E-C1CBBAEACFD7}"/>
               </a:ext>
             </a:extLst>
           </p:cNvPr>
@@ -13505,7 +13555,7 @@
           <p:cNvPr id="2" name="Titel 1">
             <a:extLst>
               <a:ext uri="{FF2B5EF4-FFF2-40B4-BE49-F238E27FC236}">
-                <a16:creationId xmlns:a16="http://schemas.microsoft.com/office/drawing/2014/main" id="{306470B7-1C34-794F-AAAA-978C5A77B715}"/>
+                <a16:creationId xmlns="" xmlns:a16="http://schemas.microsoft.com/office/drawing/2014/main" id="{306470B7-1C34-794F-AAAA-978C5A77B715}"/>
               </a:ext>
             </a:extLst>
           </p:cNvPr>
@@ -13538,7 +13588,7 @@
           <p:cNvPr id="5" name="Grafik 4">
             <a:extLst>
               <a:ext uri="{FF2B5EF4-FFF2-40B4-BE49-F238E27FC236}">
-                <a16:creationId xmlns:a16="http://schemas.microsoft.com/office/drawing/2014/main" id="{8BFAE0AD-6B6F-7D46-B734-E35EC976BB2F}"/>
+                <a16:creationId xmlns="" xmlns:a16="http://schemas.microsoft.com/office/drawing/2014/main" id="{8BFAE0AD-6B6F-7D46-B734-E35EC976BB2F}"/>
               </a:ext>
             </a:extLst>
           </p:cNvPr>
@@ -13579,6 +13629,14 @@
   <p:clrMapOvr>
     <a:masterClrMapping/>
   </p:clrMapOvr>
+  <mc:AlternateContent xmlns:mc="http://schemas.openxmlformats.org/markup-compatibility/2006" xmlns:p14="http://schemas.microsoft.com/office/powerpoint/2010/main">
+    <mc:Choice Requires="p14">
+      <p:transition spd="slow" p14:dur="2000"/>
+    </mc:Choice>
+    <mc:Fallback xmlns="">
+      <p:transition spd="slow"/>
+    </mc:Fallback>
+  </mc:AlternateContent>
 </p:sld>
 </file>
 
@@ -13912,7 +13970,7 @@
           <p:cNvPr id="2" name="Titel 1">
             <a:extLst>
               <a:ext uri="{FF2B5EF4-FFF2-40B4-BE49-F238E27FC236}">
-                <a16:creationId xmlns:a16="http://schemas.microsoft.com/office/drawing/2014/main" id="{6D5AEAFE-EC04-F24C-A17A-158A347CC423}"/>
+                <a16:creationId xmlns="" xmlns:a16="http://schemas.microsoft.com/office/drawing/2014/main" id="{6D5AEAFE-EC04-F24C-A17A-158A347CC423}"/>
               </a:ext>
             </a:extLst>
           </p:cNvPr>
@@ -13940,7 +13998,7 @@
           <p:cNvPr id="9" name="Inhaltsplatzhalter 8">
             <a:extLst>
               <a:ext uri="{FF2B5EF4-FFF2-40B4-BE49-F238E27FC236}">
-                <a16:creationId xmlns:a16="http://schemas.microsoft.com/office/drawing/2014/main" id="{43E904B5-FC63-2245-8D6F-9995C0DEC09A}"/>
+                <a16:creationId xmlns="" xmlns:a16="http://schemas.microsoft.com/office/drawing/2014/main" id="{43E904B5-FC63-2245-8D6F-9995C0DEC09A}"/>
               </a:ext>
             </a:extLst>
           </p:cNvPr>
@@ -14005,7 +14063,7 @@
           <p:cNvPr id="2" name="Titel 1">
             <a:extLst>
               <a:ext uri="{FF2B5EF4-FFF2-40B4-BE49-F238E27FC236}">
-                <a16:creationId xmlns:a16="http://schemas.microsoft.com/office/drawing/2014/main" id="{DCFD5523-7851-A043-B6A9-AB16F57D85D1}"/>
+                <a16:creationId xmlns="" xmlns:a16="http://schemas.microsoft.com/office/drawing/2014/main" id="{DCFD5523-7851-A043-B6A9-AB16F57D85D1}"/>
               </a:ext>
             </a:extLst>
           </p:cNvPr>
@@ -14033,7 +14091,7 @@
           <p:cNvPr id="9" name="Inhaltsplatzhalter 8">
             <a:extLst>
               <a:ext uri="{FF2B5EF4-FFF2-40B4-BE49-F238E27FC236}">
-                <a16:creationId xmlns:a16="http://schemas.microsoft.com/office/drawing/2014/main" id="{4161DFCC-B7ED-104E-A55F-5805A7DFB48E}"/>
+                <a16:creationId xmlns="" xmlns:a16="http://schemas.microsoft.com/office/drawing/2014/main" id="{4161DFCC-B7ED-104E-A55F-5805A7DFB48E}"/>
               </a:ext>
             </a:extLst>
           </p:cNvPr>
@@ -14098,7 +14156,7 @@
           <p:cNvPr id="2" name="Titel 1">
             <a:extLst>
               <a:ext uri="{FF2B5EF4-FFF2-40B4-BE49-F238E27FC236}">
-                <a16:creationId xmlns:a16="http://schemas.microsoft.com/office/drawing/2014/main" id="{4408D667-F505-6949-BA79-5C28AA792F31}"/>
+                <a16:creationId xmlns="" xmlns:a16="http://schemas.microsoft.com/office/drawing/2014/main" id="{4408D667-F505-6949-BA79-5C28AA792F31}"/>
               </a:ext>
             </a:extLst>
           </p:cNvPr>
@@ -14126,7 +14184,7 @@
           <p:cNvPr id="9" name="Inhaltsplatzhalter 8">
             <a:extLst>
               <a:ext uri="{FF2B5EF4-FFF2-40B4-BE49-F238E27FC236}">
-                <a16:creationId xmlns:a16="http://schemas.microsoft.com/office/drawing/2014/main" id="{A5757A64-2FEB-194F-9D1D-E341434C0D34}"/>
+                <a16:creationId xmlns="" xmlns:a16="http://schemas.microsoft.com/office/drawing/2014/main" id="{A5757A64-2FEB-194F-9D1D-E341434C0D34}"/>
               </a:ext>
             </a:extLst>
           </p:cNvPr>
@@ -14191,7 +14249,7 @@
           <p:cNvPr id="2" name="Titel 1">
             <a:extLst>
               <a:ext uri="{FF2B5EF4-FFF2-40B4-BE49-F238E27FC236}">
-                <a16:creationId xmlns:a16="http://schemas.microsoft.com/office/drawing/2014/main" id="{D0623DED-DC16-7843-8D93-20186F3EC855}"/>
+                <a16:creationId xmlns="" xmlns:a16="http://schemas.microsoft.com/office/drawing/2014/main" id="{D0623DED-DC16-7843-8D93-20186F3EC855}"/>
               </a:ext>
             </a:extLst>
           </p:cNvPr>
@@ -14219,7 +14277,7 @@
           <p:cNvPr id="5" name="Inhaltsplatzhalter 4">
             <a:extLst>
               <a:ext uri="{FF2B5EF4-FFF2-40B4-BE49-F238E27FC236}">
-                <a16:creationId xmlns:a16="http://schemas.microsoft.com/office/drawing/2014/main" id="{3C05055E-ACB1-E04D-ABDF-725E50C20C83}"/>
+                <a16:creationId xmlns="" xmlns:a16="http://schemas.microsoft.com/office/drawing/2014/main" id="{3C05055E-ACB1-E04D-ABDF-725E50C20C83}"/>
               </a:ext>
             </a:extLst>
           </p:cNvPr>
@@ -14284,7 +14342,7 @@
           <p:cNvPr id="2" name="Titel 1">
             <a:extLst>
               <a:ext uri="{FF2B5EF4-FFF2-40B4-BE49-F238E27FC236}">
-                <a16:creationId xmlns:a16="http://schemas.microsoft.com/office/drawing/2014/main" id="{10587004-B7DF-5045-9C0B-0660C21B200E}"/>
+                <a16:creationId xmlns="" xmlns:a16="http://schemas.microsoft.com/office/drawing/2014/main" id="{10587004-B7DF-5045-9C0B-0660C21B200E}"/>
               </a:ext>
             </a:extLst>
           </p:cNvPr>
@@ -14312,7 +14370,7 @@
           <p:cNvPr id="9" name="Inhaltsplatzhalter 8">
             <a:extLst>
               <a:ext uri="{FF2B5EF4-FFF2-40B4-BE49-F238E27FC236}">
-                <a16:creationId xmlns:a16="http://schemas.microsoft.com/office/drawing/2014/main" id="{BA32FF54-8004-EC4C-B451-9DE95BCEFAC8}"/>
+                <a16:creationId xmlns="" xmlns:a16="http://schemas.microsoft.com/office/drawing/2014/main" id="{BA32FF54-8004-EC4C-B451-9DE95BCEFAC8}"/>
               </a:ext>
             </a:extLst>
           </p:cNvPr>
@@ -14377,7 +14435,7 @@
           <p:cNvPr id="2" name="Titel 1">
             <a:extLst>
               <a:ext uri="{FF2B5EF4-FFF2-40B4-BE49-F238E27FC236}">
-                <a16:creationId xmlns:a16="http://schemas.microsoft.com/office/drawing/2014/main" id="{9D53ED9D-320B-244E-B0A4-990B8FD6A869}"/>
+                <a16:creationId xmlns="" xmlns:a16="http://schemas.microsoft.com/office/drawing/2014/main" id="{9D53ED9D-320B-244E-B0A4-990B8FD6A869}"/>
               </a:ext>
             </a:extLst>
           </p:cNvPr>
@@ -14425,7 +14483,7 @@
           <p:cNvPr id="4" name="Gruppieren 3">
             <a:extLst>
               <a:ext uri="{FF2B5EF4-FFF2-40B4-BE49-F238E27FC236}">
-                <a16:creationId xmlns:a16="http://schemas.microsoft.com/office/drawing/2014/main" id="{783A73D2-C025-644E-A194-3438D291D352}"/>
+                <a16:creationId xmlns="" xmlns:a16="http://schemas.microsoft.com/office/drawing/2014/main" id="{783A73D2-C025-644E-A194-3438D291D352}"/>
               </a:ext>
             </a:extLst>
           </p:cNvPr>
@@ -14445,7 +14503,7 @@
             <p:cNvPr id="5" name="Rechteck 4">
               <a:extLst>
                 <a:ext uri="{FF2B5EF4-FFF2-40B4-BE49-F238E27FC236}">
-                  <a16:creationId xmlns:a16="http://schemas.microsoft.com/office/drawing/2014/main" id="{4F68B8E9-417E-0141-AE27-E298ED29929C}"/>
+                  <a16:creationId xmlns="" xmlns:a16="http://schemas.microsoft.com/office/drawing/2014/main" id="{4F68B8E9-417E-0141-AE27-E298ED29929C}"/>
                 </a:ext>
               </a:extLst>
             </p:cNvPr>
@@ -14529,7 +14587,7 @@
             <p:cNvPr id="6" name="Rechteck 5">
               <a:extLst>
                 <a:ext uri="{FF2B5EF4-FFF2-40B4-BE49-F238E27FC236}">
-                  <a16:creationId xmlns:a16="http://schemas.microsoft.com/office/drawing/2014/main" id="{B2717A64-B61E-B44C-B23D-CB509FB519CA}"/>
+                  <a16:creationId xmlns="" xmlns:a16="http://schemas.microsoft.com/office/drawing/2014/main" id="{B2717A64-B61E-B44C-B23D-CB509FB519CA}"/>
                 </a:ext>
               </a:extLst>
             </p:cNvPr>
@@ -14588,7 +14646,7 @@
           <p:cNvPr id="7" name="Gruppieren 6">
             <a:extLst>
               <a:ext uri="{FF2B5EF4-FFF2-40B4-BE49-F238E27FC236}">
-                <a16:creationId xmlns:a16="http://schemas.microsoft.com/office/drawing/2014/main" id="{783A73D2-C025-644E-A194-3438D291D352}"/>
+                <a16:creationId xmlns="" xmlns:a16="http://schemas.microsoft.com/office/drawing/2014/main" id="{783A73D2-C025-644E-A194-3438D291D352}"/>
               </a:ext>
             </a:extLst>
           </p:cNvPr>
@@ -14608,7 +14666,7 @@
             <p:cNvPr id="8" name="Rechteck 7">
               <a:extLst>
                 <a:ext uri="{FF2B5EF4-FFF2-40B4-BE49-F238E27FC236}">
-                  <a16:creationId xmlns:a16="http://schemas.microsoft.com/office/drawing/2014/main" id="{4F68B8E9-417E-0141-AE27-E298ED29929C}"/>
+                  <a16:creationId xmlns="" xmlns:a16="http://schemas.microsoft.com/office/drawing/2014/main" id="{4F68B8E9-417E-0141-AE27-E298ED29929C}"/>
                 </a:ext>
               </a:extLst>
             </p:cNvPr>
@@ -14717,7 +14775,7 @@
             <p:cNvPr id="9" name="Rechteck 8">
               <a:extLst>
                 <a:ext uri="{FF2B5EF4-FFF2-40B4-BE49-F238E27FC236}">
-                  <a16:creationId xmlns:a16="http://schemas.microsoft.com/office/drawing/2014/main" id="{B2717A64-B61E-B44C-B23D-CB509FB519CA}"/>
+                  <a16:creationId xmlns="" xmlns:a16="http://schemas.microsoft.com/office/drawing/2014/main" id="{B2717A64-B61E-B44C-B23D-CB509FB519CA}"/>
                 </a:ext>
               </a:extLst>
             </p:cNvPr>
@@ -14806,7 +14864,7 @@
           <p:cNvPr id="2" name="Titel 1">
             <a:extLst>
               <a:ext uri="{FF2B5EF4-FFF2-40B4-BE49-F238E27FC236}">
-                <a16:creationId xmlns:a16="http://schemas.microsoft.com/office/drawing/2014/main" id="{3358FD0C-BC9C-224A-97DC-50E85919ED2D}"/>
+                <a16:creationId xmlns="" xmlns:a16="http://schemas.microsoft.com/office/drawing/2014/main" id="{3358FD0C-BC9C-224A-97DC-50E85919ED2D}"/>
               </a:ext>
             </a:extLst>
           </p:cNvPr>
@@ -14839,7 +14897,7 @@
           <p:cNvPr id="5" name="Inhaltsplatzhalter 4">
             <a:extLst>
               <a:ext uri="{FF2B5EF4-FFF2-40B4-BE49-F238E27FC236}">
-                <a16:creationId xmlns:a16="http://schemas.microsoft.com/office/drawing/2014/main" id="{90D70A80-F13E-4148-9767-D676A4697649}"/>
+                <a16:creationId xmlns="" xmlns:a16="http://schemas.microsoft.com/office/drawing/2014/main" id="{90D70A80-F13E-4148-9767-D676A4697649}"/>
               </a:ext>
             </a:extLst>
           </p:cNvPr>
@@ -14904,7 +14962,7 @@
           <p:cNvPr id="2" name="Titel 1">
             <a:extLst>
               <a:ext uri="{FF2B5EF4-FFF2-40B4-BE49-F238E27FC236}">
-                <a16:creationId xmlns:a16="http://schemas.microsoft.com/office/drawing/2014/main" id="{72C746DA-5BDE-0D47-83E3-DB7A3A00BFD0}"/>
+                <a16:creationId xmlns="" xmlns:a16="http://schemas.microsoft.com/office/drawing/2014/main" id="{72C746DA-5BDE-0D47-83E3-DB7A3A00BFD0}"/>
               </a:ext>
             </a:extLst>
           </p:cNvPr>
@@ -14937,7 +14995,7 @@
           <p:cNvPr id="5" name="Inhaltsplatzhalter 4">
             <a:extLst>
               <a:ext uri="{FF2B5EF4-FFF2-40B4-BE49-F238E27FC236}">
-                <a16:creationId xmlns:a16="http://schemas.microsoft.com/office/drawing/2014/main" id="{EDCE88AD-E358-BB42-8E08-A95860B38BC9}"/>
+                <a16:creationId xmlns="" xmlns:a16="http://schemas.microsoft.com/office/drawing/2014/main" id="{EDCE88AD-E358-BB42-8E08-A95860B38BC9}"/>
               </a:ext>
             </a:extLst>
           </p:cNvPr>
@@ -17169,7 +17227,7 @@
           <p:cNvPr id="2" name="Titel 1">
             <a:extLst>
               <a:ext uri="{FF2B5EF4-FFF2-40B4-BE49-F238E27FC236}">
-                <a16:creationId xmlns:a16="http://schemas.microsoft.com/office/drawing/2014/main" id="{061E505A-8173-1347-AE02-C6C2BDD420BB}"/>
+                <a16:creationId xmlns="" xmlns:a16="http://schemas.microsoft.com/office/drawing/2014/main" id="{061E505A-8173-1347-AE02-C6C2BDD420BB}"/>
               </a:ext>
             </a:extLst>
           </p:cNvPr>
@@ -17197,7 +17255,7 @@
           <p:cNvPr id="6" name="Rechteck 5">
             <a:extLst>
               <a:ext uri="{FF2B5EF4-FFF2-40B4-BE49-F238E27FC236}">
-                <a16:creationId xmlns:a16="http://schemas.microsoft.com/office/drawing/2014/main" id="{4F68B8E9-417E-0141-AE27-E298ED29929C}"/>
+                <a16:creationId xmlns="" xmlns:a16="http://schemas.microsoft.com/office/drawing/2014/main" id="{4F68B8E9-417E-0141-AE27-E298ED29929C}"/>
               </a:ext>
             </a:extLst>
           </p:cNvPr>
@@ -17255,7 +17313,7 @@
           <p:cNvPr id="7" name="Rechteck 6">
             <a:extLst>
               <a:ext uri="{FF2B5EF4-FFF2-40B4-BE49-F238E27FC236}">
-                <a16:creationId xmlns:a16="http://schemas.microsoft.com/office/drawing/2014/main" id="{4F68B8E9-417E-0141-AE27-E298ED29929C}"/>
+                <a16:creationId xmlns="" xmlns:a16="http://schemas.microsoft.com/office/drawing/2014/main" id="{4F68B8E9-417E-0141-AE27-E298ED29929C}"/>
               </a:ext>
             </a:extLst>
           </p:cNvPr>
@@ -17313,7 +17371,7 @@
           <p:cNvPr id="8" name="Rechteck 7">
             <a:extLst>
               <a:ext uri="{FF2B5EF4-FFF2-40B4-BE49-F238E27FC236}">
-                <a16:creationId xmlns:a16="http://schemas.microsoft.com/office/drawing/2014/main" id="{4F68B8E9-417E-0141-AE27-E298ED29929C}"/>
+                <a16:creationId xmlns="" xmlns:a16="http://schemas.microsoft.com/office/drawing/2014/main" id="{4F68B8E9-417E-0141-AE27-E298ED29929C}"/>
               </a:ext>
             </a:extLst>
           </p:cNvPr>
@@ -17371,7 +17429,7 @@
           <p:cNvPr id="9" name="Rechteck 8">
             <a:extLst>
               <a:ext uri="{FF2B5EF4-FFF2-40B4-BE49-F238E27FC236}">
-                <a16:creationId xmlns:a16="http://schemas.microsoft.com/office/drawing/2014/main" id="{4F68B8E9-417E-0141-AE27-E298ED29929C}"/>
+                <a16:creationId xmlns="" xmlns:a16="http://schemas.microsoft.com/office/drawing/2014/main" id="{4F68B8E9-417E-0141-AE27-E298ED29929C}"/>
               </a:ext>
             </a:extLst>
           </p:cNvPr>
@@ -17429,7 +17487,7 @@
           <p:cNvPr id="10" name="Rechteck 9">
             <a:extLst>
               <a:ext uri="{FF2B5EF4-FFF2-40B4-BE49-F238E27FC236}">
-                <a16:creationId xmlns:a16="http://schemas.microsoft.com/office/drawing/2014/main" id="{4F68B8E9-417E-0141-AE27-E298ED29929C}"/>
+                <a16:creationId xmlns="" xmlns:a16="http://schemas.microsoft.com/office/drawing/2014/main" id="{4F68B8E9-417E-0141-AE27-E298ED29929C}"/>
               </a:ext>
             </a:extLst>
           </p:cNvPr>
@@ -17655,7 +17713,7 @@
           <p:cNvPr id="17" name="Oval 52">
             <a:extLst>
               <a:ext uri="{FF2B5EF4-FFF2-40B4-BE49-F238E27FC236}">
-                <a16:creationId xmlns:a16="http://schemas.microsoft.com/office/drawing/2014/main" id="{A7F525C7-2BB3-7741-BE0A-A91605F6B414}"/>
+                <a16:creationId xmlns="" xmlns:a16="http://schemas.microsoft.com/office/drawing/2014/main" id="{A7F525C7-2BB3-7741-BE0A-A91605F6B414}"/>
               </a:ext>
             </a:extLst>
           </p:cNvPr>
@@ -17707,7 +17765,7 @@
           <p:cNvPr id="22" name="Oval 54">
             <a:extLst>
               <a:ext uri="{FF2B5EF4-FFF2-40B4-BE49-F238E27FC236}">
-                <a16:creationId xmlns:a16="http://schemas.microsoft.com/office/drawing/2014/main" id="{A65E12B4-4201-2148-B5CA-CF3C353E009F}"/>
+                <a16:creationId xmlns="" xmlns:a16="http://schemas.microsoft.com/office/drawing/2014/main" id="{A65E12B4-4201-2148-B5CA-CF3C353E009F}"/>
               </a:ext>
             </a:extLst>
           </p:cNvPr>
@@ -17761,7 +17819,7 @@
               <p14:cNvPr id="23" name="Freihand 22">
                 <a:extLst>
                   <a:ext uri="{FF2B5EF4-FFF2-40B4-BE49-F238E27FC236}">
-                    <a16:creationId xmlns:a16="http://schemas.microsoft.com/office/drawing/2014/main" id="{5B3C06F8-598F-844F-A3A1-C175A796CC1F}"/>
+                    <a16:creationId xmlns="" xmlns:a16="http://schemas.microsoft.com/office/drawing/2014/main" id="{5B3C06F8-598F-844F-A3A1-C175A796CC1F}"/>
                   </a:ext>
                 </a:extLst>
               </p14:cNvPr>
@@ -17812,7 +17870,7 @@
               <p14:cNvPr id="24" name="Freihand 23">
                 <a:extLst>
                   <a:ext uri="{FF2B5EF4-FFF2-40B4-BE49-F238E27FC236}">
-                    <a16:creationId xmlns:a16="http://schemas.microsoft.com/office/drawing/2014/main" id="{082C1878-4FC7-A046-A15C-155DA5A4994F}"/>
+                    <a16:creationId xmlns="" xmlns:a16="http://schemas.microsoft.com/office/drawing/2014/main" id="{082C1878-4FC7-A046-A15C-155DA5A4994F}"/>
                   </a:ext>
                 </a:extLst>
               </p14:cNvPr>
@@ -17863,7 +17921,7 @@
               <p14:cNvPr id="25" name="Freihand 24">
                 <a:extLst>
                   <a:ext uri="{FF2B5EF4-FFF2-40B4-BE49-F238E27FC236}">
-                    <a16:creationId xmlns:a16="http://schemas.microsoft.com/office/drawing/2014/main" id="{4493D0F5-C439-AB47-A7AB-C5899EB6F429}"/>
+                    <a16:creationId xmlns="" xmlns:a16="http://schemas.microsoft.com/office/drawing/2014/main" id="{4493D0F5-C439-AB47-A7AB-C5899EB6F429}"/>
                   </a:ext>
                 </a:extLst>
               </p14:cNvPr>
@@ -17914,7 +17972,7 @@
               <p14:cNvPr id="26" name="Freihand 25">
                 <a:extLst>
                   <a:ext uri="{FF2B5EF4-FFF2-40B4-BE49-F238E27FC236}">
-                    <a16:creationId xmlns:a16="http://schemas.microsoft.com/office/drawing/2014/main" id="{748AF862-0F58-C846-9997-89FE1E796ACE}"/>
+                    <a16:creationId xmlns="" xmlns:a16="http://schemas.microsoft.com/office/drawing/2014/main" id="{748AF862-0F58-C846-9997-89FE1E796ACE}"/>
                   </a:ext>
                 </a:extLst>
               </p14:cNvPr>
@@ -17963,7 +18021,7 @@
           <p:cNvPr id="27" name="Textfeld 26">
             <a:extLst>
               <a:ext uri="{FF2B5EF4-FFF2-40B4-BE49-F238E27FC236}">
-                <a16:creationId xmlns:a16="http://schemas.microsoft.com/office/drawing/2014/main" id="{78AA0267-66A5-6246-A3BD-117F333C6256}"/>
+                <a16:creationId xmlns="" xmlns:a16="http://schemas.microsoft.com/office/drawing/2014/main" id="{78AA0267-66A5-6246-A3BD-117F333C6256}"/>
               </a:ext>
             </a:extLst>
           </p:cNvPr>
@@ -18006,7 +18064,7 @@
           <p:cNvPr id="28" name="Oval 53">
             <a:extLst>
               <a:ext uri="{FF2B5EF4-FFF2-40B4-BE49-F238E27FC236}">
-                <a16:creationId xmlns:a16="http://schemas.microsoft.com/office/drawing/2014/main" id="{7A84F289-E89F-8342-8791-347A0E4F5BF9}"/>
+                <a16:creationId xmlns="" xmlns:a16="http://schemas.microsoft.com/office/drawing/2014/main" id="{7A84F289-E89F-8342-8791-347A0E4F5BF9}"/>
               </a:ext>
             </a:extLst>
           </p:cNvPr>
@@ -18118,7 +18176,7 @@
           <p:cNvPr id="29" name="Gruppieren 28">
             <a:extLst>
               <a:ext uri="{FF2B5EF4-FFF2-40B4-BE49-F238E27FC236}">
-                <a16:creationId xmlns:a16="http://schemas.microsoft.com/office/drawing/2014/main" id="{A77C338F-8650-384E-BB9C-FC6D06C49338}"/>
+                <a16:creationId xmlns="" xmlns:a16="http://schemas.microsoft.com/office/drawing/2014/main" id="{A77C338F-8650-384E-BB9C-FC6D06C49338}"/>
               </a:ext>
             </a:extLst>
           </p:cNvPr>
@@ -18138,7 +18196,7 @@
             <p:cNvPr id="30" name="Grafik 29">
               <a:extLst>
                 <a:ext uri="{FF2B5EF4-FFF2-40B4-BE49-F238E27FC236}">
-                  <a16:creationId xmlns:a16="http://schemas.microsoft.com/office/drawing/2014/main" id="{EEDB8AC1-EF26-5F44-857F-1DB38F280D1D}"/>
+                  <a16:creationId xmlns="" xmlns:a16="http://schemas.microsoft.com/office/drawing/2014/main" id="{EEDB8AC1-EF26-5F44-857F-1DB38F280D1D}"/>
                 </a:ext>
               </a:extLst>
             </p:cNvPr>
@@ -18174,7 +18232,7 @@
             <p:cNvPr id="31" name="Inhaltsplatzhalter 3">
               <a:extLst>
                 <a:ext uri="{FF2B5EF4-FFF2-40B4-BE49-F238E27FC236}">
-                  <a16:creationId xmlns:a16="http://schemas.microsoft.com/office/drawing/2014/main" id="{14BB9544-174D-9A43-B0BF-1A3507EFFEFE}"/>
+                  <a16:creationId xmlns="" xmlns:a16="http://schemas.microsoft.com/office/drawing/2014/main" id="{14BB9544-174D-9A43-B0BF-1A3507EFFEFE}"/>
                 </a:ext>
               </a:extLst>
             </p:cNvPr>
@@ -18214,7 +18272,7 @@
           <p:cNvPr id="32" name="Oval 52">
             <a:extLst>
               <a:ext uri="{FF2B5EF4-FFF2-40B4-BE49-F238E27FC236}">
-                <a16:creationId xmlns:a16="http://schemas.microsoft.com/office/drawing/2014/main" id="{ED3A9451-5C13-454B-ACB8-D489D0C7D4AB}"/>
+                <a16:creationId xmlns="" xmlns:a16="http://schemas.microsoft.com/office/drawing/2014/main" id="{ED3A9451-5C13-454B-ACB8-D489D0C7D4AB}"/>
               </a:ext>
             </a:extLst>
           </p:cNvPr>
@@ -18266,7 +18324,7 @@
           <p:cNvPr id="33" name="Oval 53">
             <a:extLst>
               <a:ext uri="{FF2B5EF4-FFF2-40B4-BE49-F238E27FC236}">
-                <a16:creationId xmlns:a16="http://schemas.microsoft.com/office/drawing/2014/main" id="{EDFE795A-2C1F-CD4C-AA8A-86578AF55D7B}"/>
+                <a16:creationId xmlns="" xmlns:a16="http://schemas.microsoft.com/office/drawing/2014/main" id="{EDFE795A-2C1F-CD4C-AA8A-86578AF55D7B}"/>
               </a:ext>
             </a:extLst>
           </p:cNvPr>
@@ -18318,7 +18376,7 @@
           <p:cNvPr id="34" name="Oval 54">
             <a:extLst>
               <a:ext uri="{FF2B5EF4-FFF2-40B4-BE49-F238E27FC236}">
-                <a16:creationId xmlns:a16="http://schemas.microsoft.com/office/drawing/2014/main" id="{A555FAF6-FE8E-544C-A0F3-A5D90DFF709F}"/>
+                <a16:creationId xmlns="" xmlns:a16="http://schemas.microsoft.com/office/drawing/2014/main" id="{A555FAF6-FE8E-544C-A0F3-A5D90DFF709F}"/>
               </a:ext>
             </a:extLst>
           </p:cNvPr>
@@ -18365,14 +18423,14 @@
           </a:p>
         </p:txBody>
       </p:sp>
-      <mc:AlternateContent xmlns:mc="http://schemas.openxmlformats.org/markup-compatibility/2006">
-        <mc:Choice xmlns:p14="http://schemas.microsoft.com/office/powerpoint/2010/main" Requires="p14">
+      <mc:AlternateContent xmlns:mc="http://schemas.openxmlformats.org/markup-compatibility/2006" xmlns:p14="http://schemas.microsoft.com/office/powerpoint/2010/main">
+        <mc:Choice Requires="p14">
           <p:contentPart p14:bwMode="auto" r:id="rId13">
             <p14:nvContentPartPr>
               <p14:cNvPr id="35" name="Freihand 34">
                 <a:extLst>
                   <a:ext uri="{FF2B5EF4-FFF2-40B4-BE49-F238E27FC236}">
-                    <a16:creationId xmlns:a16="http://schemas.microsoft.com/office/drawing/2014/main" id="{E8A7C5B7-ECD5-6444-BB47-47F48498A6A9}"/>
+                    <a16:creationId xmlns="" xmlns:a16="http://schemas.microsoft.com/office/drawing/2014/main" id="{E8A7C5B7-ECD5-6444-BB47-47F48498A6A9}"/>
                   </a:ext>
                 </a:extLst>
               </p14:cNvPr>
@@ -18385,7 +18443,7 @@
             </p14:xfrm>
           </p:contentPart>
         </mc:Choice>
-        <mc:Fallback>
+        <mc:Fallback xmlns="">
           <p:pic>
             <p:nvPicPr>
               <p:cNvPr id="35" name="Freihand 34">
@@ -18416,14 +18474,14 @@
           </p:pic>
         </mc:Fallback>
       </mc:AlternateContent>
-      <mc:AlternateContent xmlns:mc="http://schemas.openxmlformats.org/markup-compatibility/2006">
-        <mc:Choice xmlns:p14="http://schemas.microsoft.com/office/powerpoint/2010/main" Requires="p14">
+      <mc:AlternateContent xmlns:mc="http://schemas.openxmlformats.org/markup-compatibility/2006" xmlns:p14="http://schemas.microsoft.com/office/powerpoint/2010/main">
+        <mc:Choice Requires="p14">
           <p:contentPart p14:bwMode="auto" r:id="rId15">
             <p14:nvContentPartPr>
               <p14:cNvPr id="36" name="Freihand 35">
                 <a:extLst>
                   <a:ext uri="{FF2B5EF4-FFF2-40B4-BE49-F238E27FC236}">
-                    <a16:creationId xmlns:a16="http://schemas.microsoft.com/office/drawing/2014/main" id="{DDBDCF4E-2B8E-4845-A970-DB0F0B101601}"/>
+                    <a16:creationId xmlns="" xmlns:a16="http://schemas.microsoft.com/office/drawing/2014/main" id="{DDBDCF4E-2B8E-4845-A970-DB0F0B101601}"/>
                   </a:ext>
                 </a:extLst>
               </p14:cNvPr>
@@ -18436,7 +18494,7 @@
             </p14:xfrm>
           </p:contentPart>
         </mc:Choice>
-        <mc:Fallback>
+        <mc:Fallback xmlns="">
           <p:pic>
             <p:nvPicPr>
               <p:cNvPr id="36" name="Freihand 35">
@@ -18467,14 +18525,14 @@
           </p:pic>
         </mc:Fallback>
       </mc:AlternateContent>
-      <mc:AlternateContent xmlns:mc="http://schemas.openxmlformats.org/markup-compatibility/2006">
-        <mc:Choice xmlns:p14="http://schemas.microsoft.com/office/powerpoint/2010/main" Requires="p14">
+      <mc:AlternateContent xmlns:mc="http://schemas.openxmlformats.org/markup-compatibility/2006" xmlns:p14="http://schemas.microsoft.com/office/powerpoint/2010/main">
+        <mc:Choice Requires="p14">
           <p:contentPart p14:bwMode="auto" r:id="rId17">
             <p14:nvContentPartPr>
               <p14:cNvPr id="37" name="Freihand 36">
                 <a:extLst>
                   <a:ext uri="{FF2B5EF4-FFF2-40B4-BE49-F238E27FC236}">
-                    <a16:creationId xmlns:a16="http://schemas.microsoft.com/office/drawing/2014/main" id="{FDC75389-863D-B742-ADD7-B935EC321F07}"/>
+                    <a16:creationId xmlns="" xmlns:a16="http://schemas.microsoft.com/office/drawing/2014/main" id="{FDC75389-863D-B742-ADD7-B935EC321F07}"/>
                   </a:ext>
                 </a:extLst>
               </p14:cNvPr>
@@ -18487,7 +18545,7 @@
             </p14:xfrm>
           </p:contentPart>
         </mc:Choice>
-        <mc:Fallback>
+        <mc:Fallback xmlns="">
           <p:pic>
             <p:nvPicPr>
               <p:cNvPr id="37" name="Freihand 36">
@@ -18518,14 +18576,14 @@
           </p:pic>
         </mc:Fallback>
       </mc:AlternateContent>
-      <mc:AlternateContent xmlns:mc="http://schemas.openxmlformats.org/markup-compatibility/2006">
-        <mc:Choice xmlns:p14="http://schemas.microsoft.com/office/powerpoint/2010/main" Requires="p14">
+      <mc:AlternateContent xmlns:mc="http://schemas.openxmlformats.org/markup-compatibility/2006" xmlns:p14="http://schemas.microsoft.com/office/powerpoint/2010/main">
+        <mc:Choice Requires="p14">
           <p:contentPart p14:bwMode="auto" r:id="rId19">
             <p14:nvContentPartPr>
               <p14:cNvPr id="38" name="Freihand 37">
                 <a:extLst>
                   <a:ext uri="{FF2B5EF4-FFF2-40B4-BE49-F238E27FC236}">
-                    <a16:creationId xmlns:a16="http://schemas.microsoft.com/office/drawing/2014/main" id="{745650F8-7DA7-1240-9238-964CFE8A524F}"/>
+                    <a16:creationId xmlns="" xmlns:a16="http://schemas.microsoft.com/office/drawing/2014/main" id="{745650F8-7DA7-1240-9238-964CFE8A524F}"/>
                   </a:ext>
                 </a:extLst>
               </p14:cNvPr>
@@ -18538,7 +18596,7 @@
             </p14:xfrm>
           </p:contentPart>
         </mc:Choice>
-        <mc:Fallback>
+        <mc:Fallback xmlns="">
           <p:pic>
             <p:nvPicPr>
               <p:cNvPr id="38" name="Freihand 37">
@@ -18574,7 +18632,7 @@
           <p:cNvPr id="39" name="Grafik 38">
             <a:extLst>
               <a:ext uri="{FF2B5EF4-FFF2-40B4-BE49-F238E27FC236}">
-                <a16:creationId xmlns:a16="http://schemas.microsoft.com/office/drawing/2014/main" id="{146231C7-ACB6-1141-A8C0-780B2A8504FF}"/>
+                <a16:creationId xmlns="" xmlns:a16="http://schemas.microsoft.com/office/drawing/2014/main" id="{146231C7-ACB6-1141-A8C0-780B2A8504FF}"/>
               </a:ext>
             </a:extLst>
           </p:cNvPr>
@@ -18656,7 +18714,7 @@
           <p:cNvPr id="9" name="Gruppieren 8">
             <a:extLst>
               <a:ext uri="{FF2B5EF4-FFF2-40B4-BE49-F238E27FC236}">
-                <a16:creationId xmlns:a16="http://schemas.microsoft.com/office/drawing/2014/main" id="{783A73D2-C025-644E-A194-3438D291D352}"/>
+                <a16:creationId xmlns="" xmlns:a16="http://schemas.microsoft.com/office/drawing/2014/main" id="{783A73D2-C025-644E-A194-3438D291D352}"/>
               </a:ext>
             </a:extLst>
           </p:cNvPr>
@@ -18676,7 +18734,7 @@
             <p:cNvPr id="10" name="Rechteck 9">
               <a:extLst>
                 <a:ext uri="{FF2B5EF4-FFF2-40B4-BE49-F238E27FC236}">
-                  <a16:creationId xmlns:a16="http://schemas.microsoft.com/office/drawing/2014/main" id="{4F68B8E9-417E-0141-AE27-E298ED29929C}"/>
+                  <a16:creationId xmlns="" xmlns:a16="http://schemas.microsoft.com/office/drawing/2014/main" id="{4F68B8E9-417E-0141-AE27-E298ED29929C}"/>
                 </a:ext>
               </a:extLst>
             </p:cNvPr>
@@ -18811,7 +18869,7 @@
             <p:cNvPr id="11" name="Rechteck 10">
               <a:extLst>
                 <a:ext uri="{FF2B5EF4-FFF2-40B4-BE49-F238E27FC236}">
-                  <a16:creationId xmlns:a16="http://schemas.microsoft.com/office/drawing/2014/main" id="{B2717A64-B61E-B44C-B23D-CB509FB519CA}"/>
+                  <a16:creationId xmlns="" xmlns:a16="http://schemas.microsoft.com/office/drawing/2014/main" id="{B2717A64-B61E-B44C-B23D-CB509FB519CA}"/>
                 </a:ext>
               </a:extLst>
             </p:cNvPr>
@@ -18870,7 +18928,7 @@
           <p:cNvPr id="12" name="Gruppieren 11">
             <a:extLst>
               <a:ext uri="{FF2B5EF4-FFF2-40B4-BE49-F238E27FC236}">
-                <a16:creationId xmlns:a16="http://schemas.microsoft.com/office/drawing/2014/main" id="{783A73D2-C025-644E-A194-3438D291D352}"/>
+                <a16:creationId xmlns="" xmlns:a16="http://schemas.microsoft.com/office/drawing/2014/main" id="{783A73D2-C025-644E-A194-3438D291D352}"/>
               </a:ext>
             </a:extLst>
           </p:cNvPr>
@@ -18890,7 +18948,7 @@
             <p:cNvPr id="13" name="Rechteck 12">
               <a:extLst>
                 <a:ext uri="{FF2B5EF4-FFF2-40B4-BE49-F238E27FC236}">
-                  <a16:creationId xmlns:a16="http://schemas.microsoft.com/office/drawing/2014/main" id="{4F68B8E9-417E-0141-AE27-E298ED29929C}"/>
+                  <a16:creationId xmlns="" xmlns:a16="http://schemas.microsoft.com/office/drawing/2014/main" id="{4F68B8E9-417E-0141-AE27-E298ED29929C}"/>
                 </a:ext>
               </a:extLst>
             </p:cNvPr>
@@ -19033,7 +19091,7 @@
             <p:cNvPr id="14" name="Rechteck 13">
               <a:extLst>
                 <a:ext uri="{FF2B5EF4-FFF2-40B4-BE49-F238E27FC236}">
-                  <a16:creationId xmlns:a16="http://schemas.microsoft.com/office/drawing/2014/main" id="{B2717A64-B61E-B44C-B23D-CB509FB519CA}"/>
+                  <a16:creationId xmlns="" xmlns:a16="http://schemas.microsoft.com/office/drawing/2014/main" id="{B2717A64-B61E-B44C-B23D-CB509FB519CA}"/>
                 </a:ext>
               </a:extLst>
             </p:cNvPr>
@@ -19159,7 +19217,7 @@
             <p:cNvPr id="15" name="Rechteck 14">
               <a:extLst>
                 <a:ext uri="{FF2B5EF4-FFF2-40B4-BE49-F238E27FC236}">
-                  <a16:creationId xmlns:a16="http://schemas.microsoft.com/office/drawing/2014/main" id="{4F68B8E9-417E-0141-AE27-E298ED29929C}"/>
+                  <a16:creationId xmlns="" xmlns:a16="http://schemas.microsoft.com/office/drawing/2014/main" id="{4F68B8E9-417E-0141-AE27-E298ED29929C}"/>
                 </a:ext>
               </a:extLst>
             </p:cNvPr>
@@ -19304,7 +19362,7 @@
             <p:cNvPr id="17" name="Rechteck 16">
               <a:extLst>
                 <a:ext uri="{FF2B5EF4-FFF2-40B4-BE49-F238E27FC236}">
-                  <a16:creationId xmlns:a16="http://schemas.microsoft.com/office/drawing/2014/main" id="{4F68B8E9-417E-0141-AE27-E298ED29929C}"/>
+                  <a16:creationId xmlns="" xmlns:a16="http://schemas.microsoft.com/office/drawing/2014/main" id="{4F68B8E9-417E-0141-AE27-E298ED29929C}"/>
                 </a:ext>
               </a:extLst>
             </p:cNvPr>
@@ -19444,7 +19502,7 @@
             <p:cNvPr id="19" name="Rechteck 18">
               <a:extLst>
                 <a:ext uri="{FF2B5EF4-FFF2-40B4-BE49-F238E27FC236}">
-                  <a16:creationId xmlns:a16="http://schemas.microsoft.com/office/drawing/2014/main" id="{4F68B8E9-417E-0141-AE27-E298ED29929C}"/>
+                  <a16:creationId xmlns="" xmlns:a16="http://schemas.microsoft.com/office/drawing/2014/main" id="{4F68B8E9-417E-0141-AE27-E298ED29929C}"/>
                 </a:ext>
               </a:extLst>
             </p:cNvPr>
@@ -19569,7 +19627,7 @@
             <p:cNvPr id="24" name="Rechteck 23">
               <a:extLst>
                 <a:ext uri="{FF2B5EF4-FFF2-40B4-BE49-F238E27FC236}">
-                  <a16:creationId xmlns:a16="http://schemas.microsoft.com/office/drawing/2014/main" id="{4F68B8E9-417E-0141-AE27-E298ED29929C}"/>
+                  <a16:creationId xmlns="" xmlns:a16="http://schemas.microsoft.com/office/drawing/2014/main" id="{4F68B8E9-417E-0141-AE27-E298ED29929C}"/>
                 </a:ext>
               </a:extLst>
             </p:cNvPr>
@@ -19694,7 +19752,7 @@
             <p:cNvPr id="27" name="Rechteck 26">
               <a:extLst>
                 <a:ext uri="{FF2B5EF4-FFF2-40B4-BE49-F238E27FC236}">
-                  <a16:creationId xmlns:a16="http://schemas.microsoft.com/office/drawing/2014/main" id="{4F68B8E9-417E-0141-AE27-E298ED29929C}"/>
+                  <a16:creationId xmlns="" xmlns:a16="http://schemas.microsoft.com/office/drawing/2014/main" id="{4F68B8E9-417E-0141-AE27-E298ED29929C}"/>
                 </a:ext>
               </a:extLst>
             </p:cNvPr>
@@ -20004,7 +20062,7 @@
           <p:cNvPr id="44" name="Rechteck 43">
             <a:extLst>
               <a:ext uri="{FF2B5EF4-FFF2-40B4-BE49-F238E27FC236}">
-                <a16:creationId xmlns:a16="http://schemas.microsoft.com/office/drawing/2014/main" id="{4F68B8E9-417E-0141-AE27-E298ED29929C}"/>
+                <a16:creationId xmlns="" xmlns:a16="http://schemas.microsoft.com/office/drawing/2014/main" id="{4F68B8E9-417E-0141-AE27-E298ED29929C}"/>
               </a:ext>
             </a:extLst>
           </p:cNvPr>
@@ -20458,7 +20516,7 @@
           <p:cNvPr id="22" name="Rechteck 21">
             <a:extLst>
               <a:ext uri="{FF2B5EF4-FFF2-40B4-BE49-F238E27FC236}">
-                <a16:creationId xmlns:a16="http://schemas.microsoft.com/office/drawing/2014/main" id="{4F68B8E9-417E-0141-AE27-E298ED29929C}"/>
+                <a16:creationId xmlns="" xmlns:a16="http://schemas.microsoft.com/office/drawing/2014/main" id="{4F68B8E9-417E-0141-AE27-E298ED29929C}"/>
               </a:ext>
             </a:extLst>
           </p:cNvPr>
@@ -20538,7 +20596,7 @@
           <p:cNvPr id="23" name="Rechteck 22">
             <a:extLst>
               <a:ext uri="{FF2B5EF4-FFF2-40B4-BE49-F238E27FC236}">
-                <a16:creationId xmlns:a16="http://schemas.microsoft.com/office/drawing/2014/main" id="{4F68B8E9-417E-0141-AE27-E298ED29929C}"/>
+                <a16:creationId xmlns="" xmlns:a16="http://schemas.microsoft.com/office/drawing/2014/main" id="{4F68B8E9-417E-0141-AE27-E298ED29929C}"/>
               </a:ext>
             </a:extLst>
           </p:cNvPr>
@@ -20618,7 +20676,7 @@
           <p:cNvPr id="24" name="Rechteck 23">
             <a:extLst>
               <a:ext uri="{FF2B5EF4-FFF2-40B4-BE49-F238E27FC236}">
-                <a16:creationId xmlns:a16="http://schemas.microsoft.com/office/drawing/2014/main" id="{4F68B8E9-417E-0141-AE27-E298ED29929C}"/>
+                <a16:creationId xmlns="" xmlns:a16="http://schemas.microsoft.com/office/drawing/2014/main" id="{4F68B8E9-417E-0141-AE27-E298ED29929C}"/>
               </a:ext>
             </a:extLst>
           </p:cNvPr>
@@ -20698,7 +20756,7 @@
           <p:cNvPr id="9" name="Gruppieren 8">
             <a:extLst>
               <a:ext uri="{FF2B5EF4-FFF2-40B4-BE49-F238E27FC236}">
-                <a16:creationId xmlns:a16="http://schemas.microsoft.com/office/drawing/2014/main" id="{4486AD8C-AE56-D242-9D38-422C22DC0E79}"/>
+                <a16:creationId xmlns="" xmlns:a16="http://schemas.microsoft.com/office/drawing/2014/main" id="{4486AD8C-AE56-D242-9D38-422C22DC0E79}"/>
               </a:ext>
             </a:extLst>
           </p:cNvPr>
@@ -20718,7 +20776,7 @@
             <p:cNvPr id="10" name="Rechteck 9">
               <a:extLst>
                 <a:ext uri="{FF2B5EF4-FFF2-40B4-BE49-F238E27FC236}">
-                  <a16:creationId xmlns:a16="http://schemas.microsoft.com/office/drawing/2014/main" id="{2DA4F791-2771-0D4B-8E5A-B9FF3D3DFC09}"/>
+                  <a16:creationId xmlns="" xmlns:a16="http://schemas.microsoft.com/office/drawing/2014/main" id="{2DA4F791-2771-0D4B-8E5A-B9FF3D3DFC09}"/>
                 </a:ext>
               </a:extLst>
             </p:cNvPr>
@@ -20853,7 +20911,7 @@
             <p:cNvPr id="11" name="Rechteck 10">
               <a:extLst>
                 <a:ext uri="{FF2B5EF4-FFF2-40B4-BE49-F238E27FC236}">
-                  <a16:creationId xmlns:a16="http://schemas.microsoft.com/office/drawing/2014/main" id="{FFFFA022-777A-0A4E-911B-AEAE519D2060}"/>
+                  <a16:creationId xmlns="" xmlns:a16="http://schemas.microsoft.com/office/drawing/2014/main" id="{FFFFA022-777A-0A4E-911B-AEAE519D2060}"/>
                 </a:ext>
               </a:extLst>
             </p:cNvPr>
@@ -20912,7 +20970,7 @@
           <p:cNvPr id="12" name="Gruppieren 11">
             <a:extLst>
               <a:ext uri="{FF2B5EF4-FFF2-40B4-BE49-F238E27FC236}">
-                <a16:creationId xmlns:a16="http://schemas.microsoft.com/office/drawing/2014/main" id="{D9956327-EB0F-D642-9E9B-AC923698C656}"/>
+                <a16:creationId xmlns="" xmlns:a16="http://schemas.microsoft.com/office/drawing/2014/main" id="{D9956327-EB0F-D642-9E9B-AC923698C656}"/>
               </a:ext>
             </a:extLst>
           </p:cNvPr>
@@ -20932,7 +20990,7 @@
             <p:cNvPr id="13" name="Rechteck 12">
               <a:extLst>
                 <a:ext uri="{FF2B5EF4-FFF2-40B4-BE49-F238E27FC236}">
-                  <a16:creationId xmlns:a16="http://schemas.microsoft.com/office/drawing/2014/main" id="{F194248D-D9F9-4C4E-8A4C-40C1EA946B12}"/>
+                  <a16:creationId xmlns="" xmlns:a16="http://schemas.microsoft.com/office/drawing/2014/main" id="{F194248D-D9F9-4C4E-8A4C-40C1EA946B12}"/>
                 </a:ext>
               </a:extLst>
             </p:cNvPr>
@@ -21084,7 +21142,7 @@
             <p:cNvPr id="14" name="Rechteck 13">
               <a:extLst>
                 <a:ext uri="{FF2B5EF4-FFF2-40B4-BE49-F238E27FC236}">
-                  <a16:creationId xmlns:a16="http://schemas.microsoft.com/office/drawing/2014/main" id="{57653FD1-269E-D047-9260-0629BDF911AF}"/>
+                  <a16:creationId xmlns="" xmlns:a16="http://schemas.microsoft.com/office/drawing/2014/main" id="{57653FD1-269E-D047-9260-0629BDF911AF}"/>
                 </a:ext>
               </a:extLst>
             </p:cNvPr>
@@ -21278,7 +21336,7 @@
           <p:cNvPr id="4" name="Gruppieren 3">
             <a:extLst>
               <a:ext uri="{FF2B5EF4-FFF2-40B4-BE49-F238E27FC236}">
-                <a16:creationId xmlns:a16="http://schemas.microsoft.com/office/drawing/2014/main" id="{783A73D2-C025-644E-A194-3438D291D352}"/>
+                <a16:creationId xmlns="" xmlns:a16="http://schemas.microsoft.com/office/drawing/2014/main" id="{783A73D2-C025-644E-A194-3438D291D352}"/>
               </a:ext>
             </a:extLst>
           </p:cNvPr>
@@ -21298,7 +21356,7 @@
             <p:cNvPr id="5" name="Rechteck 4">
               <a:extLst>
                 <a:ext uri="{FF2B5EF4-FFF2-40B4-BE49-F238E27FC236}">
-                  <a16:creationId xmlns:a16="http://schemas.microsoft.com/office/drawing/2014/main" id="{4F68B8E9-417E-0141-AE27-E298ED29929C}"/>
+                  <a16:creationId xmlns="" xmlns:a16="http://schemas.microsoft.com/office/drawing/2014/main" id="{4F68B8E9-417E-0141-AE27-E298ED29929C}"/>
                 </a:ext>
               </a:extLst>
             </p:cNvPr>
@@ -21489,7 +21547,7 @@
             <p:cNvPr id="6" name="Rechteck 5">
               <a:extLst>
                 <a:ext uri="{FF2B5EF4-FFF2-40B4-BE49-F238E27FC236}">
-                  <a16:creationId xmlns:a16="http://schemas.microsoft.com/office/drawing/2014/main" id="{B2717A64-B61E-B44C-B23D-CB509FB519CA}"/>
+                  <a16:creationId xmlns="" xmlns:a16="http://schemas.microsoft.com/office/drawing/2014/main" id="{B2717A64-B61E-B44C-B23D-CB509FB519CA}"/>
                 </a:ext>
               </a:extLst>
             </p:cNvPr>
@@ -21548,7 +21606,7 @@
           <p:cNvPr id="7" name="Gruppieren 6">
             <a:extLst>
               <a:ext uri="{FF2B5EF4-FFF2-40B4-BE49-F238E27FC236}">
-                <a16:creationId xmlns:a16="http://schemas.microsoft.com/office/drawing/2014/main" id="{783A73D2-C025-644E-A194-3438D291D352}"/>
+                <a16:creationId xmlns="" xmlns:a16="http://schemas.microsoft.com/office/drawing/2014/main" id="{783A73D2-C025-644E-A194-3438D291D352}"/>
               </a:ext>
             </a:extLst>
           </p:cNvPr>
@@ -21568,7 +21626,7 @@
             <p:cNvPr id="8" name="Rechteck 7">
               <a:extLst>
                 <a:ext uri="{FF2B5EF4-FFF2-40B4-BE49-F238E27FC236}">
-                  <a16:creationId xmlns:a16="http://schemas.microsoft.com/office/drawing/2014/main" id="{4F68B8E9-417E-0141-AE27-E298ED29929C}"/>
+                  <a16:creationId xmlns="" xmlns:a16="http://schemas.microsoft.com/office/drawing/2014/main" id="{4F68B8E9-417E-0141-AE27-E298ED29929C}"/>
                 </a:ext>
               </a:extLst>
             </p:cNvPr>
@@ -21737,7 +21795,7 @@
             <p:cNvPr id="9" name="Rechteck 8">
               <a:extLst>
                 <a:ext uri="{FF2B5EF4-FFF2-40B4-BE49-F238E27FC236}">
-                  <a16:creationId xmlns:a16="http://schemas.microsoft.com/office/drawing/2014/main" id="{B2717A64-B61E-B44C-B23D-CB509FB519CA}"/>
+                  <a16:creationId xmlns="" xmlns:a16="http://schemas.microsoft.com/office/drawing/2014/main" id="{B2717A64-B61E-B44C-B23D-CB509FB519CA}"/>
                 </a:ext>
               </a:extLst>
             </p:cNvPr>
@@ -21872,21 +21930,21 @@
                 <a:gridCol w="2794176">
                   <a:extLst>
                     <a:ext uri="{9D8B030D-6E8A-4147-A177-3AD203B41FA5}">
-                      <a16:colId xmlns:a16="http://schemas.microsoft.com/office/drawing/2014/main" val="20000"/>
+                      <a16:colId xmlns="" xmlns:a16="http://schemas.microsoft.com/office/drawing/2014/main" val="20000"/>
                     </a:ext>
                   </a:extLst>
                 </a:gridCol>
                 <a:gridCol w="3736622">
                   <a:extLst>
                     <a:ext uri="{9D8B030D-6E8A-4147-A177-3AD203B41FA5}">
-                      <a16:colId xmlns:a16="http://schemas.microsoft.com/office/drawing/2014/main" val="20001"/>
+                      <a16:colId xmlns="" xmlns:a16="http://schemas.microsoft.com/office/drawing/2014/main" val="20001"/>
                     </a:ext>
                   </a:extLst>
                 </a:gridCol>
                 <a:gridCol w="4049890">
                   <a:extLst>
                     <a:ext uri="{9D8B030D-6E8A-4147-A177-3AD203B41FA5}">
-                      <a16:colId xmlns:a16="http://schemas.microsoft.com/office/drawing/2014/main" val="20002"/>
+                      <a16:colId xmlns="" xmlns:a16="http://schemas.microsoft.com/office/drawing/2014/main" val="20002"/>
                     </a:ext>
                   </a:extLst>
                 </a:gridCol>
@@ -22058,7 +22116,7 @@
                 </a:tc>
                 <a:extLst>
                   <a:ext uri="{0D108BD9-81ED-4DB2-BD59-A6C34878D82A}">
-                    <a16:rowId xmlns:a16="http://schemas.microsoft.com/office/drawing/2014/main" val="10000"/>
+                    <a16:rowId xmlns="" xmlns:a16="http://schemas.microsoft.com/office/drawing/2014/main" val="10000"/>
                   </a:ext>
                 </a:extLst>
               </a:tr>
@@ -22214,7 +22272,7 @@
                 </a:tc>
                 <a:extLst>
                   <a:ext uri="{0D108BD9-81ED-4DB2-BD59-A6C34878D82A}">
-                    <a16:rowId xmlns:a16="http://schemas.microsoft.com/office/drawing/2014/main" val="10001"/>
+                    <a16:rowId xmlns="" xmlns:a16="http://schemas.microsoft.com/office/drawing/2014/main" val="10001"/>
                   </a:ext>
                 </a:extLst>
               </a:tr>
@@ -22387,7 +22445,7 @@
                 </a:tc>
                 <a:extLst>
                   <a:ext uri="{0D108BD9-81ED-4DB2-BD59-A6C34878D82A}">
-                    <a16:rowId xmlns:a16="http://schemas.microsoft.com/office/drawing/2014/main" val="10002"/>
+                    <a16:rowId xmlns="" xmlns:a16="http://schemas.microsoft.com/office/drawing/2014/main" val="10002"/>
                   </a:ext>
                 </a:extLst>
               </a:tr>
@@ -22565,7 +22623,7 @@
                 </a:tc>
                 <a:extLst>
                   <a:ext uri="{0D108BD9-81ED-4DB2-BD59-A6C34878D82A}">
-                    <a16:rowId xmlns:a16="http://schemas.microsoft.com/office/drawing/2014/main" val="10003"/>
+                    <a16:rowId xmlns="" xmlns:a16="http://schemas.microsoft.com/office/drawing/2014/main" val="10003"/>
                   </a:ext>
                 </a:extLst>
               </a:tr>
@@ -22749,7 +22807,7 @@
                 </a:tc>
                 <a:extLst>
                   <a:ext uri="{0D108BD9-81ED-4DB2-BD59-A6C34878D82A}">
-                    <a16:rowId xmlns:a16="http://schemas.microsoft.com/office/drawing/2014/main" val="10004"/>
+                    <a16:rowId xmlns="" xmlns:a16="http://schemas.microsoft.com/office/drawing/2014/main" val="10004"/>
                   </a:ext>
                 </a:extLst>
               </a:tr>
@@ -22762,7 +22820,7 @@
           <p:cNvPr id="8" name="Grafik 7">
             <a:extLst>
               <a:ext uri="{FF2B5EF4-FFF2-40B4-BE49-F238E27FC236}">
-                <a16:creationId xmlns:a16="http://schemas.microsoft.com/office/drawing/2014/main" id="{A0D83B10-750B-6445-9B6E-0595A3D3107B}"/>
+                <a16:creationId xmlns="" xmlns:a16="http://schemas.microsoft.com/office/drawing/2014/main" id="{A0D83B10-750B-6445-9B6E-0595A3D3107B}"/>
               </a:ext>
             </a:extLst>
           </p:cNvPr>
@@ -22798,7 +22856,7 @@
           <p:cNvPr id="3" name="Rechteck 2">
             <a:extLst>
               <a:ext uri="{FF2B5EF4-FFF2-40B4-BE49-F238E27FC236}">
-                <a16:creationId xmlns:a16="http://schemas.microsoft.com/office/drawing/2014/main" id="{8931C094-1625-A446-B2FF-B51DE0FA36CB}"/>
+                <a16:creationId xmlns="" xmlns:a16="http://schemas.microsoft.com/office/drawing/2014/main" id="{8931C094-1625-A446-B2FF-B51DE0FA36CB}"/>
               </a:ext>
             </a:extLst>
           </p:cNvPr>

--- a/Dokumente/Präsentationen/2019-04-29_DA_Feldkemper_Probeverteidigung.pptx
+++ b/Dokumente/Präsentationen/2019-04-29_DA_Feldkemper_Probeverteidigung.pptx
@@ -333,7 +333,7 @@
           <a:p>
             <a:fld id="{C6AC6211-610F-44E5-BF19-D3CDF6EDD281}" type="datetimeFigureOut">
               <a:rPr lang="de-DE" smtClean="0"/>
-              <a:t>15.04.2019</a:t>
+              <a:t>17.04.2019</a:t>
             </a:fld>
             <a:endParaRPr lang="de-DE"/>
           </a:p>
@@ -1139,7 +1139,7 @@
           <a:p>
             <a:fld id="{347435D3-23A6-45D3-8DFA-7317DC1E7A64}" type="datetimeFigureOut">
               <a:rPr lang="de-DE" smtClean="0"/>
-              <a:t>15.04.2019</a:t>
+              <a:t>17.04.2019</a:t>
             </a:fld>
             <a:endParaRPr lang="de-DE"/>
           </a:p>
@@ -2422,7 +2422,7 @@
           <p:cNvPr id="15" name="Rechteck 14">
             <a:extLst>
               <a:ext uri="{FF2B5EF4-FFF2-40B4-BE49-F238E27FC236}">
-                <a16:creationId xmlns="" xmlns:a16="http://schemas.microsoft.com/office/drawing/2014/main" id="{F770C3AA-244C-A141-BC22-D074823F4293}"/>
+                <a16:creationId xmlns:a16="http://schemas.microsoft.com/office/drawing/2014/main" xmlns="" id="{F770C3AA-244C-A141-BC22-D074823F4293}"/>
               </a:ext>
             </a:extLst>
           </p:cNvPr>
@@ -2662,7 +2662,7 @@
           <p:cNvPr id="5" name="Grafik 4">
             <a:extLst>
               <a:ext uri="{FF2B5EF4-FFF2-40B4-BE49-F238E27FC236}">
-                <a16:creationId xmlns="" xmlns:a16="http://schemas.microsoft.com/office/drawing/2014/main" id="{C0F785FA-BB6E-6347-A8C6-9846216D4CBB}"/>
+                <a16:creationId xmlns:a16="http://schemas.microsoft.com/office/drawing/2014/main" xmlns="" id="{C0F785FA-BB6E-6347-A8C6-9846216D4CBB}"/>
               </a:ext>
             </a:extLst>
           </p:cNvPr>
@@ -2851,7 +2851,7 @@
           <p:cNvPr id="12" name="Grafik 11" hidden="1">
             <a:extLst>
               <a:ext uri="{FF2B5EF4-FFF2-40B4-BE49-F238E27FC236}">
-                <a16:creationId xmlns="" xmlns:a16="http://schemas.microsoft.com/office/drawing/2014/main" id="{CFC0D4A5-64CF-6D49-98B1-9FF6119E60EC}"/>
+                <a16:creationId xmlns:a16="http://schemas.microsoft.com/office/drawing/2014/main" xmlns="" id="{CFC0D4A5-64CF-6D49-98B1-9FF6119E60EC}"/>
               </a:ext>
             </a:extLst>
           </p:cNvPr>
@@ -2881,7 +2881,7 @@
           <p:cNvPr id="17" name="Grafik 16">
             <a:extLst>
               <a:ext uri="{FF2B5EF4-FFF2-40B4-BE49-F238E27FC236}">
-                <a16:creationId xmlns="" xmlns:a16="http://schemas.microsoft.com/office/drawing/2014/main" id="{22ECE872-F4EF-2A49-BA96-6065BC99D769}"/>
+                <a16:creationId xmlns:a16="http://schemas.microsoft.com/office/drawing/2014/main" xmlns="" id="{22ECE872-F4EF-2A49-BA96-6065BC99D769}"/>
               </a:ext>
             </a:extLst>
           </p:cNvPr>
@@ -3151,7 +3151,7 @@
           <p:cNvPr id="5" name="Rechteck 4">
             <a:extLst>
               <a:ext uri="{FF2B5EF4-FFF2-40B4-BE49-F238E27FC236}">
-                <a16:creationId xmlns="" xmlns:a16="http://schemas.microsoft.com/office/drawing/2014/main" id="{FD770378-5F2D-DE46-8D66-09007E946AD3}"/>
+                <a16:creationId xmlns:a16="http://schemas.microsoft.com/office/drawing/2014/main" xmlns="" id="{FD770378-5F2D-DE46-8D66-09007E946AD3}"/>
               </a:ext>
             </a:extLst>
           </p:cNvPr>
@@ -3215,7 +3215,7 @@
           <p:cNvPr id="4" name="Grafik 3">
             <a:extLst>
               <a:ext uri="{FF2B5EF4-FFF2-40B4-BE49-F238E27FC236}">
-                <a16:creationId xmlns="" xmlns:a16="http://schemas.microsoft.com/office/drawing/2014/main" id="{4FE30B28-5777-FC40-9C3F-81738D289A6A}"/>
+                <a16:creationId xmlns:a16="http://schemas.microsoft.com/office/drawing/2014/main" xmlns="" id="{4FE30B28-5777-FC40-9C3F-81738D289A6A}"/>
               </a:ext>
             </a:extLst>
           </p:cNvPr>
@@ -3286,7 +3286,7 @@
           <p:cNvPr id="6" name="Textplatzhalter 25">
             <a:extLst>
               <a:ext uri="{FF2B5EF4-FFF2-40B4-BE49-F238E27FC236}">
-                <a16:creationId xmlns="" xmlns:a16="http://schemas.microsoft.com/office/drawing/2014/main" id="{A625CB76-33FD-F742-81DB-F571E1D3988E}"/>
+                <a16:creationId xmlns:a16="http://schemas.microsoft.com/office/drawing/2014/main" xmlns="" id="{A625CB76-33FD-F742-81DB-F571E1D3988E}"/>
               </a:ext>
             </a:extLst>
           </p:cNvPr>
@@ -3357,7 +3357,7 @@
           <p:cNvPr id="9" name="Grafik 8">
             <a:extLst>
               <a:ext uri="{FF2B5EF4-FFF2-40B4-BE49-F238E27FC236}">
-                <a16:creationId xmlns="" xmlns:a16="http://schemas.microsoft.com/office/drawing/2014/main" id="{8BFAE0AD-6B6F-7D46-B734-E35EC976BB2F}"/>
+                <a16:creationId xmlns:a16="http://schemas.microsoft.com/office/drawing/2014/main" xmlns="" id="{8BFAE0AD-6B6F-7D46-B734-E35EC976BB2F}"/>
               </a:ext>
             </a:extLst>
           </p:cNvPr>
@@ -3423,7 +3423,7 @@
           <p:cNvPr id="24" name="Bildplatzhalter 23">
             <a:extLst>
               <a:ext uri="{FF2B5EF4-FFF2-40B4-BE49-F238E27FC236}">
-                <a16:creationId xmlns="" xmlns:a16="http://schemas.microsoft.com/office/drawing/2014/main" id="{24A56C48-CA8D-D349-89CC-35C3A65DC4D5}"/>
+                <a16:creationId xmlns:a16="http://schemas.microsoft.com/office/drawing/2014/main" xmlns="" id="{24A56C48-CA8D-D349-89CC-35C3A65DC4D5}"/>
               </a:ext>
             </a:extLst>
           </p:cNvPr>
@@ -3737,7 +3737,7 @@
           <p:cNvPr id="6" name="Textplatzhalter 5">
             <a:extLst>
               <a:ext uri="{FF2B5EF4-FFF2-40B4-BE49-F238E27FC236}">
-                <a16:creationId xmlns="" xmlns:a16="http://schemas.microsoft.com/office/drawing/2014/main" id="{2E77FCEF-52F5-324B-A583-005ABCE0E622}"/>
+                <a16:creationId xmlns:a16="http://schemas.microsoft.com/office/drawing/2014/main" xmlns="" id="{2E77FCEF-52F5-324B-A583-005ABCE0E622}"/>
               </a:ext>
             </a:extLst>
           </p:cNvPr>
@@ -3775,7 +3775,7 @@
           <p:cNvPr id="13" name="Grafik 12">
             <a:extLst>
               <a:ext uri="{FF2B5EF4-FFF2-40B4-BE49-F238E27FC236}">
-                <a16:creationId xmlns="" xmlns:a16="http://schemas.microsoft.com/office/drawing/2014/main" id="{F84F96E3-FAED-E24A-9E01-BBA4824F0E34}"/>
+                <a16:creationId xmlns:a16="http://schemas.microsoft.com/office/drawing/2014/main" xmlns="" id="{F84F96E3-FAED-E24A-9E01-BBA4824F0E34}"/>
               </a:ext>
             </a:extLst>
           </p:cNvPr>
@@ -3946,7 +3946,7 @@
           <p:cNvPr id="6" name="Rechteck 5">
             <a:extLst>
               <a:ext uri="{FF2B5EF4-FFF2-40B4-BE49-F238E27FC236}">
-                <a16:creationId xmlns="" xmlns:a16="http://schemas.microsoft.com/office/drawing/2014/main" id="{2447D286-D9F9-E84F-9173-2C8D2D2068E1}"/>
+                <a16:creationId xmlns:a16="http://schemas.microsoft.com/office/drawing/2014/main" xmlns="" id="{2447D286-D9F9-E84F-9173-2C8D2D2068E1}"/>
               </a:ext>
             </a:extLst>
           </p:cNvPr>
@@ -4013,7 +4013,7 @@
           <p:cNvPr id="10" name="Grafik 9">
             <a:extLst>
               <a:ext uri="{FF2B5EF4-FFF2-40B4-BE49-F238E27FC236}">
-                <a16:creationId xmlns="" xmlns:a16="http://schemas.microsoft.com/office/drawing/2014/main" id="{E4DBCC79-CA26-C240-B119-9127A62CDBA8}"/>
+                <a16:creationId xmlns:a16="http://schemas.microsoft.com/office/drawing/2014/main" xmlns="" id="{E4DBCC79-CA26-C240-B119-9127A62CDBA8}"/>
               </a:ext>
             </a:extLst>
           </p:cNvPr>
@@ -4115,7 +4115,7 @@
           <p:cNvPr id="5" name="Rechteck 4">
             <a:extLst>
               <a:ext uri="{FF2B5EF4-FFF2-40B4-BE49-F238E27FC236}">
-                <a16:creationId xmlns="" xmlns:a16="http://schemas.microsoft.com/office/drawing/2014/main" id="{FD770378-5F2D-DE46-8D66-09007E946AD3}"/>
+                <a16:creationId xmlns:a16="http://schemas.microsoft.com/office/drawing/2014/main" xmlns="" id="{FD770378-5F2D-DE46-8D66-09007E946AD3}"/>
               </a:ext>
             </a:extLst>
           </p:cNvPr>
@@ -4179,7 +4179,7 @@
           <p:cNvPr id="4" name="Grafik 3">
             <a:extLst>
               <a:ext uri="{FF2B5EF4-FFF2-40B4-BE49-F238E27FC236}">
-                <a16:creationId xmlns="" xmlns:a16="http://schemas.microsoft.com/office/drawing/2014/main" id="{4FE30B28-5777-FC40-9C3F-81738D289A6A}"/>
+                <a16:creationId xmlns:a16="http://schemas.microsoft.com/office/drawing/2014/main" xmlns="" id="{4FE30B28-5777-FC40-9C3F-81738D289A6A}"/>
               </a:ext>
             </a:extLst>
           </p:cNvPr>
@@ -5302,7 +5302,7 @@
           <p:cNvPr id="13" name="Grafik 12">
             <a:extLst>
               <a:ext uri="{FF2B5EF4-FFF2-40B4-BE49-F238E27FC236}">
-                <a16:creationId xmlns="" xmlns:a16="http://schemas.microsoft.com/office/drawing/2014/main" id="{2DC3CACD-C7C8-274E-BCD4-043370996A48}"/>
+                <a16:creationId xmlns:a16="http://schemas.microsoft.com/office/drawing/2014/main" xmlns="" id="{2DC3CACD-C7C8-274E-BCD4-043370996A48}"/>
               </a:ext>
             </a:extLst>
           </p:cNvPr>
@@ -7633,7 +7633,7 @@
           <p:cNvPr id="4" name="Inhaltsplatzhalter 3">
             <a:extLst>
               <a:ext uri="{FF2B5EF4-FFF2-40B4-BE49-F238E27FC236}">
-                <a16:creationId xmlns="" xmlns:a16="http://schemas.microsoft.com/office/drawing/2014/main" id="{D8B53BA4-2ACD-A744-A448-732561547552}"/>
+                <a16:creationId xmlns:a16="http://schemas.microsoft.com/office/drawing/2014/main" xmlns="" id="{D8B53BA4-2ACD-A744-A448-732561547552}"/>
               </a:ext>
             </a:extLst>
           </p:cNvPr>
@@ -7663,28 +7663,28 @@
                 <a:gridCol w="3369909">
                   <a:extLst>
                     <a:ext uri="{9D8B030D-6E8A-4147-A177-3AD203B41FA5}">
-                      <a16:colId xmlns="" xmlns:a16="http://schemas.microsoft.com/office/drawing/2014/main" val="141174548"/>
+                      <a16:colId xmlns:a16="http://schemas.microsoft.com/office/drawing/2014/main" xmlns="" val="141174548"/>
                     </a:ext>
                   </a:extLst>
                 </a:gridCol>
                 <a:gridCol w="1456267">
                   <a:extLst>
                     <a:ext uri="{9D8B030D-6E8A-4147-A177-3AD203B41FA5}">
-                      <a16:colId xmlns="" xmlns:a16="http://schemas.microsoft.com/office/drawing/2014/main" val="2742050981"/>
+                      <a16:colId xmlns:a16="http://schemas.microsoft.com/office/drawing/2014/main" xmlns="" val="2742050981"/>
                     </a:ext>
                   </a:extLst>
                 </a:gridCol>
                 <a:gridCol w="2844800">
                   <a:extLst>
                     <a:ext uri="{9D8B030D-6E8A-4147-A177-3AD203B41FA5}">
-                      <a16:colId xmlns="" xmlns:a16="http://schemas.microsoft.com/office/drawing/2014/main" val="1971836177"/>
+                      <a16:colId xmlns:a16="http://schemas.microsoft.com/office/drawing/2014/main" xmlns="" val="1971836177"/>
                     </a:ext>
                   </a:extLst>
                 </a:gridCol>
                 <a:gridCol w="2909713">
                   <a:extLst>
                     <a:ext uri="{9D8B030D-6E8A-4147-A177-3AD203B41FA5}">
-                      <a16:colId xmlns="" xmlns:a16="http://schemas.microsoft.com/office/drawing/2014/main" val="3907636905"/>
+                      <a16:colId xmlns:a16="http://schemas.microsoft.com/office/drawing/2014/main" xmlns="" val="3907636905"/>
                     </a:ext>
                   </a:extLst>
                 </a:gridCol>
@@ -7872,7 +7872,7 @@
                 </a:tc>
                 <a:extLst>
                   <a:ext uri="{0D108BD9-81ED-4DB2-BD59-A6C34878D82A}">
-                    <a16:rowId xmlns="" xmlns:a16="http://schemas.microsoft.com/office/drawing/2014/main" val="809439035"/>
+                    <a16:rowId xmlns:a16="http://schemas.microsoft.com/office/drawing/2014/main" xmlns="" val="809439035"/>
                   </a:ext>
                 </a:extLst>
               </a:tr>
@@ -8091,7 +8091,7 @@
                 </a:tc>
                 <a:extLst>
                   <a:ext uri="{0D108BD9-81ED-4DB2-BD59-A6C34878D82A}">
-                    <a16:rowId xmlns="" xmlns:a16="http://schemas.microsoft.com/office/drawing/2014/main" val="2200667029"/>
+                    <a16:rowId xmlns:a16="http://schemas.microsoft.com/office/drawing/2014/main" xmlns="" val="2200667029"/>
                   </a:ext>
                 </a:extLst>
               </a:tr>
@@ -8307,7 +8307,7 @@
                 </a:tc>
                 <a:extLst>
                   <a:ext uri="{0D108BD9-81ED-4DB2-BD59-A6C34878D82A}">
-                    <a16:rowId xmlns="" xmlns:a16="http://schemas.microsoft.com/office/drawing/2014/main" val="1380470865"/>
+                    <a16:rowId xmlns:a16="http://schemas.microsoft.com/office/drawing/2014/main" xmlns="" val="1380470865"/>
                   </a:ext>
                 </a:extLst>
               </a:tr>
@@ -8493,7 +8493,7 @@
                 </a:tc>
                 <a:extLst>
                   <a:ext uri="{0D108BD9-81ED-4DB2-BD59-A6C34878D82A}">
-                    <a16:rowId xmlns="" xmlns:a16="http://schemas.microsoft.com/office/drawing/2014/main" val="1639158171"/>
+                    <a16:rowId xmlns:a16="http://schemas.microsoft.com/office/drawing/2014/main" xmlns="" val="1639158171"/>
                   </a:ext>
                 </a:extLst>
               </a:tr>
@@ -8569,7 +8569,7 @@
           <p:cNvPr id="6" name="Inhaltsplatzhalter 3">
             <a:extLst>
               <a:ext uri="{FF2B5EF4-FFF2-40B4-BE49-F238E27FC236}">
-                <a16:creationId xmlns="" xmlns:a16="http://schemas.microsoft.com/office/drawing/2014/main" id="{DBADCED9-543C-1E47-8AF6-1E397EC8D59C}"/>
+                <a16:creationId xmlns:a16="http://schemas.microsoft.com/office/drawing/2014/main" xmlns="" id="{DBADCED9-543C-1E47-8AF6-1E397EC8D59C}"/>
               </a:ext>
             </a:extLst>
           </p:cNvPr>
@@ -8608,7 +8608,7 @@
           <p:cNvPr id="7" name="Grafik 6">
             <a:extLst>
               <a:ext uri="{FF2B5EF4-FFF2-40B4-BE49-F238E27FC236}">
-                <a16:creationId xmlns="" xmlns:a16="http://schemas.microsoft.com/office/drawing/2014/main" id="{52E4E9CF-A817-5046-9043-99978E26ECAA}"/>
+                <a16:creationId xmlns:a16="http://schemas.microsoft.com/office/drawing/2014/main" xmlns="" id="{52E4E9CF-A817-5046-9043-99978E26ECAA}"/>
               </a:ext>
             </a:extLst>
           </p:cNvPr>
@@ -8744,7 +8744,7 @@
           <p:cNvPr id="2" name="Titel 1">
             <a:extLst>
               <a:ext uri="{FF2B5EF4-FFF2-40B4-BE49-F238E27FC236}">
-                <a16:creationId xmlns="" xmlns:a16="http://schemas.microsoft.com/office/drawing/2014/main" id="{B1F459B3-5CC9-8141-8CBB-3D63C0BD6799}"/>
+                <a16:creationId xmlns:a16="http://schemas.microsoft.com/office/drawing/2014/main" xmlns="" id="{B1F459B3-5CC9-8141-8CBB-3D63C0BD6799}"/>
               </a:ext>
             </a:extLst>
           </p:cNvPr>
@@ -8915,7 +8915,7 @@
           <p:cNvPr id="8" name="Oval 52">
             <a:extLst>
               <a:ext uri="{FF2B5EF4-FFF2-40B4-BE49-F238E27FC236}">
-                <a16:creationId xmlns="" xmlns:a16="http://schemas.microsoft.com/office/drawing/2014/main" id="{A7F525C7-2BB3-7741-BE0A-A91605F6B414}"/>
+                <a16:creationId xmlns:a16="http://schemas.microsoft.com/office/drawing/2014/main" xmlns="" id="{A7F525C7-2BB3-7741-BE0A-A91605F6B414}"/>
               </a:ext>
             </a:extLst>
           </p:cNvPr>
@@ -8967,7 +8967,7 @@
           <p:cNvPr id="9" name="Oval 53">
             <a:extLst>
               <a:ext uri="{FF2B5EF4-FFF2-40B4-BE49-F238E27FC236}">
-                <a16:creationId xmlns="" xmlns:a16="http://schemas.microsoft.com/office/drawing/2014/main" id="{7A84F289-E89F-8342-8791-347A0E4F5BF9}"/>
+                <a16:creationId xmlns:a16="http://schemas.microsoft.com/office/drawing/2014/main" xmlns="" id="{7A84F289-E89F-8342-8791-347A0E4F5BF9}"/>
               </a:ext>
             </a:extLst>
           </p:cNvPr>
@@ -9019,7 +9019,7 @@
           <p:cNvPr id="10" name="Oval 54">
             <a:extLst>
               <a:ext uri="{FF2B5EF4-FFF2-40B4-BE49-F238E27FC236}">
-                <a16:creationId xmlns="" xmlns:a16="http://schemas.microsoft.com/office/drawing/2014/main" id="{A65E12B4-4201-2148-B5CA-CF3C353E009F}"/>
+                <a16:creationId xmlns:a16="http://schemas.microsoft.com/office/drawing/2014/main" xmlns="" id="{A65E12B4-4201-2148-B5CA-CF3C353E009F}"/>
               </a:ext>
             </a:extLst>
           </p:cNvPr>
@@ -9073,7 +9073,7 @@
               <p14:cNvPr id="11" name="Freihand 10">
                 <a:extLst>
                   <a:ext uri="{FF2B5EF4-FFF2-40B4-BE49-F238E27FC236}">
-                    <a16:creationId xmlns="" xmlns:a16="http://schemas.microsoft.com/office/drawing/2014/main" id="{5B3C06F8-598F-844F-A3A1-C175A796CC1F}"/>
+                    <a16:creationId xmlns:a16="http://schemas.microsoft.com/office/drawing/2014/main" xmlns="" id="{5B3C06F8-598F-844F-A3A1-C175A796CC1F}"/>
                   </a:ext>
                 </a:extLst>
               </p14:cNvPr>
@@ -9124,7 +9124,7 @@
               <p14:cNvPr id="12" name="Freihand 11">
                 <a:extLst>
                   <a:ext uri="{FF2B5EF4-FFF2-40B4-BE49-F238E27FC236}">
-                    <a16:creationId xmlns="" xmlns:a16="http://schemas.microsoft.com/office/drawing/2014/main" id="{082C1878-4FC7-A046-A15C-155DA5A4994F}"/>
+                    <a16:creationId xmlns:a16="http://schemas.microsoft.com/office/drawing/2014/main" xmlns="" id="{082C1878-4FC7-A046-A15C-155DA5A4994F}"/>
                   </a:ext>
                 </a:extLst>
               </p14:cNvPr>
@@ -9175,7 +9175,7 @@
               <p14:cNvPr id="13" name="Freihand 12">
                 <a:extLst>
                   <a:ext uri="{FF2B5EF4-FFF2-40B4-BE49-F238E27FC236}">
-                    <a16:creationId xmlns="" xmlns:a16="http://schemas.microsoft.com/office/drawing/2014/main" id="{4493D0F5-C439-AB47-A7AB-C5899EB6F429}"/>
+                    <a16:creationId xmlns:a16="http://schemas.microsoft.com/office/drawing/2014/main" xmlns="" id="{4493D0F5-C439-AB47-A7AB-C5899EB6F429}"/>
                   </a:ext>
                 </a:extLst>
               </p14:cNvPr>
@@ -9226,7 +9226,7 @@
               <p14:cNvPr id="18" name="Freihand 17">
                 <a:extLst>
                   <a:ext uri="{FF2B5EF4-FFF2-40B4-BE49-F238E27FC236}">
-                    <a16:creationId xmlns="" xmlns:a16="http://schemas.microsoft.com/office/drawing/2014/main" id="{1E33159F-5EDA-7243-9035-848447A03A46}"/>
+                    <a16:creationId xmlns:a16="http://schemas.microsoft.com/office/drawing/2014/main" xmlns="" id="{1E33159F-5EDA-7243-9035-848447A03A46}"/>
                   </a:ext>
                 </a:extLst>
               </p14:cNvPr>
@@ -9275,7 +9275,7 @@
           <p:cNvPr id="19" name="Grafik 18">
             <a:extLst>
               <a:ext uri="{FF2B5EF4-FFF2-40B4-BE49-F238E27FC236}">
-                <a16:creationId xmlns="" xmlns:a16="http://schemas.microsoft.com/office/drawing/2014/main" id="{3E5CCF41-B5EC-8545-8430-A78ACA0F9371}"/>
+                <a16:creationId xmlns:a16="http://schemas.microsoft.com/office/drawing/2014/main" xmlns="" id="{3E5CCF41-B5EC-8545-8430-A78ACA0F9371}"/>
               </a:ext>
             </a:extLst>
           </p:cNvPr>
@@ -9305,7 +9305,7 @@
           <p:cNvPr id="29" name="Gruppieren 28">
             <a:extLst>
               <a:ext uri="{FF2B5EF4-FFF2-40B4-BE49-F238E27FC236}">
-                <a16:creationId xmlns="" xmlns:a16="http://schemas.microsoft.com/office/drawing/2014/main" id="{FAE6EC32-92E8-704F-83BA-F308FB46A402}"/>
+                <a16:creationId xmlns:a16="http://schemas.microsoft.com/office/drawing/2014/main" xmlns="" id="{FAE6EC32-92E8-704F-83BA-F308FB46A402}"/>
               </a:ext>
             </a:extLst>
           </p:cNvPr>
@@ -9325,7 +9325,7 @@
             <p:cNvPr id="30" name="Rechteck 29">
               <a:extLst>
                 <a:ext uri="{FF2B5EF4-FFF2-40B4-BE49-F238E27FC236}">
-                  <a16:creationId xmlns="" xmlns:a16="http://schemas.microsoft.com/office/drawing/2014/main" id="{2D082488-1F16-6243-8438-DB6727A3BC50}"/>
+                  <a16:creationId xmlns:a16="http://schemas.microsoft.com/office/drawing/2014/main" xmlns="" id="{2D082488-1F16-6243-8438-DB6727A3BC50}"/>
                 </a:ext>
               </a:extLst>
             </p:cNvPr>
@@ -9422,7 +9422,7 @@
             <p:cNvPr id="31" name="Rechteck 30">
               <a:extLst>
                 <a:ext uri="{FF2B5EF4-FFF2-40B4-BE49-F238E27FC236}">
-                  <a16:creationId xmlns="" xmlns:a16="http://schemas.microsoft.com/office/drawing/2014/main" id="{456DFC42-7138-5842-B9B8-2933059BB8B0}"/>
+                  <a16:creationId xmlns:a16="http://schemas.microsoft.com/office/drawing/2014/main" xmlns="" id="{456DFC42-7138-5842-B9B8-2933059BB8B0}"/>
                 </a:ext>
               </a:extLst>
             </p:cNvPr>
@@ -9481,7 +9481,7 @@
           <p:cNvPr id="32" name="Gruppieren 31">
             <a:extLst>
               <a:ext uri="{FF2B5EF4-FFF2-40B4-BE49-F238E27FC236}">
-                <a16:creationId xmlns="" xmlns:a16="http://schemas.microsoft.com/office/drawing/2014/main" id="{844F6D30-D5A4-C04A-ADBA-18E25851FDF5}"/>
+                <a16:creationId xmlns:a16="http://schemas.microsoft.com/office/drawing/2014/main" xmlns="" id="{844F6D30-D5A4-C04A-ADBA-18E25851FDF5}"/>
               </a:ext>
             </a:extLst>
           </p:cNvPr>
@@ -9501,7 +9501,7 @@
             <p:cNvPr id="33" name="Rechteck 32">
               <a:extLst>
                 <a:ext uri="{FF2B5EF4-FFF2-40B4-BE49-F238E27FC236}">
-                  <a16:creationId xmlns="" xmlns:a16="http://schemas.microsoft.com/office/drawing/2014/main" id="{8E73C930-D810-B548-B325-2CD71D76ADBB}"/>
+                  <a16:creationId xmlns:a16="http://schemas.microsoft.com/office/drawing/2014/main" xmlns="" id="{8E73C930-D810-B548-B325-2CD71D76ADBB}"/>
                 </a:ext>
               </a:extLst>
             </p:cNvPr>
@@ -9573,7 +9573,7 @@
             <p:cNvPr id="34" name="Rechteck 33">
               <a:extLst>
                 <a:ext uri="{FF2B5EF4-FFF2-40B4-BE49-F238E27FC236}">
-                  <a16:creationId xmlns="" xmlns:a16="http://schemas.microsoft.com/office/drawing/2014/main" id="{9511CF2B-BCCD-B648-81EC-E6CF3F16BCED}"/>
+                  <a16:creationId xmlns:a16="http://schemas.microsoft.com/office/drawing/2014/main" xmlns="" id="{9511CF2B-BCCD-B648-81EC-E6CF3F16BCED}"/>
                 </a:ext>
               </a:extLst>
             </p:cNvPr>
@@ -9632,7 +9632,7 @@
           <p:cNvPr id="35" name="Gruppieren 34">
             <a:extLst>
               <a:ext uri="{FF2B5EF4-FFF2-40B4-BE49-F238E27FC236}">
-                <a16:creationId xmlns="" xmlns:a16="http://schemas.microsoft.com/office/drawing/2014/main" id="{3D302C86-545B-9A4A-AAB4-6374FD9C12A9}"/>
+                <a16:creationId xmlns:a16="http://schemas.microsoft.com/office/drawing/2014/main" xmlns="" id="{3D302C86-545B-9A4A-AAB4-6374FD9C12A9}"/>
               </a:ext>
             </a:extLst>
           </p:cNvPr>
@@ -9652,7 +9652,7 @@
             <p:cNvPr id="36" name="Rechteck 35">
               <a:extLst>
                 <a:ext uri="{FF2B5EF4-FFF2-40B4-BE49-F238E27FC236}">
-                  <a16:creationId xmlns="" xmlns:a16="http://schemas.microsoft.com/office/drawing/2014/main" id="{23115AAF-35F2-6442-8E5B-8BD850E80E32}"/>
+                  <a16:creationId xmlns:a16="http://schemas.microsoft.com/office/drawing/2014/main" xmlns="" id="{23115AAF-35F2-6442-8E5B-8BD850E80E32}"/>
                 </a:ext>
               </a:extLst>
             </p:cNvPr>
@@ -9736,7 +9736,7 @@
             <p:cNvPr id="37" name="Rechteck 36">
               <a:extLst>
                 <a:ext uri="{FF2B5EF4-FFF2-40B4-BE49-F238E27FC236}">
-                  <a16:creationId xmlns="" xmlns:a16="http://schemas.microsoft.com/office/drawing/2014/main" id="{7F151E5E-545A-4F40-87DA-17083B145725}"/>
+                  <a16:creationId xmlns:a16="http://schemas.microsoft.com/office/drawing/2014/main" xmlns="" id="{7F151E5E-545A-4F40-87DA-17083B145725}"/>
                 </a:ext>
               </a:extLst>
             </p:cNvPr>
@@ -9795,7 +9795,7 @@
           <p:cNvPr id="38" name="Gruppieren 37">
             <a:extLst>
               <a:ext uri="{FF2B5EF4-FFF2-40B4-BE49-F238E27FC236}">
-                <a16:creationId xmlns="" xmlns:a16="http://schemas.microsoft.com/office/drawing/2014/main" id="{1CA8B657-F9AF-5243-AF7E-BB8501B06F90}"/>
+                <a16:creationId xmlns:a16="http://schemas.microsoft.com/office/drawing/2014/main" xmlns="" id="{1CA8B657-F9AF-5243-AF7E-BB8501B06F90}"/>
               </a:ext>
             </a:extLst>
           </p:cNvPr>
@@ -9815,7 +9815,7 @@
             <p:cNvPr id="39" name="Rechteck 38">
               <a:extLst>
                 <a:ext uri="{FF2B5EF4-FFF2-40B4-BE49-F238E27FC236}">
-                  <a16:creationId xmlns="" xmlns:a16="http://schemas.microsoft.com/office/drawing/2014/main" id="{02092F8E-6236-034D-B034-00A54F99E62D}"/>
+                  <a16:creationId xmlns:a16="http://schemas.microsoft.com/office/drawing/2014/main" xmlns="" id="{02092F8E-6236-034D-B034-00A54F99E62D}"/>
                 </a:ext>
               </a:extLst>
             </p:cNvPr>
@@ -9899,7 +9899,7 @@
             <p:cNvPr id="40" name="Rechteck 39">
               <a:extLst>
                 <a:ext uri="{FF2B5EF4-FFF2-40B4-BE49-F238E27FC236}">
-                  <a16:creationId xmlns="" xmlns:a16="http://schemas.microsoft.com/office/drawing/2014/main" id="{1B35C96E-3871-C044-9116-F5A9A8C99AFF}"/>
+                  <a16:creationId xmlns:a16="http://schemas.microsoft.com/office/drawing/2014/main" xmlns="" id="{1B35C96E-3871-C044-9116-F5A9A8C99AFF}"/>
                 </a:ext>
               </a:extLst>
             </p:cNvPr>
@@ -9988,7 +9988,7 @@
           <p:cNvPr id="2" name="Titel 1">
             <a:extLst>
               <a:ext uri="{FF2B5EF4-FFF2-40B4-BE49-F238E27FC236}">
-                <a16:creationId xmlns="" xmlns:a16="http://schemas.microsoft.com/office/drawing/2014/main" id="{B1F459B3-5CC9-8141-8CBB-3D63C0BD6799}"/>
+                <a16:creationId xmlns:a16="http://schemas.microsoft.com/office/drawing/2014/main" xmlns="" id="{B1F459B3-5CC9-8141-8CBB-3D63C0BD6799}"/>
               </a:ext>
             </a:extLst>
           </p:cNvPr>
@@ -10159,7 +10159,7 @@
           <p:cNvPr id="8" name="Oval 52">
             <a:extLst>
               <a:ext uri="{FF2B5EF4-FFF2-40B4-BE49-F238E27FC236}">
-                <a16:creationId xmlns="" xmlns:a16="http://schemas.microsoft.com/office/drawing/2014/main" id="{A7F525C7-2BB3-7741-BE0A-A91605F6B414}"/>
+                <a16:creationId xmlns:a16="http://schemas.microsoft.com/office/drawing/2014/main" xmlns="" id="{A7F525C7-2BB3-7741-BE0A-A91605F6B414}"/>
               </a:ext>
             </a:extLst>
           </p:cNvPr>
@@ -10211,7 +10211,7 @@
           <p:cNvPr id="9" name="Oval 53">
             <a:extLst>
               <a:ext uri="{FF2B5EF4-FFF2-40B4-BE49-F238E27FC236}">
-                <a16:creationId xmlns="" xmlns:a16="http://schemas.microsoft.com/office/drawing/2014/main" id="{7A84F289-E89F-8342-8791-347A0E4F5BF9}"/>
+                <a16:creationId xmlns:a16="http://schemas.microsoft.com/office/drawing/2014/main" xmlns="" id="{7A84F289-E89F-8342-8791-347A0E4F5BF9}"/>
               </a:ext>
             </a:extLst>
           </p:cNvPr>
@@ -10263,7 +10263,7 @@
           <p:cNvPr id="10" name="Oval 54">
             <a:extLst>
               <a:ext uri="{FF2B5EF4-FFF2-40B4-BE49-F238E27FC236}">
-                <a16:creationId xmlns="" xmlns:a16="http://schemas.microsoft.com/office/drawing/2014/main" id="{A65E12B4-4201-2148-B5CA-CF3C353E009F}"/>
+                <a16:creationId xmlns:a16="http://schemas.microsoft.com/office/drawing/2014/main" xmlns="" id="{A65E12B4-4201-2148-B5CA-CF3C353E009F}"/>
               </a:ext>
             </a:extLst>
           </p:cNvPr>
@@ -10317,7 +10317,7 @@
               <p14:cNvPr id="11" name="Freihand 10">
                 <a:extLst>
                   <a:ext uri="{FF2B5EF4-FFF2-40B4-BE49-F238E27FC236}">
-                    <a16:creationId xmlns="" xmlns:a16="http://schemas.microsoft.com/office/drawing/2014/main" id="{5B3C06F8-598F-844F-A3A1-C175A796CC1F}"/>
+                    <a16:creationId xmlns:a16="http://schemas.microsoft.com/office/drawing/2014/main" xmlns="" id="{5B3C06F8-598F-844F-A3A1-C175A796CC1F}"/>
                   </a:ext>
                 </a:extLst>
               </p14:cNvPr>
@@ -10368,7 +10368,7 @@
               <p14:cNvPr id="12" name="Freihand 11">
                 <a:extLst>
                   <a:ext uri="{FF2B5EF4-FFF2-40B4-BE49-F238E27FC236}">
-                    <a16:creationId xmlns="" xmlns:a16="http://schemas.microsoft.com/office/drawing/2014/main" id="{082C1878-4FC7-A046-A15C-155DA5A4994F}"/>
+                    <a16:creationId xmlns:a16="http://schemas.microsoft.com/office/drawing/2014/main" xmlns="" id="{082C1878-4FC7-A046-A15C-155DA5A4994F}"/>
                   </a:ext>
                 </a:extLst>
               </p14:cNvPr>
@@ -10419,7 +10419,7 @@
               <p14:cNvPr id="13" name="Freihand 12">
                 <a:extLst>
                   <a:ext uri="{FF2B5EF4-FFF2-40B4-BE49-F238E27FC236}">
-                    <a16:creationId xmlns="" xmlns:a16="http://schemas.microsoft.com/office/drawing/2014/main" id="{4493D0F5-C439-AB47-A7AB-C5899EB6F429}"/>
+                    <a16:creationId xmlns:a16="http://schemas.microsoft.com/office/drawing/2014/main" xmlns="" id="{4493D0F5-C439-AB47-A7AB-C5899EB6F429}"/>
                   </a:ext>
                 </a:extLst>
               </p14:cNvPr>
@@ -10470,7 +10470,7 @@
               <p14:cNvPr id="18" name="Freihand 17">
                 <a:extLst>
                   <a:ext uri="{FF2B5EF4-FFF2-40B4-BE49-F238E27FC236}">
-                    <a16:creationId xmlns="" xmlns:a16="http://schemas.microsoft.com/office/drawing/2014/main" id="{1E33159F-5EDA-7243-9035-848447A03A46}"/>
+                    <a16:creationId xmlns:a16="http://schemas.microsoft.com/office/drawing/2014/main" xmlns="" id="{1E33159F-5EDA-7243-9035-848447A03A46}"/>
                   </a:ext>
                 </a:extLst>
               </p14:cNvPr>
@@ -10519,7 +10519,7 @@
           <p:cNvPr id="19" name="Grafik 18">
             <a:extLst>
               <a:ext uri="{FF2B5EF4-FFF2-40B4-BE49-F238E27FC236}">
-                <a16:creationId xmlns="" xmlns:a16="http://schemas.microsoft.com/office/drawing/2014/main" id="{3E5CCF41-B5EC-8545-8430-A78ACA0F9371}"/>
+                <a16:creationId xmlns:a16="http://schemas.microsoft.com/office/drawing/2014/main" xmlns="" id="{3E5CCF41-B5EC-8545-8430-A78ACA0F9371}"/>
               </a:ext>
             </a:extLst>
           </p:cNvPr>
@@ -10549,7 +10549,7 @@
           <p:cNvPr id="20" name="Textfeld 19">
             <a:extLst>
               <a:ext uri="{FF2B5EF4-FFF2-40B4-BE49-F238E27FC236}">
-                <a16:creationId xmlns="" xmlns:a16="http://schemas.microsoft.com/office/drawing/2014/main" id="{207E01F6-7DC7-694F-87AD-C5FED7E6CB33}"/>
+                <a16:creationId xmlns:a16="http://schemas.microsoft.com/office/drawing/2014/main" xmlns="" id="{207E01F6-7DC7-694F-87AD-C5FED7E6CB33}"/>
               </a:ext>
             </a:extLst>
           </p:cNvPr>
@@ -10584,7 +10584,7 @@
           <p:cNvPr id="21" name="Textfeld 20">
             <a:extLst>
               <a:ext uri="{FF2B5EF4-FFF2-40B4-BE49-F238E27FC236}">
-                <a16:creationId xmlns="" xmlns:a16="http://schemas.microsoft.com/office/drawing/2014/main" id="{3BCDA7B3-1367-8D48-AE88-0DE481BE94B4}"/>
+                <a16:creationId xmlns:a16="http://schemas.microsoft.com/office/drawing/2014/main" xmlns="" id="{3BCDA7B3-1367-8D48-AE88-0DE481BE94B4}"/>
               </a:ext>
             </a:extLst>
           </p:cNvPr>
@@ -10619,7 +10619,7 @@
           <p:cNvPr id="22" name="Textfeld 21">
             <a:extLst>
               <a:ext uri="{FF2B5EF4-FFF2-40B4-BE49-F238E27FC236}">
-                <a16:creationId xmlns="" xmlns:a16="http://schemas.microsoft.com/office/drawing/2014/main" id="{77B2452C-D955-B64A-B37E-1D0E55CA08E1}"/>
+                <a16:creationId xmlns:a16="http://schemas.microsoft.com/office/drawing/2014/main" xmlns="" id="{77B2452C-D955-B64A-B37E-1D0E55CA08E1}"/>
               </a:ext>
             </a:extLst>
           </p:cNvPr>
@@ -10655,7 +10655,7 @@
           <p:cNvPr id="23" name="Textfeld 22">
             <a:extLst>
               <a:ext uri="{FF2B5EF4-FFF2-40B4-BE49-F238E27FC236}">
-                <a16:creationId xmlns="" xmlns:a16="http://schemas.microsoft.com/office/drawing/2014/main" id="{496F256A-1537-D44F-810D-53172766888A}"/>
+                <a16:creationId xmlns:a16="http://schemas.microsoft.com/office/drawing/2014/main" xmlns="" id="{496F256A-1537-D44F-810D-53172766888A}"/>
               </a:ext>
             </a:extLst>
           </p:cNvPr>
@@ -10690,7 +10690,7 @@
           <p:cNvPr id="24" name="Textfeld 23">
             <a:extLst>
               <a:ext uri="{FF2B5EF4-FFF2-40B4-BE49-F238E27FC236}">
-                <a16:creationId xmlns="" xmlns:a16="http://schemas.microsoft.com/office/drawing/2014/main" id="{58B17CF3-9991-294E-A48B-A98C899F09AE}"/>
+                <a16:creationId xmlns:a16="http://schemas.microsoft.com/office/drawing/2014/main" xmlns="" id="{58B17CF3-9991-294E-A48B-A98C899F09AE}"/>
               </a:ext>
             </a:extLst>
           </p:cNvPr>
@@ -10725,7 +10725,7 @@
           <p:cNvPr id="25" name="Textfeld 24">
             <a:extLst>
               <a:ext uri="{FF2B5EF4-FFF2-40B4-BE49-F238E27FC236}">
-                <a16:creationId xmlns="" xmlns:a16="http://schemas.microsoft.com/office/drawing/2014/main" id="{543C326B-FC3F-F744-929F-29FA2D2196F2}"/>
+                <a16:creationId xmlns:a16="http://schemas.microsoft.com/office/drawing/2014/main" xmlns="" id="{543C326B-FC3F-F744-929F-29FA2D2196F2}"/>
               </a:ext>
             </a:extLst>
           </p:cNvPr>
@@ -10760,7 +10760,7 @@
           <p:cNvPr id="26" name="Textfeld 25">
             <a:extLst>
               <a:ext uri="{FF2B5EF4-FFF2-40B4-BE49-F238E27FC236}">
-                <a16:creationId xmlns="" xmlns:a16="http://schemas.microsoft.com/office/drawing/2014/main" id="{A2089A33-0C88-AB4A-AE32-7D94307E74E4}"/>
+                <a16:creationId xmlns:a16="http://schemas.microsoft.com/office/drawing/2014/main" xmlns="" id="{A2089A33-0C88-AB4A-AE32-7D94307E74E4}"/>
               </a:ext>
             </a:extLst>
           </p:cNvPr>
@@ -10803,7 +10803,7 @@
           <p:cNvPr id="27" name="Textfeld 26">
             <a:extLst>
               <a:ext uri="{FF2B5EF4-FFF2-40B4-BE49-F238E27FC236}">
-                <a16:creationId xmlns="" xmlns:a16="http://schemas.microsoft.com/office/drawing/2014/main" id="{928409AF-452F-BA4E-8DAE-22557909D87B}"/>
+                <a16:creationId xmlns:a16="http://schemas.microsoft.com/office/drawing/2014/main" xmlns="" id="{928409AF-452F-BA4E-8DAE-22557909D87B}"/>
               </a:ext>
             </a:extLst>
           </p:cNvPr>
@@ -10838,7 +10838,7 @@
           <p:cNvPr id="28" name="Textfeld 27">
             <a:extLst>
               <a:ext uri="{FF2B5EF4-FFF2-40B4-BE49-F238E27FC236}">
-                <a16:creationId xmlns="" xmlns:a16="http://schemas.microsoft.com/office/drawing/2014/main" id="{6DAAABB9-5B29-9540-9B95-C6AE440332B1}"/>
+                <a16:creationId xmlns:a16="http://schemas.microsoft.com/office/drawing/2014/main" xmlns="" id="{6DAAABB9-5B29-9540-9B95-C6AE440332B1}"/>
               </a:ext>
             </a:extLst>
           </p:cNvPr>
@@ -10903,7 +10903,7 @@
           <p:cNvPr id="2" name="Titel 1">
             <a:extLst>
               <a:ext uri="{FF2B5EF4-FFF2-40B4-BE49-F238E27FC236}">
-                <a16:creationId xmlns="" xmlns:a16="http://schemas.microsoft.com/office/drawing/2014/main" id="{7BA8FE41-0B04-6748-9CA8-05F0AE81883B}"/>
+                <a16:creationId xmlns:a16="http://schemas.microsoft.com/office/drawing/2014/main" xmlns="" id="{7BA8FE41-0B04-6748-9CA8-05F0AE81883B}"/>
               </a:ext>
             </a:extLst>
           </p:cNvPr>
@@ -10936,7 +10936,7 @@
           <p:cNvPr id="12" name="Gruppieren 11">
             <a:extLst>
               <a:ext uri="{FF2B5EF4-FFF2-40B4-BE49-F238E27FC236}">
-                <a16:creationId xmlns="" xmlns:a16="http://schemas.microsoft.com/office/drawing/2014/main" id="{995F115A-CBCD-7A4D-8C0A-281259A5A3C1}"/>
+                <a16:creationId xmlns:a16="http://schemas.microsoft.com/office/drawing/2014/main" xmlns="" id="{995F115A-CBCD-7A4D-8C0A-281259A5A3C1}"/>
               </a:ext>
             </a:extLst>
           </p:cNvPr>
@@ -10956,7 +10956,7 @@
             <p:cNvPr id="4" name="Gruppieren 3">
               <a:extLst>
                 <a:ext uri="{FF2B5EF4-FFF2-40B4-BE49-F238E27FC236}">
-                  <a16:creationId xmlns="" xmlns:a16="http://schemas.microsoft.com/office/drawing/2014/main" id="{783A73D2-C025-644E-A194-3438D291D352}"/>
+                  <a16:creationId xmlns:a16="http://schemas.microsoft.com/office/drawing/2014/main" xmlns="" id="{783A73D2-C025-644E-A194-3438D291D352}"/>
                 </a:ext>
               </a:extLst>
             </p:cNvPr>
@@ -10976,7 +10976,7 @@
               <p:cNvPr id="5" name="Rechteck 4">
                 <a:extLst>
                   <a:ext uri="{FF2B5EF4-FFF2-40B4-BE49-F238E27FC236}">
-                    <a16:creationId xmlns="" xmlns:a16="http://schemas.microsoft.com/office/drawing/2014/main" id="{4F68B8E9-417E-0141-AE27-E298ED29929C}"/>
+                    <a16:creationId xmlns:a16="http://schemas.microsoft.com/office/drawing/2014/main" xmlns="" id="{4F68B8E9-417E-0141-AE27-E298ED29929C}"/>
                   </a:ext>
                 </a:extLst>
               </p:cNvPr>
@@ -11068,7 +11068,7 @@
               <p:cNvPr id="6" name="Rechteck 5">
                 <a:extLst>
                   <a:ext uri="{FF2B5EF4-FFF2-40B4-BE49-F238E27FC236}">
-                    <a16:creationId xmlns="" xmlns:a16="http://schemas.microsoft.com/office/drawing/2014/main" id="{B2717A64-B61E-B44C-B23D-CB509FB519CA}"/>
+                    <a16:creationId xmlns:a16="http://schemas.microsoft.com/office/drawing/2014/main" xmlns="" id="{B2717A64-B61E-B44C-B23D-CB509FB519CA}"/>
                   </a:ext>
                 </a:extLst>
               </p:cNvPr>
@@ -11127,7 +11127,7 @@
             <p:cNvPr id="7" name="Rechteck 6">
               <a:extLst>
                 <a:ext uri="{FF2B5EF4-FFF2-40B4-BE49-F238E27FC236}">
-                  <a16:creationId xmlns="" xmlns:a16="http://schemas.microsoft.com/office/drawing/2014/main" id="{6F92A16E-30FA-A34D-A87A-AD884881288C}"/>
+                  <a16:creationId xmlns:a16="http://schemas.microsoft.com/office/drawing/2014/main" xmlns="" id="{6F92A16E-30FA-A34D-A87A-AD884881288C}"/>
                 </a:ext>
               </a:extLst>
             </p:cNvPr>
@@ -11187,7 +11187,7 @@
           <p:cNvPr id="13" name="Gruppieren 12">
             <a:extLst>
               <a:ext uri="{FF2B5EF4-FFF2-40B4-BE49-F238E27FC236}">
-                <a16:creationId xmlns="" xmlns:a16="http://schemas.microsoft.com/office/drawing/2014/main" id="{214C6E04-BA76-3048-B247-843530C6F237}"/>
+                <a16:creationId xmlns:a16="http://schemas.microsoft.com/office/drawing/2014/main" xmlns="" id="{214C6E04-BA76-3048-B247-843530C6F237}"/>
               </a:ext>
             </a:extLst>
           </p:cNvPr>
@@ -11207,7 +11207,7 @@
             <p:cNvPr id="14" name="Gruppieren 13">
               <a:extLst>
                 <a:ext uri="{FF2B5EF4-FFF2-40B4-BE49-F238E27FC236}">
-                  <a16:creationId xmlns="" xmlns:a16="http://schemas.microsoft.com/office/drawing/2014/main" id="{CF154C31-9B1A-6844-82C6-BEC64AE64B76}"/>
+                  <a16:creationId xmlns:a16="http://schemas.microsoft.com/office/drawing/2014/main" xmlns="" id="{CF154C31-9B1A-6844-82C6-BEC64AE64B76}"/>
                 </a:ext>
               </a:extLst>
             </p:cNvPr>
@@ -11227,7 +11227,7 @@
               <p:cNvPr id="16" name="Rechteck 15">
                 <a:extLst>
                   <a:ext uri="{FF2B5EF4-FFF2-40B4-BE49-F238E27FC236}">
-                    <a16:creationId xmlns="" xmlns:a16="http://schemas.microsoft.com/office/drawing/2014/main" id="{5D41E86D-96E1-F64F-B645-811FEF9C3566}"/>
+                    <a16:creationId xmlns:a16="http://schemas.microsoft.com/office/drawing/2014/main" xmlns="" id="{5D41E86D-96E1-F64F-B645-811FEF9C3566}"/>
                   </a:ext>
                 </a:extLst>
               </p:cNvPr>
@@ -11349,7 +11349,7 @@
               <p:cNvPr id="17" name="Rechteck 16">
                 <a:extLst>
                   <a:ext uri="{FF2B5EF4-FFF2-40B4-BE49-F238E27FC236}">
-                    <a16:creationId xmlns="" xmlns:a16="http://schemas.microsoft.com/office/drawing/2014/main" id="{829E215D-25C5-FE42-A84B-E10BE5590901}"/>
+                    <a16:creationId xmlns:a16="http://schemas.microsoft.com/office/drawing/2014/main" xmlns="" id="{829E215D-25C5-FE42-A84B-E10BE5590901}"/>
                   </a:ext>
                 </a:extLst>
               </p:cNvPr>
@@ -11408,7 +11408,7 @@
             <p:cNvPr id="15" name="Rechteck 14">
               <a:extLst>
                 <a:ext uri="{FF2B5EF4-FFF2-40B4-BE49-F238E27FC236}">
-                  <a16:creationId xmlns="" xmlns:a16="http://schemas.microsoft.com/office/drawing/2014/main" id="{3D7F9058-E672-2A4D-9BB1-013BCCC5ACE0}"/>
+                  <a16:creationId xmlns:a16="http://schemas.microsoft.com/office/drawing/2014/main" xmlns="" id="{3D7F9058-E672-2A4D-9BB1-013BCCC5ACE0}"/>
                 </a:ext>
               </a:extLst>
             </p:cNvPr>
@@ -11468,7 +11468,7 @@
           <p:cNvPr id="18" name="Gruppieren 17">
             <a:extLst>
               <a:ext uri="{FF2B5EF4-FFF2-40B4-BE49-F238E27FC236}">
-                <a16:creationId xmlns="" xmlns:a16="http://schemas.microsoft.com/office/drawing/2014/main" id="{76C873CF-9A61-9B4A-9A7F-7A0A6A11ECCC}"/>
+                <a16:creationId xmlns:a16="http://schemas.microsoft.com/office/drawing/2014/main" xmlns="" id="{76C873CF-9A61-9B4A-9A7F-7A0A6A11ECCC}"/>
               </a:ext>
             </a:extLst>
           </p:cNvPr>
@@ -11488,7 +11488,7 @@
             <p:cNvPr id="19" name="Gruppieren 18">
               <a:extLst>
                 <a:ext uri="{FF2B5EF4-FFF2-40B4-BE49-F238E27FC236}">
-                  <a16:creationId xmlns="" xmlns:a16="http://schemas.microsoft.com/office/drawing/2014/main" id="{02621200-51DD-6A4C-86C6-6B2A72D512E2}"/>
+                  <a16:creationId xmlns:a16="http://schemas.microsoft.com/office/drawing/2014/main" xmlns="" id="{02621200-51DD-6A4C-86C6-6B2A72D512E2}"/>
                 </a:ext>
               </a:extLst>
             </p:cNvPr>
@@ -11508,7 +11508,7 @@
               <p:cNvPr id="21" name="Rechteck 20">
                 <a:extLst>
                   <a:ext uri="{FF2B5EF4-FFF2-40B4-BE49-F238E27FC236}">
-                    <a16:creationId xmlns="" xmlns:a16="http://schemas.microsoft.com/office/drawing/2014/main" id="{ED0E09EA-1DC6-1249-841E-901E17F3D0B6}"/>
+                    <a16:creationId xmlns:a16="http://schemas.microsoft.com/office/drawing/2014/main" xmlns="" id="{ED0E09EA-1DC6-1249-841E-901E17F3D0B6}"/>
                   </a:ext>
                 </a:extLst>
               </p:cNvPr>
@@ -11588,7 +11588,7 @@
               <p:cNvPr id="22" name="Rechteck 21">
                 <a:extLst>
                   <a:ext uri="{FF2B5EF4-FFF2-40B4-BE49-F238E27FC236}">
-                    <a16:creationId xmlns="" xmlns:a16="http://schemas.microsoft.com/office/drawing/2014/main" id="{753356B5-7EB8-3F4A-96E1-8FF10B332D06}"/>
+                    <a16:creationId xmlns:a16="http://schemas.microsoft.com/office/drawing/2014/main" xmlns="" id="{753356B5-7EB8-3F4A-96E1-8FF10B332D06}"/>
                   </a:ext>
                 </a:extLst>
               </p:cNvPr>
@@ -11647,7 +11647,7 @@
             <p:cNvPr id="20" name="Rechteck 19">
               <a:extLst>
                 <a:ext uri="{FF2B5EF4-FFF2-40B4-BE49-F238E27FC236}">
-                  <a16:creationId xmlns="" xmlns:a16="http://schemas.microsoft.com/office/drawing/2014/main" id="{63DF4C62-579D-3249-9CFF-878DBD32F80A}"/>
+                  <a16:creationId xmlns:a16="http://schemas.microsoft.com/office/drawing/2014/main" xmlns="" id="{63DF4C62-579D-3249-9CFF-878DBD32F80A}"/>
                 </a:ext>
               </a:extLst>
             </p:cNvPr>
@@ -11707,7 +11707,7 @@
           <p:cNvPr id="23" name="Gruppieren 22">
             <a:extLst>
               <a:ext uri="{FF2B5EF4-FFF2-40B4-BE49-F238E27FC236}">
-                <a16:creationId xmlns="" xmlns:a16="http://schemas.microsoft.com/office/drawing/2014/main" id="{8E929239-873F-A040-A4FF-CF41E574A33B}"/>
+                <a16:creationId xmlns:a16="http://schemas.microsoft.com/office/drawing/2014/main" xmlns="" id="{8E929239-873F-A040-A4FF-CF41E574A33B}"/>
               </a:ext>
             </a:extLst>
           </p:cNvPr>
@@ -11727,7 +11727,7 @@
             <p:cNvPr id="24" name="Gruppieren 23">
               <a:extLst>
                 <a:ext uri="{FF2B5EF4-FFF2-40B4-BE49-F238E27FC236}">
-                  <a16:creationId xmlns="" xmlns:a16="http://schemas.microsoft.com/office/drawing/2014/main" id="{F47E6093-9AA6-8F4B-B80B-776943FCB73D}"/>
+                  <a16:creationId xmlns:a16="http://schemas.microsoft.com/office/drawing/2014/main" xmlns="" id="{F47E6093-9AA6-8F4B-B80B-776943FCB73D}"/>
                 </a:ext>
               </a:extLst>
             </p:cNvPr>
@@ -11747,7 +11747,7 @@
               <p:cNvPr id="26" name="Rechteck 25">
                 <a:extLst>
                   <a:ext uri="{FF2B5EF4-FFF2-40B4-BE49-F238E27FC236}">
-                    <a16:creationId xmlns="" xmlns:a16="http://schemas.microsoft.com/office/drawing/2014/main" id="{4059FEBC-2EFF-ED47-98FF-010C8401FADA}"/>
+                    <a16:creationId xmlns:a16="http://schemas.microsoft.com/office/drawing/2014/main" xmlns="" id="{4059FEBC-2EFF-ED47-98FF-010C8401FADA}"/>
                   </a:ext>
                 </a:extLst>
               </p:cNvPr>
@@ -11860,7 +11860,7 @@
               <p:cNvPr id="27" name="Rechteck 26">
                 <a:extLst>
                   <a:ext uri="{FF2B5EF4-FFF2-40B4-BE49-F238E27FC236}">
-                    <a16:creationId xmlns="" xmlns:a16="http://schemas.microsoft.com/office/drawing/2014/main" id="{A6C74FE9-D83D-2346-A400-58BA4229E830}"/>
+                    <a16:creationId xmlns:a16="http://schemas.microsoft.com/office/drawing/2014/main" xmlns="" id="{A6C74FE9-D83D-2346-A400-58BA4229E830}"/>
                   </a:ext>
                 </a:extLst>
               </p:cNvPr>
@@ -11919,7 +11919,7 @@
             <p:cNvPr id="25" name="Rechteck 24">
               <a:extLst>
                 <a:ext uri="{FF2B5EF4-FFF2-40B4-BE49-F238E27FC236}">
-                  <a16:creationId xmlns="" xmlns:a16="http://schemas.microsoft.com/office/drawing/2014/main" id="{1EDE063D-852E-324C-A77E-EFB1A1CCD783}"/>
+                  <a16:creationId xmlns:a16="http://schemas.microsoft.com/office/drawing/2014/main" xmlns="" id="{1EDE063D-852E-324C-A77E-EFB1A1CCD783}"/>
                 </a:ext>
               </a:extLst>
             </p:cNvPr>
@@ -11979,7 +11979,7 @@
           <p:cNvPr id="28" name="Gruppieren 27">
             <a:extLst>
               <a:ext uri="{FF2B5EF4-FFF2-40B4-BE49-F238E27FC236}">
-                <a16:creationId xmlns="" xmlns:a16="http://schemas.microsoft.com/office/drawing/2014/main" id="{076AA3C9-476D-4D45-B8BE-E0951E23CBCF}"/>
+                <a16:creationId xmlns:a16="http://schemas.microsoft.com/office/drawing/2014/main" xmlns="" id="{076AA3C9-476D-4D45-B8BE-E0951E23CBCF}"/>
               </a:ext>
             </a:extLst>
           </p:cNvPr>
@@ -11999,7 +11999,7 @@
             <p:cNvPr id="29" name="Gruppieren 28">
               <a:extLst>
                 <a:ext uri="{FF2B5EF4-FFF2-40B4-BE49-F238E27FC236}">
-                  <a16:creationId xmlns="" xmlns:a16="http://schemas.microsoft.com/office/drawing/2014/main" id="{B404C1CC-6DF7-B648-9CCB-5E2E9AFEB672}"/>
+                  <a16:creationId xmlns:a16="http://schemas.microsoft.com/office/drawing/2014/main" xmlns="" id="{B404C1CC-6DF7-B648-9CCB-5E2E9AFEB672}"/>
                 </a:ext>
               </a:extLst>
             </p:cNvPr>
@@ -12019,7 +12019,7 @@
               <p:cNvPr id="31" name="Rechteck 30">
                 <a:extLst>
                   <a:ext uri="{FF2B5EF4-FFF2-40B4-BE49-F238E27FC236}">
-                    <a16:creationId xmlns="" xmlns:a16="http://schemas.microsoft.com/office/drawing/2014/main" id="{4BDB37D7-D054-A942-8D6D-F9B2EF0F9FF6}"/>
+                    <a16:creationId xmlns:a16="http://schemas.microsoft.com/office/drawing/2014/main" xmlns="" id="{4BDB37D7-D054-A942-8D6D-F9B2EF0F9FF6}"/>
                   </a:ext>
                 </a:extLst>
               </p:cNvPr>
@@ -12074,7 +12074,7 @@
               <p:cNvPr id="32" name="Rechteck 31">
                 <a:extLst>
                   <a:ext uri="{FF2B5EF4-FFF2-40B4-BE49-F238E27FC236}">
-                    <a16:creationId xmlns="" xmlns:a16="http://schemas.microsoft.com/office/drawing/2014/main" id="{3A6CCD76-DF2E-A745-8BA8-2A2DA3CA1050}"/>
+                    <a16:creationId xmlns:a16="http://schemas.microsoft.com/office/drawing/2014/main" xmlns="" id="{3A6CCD76-DF2E-A745-8BA8-2A2DA3CA1050}"/>
                   </a:ext>
                 </a:extLst>
               </p:cNvPr>
@@ -12133,7 +12133,7 @@
             <p:cNvPr id="30" name="Rechteck 29">
               <a:extLst>
                 <a:ext uri="{FF2B5EF4-FFF2-40B4-BE49-F238E27FC236}">
-                  <a16:creationId xmlns="" xmlns:a16="http://schemas.microsoft.com/office/drawing/2014/main" id="{117072ED-37EF-E943-B866-F06DD4235CB3}"/>
+                  <a16:creationId xmlns:a16="http://schemas.microsoft.com/office/drawing/2014/main" xmlns="" id="{117072ED-37EF-E943-B866-F06DD4235CB3}"/>
                 </a:ext>
               </a:extLst>
             </p:cNvPr>
@@ -12294,7 +12294,7 @@
           <p:cNvPr id="2" name="Titel 1">
             <a:extLst>
               <a:ext uri="{FF2B5EF4-FFF2-40B4-BE49-F238E27FC236}">
-                <a16:creationId xmlns="" xmlns:a16="http://schemas.microsoft.com/office/drawing/2014/main" id="{565721FC-DA9D-7F4A-AC0A-E966CE252A2E}"/>
+                <a16:creationId xmlns:a16="http://schemas.microsoft.com/office/drawing/2014/main" xmlns="" id="{565721FC-DA9D-7F4A-AC0A-E966CE252A2E}"/>
               </a:ext>
             </a:extLst>
           </p:cNvPr>
@@ -12326,7 +12326,7 @@
           <p:cNvPr id="7" name="Grafik 6">
             <a:extLst>
               <a:ext uri="{FF2B5EF4-FFF2-40B4-BE49-F238E27FC236}">
-                <a16:creationId xmlns="" xmlns:a16="http://schemas.microsoft.com/office/drawing/2014/main" id="{496E9BA1-997F-8A42-8359-8118CAA4F8B8}"/>
+                <a16:creationId xmlns:a16="http://schemas.microsoft.com/office/drawing/2014/main" xmlns="" id="{496E9BA1-997F-8A42-8359-8118CAA4F8B8}"/>
               </a:ext>
             </a:extLst>
           </p:cNvPr>
@@ -12362,7 +12362,7 @@
           <p:cNvPr id="24" name="Oval 23">
             <a:extLst>
               <a:ext uri="{FF2B5EF4-FFF2-40B4-BE49-F238E27FC236}">
-                <a16:creationId xmlns="" xmlns:a16="http://schemas.microsoft.com/office/drawing/2014/main" id="{7BEF158B-37D7-804E-8706-2F4AC3084EAE}"/>
+                <a16:creationId xmlns:a16="http://schemas.microsoft.com/office/drawing/2014/main" xmlns="" id="{7BEF158B-37D7-804E-8706-2F4AC3084EAE}"/>
               </a:ext>
             </a:extLst>
           </p:cNvPr>
@@ -12414,7 +12414,7 @@
           <p:cNvPr id="25" name="Oval 24">
             <a:extLst>
               <a:ext uri="{FF2B5EF4-FFF2-40B4-BE49-F238E27FC236}">
-                <a16:creationId xmlns="" xmlns:a16="http://schemas.microsoft.com/office/drawing/2014/main" id="{507E0D37-7C93-BC4A-AD0C-ABE98E968974}"/>
+                <a16:creationId xmlns:a16="http://schemas.microsoft.com/office/drawing/2014/main" xmlns="" id="{507E0D37-7C93-BC4A-AD0C-ABE98E968974}"/>
               </a:ext>
             </a:extLst>
           </p:cNvPr>
@@ -12466,7 +12466,7 @@
           <p:cNvPr id="26" name="Oval 25">
             <a:extLst>
               <a:ext uri="{FF2B5EF4-FFF2-40B4-BE49-F238E27FC236}">
-                <a16:creationId xmlns="" xmlns:a16="http://schemas.microsoft.com/office/drawing/2014/main" id="{5149A216-9FF4-6B4B-8F2B-828C3DDFA3AF}"/>
+                <a16:creationId xmlns:a16="http://schemas.microsoft.com/office/drawing/2014/main" xmlns="" id="{5149A216-9FF4-6B4B-8F2B-828C3DDFA3AF}"/>
               </a:ext>
             </a:extLst>
           </p:cNvPr>
@@ -12520,7 +12520,7 @@
               <p14:cNvPr id="43" name="Freihand 42">
                 <a:extLst>
                   <a:ext uri="{FF2B5EF4-FFF2-40B4-BE49-F238E27FC236}">
-                    <a16:creationId xmlns="" xmlns:a16="http://schemas.microsoft.com/office/drawing/2014/main" id="{A0E82E8C-EC6D-9349-9BFA-4A3A2CDCC1E4}"/>
+                    <a16:creationId xmlns:a16="http://schemas.microsoft.com/office/drawing/2014/main" xmlns="" id="{A0E82E8C-EC6D-9349-9BFA-4A3A2CDCC1E4}"/>
                   </a:ext>
                 </a:extLst>
               </p14:cNvPr>
@@ -12571,7 +12571,7 @@
               <p14:cNvPr id="44" name="Freihand 43">
                 <a:extLst>
                   <a:ext uri="{FF2B5EF4-FFF2-40B4-BE49-F238E27FC236}">
-                    <a16:creationId xmlns="" xmlns:a16="http://schemas.microsoft.com/office/drawing/2014/main" id="{E50D5434-2140-FA4B-BC8C-7CE04AB8EE66}"/>
+                    <a16:creationId xmlns:a16="http://schemas.microsoft.com/office/drawing/2014/main" xmlns="" id="{E50D5434-2140-FA4B-BC8C-7CE04AB8EE66}"/>
                   </a:ext>
                 </a:extLst>
               </p14:cNvPr>
@@ -12622,7 +12622,7 @@
               <p14:cNvPr id="47" name="Freihand 46">
                 <a:extLst>
                   <a:ext uri="{FF2B5EF4-FFF2-40B4-BE49-F238E27FC236}">
-                    <a16:creationId xmlns="" xmlns:a16="http://schemas.microsoft.com/office/drawing/2014/main" id="{27A900A0-707B-0345-98E5-AFA26F328408}"/>
+                    <a16:creationId xmlns:a16="http://schemas.microsoft.com/office/drawing/2014/main" xmlns="" id="{27A900A0-707B-0345-98E5-AFA26F328408}"/>
                   </a:ext>
                 </a:extLst>
               </p14:cNvPr>
@@ -12671,7 +12671,7 @@
           <p:cNvPr id="49" name="Abgerundete rechteckige Legende 48">
             <a:extLst>
               <a:ext uri="{FF2B5EF4-FFF2-40B4-BE49-F238E27FC236}">
-                <a16:creationId xmlns="" xmlns:a16="http://schemas.microsoft.com/office/drawing/2014/main" id="{C3CD6BDE-7299-4D4A-B8A9-C380C4D21852}"/>
+                <a16:creationId xmlns:a16="http://schemas.microsoft.com/office/drawing/2014/main" xmlns="" id="{C3CD6BDE-7299-4D4A-B8A9-C380C4D21852}"/>
               </a:ext>
             </a:extLst>
           </p:cNvPr>
@@ -12741,7 +12741,7 @@
           <p:cNvPr id="50" name="Textfeld 49">
             <a:extLst>
               <a:ext uri="{FF2B5EF4-FFF2-40B4-BE49-F238E27FC236}">
-                <a16:creationId xmlns="" xmlns:a16="http://schemas.microsoft.com/office/drawing/2014/main" id="{74812B0A-9F6B-3B44-B974-C1947644856D}"/>
+                <a16:creationId xmlns:a16="http://schemas.microsoft.com/office/drawing/2014/main" xmlns="" id="{74812B0A-9F6B-3B44-B974-C1947644856D}"/>
               </a:ext>
             </a:extLst>
           </p:cNvPr>
@@ -12776,7 +12776,7 @@
           <p:cNvPr id="52" name="Wolkenförmige Legende 51">
             <a:extLst>
               <a:ext uri="{FF2B5EF4-FFF2-40B4-BE49-F238E27FC236}">
-                <a16:creationId xmlns="" xmlns:a16="http://schemas.microsoft.com/office/drawing/2014/main" id="{29DB6461-09BA-4847-ADB9-C5C694AA482B}"/>
+                <a16:creationId xmlns:a16="http://schemas.microsoft.com/office/drawing/2014/main" xmlns="" id="{29DB6461-09BA-4847-ADB9-C5C694AA482B}"/>
               </a:ext>
             </a:extLst>
           </p:cNvPr>
@@ -12830,7 +12830,7 @@
           <p:cNvPr id="53" name="Oval 52">
             <a:extLst>
               <a:ext uri="{FF2B5EF4-FFF2-40B4-BE49-F238E27FC236}">
-                <a16:creationId xmlns="" xmlns:a16="http://schemas.microsoft.com/office/drawing/2014/main" id="{A7F525C7-2BB3-7741-BE0A-A91605F6B414}"/>
+                <a16:creationId xmlns:a16="http://schemas.microsoft.com/office/drawing/2014/main" xmlns="" id="{A7F525C7-2BB3-7741-BE0A-A91605F6B414}"/>
               </a:ext>
             </a:extLst>
           </p:cNvPr>
@@ -12882,7 +12882,7 @@
           <p:cNvPr id="54" name="Oval 53">
             <a:extLst>
               <a:ext uri="{FF2B5EF4-FFF2-40B4-BE49-F238E27FC236}">
-                <a16:creationId xmlns="" xmlns:a16="http://schemas.microsoft.com/office/drawing/2014/main" id="{7A84F289-E89F-8342-8791-347A0E4F5BF9}"/>
+                <a16:creationId xmlns:a16="http://schemas.microsoft.com/office/drawing/2014/main" xmlns="" id="{7A84F289-E89F-8342-8791-347A0E4F5BF9}"/>
               </a:ext>
             </a:extLst>
           </p:cNvPr>
@@ -12934,7 +12934,7 @@
           <p:cNvPr id="55" name="Oval 54">
             <a:extLst>
               <a:ext uri="{FF2B5EF4-FFF2-40B4-BE49-F238E27FC236}">
-                <a16:creationId xmlns="" xmlns:a16="http://schemas.microsoft.com/office/drawing/2014/main" id="{A65E12B4-4201-2148-B5CA-CF3C353E009F}"/>
+                <a16:creationId xmlns:a16="http://schemas.microsoft.com/office/drawing/2014/main" xmlns="" id="{A65E12B4-4201-2148-B5CA-CF3C353E009F}"/>
               </a:ext>
             </a:extLst>
           </p:cNvPr>
@@ -12988,7 +12988,7 @@
               <p14:cNvPr id="56" name="Freihand 55">
                 <a:extLst>
                   <a:ext uri="{FF2B5EF4-FFF2-40B4-BE49-F238E27FC236}">
-                    <a16:creationId xmlns="" xmlns:a16="http://schemas.microsoft.com/office/drawing/2014/main" id="{5B3C06F8-598F-844F-A3A1-C175A796CC1F}"/>
+                    <a16:creationId xmlns:a16="http://schemas.microsoft.com/office/drawing/2014/main" xmlns="" id="{5B3C06F8-598F-844F-A3A1-C175A796CC1F}"/>
                   </a:ext>
                 </a:extLst>
               </p14:cNvPr>
@@ -13039,7 +13039,7 @@
               <p14:cNvPr id="60" name="Freihand 59">
                 <a:extLst>
                   <a:ext uri="{FF2B5EF4-FFF2-40B4-BE49-F238E27FC236}">
-                    <a16:creationId xmlns="" xmlns:a16="http://schemas.microsoft.com/office/drawing/2014/main" id="{082C1878-4FC7-A046-A15C-155DA5A4994F}"/>
+                    <a16:creationId xmlns:a16="http://schemas.microsoft.com/office/drawing/2014/main" xmlns="" id="{082C1878-4FC7-A046-A15C-155DA5A4994F}"/>
                   </a:ext>
                 </a:extLst>
               </p14:cNvPr>
@@ -13090,7 +13090,7 @@
               <p14:cNvPr id="61" name="Freihand 60">
                 <a:extLst>
                   <a:ext uri="{FF2B5EF4-FFF2-40B4-BE49-F238E27FC236}">
-                    <a16:creationId xmlns="" xmlns:a16="http://schemas.microsoft.com/office/drawing/2014/main" id="{4493D0F5-C439-AB47-A7AB-C5899EB6F429}"/>
+                    <a16:creationId xmlns:a16="http://schemas.microsoft.com/office/drawing/2014/main" xmlns="" id="{4493D0F5-C439-AB47-A7AB-C5899EB6F429}"/>
                   </a:ext>
                 </a:extLst>
               </p14:cNvPr>
@@ -13141,7 +13141,7 @@
               <p14:cNvPr id="62" name="Freihand 61">
                 <a:extLst>
                   <a:ext uri="{FF2B5EF4-FFF2-40B4-BE49-F238E27FC236}">
-                    <a16:creationId xmlns="" xmlns:a16="http://schemas.microsoft.com/office/drawing/2014/main" id="{748AF862-0F58-C846-9997-89FE1E796ACE}"/>
+                    <a16:creationId xmlns:a16="http://schemas.microsoft.com/office/drawing/2014/main" xmlns="" id="{748AF862-0F58-C846-9997-89FE1E796ACE}"/>
                   </a:ext>
                 </a:extLst>
               </p14:cNvPr>
@@ -13190,7 +13190,7 @@
           <p:cNvPr id="65" name="Textfeld 64">
             <a:extLst>
               <a:ext uri="{FF2B5EF4-FFF2-40B4-BE49-F238E27FC236}">
-                <a16:creationId xmlns="" xmlns:a16="http://schemas.microsoft.com/office/drawing/2014/main" id="{78AA0267-66A5-6246-A3BD-117F333C6256}"/>
+                <a16:creationId xmlns:a16="http://schemas.microsoft.com/office/drawing/2014/main" xmlns="" id="{78AA0267-66A5-6246-A3BD-117F333C6256}"/>
               </a:ext>
             </a:extLst>
           </p:cNvPr>
@@ -13233,7 +13233,7 @@
           <p:cNvPr id="23" name="Textfeld 22">
             <a:extLst>
               <a:ext uri="{FF2B5EF4-FFF2-40B4-BE49-F238E27FC236}">
-                <a16:creationId xmlns="" xmlns:a16="http://schemas.microsoft.com/office/drawing/2014/main" id="{74812B0A-9F6B-3B44-B974-C1947644856D}"/>
+                <a16:creationId xmlns:a16="http://schemas.microsoft.com/office/drawing/2014/main" xmlns="" id="{74812B0A-9F6B-3B44-B974-C1947644856D}"/>
               </a:ext>
             </a:extLst>
           </p:cNvPr>
@@ -13507,7 +13507,7 @@
           <p:cNvPr id="3" name="Untertitel 2">
             <a:extLst>
               <a:ext uri="{FF2B5EF4-FFF2-40B4-BE49-F238E27FC236}">
-                <a16:creationId xmlns="" xmlns:a16="http://schemas.microsoft.com/office/drawing/2014/main" id="{6AE9039D-A97A-1348-B85E-C1CBBAEACFD7}"/>
+                <a16:creationId xmlns:a16="http://schemas.microsoft.com/office/drawing/2014/main" xmlns="" id="{6AE9039D-A97A-1348-B85E-C1CBBAEACFD7}"/>
               </a:ext>
             </a:extLst>
           </p:cNvPr>
@@ -13555,7 +13555,7 @@
           <p:cNvPr id="2" name="Titel 1">
             <a:extLst>
               <a:ext uri="{FF2B5EF4-FFF2-40B4-BE49-F238E27FC236}">
-                <a16:creationId xmlns="" xmlns:a16="http://schemas.microsoft.com/office/drawing/2014/main" id="{306470B7-1C34-794F-AAAA-978C5A77B715}"/>
+                <a16:creationId xmlns:a16="http://schemas.microsoft.com/office/drawing/2014/main" xmlns="" id="{306470B7-1C34-794F-AAAA-978C5A77B715}"/>
               </a:ext>
             </a:extLst>
           </p:cNvPr>
@@ -13588,7 +13588,7 @@
           <p:cNvPr id="5" name="Grafik 4">
             <a:extLst>
               <a:ext uri="{FF2B5EF4-FFF2-40B4-BE49-F238E27FC236}">
-                <a16:creationId xmlns="" xmlns:a16="http://schemas.microsoft.com/office/drawing/2014/main" id="{8BFAE0AD-6B6F-7D46-B734-E35EC976BB2F}"/>
+                <a16:creationId xmlns:a16="http://schemas.microsoft.com/office/drawing/2014/main" xmlns="" id="{8BFAE0AD-6B6F-7D46-B734-E35EC976BB2F}"/>
               </a:ext>
             </a:extLst>
           </p:cNvPr>
@@ -13674,7 +13674,15 @@
           <a:p>
             <a:r>
               <a:rPr lang="de-DE" dirty="0"/>
-              <a:t>Handlungsziele aufzugeben ist die einfachste Methode ein Problem loszuwerden</a:t>
+              <a:t>Handlungsziele </a:t>
+            </a:r>
+            <a:r>
+              <a:rPr lang="de-DE" dirty="0" smtClean="0"/>
+              <a:t>aufzugeben </a:t>
+            </a:r>
+            <a:r>
+              <a:rPr lang="de-DE" dirty="0"/>
+              <a:t>ist die einfachste Methode ein Problem loszuwerden</a:t>
             </a:r>
           </a:p>
         </p:txBody>
@@ -13970,7 +13978,7 @@
           <p:cNvPr id="2" name="Titel 1">
             <a:extLst>
               <a:ext uri="{FF2B5EF4-FFF2-40B4-BE49-F238E27FC236}">
-                <a16:creationId xmlns="" xmlns:a16="http://schemas.microsoft.com/office/drawing/2014/main" id="{6D5AEAFE-EC04-F24C-A17A-158A347CC423}"/>
+                <a16:creationId xmlns:a16="http://schemas.microsoft.com/office/drawing/2014/main" xmlns="" id="{6D5AEAFE-EC04-F24C-A17A-158A347CC423}"/>
               </a:ext>
             </a:extLst>
           </p:cNvPr>
@@ -13998,7 +14006,7 @@
           <p:cNvPr id="9" name="Inhaltsplatzhalter 8">
             <a:extLst>
               <a:ext uri="{FF2B5EF4-FFF2-40B4-BE49-F238E27FC236}">
-                <a16:creationId xmlns="" xmlns:a16="http://schemas.microsoft.com/office/drawing/2014/main" id="{43E904B5-FC63-2245-8D6F-9995C0DEC09A}"/>
+                <a16:creationId xmlns:a16="http://schemas.microsoft.com/office/drawing/2014/main" xmlns="" id="{43E904B5-FC63-2245-8D6F-9995C0DEC09A}"/>
               </a:ext>
             </a:extLst>
           </p:cNvPr>
@@ -14063,7 +14071,7 @@
           <p:cNvPr id="2" name="Titel 1">
             <a:extLst>
               <a:ext uri="{FF2B5EF4-FFF2-40B4-BE49-F238E27FC236}">
-                <a16:creationId xmlns="" xmlns:a16="http://schemas.microsoft.com/office/drawing/2014/main" id="{DCFD5523-7851-A043-B6A9-AB16F57D85D1}"/>
+                <a16:creationId xmlns:a16="http://schemas.microsoft.com/office/drawing/2014/main" xmlns="" id="{DCFD5523-7851-A043-B6A9-AB16F57D85D1}"/>
               </a:ext>
             </a:extLst>
           </p:cNvPr>
@@ -14091,7 +14099,7 @@
           <p:cNvPr id="9" name="Inhaltsplatzhalter 8">
             <a:extLst>
               <a:ext uri="{FF2B5EF4-FFF2-40B4-BE49-F238E27FC236}">
-                <a16:creationId xmlns="" xmlns:a16="http://schemas.microsoft.com/office/drawing/2014/main" id="{4161DFCC-B7ED-104E-A55F-5805A7DFB48E}"/>
+                <a16:creationId xmlns:a16="http://schemas.microsoft.com/office/drawing/2014/main" xmlns="" id="{4161DFCC-B7ED-104E-A55F-5805A7DFB48E}"/>
               </a:ext>
             </a:extLst>
           </p:cNvPr>
@@ -14156,7 +14164,7 @@
           <p:cNvPr id="2" name="Titel 1">
             <a:extLst>
               <a:ext uri="{FF2B5EF4-FFF2-40B4-BE49-F238E27FC236}">
-                <a16:creationId xmlns="" xmlns:a16="http://schemas.microsoft.com/office/drawing/2014/main" id="{4408D667-F505-6949-BA79-5C28AA792F31}"/>
+                <a16:creationId xmlns:a16="http://schemas.microsoft.com/office/drawing/2014/main" xmlns="" id="{4408D667-F505-6949-BA79-5C28AA792F31}"/>
               </a:ext>
             </a:extLst>
           </p:cNvPr>
@@ -14184,7 +14192,7 @@
           <p:cNvPr id="9" name="Inhaltsplatzhalter 8">
             <a:extLst>
               <a:ext uri="{FF2B5EF4-FFF2-40B4-BE49-F238E27FC236}">
-                <a16:creationId xmlns="" xmlns:a16="http://schemas.microsoft.com/office/drawing/2014/main" id="{A5757A64-2FEB-194F-9D1D-E341434C0D34}"/>
+                <a16:creationId xmlns:a16="http://schemas.microsoft.com/office/drawing/2014/main" xmlns="" id="{A5757A64-2FEB-194F-9D1D-E341434C0D34}"/>
               </a:ext>
             </a:extLst>
           </p:cNvPr>
@@ -14249,7 +14257,7 @@
           <p:cNvPr id="2" name="Titel 1">
             <a:extLst>
               <a:ext uri="{FF2B5EF4-FFF2-40B4-BE49-F238E27FC236}">
-                <a16:creationId xmlns="" xmlns:a16="http://schemas.microsoft.com/office/drawing/2014/main" id="{D0623DED-DC16-7843-8D93-20186F3EC855}"/>
+                <a16:creationId xmlns:a16="http://schemas.microsoft.com/office/drawing/2014/main" xmlns="" id="{D0623DED-DC16-7843-8D93-20186F3EC855}"/>
               </a:ext>
             </a:extLst>
           </p:cNvPr>
@@ -14277,7 +14285,7 @@
           <p:cNvPr id="5" name="Inhaltsplatzhalter 4">
             <a:extLst>
               <a:ext uri="{FF2B5EF4-FFF2-40B4-BE49-F238E27FC236}">
-                <a16:creationId xmlns="" xmlns:a16="http://schemas.microsoft.com/office/drawing/2014/main" id="{3C05055E-ACB1-E04D-ABDF-725E50C20C83}"/>
+                <a16:creationId xmlns:a16="http://schemas.microsoft.com/office/drawing/2014/main" xmlns="" id="{3C05055E-ACB1-E04D-ABDF-725E50C20C83}"/>
               </a:ext>
             </a:extLst>
           </p:cNvPr>
@@ -14342,7 +14350,7 @@
           <p:cNvPr id="2" name="Titel 1">
             <a:extLst>
               <a:ext uri="{FF2B5EF4-FFF2-40B4-BE49-F238E27FC236}">
-                <a16:creationId xmlns="" xmlns:a16="http://schemas.microsoft.com/office/drawing/2014/main" id="{10587004-B7DF-5045-9C0B-0660C21B200E}"/>
+                <a16:creationId xmlns:a16="http://schemas.microsoft.com/office/drawing/2014/main" xmlns="" id="{10587004-B7DF-5045-9C0B-0660C21B200E}"/>
               </a:ext>
             </a:extLst>
           </p:cNvPr>
@@ -14370,7 +14378,7 @@
           <p:cNvPr id="9" name="Inhaltsplatzhalter 8">
             <a:extLst>
               <a:ext uri="{FF2B5EF4-FFF2-40B4-BE49-F238E27FC236}">
-                <a16:creationId xmlns="" xmlns:a16="http://schemas.microsoft.com/office/drawing/2014/main" id="{BA32FF54-8004-EC4C-B451-9DE95BCEFAC8}"/>
+                <a16:creationId xmlns:a16="http://schemas.microsoft.com/office/drawing/2014/main" xmlns="" id="{BA32FF54-8004-EC4C-B451-9DE95BCEFAC8}"/>
               </a:ext>
             </a:extLst>
           </p:cNvPr>
@@ -14435,7 +14443,7 @@
           <p:cNvPr id="2" name="Titel 1">
             <a:extLst>
               <a:ext uri="{FF2B5EF4-FFF2-40B4-BE49-F238E27FC236}">
-                <a16:creationId xmlns="" xmlns:a16="http://schemas.microsoft.com/office/drawing/2014/main" id="{9D53ED9D-320B-244E-B0A4-990B8FD6A869}"/>
+                <a16:creationId xmlns:a16="http://schemas.microsoft.com/office/drawing/2014/main" xmlns="" id="{9D53ED9D-320B-244E-B0A4-990B8FD6A869}"/>
               </a:ext>
             </a:extLst>
           </p:cNvPr>
@@ -14483,7 +14491,7 @@
           <p:cNvPr id="4" name="Gruppieren 3">
             <a:extLst>
               <a:ext uri="{FF2B5EF4-FFF2-40B4-BE49-F238E27FC236}">
-                <a16:creationId xmlns="" xmlns:a16="http://schemas.microsoft.com/office/drawing/2014/main" id="{783A73D2-C025-644E-A194-3438D291D352}"/>
+                <a16:creationId xmlns:a16="http://schemas.microsoft.com/office/drawing/2014/main" xmlns="" id="{783A73D2-C025-644E-A194-3438D291D352}"/>
               </a:ext>
             </a:extLst>
           </p:cNvPr>
@@ -14503,7 +14511,7 @@
             <p:cNvPr id="5" name="Rechteck 4">
               <a:extLst>
                 <a:ext uri="{FF2B5EF4-FFF2-40B4-BE49-F238E27FC236}">
-                  <a16:creationId xmlns="" xmlns:a16="http://schemas.microsoft.com/office/drawing/2014/main" id="{4F68B8E9-417E-0141-AE27-E298ED29929C}"/>
+                  <a16:creationId xmlns:a16="http://schemas.microsoft.com/office/drawing/2014/main" xmlns="" id="{4F68B8E9-417E-0141-AE27-E298ED29929C}"/>
                 </a:ext>
               </a:extLst>
             </p:cNvPr>
@@ -14587,7 +14595,7 @@
             <p:cNvPr id="6" name="Rechteck 5">
               <a:extLst>
                 <a:ext uri="{FF2B5EF4-FFF2-40B4-BE49-F238E27FC236}">
-                  <a16:creationId xmlns="" xmlns:a16="http://schemas.microsoft.com/office/drawing/2014/main" id="{B2717A64-B61E-B44C-B23D-CB509FB519CA}"/>
+                  <a16:creationId xmlns:a16="http://schemas.microsoft.com/office/drawing/2014/main" xmlns="" id="{B2717A64-B61E-B44C-B23D-CB509FB519CA}"/>
                 </a:ext>
               </a:extLst>
             </p:cNvPr>
@@ -14646,7 +14654,7 @@
           <p:cNvPr id="7" name="Gruppieren 6">
             <a:extLst>
               <a:ext uri="{FF2B5EF4-FFF2-40B4-BE49-F238E27FC236}">
-                <a16:creationId xmlns="" xmlns:a16="http://schemas.microsoft.com/office/drawing/2014/main" id="{783A73D2-C025-644E-A194-3438D291D352}"/>
+                <a16:creationId xmlns:a16="http://schemas.microsoft.com/office/drawing/2014/main" xmlns="" id="{783A73D2-C025-644E-A194-3438D291D352}"/>
               </a:ext>
             </a:extLst>
           </p:cNvPr>
@@ -14666,7 +14674,7 @@
             <p:cNvPr id="8" name="Rechteck 7">
               <a:extLst>
                 <a:ext uri="{FF2B5EF4-FFF2-40B4-BE49-F238E27FC236}">
-                  <a16:creationId xmlns="" xmlns:a16="http://schemas.microsoft.com/office/drawing/2014/main" id="{4F68B8E9-417E-0141-AE27-E298ED29929C}"/>
+                  <a16:creationId xmlns:a16="http://schemas.microsoft.com/office/drawing/2014/main" xmlns="" id="{4F68B8E9-417E-0141-AE27-E298ED29929C}"/>
                 </a:ext>
               </a:extLst>
             </p:cNvPr>
@@ -14775,7 +14783,7 @@
             <p:cNvPr id="9" name="Rechteck 8">
               <a:extLst>
                 <a:ext uri="{FF2B5EF4-FFF2-40B4-BE49-F238E27FC236}">
-                  <a16:creationId xmlns="" xmlns:a16="http://schemas.microsoft.com/office/drawing/2014/main" id="{B2717A64-B61E-B44C-B23D-CB509FB519CA}"/>
+                  <a16:creationId xmlns:a16="http://schemas.microsoft.com/office/drawing/2014/main" xmlns="" id="{B2717A64-B61E-B44C-B23D-CB509FB519CA}"/>
                 </a:ext>
               </a:extLst>
             </p:cNvPr>
@@ -14864,7 +14872,7 @@
           <p:cNvPr id="2" name="Titel 1">
             <a:extLst>
               <a:ext uri="{FF2B5EF4-FFF2-40B4-BE49-F238E27FC236}">
-                <a16:creationId xmlns="" xmlns:a16="http://schemas.microsoft.com/office/drawing/2014/main" id="{3358FD0C-BC9C-224A-97DC-50E85919ED2D}"/>
+                <a16:creationId xmlns:a16="http://schemas.microsoft.com/office/drawing/2014/main" xmlns="" id="{3358FD0C-BC9C-224A-97DC-50E85919ED2D}"/>
               </a:ext>
             </a:extLst>
           </p:cNvPr>
@@ -14897,7 +14905,7 @@
           <p:cNvPr id="5" name="Inhaltsplatzhalter 4">
             <a:extLst>
               <a:ext uri="{FF2B5EF4-FFF2-40B4-BE49-F238E27FC236}">
-                <a16:creationId xmlns="" xmlns:a16="http://schemas.microsoft.com/office/drawing/2014/main" id="{90D70A80-F13E-4148-9767-D676A4697649}"/>
+                <a16:creationId xmlns:a16="http://schemas.microsoft.com/office/drawing/2014/main" xmlns="" id="{90D70A80-F13E-4148-9767-D676A4697649}"/>
               </a:ext>
             </a:extLst>
           </p:cNvPr>
@@ -14962,7 +14970,7 @@
           <p:cNvPr id="2" name="Titel 1">
             <a:extLst>
               <a:ext uri="{FF2B5EF4-FFF2-40B4-BE49-F238E27FC236}">
-                <a16:creationId xmlns="" xmlns:a16="http://schemas.microsoft.com/office/drawing/2014/main" id="{72C746DA-5BDE-0D47-83E3-DB7A3A00BFD0}"/>
+                <a16:creationId xmlns:a16="http://schemas.microsoft.com/office/drawing/2014/main" xmlns="" id="{72C746DA-5BDE-0D47-83E3-DB7A3A00BFD0}"/>
               </a:ext>
             </a:extLst>
           </p:cNvPr>
@@ -14995,7 +15003,7 @@
           <p:cNvPr id="5" name="Inhaltsplatzhalter 4">
             <a:extLst>
               <a:ext uri="{FF2B5EF4-FFF2-40B4-BE49-F238E27FC236}">
-                <a16:creationId xmlns="" xmlns:a16="http://schemas.microsoft.com/office/drawing/2014/main" id="{EDCE88AD-E358-BB42-8E08-A95860B38BC9}"/>
+                <a16:creationId xmlns:a16="http://schemas.microsoft.com/office/drawing/2014/main" xmlns="" id="{EDCE88AD-E358-BB42-8E08-A95860B38BC9}"/>
               </a:ext>
             </a:extLst>
           </p:cNvPr>
@@ -17227,7 +17235,7 @@
           <p:cNvPr id="2" name="Titel 1">
             <a:extLst>
               <a:ext uri="{FF2B5EF4-FFF2-40B4-BE49-F238E27FC236}">
-                <a16:creationId xmlns="" xmlns:a16="http://schemas.microsoft.com/office/drawing/2014/main" id="{061E505A-8173-1347-AE02-C6C2BDD420BB}"/>
+                <a16:creationId xmlns:a16="http://schemas.microsoft.com/office/drawing/2014/main" xmlns="" id="{061E505A-8173-1347-AE02-C6C2BDD420BB}"/>
               </a:ext>
             </a:extLst>
           </p:cNvPr>
@@ -17255,7 +17263,7 @@
           <p:cNvPr id="6" name="Rechteck 5">
             <a:extLst>
               <a:ext uri="{FF2B5EF4-FFF2-40B4-BE49-F238E27FC236}">
-                <a16:creationId xmlns="" xmlns:a16="http://schemas.microsoft.com/office/drawing/2014/main" id="{4F68B8E9-417E-0141-AE27-E298ED29929C}"/>
+                <a16:creationId xmlns:a16="http://schemas.microsoft.com/office/drawing/2014/main" xmlns="" id="{4F68B8E9-417E-0141-AE27-E298ED29929C}"/>
               </a:ext>
             </a:extLst>
           </p:cNvPr>
@@ -17313,7 +17321,7 @@
           <p:cNvPr id="7" name="Rechteck 6">
             <a:extLst>
               <a:ext uri="{FF2B5EF4-FFF2-40B4-BE49-F238E27FC236}">
-                <a16:creationId xmlns="" xmlns:a16="http://schemas.microsoft.com/office/drawing/2014/main" id="{4F68B8E9-417E-0141-AE27-E298ED29929C}"/>
+                <a16:creationId xmlns:a16="http://schemas.microsoft.com/office/drawing/2014/main" xmlns="" id="{4F68B8E9-417E-0141-AE27-E298ED29929C}"/>
               </a:ext>
             </a:extLst>
           </p:cNvPr>
@@ -17371,7 +17379,7 @@
           <p:cNvPr id="8" name="Rechteck 7">
             <a:extLst>
               <a:ext uri="{FF2B5EF4-FFF2-40B4-BE49-F238E27FC236}">
-                <a16:creationId xmlns="" xmlns:a16="http://schemas.microsoft.com/office/drawing/2014/main" id="{4F68B8E9-417E-0141-AE27-E298ED29929C}"/>
+                <a16:creationId xmlns:a16="http://schemas.microsoft.com/office/drawing/2014/main" xmlns="" id="{4F68B8E9-417E-0141-AE27-E298ED29929C}"/>
               </a:ext>
             </a:extLst>
           </p:cNvPr>
@@ -17429,7 +17437,7 @@
           <p:cNvPr id="9" name="Rechteck 8">
             <a:extLst>
               <a:ext uri="{FF2B5EF4-FFF2-40B4-BE49-F238E27FC236}">
-                <a16:creationId xmlns="" xmlns:a16="http://schemas.microsoft.com/office/drawing/2014/main" id="{4F68B8E9-417E-0141-AE27-E298ED29929C}"/>
+                <a16:creationId xmlns:a16="http://schemas.microsoft.com/office/drawing/2014/main" xmlns="" id="{4F68B8E9-417E-0141-AE27-E298ED29929C}"/>
               </a:ext>
             </a:extLst>
           </p:cNvPr>
@@ -17487,7 +17495,7 @@
           <p:cNvPr id="10" name="Rechteck 9">
             <a:extLst>
               <a:ext uri="{FF2B5EF4-FFF2-40B4-BE49-F238E27FC236}">
-                <a16:creationId xmlns="" xmlns:a16="http://schemas.microsoft.com/office/drawing/2014/main" id="{4F68B8E9-417E-0141-AE27-E298ED29929C}"/>
+                <a16:creationId xmlns:a16="http://schemas.microsoft.com/office/drawing/2014/main" xmlns="" id="{4F68B8E9-417E-0141-AE27-E298ED29929C}"/>
               </a:ext>
             </a:extLst>
           </p:cNvPr>
@@ -17713,7 +17721,7 @@
           <p:cNvPr id="17" name="Oval 52">
             <a:extLst>
               <a:ext uri="{FF2B5EF4-FFF2-40B4-BE49-F238E27FC236}">
-                <a16:creationId xmlns="" xmlns:a16="http://schemas.microsoft.com/office/drawing/2014/main" id="{A7F525C7-2BB3-7741-BE0A-A91605F6B414}"/>
+                <a16:creationId xmlns:a16="http://schemas.microsoft.com/office/drawing/2014/main" xmlns="" id="{A7F525C7-2BB3-7741-BE0A-A91605F6B414}"/>
               </a:ext>
             </a:extLst>
           </p:cNvPr>
@@ -17765,7 +17773,7 @@
           <p:cNvPr id="22" name="Oval 54">
             <a:extLst>
               <a:ext uri="{FF2B5EF4-FFF2-40B4-BE49-F238E27FC236}">
-                <a16:creationId xmlns="" xmlns:a16="http://schemas.microsoft.com/office/drawing/2014/main" id="{A65E12B4-4201-2148-B5CA-CF3C353E009F}"/>
+                <a16:creationId xmlns:a16="http://schemas.microsoft.com/office/drawing/2014/main" xmlns="" id="{A65E12B4-4201-2148-B5CA-CF3C353E009F}"/>
               </a:ext>
             </a:extLst>
           </p:cNvPr>
@@ -17819,7 +17827,7 @@
               <p14:cNvPr id="23" name="Freihand 22">
                 <a:extLst>
                   <a:ext uri="{FF2B5EF4-FFF2-40B4-BE49-F238E27FC236}">
-                    <a16:creationId xmlns="" xmlns:a16="http://schemas.microsoft.com/office/drawing/2014/main" id="{5B3C06F8-598F-844F-A3A1-C175A796CC1F}"/>
+                    <a16:creationId xmlns:a16="http://schemas.microsoft.com/office/drawing/2014/main" xmlns="" id="{5B3C06F8-598F-844F-A3A1-C175A796CC1F}"/>
                   </a:ext>
                 </a:extLst>
               </p14:cNvPr>
@@ -17870,7 +17878,7 @@
               <p14:cNvPr id="24" name="Freihand 23">
                 <a:extLst>
                   <a:ext uri="{FF2B5EF4-FFF2-40B4-BE49-F238E27FC236}">
-                    <a16:creationId xmlns="" xmlns:a16="http://schemas.microsoft.com/office/drawing/2014/main" id="{082C1878-4FC7-A046-A15C-155DA5A4994F}"/>
+                    <a16:creationId xmlns:a16="http://schemas.microsoft.com/office/drawing/2014/main" xmlns="" id="{082C1878-4FC7-A046-A15C-155DA5A4994F}"/>
                   </a:ext>
                 </a:extLst>
               </p14:cNvPr>
@@ -17921,7 +17929,7 @@
               <p14:cNvPr id="25" name="Freihand 24">
                 <a:extLst>
                   <a:ext uri="{FF2B5EF4-FFF2-40B4-BE49-F238E27FC236}">
-                    <a16:creationId xmlns="" xmlns:a16="http://schemas.microsoft.com/office/drawing/2014/main" id="{4493D0F5-C439-AB47-A7AB-C5899EB6F429}"/>
+                    <a16:creationId xmlns:a16="http://schemas.microsoft.com/office/drawing/2014/main" xmlns="" id="{4493D0F5-C439-AB47-A7AB-C5899EB6F429}"/>
                   </a:ext>
                 </a:extLst>
               </p14:cNvPr>
@@ -17972,7 +17980,7 @@
               <p14:cNvPr id="26" name="Freihand 25">
                 <a:extLst>
                   <a:ext uri="{FF2B5EF4-FFF2-40B4-BE49-F238E27FC236}">
-                    <a16:creationId xmlns="" xmlns:a16="http://schemas.microsoft.com/office/drawing/2014/main" id="{748AF862-0F58-C846-9997-89FE1E796ACE}"/>
+                    <a16:creationId xmlns:a16="http://schemas.microsoft.com/office/drawing/2014/main" xmlns="" id="{748AF862-0F58-C846-9997-89FE1E796ACE}"/>
                   </a:ext>
                 </a:extLst>
               </p14:cNvPr>
@@ -18021,7 +18029,7 @@
           <p:cNvPr id="27" name="Textfeld 26">
             <a:extLst>
               <a:ext uri="{FF2B5EF4-FFF2-40B4-BE49-F238E27FC236}">
-                <a16:creationId xmlns="" xmlns:a16="http://schemas.microsoft.com/office/drawing/2014/main" id="{78AA0267-66A5-6246-A3BD-117F333C6256}"/>
+                <a16:creationId xmlns:a16="http://schemas.microsoft.com/office/drawing/2014/main" xmlns="" id="{78AA0267-66A5-6246-A3BD-117F333C6256}"/>
               </a:ext>
             </a:extLst>
           </p:cNvPr>
@@ -18064,7 +18072,7 @@
           <p:cNvPr id="28" name="Oval 53">
             <a:extLst>
               <a:ext uri="{FF2B5EF4-FFF2-40B4-BE49-F238E27FC236}">
-                <a16:creationId xmlns="" xmlns:a16="http://schemas.microsoft.com/office/drawing/2014/main" id="{7A84F289-E89F-8342-8791-347A0E4F5BF9}"/>
+                <a16:creationId xmlns:a16="http://schemas.microsoft.com/office/drawing/2014/main" xmlns="" id="{7A84F289-E89F-8342-8791-347A0E4F5BF9}"/>
               </a:ext>
             </a:extLst>
           </p:cNvPr>
@@ -18176,7 +18184,7 @@
           <p:cNvPr id="29" name="Gruppieren 28">
             <a:extLst>
               <a:ext uri="{FF2B5EF4-FFF2-40B4-BE49-F238E27FC236}">
-                <a16:creationId xmlns="" xmlns:a16="http://schemas.microsoft.com/office/drawing/2014/main" id="{A77C338F-8650-384E-BB9C-FC6D06C49338}"/>
+                <a16:creationId xmlns:a16="http://schemas.microsoft.com/office/drawing/2014/main" xmlns="" id="{A77C338F-8650-384E-BB9C-FC6D06C49338}"/>
               </a:ext>
             </a:extLst>
           </p:cNvPr>
@@ -18196,7 +18204,7 @@
             <p:cNvPr id="30" name="Grafik 29">
               <a:extLst>
                 <a:ext uri="{FF2B5EF4-FFF2-40B4-BE49-F238E27FC236}">
-                  <a16:creationId xmlns="" xmlns:a16="http://schemas.microsoft.com/office/drawing/2014/main" id="{EEDB8AC1-EF26-5F44-857F-1DB38F280D1D}"/>
+                  <a16:creationId xmlns:a16="http://schemas.microsoft.com/office/drawing/2014/main" xmlns="" id="{EEDB8AC1-EF26-5F44-857F-1DB38F280D1D}"/>
                 </a:ext>
               </a:extLst>
             </p:cNvPr>
@@ -18232,7 +18240,7 @@
             <p:cNvPr id="31" name="Inhaltsplatzhalter 3">
               <a:extLst>
                 <a:ext uri="{FF2B5EF4-FFF2-40B4-BE49-F238E27FC236}">
-                  <a16:creationId xmlns="" xmlns:a16="http://schemas.microsoft.com/office/drawing/2014/main" id="{14BB9544-174D-9A43-B0BF-1A3507EFFEFE}"/>
+                  <a16:creationId xmlns:a16="http://schemas.microsoft.com/office/drawing/2014/main" xmlns="" id="{14BB9544-174D-9A43-B0BF-1A3507EFFEFE}"/>
                 </a:ext>
               </a:extLst>
             </p:cNvPr>
@@ -18272,7 +18280,7 @@
           <p:cNvPr id="32" name="Oval 52">
             <a:extLst>
               <a:ext uri="{FF2B5EF4-FFF2-40B4-BE49-F238E27FC236}">
-                <a16:creationId xmlns="" xmlns:a16="http://schemas.microsoft.com/office/drawing/2014/main" id="{ED3A9451-5C13-454B-ACB8-D489D0C7D4AB}"/>
+                <a16:creationId xmlns:a16="http://schemas.microsoft.com/office/drawing/2014/main" xmlns="" id="{ED3A9451-5C13-454B-ACB8-D489D0C7D4AB}"/>
               </a:ext>
             </a:extLst>
           </p:cNvPr>
@@ -18324,7 +18332,7 @@
           <p:cNvPr id="33" name="Oval 53">
             <a:extLst>
               <a:ext uri="{FF2B5EF4-FFF2-40B4-BE49-F238E27FC236}">
-                <a16:creationId xmlns="" xmlns:a16="http://schemas.microsoft.com/office/drawing/2014/main" id="{EDFE795A-2C1F-CD4C-AA8A-86578AF55D7B}"/>
+                <a16:creationId xmlns:a16="http://schemas.microsoft.com/office/drawing/2014/main" xmlns="" id="{EDFE795A-2C1F-CD4C-AA8A-86578AF55D7B}"/>
               </a:ext>
             </a:extLst>
           </p:cNvPr>
@@ -18376,7 +18384,7 @@
           <p:cNvPr id="34" name="Oval 54">
             <a:extLst>
               <a:ext uri="{FF2B5EF4-FFF2-40B4-BE49-F238E27FC236}">
-                <a16:creationId xmlns="" xmlns:a16="http://schemas.microsoft.com/office/drawing/2014/main" id="{A555FAF6-FE8E-544C-A0F3-A5D90DFF709F}"/>
+                <a16:creationId xmlns:a16="http://schemas.microsoft.com/office/drawing/2014/main" xmlns="" id="{A555FAF6-FE8E-544C-A0F3-A5D90DFF709F}"/>
               </a:ext>
             </a:extLst>
           </p:cNvPr>
@@ -18430,7 +18438,7 @@
               <p14:cNvPr id="35" name="Freihand 34">
                 <a:extLst>
                   <a:ext uri="{FF2B5EF4-FFF2-40B4-BE49-F238E27FC236}">
-                    <a16:creationId xmlns="" xmlns:a16="http://schemas.microsoft.com/office/drawing/2014/main" id="{E8A7C5B7-ECD5-6444-BB47-47F48498A6A9}"/>
+                    <a16:creationId xmlns:a16="http://schemas.microsoft.com/office/drawing/2014/main" xmlns="" id="{E8A7C5B7-ECD5-6444-BB47-47F48498A6A9}"/>
                   </a:ext>
                 </a:extLst>
               </p14:cNvPr>
@@ -18481,7 +18489,7 @@
               <p14:cNvPr id="36" name="Freihand 35">
                 <a:extLst>
                   <a:ext uri="{FF2B5EF4-FFF2-40B4-BE49-F238E27FC236}">
-                    <a16:creationId xmlns="" xmlns:a16="http://schemas.microsoft.com/office/drawing/2014/main" id="{DDBDCF4E-2B8E-4845-A970-DB0F0B101601}"/>
+                    <a16:creationId xmlns:a16="http://schemas.microsoft.com/office/drawing/2014/main" xmlns="" id="{DDBDCF4E-2B8E-4845-A970-DB0F0B101601}"/>
                   </a:ext>
                 </a:extLst>
               </p14:cNvPr>
@@ -18532,7 +18540,7 @@
               <p14:cNvPr id="37" name="Freihand 36">
                 <a:extLst>
                   <a:ext uri="{FF2B5EF4-FFF2-40B4-BE49-F238E27FC236}">
-                    <a16:creationId xmlns="" xmlns:a16="http://schemas.microsoft.com/office/drawing/2014/main" id="{FDC75389-863D-B742-ADD7-B935EC321F07}"/>
+                    <a16:creationId xmlns:a16="http://schemas.microsoft.com/office/drawing/2014/main" xmlns="" id="{FDC75389-863D-B742-ADD7-B935EC321F07}"/>
                   </a:ext>
                 </a:extLst>
               </p14:cNvPr>
@@ -18583,7 +18591,7 @@
               <p14:cNvPr id="38" name="Freihand 37">
                 <a:extLst>
                   <a:ext uri="{FF2B5EF4-FFF2-40B4-BE49-F238E27FC236}">
-                    <a16:creationId xmlns="" xmlns:a16="http://schemas.microsoft.com/office/drawing/2014/main" id="{745650F8-7DA7-1240-9238-964CFE8A524F}"/>
+                    <a16:creationId xmlns:a16="http://schemas.microsoft.com/office/drawing/2014/main" xmlns="" id="{745650F8-7DA7-1240-9238-964CFE8A524F}"/>
                   </a:ext>
                 </a:extLst>
               </p14:cNvPr>
@@ -18632,7 +18640,7 @@
           <p:cNvPr id="39" name="Grafik 38">
             <a:extLst>
               <a:ext uri="{FF2B5EF4-FFF2-40B4-BE49-F238E27FC236}">
-                <a16:creationId xmlns="" xmlns:a16="http://schemas.microsoft.com/office/drawing/2014/main" id="{146231C7-ACB6-1141-A8C0-780B2A8504FF}"/>
+                <a16:creationId xmlns:a16="http://schemas.microsoft.com/office/drawing/2014/main" xmlns="" id="{146231C7-ACB6-1141-A8C0-780B2A8504FF}"/>
               </a:ext>
             </a:extLst>
           </p:cNvPr>
@@ -18714,7 +18722,7 @@
           <p:cNvPr id="9" name="Gruppieren 8">
             <a:extLst>
               <a:ext uri="{FF2B5EF4-FFF2-40B4-BE49-F238E27FC236}">
-                <a16:creationId xmlns="" xmlns:a16="http://schemas.microsoft.com/office/drawing/2014/main" id="{783A73D2-C025-644E-A194-3438D291D352}"/>
+                <a16:creationId xmlns:a16="http://schemas.microsoft.com/office/drawing/2014/main" xmlns="" id="{783A73D2-C025-644E-A194-3438D291D352}"/>
               </a:ext>
             </a:extLst>
           </p:cNvPr>
@@ -18734,7 +18742,7 @@
             <p:cNvPr id="10" name="Rechteck 9">
               <a:extLst>
                 <a:ext uri="{FF2B5EF4-FFF2-40B4-BE49-F238E27FC236}">
-                  <a16:creationId xmlns="" xmlns:a16="http://schemas.microsoft.com/office/drawing/2014/main" id="{4F68B8E9-417E-0141-AE27-E298ED29929C}"/>
+                  <a16:creationId xmlns:a16="http://schemas.microsoft.com/office/drawing/2014/main" xmlns="" id="{4F68B8E9-417E-0141-AE27-E298ED29929C}"/>
                 </a:ext>
               </a:extLst>
             </p:cNvPr>
@@ -18869,7 +18877,7 @@
             <p:cNvPr id="11" name="Rechteck 10">
               <a:extLst>
                 <a:ext uri="{FF2B5EF4-FFF2-40B4-BE49-F238E27FC236}">
-                  <a16:creationId xmlns="" xmlns:a16="http://schemas.microsoft.com/office/drawing/2014/main" id="{B2717A64-B61E-B44C-B23D-CB509FB519CA}"/>
+                  <a16:creationId xmlns:a16="http://schemas.microsoft.com/office/drawing/2014/main" xmlns="" id="{B2717A64-B61E-B44C-B23D-CB509FB519CA}"/>
                 </a:ext>
               </a:extLst>
             </p:cNvPr>
@@ -18928,7 +18936,7 @@
           <p:cNvPr id="12" name="Gruppieren 11">
             <a:extLst>
               <a:ext uri="{FF2B5EF4-FFF2-40B4-BE49-F238E27FC236}">
-                <a16:creationId xmlns="" xmlns:a16="http://schemas.microsoft.com/office/drawing/2014/main" id="{783A73D2-C025-644E-A194-3438D291D352}"/>
+                <a16:creationId xmlns:a16="http://schemas.microsoft.com/office/drawing/2014/main" xmlns="" id="{783A73D2-C025-644E-A194-3438D291D352}"/>
               </a:ext>
             </a:extLst>
           </p:cNvPr>
@@ -18948,7 +18956,7 @@
             <p:cNvPr id="13" name="Rechteck 12">
               <a:extLst>
                 <a:ext uri="{FF2B5EF4-FFF2-40B4-BE49-F238E27FC236}">
-                  <a16:creationId xmlns="" xmlns:a16="http://schemas.microsoft.com/office/drawing/2014/main" id="{4F68B8E9-417E-0141-AE27-E298ED29929C}"/>
+                  <a16:creationId xmlns:a16="http://schemas.microsoft.com/office/drawing/2014/main" xmlns="" id="{4F68B8E9-417E-0141-AE27-E298ED29929C}"/>
                 </a:ext>
               </a:extLst>
             </p:cNvPr>
@@ -19091,7 +19099,7 @@
             <p:cNvPr id="14" name="Rechteck 13">
               <a:extLst>
                 <a:ext uri="{FF2B5EF4-FFF2-40B4-BE49-F238E27FC236}">
-                  <a16:creationId xmlns="" xmlns:a16="http://schemas.microsoft.com/office/drawing/2014/main" id="{B2717A64-B61E-B44C-B23D-CB509FB519CA}"/>
+                  <a16:creationId xmlns:a16="http://schemas.microsoft.com/office/drawing/2014/main" xmlns="" id="{B2717A64-B61E-B44C-B23D-CB509FB519CA}"/>
                 </a:ext>
               </a:extLst>
             </p:cNvPr>
@@ -19217,7 +19225,7 @@
             <p:cNvPr id="15" name="Rechteck 14">
               <a:extLst>
                 <a:ext uri="{FF2B5EF4-FFF2-40B4-BE49-F238E27FC236}">
-                  <a16:creationId xmlns="" xmlns:a16="http://schemas.microsoft.com/office/drawing/2014/main" id="{4F68B8E9-417E-0141-AE27-E298ED29929C}"/>
+                  <a16:creationId xmlns:a16="http://schemas.microsoft.com/office/drawing/2014/main" xmlns="" id="{4F68B8E9-417E-0141-AE27-E298ED29929C}"/>
                 </a:ext>
               </a:extLst>
             </p:cNvPr>
@@ -19362,7 +19370,7 @@
             <p:cNvPr id="17" name="Rechteck 16">
               <a:extLst>
                 <a:ext uri="{FF2B5EF4-FFF2-40B4-BE49-F238E27FC236}">
-                  <a16:creationId xmlns="" xmlns:a16="http://schemas.microsoft.com/office/drawing/2014/main" id="{4F68B8E9-417E-0141-AE27-E298ED29929C}"/>
+                  <a16:creationId xmlns:a16="http://schemas.microsoft.com/office/drawing/2014/main" xmlns="" id="{4F68B8E9-417E-0141-AE27-E298ED29929C}"/>
                 </a:ext>
               </a:extLst>
             </p:cNvPr>
@@ -19502,7 +19510,7 @@
             <p:cNvPr id="19" name="Rechteck 18">
               <a:extLst>
                 <a:ext uri="{FF2B5EF4-FFF2-40B4-BE49-F238E27FC236}">
-                  <a16:creationId xmlns="" xmlns:a16="http://schemas.microsoft.com/office/drawing/2014/main" id="{4F68B8E9-417E-0141-AE27-E298ED29929C}"/>
+                  <a16:creationId xmlns:a16="http://schemas.microsoft.com/office/drawing/2014/main" xmlns="" id="{4F68B8E9-417E-0141-AE27-E298ED29929C}"/>
                 </a:ext>
               </a:extLst>
             </p:cNvPr>
@@ -19627,7 +19635,7 @@
             <p:cNvPr id="24" name="Rechteck 23">
               <a:extLst>
                 <a:ext uri="{FF2B5EF4-FFF2-40B4-BE49-F238E27FC236}">
-                  <a16:creationId xmlns="" xmlns:a16="http://schemas.microsoft.com/office/drawing/2014/main" id="{4F68B8E9-417E-0141-AE27-E298ED29929C}"/>
+                  <a16:creationId xmlns:a16="http://schemas.microsoft.com/office/drawing/2014/main" xmlns="" id="{4F68B8E9-417E-0141-AE27-E298ED29929C}"/>
                 </a:ext>
               </a:extLst>
             </p:cNvPr>
@@ -19752,7 +19760,7 @@
             <p:cNvPr id="27" name="Rechteck 26">
               <a:extLst>
                 <a:ext uri="{FF2B5EF4-FFF2-40B4-BE49-F238E27FC236}">
-                  <a16:creationId xmlns="" xmlns:a16="http://schemas.microsoft.com/office/drawing/2014/main" id="{4F68B8E9-417E-0141-AE27-E298ED29929C}"/>
+                  <a16:creationId xmlns:a16="http://schemas.microsoft.com/office/drawing/2014/main" xmlns="" id="{4F68B8E9-417E-0141-AE27-E298ED29929C}"/>
                 </a:ext>
               </a:extLst>
             </p:cNvPr>
@@ -20062,7 +20070,7 @@
           <p:cNvPr id="44" name="Rechteck 43">
             <a:extLst>
               <a:ext uri="{FF2B5EF4-FFF2-40B4-BE49-F238E27FC236}">
-                <a16:creationId xmlns="" xmlns:a16="http://schemas.microsoft.com/office/drawing/2014/main" id="{4F68B8E9-417E-0141-AE27-E298ED29929C}"/>
+                <a16:creationId xmlns:a16="http://schemas.microsoft.com/office/drawing/2014/main" xmlns="" id="{4F68B8E9-417E-0141-AE27-E298ED29929C}"/>
               </a:ext>
             </a:extLst>
           </p:cNvPr>
@@ -20516,7 +20524,7 @@
           <p:cNvPr id="22" name="Rechteck 21">
             <a:extLst>
               <a:ext uri="{FF2B5EF4-FFF2-40B4-BE49-F238E27FC236}">
-                <a16:creationId xmlns="" xmlns:a16="http://schemas.microsoft.com/office/drawing/2014/main" id="{4F68B8E9-417E-0141-AE27-E298ED29929C}"/>
+                <a16:creationId xmlns:a16="http://schemas.microsoft.com/office/drawing/2014/main" xmlns="" id="{4F68B8E9-417E-0141-AE27-E298ED29929C}"/>
               </a:ext>
             </a:extLst>
           </p:cNvPr>
@@ -20596,7 +20604,7 @@
           <p:cNvPr id="23" name="Rechteck 22">
             <a:extLst>
               <a:ext uri="{FF2B5EF4-FFF2-40B4-BE49-F238E27FC236}">
-                <a16:creationId xmlns="" xmlns:a16="http://schemas.microsoft.com/office/drawing/2014/main" id="{4F68B8E9-417E-0141-AE27-E298ED29929C}"/>
+                <a16:creationId xmlns:a16="http://schemas.microsoft.com/office/drawing/2014/main" xmlns="" id="{4F68B8E9-417E-0141-AE27-E298ED29929C}"/>
               </a:ext>
             </a:extLst>
           </p:cNvPr>
@@ -20676,7 +20684,7 @@
           <p:cNvPr id="24" name="Rechteck 23">
             <a:extLst>
               <a:ext uri="{FF2B5EF4-FFF2-40B4-BE49-F238E27FC236}">
-                <a16:creationId xmlns="" xmlns:a16="http://schemas.microsoft.com/office/drawing/2014/main" id="{4F68B8E9-417E-0141-AE27-E298ED29929C}"/>
+                <a16:creationId xmlns:a16="http://schemas.microsoft.com/office/drawing/2014/main" xmlns="" id="{4F68B8E9-417E-0141-AE27-E298ED29929C}"/>
               </a:ext>
             </a:extLst>
           </p:cNvPr>
@@ -20756,7 +20764,7 @@
           <p:cNvPr id="9" name="Gruppieren 8">
             <a:extLst>
               <a:ext uri="{FF2B5EF4-FFF2-40B4-BE49-F238E27FC236}">
-                <a16:creationId xmlns="" xmlns:a16="http://schemas.microsoft.com/office/drawing/2014/main" id="{4486AD8C-AE56-D242-9D38-422C22DC0E79}"/>
+                <a16:creationId xmlns:a16="http://schemas.microsoft.com/office/drawing/2014/main" xmlns="" id="{4486AD8C-AE56-D242-9D38-422C22DC0E79}"/>
               </a:ext>
             </a:extLst>
           </p:cNvPr>
@@ -20776,7 +20784,7 @@
             <p:cNvPr id="10" name="Rechteck 9">
               <a:extLst>
                 <a:ext uri="{FF2B5EF4-FFF2-40B4-BE49-F238E27FC236}">
-                  <a16:creationId xmlns="" xmlns:a16="http://schemas.microsoft.com/office/drawing/2014/main" id="{2DA4F791-2771-0D4B-8E5A-B9FF3D3DFC09}"/>
+                  <a16:creationId xmlns:a16="http://schemas.microsoft.com/office/drawing/2014/main" xmlns="" id="{2DA4F791-2771-0D4B-8E5A-B9FF3D3DFC09}"/>
                 </a:ext>
               </a:extLst>
             </p:cNvPr>
@@ -20911,7 +20919,7 @@
             <p:cNvPr id="11" name="Rechteck 10">
               <a:extLst>
                 <a:ext uri="{FF2B5EF4-FFF2-40B4-BE49-F238E27FC236}">
-                  <a16:creationId xmlns="" xmlns:a16="http://schemas.microsoft.com/office/drawing/2014/main" id="{FFFFA022-777A-0A4E-911B-AEAE519D2060}"/>
+                  <a16:creationId xmlns:a16="http://schemas.microsoft.com/office/drawing/2014/main" xmlns="" id="{FFFFA022-777A-0A4E-911B-AEAE519D2060}"/>
                 </a:ext>
               </a:extLst>
             </p:cNvPr>
@@ -20970,7 +20978,7 @@
           <p:cNvPr id="12" name="Gruppieren 11">
             <a:extLst>
               <a:ext uri="{FF2B5EF4-FFF2-40B4-BE49-F238E27FC236}">
-                <a16:creationId xmlns="" xmlns:a16="http://schemas.microsoft.com/office/drawing/2014/main" id="{D9956327-EB0F-D642-9E9B-AC923698C656}"/>
+                <a16:creationId xmlns:a16="http://schemas.microsoft.com/office/drawing/2014/main" xmlns="" id="{D9956327-EB0F-D642-9E9B-AC923698C656}"/>
               </a:ext>
             </a:extLst>
           </p:cNvPr>
@@ -20990,7 +20998,7 @@
             <p:cNvPr id="13" name="Rechteck 12">
               <a:extLst>
                 <a:ext uri="{FF2B5EF4-FFF2-40B4-BE49-F238E27FC236}">
-                  <a16:creationId xmlns="" xmlns:a16="http://schemas.microsoft.com/office/drawing/2014/main" id="{F194248D-D9F9-4C4E-8A4C-40C1EA946B12}"/>
+                  <a16:creationId xmlns:a16="http://schemas.microsoft.com/office/drawing/2014/main" xmlns="" id="{F194248D-D9F9-4C4E-8A4C-40C1EA946B12}"/>
                 </a:ext>
               </a:extLst>
             </p:cNvPr>
@@ -21142,7 +21150,7 @@
             <p:cNvPr id="14" name="Rechteck 13">
               <a:extLst>
                 <a:ext uri="{FF2B5EF4-FFF2-40B4-BE49-F238E27FC236}">
-                  <a16:creationId xmlns="" xmlns:a16="http://schemas.microsoft.com/office/drawing/2014/main" id="{57653FD1-269E-D047-9260-0629BDF911AF}"/>
+                  <a16:creationId xmlns:a16="http://schemas.microsoft.com/office/drawing/2014/main" xmlns="" id="{57653FD1-269E-D047-9260-0629BDF911AF}"/>
                 </a:ext>
               </a:extLst>
             </p:cNvPr>
@@ -21336,7 +21344,7 @@
           <p:cNvPr id="4" name="Gruppieren 3">
             <a:extLst>
               <a:ext uri="{FF2B5EF4-FFF2-40B4-BE49-F238E27FC236}">
-                <a16:creationId xmlns="" xmlns:a16="http://schemas.microsoft.com/office/drawing/2014/main" id="{783A73D2-C025-644E-A194-3438D291D352}"/>
+                <a16:creationId xmlns:a16="http://schemas.microsoft.com/office/drawing/2014/main" xmlns="" id="{783A73D2-C025-644E-A194-3438D291D352}"/>
               </a:ext>
             </a:extLst>
           </p:cNvPr>
@@ -21356,7 +21364,7 @@
             <p:cNvPr id="5" name="Rechteck 4">
               <a:extLst>
                 <a:ext uri="{FF2B5EF4-FFF2-40B4-BE49-F238E27FC236}">
-                  <a16:creationId xmlns="" xmlns:a16="http://schemas.microsoft.com/office/drawing/2014/main" id="{4F68B8E9-417E-0141-AE27-E298ED29929C}"/>
+                  <a16:creationId xmlns:a16="http://schemas.microsoft.com/office/drawing/2014/main" xmlns="" id="{4F68B8E9-417E-0141-AE27-E298ED29929C}"/>
                 </a:ext>
               </a:extLst>
             </p:cNvPr>
@@ -21547,7 +21555,7 @@
             <p:cNvPr id="6" name="Rechteck 5">
               <a:extLst>
                 <a:ext uri="{FF2B5EF4-FFF2-40B4-BE49-F238E27FC236}">
-                  <a16:creationId xmlns="" xmlns:a16="http://schemas.microsoft.com/office/drawing/2014/main" id="{B2717A64-B61E-B44C-B23D-CB509FB519CA}"/>
+                  <a16:creationId xmlns:a16="http://schemas.microsoft.com/office/drawing/2014/main" xmlns="" id="{B2717A64-B61E-B44C-B23D-CB509FB519CA}"/>
                 </a:ext>
               </a:extLst>
             </p:cNvPr>
@@ -21606,7 +21614,7 @@
           <p:cNvPr id="7" name="Gruppieren 6">
             <a:extLst>
               <a:ext uri="{FF2B5EF4-FFF2-40B4-BE49-F238E27FC236}">
-                <a16:creationId xmlns="" xmlns:a16="http://schemas.microsoft.com/office/drawing/2014/main" id="{783A73D2-C025-644E-A194-3438D291D352}"/>
+                <a16:creationId xmlns:a16="http://schemas.microsoft.com/office/drawing/2014/main" xmlns="" id="{783A73D2-C025-644E-A194-3438D291D352}"/>
               </a:ext>
             </a:extLst>
           </p:cNvPr>
@@ -21626,7 +21634,7 @@
             <p:cNvPr id="8" name="Rechteck 7">
               <a:extLst>
                 <a:ext uri="{FF2B5EF4-FFF2-40B4-BE49-F238E27FC236}">
-                  <a16:creationId xmlns="" xmlns:a16="http://schemas.microsoft.com/office/drawing/2014/main" id="{4F68B8E9-417E-0141-AE27-E298ED29929C}"/>
+                  <a16:creationId xmlns:a16="http://schemas.microsoft.com/office/drawing/2014/main" xmlns="" id="{4F68B8E9-417E-0141-AE27-E298ED29929C}"/>
                 </a:ext>
               </a:extLst>
             </p:cNvPr>
@@ -21795,7 +21803,7 @@
             <p:cNvPr id="9" name="Rechteck 8">
               <a:extLst>
                 <a:ext uri="{FF2B5EF4-FFF2-40B4-BE49-F238E27FC236}">
-                  <a16:creationId xmlns="" xmlns:a16="http://schemas.microsoft.com/office/drawing/2014/main" id="{B2717A64-B61E-B44C-B23D-CB509FB519CA}"/>
+                  <a16:creationId xmlns:a16="http://schemas.microsoft.com/office/drawing/2014/main" xmlns="" id="{B2717A64-B61E-B44C-B23D-CB509FB519CA}"/>
                 </a:ext>
               </a:extLst>
             </p:cNvPr>
@@ -21930,21 +21938,21 @@
                 <a:gridCol w="2794176">
                   <a:extLst>
                     <a:ext uri="{9D8B030D-6E8A-4147-A177-3AD203B41FA5}">
-                      <a16:colId xmlns="" xmlns:a16="http://schemas.microsoft.com/office/drawing/2014/main" val="20000"/>
+                      <a16:colId xmlns:a16="http://schemas.microsoft.com/office/drawing/2014/main" xmlns="" val="20000"/>
                     </a:ext>
                   </a:extLst>
                 </a:gridCol>
                 <a:gridCol w="3736622">
                   <a:extLst>
                     <a:ext uri="{9D8B030D-6E8A-4147-A177-3AD203B41FA5}">
-                      <a16:colId xmlns="" xmlns:a16="http://schemas.microsoft.com/office/drawing/2014/main" val="20001"/>
+                      <a16:colId xmlns:a16="http://schemas.microsoft.com/office/drawing/2014/main" xmlns="" val="20001"/>
                     </a:ext>
                   </a:extLst>
                 </a:gridCol>
                 <a:gridCol w="4049890">
                   <a:extLst>
                     <a:ext uri="{9D8B030D-6E8A-4147-A177-3AD203B41FA5}">
-                      <a16:colId xmlns="" xmlns:a16="http://schemas.microsoft.com/office/drawing/2014/main" val="20002"/>
+                      <a16:colId xmlns:a16="http://schemas.microsoft.com/office/drawing/2014/main" xmlns="" val="20002"/>
                     </a:ext>
                   </a:extLst>
                 </a:gridCol>
@@ -22116,7 +22124,7 @@
                 </a:tc>
                 <a:extLst>
                   <a:ext uri="{0D108BD9-81ED-4DB2-BD59-A6C34878D82A}">
-                    <a16:rowId xmlns="" xmlns:a16="http://schemas.microsoft.com/office/drawing/2014/main" val="10000"/>
+                    <a16:rowId xmlns:a16="http://schemas.microsoft.com/office/drawing/2014/main" xmlns="" val="10000"/>
                   </a:ext>
                 </a:extLst>
               </a:tr>
@@ -22272,7 +22280,7 @@
                 </a:tc>
                 <a:extLst>
                   <a:ext uri="{0D108BD9-81ED-4DB2-BD59-A6C34878D82A}">
-                    <a16:rowId xmlns="" xmlns:a16="http://schemas.microsoft.com/office/drawing/2014/main" val="10001"/>
+                    <a16:rowId xmlns:a16="http://schemas.microsoft.com/office/drawing/2014/main" xmlns="" val="10001"/>
                   </a:ext>
                 </a:extLst>
               </a:tr>
@@ -22445,7 +22453,7 @@
                 </a:tc>
                 <a:extLst>
                   <a:ext uri="{0D108BD9-81ED-4DB2-BD59-A6C34878D82A}">
-                    <a16:rowId xmlns="" xmlns:a16="http://schemas.microsoft.com/office/drawing/2014/main" val="10002"/>
+                    <a16:rowId xmlns:a16="http://schemas.microsoft.com/office/drawing/2014/main" xmlns="" val="10002"/>
                   </a:ext>
                 </a:extLst>
               </a:tr>
@@ -22623,7 +22631,7 @@
                 </a:tc>
                 <a:extLst>
                   <a:ext uri="{0D108BD9-81ED-4DB2-BD59-A6C34878D82A}">
-                    <a16:rowId xmlns="" xmlns:a16="http://schemas.microsoft.com/office/drawing/2014/main" val="10003"/>
+                    <a16:rowId xmlns:a16="http://schemas.microsoft.com/office/drawing/2014/main" xmlns="" val="10003"/>
                   </a:ext>
                 </a:extLst>
               </a:tr>
@@ -22807,7 +22815,7 @@
                 </a:tc>
                 <a:extLst>
                   <a:ext uri="{0D108BD9-81ED-4DB2-BD59-A6C34878D82A}">
-                    <a16:rowId xmlns="" xmlns:a16="http://schemas.microsoft.com/office/drawing/2014/main" val="10004"/>
+                    <a16:rowId xmlns:a16="http://schemas.microsoft.com/office/drawing/2014/main" xmlns="" val="10004"/>
                   </a:ext>
                 </a:extLst>
               </a:tr>
@@ -22820,7 +22828,7 @@
           <p:cNvPr id="8" name="Grafik 7">
             <a:extLst>
               <a:ext uri="{FF2B5EF4-FFF2-40B4-BE49-F238E27FC236}">
-                <a16:creationId xmlns="" xmlns:a16="http://schemas.microsoft.com/office/drawing/2014/main" id="{A0D83B10-750B-6445-9B6E-0595A3D3107B}"/>
+                <a16:creationId xmlns:a16="http://schemas.microsoft.com/office/drawing/2014/main" xmlns="" id="{A0D83B10-750B-6445-9B6E-0595A3D3107B}"/>
               </a:ext>
             </a:extLst>
           </p:cNvPr>
@@ -22856,7 +22864,7 @@
           <p:cNvPr id="3" name="Rechteck 2">
             <a:extLst>
               <a:ext uri="{FF2B5EF4-FFF2-40B4-BE49-F238E27FC236}">
-                <a16:creationId xmlns="" xmlns:a16="http://schemas.microsoft.com/office/drawing/2014/main" id="{8931C094-1625-A446-B2FF-B51DE0FA36CB}"/>
+                <a16:creationId xmlns:a16="http://schemas.microsoft.com/office/drawing/2014/main" xmlns="" id="{8931C094-1625-A446-B2FF-B51DE0FA36CB}"/>
               </a:ext>
             </a:extLst>
           </p:cNvPr>
